--- a/help/data-sheets/assets/OnlineSupportDatasheet.pptx
+++ b/help/data-sheets/assets/OnlineSupportDatasheet.pptx
@@ -255,7 +255,7 @@
           <a:p>
             <a:fld id="{A438815C-EDE5-F947-A55F-7634403F36C4}" type="datetimeFigureOut">
               <a:rPr lang="en-US" smtClean="0"/>
-              <a:t>9/22/2021</a:t>
+              <a:t>10/1/2021</a:t>
             </a:fld>
             <a:endParaRPr lang="en-US"/>
           </a:p>
@@ -878,7 +878,7 @@
           <a:p>
             <a:fld id="{1D8BD707-D9CF-40AE-B4C6-C98DA3205C09}" type="datetimeFigureOut">
               <a:rPr lang="en-US"/>
-              <a:t>9/22/2021</a:t>
+              <a:t>10/1/2021</a:t>
             </a:fld>
             <a:endParaRPr lang="en-US"/>
           </a:p>
@@ -1062,7 +1062,7 @@
           <a:p>
             <a:fld id="{1D8BD707-D9CF-40AE-B4C6-C98DA3205C09}" type="datetimeFigureOut">
               <a:rPr lang="en-US"/>
-              <a:t>9/22/2021</a:t>
+              <a:t>10/1/2021</a:t>
             </a:fld>
             <a:endParaRPr lang="en-US"/>
           </a:p>
@@ -1364,7 +1364,7 @@
           <a:p>
             <a:fld id="{1D8BD707-D9CF-40AE-B4C6-C98DA3205C09}" type="datetimeFigureOut">
               <a:rPr lang="en-US"/>
-              <a:t>9/22/2021</a:t>
+              <a:t>10/1/2021</a:t>
             </a:fld>
             <a:endParaRPr lang="en-US"/>
           </a:p>
@@ -1619,7 +1619,7 @@
         <p:spPr>
           <a:xfrm>
             <a:off x="95250" y="7228840"/>
-            <a:ext cx="2800350" cy="238760"/>
+            <a:ext cx="4248150" cy="227626"/>
           </a:xfrm>
           <a:prstGeom prst="rect">
             <a:avLst/>
@@ -1640,7 +1640,7 @@
               </a:spcBef>
             </a:pPr>
             <a:r>
-              <a:rPr sz="1400" b="1" u="heavy" spc="10" dirty="0">
+              <a:rPr lang="ja-JP" sz="1400" b="1" u="heavy">
                 <a:solidFill>
                   <a:srgbClr val="020302"/>
                 </a:solidFill>
@@ -1649,90 +1649,12 @@
                     <a:srgbClr val="020302"/>
                   </a:solidFill>
                 </a:uFill>
-                <a:latin typeface="Adobe Clean"/>
+                <a:latin typeface="Adobe Clean Han Regular" panose="020B0500000000000000" pitchFamily="34" charset="-128"/>
+                <a:ea typeface="Adobe Clean Han Regular" panose="020B0500000000000000" pitchFamily="34" charset="-128"/>
                 <a:cs typeface="Adobe Clean"/>
               </a:rPr>
-              <a:t>Service </a:t>
+              <a:t>サービスレベルターゲット：初期対応</a:t>
             </a:r>
-            <a:r>
-              <a:rPr sz="1400" b="1" u="heavy" spc="-10" dirty="0">
-                <a:solidFill>
-                  <a:srgbClr val="020302"/>
-                </a:solidFill>
-                <a:uFill>
-                  <a:solidFill>
-                    <a:srgbClr val="020302"/>
-                  </a:solidFill>
-                </a:uFill>
-                <a:latin typeface="Adobe Clean"/>
-                <a:cs typeface="Adobe Clean"/>
-              </a:rPr>
-              <a:t>Level </a:t>
-            </a:r>
-            <a:r>
-              <a:rPr sz="1400" b="1" u="heavy" spc="-45" dirty="0">
-                <a:solidFill>
-                  <a:srgbClr val="020302"/>
-                </a:solidFill>
-                <a:uFill>
-                  <a:solidFill>
-                    <a:srgbClr val="020302"/>
-                  </a:solidFill>
-                </a:uFill>
-                <a:latin typeface="Adobe Clean"/>
-                <a:cs typeface="Adobe Clean"/>
-              </a:rPr>
-              <a:t>Targets: </a:t>
-            </a:r>
-            <a:r>
-              <a:rPr sz="1400" b="1" u="heavy" spc="-10" dirty="0">
-                <a:solidFill>
-                  <a:srgbClr val="020302"/>
-                </a:solidFill>
-                <a:uFill>
-                  <a:solidFill>
-                    <a:srgbClr val="020302"/>
-                  </a:solidFill>
-                </a:uFill>
-                <a:latin typeface="Adobe Clean"/>
-                <a:cs typeface="Adobe Clean"/>
-              </a:rPr>
-              <a:t>Initial</a:t>
-            </a:r>
-            <a:r>
-              <a:rPr sz="1400" b="1" u="heavy" spc="-140" dirty="0">
-                <a:solidFill>
-                  <a:srgbClr val="020302"/>
-                </a:solidFill>
-                <a:uFill>
-                  <a:solidFill>
-                    <a:srgbClr val="020302"/>
-                  </a:solidFill>
-                </a:uFill>
-                <a:latin typeface="Adobe Clean"/>
-                <a:cs typeface="Adobe Clean"/>
-              </a:rPr>
-              <a:t> </a:t>
-            </a:r>
-            <a:r>
-              <a:rPr sz="1400" b="1" u="heavy" spc="-15" dirty="0">
-                <a:solidFill>
-                  <a:srgbClr val="020302"/>
-                </a:solidFill>
-                <a:uFill>
-                  <a:solidFill>
-                    <a:srgbClr val="020302"/>
-                  </a:solidFill>
-                </a:uFill>
-                <a:latin typeface="Adobe Clean"/>
-                <a:cs typeface="Adobe Clean"/>
-              </a:rPr>
-              <a:t>Response</a:t>
-            </a:r>
-            <a:endParaRPr sz="1400" dirty="0">
-              <a:latin typeface="Adobe Clean"/>
-              <a:cs typeface="Adobe Clean"/>
-            </a:endParaRPr>
           </a:p>
         </p:txBody>
       </p:sp>
@@ -1761,7 +1683,10 @@
           <a:bodyPr wrap="square" lIns="0" tIns="0" rIns="0" bIns="0" rtlCol="0"/>
           <a:lstStyle/>
           <a:p>
-            <a:endParaRPr/>
+            <a:endParaRPr>
+              <a:latin typeface="Adobe Clean Han Regular" panose="020B0500000000000000" pitchFamily="34" charset="-128"/>
+              <a:ea typeface="Adobe Clean Han Regular" panose="020B0500000000000000" pitchFamily="34" charset="-128"/>
+            </a:endParaRPr>
           </a:p>
         </p:txBody>
       </p:sp>
@@ -1774,7 +1699,7 @@
         <p:spPr>
           <a:xfrm>
             <a:off x="136772" y="813361"/>
-            <a:ext cx="6035427" cy="1089529"/>
+            <a:ext cx="6035427" cy="1085746"/>
           </a:xfrm>
           <a:prstGeom prst="rect">
             <a:avLst/>
@@ -1795,45 +1720,51 @@
               </a:spcBef>
             </a:pPr>
             <a:r>
-              <a:rPr lang="en-US" sz="1200" b="1" dirty="0">
+              <a:rPr lang="ja-JP" sz="1050" b="1" dirty="0">
                 <a:solidFill>
                   <a:schemeClr val="bg1"/>
                 </a:solidFill>
+                <a:latin typeface="Adobe Clean Han Regular" panose="020B0500000000000000" pitchFamily="34" charset="-128"/>
+                <a:ea typeface="Adobe Clean Han Regular" panose="020B0500000000000000" pitchFamily="34" charset="-128"/>
               </a:rPr>
-              <a:t>Online</a:t>
+              <a:t>オンライン</a:t>
             </a:r>
             <a:r>
-              <a:rPr lang="en-US" sz="1200" dirty="0">
+              <a:rPr lang="ja-JP" sz="1050" dirty="0">
                 <a:solidFill>
                   <a:schemeClr val="bg1"/>
                 </a:solidFill>
-                <a:latin typeface="Adobe Clean Light" panose="020B0303020404020204" pitchFamily="34" charset="0"/>
+                <a:latin typeface="Adobe Clean Han Regular" panose="020B0500000000000000" pitchFamily="34" charset="-128"/>
+                <a:ea typeface="Adobe Clean Han Regular" panose="020B0500000000000000" pitchFamily="34" charset="-128"/>
               </a:rPr>
-              <a:t> | Business | Enterprise | Elite</a:t>
+              <a:t> | ビジネス | エンタープライズ | エリート</a:t>
             </a:r>
             <a:br>
-              <a:rPr lang="en-US" sz="900" dirty="0">
+              <a:rPr lang="ja-JP" sz="700" dirty="0">
                 <a:solidFill>
                   <a:schemeClr val="bg1"/>
                 </a:solidFill>
-                <a:latin typeface="Adobe Clean Light" panose="020B0303020404020204" pitchFamily="34" charset="0"/>
+                <a:latin typeface="Adobe Clean Han Regular" panose="020B0500000000000000" pitchFamily="34" charset="-128"/>
+                <a:ea typeface="Adobe Clean Han Regular" panose="020B0500000000000000" pitchFamily="34" charset="-128"/>
               </a:rPr>
             </a:br>
             <a:r>
-              <a:rPr lang="en-US" sz="900" dirty="0">
+              <a:rPr lang="ja-JP" sz="700" dirty="0">
                 <a:solidFill>
                   <a:schemeClr val="bg1"/>
                 </a:solidFill>
-                <a:latin typeface="Adobe Clean SemiLight" panose="020B0403020404020204" pitchFamily="34" charset="0"/>
+                <a:latin typeface="Adobe Clean Han Regular" panose="020B0500000000000000" pitchFamily="34" charset="-128"/>
+                <a:ea typeface="Adobe Clean Han Regular" panose="020B0500000000000000" pitchFamily="34" charset="-128"/>
               </a:rPr>
-              <a:t>Adobe provides a comprehensive range of technical resources to help support your business included as part of your Experience Cloud license subscription. Online support includes access to personalized learning paths and monitored community forums via the Adobe Experience League. You can take advantage of our detailed and in-depth technical product documentation and current release notes published on </a:t>
+              <a:t>アドビでは、お客様のビジネスをサポートするために、包括的なテクニカルリソースを提供しています。これらのリソースは、Experience Cloud のライセンスサブスクリプションに含まれています。オンラインサポートでは、Adobe Experience League のパーソナライズされたラーニングパスやモニタリングされているコミュニティフォーラムへのアクセスが提供されます。アドビ製品に関する詳細なテクニカルドキュメントや最新のリリースノートは </a:t>
             </a:r>
             <a:r>
-              <a:rPr lang="en-US" sz="900" u="sng" dirty="0">
+              <a:rPr lang="ja-JP" sz="700" u="sng" dirty="0">
                 <a:solidFill>
                   <a:schemeClr val="bg1"/>
                 </a:solidFill>
-                <a:latin typeface="Adobe Clean SemiLight" panose="020B0403020404020204" pitchFamily="34" charset="0"/>
+                <a:latin typeface="Adobe Clean Han Regular" panose="020B0500000000000000" pitchFamily="34" charset="-128"/>
+                <a:ea typeface="Adobe Clean Han Regular" panose="020B0500000000000000" pitchFamily="34" charset="-128"/>
                 <a:hlinkClick r:id="rId4">
                   <a:extLst>
                     <a:ext uri="{A12FA001-AC4F-418D-AE19-62706E023703}">
@@ -1845,21 +1776,15 @@
               <a:t>http://www.adobe.com</a:t>
             </a:r>
             <a:r>
-              <a:rPr lang="en-US" sz="900" dirty="0">
+              <a:rPr lang="ja-JP" sz="700" dirty="0">
                 <a:solidFill>
                   <a:schemeClr val="bg1"/>
                 </a:solidFill>
-                <a:latin typeface="Adobe Clean SemiLight" panose="020B0403020404020204" pitchFamily="34" charset="0"/>
+                <a:latin typeface="Adobe Clean Han Regular" panose="020B0500000000000000" pitchFamily="34" charset="-128"/>
+                <a:ea typeface="Adobe Clean Han Regular" panose="020B0500000000000000" pitchFamily="34" charset="-128"/>
               </a:rPr>
-              <a:t> Our Online package also includes access to our technical support teams for any critical P1 product issues via telephone to help protect your business at the most critical times as well as providing the ability to log lower priority requests for assistance via support web portal.</a:t>
+              <a:t> で公開されており、いつでも参照可能です。また、オンラインサポートには、テクニカルサポートチームへのアクセスが含まれています。優先度 1（P1）に分類される最も深刻な問題については、必要なときに電話による直接サポートを受けることができます。より優先度が低いリクエストなどは、サポート web ポータルを使用して申請することが可能です。</a:t>
             </a:r>
-            <a:endParaRPr lang="en-US" sz="900" dirty="0">
-              <a:solidFill>
-                <a:schemeClr val="bg1"/>
-              </a:solidFill>
-              <a:latin typeface="Adobe Clean Light" panose="020B0303020404020204" pitchFamily="34" charset="0"/>
-              <a:cs typeface="AdobeClean-Light"/>
-            </a:endParaRPr>
           </a:p>
         </p:txBody>
       </p:sp>
@@ -1888,7 +1813,10 @@
           <a:bodyPr wrap="square" lIns="0" tIns="0" rIns="0" bIns="0" rtlCol="0"/>
           <a:lstStyle/>
           <a:p>
-            <a:endParaRPr/>
+            <a:endParaRPr>
+              <a:latin typeface="Adobe Clean Han Regular" panose="020B0500000000000000" pitchFamily="34" charset="-128"/>
+              <a:ea typeface="Adobe Clean Han Regular" panose="020B0500000000000000" pitchFamily="34" charset="-128"/>
+            </a:endParaRPr>
           </a:p>
         </p:txBody>
       </p:sp>
@@ -1901,14 +1829,14 @@
           <p:nvPr>
             <p:extLst>
               <p:ext uri="{D42A27DB-BD31-4B8C-83A1-F6EECF244321}">
-                <p14:modId xmlns:p14="http://schemas.microsoft.com/office/powerpoint/2010/main" val="1019627915"/>
+                <p14:modId xmlns:p14="http://schemas.microsoft.com/office/powerpoint/2010/main" val="3747290874"/>
               </p:ext>
             </p:extLst>
           </p:nvPr>
         </p:nvGraphicFramePr>
         <p:xfrm>
-          <a:off x="0" y="1938946"/>
-          <a:ext cx="7705343" cy="5227197"/>
+          <a:off x="0" y="1938948"/>
+          <a:ext cx="7705343" cy="5057617"/>
         </p:xfrm>
         <a:graphic>
           <a:graphicData uri="http://schemas.openxmlformats.org/drawingml/2006/table">
@@ -1967,13 +1895,16 @@
                   </a:extLst>
                 </a:gridCol>
               </a:tblGrid>
-              <a:tr h="218820">
+              <a:tr h="345489">
                 <a:tc gridSpan="2">
                   <a:txBody>
                     <a:bodyPr/>
                     <a:lstStyle/>
                     <a:p>
-                      <a:endParaRPr lang="en-US" spc="0" dirty="0"/>
+                      <a:endParaRPr lang="en-US" spc="0" dirty="0">
+                        <a:latin typeface="Adobe Clean Han Regular" panose="020B0500000000000000" pitchFamily="34" charset="-128"/>
+                        <a:ea typeface="Adobe Clean Han Regular" panose="020B0500000000000000" pitchFamily="34" charset="-128"/>
+                      </a:endParaRPr>
                     </a:p>
                   </a:txBody>
                   <a:tcPr/>
@@ -2002,39 +1933,16 @@
                         </a:spcBef>
                       </a:pPr>
                       <a:r>
-                        <a:rPr sz="900" spc="0" dirty="0">
+                        <a:rPr lang="ja-JP" sz="600">
                           <a:solidFill>
                             <a:srgbClr val="404040"/>
                           </a:solidFill>
-                          <a:latin typeface="Adobe Clean"/>
+                          <a:latin typeface="Adobe Clean Han Regular" panose="020B0500000000000000" pitchFamily="34" charset="-128"/>
+                          <a:ea typeface="Adobe Clean Han Regular" panose="020B0500000000000000" pitchFamily="34" charset="-128"/>
                           <a:cs typeface="Adobe Clean"/>
                         </a:rPr>
-                        <a:t>Online</a:t>
+                        <a:t>オンラインサポート</a:t>
                       </a:r>
-                      <a:r>
-                        <a:rPr lang="en-US" sz="900" spc="0" dirty="0">
-                          <a:solidFill>
-                            <a:srgbClr val="404040"/>
-                          </a:solidFill>
-                          <a:latin typeface="Adobe Clean"/>
-                          <a:cs typeface="Adobe Clean"/>
-                        </a:rPr>
-                        <a:t> </a:t>
-                      </a:r>
-                      <a:r>
-                        <a:rPr sz="900" spc="0" dirty="0">
-                          <a:solidFill>
-                            <a:srgbClr val="404040"/>
-                          </a:solidFill>
-                          <a:latin typeface="Adobe Clean"/>
-                          <a:cs typeface="Adobe Clean"/>
-                        </a:rPr>
-                        <a:t>Support</a:t>
-                      </a:r>
-                      <a:endParaRPr sz="900" spc="0" dirty="0">
-                        <a:latin typeface="Adobe Clean"/>
-                        <a:cs typeface="Adobe Clean"/>
-                      </a:endParaRPr>
                     </a:p>
                   </a:txBody>
                   <a:tcPr marL="0" marR="0" marT="7620" marB="0" anchor="ctr">
@@ -2069,92 +1977,116 @@
                         </a:spcBef>
                       </a:pPr>
                       <a:r>
-                        <a:rPr sz="900" spc="0" dirty="0">
+                        <a:rPr lang="ja-JP" sz="600">
+                          <a:solidFill>
+                            <a:srgbClr val="FFFFFF"/>
+                          </a:solidFill>
+                          <a:latin typeface="Adobe Clean Han Regular" panose="020B0500000000000000" pitchFamily="34" charset="-128"/>
+                          <a:ea typeface="Adobe Clean Han Regular" panose="020B0500000000000000" pitchFamily="34" charset="-128"/>
+                          <a:cs typeface="Adobe Clean"/>
+                        </a:rPr>
+                        <a:t>ビジネスサポート</a:t>
+                      </a:r>
+                    </a:p>
+                  </a:txBody>
+                  <a:tcPr marL="0" marR="0" marT="7620" marB="0" anchor="ctr">
+                    <a:lnL w="3175">
+                      <a:solidFill>
+                        <a:srgbClr val="B7B8B8"/>
+                      </a:solidFill>
+                      <a:prstDash val="solid"/>
+                    </a:lnL>
+                    <a:lnR w="3175">
+                      <a:solidFill>
+                        <a:srgbClr val="B7B8B8"/>
+                      </a:solidFill>
+                      <a:prstDash val="solid"/>
+                    </a:lnR>
+                    <a:lnB w="76200">
+                      <a:solidFill>
+                        <a:srgbClr val="ACD2FF"/>
+                      </a:solidFill>
+                      <a:prstDash val="solid"/>
+                    </a:lnB>
+                    <a:solidFill>
+                      <a:srgbClr val="7D7D7D"/>
+                    </a:solidFill>
+                  </a:tcPr>
+                </a:tc>
+                <a:tc gridSpan="2">
+                  <a:txBody>
+                    <a:bodyPr/>
+                    <a:lstStyle/>
+                    <a:p>
+                      <a:pPr marL="2540" algn="ctr">
+                        <a:lnSpc>
+                          <a:spcPct val="100000"/>
+                        </a:lnSpc>
+                        <a:spcBef>
+                          <a:spcPts val="60"/>
+                        </a:spcBef>
+                      </a:pPr>
+                      <a:r>
+                        <a:rPr lang="ja-JP" sz="600">
+                          <a:solidFill>
+                            <a:srgbClr val="FFFFFF"/>
+                          </a:solidFill>
+                          <a:latin typeface="Adobe Clean Han Regular" panose="020B0500000000000000" pitchFamily="34" charset="-128"/>
+                          <a:ea typeface="Adobe Clean Han Regular" panose="020B0500000000000000" pitchFamily="34" charset="-128"/>
+                          <a:cs typeface="Adobe Clean"/>
+                        </a:rPr>
+                        <a:t>エンタープライズサポート</a:t>
+                      </a:r>
+                    </a:p>
+                  </a:txBody>
+                  <a:tcPr marL="0" marR="0" marT="7620" marB="0" anchor="ctr">
+                    <a:lnL w="3175">
+                      <a:solidFill>
+                        <a:srgbClr val="B7B8B8"/>
+                      </a:solidFill>
+                      <a:prstDash val="solid"/>
+                    </a:lnL>
+                    <a:lnR w="3175">
+                      <a:solidFill>
+                        <a:srgbClr val="B7B8B8"/>
+                      </a:solidFill>
+                      <a:prstDash val="solid"/>
+                    </a:lnR>
+                    <a:lnB w="76200">
+                      <a:solidFill>
+                        <a:srgbClr val="2E8FFF"/>
+                      </a:solidFill>
+                      <a:prstDash val="solid"/>
+                    </a:lnB>
+                    <a:solidFill>
+                      <a:srgbClr val="404040"/>
+                    </a:solidFill>
+                  </a:tcPr>
+                </a:tc>
+                <a:tc hMerge="1">
+                  <a:txBody>
+                    <a:bodyPr/>
+                    <a:lstStyle/>
+                    <a:p>
+                      <a:pPr marL="635" algn="ctr">
+                        <a:lnSpc>
+                          <a:spcPct val="100000"/>
+                        </a:lnSpc>
+                        <a:spcBef>
+                          <a:spcPts val="60"/>
+                        </a:spcBef>
+                      </a:pPr>
+                      <a:r>
+                        <a:rPr lang="ja-JP" sz="900">
                           <a:solidFill>
                             <a:srgbClr val="FFFFFF"/>
                           </a:solidFill>
                           <a:latin typeface="Adobe Clean"/>
+                          <a:ea typeface="MS Mincho"/>
                           <a:cs typeface="Adobe Clean"/>
                         </a:rPr>
-                        <a:t>Business</a:t>
+                        <a:t>エンタープライズサポート</a:t>
                       </a:r>
-                      <a:r>
-                        <a:rPr lang="en-US" sz="900" spc="0" dirty="0">
-                          <a:solidFill>
-                            <a:srgbClr val="FFFFFF"/>
-                          </a:solidFill>
-                          <a:latin typeface="Adobe Clean"/>
-                          <a:cs typeface="Adobe Clean"/>
-                        </a:rPr>
-                        <a:t> </a:t>
-                      </a:r>
-                      <a:r>
-                        <a:rPr sz="900" spc="0" dirty="0">
-                          <a:solidFill>
-                            <a:srgbClr val="FFFFFF"/>
-                          </a:solidFill>
-                          <a:latin typeface="Adobe Clean"/>
-                          <a:cs typeface="Adobe Clean"/>
-                        </a:rPr>
-                        <a:t>Support</a:t>
-                      </a:r>
-                      <a:endParaRPr sz="900" spc="0" dirty="0">
-                        <a:latin typeface="Adobe Clean"/>
-                        <a:cs typeface="Adobe Clean"/>
-                      </a:endParaRPr>
-                    </a:p>
-                  </a:txBody>
-                  <a:tcPr marL="0" marR="0" marT="7620" marB="0" anchor="ctr">
-                    <a:lnL w="3175">
-                      <a:solidFill>
-                        <a:srgbClr val="B7B8B8"/>
-                      </a:solidFill>
-                      <a:prstDash val="solid"/>
-                    </a:lnL>
-                    <a:lnR w="3175">
-                      <a:solidFill>
-                        <a:srgbClr val="B7B8B8"/>
-                      </a:solidFill>
-                      <a:prstDash val="solid"/>
-                    </a:lnR>
-                    <a:lnB w="76200">
-                      <a:solidFill>
-                        <a:srgbClr val="ACD2FF"/>
-                      </a:solidFill>
-                      <a:prstDash val="solid"/>
-                    </a:lnB>
-                    <a:solidFill>
-                      <a:srgbClr val="7D7D7D"/>
-                    </a:solidFill>
-                  </a:tcPr>
-                </a:tc>
-                <a:tc gridSpan="2">
-                  <a:txBody>
-                    <a:bodyPr/>
-                    <a:lstStyle/>
-                    <a:p>
-                      <a:pPr marL="2540" algn="ctr">
-                        <a:lnSpc>
-                          <a:spcPct val="100000"/>
-                        </a:lnSpc>
-                        <a:spcBef>
-                          <a:spcPts val="60"/>
-                        </a:spcBef>
-                      </a:pPr>
-                      <a:r>
-                        <a:rPr lang="en-US" sz="900" spc="0" dirty="0">
-                          <a:solidFill>
-                            <a:srgbClr val="FFFFFF"/>
-                          </a:solidFill>
-                          <a:latin typeface="Adobe Clean"/>
-                          <a:cs typeface="Adobe Clean"/>
-                        </a:rPr>
-                        <a:t>Enterprise Support</a:t>
-                      </a:r>
-                      <a:endParaRPr sz="900" spc="0" dirty="0">
-                        <a:latin typeface="Adobe Clean"/>
-                        <a:cs typeface="Adobe Clean"/>
-                      </a:endParaRPr>
                     </a:p>
                   </a:txBody>
                   <a:tcPr marL="0" marR="0" marT="7620" marB="0" anchor="ctr">
@@ -2181,7 +2113,7 @@
                     </a:solidFill>
                   </a:tcPr>
                 </a:tc>
-                <a:tc hMerge="1">
+                <a:tc>
                   <a:txBody>
                     <a:bodyPr/>
                     <a:lstStyle/>
@@ -2195,112 +2127,16 @@
                         </a:spcBef>
                       </a:pPr>
                       <a:r>
-                        <a:rPr sz="900" spc="-20" dirty="0">
+                        <a:rPr lang="ja-JP" sz="600" dirty="0">
                           <a:solidFill>
                             <a:srgbClr val="FFFFFF"/>
                           </a:solidFill>
-                          <a:latin typeface="Adobe Clean"/>
+                          <a:latin typeface="Adobe Clean Han Regular" panose="020B0500000000000000" pitchFamily="34" charset="-128"/>
+                          <a:ea typeface="Adobe Clean Han Regular" panose="020B0500000000000000" pitchFamily="34" charset="-128"/>
                           <a:cs typeface="Adobe Clean"/>
                         </a:rPr>
-                        <a:t>Enterprise</a:t>
+                        <a:t>エリートサポート</a:t>
                       </a:r>
-                      <a:r>
-                        <a:rPr lang="en-US" sz="900" spc="-20" dirty="0">
-                          <a:solidFill>
-                            <a:srgbClr val="FFFFFF"/>
-                          </a:solidFill>
-                          <a:latin typeface="Adobe Clean"/>
-                          <a:cs typeface="Adobe Clean"/>
-                        </a:rPr>
-                        <a:t> </a:t>
-                      </a:r>
-                      <a:r>
-                        <a:rPr sz="900" spc="-20" dirty="0">
-                          <a:solidFill>
-                            <a:srgbClr val="FFFFFF"/>
-                          </a:solidFill>
-                          <a:latin typeface="Adobe Clean"/>
-                          <a:cs typeface="Adobe Clean"/>
-                        </a:rPr>
-                        <a:t>Support</a:t>
-                      </a:r>
-                      <a:endParaRPr sz="900" dirty="0">
-                        <a:latin typeface="Adobe Clean"/>
-                        <a:cs typeface="Adobe Clean"/>
-                      </a:endParaRPr>
-                    </a:p>
-                  </a:txBody>
-                  <a:tcPr marL="0" marR="0" marT="7620" marB="0" anchor="ctr">
-                    <a:lnL w="3175">
-                      <a:solidFill>
-                        <a:srgbClr val="B7B8B8"/>
-                      </a:solidFill>
-                      <a:prstDash val="solid"/>
-                    </a:lnL>
-                    <a:lnR w="3175">
-                      <a:solidFill>
-                        <a:srgbClr val="B7B8B8"/>
-                      </a:solidFill>
-                      <a:prstDash val="solid"/>
-                    </a:lnR>
-                    <a:lnB w="76200">
-                      <a:solidFill>
-                        <a:srgbClr val="2E8FFF"/>
-                      </a:solidFill>
-                      <a:prstDash val="solid"/>
-                    </a:lnB>
-                    <a:solidFill>
-                      <a:srgbClr val="404040"/>
-                    </a:solidFill>
-                  </a:tcPr>
-                </a:tc>
-                <a:tc>
-                  <a:txBody>
-                    <a:bodyPr/>
-                    <a:lstStyle/>
-                    <a:p>
-                      <a:pPr marL="635" algn="ctr">
-                        <a:lnSpc>
-                          <a:spcPct val="100000"/>
-                        </a:lnSpc>
-                        <a:spcBef>
-                          <a:spcPts val="60"/>
-                        </a:spcBef>
-                      </a:pPr>
-                      <a:r>
-                        <a:rPr sz="900" spc="0" dirty="0">
-                          <a:solidFill>
-                            <a:srgbClr val="FFFFFF"/>
-                          </a:solidFill>
-                          <a:latin typeface="Adobe Clean"/>
-                          <a:cs typeface="Adobe Clean"/>
-                        </a:rPr>
-                        <a:t>Elite</a:t>
-                      </a:r>
-                      <a:r>
-                        <a:rPr lang="en-US" sz="900" spc="0" dirty="0">
-                          <a:solidFill>
-                            <a:srgbClr val="FFFFFF"/>
-                          </a:solidFill>
-                          <a:latin typeface="Adobe Clean"/>
-                          <a:cs typeface="Adobe Clean"/>
-                        </a:rPr>
-                        <a:t> </a:t>
-                      </a:r>
-                      <a:r>
-                        <a:rPr sz="900" spc="0" dirty="0">
-                          <a:solidFill>
-                            <a:srgbClr val="FFFFFF"/>
-                          </a:solidFill>
-                          <a:latin typeface="Adobe Clean"/>
-                          <a:cs typeface="Adobe Clean"/>
-                        </a:rPr>
-                        <a:t>Support</a:t>
-                      </a:r>
-                      <a:endParaRPr sz="900" spc="0" dirty="0">
-                        <a:latin typeface="Adobe Clean"/>
-                        <a:cs typeface="Adobe Clean"/>
-                      </a:endParaRPr>
                     </a:p>
                   </a:txBody>
                   <a:tcPr marL="0" marR="0" marT="7620" marB="0" anchor="ctr">
@@ -2327,13 +2163,16 @@
                   </a:ext>
                 </a:extLst>
               </a:tr>
-              <a:tr h="0">
+              <a:tr h="345489">
                 <a:tc gridSpan="2">
                   <a:txBody>
                     <a:bodyPr/>
                     <a:lstStyle/>
                     <a:p>
-                      <a:endParaRPr lang="en-US" spc="0" dirty="0"/>
+                      <a:endParaRPr lang="en-US" spc="0" dirty="0">
+                        <a:latin typeface="Adobe Clean Han Regular" panose="020B0500000000000000" pitchFamily="34" charset="-128"/>
+                        <a:ea typeface="Adobe Clean Han Regular" panose="020B0500000000000000" pitchFamily="34" charset="-128"/>
+                      </a:endParaRPr>
                     </a:p>
                   </a:txBody>
                   <a:tcPr/>
@@ -2353,7 +2192,7 @@
                     <a:bodyPr/>
                     <a:lstStyle/>
                     <a:p>
-                      <a:pPr marL="255904" marR="248920" indent="-25400">
+                      <a:pPr marL="255904" marR="248920" indent="-25400" algn="l" rtl="0">
                         <a:lnSpc>
                           <a:spcPct val="100000"/>
                         </a:lnSpc>
@@ -2362,7 +2201,8 @@
                         </a:spcBef>
                       </a:pPr>
                       <a:endParaRPr sz="800" spc="0" dirty="0">
-                        <a:latin typeface="AdobeClean-LightIt"/>
+                        <a:latin typeface="Adobe Clean Han Regular" panose="020B0500000000000000" pitchFamily="34" charset="-128"/>
+                        <a:ea typeface="Adobe Clean Han Regular" panose="020B0500000000000000" pitchFamily="34" charset="-128"/>
                         <a:cs typeface="AdobeClean-LightIt"/>
                       </a:endParaRPr>
                     </a:p>
@@ -2407,29 +2247,16 @@
                         </a:spcBef>
                       </a:pPr>
                       <a:r>
-                        <a:rPr lang="en-US" sz="800" i="1" spc="0" dirty="0">
+                        <a:rPr lang="ja-JP" sz="800" i="1">
                           <a:solidFill>
                             <a:srgbClr val="FFFFFF"/>
                           </a:solidFill>
-                          <a:latin typeface="Adobe Clean"/>
+                          <a:latin typeface="Adobe Clean Han Regular" panose="020B0500000000000000" pitchFamily="34" charset="-128"/>
+                          <a:ea typeface="Adobe Clean Han Regular" panose="020B0500000000000000" pitchFamily="34" charset="-128"/>
                           <a:cs typeface="Adobe Clean"/>
                         </a:rPr>
-                        <a:t>Paid</a:t>
+                        <a:t>有償サポートレベル（$）</a:t>
                       </a:r>
-                      <a:r>
-                        <a:rPr sz="800" i="1" spc="0" dirty="0">
-                          <a:solidFill>
-                            <a:srgbClr val="FFFFFF"/>
-                          </a:solidFill>
-                          <a:latin typeface="Adobe Clean"/>
-                          <a:cs typeface="Adobe Clean"/>
-                        </a:rPr>
-                        <a:t> Support Levels($)</a:t>
-                      </a:r>
-                      <a:endParaRPr sz="800" spc="0" dirty="0">
-                        <a:latin typeface="Adobe Clean"/>
-                        <a:cs typeface="Adobe Clean"/>
-                      </a:endParaRPr>
                     </a:p>
                   </a:txBody>
                   <a:tcPr marL="0" marR="0" marT="82550" marB="0" anchor="ctr">
@@ -2501,7 +2328,7 @@
                   </a:ext>
                 </a:extLst>
               </a:tr>
-              <a:tr h="264424">
+              <a:tr h="243081">
                 <a:tc rowSpan="3">
                   <a:txBody>
                     <a:bodyPr/>
@@ -2516,22 +2343,16 @@
                         </a:spcBef>
                       </a:pPr>
                       <a:r>
-                        <a:rPr lang="en-US" sz="1000" b="1" i="0" spc="0" dirty="0">
+                        <a:rPr lang="ja-JP" sz="1000" b="1" i="0">
                           <a:solidFill>
                             <a:schemeClr val="bg1"/>
                           </a:solidFill>
-                          <a:latin typeface="Adobe Clean" panose="020B0503020404020204" pitchFamily="34" charset="0"/>
+                          <a:latin typeface="Adobe Clean Han Regular" panose="020B0500000000000000" pitchFamily="34" charset="-128"/>
+                          <a:ea typeface="Adobe Clean Han Regular" panose="020B0500000000000000" pitchFamily="34" charset="-128"/>
                           <a:cs typeface="AdobeClean-Light"/>
                         </a:rPr>
-                        <a:t>Assigned Experts</a:t>
+                        <a:t>担当エキスパート</a:t>
                       </a:r>
-                      <a:endParaRPr sz="1000" b="1" i="0" spc="0" dirty="0">
-                        <a:solidFill>
-                          <a:schemeClr val="bg1"/>
-                        </a:solidFill>
-                        <a:latin typeface="Adobe Clean" panose="020B0503020404020204" pitchFamily="34" charset="0"/>
-                        <a:cs typeface="AdobeClean-Light"/>
-                      </a:endParaRPr>
                     </a:p>
                   </a:txBody>
                   <a:tcPr marL="0" marR="0" marT="58419" marB="0" anchor="ctr">
@@ -2578,19 +2399,16 @@
                         </a:spcBef>
                       </a:pPr>
                       <a:r>
-                        <a:rPr sz="900" spc="0" dirty="0">
+                        <a:rPr lang="ja-JP" sz="900">
                           <a:solidFill>
                             <a:srgbClr val="020302"/>
                           </a:solidFill>
-                          <a:latin typeface="AdobeClean-Light"/>
+                          <a:latin typeface="Adobe Clean Han Regular" panose="020B0500000000000000" pitchFamily="34" charset="-128"/>
+                          <a:ea typeface="Adobe Clean Han Regular" panose="020B0500000000000000" pitchFamily="34" charset="-128"/>
                           <a:cs typeface="AdobeClean-Light"/>
                         </a:rPr>
-                        <a:t>Account Support Lead</a:t>
+                        <a:t>アカウントサポートリード</a:t>
                       </a:r>
-                      <a:endParaRPr sz="900" spc="0" dirty="0">
-                        <a:latin typeface="AdobeClean-Light"/>
-                        <a:cs typeface="AdobeClean-Light"/>
-                      </a:endParaRPr>
                     </a:p>
                   </a:txBody>
                   <a:tcPr marL="0" marR="0" marT="58419" marB="0">
@@ -2619,13 +2437,14 @@
                     <a:bodyPr/>
                     <a:lstStyle/>
                     <a:p>
-                      <a:pPr>
+                      <a:pPr algn="l" rtl="0">
                         <a:lnSpc>
                           <a:spcPct val="100000"/>
                         </a:lnSpc>
                       </a:pPr>
                       <a:endParaRPr sz="900" spc="0" dirty="0">
-                        <a:latin typeface="Times New Roman"/>
+                        <a:latin typeface="Adobe Clean Han Regular" panose="020B0500000000000000" pitchFamily="34" charset="-128"/>
+                        <a:ea typeface="Adobe Clean Han Regular" panose="020B0500000000000000" pitchFamily="34" charset="-128"/>
                         <a:cs typeface="Times New Roman"/>
                       </a:endParaRPr>
                     </a:p>
@@ -2664,19 +2483,16 @@
                         </a:spcBef>
                       </a:pPr>
                       <a:r>
-                        <a:rPr sz="900" spc="0" dirty="0">
+                        <a:rPr lang="ja-JP" sz="900">
                           <a:solidFill>
                             <a:srgbClr val="020302"/>
                           </a:solidFill>
-                          <a:latin typeface="Wingdings"/>
+                          <a:latin typeface="Adobe Clean Han Regular" panose="020B0500000000000000" pitchFamily="34" charset="-128"/>
+                          <a:ea typeface="Adobe Clean Han Regular" panose="020B0500000000000000" pitchFamily="34" charset="-128"/>
                           <a:cs typeface="Wingdings"/>
                         </a:rPr>
                         <a:t></a:t>
                       </a:r>
-                      <a:endParaRPr sz="900" spc="0" dirty="0">
-                        <a:latin typeface="Wingdings"/>
-                        <a:cs typeface="Wingdings"/>
-                      </a:endParaRPr>
                     </a:p>
                   </a:txBody>
                   <a:tcPr marL="0" marR="0" marT="59690" marB="0">
@@ -2693,7 +2509,7 @@
                     <a:bodyPr/>
                     <a:lstStyle/>
                     <a:p>
-                      <a:pPr algn="ctr">
+                      <a:pPr algn="l" rtl="0">
                         <a:lnSpc>
                           <a:spcPct val="100000"/>
                         </a:lnSpc>
@@ -2724,13 +2540,14 @@
                     <a:bodyPr/>
                     <a:lstStyle/>
                     <a:p>
-                      <a:pPr>
+                      <a:pPr algn="l" rtl="0">
                         <a:lnSpc>
                           <a:spcPct val="100000"/>
                         </a:lnSpc>
                       </a:pPr>
                       <a:endParaRPr sz="900" spc="0">
-                        <a:latin typeface="Times New Roman"/>
+                        <a:latin typeface="Adobe Clean Han Regular" panose="020B0500000000000000" pitchFamily="34" charset="-128"/>
+                        <a:ea typeface="Adobe Clean Han Regular" panose="020B0500000000000000" pitchFamily="34" charset="-128"/>
                         <a:cs typeface="Times New Roman"/>
                       </a:endParaRPr>
                     </a:p>
@@ -2749,13 +2566,14 @@
                     <a:bodyPr/>
                     <a:lstStyle/>
                     <a:p>
-                      <a:pPr>
+                      <a:pPr algn="l" rtl="0">
                         <a:lnSpc>
                           <a:spcPct val="100000"/>
                         </a:lnSpc>
                       </a:pPr>
                       <a:endParaRPr sz="900" spc="0" dirty="0">
-                        <a:latin typeface="Times New Roman"/>
+                        <a:latin typeface="Adobe Clean Han Regular" panose="020B0500000000000000" pitchFamily="34" charset="-128"/>
+                        <a:ea typeface="Adobe Clean Han Regular" panose="020B0500000000000000" pitchFamily="34" charset="-128"/>
                         <a:cs typeface="Times New Roman"/>
                       </a:endParaRPr>
                     </a:p>
@@ -2781,13 +2599,13 @@
                   </a:ext>
                 </a:extLst>
               </a:tr>
-              <a:tr h="264424">
+              <a:tr h="243081">
                 <a:tc vMerge="1">
                   <a:txBody>
                     <a:bodyPr/>
                     <a:lstStyle/>
                     <a:p>
-                      <a:pPr marL="50800">
+                      <a:pPr marL="50800" algn="l" rtl="0">
                         <a:lnSpc>
                           <a:spcPct val="100000"/>
                         </a:lnSpc>
@@ -2833,19 +2651,16 @@
                         </a:spcBef>
                       </a:pPr>
                       <a:r>
-                        <a:rPr sz="900" spc="0" dirty="0">
+                        <a:rPr lang="ja-JP" sz="900">
                           <a:solidFill>
                             <a:srgbClr val="020302"/>
                           </a:solidFill>
-                          <a:latin typeface="AdobeClean-Light"/>
+                          <a:latin typeface="Adobe Clean Han Regular" panose="020B0500000000000000" pitchFamily="34" charset="-128"/>
+                          <a:ea typeface="Adobe Clean Han Regular" panose="020B0500000000000000" pitchFamily="34" charset="-128"/>
                           <a:cs typeface="AdobeClean-Light"/>
                         </a:rPr>
-                        <a:t>Named Support Engineer</a:t>
+                        <a:t>専任サポートエンジニア</a:t>
                       </a:r>
-                      <a:endParaRPr sz="900" spc="0" dirty="0">
-                        <a:latin typeface="AdobeClean-Light"/>
-                        <a:cs typeface="AdobeClean-Light"/>
-                      </a:endParaRPr>
                     </a:p>
                   </a:txBody>
                   <a:tcPr marL="0" marR="0" marT="58419" marB="0">
@@ -2868,13 +2683,14 @@
                     <a:bodyPr/>
                     <a:lstStyle/>
                     <a:p>
-                      <a:pPr>
+                      <a:pPr algn="l" rtl="0">
                         <a:lnSpc>
                           <a:spcPct val="100000"/>
                         </a:lnSpc>
                       </a:pPr>
                       <a:endParaRPr sz="900" spc="0" dirty="0">
-                        <a:latin typeface="Times New Roman"/>
+                        <a:latin typeface="Adobe Clean Han Regular" panose="020B0500000000000000" pitchFamily="34" charset="-128"/>
+                        <a:ea typeface="Adobe Clean Han Regular" panose="020B0500000000000000" pitchFamily="34" charset="-128"/>
                         <a:cs typeface="Times New Roman"/>
                       </a:endParaRPr>
                     </a:p>
@@ -2898,13 +2714,14 @@
                     <a:bodyPr/>
                     <a:lstStyle/>
                     <a:p>
-                      <a:pPr>
+                      <a:pPr algn="l" rtl="0">
                         <a:lnSpc>
                           <a:spcPct val="100000"/>
                         </a:lnSpc>
                       </a:pPr>
                       <a:endParaRPr sz="900" spc="0" dirty="0">
-                        <a:latin typeface="Times New Roman"/>
+                        <a:latin typeface="Adobe Clean Han Regular" panose="020B0500000000000000" pitchFamily="34" charset="-128"/>
+                        <a:ea typeface="Adobe Clean Han Regular" panose="020B0500000000000000" pitchFamily="34" charset="-128"/>
                         <a:cs typeface="Times New Roman"/>
                       </a:endParaRPr>
                     </a:p>
@@ -2916,7 +2733,7 @@
                     <a:bodyPr/>
                     <a:lstStyle/>
                     <a:p>
-                      <a:pPr>
+                      <a:pPr algn="l" rtl="0">
                         <a:lnSpc>
                           <a:spcPct val="100000"/>
                         </a:lnSpc>
@@ -2943,19 +2760,16 @@
                         </a:spcBef>
                       </a:pPr>
                       <a:r>
-                        <a:rPr sz="900" spc="0" dirty="0">
+                        <a:rPr lang="ja-JP" sz="900">
                           <a:solidFill>
                             <a:srgbClr val="020302"/>
                           </a:solidFill>
-                          <a:latin typeface="Wingdings"/>
+                          <a:latin typeface="Adobe Clean Han Regular" panose="020B0500000000000000" pitchFamily="34" charset="-128"/>
+                          <a:ea typeface="Adobe Clean Han Regular" panose="020B0500000000000000" pitchFamily="34" charset="-128"/>
                           <a:cs typeface="Wingdings"/>
                         </a:rPr>
                         <a:t></a:t>
                       </a:r>
-                      <a:endParaRPr sz="900" spc="0" dirty="0">
-                        <a:latin typeface="Wingdings"/>
-                        <a:cs typeface="Wingdings"/>
-                      </a:endParaRPr>
                     </a:p>
                   </a:txBody>
                   <a:tcPr marL="0" marR="0" marT="59055" marB="0"/>
@@ -2974,19 +2788,16 @@
                         </a:spcBef>
                       </a:pPr>
                       <a:r>
-                        <a:rPr sz="900" spc="0" dirty="0">
+                        <a:rPr lang="ja-JP" sz="900">
                           <a:solidFill>
                             <a:srgbClr val="020302"/>
                           </a:solidFill>
-                          <a:latin typeface="Wingdings"/>
+                          <a:latin typeface="Adobe Clean Han Regular" panose="020B0500000000000000" pitchFamily="34" charset="-128"/>
+                          <a:ea typeface="Adobe Clean Han Regular" panose="020B0500000000000000" pitchFamily="34" charset="-128"/>
                           <a:cs typeface="Wingdings"/>
                         </a:rPr>
                         <a:t></a:t>
                       </a:r>
-                      <a:endParaRPr sz="900" spc="0" dirty="0">
-                        <a:latin typeface="Wingdings"/>
-                        <a:cs typeface="Wingdings"/>
-                      </a:endParaRPr>
                     </a:p>
                   </a:txBody>
                   <a:tcPr marL="0" marR="0" marT="59055" marB="0">
@@ -3004,13 +2815,13 @@
                   </a:ext>
                 </a:extLst>
               </a:tr>
-              <a:tr h="264424">
+              <a:tr h="243081">
                 <a:tc vMerge="1">
                   <a:txBody>
                     <a:bodyPr/>
                     <a:lstStyle/>
                     <a:p>
-                      <a:pPr marL="50800">
+                      <a:pPr marL="50800" algn="l" rtl="0">
                         <a:lnSpc>
                           <a:spcPct val="100000"/>
                         </a:lnSpc>
@@ -3068,19 +2879,16 @@
                         </a:spcBef>
                       </a:pPr>
                       <a:r>
-                        <a:rPr sz="900" spc="0" dirty="0">
+                        <a:rPr lang="ja-JP" sz="900">
                           <a:solidFill>
                             <a:srgbClr val="020302"/>
                           </a:solidFill>
-                          <a:latin typeface="AdobeClean-Light"/>
+                          <a:latin typeface="Adobe Clean Han Regular" panose="020B0500000000000000" pitchFamily="34" charset="-128"/>
+                          <a:ea typeface="Adobe Clean Han Regular" panose="020B0500000000000000" pitchFamily="34" charset="-128"/>
                           <a:cs typeface="AdobeClean-Light"/>
                         </a:rPr>
-                        <a:t>Technical Account Manager</a:t>
+                        <a:t>テクニカルアカウントマネージャー</a:t>
                       </a:r>
-                      <a:endParaRPr sz="900" spc="0" dirty="0">
-                        <a:latin typeface="AdobeClean-Light"/>
-                        <a:cs typeface="AdobeClean-Light"/>
-                      </a:endParaRPr>
                     </a:p>
                   </a:txBody>
                   <a:tcPr marL="0" marR="0" marT="63500" marB="0">
@@ -3109,13 +2917,14 @@
                     <a:bodyPr/>
                     <a:lstStyle/>
                     <a:p>
-                      <a:pPr>
+                      <a:pPr algn="l" rtl="0">
                         <a:lnSpc>
                           <a:spcPct val="100000"/>
                         </a:lnSpc>
                       </a:pPr>
                       <a:endParaRPr sz="900" spc="0" dirty="0">
-                        <a:latin typeface="Times New Roman"/>
+                        <a:latin typeface="Adobe Clean Han Regular" panose="020B0500000000000000" pitchFamily="34" charset="-128"/>
+                        <a:ea typeface="Adobe Clean Han Regular" panose="020B0500000000000000" pitchFamily="34" charset="-128"/>
                         <a:cs typeface="Times New Roman"/>
                       </a:endParaRPr>
                     </a:p>
@@ -3145,13 +2954,14 @@
                     <a:bodyPr/>
                     <a:lstStyle/>
                     <a:p>
-                      <a:pPr>
+                      <a:pPr algn="l" rtl="0">
                         <a:lnSpc>
                           <a:spcPct val="100000"/>
                         </a:lnSpc>
                       </a:pPr>
                       <a:endParaRPr sz="900" spc="0" dirty="0">
-                        <a:latin typeface="Times New Roman"/>
+                        <a:latin typeface="Adobe Clean Han Regular" panose="020B0500000000000000" pitchFamily="34" charset="-128"/>
+                        <a:ea typeface="Adobe Clean Han Regular" panose="020B0500000000000000" pitchFamily="34" charset="-128"/>
                         <a:cs typeface="Times New Roman"/>
                       </a:endParaRPr>
                     </a:p>
@@ -3170,7 +2980,7 @@
                     <a:bodyPr/>
                     <a:lstStyle/>
                     <a:p>
-                      <a:pPr>
+                      <a:pPr algn="l" rtl="0">
                         <a:lnSpc>
                           <a:spcPct val="100000"/>
                         </a:lnSpc>
@@ -3198,13 +3008,14 @@
                     <a:bodyPr/>
                     <a:lstStyle/>
                     <a:p>
-                      <a:pPr>
+                      <a:pPr algn="l" rtl="0">
                         <a:lnSpc>
                           <a:spcPct val="100000"/>
                         </a:lnSpc>
                       </a:pPr>
                       <a:endParaRPr sz="900" spc="0">
-                        <a:latin typeface="Times New Roman"/>
+                        <a:latin typeface="Adobe Clean Han Regular" panose="020B0500000000000000" pitchFamily="34" charset="-128"/>
+                        <a:ea typeface="Adobe Clean Han Regular" panose="020B0500000000000000" pitchFamily="34" charset="-128"/>
                         <a:cs typeface="Times New Roman"/>
                       </a:endParaRPr>
                     </a:p>
@@ -3232,19 +3043,16 @@
                         </a:spcBef>
                       </a:pPr>
                       <a:r>
-                        <a:rPr sz="900" spc="0" dirty="0">
+                        <a:rPr lang="ja-JP" sz="900">
                           <a:solidFill>
                             <a:srgbClr val="020302"/>
                           </a:solidFill>
-                          <a:latin typeface="Wingdings"/>
+                          <a:latin typeface="Adobe Clean Han Regular" panose="020B0500000000000000" pitchFamily="34" charset="-128"/>
+                          <a:ea typeface="Adobe Clean Han Regular" panose="020B0500000000000000" pitchFamily="34" charset="-128"/>
                           <a:cs typeface="Wingdings"/>
                         </a:rPr>
                         <a:t></a:t>
                       </a:r>
-                      <a:endParaRPr sz="900" spc="0">
-                        <a:latin typeface="Wingdings"/>
-                        <a:cs typeface="Wingdings"/>
-                      </a:endParaRPr>
                     </a:p>
                   </a:txBody>
                   <a:tcPr marL="0" marR="0" marT="64135" marB="0">
@@ -3268,7 +3076,7 @@
                   </a:ext>
                 </a:extLst>
               </a:tr>
-              <a:tr h="264424">
+              <a:tr h="243081">
                 <a:tc rowSpan="12">
                   <a:txBody>
                     <a:bodyPr/>
@@ -3283,22 +3091,16 @@
                         </a:spcBef>
                       </a:pPr>
                       <a:r>
-                        <a:rPr lang="en-US" sz="1000" b="1" i="0" spc="0" dirty="0">
+                        <a:rPr lang="ja-JP" sz="1000" b="1" i="0">
                           <a:solidFill>
                             <a:schemeClr val="bg1"/>
                           </a:solidFill>
-                          <a:latin typeface="Adobe Clean" panose="020B0503020404020204" pitchFamily="34" charset="0"/>
+                          <a:latin typeface="Adobe Clean Han Regular" panose="020B0500000000000000" pitchFamily="34" charset="-128"/>
+                          <a:ea typeface="Adobe Clean Han Regular" panose="020B0500000000000000" pitchFamily="34" charset="-128"/>
                           <a:cs typeface="AdobeClean-Light"/>
                         </a:rPr>
-                        <a:t>Support Services</a:t>
+                        <a:t>サポートサービス</a:t>
                       </a:r>
-                      <a:endParaRPr sz="1000" b="1" i="0" spc="0" dirty="0">
-                        <a:solidFill>
-                          <a:schemeClr val="bg1"/>
-                        </a:solidFill>
-                        <a:latin typeface="Adobe Clean" panose="020B0503020404020204" pitchFamily="34" charset="0"/>
-                        <a:cs typeface="AdobeClean-Light"/>
-                      </a:endParaRPr>
                     </a:p>
                   </a:txBody>
                   <a:tcPr marL="0" marR="0" marT="57150" marB="0" anchor="ctr">
@@ -3354,79 +3156,63 @@
                         </a:spcBef>
                       </a:pPr>
                       <a:r>
-                        <a:rPr lang="en-US" sz="900" spc="0" dirty="0">
+                        <a:rPr lang="ja-JP" sz="900">
                           <a:solidFill>
                             <a:srgbClr val="020302"/>
                           </a:solidFill>
-                          <a:latin typeface="AdobeClean-Light"/>
+                          <a:latin typeface="Adobe Clean Han Regular" panose="020B0500000000000000" pitchFamily="34" charset="-128"/>
+                          <a:ea typeface="Adobe Clean Han Regular" panose="020B0500000000000000" pitchFamily="34" charset="-128"/>
                           <a:cs typeface="AdobeClean-Light"/>
                         </a:rPr>
-                        <a:t>Online </a:t>
+                        <a:t>オンラインサポート</a:t>
                       </a:r>
+                    </a:p>
+                  </a:txBody>
+                  <a:tcPr marL="0" marR="0" marT="57150" marB="0">
+                    <a:lnL w="12700">
+                      <a:solidFill>
+                        <a:srgbClr val="F0F0F0"/>
+                      </a:solidFill>
+                      <a:prstDash val="solid"/>
+                    </a:lnL>
+                    <a:lnR w="12700">
+                      <a:solidFill>
+                        <a:srgbClr val="F0F0F0"/>
+                      </a:solidFill>
+                      <a:prstDash val="solid"/>
+                    </a:lnR>
+                    <a:lnT w="12700">
+                      <a:solidFill>
+                        <a:srgbClr val="F0F0F0"/>
+                      </a:solidFill>
+                      <a:prstDash val="solid"/>
+                    </a:lnT>
+                  </a:tcPr>
+                </a:tc>
+                <a:tc>
+                  <a:txBody>
+                    <a:bodyPr/>
+                    <a:lstStyle/>
+                    <a:p>
+                      <a:pPr algn="ctr">
+                        <a:lnSpc>
+                          <a:spcPct val="100000"/>
+                        </a:lnSpc>
+                        <a:spcBef>
+                          <a:spcPts val="535"/>
+                        </a:spcBef>
+                      </a:pPr>
                       <a:r>
-                        <a:rPr sz="900" spc="0" dirty="0">
+                        <a:rPr lang="ja-JP" sz="800">
                           <a:solidFill>
                             <a:srgbClr val="020302"/>
                           </a:solidFill>
-                          <a:latin typeface="AdobeClean-Light"/>
+                          <a:latin typeface="Adobe Clean Han Regular" panose="020B0500000000000000" pitchFamily="34" charset="-128"/>
+                          <a:ea typeface="Adobe Clean Han Regular" panose="020B0500000000000000" pitchFamily="34" charset="-128"/>
                           <a:cs typeface="AdobeClean-Light"/>
                         </a:rPr>
-                        <a:t> Support</a:t>
+                        <a:t>営業時間</a:t>
                       </a:r>
-                      <a:endParaRPr sz="900" spc="0" dirty="0">
-                        <a:latin typeface="AdobeClean-Light"/>
-                        <a:cs typeface="AdobeClean-Light"/>
-                      </a:endParaRPr>
-                    </a:p>
-                  </a:txBody>
-                  <a:tcPr marL="0" marR="0" marT="57150" marB="0">
-                    <a:lnL w="12700">
-                      <a:solidFill>
-                        <a:srgbClr val="F0F0F0"/>
-                      </a:solidFill>
-                      <a:prstDash val="solid"/>
-                    </a:lnL>
-                    <a:lnR w="12700">
-                      <a:solidFill>
-                        <a:srgbClr val="F0F0F0"/>
-                      </a:solidFill>
-                      <a:prstDash val="solid"/>
-                    </a:lnR>
-                    <a:lnT w="12700">
-                      <a:solidFill>
-                        <a:srgbClr val="F0F0F0"/>
-                      </a:solidFill>
-                      <a:prstDash val="solid"/>
-                    </a:lnT>
-                  </a:tcPr>
-                </a:tc>
-                <a:tc>
-                  <a:txBody>
-                    <a:bodyPr/>
-                    <a:lstStyle/>
-                    <a:p>
-                      <a:pPr algn="ctr">
-                        <a:lnSpc>
-                          <a:spcPct val="100000"/>
-                        </a:lnSpc>
-                        <a:spcBef>
-                          <a:spcPts val="535"/>
-                        </a:spcBef>
-                      </a:pPr>
-                      <a:r>
-                        <a:rPr sz="800" spc="0" dirty="0">
-                          <a:solidFill>
-                            <a:srgbClr val="020302"/>
-                          </a:solidFill>
-                          <a:latin typeface="AdobeClean-Light"/>
-                          <a:cs typeface="AdobeClean-Light"/>
-                        </a:rPr>
-                        <a:t>Business hours</a:t>
-                      </a:r>
-                      <a:endParaRPr sz="800" spc="0" dirty="0">
-                        <a:latin typeface="AdobeClean-Light"/>
-                        <a:cs typeface="AdobeClean-Light"/>
-                      </a:endParaRPr>
                     </a:p>
                   </a:txBody>
                   <a:tcPr marL="0" marR="0" marT="67945" marB="0">
@@ -3463,19 +3249,16 @@
                         </a:spcBef>
                       </a:pPr>
                       <a:r>
-                        <a:rPr sz="800" spc="0" dirty="0">
+                        <a:rPr lang="ja-JP" sz="800">
                           <a:solidFill>
                             <a:srgbClr val="020302"/>
                           </a:solidFill>
-                          <a:latin typeface="AdobeClean-Light"/>
+                          <a:latin typeface="Adobe Clean Han Regular" panose="020B0500000000000000" pitchFamily="34" charset="-128"/>
+                          <a:ea typeface="Adobe Clean Han Regular" panose="020B0500000000000000" pitchFamily="34" charset="-128"/>
                           <a:cs typeface="AdobeClean-Light"/>
                         </a:rPr>
-                        <a:t>Business hours</a:t>
+                        <a:t>営業時間</a:t>
                       </a:r>
-                      <a:endParaRPr sz="800" spc="0" dirty="0">
-                        <a:latin typeface="AdobeClean-Light"/>
-                        <a:cs typeface="AdobeClean-Light"/>
-                      </a:endParaRPr>
                     </a:p>
                   </a:txBody>
                   <a:tcPr marL="0" marR="0" marT="67945" marB="0">
@@ -3492,7 +3275,7 @@
                     <a:bodyPr/>
                     <a:lstStyle/>
                     <a:p>
-                      <a:pPr algn="ctr">
+                      <a:pPr algn="l" rtl="0">
                         <a:lnSpc>
                           <a:spcPct val="100000"/>
                         </a:lnSpc>
@@ -3532,19 +3315,16 @@
                         </a:spcBef>
                       </a:pPr>
                       <a:r>
-                        <a:rPr sz="800" spc="0" dirty="0">
+                        <a:rPr lang="ja-JP" sz="800">
                           <a:solidFill>
                             <a:srgbClr val="020302"/>
                           </a:solidFill>
-                          <a:latin typeface="AdobeClean-Light"/>
+                          <a:latin typeface="Adobe Clean Han Regular" panose="020B0500000000000000" pitchFamily="34" charset="-128"/>
+                          <a:ea typeface="Adobe Clean Han Regular" panose="020B0500000000000000" pitchFamily="34" charset="-128"/>
                           <a:cs typeface="AdobeClean-Light"/>
                         </a:rPr>
-                        <a:t>24X5</a:t>
+                        <a:t>24 時間週 5 日</a:t>
                       </a:r>
-                      <a:endParaRPr sz="800" spc="0">
-                        <a:latin typeface="AdobeClean-Light"/>
-                        <a:cs typeface="AdobeClean-Light"/>
-                      </a:endParaRPr>
                     </a:p>
                   </a:txBody>
                   <a:tcPr marL="0" marR="0" marT="67945" marB="0">
@@ -3570,19 +3350,16 @@
                         </a:spcBef>
                       </a:pPr>
                       <a:r>
-                        <a:rPr sz="800" spc="0" dirty="0">
+                        <a:rPr lang="ja-JP" sz="800">
                           <a:solidFill>
                             <a:srgbClr val="020302"/>
                           </a:solidFill>
-                          <a:latin typeface="AdobeClean-Light"/>
+                          <a:latin typeface="Adobe Clean Han Regular" panose="020B0500000000000000" pitchFamily="34" charset="-128"/>
+                          <a:ea typeface="Adobe Clean Han Regular" panose="020B0500000000000000" pitchFamily="34" charset="-128"/>
                           <a:cs typeface="AdobeClean-Light"/>
                         </a:rPr>
-                        <a:t>24X5</a:t>
+                        <a:t>24 時間週 5 日</a:t>
                       </a:r>
-                      <a:endParaRPr sz="800" spc="0" dirty="0">
-                        <a:latin typeface="AdobeClean-Light"/>
-                        <a:cs typeface="AdobeClean-Light"/>
-                      </a:endParaRPr>
                     </a:p>
                   </a:txBody>
                   <a:tcPr marL="0" marR="0" marT="67945" marB="0">
@@ -3606,13 +3383,13 @@
                   </a:ext>
                 </a:extLst>
               </a:tr>
-              <a:tr h="264424">
+              <a:tr h="243081">
                 <a:tc vMerge="1">
                   <a:txBody>
                     <a:bodyPr/>
                     <a:lstStyle/>
                     <a:p>
-                      <a:pPr marL="50800">
+                      <a:pPr marL="50800" algn="l" rtl="0">
                         <a:lnSpc>
                           <a:spcPct val="100000"/>
                         </a:lnSpc>
@@ -3661,83 +3438,57 @@
                         </a:spcBef>
                       </a:pPr>
                       <a:r>
-                        <a:rPr sz="900" spc="0" dirty="0">
+                        <a:rPr lang="ja-JP" sz="900">
                           <a:solidFill>
                             <a:srgbClr val="020302"/>
                           </a:solidFill>
-                          <a:latin typeface="AdobeClean-Light"/>
+                          <a:latin typeface="Adobe Clean Han Regular" panose="020B0500000000000000" pitchFamily="34" charset="-128"/>
+                          <a:ea typeface="Adobe Clean Han Regular" panose="020B0500000000000000" pitchFamily="34" charset="-128"/>
                           <a:cs typeface="AdobeClean-Light"/>
                         </a:rPr>
-                        <a:t>24x7</a:t>
+                        <a:t>24 時間年中無休の P1 の問題のサポート</a:t>
                       </a:r>
+                    </a:p>
+                  </a:txBody>
+                  <a:tcPr marL="0" marR="0" marT="57785" marB="0">
+                    <a:lnL w="12700">
+                      <a:solidFill>
+                        <a:srgbClr val="F0F0F0"/>
+                      </a:solidFill>
+                      <a:prstDash val="solid"/>
+                    </a:lnL>
+                    <a:lnR w="12700">
+                      <a:solidFill>
+                        <a:srgbClr val="F0F0F0"/>
+                      </a:solidFill>
+                      <a:prstDash val="solid"/>
+                    </a:lnR>
+                  </a:tcPr>
+                </a:tc>
+                <a:tc>
+                  <a:txBody>
+                    <a:bodyPr/>
+                    <a:lstStyle/>
+                    <a:p>
+                      <a:pPr algn="ctr">
+                        <a:lnSpc>
+                          <a:spcPct val="100000"/>
+                        </a:lnSpc>
+                        <a:spcBef>
+                          <a:spcPts val="459"/>
+                        </a:spcBef>
+                      </a:pPr>
                       <a:r>
-                        <a:rPr lang="en-US" sz="900" spc="0" dirty="0">
+                        <a:rPr lang="ja-JP" sz="900">
                           <a:solidFill>
                             <a:srgbClr val="020302"/>
                           </a:solidFill>
-                          <a:latin typeface="AdobeClean-Light"/>
-                          <a:cs typeface="AdobeClean-Light"/>
-                        </a:rPr>
-                        <a:t>x365</a:t>
-                      </a:r>
-                      <a:r>
-                        <a:rPr sz="900" spc="0" dirty="0">
-                          <a:solidFill>
-                            <a:srgbClr val="020302"/>
-                          </a:solidFill>
-                          <a:latin typeface="AdobeClean-Light"/>
-                          <a:cs typeface="AdobeClean-Light"/>
-                        </a:rPr>
-                        <a:t> P1 Issue Support</a:t>
-                      </a:r>
-                      <a:endParaRPr sz="900" spc="0" dirty="0">
-                        <a:latin typeface="AdobeClean-Light"/>
-                        <a:cs typeface="AdobeClean-Light"/>
-                      </a:endParaRPr>
-                    </a:p>
-                  </a:txBody>
-                  <a:tcPr marL="0" marR="0" marT="57785" marB="0">
-                    <a:lnL w="12700">
-                      <a:solidFill>
-                        <a:srgbClr val="F0F0F0"/>
-                      </a:solidFill>
-                      <a:prstDash val="solid"/>
-                    </a:lnL>
-                    <a:lnR w="12700">
-                      <a:solidFill>
-                        <a:srgbClr val="F0F0F0"/>
-                      </a:solidFill>
-                      <a:prstDash val="solid"/>
-                    </a:lnR>
-                  </a:tcPr>
-                </a:tc>
-                <a:tc>
-                  <a:txBody>
-                    <a:bodyPr/>
-                    <a:lstStyle/>
-                    <a:p>
-                      <a:pPr algn="ctr">
-                        <a:lnSpc>
-                          <a:spcPct val="100000"/>
-                        </a:lnSpc>
-                        <a:spcBef>
-                          <a:spcPts val="459"/>
-                        </a:spcBef>
-                      </a:pPr>
-                      <a:r>
-                        <a:rPr sz="900" spc="0" dirty="0">
-                          <a:solidFill>
-                            <a:srgbClr val="020302"/>
-                          </a:solidFill>
-                          <a:latin typeface="Wingdings"/>
+                          <a:latin typeface="Adobe Clean Han Regular" panose="020B0500000000000000" pitchFamily="34" charset="-128"/>
+                          <a:ea typeface="Adobe Clean Han Regular" panose="020B0500000000000000" pitchFamily="34" charset="-128"/>
                           <a:cs typeface="Wingdings"/>
                         </a:rPr>
                         <a:t></a:t>
                       </a:r>
-                      <a:endParaRPr sz="900" spc="0">
-                        <a:latin typeface="Wingdings"/>
-                        <a:cs typeface="Wingdings"/>
-                      </a:endParaRPr>
                     </a:p>
                   </a:txBody>
                   <a:tcPr marL="0" marR="0" marT="58419" marB="0">
@@ -3768,19 +3519,16 @@
                         </a:spcBef>
                       </a:pPr>
                       <a:r>
-                        <a:rPr sz="900" spc="0" dirty="0">
+                        <a:rPr lang="ja-JP" sz="900">
                           <a:solidFill>
                             <a:srgbClr val="020302"/>
                           </a:solidFill>
-                          <a:latin typeface="Wingdings"/>
+                          <a:latin typeface="Adobe Clean Han Regular" panose="020B0500000000000000" pitchFamily="34" charset="-128"/>
+                          <a:ea typeface="Adobe Clean Han Regular" panose="020B0500000000000000" pitchFamily="34" charset="-128"/>
                           <a:cs typeface="Wingdings"/>
                         </a:rPr>
                         <a:t></a:t>
                       </a:r>
-                      <a:endParaRPr sz="900" spc="0">
-                        <a:latin typeface="Wingdings"/>
-                        <a:cs typeface="Wingdings"/>
-                      </a:endParaRPr>
                     </a:p>
                   </a:txBody>
                   <a:tcPr marL="0" marR="0" marT="58419" marB="0"/>
@@ -3790,7 +3538,7 @@
                     <a:bodyPr/>
                     <a:lstStyle/>
                     <a:p>
-                      <a:pPr algn="ctr">
+                      <a:pPr algn="l" rtl="0">
                         <a:lnSpc>
                           <a:spcPct val="100000"/>
                         </a:lnSpc>
@@ -3820,19 +3568,16 @@
                         </a:spcBef>
                       </a:pPr>
                       <a:r>
-                        <a:rPr sz="900" spc="0" dirty="0">
+                        <a:rPr lang="ja-JP" sz="900">
                           <a:solidFill>
                             <a:srgbClr val="020302"/>
                           </a:solidFill>
-                          <a:latin typeface="Wingdings"/>
+                          <a:latin typeface="Adobe Clean Han Regular" panose="020B0500000000000000" pitchFamily="34" charset="-128"/>
+                          <a:ea typeface="Adobe Clean Han Regular" panose="020B0500000000000000" pitchFamily="34" charset="-128"/>
                           <a:cs typeface="Wingdings"/>
                         </a:rPr>
                         <a:t></a:t>
                       </a:r>
-                      <a:endParaRPr sz="900" spc="0">
-                        <a:latin typeface="Wingdings"/>
-                        <a:cs typeface="Wingdings"/>
-                      </a:endParaRPr>
                     </a:p>
                   </a:txBody>
                   <a:tcPr marL="0" marR="0" marT="58419" marB="0"/>
@@ -3851,19 +3596,16 @@
                         </a:spcBef>
                       </a:pPr>
                       <a:r>
-                        <a:rPr sz="900" spc="0" dirty="0">
+                        <a:rPr lang="ja-JP" sz="900">
                           <a:solidFill>
                             <a:srgbClr val="020302"/>
                           </a:solidFill>
-                          <a:latin typeface="Wingdings"/>
+                          <a:latin typeface="Adobe Clean Han Regular" panose="020B0500000000000000" pitchFamily="34" charset="-128"/>
+                          <a:ea typeface="Adobe Clean Han Regular" panose="020B0500000000000000" pitchFamily="34" charset="-128"/>
                           <a:cs typeface="Wingdings"/>
                         </a:rPr>
                         <a:t></a:t>
                       </a:r>
-                      <a:endParaRPr sz="900" spc="0">
-                        <a:latin typeface="Wingdings"/>
-                        <a:cs typeface="Wingdings"/>
-                      </a:endParaRPr>
                     </a:p>
                   </a:txBody>
                   <a:tcPr marL="0" marR="0" marT="58419" marB="0">
@@ -3881,13 +3623,13 @@
                   </a:ext>
                 </a:extLst>
               </a:tr>
-              <a:tr h="264424">
+              <a:tr h="243081">
                 <a:tc vMerge="1">
                   <a:txBody>
                     <a:bodyPr/>
                     <a:lstStyle/>
                     <a:p>
-                      <a:pPr marL="50800">
+                      <a:pPr marL="50800" algn="l" rtl="0">
                         <a:lnSpc>
                           <a:spcPct val="100000"/>
                         </a:lnSpc>
@@ -3936,19 +3678,16 @@
                         </a:spcBef>
                       </a:pPr>
                       <a:r>
-                        <a:rPr lang="en-US" sz="900" spc="0" dirty="0">
+                        <a:rPr lang="ja-JP" sz="900">
                           <a:solidFill>
                             <a:srgbClr val="020302"/>
                           </a:solidFill>
-                          <a:latin typeface="AdobeClean-Light"/>
+                          <a:latin typeface="Adobe Clean Han Regular" panose="020B0500000000000000" pitchFamily="34" charset="-128"/>
+                          <a:ea typeface="Adobe Clean Han Regular" panose="020B0500000000000000" pitchFamily="34" charset="-128"/>
                           <a:cs typeface="AdobeClean-Light"/>
                         </a:rPr>
-                        <a:t>Named Support Contacts (per product)</a:t>
+                        <a:t>サポート対象ユーザー（製品単位）</a:t>
                       </a:r>
-                      <a:endParaRPr sz="900" spc="0" dirty="0">
-                        <a:latin typeface="AdobeClean-Light"/>
-                        <a:cs typeface="AdobeClean-Light"/>
-                      </a:endParaRPr>
                     </a:p>
                   </a:txBody>
                   <a:tcPr marL="0" marR="0" marT="57785" marB="0">
@@ -3980,19 +3719,16 @@
                         </a:spcBef>
                       </a:pPr>
                       <a:r>
-                        <a:rPr sz="900" spc="0" dirty="0">
+                        <a:rPr lang="ja-JP" sz="900">
                           <a:solidFill>
                             <a:srgbClr val="020302"/>
                           </a:solidFill>
-                          <a:latin typeface="AdobeClean-Light"/>
+                          <a:latin typeface="Adobe Clean Han Regular" panose="020B0500000000000000" pitchFamily="34" charset="-128"/>
+                          <a:ea typeface="Adobe Clean Han Regular" panose="020B0500000000000000" pitchFamily="34" charset="-128"/>
                           <a:cs typeface="AdobeClean-Light"/>
                         </a:rPr>
                         <a:t>4</a:t>
                       </a:r>
-                      <a:endParaRPr sz="900" spc="0" dirty="0">
-                        <a:latin typeface="AdobeClean-Light"/>
-                        <a:cs typeface="AdobeClean-Light"/>
-                      </a:endParaRPr>
                     </a:p>
                   </a:txBody>
                   <a:tcPr marL="0" marR="0" marT="57785" marB="0">
@@ -4023,19 +3759,16 @@
                         </a:spcBef>
                       </a:pPr>
                       <a:r>
-                        <a:rPr sz="900" spc="0" dirty="0">
+                        <a:rPr lang="ja-JP" sz="900">
                           <a:solidFill>
                             <a:srgbClr val="020302"/>
                           </a:solidFill>
-                          <a:latin typeface="AdobeClean-Light"/>
+                          <a:latin typeface="Adobe Clean Han Regular" panose="020B0500000000000000" pitchFamily="34" charset="-128"/>
+                          <a:ea typeface="Adobe Clean Han Regular" panose="020B0500000000000000" pitchFamily="34" charset="-128"/>
                           <a:cs typeface="AdobeClean-Light"/>
                         </a:rPr>
                         <a:t>6</a:t>
                       </a:r>
-                      <a:endParaRPr sz="900" spc="0">
-                        <a:latin typeface="AdobeClean-Light"/>
-                        <a:cs typeface="AdobeClean-Light"/>
-                      </a:endParaRPr>
                     </a:p>
                   </a:txBody>
                   <a:tcPr marL="0" marR="0" marT="57785" marB="0"/>
@@ -4045,7 +3778,7 @@
                     <a:bodyPr/>
                     <a:lstStyle/>
                     <a:p>
-                      <a:pPr algn="ctr">
+                      <a:pPr algn="l" rtl="0">
                         <a:lnSpc>
                           <a:spcPct val="100000"/>
                         </a:lnSpc>
@@ -4075,19 +3808,16 @@
                         </a:spcBef>
                       </a:pPr>
                       <a:r>
-                        <a:rPr sz="900" spc="0" dirty="0">
+                        <a:rPr lang="ja-JP" sz="900">
                           <a:solidFill>
                             <a:srgbClr val="020302"/>
                           </a:solidFill>
-                          <a:latin typeface="AdobeClean-Light"/>
+                          <a:latin typeface="Adobe Clean Han Regular" panose="020B0500000000000000" pitchFamily="34" charset="-128"/>
+                          <a:ea typeface="Adobe Clean Han Regular" panose="020B0500000000000000" pitchFamily="34" charset="-128"/>
                           <a:cs typeface="AdobeClean-Light"/>
                         </a:rPr>
                         <a:t>10</a:t>
                       </a:r>
-                      <a:endParaRPr sz="900" spc="0">
-                        <a:latin typeface="AdobeClean-Light"/>
-                        <a:cs typeface="AdobeClean-Light"/>
-                      </a:endParaRPr>
                     </a:p>
                   </a:txBody>
                   <a:tcPr marL="0" marR="0" marT="57785" marB="0"/>
@@ -4106,19 +3836,16 @@
                         </a:spcBef>
                       </a:pPr>
                       <a:r>
-                        <a:rPr sz="900" spc="0" dirty="0">
+                        <a:rPr lang="ja-JP" sz="900">
                           <a:solidFill>
                             <a:srgbClr val="020302"/>
                           </a:solidFill>
-                          <a:latin typeface="AdobeClean-Light"/>
+                          <a:latin typeface="Adobe Clean Han Regular" panose="020B0500000000000000" pitchFamily="34" charset="-128"/>
+                          <a:ea typeface="Adobe Clean Han Regular" panose="020B0500000000000000" pitchFamily="34" charset="-128"/>
                           <a:cs typeface="AdobeClean-Light"/>
                         </a:rPr>
                         <a:t>15</a:t>
                       </a:r>
-                      <a:endParaRPr sz="900" spc="0">
-                        <a:latin typeface="AdobeClean-Light"/>
-                        <a:cs typeface="AdobeClean-Light"/>
-                      </a:endParaRPr>
                     </a:p>
                   </a:txBody>
                   <a:tcPr marL="0" marR="0" marT="57785" marB="0">
@@ -4136,13 +3863,13 @@
                   </a:ext>
                 </a:extLst>
               </a:tr>
-              <a:tr h="264424">
+              <a:tr h="243081">
                 <a:tc vMerge="1">
                   <a:txBody>
                     <a:bodyPr/>
                     <a:lstStyle/>
                     <a:p>
-                      <a:pPr marL="50800">
+                      <a:pPr marL="50800" algn="l" rtl="0">
                         <a:lnSpc>
                           <a:spcPct val="100000"/>
                         </a:lnSpc>
@@ -4191,19 +3918,16 @@
                         </a:spcBef>
                       </a:pPr>
                       <a:r>
-                        <a:rPr lang="en-US" sz="900" spc="0" dirty="0">
+                        <a:rPr lang="ja-JP" sz="900">
                           <a:solidFill>
                             <a:srgbClr val="020302"/>
                           </a:solidFill>
-                          <a:latin typeface="AdobeClean-Light"/>
+                          <a:latin typeface="Adobe Clean Han Regular" panose="020B0500000000000000" pitchFamily="34" charset="-128"/>
+                          <a:ea typeface="Adobe Clean Han Regular" panose="020B0500000000000000" pitchFamily="34" charset="-128"/>
                           <a:cs typeface="AdobeClean-Light"/>
                         </a:rPr>
-                        <a:t>Live Telephone Support</a:t>
+                        <a:t>電話サポート（ライブ）</a:t>
                       </a:r>
-                      <a:endParaRPr sz="900" spc="0" dirty="0">
-                        <a:latin typeface="AdobeClean-Light"/>
-                        <a:cs typeface="AdobeClean-Light"/>
-                      </a:endParaRPr>
                     </a:p>
                   </a:txBody>
                   <a:tcPr marL="0" marR="0" marT="57785" marB="0">
@@ -4226,13 +3950,14 @@
                     <a:bodyPr/>
                     <a:lstStyle/>
                     <a:p>
-                      <a:pPr>
+                      <a:pPr algn="l" rtl="0">
                         <a:lnSpc>
                           <a:spcPct val="100000"/>
                         </a:lnSpc>
                       </a:pPr>
                       <a:endParaRPr sz="900" spc="0" dirty="0">
-                        <a:latin typeface="Times New Roman"/>
+                        <a:latin typeface="Adobe Clean Han Regular" panose="020B0500000000000000" pitchFamily="34" charset="-128"/>
+                        <a:ea typeface="Adobe Clean Han Regular" panose="020B0500000000000000" pitchFamily="34" charset="-128"/>
                         <a:cs typeface="Times New Roman"/>
                       </a:endParaRPr>
                     </a:p>
@@ -4265,19 +3990,16 @@
                         </a:spcBef>
                       </a:pPr>
                       <a:r>
-                        <a:rPr sz="900" spc="0" dirty="0">
+                        <a:rPr lang="ja-JP" sz="900">
                           <a:solidFill>
                             <a:srgbClr val="020302"/>
                           </a:solidFill>
-                          <a:latin typeface="Wingdings"/>
+                          <a:latin typeface="Adobe Clean Han Regular" panose="020B0500000000000000" pitchFamily="34" charset="-128"/>
+                          <a:ea typeface="Adobe Clean Han Regular" panose="020B0500000000000000" pitchFamily="34" charset="-128"/>
                           <a:cs typeface="Wingdings"/>
                         </a:rPr>
                         <a:t></a:t>
                       </a:r>
-                      <a:endParaRPr sz="900" spc="0">
-                        <a:latin typeface="Wingdings"/>
-                        <a:cs typeface="Wingdings"/>
-                      </a:endParaRPr>
                     </a:p>
                   </a:txBody>
                   <a:tcPr marL="0" marR="0" marT="59054" marB="0"/>
@@ -4287,7 +4009,7 @@
                     <a:bodyPr/>
                     <a:lstStyle/>
                     <a:p>
-                      <a:pPr algn="ctr">
+                      <a:pPr algn="l" rtl="0">
                         <a:lnSpc>
                           <a:spcPct val="100000"/>
                         </a:lnSpc>
@@ -4317,19 +4039,16 @@
                         </a:spcBef>
                       </a:pPr>
                       <a:r>
-                        <a:rPr sz="900" spc="0" dirty="0">
+                        <a:rPr lang="ja-JP" sz="900">
                           <a:solidFill>
                             <a:srgbClr val="020302"/>
                           </a:solidFill>
-                          <a:latin typeface="Wingdings"/>
+                          <a:latin typeface="Adobe Clean Han Regular" panose="020B0500000000000000" pitchFamily="34" charset="-128"/>
+                          <a:ea typeface="Adobe Clean Han Regular" panose="020B0500000000000000" pitchFamily="34" charset="-128"/>
                           <a:cs typeface="Wingdings"/>
                         </a:rPr>
                         <a:t></a:t>
                       </a:r>
-                      <a:endParaRPr sz="900" spc="0">
-                        <a:latin typeface="Wingdings"/>
-                        <a:cs typeface="Wingdings"/>
-                      </a:endParaRPr>
                     </a:p>
                   </a:txBody>
                   <a:tcPr marL="0" marR="0" marT="59054" marB="0"/>
@@ -4348,19 +4067,16 @@
                         </a:spcBef>
                       </a:pPr>
                       <a:r>
-                        <a:rPr sz="900" spc="0" dirty="0">
+                        <a:rPr lang="ja-JP" sz="900">
                           <a:solidFill>
                             <a:srgbClr val="020302"/>
                           </a:solidFill>
-                          <a:latin typeface="Wingdings"/>
+                          <a:latin typeface="Adobe Clean Han Regular" panose="020B0500000000000000" pitchFamily="34" charset="-128"/>
+                          <a:ea typeface="Adobe Clean Han Regular" panose="020B0500000000000000" pitchFamily="34" charset="-128"/>
                           <a:cs typeface="Wingdings"/>
                         </a:rPr>
                         <a:t></a:t>
                       </a:r>
-                      <a:endParaRPr sz="900" spc="0">
-                        <a:latin typeface="Wingdings"/>
-                        <a:cs typeface="Wingdings"/>
-                      </a:endParaRPr>
                     </a:p>
                   </a:txBody>
                   <a:tcPr marL="0" marR="0" marT="59054" marB="0">
@@ -4378,13 +4094,13 @@
                   </a:ext>
                 </a:extLst>
               </a:tr>
-              <a:tr h="264424">
+              <a:tr h="243081">
                 <a:tc vMerge="1">
                   <a:txBody>
                     <a:bodyPr/>
                     <a:lstStyle/>
                     <a:p>
-                      <a:pPr marL="50800">
+                      <a:pPr marL="50800" algn="l" rtl="0">
                         <a:lnSpc>
                           <a:spcPct val="100000"/>
                         </a:lnSpc>
@@ -4433,19 +4149,16 @@
                         </a:spcBef>
                       </a:pPr>
                       <a:r>
-                        <a:rPr sz="900" spc="0" dirty="0">
+                        <a:rPr lang="ja-JP" sz="900" dirty="0">
                           <a:solidFill>
                             <a:srgbClr val="020302"/>
                           </a:solidFill>
-                          <a:latin typeface="AdobeClean-Light"/>
+                          <a:latin typeface="Adobe Clean Han Regular" panose="020B0500000000000000" pitchFamily="34" charset="-128"/>
+                          <a:ea typeface="Adobe Clean Han Regular" panose="020B0500000000000000" pitchFamily="34" charset="-128"/>
                           <a:cs typeface="AdobeClean-Light"/>
                         </a:rPr>
-                        <a:t>Escalation Management</a:t>
+                        <a:t>エスカレーション管理</a:t>
                       </a:r>
-                      <a:endParaRPr sz="900" spc="0" dirty="0">
-                        <a:latin typeface="AdobeClean-Light"/>
-                        <a:cs typeface="AdobeClean-Light"/>
-                      </a:endParaRPr>
                     </a:p>
                   </a:txBody>
                   <a:tcPr marL="0" marR="0" marT="58419" marB="0">
@@ -4468,13 +4181,14 @@
                     <a:bodyPr/>
                     <a:lstStyle/>
                     <a:p>
-                      <a:pPr>
+                      <a:pPr algn="l" rtl="0">
                         <a:lnSpc>
                           <a:spcPct val="100000"/>
                         </a:lnSpc>
                       </a:pPr>
                       <a:endParaRPr sz="900" spc="0" dirty="0">
-                        <a:latin typeface="Times New Roman"/>
+                        <a:latin typeface="Adobe Clean Han Regular" panose="020B0500000000000000" pitchFamily="34" charset="-128"/>
+                        <a:ea typeface="Adobe Clean Han Regular" panose="020B0500000000000000" pitchFamily="34" charset="-128"/>
                         <a:cs typeface="Times New Roman"/>
                       </a:endParaRPr>
                     </a:p>
@@ -4507,19 +4221,16 @@
                         </a:spcBef>
                       </a:pPr>
                       <a:r>
-                        <a:rPr sz="900" spc="0" dirty="0">
+                        <a:rPr lang="ja-JP" sz="900">
                           <a:solidFill>
                             <a:srgbClr val="020302"/>
                           </a:solidFill>
-                          <a:latin typeface="Wingdings"/>
+                          <a:latin typeface="Adobe Clean Han Regular" panose="020B0500000000000000" pitchFamily="34" charset="-128"/>
+                          <a:ea typeface="Adobe Clean Han Regular" panose="020B0500000000000000" pitchFamily="34" charset="-128"/>
                           <a:cs typeface="Wingdings"/>
                         </a:rPr>
                         <a:t></a:t>
                       </a:r>
-                      <a:endParaRPr sz="900" spc="0" dirty="0">
-                        <a:latin typeface="Wingdings"/>
-                        <a:cs typeface="Wingdings"/>
-                      </a:endParaRPr>
                     </a:p>
                   </a:txBody>
                   <a:tcPr marL="0" marR="0" marT="59690" marB="0"/>
@@ -4529,7 +4240,7 @@
                     <a:bodyPr/>
                     <a:lstStyle/>
                     <a:p>
-                      <a:pPr algn="ctr">
+                      <a:pPr algn="l" rtl="0">
                         <a:lnSpc>
                           <a:spcPct val="100000"/>
                         </a:lnSpc>
@@ -4559,19 +4270,16 @@
                         </a:spcBef>
                       </a:pPr>
                       <a:r>
-                        <a:rPr sz="900" spc="0" dirty="0">
+                        <a:rPr lang="ja-JP" sz="900">
                           <a:solidFill>
                             <a:srgbClr val="020302"/>
                           </a:solidFill>
-                          <a:latin typeface="Wingdings"/>
+                          <a:latin typeface="Adobe Clean Han Regular" panose="020B0500000000000000" pitchFamily="34" charset="-128"/>
+                          <a:ea typeface="Adobe Clean Han Regular" panose="020B0500000000000000" pitchFamily="34" charset="-128"/>
                           <a:cs typeface="Wingdings"/>
                         </a:rPr>
                         <a:t></a:t>
                       </a:r>
-                      <a:endParaRPr sz="900" spc="0">
-                        <a:latin typeface="Wingdings"/>
-                        <a:cs typeface="Wingdings"/>
-                      </a:endParaRPr>
                     </a:p>
                   </a:txBody>
                   <a:tcPr marL="0" marR="0" marT="59690" marB="0"/>
@@ -4590,19 +4298,16 @@
                         </a:spcBef>
                       </a:pPr>
                       <a:r>
-                        <a:rPr sz="900" spc="0" dirty="0">
+                        <a:rPr lang="ja-JP" sz="900">
                           <a:solidFill>
                             <a:srgbClr val="020302"/>
                           </a:solidFill>
-                          <a:latin typeface="Wingdings"/>
+                          <a:latin typeface="Adobe Clean Han Regular" panose="020B0500000000000000" pitchFamily="34" charset="-128"/>
+                          <a:ea typeface="Adobe Clean Han Regular" panose="020B0500000000000000" pitchFamily="34" charset="-128"/>
                           <a:cs typeface="Wingdings"/>
                         </a:rPr>
                         <a:t></a:t>
                       </a:r>
-                      <a:endParaRPr sz="900" spc="0" dirty="0">
-                        <a:latin typeface="Wingdings"/>
-                        <a:cs typeface="Wingdings"/>
-                      </a:endParaRPr>
                     </a:p>
                   </a:txBody>
                   <a:tcPr marL="0" marR="0" marT="59690" marB="0">
@@ -4620,13 +4325,13 @@
                   </a:ext>
                 </a:extLst>
               </a:tr>
-              <a:tr h="264424">
+              <a:tr h="243081">
                 <a:tc vMerge="1">
                   <a:txBody>
                     <a:bodyPr/>
                     <a:lstStyle/>
                     <a:p>
-                      <a:pPr marL="50800">
+                      <a:pPr marL="50800" algn="l" rtl="0">
                         <a:lnSpc>
                           <a:spcPct val="100000"/>
                         </a:lnSpc>
@@ -4675,19 +4380,16 @@
                         </a:spcBef>
                       </a:pPr>
                       <a:r>
-                        <a:rPr sz="900" spc="0" dirty="0">
+                        <a:rPr lang="ja-JP" sz="900">
                           <a:solidFill>
                             <a:srgbClr val="020302"/>
                           </a:solidFill>
-                          <a:latin typeface="AdobeClean-Light"/>
+                          <a:latin typeface="Adobe Clean Han Regular" panose="020B0500000000000000" pitchFamily="34" charset="-128"/>
+                          <a:ea typeface="Adobe Clean Han Regular" panose="020B0500000000000000" pitchFamily="34" charset="-128"/>
                           <a:cs typeface="AdobeClean-Light"/>
                         </a:rPr>
-                        <a:t>Service Reviews  per Year</a:t>
+                        <a:t>年間のサービスレビュー</a:t>
                       </a:r>
-                      <a:endParaRPr sz="900" spc="0" dirty="0">
-                        <a:latin typeface="AdobeClean-Light"/>
-                        <a:cs typeface="AdobeClean-Light"/>
-                      </a:endParaRPr>
                     </a:p>
                   </a:txBody>
                   <a:tcPr marL="0" marR="0" marT="57150" marB="0">
@@ -4710,13 +4412,14 @@
                     <a:bodyPr/>
                     <a:lstStyle/>
                     <a:p>
-                      <a:pPr>
+                      <a:pPr algn="l" rtl="0">
                         <a:lnSpc>
                           <a:spcPct val="100000"/>
                         </a:lnSpc>
                       </a:pPr>
                       <a:endParaRPr sz="900" spc="0" dirty="0">
-                        <a:latin typeface="Times New Roman"/>
+                        <a:latin typeface="Adobe Clean Han Regular" panose="020B0500000000000000" pitchFamily="34" charset="-128"/>
+                        <a:ea typeface="Adobe Clean Han Regular" panose="020B0500000000000000" pitchFamily="34" charset="-128"/>
                         <a:cs typeface="Times New Roman"/>
                       </a:endParaRPr>
                     </a:p>
@@ -4740,13 +4443,14 @@
                     <a:bodyPr/>
                     <a:lstStyle/>
                     <a:p>
-                      <a:pPr>
+                      <a:pPr algn="l" rtl="0">
                         <a:lnSpc>
                           <a:spcPct val="100000"/>
                         </a:lnSpc>
                       </a:pPr>
                       <a:endParaRPr sz="900" spc="0">
-                        <a:latin typeface="Times New Roman"/>
+                        <a:latin typeface="Adobe Clean Han Regular" panose="020B0500000000000000" pitchFamily="34" charset="-128"/>
+                        <a:ea typeface="Adobe Clean Han Regular" panose="020B0500000000000000" pitchFamily="34" charset="-128"/>
                         <a:cs typeface="Times New Roman"/>
                       </a:endParaRPr>
                     </a:p>
@@ -4758,7 +4462,7 @@
                     <a:bodyPr/>
                     <a:lstStyle/>
                     <a:p>
-                      <a:pPr>
+                      <a:pPr algn="l" rtl="0">
                         <a:lnSpc>
                           <a:spcPct val="100000"/>
                         </a:lnSpc>
@@ -4785,19 +4489,16 @@
                         </a:spcBef>
                       </a:pPr>
                       <a:r>
-                        <a:rPr sz="900" spc="0" dirty="0">
+                        <a:rPr lang="ja-JP" sz="900">
                           <a:solidFill>
                             <a:srgbClr val="020302"/>
                           </a:solidFill>
-                          <a:latin typeface="AdobeClean-Light"/>
+                          <a:latin typeface="Adobe Clean Han Regular" panose="020B0500000000000000" pitchFamily="34" charset="-128"/>
+                          <a:ea typeface="Adobe Clean Han Regular" panose="020B0500000000000000" pitchFamily="34" charset="-128"/>
                           <a:cs typeface="AdobeClean-Light"/>
                         </a:rPr>
                         <a:t>2</a:t>
                       </a:r>
-                      <a:endParaRPr sz="900" spc="0" dirty="0">
-                        <a:latin typeface="AdobeClean-Light"/>
-                        <a:cs typeface="AdobeClean-Light"/>
-                      </a:endParaRPr>
                     </a:p>
                   </a:txBody>
                   <a:tcPr marL="0" marR="0" marT="57150" marB="0"/>
@@ -4816,19 +4517,16 @@
                         </a:spcBef>
                       </a:pPr>
                       <a:r>
-                        <a:rPr sz="900" spc="0" dirty="0">
+                        <a:rPr lang="ja-JP" sz="900">
                           <a:solidFill>
                             <a:srgbClr val="020302"/>
                           </a:solidFill>
-                          <a:latin typeface="AdobeClean-Light"/>
+                          <a:latin typeface="Adobe Clean Han Regular" panose="020B0500000000000000" pitchFamily="34" charset="-128"/>
+                          <a:ea typeface="Adobe Clean Han Regular" panose="020B0500000000000000" pitchFamily="34" charset="-128"/>
                           <a:cs typeface="AdobeClean-Light"/>
                         </a:rPr>
                         <a:t>4</a:t>
                       </a:r>
-                      <a:endParaRPr sz="900" spc="0" dirty="0">
-                        <a:latin typeface="AdobeClean-Light"/>
-                        <a:cs typeface="AdobeClean-Light"/>
-                      </a:endParaRPr>
                     </a:p>
                   </a:txBody>
                   <a:tcPr marL="0" marR="0" marT="57150" marB="0">
@@ -4846,7 +4544,7 @@
                   </a:ext>
                 </a:extLst>
               </a:tr>
-              <a:tr h="264424">
+              <a:tr h="243081">
                 <a:tc vMerge="1">
                   <a:txBody>
                     <a:bodyPr/>
@@ -4871,16 +4569,13 @@
                         </a:spcBef>
                       </a:pPr>
                       <a:r>
-                        <a:rPr lang="en-US" sz="900" spc="0" dirty="0">
-                          <a:latin typeface="AdobeClean-Light"/>
+                        <a:rPr lang="ja-JP" sz="900">
+                          <a:latin typeface="Adobe Clean Han Regular" panose="020B0500000000000000" pitchFamily="34" charset="-128"/>
+                          <a:ea typeface="Adobe Clean Han Regular" panose="020B0500000000000000" pitchFamily="34" charset="-128"/>
                           <a:cs typeface="AdobeClean-Light"/>
                         </a:rPr>
-                        <a:t>Expert Sessions per Year</a:t>
+                        <a:t>年間のエキスパートセッション</a:t>
                       </a:r>
-                      <a:endParaRPr sz="900" spc="0" dirty="0">
-                        <a:latin typeface="AdobeClean-Light"/>
-                        <a:cs typeface="AdobeClean-Light"/>
-                      </a:endParaRPr>
                     </a:p>
                   </a:txBody>
                   <a:tcPr marL="0" marR="0" marT="57150" marB="0">
@@ -4909,13 +4604,14 @@
                     <a:bodyPr/>
                     <a:lstStyle/>
                     <a:p>
-                      <a:pPr>
+                      <a:pPr algn="l" rtl="0">
                         <a:lnSpc>
                           <a:spcPct val="100000"/>
                         </a:lnSpc>
                       </a:pPr>
                       <a:endParaRPr sz="900" spc="0" dirty="0">
-                        <a:latin typeface="Times New Roman"/>
+                        <a:latin typeface="Adobe Clean Han Regular" panose="020B0500000000000000" pitchFamily="34" charset="-128"/>
+                        <a:ea typeface="Adobe Clean Han Regular" panose="020B0500000000000000" pitchFamily="34" charset="-128"/>
                         <a:cs typeface="Times New Roman"/>
                       </a:endParaRPr>
                     </a:p>
@@ -4942,13 +4638,14 @@
                     <a:bodyPr/>
                     <a:lstStyle/>
                     <a:p>
-                      <a:pPr>
+                      <a:pPr algn="l" rtl="0">
                         <a:lnSpc>
                           <a:spcPct val="100000"/>
                         </a:lnSpc>
                       </a:pPr>
                       <a:endParaRPr sz="900" spc="0" dirty="0">
-                        <a:latin typeface="Times New Roman"/>
+                        <a:latin typeface="Adobe Clean Han Regular" panose="020B0500000000000000" pitchFamily="34" charset="-128"/>
+                        <a:ea typeface="Adobe Clean Han Regular" panose="020B0500000000000000" pitchFamily="34" charset="-128"/>
                         <a:cs typeface="Times New Roman"/>
                       </a:endParaRPr>
                     </a:p>
@@ -4979,16 +4676,13 @@
                         </a:spcBef>
                       </a:pPr>
                       <a:r>
-                        <a:rPr lang="en-US" sz="900" spc="0" dirty="0">
-                          <a:latin typeface="AdobeClean-Light"/>
+                        <a:rPr lang="ja-JP" sz="900">
+                          <a:latin typeface="Adobe Clean Han Regular" panose="020B0500000000000000" pitchFamily="34" charset="-128"/>
+                          <a:ea typeface="Adobe Clean Han Regular" panose="020B0500000000000000" pitchFamily="34" charset="-128"/>
                           <a:cs typeface="AdobeClean-Light"/>
                         </a:rPr>
                         <a:t>2</a:t>
                       </a:r>
-                      <a:endParaRPr sz="900" spc="0" dirty="0">
-                        <a:latin typeface="AdobeClean-Light"/>
-                        <a:cs typeface="AdobeClean-Light"/>
-                      </a:endParaRPr>
                     </a:p>
                   </a:txBody>
                   <a:tcPr marL="0" marR="0" marT="57150" marB="0"/>
@@ -5007,16 +4701,13 @@
                         </a:spcBef>
                       </a:pPr>
                       <a:r>
-                        <a:rPr lang="en-US" sz="900" spc="0" dirty="0">
-                          <a:latin typeface="AdobeClean-Light"/>
+                        <a:rPr lang="ja-JP" sz="900">
+                          <a:latin typeface="Adobe Clean Han Regular" panose="020B0500000000000000" pitchFamily="34" charset="-128"/>
+                          <a:ea typeface="Adobe Clean Han Regular" panose="020B0500000000000000" pitchFamily="34" charset="-128"/>
                           <a:cs typeface="AdobeClean-Light"/>
                         </a:rPr>
                         <a:t>4</a:t>
                       </a:r>
-                      <a:endParaRPr sz="900" spc="0" dirty="0">
-                        <a:latin typeface="AdobeClean-Light"/>
-                        <a:cs typeface="AdobeClean-Light"/>
-                      </a:endParaRPr>
                     </a:p>
                   </a:txBody>
                   <a:tcPr marL="0" marR="0" marT="57150" marB="0">
@@ -5034,7 +4725,7 @@
                   </a:ext>
                 </a:extLst>
               </a:tr>
-              <a:tr h="264424">
+              <a:tr h="243081">
                 <a:tc vMerge="1">
                   <a:txBody>
                     <a:bodyPr/>
@@ -5059,16 +4750,13 @@
                         </a:spcBef>
                       </a:pPr>
                       <a:r>
-                        <a:rPr lang="en-US" sz="900" spc="0" dirty="0">
-                          <a:latin typeface="AdobeClean-Light"/>
+                        <a:rPr lang="ja-JP" sz="900">
+                          <a:latin typeface="Adobe Clean Han Regular" panose="020B0500000000000000" pitchFamily="34" charset="-128"/>
+                          <a:ea typeface="Adobe Clean Han Regular" panose="020B0500000000000000" pitchFamily="34" charset="-128"/>
                           <a:cs typeface="AdobeClean-Light"/>
                         </a:rPr>
-                        <a:t>Case Reviews</a:t>
+                        <a:t>ケースレビュー</a:t>
                       </a:r>
-                      <a:endParaRPr sz="900" spc="0" dirty="0">
-                        <a:latin typeface="AdobeClean-Light"/>
-                        <a:cs typeface="AdobeClean-Light"/>
-                      </a:endParaRPr>
                     </a:p>
                   </a:txBody>
                   <a:tcPr marL="0" marR="0" marT="57150" marB="0">
@@ -5097,13 +4785,14 @@
                     <a:bodyPr/>
                     <a:lstStyle/>
                     <a:p>
-                      <a:pPr>
+                      <a:pPr algn="l" rtl="0">
                         <a:lnSpc>
                           <a:spcPct val="100000"/>
                         </a:lnSpc>
                       </a:pPr>
                       <a:endParaRPr sz="900" spc="0" dirty="0">
-                        <a:latin typeface="Times New Roman"/>
+                        <a:latin typeface="Adobe Clean Han Regular" panose="020B0500000000000000" pitchFamily="34" charset="-128"/>
+                        <a:ea typeface="Adobe Clean Han Regular" panose="020B0500000000000000" pitchFamily="34" charset="-128"/>
                         <a:cs typeface="Times New Roman"/>
                       </a:endParaRPr>
                     </a:p>
@@ -5130,13 +4819,14 @@
                     <a:bodyPr/>
                     <a:lstStyle/>
                     <a:p>
-                      <a:pPr>
+                      <a:pPr algn="l" rtl="0">
                         <a:lnSpc>
                           <a:spcPct val="100000"/>
                         </a:lnSpc>
                       </a:pPr>
                       <a:endParaRPr sz="900" spc="0" dirty="0">
-                        <a:latin typeface="Times New Roman"/>
+                        <a:latin typeface="Adobe Clean Han Regular" panose="020B0500000000000000" pitchFamily="34" charset="-128"/>
+                        <a:ea typeface="Adobe Clean Han Regular" panose="020B0500000000000000" pitchFamily="34" charset="-128"/>
                         <a:cs typeface="Times New Roman"/>
                       </a:endParaRPr>
                     </a:p>
@@ -5176,19 +4866,16 @@
                         <a:defRPr/>
                       </a:pPr>
                       <a:r>
-                        <a:rPr lang="en-US" sz="900" spc="0" dirty="0">
+                        <a:rPr lang="ja-JP" sz="900">
                           <a:solidFill>
                             <a:srgbClr val="020302"/>
                           </a:solidFill>
-                          <a:latin typeface="Wingdings"/>
+                          <a:latin typeface="Adobe Clean Han Regular" panose="020B0500000000000000" pitchFamily="34" charset="-128"/>
+                          <a:ea typeface="Adobe Clean Han Regular" panose="020B0500000000000000" pitchFamily="34" charset="-128"/>
                           <a:cs typeface="Wingdings"/>
                         </a:rPr>
                         <a:t></a:t>
                       </a:r>
-                      <a:endParaRPr lang="en-US" sz="900" spc="0" dirty="0">
-                        <a:latin typeface="Wingdings"/>
-                        <a:cs typeface="Wingdings"/>
-                      </a:endParaRPr>
                     </a:p>
                   </a:txBody>
                   <a:tcPr marL="0" marR="0" marT="57150" marB="0"/>
@@ -5216,19 +4903,16 @@
                         <a:defRPr/>
                       </a:pPr>
                       <a:r>
-                        <a:rPr lang="en-US" sz="900" spc="0">
+                        <a:rPr lang="ja-JP" sz="900">
                           <a:solidFill>
                             <a:srgbClr val="020302"/>
                           </a:solidFill>
-                          <a:latin typeface="Wingdings"/>
+                          <a:latin typeface="Adobe Clean Han Regular" panose="020B0500000000000000" pitchFamily="34" charset="-128"/>
+                          <a:ea typeface="Adobe Clean Han Regular" panose="020B0500000000000000" pitchFamily="34" charset="-128"/>
                           <a:cs typeface="Wingdings"/>
                         </a:rPr>
                         <a:t></a:t>
                       </a:r>
-                      <a:endParaRPr lang="en-US" sz="900" spc="0" dirty="0">
-                        <a:latin typeface="Wingdings"/>
-                        <a:cs typeface="Wingdings"/>
-                      </a:endParaRPr>
                     </a:p>
                   </a:txBody>
                   <a:tcPr marL="0" marR="0" marT="57150" marB="0">
@@ -5246,13 +4930,13 @@
                   </a:ext>
                 </a:extLst>
               </a:tr>
-              <a:tr h="264424">
+              <a:tr h="243081">
                 <a:tc vMerge="1">
                   <a:txBody>
                     <a:bodyPr/>
                     <a:lstStyle/>
                     <a:p>
-                      <a:pPr marL="48895">
+                      <a:pPr marL="48895" algn="l" rtl="0">
                         <a:lnSpc>
                           <a:spcPct val="100000"/>
                         </a:lnSpc>
@@ -5301,19 +4985,16 @@
                         </a:spcBef>
                       </a:pPr>
                       <a:r>
-                        <a:rPr sz="900" spc="0" dirty="0">
+                        <a:rPr lang="ja-JP" sz="900">
                           <a:solidFill>
                             <a:srgbClr val="020302"/>
                           </a:solidFill>
-                          <a:latin typeface="AdobeClean-Light"/>
+                          <a:latin typeface="Adobe Clean Han Regular" panose="020B0500000000000000" pitchFamily="34" charset="-128"/>
+                          <a:ea typeface="Adobe Clean Han Regular" panose="020B0500000000000000" pitchFamily="34" charset="-128"/>
                           <a:cs typeface="AdobeClean-Light"/>
                         </a:rPr>
-                        <a:t>Event Management</a:t>
+                        <a:t>イベント管理</a:t>
                       </a:r>
-                      <a:endParaRPr sz="900" spc="0" dirty="0">
-                        <a:latin typeface="AdobeClean-Light"/>
-                        <a:cs typeface="AdobeClean-Light"/>
-                      </a:endParaRPr>
                     </a:p>
                   </a:txBody>
                   <a:tcPr marL="0" marR="0" marT="58419" marB="0">
@@ -5336,13 +5017,14 @@
                     <a:bodyPr/>
                     <a:lstStyle/>
                     <a:p>
-                      <a:pPr>
+                      <a:pPr algn="l" rtl="0">
                         <a:lnSpc>
                           <a:spcPct val="100000"/>
                         </a:lnSpc>
                       </a:pPr>
                       <a:endParaRPr sz="900" spc="0" dirty="0">
-                        <a:latin typeface="Times New Roman"/>
+                        <a:latin typeface="Adobe Clean Han Regular" panose="020B0500000000000000" pitchFamily="34" charset="-128"/>
+                        <a:ea typeface="Adobe Clean Han Regular" panose="020B0500000000000000" pitchFamily="34" charset="-128"/>
                         <a:cs typeface="Times New Roman"/>
                       </a:endParaRPr>
                     </a:p>
@@ -5366,13 +5048,14 @@
                     <a:bodyPr/>
                     <a:lstStyle/>
                     <a:p>
-                      <a:pPr>
+                      <a:pPr algn="l" rtl="0">
                         <a:lnSpc>
                           <a:spcPct val="100000"/>
                         </a:lnSpc>
                       </a:pPr>
                       <a:endParaRPr sz="900" spc="0">
-                        <a:latin typeface="Times New Roman"/>
+                        <a:latin typeface="Adobe Clean Han Regular" panose="020B0500000000000000" pitchFamily="34" charset="-128"/>
+                        <a:ea typeface="Adobe Clean Han Regular" panose="020B0500000000000000" pitchFamily="34" charset="-128"/>
                         <a:cs typeface="Times New Roman"/>
                       </a:endParaRPr>
                     </a:p>
@@ -5384,7 +5067,7 @@
                     <a:bodyPr/>
                     <a:lstStyle/>
                     <a:p>
-                      <a:pPr>
+                      <a:pPr algn="l" rtl="0">
                         <a:lnSpc>
                           <a:spcPct val="100000"/>
                         </a:lnSpc>
@@ -5402,13 +5085,14 @@
                     <a:bodyPr/>
                     <a:lstStyle/>
                     <a:p>
-                      <a:pPr>
+                      <a:pPr algn="l" rtl="0">
                         <a:lnSpc>
                           <a:spcPct val="100000"/>
                         </a:lnSpc>
                       </a:pPr>
                       <a:endParaRPr sz="900" spc="0" dirty="0">
-                        <a:latin typeface="Times New Roman"/>
+                        <a:latin typeface="Adobe Clean Han Regular" panose="020B0500000000000000" pitchFamily="34" charset="-128"/>
+                        <a:ea typeface="Adobe Clean Han Regular" panose="020B0500000000000000" pitchFamily="34" charset="-128"/>
                         <a:cs typeface="Times New Roman"/>
                       </a:endParaRPr>
                     </a:p>
@@ -5429,19 +5113,16 @@
                         </a:spcBef>
                       </a:pPr>
                       <a:r>
-                        <a:rPr sz="900" spc="0" dirty="0">
+                        <a:rPr lang="ja-JP" sz="900">
                           <a:solidFill>
                             <a:srgbClr val="020302"/>
                           </a:solidFill>
-                          <a:latin typeface="Wingdings"/>
+                          <a:latin typeface="Adobe Clean Han Regular" panose="020B0500000000000000" pitchFamily="34" charset="-128"/>
+                          <a:ea typeface="Adobe Clean Han Regular" panose="020B0500000000000000" pitchFamily="34" charset="-128"/>
                           <a:cs typeface="Wingdings"/>
                         </a:rPr>
                         <a:t></a:t>
                       </a:r>
-                      <a:endParaRPr sz="900" spc="0" dirty="0">
-                        <a:latin typeface="Wingdings"/>
-                        <a:cs typeface="Wingdings"/>
-                      </a:endParaRPr>
                     </a:p>
                   </a:txBody>
                   <a:tcPr marL="0" marR="0" marT="59055" marB="0">
@@ -5459,13 +5140,13 @@
                   </a:ext>
                 </a:extLst>
               </a:tr>
-              <a:tr h="264424">
+              <a:tr h="243081">
                 <a:tc vMerge="1">
                   <a:txBody>
                     <a:bodyPr/>
                     <a:lstStyle/>
                     <a:p>
-                      <a:pPr marL="48895">
+                      <a:pPr marL="48895" algn="l" rtl="0">
                         <a:lnSpc>
                           <a:spcPct val="100000"/>
                         </a:lnSpc>
@@ -5523,49 +5204,16 @@
                         </a:spcBef>
                       </a:pPr>
                       <a:r>
-                        <a:rPr sz="900" spc="0" dirty="0">
+                        <a:rPr lang="ja-JP" sz="900">
                           <a:solidFill>
                             <a:srgbClr val="020302"/>
                           </a:solidFill>
-                          <a:latin typeface="AdobeClean-Light"/>
+                          <a:latin typeface="Adobe Clean Han Regular" panose="020B0500000000000000" pitchFamily="34" charset="-128"/>
+                          <a:ea typeface="Adobe Clean Han Regular" panose="020B0500000000000000" pitchFamily="34" charset="-128"/>
                           <a:cs typeface="AdobeClean-Light"/>
                         </a:rPr>
-                        <a:t>Environment</a:t>
+                        <a:t>環境レビュー、メンテナンスと監視</a:t>
                       </a:r>
-                      <a:r>
-                        <a:rPr lang="en-US" sz="900" spc="0" dirty="0">
-                          <a:solidFill>
-                            <a:srgbClr val="020302"/>
-                          </a:solidFill>
-                          <a:latin typeface="AdobeClean-Light"/>
-                          <a:cs typeface="AdobeClean-Light"/>
-                        </a:rPr>
-                        <a:t> </a:t>
-                      </a:r>
-                      <a:r>
-                        <a:rPr sz="900" spc="0" dirty="0">
-                          <a:solidFill>
-                            <a:srgbClr val="020302"/>
-                          </a:solidFill>
-                          <a:latin typeface="AdobeClean-Light"/>
-                          <a:cs typeface="AdobeClean-Light"/>
-                        </a:rPr>
-                        <a:t>Review, Maintenance &amp; Monitoring</a:t>
-                      </a:r>
-                      <a:r>
-                        <a:rPr lang="en-US" sz="900" spc="0" dirty="0">
-                          <a:solidFill>
-                            <a:srgbClr val="020302"/>
-                          </a:solidFill>
-                          <a:latin typeface="AdobeClean-Light"/>
-                          <a:cs typeface="AdobeClean-Light"/>
-                        </a:rPr>
-                        <a:t>,</a:t>
-                      </a:r>
-                      <a:endParaRPr sz="900" spc="0" dirty="0">
-                        <a:latin typeface="AdobeClean-Light"/>
-                        <a:cs typeface="AdobeClean-Light"/>
-                      </a:endParaRPr>
                     </a:p>
                   </a:txBody>
                   <a:tcPr marL="0" marR="0" marT="59055" marB="0">
@@ -5594,13 +5242,14 @@
                     <a:bodyPr/>
                     <a:lstStyle/>
                     <a:p>
-                      <a:pPr>
+                      <a:pPr algn="l" rtl="0">
                         <a:lnSpc>
                           <a:spcPct val="100000"/>
                         </a:lnSpc>
                       </a:pPr>
                       <a:endParaRPr sz="900" spc="0" dirty="0">
-                        <a:latin typeface="Times New Roman"/>
+                        <a:latin typeface="Adobe Clean Han Regular" panose="020B0500000000000000" pitchFamily="34" charset="-128"/>
+                        <a:ea typeface="Adobe Clean Han Regular" panose="020B0500000000000000" pitchFamily="34" charset="-128"/>
                         <a:cs typeface="Times New Roman"/>
                       </a:endParaRPr>
                     </a:p>
@@ -5627,13 +5276,14 @@
                     <a:bodyPr/>
                     <a:lstStyle/>
                     <a:p>
-                      <a:pPr>
+                      <a:pPr algn="l" rtl="0">
                         <a:lnSpc>
                           <a:spcPct val="100000"/>
                         </a:lnSpc>
                       </a:pPr>
                       <a:endParaRPr sz="900" spc="0">
-                        <a:latin typeface="Times New Roman"/>
+                        <a:latin typeface="Adobe Clean Han Regular" panose="020B0500000000000000" pitchFamily="34" charset="-128"/>
+                        <a:ea typeface="Adobe Clean Han Regular" panose="020B0500000000000000" pitchFamily="34" charset="-128"/>
                         <a:cs typeface="Times New Roman"/>
                       </a:endParaRPr>
                     </a:p>
@@ -5645,7 +5295,7 @@
                     <a:bodyPr/>
                     <a:lstStyle/>
                     <a:p>
-                      <a:pPr>
+                      <a:pPr algn="l" rtl="0">
                         <a:lnSpc>
                           <a:spcPct val="100000"/>
                         </a:lnSpc>
@@ -5663,13 +5313,14 @@
                     <a:bodyPr/>
                     <a:lstStyle/>
                     <a:p>
-                      <a:pPr>
+                      <a:pPr algn="l" rtl="0">
                         <a:lnSpc>
                           <a:spcPct val="100000"/>
                         </a:lnSpc>
                       </a:pPr>
                       <a:endParaRPr sz="900" spc="0">
-                        <a:latin typeface="Times New Roman"/>
+                        <a:latin typeface="Adobe Clean Han Regular" panose="020B0500000000000000" pitchFamily="34" charset="-128"/>
+                        <a:ea typeface="Adobe Clean Han Regular" panose="020B0500000000000000" pitchFamily="34" charset="-128"/>
                         <a:cs typeface="Times New Roman"/>
                       </a:endParaRPr>
                     </a:p>
@@ -5690,19 +5341,16 @@
                         </a:spcBef>
                       </a:pPr>
                       <a:r>
-                        <a:rPr sz="900" spc="0" dirty="0">
+                        <a:rPr lang="ja-JP" sz="900">
                           <a:solidFill>
                             <a:srgbClr val="020302"/>
                           </a:solidFill>
-                          <a:latin typeface="Wingdings"/>
+                          <a:latin typeface="Adobe Clean Han Regular" panose="020B0500000000000000" pitchFamily="34" charset="-128"/>
+                          <a:ea typeface="Adobe Clean Han Regular" panose="020B0500000000000000" pitchFamily="34" charset="-128"/>
                           <a:cs typeface="Wingdings"/>
                         </a:rPr>
                         <a:t></a:t>
                       </a:r>
-                      <a:endParaRPr sz="900" spc="0" dirty="0">
-                        <a:latin typeface="Wingdings"/>
-                        <a:cs typeface="Wingdings"/>
-                      </a:endParaRPr>
                     </a:p>
                   </a:txBody>
                   <a:tcPr marL="0" marR="0" marT="60325" marB="0">
@@ -5720,13 +5368,13 @@
                   </a:ext>
                 </a:extLst>
               </a:tr>
-              <a:tr h="264424">
+              <a:tr h="319097">
                 <a:tc vMerge="1">
                   <a:txBody>
                     <a:bodyPr/>
                     <a:lstStyle/>
                     <a:p>
-                      <a:pPr marL="49530">
+                      <a:pPr marL="49530" algn="l" rtl="0">
                         <a:lnSpc>
                           <a:spcPct val="100000"/>
                         </a:lnSpc>
@@ -5775,19 +5423,16 @@
                         </a:spcBef>
                       </a:pPr>
                       <a:r>
-                        <a:rPr sz="900" spc="0" dirty="0">
+                        <a:rPr lang="ja-JP" sz="900">
                           <a:solidFill>
                             <a:srgbClr val="020302"/>
                           </a:solidFill>
-                          <a:latin typeface="AdobeClean-Light"/>
+                          <a:latin typeface="Adobe Clean Han Regular" panose="020B0500000000000000" pitchFamily="34" charset="-128"/>
+                          <a:ea typeface="Adobe Clean Han Regular" panose="020B0500000000000000" pitchFamily="34" charset="-128"/>
                           <a:cs typeface="AdobeClean-Light"/>
                         </a:rPr>
-                        <a:t>Release, Migration, Upgrade &amp; Product Roadmap Review</a:t>
+                        <a:t>リリース、移行、アップグレード、製品ロードマップのレビュー</a:t>
                       </a:r>
-                      <a:endParaRPr sz="900" spc="0" dirty="0">
-                        <a:latin typeface="AdobeClean-Light"/>
-                        <a:cs typeface="AdobeClean-Light"/>
-                      </a:endParaRPr>
                     </a:p>
                   </a:txBody>
                   <a:tcPr marL="0" marR="0" marT="63500" marB="0">
@@ -5810,13 +5455,14 @@
                     <a:bodyPr/>
                     <a:lstStyle/>
                     <a:p>
-                      <a:pPr>
+                      <a:pPr algn="l" rtl="0">
                         <a:lnSpc>
                           <a:spcPct val="100000"/>
                         </a:lnSpc>
                       </a:pPr>
                       <a:endParaRPr sz="900" spc="0" dirty="0">
-                        <a:latin typeface="Times New Roman"/>
+                        <a:latin typeface="Adobe Clean Han Regular" panose="020B0500000000000000" pitchFamily="34" charset="-128"/>
+                        <a:ea typeface="Adobe Clean Han Regular" panose="020B0500000000000000" pitchFamily="34" charset="-128"/>
                         <a:cs typeface="Times New Roman"/>
                       </a:endParaRPr>
                     </a:p>
@@ -5840,13 +5486,14 @@
                     <a:bodyPr/>
                     <a:lstStyle/>
                     <a:p>
-                      <a:pPr>
+                      <a:pPr algn="l" rtl="0">
                         <a:lnSpc>
                           <a:spcPct val="100000"/>
                         </a:lnSpc>
                       </a:pPr>
                       <a:endParaRPr sz="900" spc="0">
-                        <a:latin typeface="Times New Roman"/>
+                        <a:latin typeface="Adobe Clean Han Regular" panose="020B0500000000000000" pitchFamily="34" charset="-128"/>
+                        <a:ea typeface="Adobe Clean Han Regular" panose="020B0500000000000000" pitchFamily="34" charset="-128"/>
                         <a:cs typeface="Times New Roman"/>
                       </a:endParaRPr>
                     </a:p>
@@ -5858,7 +5505,7 @@
                     <a:bodyPr/>
                     <a:lstStyle/>
                     <a:p>
-                      <a:pPr>
+                      <a:pPr algn="l" rtl="0">
                         <a:lnSpc>
                           <a:spcPct val="100000"/>
                         </a:lnSpc>
@@ -5876,13 +5523,14 @@
                     <a:bodyPr/>
                     <a:lstStyle/>
                     <a:p>
-                      <a:pPr>
+                      <a:pPr algn="l" rtl="0">
                         <a:lnSpc>
                           <a:spcPct val="100000"/>
                         </a:lnSpc>
                       </a:pPr>
                       <a:endParaRPr sz="900" spc="0" dirty="0">
-                        <a:latin typeface="Times New Roman"/>
+                        <a:latin typeface="Adobe Clean Han Regular" panose="020B0500000000000000" pitchFamily="34" charset="-128"/>
+                        <a:ea typeface="Adobe Clean Han Regular" panose="020B0500000000000000" pitchFamily="34" charset="-128"/>
                         <a:cs typeface="Times New Roman"/>
                       </a:endParaRPr>
                     </a:p>
@@ -5903,19 +5551,16 @@
                         </a:spcBef>
                       </a:pPr>
                       <a:r>
-                        <a:rPr sz="900" spc="0" dirty="0">
+                        <a:rPr lang="ja-JP" sz="900">
                           <a:solidFill>
                             <a:srgbClr val="020302"/>
                           </a:solidFill>
-                          <a:latin typeface="Wingdings"/>
+                          <a:latin typeface="Adobe Clean Han Regular" panose="020B0500000000000000" pitchFamily="34" charset="-128"/>
+                          <a:ea typeface="Adobe Clean Han Regular" panose="020B0500000000000000" pitchFamily="34" charset="-128"/>
                           <a:cs typeface="Wingdings"/>
                         </a:rPr>
                         <a:t></a:t>
                       </a:r>
-                      <a:endParaRPr sz="900" spc="0">
-                        <a:latin typeface="Wingdings"/>
-                        <a:cs typeface="Wingdings"/>
-                      </a:endParaRPr>
                     </a:p>
                   </a:txBody>
                   <a:tcPr marL="0" marR="0" marT="64135" marB="0">
@@ -5933,13 +5578,13 @@
                   </a:ext>
                 </a:extLst>
               </a:tr>
-              <a:tr h="264424">
+              <a:tr h="322696">
                 <a:tc vMerge="1">
                   <a:txBody>
                     <a:bodyPr/>
                     <a:lstStyle/>
                     <a:p>
-                      <a:pPr marL="49530">
+                      <a:pPr marL="49530" algn="l" rtl="0">
                         <a:lnSpc>
                           <a:spcPct val="100000"/>
                         </a:lnSpc>
@@ -5997,11 +5642,12 @@
                         </a:spcBef>
                       </a:pPr>
                       <a:r>
-                        <a:rPr sz="900" spc="0" dirty="0">
-                          <a:latin typeface="AdobeClean-Light"/>
+                        <a:rPr lang="ja-JP" sz="900">
+                          <a:latin typeface="Adobe Clean Han Regular" panose="020B0500000000000000" pitchFamily="34" charset="-128"/>
+                          <a:ea typeface="Adobe Clean Han Regular" panose="020B0500000000000000" pitchFamily="34" charset="-128"/>
                           <a:cs typeface="AdobeClean-Light"/>
                         </a:rPr>
-                        <a:t>Cloud Support Activities – Experience Manager as Cloud</a:t>
+                        <a:t>クラウドサポートアクティビティ – Experience Manager as Cloud</a:t>
                       </a:r>
                     </a:p>
                   </a:txBody>
@@ -6031,13 +5677,14 @@
                     <a:bodyPr/>
                     <a:lstStyle/>
                     <a:p>
-                      <a:pPr>
+                      <a:pPr algn="l" rtl="0">
                         <a:lnSpc>
                           <a:spcPct val="100000"/>
                         </a:lnSpc>
                       </a:pPr>
                       <a:endParaRPr sz="900" spc="0" dirty="0">
-                        <a:latin typeface="Times New Roman"/>
+                        <a:latin typeface="Adobe Clean Han Regular" panose="020B0500000000000000" pitchFamily="34" charset="-128"/>
+                        <a:ea typeface="Adobe Clean Han Regular" panose="020B0500000000000000" pitchFamily="34" charset="-128"/>
                         <a:cs typeface="Times New Roman"/>
                       </a:endParaRPr>
                     </a:p>
@@ -6067,13 +5714,14 @@
                     <a:bodyPr/>
                     <a:lstStyle/>
                     <a:p>
-                      <a:pPr>
+                      <a:pPr algn="l" rtl="0">
                         <a:lnSpc>
                           <a:spcPct val="100000"/>
                         </a:lnSpc>
                       </a:pPr>
                       <a:endParaRPr sz="900" spc="0" dirty="0">
-                        <a:latin typeface="Times New Roman"/>
+                        <a:latin typeface="Adobe Clean Han Regular" panose="020B0500000000000000" pitchFamily="34" charset="-128"/>
+                        <a:ea typeface="Adobe Clean Han Regular" panose="020B0500000000000000" pitchFamily="34" charset="-128"/>
                         <a:cs typeface="Times New Roman"/>
                       </a:endParaRPr>
                     </a:p>
@@ -6092,7 +5740,7 @@
                     <a:bodyPr/>
                     <a:lstStyle/>
                     <a:p>
-                      <a:pPr>
+                      <a:pPr algn="l" rtl="0">
                         <a:lnSpc>
                           <a:spcPct val="100000"/>
                         </a:lnSpc>
@@ -6129,19 +5777,16 @@
                         </a:spcBef>
                       </a:pPr>
                       <a:r>
-                        <a:rPr sz="900" spc="0" dirty="0">
+                        <a:rPr lang="ja-JP" sz="900">
                           <a:solidFill>
                             <a:srgbClr val="020302"/>
                           </a:solidFill>
-                          <a:latin typeface="Wingdings"/>
+                          <a:latin typeface="Adobe Clean Han Regular" panose="020B0500000000000000" pitchFamily="34" charset="-128"/>
+                          <a:ea typeface="Adobe Clean Han Regular" panose="020B0500000000000000" pitchFamily="34" charset="-128"/>
                           <a:cs typeface="Wingdings"/>
                         </a:rPr>
                         <a:t></a:t>
                       </a:r>
-                      <a:endParaRPr sz="900" spc="0" dirty="0">
-                        <a:latin typeface="Wingdings"/>
-                        <a:cs typeface="Wingdings"/>
-                      </a:endParaRPr>
                     </a:p>
                   </a:txBody>
                   <a:tcPr marL="0" marR="0" marT="62230" marB="0">
@@ -6167,19 +5812,16 @@
                         </a:spcBef>
                       </a:pPr>
                       <a:r>
-                        <a:rPr sz="900" spc="0" dirty="0">
+                        <a:rPr lang="ja-JP" sz="900">
                           <a:solidFill>
                             <a:srgbClr val="020302"/>
                           </a:solidFill>
-                          <a:latin typeface="Wingdings"/>
+                          <a:latin typeface="Adobe Clean Han Regular" panose="020B0500000000000000" pitchFamily="34" charset="-128"/>
+                          <a:ea typeface="Adobe Clean Han Regular" panose="020B0500000000000000" pitchFamily="34" charset="-128"/>
                           <a:cs typeface="Wingdings"/>
                         </a:rPr>
                         <a:t></a:t>
                       </a:r>
-                      <a:endParaRPr sz="900" spc="0" dirty="0">
-                        <a:latin typeface="Wingdings"/>
-                        <a:cs typeface="Wingdings"/>
-                      </a:endParaRPr>
                     </a:p>
                   </a:txBody>
                   <a:tcPr marL="0" marR="0" marT="62230" marB="0">
@@ -6203,7 +5845,7 @@
                   </a:ext>
                 </a:extLst>
               </a:tr>
-              <a:tr h="264424">
+              <a:tr h="243081">
                 <a:tc rowSpan="2">
                   <a:txBody>
                     <a:bodyPr/>
@@ -6218,22 +5860,37 @@
                         </a:spcBef>
                       </a:pPr>
                       <a:r>
-                        <a:rPr lang="en-US" sz="1000" b="1" i="0" spc="0" dirty="0">
+                        <a:rPr lang="ja-JP" sz="1000" b="1" i="0" dirty="0">
                           <a:solidFill>
                             <a:schemeClr val="bg1"/>
                           </a:solidFill>
-                          <a:latin typeface="Adobe Clean" panose="020B0503020404020204" pitchFamily="34" charset="0"/>
+                          <a:latin typeface="Adobe Clean Han Regular" panose="020B0500000000000000" pitchFamily="34" charset="-128"/>
+                          <a:ea typeface="Adobe Clean Han Regular" panose="020B0500000000000000" pitchFamily="34" charset="-128"/>
                           <a:cs typeface="AdobeClean-Light"/>
                         </a:rPr>
-                        <a:t>Field Services</a:t>
+                        <a:t>フィールドサー</a:t>
                       </a:r>
-                      <a:endParaRPr sz="1000" b="1" i="0" spc="0" dirty="0">
-                        <a:solidFill>
-                          <a:schemeClr val="bg1"/>
-                        </a:solidFill>
-                        <a:latin typeface="Adobe Clean" panose="020B0503020404020204" pitchFamily="34" charset="0"/>
-                        <a:cs typeface="AdobeClean-Light"/>
-                      </a:endParaRPr>
+                      <a:br>
+                        <a:rPr lang="sk-SK" altLang="ja-JP" sz="1000" b="1" i="0" dirty="0">
+                          <a:solidFill>
+                            <a:schemeClr val="bg1"/>
+                          </a:solidFill>
+                          <a:latin typeface="Adobe Clean Han Regular" panose="020B0500000000000000" pitchFamily="34" charset="-128"/>
+                          <a:ea typeface="Adobe Clean Han Regular" panose="020B0500000000000000" pitchFamily="34" charset="-128"/>
+                          <a:cs typeface="AdobeClean-Light"/>
+                        </a:rPr>
+                      </a:br>
+                      <a:r>
+                        <a:rPr lang="ja-JP" sz="1000" b="1" i="0" dirty="0">
+                          <a:solidFill>
+                            <a:schemeClr val="bg1"/>
+                          </a:solidFill>
+                          <a:latin typeface="Adobe Clean Han Regular" panose="020B0500000000000000" pitchFamily="34" charset="-128"/>
+                          <a:ea typeface="Adobe Clean Han Regular" panose="020B0500000000000000" pitchFamily="34" charset="-128"/>
+                          <a:cs typeface="AdobeClean-Light"/>
+                        </a:rPr>
+                        <a:t>ビス</a:t>
+                      </a:r>
                     </a:p>
                   </a:txBody>
                   <a:tcPr marL="0" marR="0" marT="48260" marB="0" anchor="ctr">
@@ -6286,39 +5943,16 @@
                         </a:spcBef>
                       </a:pPr>
                       <a:r>
-                        <a:rPr sz="900" spc="0" dirty="0">
+                        <a:rPr lang="ja-JP" sz="900">
                           <a:solidFill>
                             <a:srgbClr val="020302"/>
                           </a:solidFill>
-                          <a:latin typeface="AdobeClean-Light"/>
+                          <a:latin typeface="Adobe Clean Han Regular" panose="020B0500000000000000" pitchFamily="34" charset="-128"/>
+                          <a:ea typeface="Adobe Clean Han Regular" panose="020B0500000000000000" pitchFamily="34" charset="-128"/>
                           <a:cs typeface="AdobeClean-Light"/>
                         </a:rPr>
-                        <a:t>Launch Advisory Services – First Year of </a:t>
+                        <a:t>Launch Advisory サービス – 製品導入の初年度</a:t>
                       </a:r>
-                      <a:r>
-                        <a:rPr lang="en-US" sz="900" spc="0" dirty="0">
-                          <a:solidFill>
-                            <a:srgbClr val="020302"/>
-                          </a:solidFill>
-                          <a:latin typeface="AdobeClean-Light"/>
-                          <a:cs typeface="AdobeClean-Light"/>
-                        </a:rPr>
-                        <a:t>a </a:t>
-                      </a:r>
-                      <a:r>
-                        <a:rPr sz="900" spc="0" dirty="0">
-                          <a:solidFill>
-                            <a:srgbClr val="020302"/>
-                          </a:solidFill>
-                          <a:latin typeface="AdobeClean-Light"/>
-                          <a:cs typeface="AdobeClean-Light"/>
-                        </a:rPr>
-                        <a:t>new solution</a:t>
-                      </a:r>
-                      <a:endParaRPr sz="900" spc="0" dirty="0">
-                        <a:latin typeface="AdobeClean-Light"/>
-                        <a:cs typeface="AdobeClean-Light"/>
-                      </a:endParaRPr>
                     </a:p>
                     <a:p>
                       <a:pPr marL="48260">
@@ -6330,11 +5964,12 @@
                         </a:spcBef>
                       </a:pPr>
                       <a:r>
-                        <a:rPr sz="900" spc="0" dirty="0">
-                          <a:latin typeface="AdobeClean-Light"/>
+                        <a:rPr lang="ja-JP" sz="900">
+                          <a:latin typeface="Adobe Clean Han Regular" panose="020B0500000000000000" pitchFamily="34" charset="-128"/>
+                          <a:ea typeface="Adobe Clean Han Regular" panose="020B0500000000000000" pitchFamily="34" charset="-128"/>
                           <a:cs typeface="AdobeClean-Light"/>
                         </a:rPr>
-                        <a:t>Field Service Activities</a:t>
+                        <a:t>フィールドサービスアクティビティ</a:t>
                       </a:r>
                     </a:p>
                   </a:txBody>
@@ -6370,13 +6005,14 @@
                     <a:bodyPr/>
                     <a:lstStyle/>
                     <a:p>
-                      <a:pPr>
+                      <a:pPr algn="l" rtl="0">
                         <a:lnSpc>
                           <a:spcPct val="100000"/>
                         </a:lnSpc>
                       </a:pPr>
                       <a:endParaRPr sz="900" spc="0" dirty="0">
-                        <a:latin typeface="Times New Roman"/>
+                        <a:latin typeface="Adobe Clean Han Regular" panose="020B0500000000000000" pitchFamily="34" charset="-128"/>
+                        <a:ea typeface="Adobe Clean Han Regular" panose="020B0500000000000000" pitchFamily="34" charset="-128"/>
                         <a:cs typeface="Times New Roman"/>
                       </a:endParaRPr>
                     </a:p>
@@ -6406,13 +6042,14 @@
                     <a:bodyPr/>
                     <a:lstStyle/>
                     <a:p>
-                      <a:pPr>
+                      <a:pPr algn="l" rtl="0">
                         <a:lnSpc>
                           <a:spcPct val="100000"/>
                         </a:lnSpc>
                       </a:pPr>
                       <a:endParaRPr sz="900" spc="0">
-                        <a:latin typeface="Times New Roman"/>
+                        <a:latin typeface="Adobe Clean Han Regular" panose="020B0500000000000000" pitchFamily="34" charset="-128"/>
+                        <a:ea typeface="Adobe Clean Han Regular" panose="020B0500000000000000" pitchFamily="34" charset="-128"/>
                         <a:cs typeface="Times New Roman"/>
                       </a:endParaRPr>
                     </a:p>
@@ -6431,7 +6068,7 @@
                     <a:bodyPr/>
                     <a:lstStyle/>
                     <a:p>
-                      <a:pPr>
+                      <a:pPr algn="l" rtl="0">
                         <a:lnSpc>
                           <a:spcPct val="100000"/>
                         </a:lnSpc>
@@ -6468,19 +6105,16 @@
                         </a:spcBef>
                       </a:pPr>
                       <a:r>
-                        <a:rPr sz="900" spc="0" dirty="0">
+                        <a:rPr lang="ja-JP" sz="900">
                           <a:solidFill>
                             <a:srgbClr val="020302"/>
                           </a:solidFill>
-                          <a:latin typeface="Wingdings"/>
+                          <a:latin typeface="Adobe Clean Han Regular" panose="020B0500000000000000" pitchFamily="34" charset="-128"/>
+                          <a:ea typeface="Adobe Clean Han Regular" panose="020B0500000000000000" pitchFamily="34" charset="-128"/>
                           <a:cs typeface="Wingdings"/>
                         </a:rPr>
                         <a:t></a:t>
                       </a:r>
-                      <a:endParaRPr sz="900" spc="0">
-                        <a:latin typeface="Wingdings"/>
-                        <a:cs typeface="Wingdings"/>
-                      </a:endParaRPr>
                     </a:p>
                   </a:txBody>
                   <a:tcPr marL="0" marR="0" marT="56515" marB="0">
@@ -6506,19 +6140,16 @@
                         </a:spcBef>
                       </a:pPr>
                       <a:r>
-                        <a:rPr sz="900" spc="0" dirty="0">
+                        <a:rPr lang="ja-JP" sz="900">
                           <a:solidFill>
                             <a:srgbClr val="020302"/>
                           </a:solidFill>
-                          <a:latin typeface="Wingdings"/>
+                          <a:latin typeface="Adobe Clean Han Regular" panose="020B0500000000000000" pitchFamily="34" charset="-128"/>
+                          <a:ea typeface="Adobe Clean Han Regular" panose="020B0500000000000000" pitchFamily="34" charset="-128"/>
                           <a:cs typeface="Wingdings"/>
                         </a:rPr>
                         <a:t></a:t>
                       </a:r>
-                      <a:endParaRPr sz="900" spc="0" dirty="0">
-                        <a:latin typeface="Wingdings"/>
-                        <a:cs typeface="Wingdings"/>
-                      </a:endParaRPr>
                     </a:p>
                   </a:txBody>
                   <a:tcPr marL="0" marR="0" marT="56515" marB="0">
@@ -6542,7 +6173,7 @@
                   </a:ext>
                 </a:extLst>
               </a:tr>
-              <a:tr h="264893">
+              <a:tr h="243513">
                 <a:tc vMerge="1">
                   <a:txBody>
                     <a:bodyPr/>
@@ -6593,13 +6224,14 @@
                     <a:bodyPr/>
                     <a:lstStyle/>
                     <a:p>
-                      <a:pPr>
+                      <a:pPr algn="l" rtl="0">
                         <a:lnSpc>
                           <a:spcPct val="100000"/>
                         </a:lnSpc>
                       </a:pPr>
                       <a:endParaRPr sz="900" spc="0" dirty="0">
-                        <a:latin typeface="Times New Roman"/>
+                        <a:latin typeface="Adobe Clean Han Regular" panose="020B0500000000000000" pitchFamily="34" charset="-128"/>
+                        <a:ea typeface="Adobe Clean Han Regular" panose="020B0500000000000000" pitchFamily="34" charset="-128"/>
                         <a:cs typeface="Times New Roman"/>
                       </a:endParaRPr>
                     </a:p>
@@ -6629,13 +6261,14 @@
                     <a:bodyPr/>
                     <a:lstStyle/>
                     <a:p>
-                      <a:pPr>
+                      <a:pPr algn="l" rtl="0">
                         <a:lnSpc>
                           <a:spcPct val="100000"/>
                         </a:lnSpc>
                       </a:pPr>
                       <a:endParaRPr sz="900" spc="0">
-                        <a:latin typeface="Times New Roman"/>
+                        <a:latin typeface="Adobe Clean Han Regular" panose="020B0500000000000000" pitchFamily="34" charset="-128"/>
+                        <a:ea typeface="Adobe Clean Han Regular" panose="020B0500000000000000" pitchFamily="34" charset="-128"/>
                         <a:cs typeface="Times New Roman"/>
                       </a:endParaRPr>
                     </a:p>
@@ -6654,7 +6287,7 @@
                     <a:bodyPr/>
                     <a:lstStyle/>
                     <a:p>
-                      <a:pPr>
+                      <a:pPr algn="l" rtl="0">
                         <a:lnSpc>
                           <a:spcPct val="100000"/>
                         </a:lnSpc>
@@ -6688,19 +6321,16 @@
                         </a:spcBef>
                       </a:pPr>
                       <a:r>
-                        <a:rPr sz="900" spc="0" dirty="0">
+                        <a:rPr lang="ja-JP" sz="900">
                           <a:solidFill>
                             <a:srgbClr val="020302"/>
                           </a:solidFill>
-                          <a:latin typeface="AdobeClean-Light"/>
+                          <a:latin typeface="Adobe Clean Han Regular" panose="020B0500000000000000" pitchFamily="34" charset="-128"/>
+                          <a:ea typeface="Adobe Clean Han Regular" panose="020B0500000000000000" pitchFamily="34" charset="-128"/>
                           <a:cs typeface="AdobeClean-Light"/>
                         </a:rPr>
                         <a:t>2</a:t>
                       </a:r>
-                      <a:endParaRPr sz="900" spc="0">
-                        <a:latin typeface="AdobeClean-Light"/>
-                        <a:cs typeface="AdobeClean-Light"/>
-                      </a:endParaRPr>
                     </a:p>
                   </a:txBody>
                   <a:tcPr marL="0" marR="0" marT="50800" marB="0">
@@ -6726,19 +6356,16 @@
                         </a:spcBef>
                       </a:pPr>
                       <a:r>
-                        <a:rPr sz="900" spc="0" dirty="0">
+                        <a:rPr lang="ja-JP" sz="900" dirty="0">
                           <a:solidFill>
                             <a:srgbClr val="020302"/>
                           </a:solidFill>
-                          <a:latin typeface="AdobeClean-Light"/>
+                          <a:latin typeface="Adobe Clean Han Regular" panose="020B0500000000000000" pitchFamily="34" charset="-128"/>
+                          <a:ea typeface="Adobe Clean Han Regular" panose="020B0500000000000000" pitchFamily="34" charset="-128"/>
                           <a:cs typeface="AdobeClean-Light"/>
                         </a:rPr>
                         <a:t>4</a:t>
                       </a:r>
-                      <a:endParaRPr sz="900" spc="0" dirty="0">
-                        <a:latin typeface="AdobeClean-Light"/>
-                        <a:cs typeface="AdobeClean-Light"/>
-                      </a:endParaRPr>
                     </a:p>
                   </a:txBody>
                   <a:tcPr marL="0" marR="0" marT="50800" marB="0">
@@ -6778,8 +6405,8 @@
         </p:nvSpPr>
         <p:spPr>
           <a:xfrm>
-            <a:off x="5307201" y="9862966"/>
-            <a:ext cx="2270125" cy="132729"/>
+            <a:off x="5105401" y="9862966"/>
+            <a:ext cx="2471926" cy="132729"/>
           </a:xfrm>
           <a:prstGeom prst="rect">
             <a:avLst/>
@@ -6800,24 +6427,11 @@
               </a:spcBef>
             </a:pPr>
             <a:r>
-              <a:rPr spc="-5" dirty="0"/>
-              <a:t>©202</a:t>
-            </a:r>
-            <a:r>
-              <a:rPr lang="en-US" spc="-5" dirty="0"/>
-              <a:t>1</a:t>
-            </a:r>
-            <a:r>
-              <a:rPr spc="-5" dirty="0"/>
-              <a:t> Adobe. All Rights Reserved. Adobe</a:t>
-            </a:r>
-            <a:r>
-              <a:rPr spc="60" dirty="0"/>
-              <a:t> </a:t>
-            </a:r>
-            <a:r>
-              <a:rPr spc="-5" dirty="0"/>
-              <a:t>Confidential.</a:t>
+              <a:rPr lang="ja-JP">
+                <a:latin typeface="Adobe Clean Han Regular" panose="020B0500000000000000" pitchFamily="34" charset="-128"/>
+                <a:ea typeface="Adobe Clean Han Regular" panose="020B0500000000000000" pitchFamily="34" charset="-128"/>
+              </a:rPr>
+              <a:t>©2021 Adobe. All Rights Reserved. Adobe Confidential.</a:t>
             </a:r>
           </a:p>
         </p:txBody>
@@ -6831,14 +6445,14 @@
           <p:nvPr>
             <p:extLst>
               <p:ext uri="{D42A27DB-BD31-4B8C-83A1-F6EECF244321}">
-                <p14:modId xmlns:p14="http://schemas.microsoft.com/office/powerpoint/2010/main" val="4076912474"/>
+                <p14:modId xmlns:p14="http://schemas.microsoft.com/office/powerpoint/2010/main" val="1556871072"/>
               </p:ext>
             </p:extLst>
           </p:nvPr>
         </p:nvGraphicFramePr>
         <p:xfrm>
           <a:off x="33527" y="7483227"/>
-          <a:ext cx="7705343" cy="2346573"/>
+          <a:ext cx="7705343" cy="2172787"/>
         </p:xfrm>
         <a:graphic>
           <a:graphicData uri="http://schemas.openxmlformats.org/drawingml/2006/table">
@@ -6898,19 +6512,16 @@
                         </a:spcBef>
                       </a:pPr>
                       <a:r>
-                        <a:rPr sz="900" spc="0" dirty="0">
+                        <a:rPr lang="ja-JP" sz="900">
                           <a:solidFill>
                             <a:srgbClr val="020302"/>
                           </a:solidFill>
-                          <a:latin typeface="Adobe Clean"/>
+                          <a:latin typeface="Adobe Clean Han Regular" panose="020B0500000000000000" pitchFamily="34" charset="-128"/>
+                          <a:ea typeface="Adobe Clean Han Regular" panose="020B0500000000000000" pitchFamily="34" charset="-128"/>
                           <a:cs typeface="Adobe Clean"/>
                         </a:rPr>
-                        <a:t>Priority</a:t>
+                        <a:t>優先度</a:t>
                       </a:r>
-                      <a:endParaRPr sz="900" spc="0" dirty="0">
-                        <a:latin typeface="Adobe Clean"/>
-                        <a:cs typeface="Adobe Clean"/>
-                      </a:endParaRPr>
                     </a:p>
                   </a:txBody>
                   <a:tcPr marL="0" marR="0" marT="7620" marB="0" anchor="ctr">
@@ -6957,39 +6568,16 @@
                         </a:spcBef>
                       </a:pPr>
                       <a:r>
-                        <a:rPr sz="900" spc="0" dirty="0">
+                        <a:rPr lang="ja-JP" sz="600" dirty="0">
                           <a:solidFill>
                             <a:srgbClr val="020302"/>
                           </a:solidFill>
-                          <a:latin typeface="Adobe Clean"/>
+                          <a:latin typeface="Adobe Clean Han Regular" panose="020B0500000000000000" pitchFamily="34" charset="-128"/>
+                          <a:ea typeface="Adobe Clean Han Regular" panose="020B0500000000000000" pitchFamily="34" charset="-128"/>
                           <a:cs typeface="Adobe Clean"/>
                         </a:rPr>
-                        <a:t>Online </a:t>
+                        <a:t>オンラインサポート</a:t>
                       </a:r>
-                      <a:r>
-                        <a:rPr lang="en-US" sz="900" spc="0" dirty="0">
-                          <a:solidFill>
-                            <a:srgbClr val="020302"/>
-                          </a:solidFill>
-                          <a:latin typeface="Adobe Clean"/>
-                          <a:cs typeface="Adobe Clean"/>
-                        </a:rPr>
-                        <a:t> </a:t>
-                      </a:r>
-                      <a:r>
-                        <a:rPr sz="900" spc="0" dirty="0">
-                          <a:solidFill>
-                            <a:srgbClr val="020302"/>
-                          </a:solidFill>
-                          <a:latin typeface="Adobe Clean"/>
-                          <a:cs typeface="Adobe Clean"/>
-                        </a:rPr>
-                        <a:t>Support</a:t>
-                      </a:r>
-                      <a:endParaRPr sz="900" spc="0" dirty="0">
-                        <a:latin typeface="Adobe Clean"/>
-                        <a:cs typeface="Adobe Clean"/>
-                      </a:endParaRPr>
                     </a:p>
                   </a:txBody>
                   <a:tcPr marL="0" marR="0" marT="0" marB="0" anchor="ctr">
@@ -7036,39 +6624,16 @@
                         </a:spcBef>
                       </a:pPr>
                       <a:r>
-                        <a:rPr sz="900" spc="0" dirty="0">
+                        <a:rPr lang="ja-JP" sz="600" dirty="0">
                           <a:solidFill>
                             <a:srgbClr val="FFFFFF"/>
                           </a:solidFill>
-                          <a:latin typeface="Adobe Clean"/>
+                          <a:latin typeface="Adobe Clean Han Regular" panose="020B0500000000000000" pitchFamily="34" charset="-128"/>
+                          <a:ea typeface="Adobe Clean Han Regular" panose="020B0500000000000000" pitchFamily="34" charset="-128"/>
                           <a:cs typeface="Adobe Clean"/>
                         </a:rPr>
-                        <a:t>Business</a:t>
+                        <a:t>ビジネスサポート</a:t>
                       </a:r>
-                      <a:r>
-                        <a:rPr lang="en-US" sz="900" spc="0" dirty="0">
-                          <a:solidFill>
-                            <a:srgbClr val="FFFFFF"/>
-                          </a:solidFill>
-                          <a:latin typeface="Adobe Clean"/>
-                          <a:cs typeface="Adobe Clean"/>
-                        </a:rPr>
-                        <a:t> </a:t>
-                      </a:r>
-                      <a:r>
-                        <a:rPr sz="900" spc="0" dirty="0">
-                          <a:solidFill>
-                            <a:srgbClr val="FFFFFF"/>
-                          </a:solidFill>
-                          <a:latin typeface="Adobe Clean"/>
-                          <a:cs typeface="Adobe Clean"/>
-                        </a:rPr>
-                        <a:t>Support</a:t>
-                      </a:r>
-                      <a:endParaRPr sz="900" spc="0" dirty="0">
-                        <a:latin typeface="Adobe Clean"/>
-                        <a:cs typeface="Adobe Clean"/>
-                      </a:endParaRPr>
                     </a:p>
                   </a:txBody>
                   <a:tcPr marL="0" marR="0" marT="0" marB="0" anchor="ctr">
@@ -7115,39 +6680,16 @@
                         </a:spcBef>
                       </a:pPr>
                       <a:r>
-                        <a:rPr sz="900" spc="0" dirty="0">
+                        <a:rPr lang="ja-JP" sz="600" dirty="0">
                           <a:solidFill>
                             <a:srgbClr val="FFFFFF"/>
                           </a:solidFill>
-                          <a:latin typeface="Adobe Clean"/>
+                          <a:latin typeface="Adobe Clean Han Regular" panose="020B0500000000000000" pitchFamily="34" charset="-128"/>
+                          <a:ea typeface="Adobe Clean Han Regular" panose="020B0500000000000000" pitchFamily="34" charset="-128"/>
                           <a:cs typeface="Adobe Clean"/>
                         </a:rPr>
-                        <a:t>Enterprise </a:t>
+                        <a:t>エンタープライズサポート</a:t>
                       </a:r>
-                      <a:r>
-                        <a:rPr lang="en-US" sz="900" spc="0" dirty="0">
-                          <a:solidFill>
-                            <a:srgbClr val="FFFFFF"/>
-                          </a:solidFill>
-                          <a:latin typeface="Adobe Clean"/>
-                          <a:cs typeface="Adobe Clean"/>
-                        </a:rPr>
-                        <a:t> </a:t>
-                      </a:r>
-                      <a:r>
-                        <a:rPr sz="900" spc="0" dirty="0">
-                          <a:solidFill>
-                            <a:srgbClr val="FFFFFF"/>
-                          </a:solidFill>
-                          <a:latin typeface="Adobe Clean"/>
-                          <a:cs typeface="Adobe Clean"/>
-                        </a:rPr>
-                        <a:t>Support</a:t>
-                      </a:r>
-                      <a:endParaRPr sz="900" spc="0" dirty="0">
-                        <a:latin typeface="Adobe Clean"/>
-                        <a:cs typeface="Adobe Clean"/>
-                      </a:endParaRPr>
                     </a:p>
                   </a:txBody>
                   <a:tcPr marL="0" marR="0" marT="0" marB="0" anchor="ctr">
@@ -7194,39 +6736,16 @@
                         </a:spcBef>
                       </a:pPr>
                       <a:r>
-                        <a:rPr sz="900" spc="0" dirty="0">
+                        <a:rPr lang="ja-JP" sz="600" dirty="0">
                           <a:solidFill>
                             <a:srgbClr val="FFFFFF"/>
                           </a:solidFill>
-                          <a:latin typeface="Adobe Clean"/>
+                          <a:latin typeface="Adobe Clean Han Regular" panose="020B0500000000000000" pitchFamily="34" charset="-128"/>
+                          <a:ea typeface="Adobe Clean Han Regular" panose="020B0500000000000000" pitchFamily="34" charset="-128"/>
                           <a:cs typeface="Adobe Clean"/>
                         </a:rPr>
-                        <a:t>Elite</a:t>
+                        <a:t>エリートサポート</a:t>
                       </a:r>
-                      <a:r>
-                        <a:rPr lang="en-US" sz="900" spc="0" dirty="0">
-                          <a:solidFill>
-                            <a:srgbClr val="FFFFFF"/>
-                          </a:solidFill>
-                          <a:latin typeface="Adobe Clean"/>
-                          <a:cs typeface="Adobe Clean"/>
-                        </a:rPr>
-                        <a:t> </a:t>
-                      </a:r>
-                      <a:r>
-                        <a:rPr sz="900" spc="0" dirty="0">
-                          <a:solidFill>
-                            <a:srgbClr val="FFFFFF"/>
-                          </a:solidFill>
-                          <a:latin typeface="Adobe Clean"/>
-                          <a:cs typeface="Adobe Clean"/>
-                        </a:rPr>
-                        <a:t>Support</a:t>
-                      </a:r>
-                      <a:endParaRPr sz="900" spc="0" dirty="0">
-                        <a:latin typeface="Adobe Clean"/>
-                        <a:cs typeface="Adobe Clean"/>
-                      </a:endParaRPr>
                     </a:p>
                   </a:txBody>
                   <a:tcPr marL="0" marR="0" marT="0" marB="0" anchor="ctr">
@@ -7280,19 +6799,16 @@
                         </a:spcBef>
                       </a:pPr>
                       <a:r>
-                        <a:rPr sz="900" b="1" spc="0" dirty="0">
+                        <a:rPr lang="ja-JP" sz="900" b="1">
                           <a:solidFill>
                             <a:srgbClr val="020302"/>
                           </a:solidFill>
-                          <a:latin typeface="Adobe Clean"/>
+                          <a:latin typeface="Adobe Clean Han Regular" panose="020B0500000000000000" pitchFamily="34" charset="-128"/>
+                          <a:ea typeface="Adobe Clean Han Regular" panose="020B0500000000000000" pitchFamily="34" charset="-128"/>
                           <a:cs typeface="Adobe Clean"/>
                         </a:rPr>
-                        <a:t>PRIORITY 1</a:t>
+                        <a:t>優先度 1</a:t>
                       </a:r>
-                      <a:endParaRPr sz="900" spc="0" dirty="0">
-                        <a:latin typeface="Adobe Clean"/>
-                        <a:cs typeface="Adobe Clean"/>
-                      </a:endParaRPr>
                     </a:p>
                     <a:p>
                       <a:pPr marL="50800" marR="387985">
@@ -7304,19 +6820,15 @@
                         </a:spcBef>
                       </a:pPr>
                       <a:r>
-                        <a:rPr lang="en-US" sz="900" b="0" i="0" spc="0" dirty="0">
+                        <a:rPr lang="ja-JP" sz="900" b="0" i="0">
                           <a:solidFill>
                             <a:srgbClr val="000000"/>
                           </a:solidFill>
-                          <a:effectLst/>
-                          <a:latin typeface="Adobe Clean Light" panose="020B0303020404020204" pitchFamily="34" charset="0"/>
+                          <a:latin typeface="Adobe Clean Han Regular" panose="020B0500000000000000" pitchFamily="34" charset="-128"/>
+                          <a:ea typeface="Adobe Clean Han Regular" panose="020B0500000000000000" pitchFamily="34" charset="-128"/>
                         </a:rPr>
-                        <a:t>Customer's production business functions are down or have significant data loss or service degradation and immediate attention is required to restore functionality and usability. </a:t>
+                        <a:t>お客様の本番業務機能がダウンしている、または著しいデータ損失やサービス低下があり、機能およびユーザビリティを復元するための早急な処置が必要。 </a:t>
                       </a:r>
-                      <a:endParaRPr sz="900" spc="0" dirty="0">
-                        <a:latin typeface="AdobeClean-Light"/>
-                        <a:cs typeface="AdobeClean-Light"/>
-                      </a:endParaRPr>
                     </a:p>
                   </a:txBody>
                   <a:tcPr marL="0" marR="0" marT="0" marB="0" anchor="ctr">
@@ -7360,367 +6872,217 @@
                         </a:spcBef>
                       </a:pPr>
                       <a:r>
-                        <a:rPr sz="900" spc="0" dirty="0">
+                        <a:rPr lang="ja-JP" sz="900" dirty="0">
                           <a:solidFill>
                             <a:srgbClr val="020302"/>
                           </a:solidFill>
-                          <a:latin typeface="AdobeClean-Light"/>
+                          <a:latin typeface="Adobe Clean Han Regular" panose="020B0500000000000000" pitchFamily="34" charset="-128"/>
+                          <a:ea typeface="Adobe Clean Han Regular" panose="020B0500000000000000" pitchFamily="34" charset="-128"/>
                           <a:cs typeface="AdobeClean-Light"/>
                         </a:rPr>
-                        <a:t>24x7</a:t>
+                        <a:t>24 時間年中無休／</a:t>
                       </a:r>
-                      <a:r>
-                        <a:rPr lang="en-US" sz="900" spc="0" dirty="0">
+                      <a:br>
+                        <a:rPr lang="sk-SK" altLang="ja-JP" sz="900" dirty="0">
                           <a:solidFill>
                             <a:srgbClr val="020302"/>
                           </a:solidFill>
-                          <a:latin typeface="AdobeClean-Light"/>
+                          <a:latin typeface="Adobe Clean Han Regular" panose="020B0500000000000000" pitchFamily="34" charset="-128"/>
+                          <a:ea typeface="Adobe Clean Han Regular" panose="020B0500000000000000" pitchFamily="34" charset="-128"/>
                           <a:cs typeface="AdobeClean-Light"/>
                         </a:rPr>
-                        <a:t> </a:t>
-                      </a:r>
+                      </a:br>
                       <a:r>
-                        <a:rPr sz="900" spc="0" dirty="0">
+                        <a:rPr lang="ja-JP" sz="900" dirty="0">
                           <a:solidFill>
                             <a:srgbClr val="020302"/>
                           </a:solidFill>
-                          <a:latin typeface="AdobeClean-Light"/>
+                          <a:latin typeface="Adobe Clean Han Regular" panose="020B0500000000000000" pitchFamily="34" charset="-128"/>
+                          <a:ea typeface="Adobe Clean Han Regular" panose="020B0500000000000000" pitchFamily="34" charset="-128"/>
                           <a:cs typeface="AdobeClean-Light"/>
                         </a:rPr>
-                        <a:t>/</a:t>
+                        <a:t>1 時間</a:t>
                       </a:r>
+                    </a:p>
+                  </a:txBody>
+                  <a:tcPr marL="0" marR="0" marT="0" marB="0" anchor="ctr">
+                    <a:lnL w="3175">
+                      <a:solidFill>
+                        <a:srgbClr val="B7B8B8"/>
+                      </a:solidFill>
+                      <a:prstDash val="solid"/>
+                    </a:lnL>
+                    <a:lnR w="3175">
+                      <a:solidFill>
+                        <a:srgbClr val="B7B8B8"/>
+                      </a:solidFill>
+                      <a:prstDash val="solid"/>
+                    </a:lnR>
+                    <a:lnT w="76200">
+                      <a:solidFill>
+                        <a:srgbClr val="858585"/>
+                      </a:solidFill>
+                      <a:prstDash val="solid"/>
+                    </a:lnT>
+                    <a:lnB w="3175">
+                      <a:solidFill>
+                        <a:srgbClr val="B7B8B8"/>
+                      </a:solidFill>
+                      <a:prstDash val="solid"/>
+                    </a:lnB>
+                  </a:tcPr>
+                </a:tc>
+                <a:tc>
+                  <a:txBody>
+                    <a:bodyPr/>
+                    <a:lstStyle/>
+                    <a:p>
+                      <a:pPr marL="0" marR="325755" indent="-3810" algn="ctr">
+                        <a:lnSpc>
+                          <a:spcPct val="100000"/>
+                        </a:lnSpc>
+                        <a:spcBef>
+                          <a:spcPts val="670"/>
+                        </a:spcBef>
+                      </a:pPr>
                       <a:r>
-                        <a:rPr lang="en-US" sz="900" spc="0" dirty="0">
+                        <a:rPr lang="ja-JP" sz="900">
                           <a:solidFill>
                             <a:srgbClr val="020302"/>
                           </a:solidFill>
-                          <a:latin typeface="AdobeClean-Light"/>
+                          <a:latin typeface="Adobe Clean Han Regular" panose="020B0500000000000000" pitchFamily="34" charset="-128"/>
+                          <a:ea typeface="Adobe Clean Han Regular" panose="020B0500000000000000" pitchFamily="34" charset="-128"/>
                           <a:cs typeface="AdobeClean-Light"/>
                         </a:rPr>
-                        <a:t>                </a:t>
+                        <a:t>24 時間年中無休／1 時間</a:t>
                       </a:r>
+                    </a:p>
+                  </a:txBody>
+                  <a:tcPr marL="0" marR="0" marT="0" marB="0" anchor="ctr">
+                    <a:lnL w="3175">
+                      <a:solidFill>
+                        <a:srgbClr val="B7B8B8"/>
+                      </a:solidFill>
+                      <a:prstDash val="solid"/>
+                    </a:lnL>
+                    <a:lnR w="3175">
+                      <a:solidFill>
+                        <a:srgbClr val="B7B8B8"/>
+                      </a:solidFill>
+                      <a:prstDash val="solid"/>
+                    </a:lnR>
+                    <a:lnT w="76200">
+                      <a:solidFill>
+                        <a:srgbClr val="ACD2FF"/>
+                      </a:solidFill>
+                      <a:prstDash val="solid"/>
+                    </a:lnT>
+                    <a:lnB w="3175">
+                      <a:solidFill>
+                        <a:srgbClr val="B7B8B8"/>
+                      </a:solidFill>
+                      <a:prstDash val="solid"/>
+                    </a:lnB>
+                  </a:tcPr>
+                </a:tc>
+                <a:tc>
+                  <a:txBody>
+                    <a:bodyPr/>
+                    <a:lstStyle/>
+                    <a:p>
+                      <a:pPr marL="0" marR="258445" indent="115570" algn="ctr">
+                        <a:lnSpc>
+                          <a:spcPct val="100000"/>
+                        </a:lnSpc>
+                        <a:spcBef>
+                          <a:spcPts val="670"/>
+                        </a:spcBef>
+                      </a:pPr>
                       <a:r>
-                        <a:rPr sz="900" spc="0" dirty="0">
+                        <a:rPr lang="ja-JP" sz="900">
                           <a:solidFill>
                             <a:srgbClr val="020302"/>
                           </a:solidFill>
-                          <a:latin typeface="AdobeClean-Light"/>
+                          <a:latin typeface="Adobe Clean Han Regular" panose="020B0500000000000000" pitchFamily="34" charset="-128"/>
+                          <a:ea typeface="Adobe Clean Han Regular" panose="020B0500000000000000" pitchFamily="34" charset="-128"/>
                           <a:cs typeface="AdobeClean-Light"/>
                         </a:rPr>
-                        <a:t>1</a:t>
+                        <a:t>24 時間年中無休／30 分</a:t>
                       </a:r>
+                    </a:p>
+                  </a:txBody>
+                  <a:tcPr marL="0" marR="0" marT="0" marB="0" anchor="ctr">
+                    <a:lnL w="3175">
+                      <a:solidFill>
+                        <a:srgbClr val="B7B8B8"/>
+                      </a:solidFill>
+                      <a:prstDash val="solid"/>
+                    </a:lnL>
+                    <a:lnR w="3175">
+                      <a:solidFill>
+                        <a:srgbClr val="B7B8B8"/>
+                      </a:solidFill>
+                      <a:prstDash val="solid"/>
+                    </a:lnR>
+                    <a:lnT w="76200">
+                      <a:solidFill>
+                        <a:srgbClr val="2E8FFF"/>
+                      </a:solidFill>
+                      <a:prstDash val="solid"/>
+                    </a:lnT>
+                    <a:lnB w="3175">
+                      <a:solidFill>
+                        <a:srgbClr val="B7B8B8"/>
+                      </a:solidFill>
+                      <a:prstDash val="solid"/>
+                    </a:lnB>
+                  </a:tcPr>
+                </a:tc>
+                <a:tc>
+                  <a:txBody>
+                    <a:bodyPr/>
+                    <a:lstStyle/>
+                    <a:p>
+                      <a:pPr marL="0" marR="271780" indent="103505" algn="ctr">
+                        <a:lnSpc>
+                          <a:spcPct val="100000"/>
+                        </a:lnSpc>
+                        <a:spcBef>
+                          <a:spcPts val="670"/>
+                        </a:spcBef>
+                      </a:pPr>
                       <a:r>
-                        <a:rPr lang="en-US" sz="900" spc="0" dirty="0">
+                        <a:rPr lang="ja-JP" sz="900" dirty="0">
                           <a:solidFill>
                             <a:srgbClr val="020302"/>
                           </a:solidFill>
-                          <a:latin typeface="AdobeClean-Light"/>
+                          <a:latin typeface="Adobe Clean Han Regular" panose="020B0500000000000000" pitchFamily="34" charset="-128"/>
+                          <a:ea typeface="Adobe Clean Han Regular" panose="020B0500000000000000" pitchFamily="34" charset="-128"/>
                           <a:cs typeface="AdobeClean-Light"/>
                         </a:rPr>
-                        <a:t> </a:t>
+                        <a:t>24 時間年中無休／</a:t>
                       </a:r>
-                      <a:r>
-                        <a:rPr sz="900" spc="0" dirty="0">
+                      <a:br>
+                        <a:rPr lang="sk-SK" altLang="ja-JP" sz="900" dirty="0">
                           <a:solidFill>
                             <a:srgbClr val="020302"/>
                           </a:solidFill>
-                          <a:latin typeface="AdobeClean-Light"/>
+                          <a:latin typeface="Adobe Clean Han Regular" panose="020B0500000000000000" pitchFamily="34" charset="-128"/>
+                          <a:ea typeface="Adobe Clean Han Regular" panose="020B0500000000000000" pitchFamily="34" charset="-128"/>
                           <a:cs typeface="AdobeClean-Light"/>
                         </a:rPr>
-                        <a:t>hour</a:t>
-                      </a:r>
-                      <a:endParaRPr sz="900" spc="0" dirty="0">
-                        <a:latin typeface="AdobeClean-Light"/>
-                        <a:cs typeface="AdobeClean-Light"/>
-                      </a:endParaRPr>
-                    </a:p>
-                  </a:txBody>
-                  <a:tcPr marL="0" marR="0" marT="0" marB="0" anchor="ctr">
-                    <a:lnL w="3175">
-                      <a:solidFill>
-                        <a:srgbClr val="B7B8B8"/>
-                      </a:solidFill>
-                      <a:prstDash val="solid"/>
-                    </a:lnL>
-                    <a:lnR w="3175">
-                      <a:solidFill>
-                        <a:srgbClr val="B7B8B8"/>
-                      </a:solidFill>
-                      <a:prstDash val="solid"/>
-                    </a:lnR>
-                    <a:lnT w="76200">
-                      <a:solidFill>
-                        <a:srgbClr val="858585"/>
-                      </a:solidFill>
-                      <a:prstDash val="solid"/>
-                    </a:lnT>
-                    <a:lnB w="3175">
-                      <a:solidFill>
-                        <a:srgbClr val="B7B8B8"/>
-                      </a:solidFill>
-                      <a:prstDash val="solid"/>
-                    </a:lnB>
-                  </a:tcPr>
-                </a:tc>
-                <a:tc>
-                  <a:txBody>
-                    <a:bodyPr/>
-                    <a:lstStyle/>
-                    <a:p>
-                      <a:pPr marL="0" marR="325755" indent="-3810" algn="ctr">
-                        <a:lnSpc>
-                          <a:spcPct val="100000"/>
-                        </a:lnSpc>
-                        <a:spcBef>
-                          <a:spcPts val="670"/>
-                        </a:spcBef>
-                      </a:pPr>
+                      </a:br>
                       <a:r>
-                        <a:rPr sz="900" spc="0" dirty="0">
+                        <a:rPr lang="ja-JP" sz="900" dirty="0">
                           <a:solidFill>
                             <a:srgbClr val="020302"/>
                           </a:solidFill>
-                          <a:latin typeface="AdobeClean-Light"/>
+                          <a:latin typeface="Adobe Clean Han Regular" panose="020B0500000000000000" pitchFamily="34" charset="-128"/>
+                          <a:ea typeface="Adobe Clean Han Regular" panose="020B0500000000000000" pitchFamily="34" charset="-128"/>
                           <a:cs typeface="AdobeClean-Light"/>
                         </a:rPr>
-                        <a:t>24x7</a:t>
+                        <a:t>15 分</a:t>
                       </a:r>
-                      <a:r>
-                        <a:rPr lang="en-US" sz="900" spc="0" dirty="0">
-                          <a:solidFill>
-                            <a:srgbClr val="020302"/>
-                          </a:solidFill>
-                          <a:latin typeface="AdobeClean-Light"/>
-                          <a:cs typeface="AdobeClean-Light"/>
-                        </a:rPr>
-                        <a:t> </a:t>
-                      </a:r>
-                      <a:r>
-                        <a:rPr sz="900" spc="0" dirty="0">
-                          <a:solidFill>
-                            <a:srgbClr val="020302"/>
-                          </a:solidFill>
-                          <a:latin typeface="AdobeClean-Light"/>
-                          <a:cs typeface="AdobeClean-Light"/>
-                        </a:rPr>
-                        <a:t>/  </a:t>
-                      </a:r>
-                      <a:r>
-                        <a:rPr lang="en-US" sz="900" spc="0" dirty="0">
-                          <a:solidFill>
-                            <a:srgbClr val="020302"/>
-                          </a:solidFill>
-                          <a:latin typeface="AdobeClean-Light"/>
-                          <a:cs typeface="AdobeClean-Light"/>
-                        </a:rPr>
-                        <a:t>            </a:t>
-                      </a:r>
-                      <a:r>
-                        <a:rPr sz="900" spc="0" dirty="0">
-                          <a:solidFill>
-                            <a:srgbClr val="020302"/>
-                          </a:solidFill>
-                          <a:latin typeface="AdobeClean-Light"/>
-                          <a:cs typeface="AdobeClean-Light"/>
-                        </a:rPr>
-                        <a:t>1 hour</a:t>
-                      </a:r>
-                      <a:endParaRPr sz="900" spc="0" dirty="0">
-                        <a:latin typeface="AdobeClean-Light"/>
-                        <a:cs typeface="AdobeClean-Light"/>
-                      </a:endParaRPr>
-                    </a:p>
-                  </a:txBody>
-                  <a:tcPr marL="0" marR="0" marT="0" marB="0" anchor="ctr">
-                    <a:lnL w="3175">
-                      <a:solidFill>
-                        <a:srgbClr val="B7B8B8"/>
-                      </a:solidFill>
-                      <a:prstDash val="solid"/>
-                    </a:lnL>
-                    <a:lnR w="3175">
-                      <a:solidFill>
-                        <a:srgbClr val="B7B8B8"/>
-                      </a:solidFill>
-                      <a:prstDash val="solid"/>
-                    </a:lnR>
-                    <a:lnT w="76200">
-                      <a:solidFill>
-                        <a:srgbClr val="ACD2FF"/>
-                      </a:solidFill>
-                      <a:prstDash val="solid"/>
-                    </a:lnT>
-                    <a:lnB w="3175">
-                      <a:solidFill>
-                        <a:srgbClr val="B7B8B8"/>
-                      </a:solidFill>
-                      <a:prstDash val="solid"/>
-                    </a:lnB>
-                  </a:tcPr>
-                </a:tc>
-                <a:tc>
-                  <a:txBody>
-                    <a:bodyPr/>
-                    <a:lstStyle/>
-                    <a:p>
-                      <a:pPr marL="0" marR="258445" indent="115570" algn="ctr">
-                        <a:lnSpc>
-                          <a:spcPct val="100000"/>
-                        </a:lnSpc>
-                        <a:spcBef>
-                          <a:spcPts val="670"/>
-                        </a:spcBef>
-                      </a:pPr>
-                      <a:r>
-                        <a:rPr sz="900" spc="0" dirty="0">
-                          <a:solidFill>
-                            <a:srgbClr val="020302"/>
-                          </a:solidFill>
-                          <a:latin typeface="AdobeClean-Light"/>
-                          <a:cs typeface="AdobeClean-Light"/>
-                        </a:rPr>
-                        <a:t>24x7 /  </a:t>
-                      </a:r>
-                      <a:r>
-                        <a:rPr lang="en-US" sz="900" spc="0" dirty="0">
-                          <a:solidFill>
-                            <a:srgbClr val="020302"/>
-                          </a:solidFill>
-                          <a:latin typeface="AdobeClean-Light"/>
-                          <a:cs typeface="AdobeClean-Light"/>
-                        </a:rPr>
-                        <a:t>         </a:t>
-                      </a:r>
-                      <a:r>
-                        <a:rPr sz="900" spc="0" dirty="0">
-                          <a:solidFill>
-                            <a:srgbClr val="020302"/>
-                          </a:solidFill>
-                          <a:latin typeface="AdobeClean-Light"/>
-                          <a:cs typeface="AdobeClean-Light"/>
-                        </a:rPr>
-                        <a:t>30</a:t>
-                      </a:r>
-                      <a:r>
-                        <a:rPr lang="en-US" sz="900" spc="0" dirty="0">
-                          <a:solidFill>
-                            <a:srgbClr val="020302"/>
-                          </a:solidFill>
-                          <a:latin typeface="AdobeClean-Light"/>
-                          <a:cs typeface="AdobeClean-Light"/>
-                        </a:rPr>
-                        <a:t> </a:t>
-                      </a:r>
-                      <a:r>
-                        <a:rPr sz="900" spc="0" dirty="0">
-                          <a:solidFill>
-                            <a:srgbClr val="020302"/>
-                          </a:solidFill>
-                          <a:latin typeface="AdobeClean-Light"/>
-                          <a:cs typeface="AdobeClean-Light"/>
-                        </a:rPr>
-                        <a:t>minutes</a:t>
-                      </a:r>
-                      <a:endParaRPr sz="900" spc="0" dirty="0">
-                        <a:latin typeface="AdobeClean-Light"/>
-                        <a:cs typeface="AdobeClean-Light"/>
-                      </a:endParaRPr>
-                    </a:p>
-                  </a:txBody>
-                  <a:tcPr marL="0" marR="0" marT="0" marB="0" anchor="ctr">
-                    <a:lnL w="3175">
-                      <a:solidFill>
-                        <a:srgbClr val="B7B8B8"/>
-                      </a:solidFill>
-                      <a:prstDash val="solid"/>
-                    </a:lnL>
-                    <a:lnR w="3175">
-                      <a:solidFill>
-                        <a:srgbClr val="B7B8B8"/>
-                      </a:solidFill>
-                      <a:prstDash val="solid"/>
-                    </a:lnR>
-                    <a:lnT w="76200">
-                      <a:solidFill>
-                        <a:srgbClr val="2E8FFF"/>
-                      </a:solidFill>
-                      <a:prstDash val="solid"/>
-                    </a:lnT>
-                    <a:lnB w="3175">
-                      <a:solidFill>
-                        <a:srgbClr val="B7B8B8"/>
-                      </a:solidFill>
-                      <a:prstDash val="solid"/>
-                    </a:lnB>
-                  </a:tcPr>
-                </a:tc>
-                <a:tc>
-                  <a:txBody>
-                    <a:bodyPr/>
-                    <a:lstStyle/>
-                    <a:p>
-                      <a:pPr marL="0" marR="271780" indent="103505" algn="ctr">
-                        <a:lnSpc>
-                          <a:spcPct val="100000"/>
-                        </a:lnSpc>
-                        <a:spcBef>
-                          <a:spcPts val="670"/>
-                        </a:spcBef>
-                      </a:pPr>
-                      <a:r>
-                        <a:rPr sz="900" spc="0" dirty="0">
-                          <a:solidFill>
-                            <a:srgbClr val="020302"/>
-                          </a:solidFill>
-                          <a:latin typeface="AdobeClean-Light"/>
-                          <a:cs typeface="AdobeClean-Light"/>
-                        </a:rPr>
-                        <a:t>24x7 / </a:t>
-                      </a:r>
-                      <a:r>
-                        <a:rPr lang="en-US" sz="900" spc="0" dirty="0">
-                          <a:solidFill>
-                            <a:srgbClr val="020302"/>
-                          </a:solidFill>
-                          <a:latin typeface="AdobeClean-Light"/>
-                          <a:cs typeface="AdobeClean-Light"/>
-                        </a:rPr>
-                        <a:t>       </a:t>
-                      </a:r>
-                      <a:r>
-                        <a:rPr sz="900" spc="0" dirty="0">
-                          <a:solidFill>
-                            <a:srgbClr val="020302"/>
-                          </a:solidFill>
-                          <a:latin typeface="AdobeClean-Light"/>
-                          <a:cs typeface="AdobeClean-Light"/>
-                        </a:rPr>
-                        <a:t> 15</a:t>
-                      </a:r>
-                      <a:r>
-                        <a:rPr lang="en-US" sz="900" spc="0" dirty="0">
-                          <a:solidFill>
-                            <a:srgbClr val="020302"/>
-                          </a:solidFill>
-                          <a:latin typeface="AdobeClean-Light"/>
-                          <a:cs typeface="AdobeClean-Light"/>
-                        </a:rPr>
-                        <a:t> </a:t>
-                      </a:r>
-                      <a:r>
-                        <a:rPr sz="900" spc="0" dirty="0">
-                          <a:solidFill>
-                            <a:srgbClr val="020302"/>
-                          </a:solidFill>
-                          <a:latin typeface="AdobeClean-Light"/>
-                          <a:cs typeface="AdobeClean-Light"/>
-                        </a:rPr>
-                        <a:t>minutes</a:t>
-                      </a:r>
-                      <a:endParaRPr sz="900" spc="0" dirty="0">
-                        <a:latin typeface="AdobeClean-Light"/>
-                        <a:cs typeface="AdobeClean-Light"/>
-                      </a:endParaRPr>
                     </a:p>
                   </a:txBody>
                   <a:tcPr marL="0" marR="0" marT="0" marB="0" anchor="ctr">
@@ -7771,19 +7133,16 @@
                         </a:spcBef>
                       </a:pPr>
                       <a:r>
-                        <a:rPr sz="900" b="1" spc="0" dirty="0">
+                        <a:rPr lang="ja-JP" sz="900" b="1">
                           <a:solidFill>
                             <a:srgbClr val="020302"/>
                           </a:solidFill>
-                          <a:latin typeface="Adobe Clean"/>
+                          <a:latin typeface="Adobe Clean Han Regular" panose="020B0500000000000000" pitchFamily="34" charset="-128"/>
+                          <a:ea typeface="Adobe Clean Han Regular" panose="020B0500000000000000" pitchFamily="34" charset="-128"/>
                           <a:cs typeface="Adobe Clean"/>
                         </a:rPr>
-                        <a:t>PRIORITY 2</a:t>
+                        <a:t>優先度 2</a:t>
                       </a:r>
-                      <a:endParaRPr sz="900" spc="0" dirty="0">
-                        <a:latin typeface="Adobe Clean"/>
-                        <a:cs typeface="Adobe Clean"/>
-                      </a:endParaRPr>
                     </a:p>
                     <a:p>
                       <a:pPr marL="50165" marR="203200" indent="0" defTabSz="914400" eaLnBrk="1" fontAlgn="auto" latinLnBrk="0" hangingPunct="1">
@@ -7804,19 +7163,15 @@
                         <a:defRPr/>
                       </a:pPr>
                       <a:r>
-                        <a:rPr lang="en-US" sz="900" b="0" i="0" spc="0" dirty="0">
+                        <a:rPr lang="ja-JP" sz="900" b="0" i="0">
                           <a:solidFill>
                             <a:srgbClr val="000000"/>
                           </a:solidFill>
-                          <a:effectLst/>
-                          <a:latin typeface="Adobe Clean Light" panose="020B0303020404020204" pitchFamily="34" charset="0"/>
+                          <a:latin typeface="Adobe Clean Han Regular" panose="020B0500000000000000" pitchFamily="34" charset="-128"/>
+                          <a:ea typeface="Adobe Clean Han Regular" panose="020B0500000000000000" pitchFamily="34" charset="-128"/>
                         </a:rPr>
-                        <a:t>Customer's business functions have major service degradation or potential data loss, or a major feature is impacted </a:t>
+                        <a:t>お客様の業務機能に重大なサービス低下や潜在的なデータ損失があるか、主な機能が影響を受けている。 </a:t>
                       </a:r>
-                      <a:endParaRPr sz="900" b="0" i="0" spc="0" dirty="0">
-                        <a:latin typeface="Adobe Clean Light" panose="020B0303020404020204" pitchFamily="34" charset="0"/>
-                        <a:cs typeface="AdobeClean-Light"/>
-                      </a:endParaRPr>
                     </a:p>
                   </a:txBody>
                   <a:tcPr marL="0" marR="0" marT="0" marB="0" anchor="ctr">
@@ -7860,79 +7215,164 @@
                         </a:spcBef>
                       </a:pPr>
                       <a:r>
-                        <a:rPr sz="900" spc="0" dirty="0">
+                        <a:rPr lang="ja-JP" sz="900" dirty="0">
                           <a:solidFill>
                             <a:srgbClr val="020302"/>
                           </a:solidFill>
-                          <a:latin typeface="AdobeClean-Light"/>
+                          <a:latin typeface="Adobe Clean Han Regular" panose="020B0500000000000000" pitchFamily="34" charset="-128"/>
+                          <a:ea typeface="Adobe Clean Han Regular" panose="020B0500000000000000" pitchFamily="34" charset="-128"/>
                           <a:cs typeface="AdobeClean-Light"/>
                         </a:rPr>
-                        <a:t>Business</a:t>
+                        <a:t>営業時間／</a:t>
                       </a:r>
-                      <a:r>
-                        <a:rPr lang="en-US" sz="900" spc="0" dirty="0">
+                      <a:br>
+                        <a:rPr lang="sk-SK" altLang="ja-JP" sz="900" dirty="0">
                           <a:solidFill>
                             <a:srgbClr val="020302"/>
                           </a:solidFill>
-                          <a:latin typeface="AdobeClean-Light"/>
+                          <a:latin typeface="Adobe Clean Han Regular" panose="020B0500000000000000" pitchFamily="34" charset="-128"/>
+                          <a:ea typeface="Adobe Clean Han Regular" panose="020B0500000000000000" pitchFamily="34" charset="-128"/>
                           <a:cs typeface="AdobeClean-Light"/>
                         </a:rPr>
-                        <a:t> </a:t>
-                      </a:r>
+                      </a:br>
                       <a:r>
-                        <a:rPr sz="900" spc="0" dirty="0">
+                        <a:rPr lang="ja-JP" sz="900" dirty="0">
                           <a:solidFill>
                             <a:srgbClr val="020302"/>
                           </a:solidFill>
-                          <a:latin typeface="AdobeClean-Light"/>
+                          <a:latin typeface="Adobe Clean Han Regular" panose="020B0500000000000000" pitchFamily="34" charset="-128"/>
+                          <a:ea typeface="Adobe Clean Han Regular" panose="020B0500000000000000" pitchFamily="34" charset="-128"/>
                           <a:cs typeface="AdobeClean-Light"/>
                         </a:rPr>
-                        <a:t>hours</a:t>
+                        <a:t>4 時間</a:t>
                       </a:r>
+                    </a:p>
+                  </a:txBody>
+                  <a:tcPr marL="0" marR="0" marT="0" marB="0" anchor="ctr">
+                    <a:lnL w="3175">
+                      <a:solidFill>
+                        <a:srgbClr val="B7B8B8"/>
+                      </a:solidFill>
+                      <a:prstDash val="solid"/>
+                    </a:lnL>
+                    <a:lnR w="3175">
+                      <a:solidFill>
+                        <a:srgbClr val="B7B8B8"/>
+                      </a:solidFill>
+                      <a:prstDash val="solid"/>
+                    </a:lnR>
+                    <a:lnT w="3175">
+                      <a:solidFill>
+                        <a:srgbClr val="B7B8B8"/>
+                      </a:solidFill>
+                      <a:prstDash val="solid"/>
+                    </a:lnT>
+                    <a:lnB w="3175">
+                      <a:solidFill>
+                        <a:srgbClr val="B7B8B8"/>
+                      </a:solidFill>
+                      <a:prstDash val="solid"/>
+                    </a:lnB>
+                  </a:tcPr>
+                </a:tc>
+                <a:tc>
+                  <a:txBody>
+                    <a:bodyPr/>
+                    <a:lstStyle/>
+                    <a:p>
+                      <a:pPr marL="0" marR="184785" indent="-194310" algn="ctr">
+                        <a:lnSpc>
+                          <a:spcPct val="100000"/>
+                        </a:lnSpc>
+                        <a:spcBef>
+                          <a:spcPts val="670"/>
+                        </a:spcBef>
+                      </a:pPr>
                       <a:r>
-                        <a:rPr lang="en-US" sz="900" spc="0" dirty="0">
+                        <a:rPr lang="ja-JP" sz="900" dirty="0">
                           <a:solidFill>
                             <a:srgbClr val="020302"/>
                           </a:solidFill>
-                          <a:latin typeface="AdobeClean-Light"/>
+                          <a:latin typeface="Adobe Clean Han Regular" panose="020B0500000000000000" pitchFamily="34" charset="-128"/>
+                          <a:ea typeface="Adobe Clean Han Regular" panose="020B0500000000000000" pitchFamily="34" charset="-128"/>
                           <a:cs typeface="AdobeClean-Light"/>
                         </a:rPr>
-                        <a:t> </a:t>
+                        <a:t>営業時間／</a:t>
                       </a:r>
-                      <a:r>
-                        <a:rPr sz="900" spc="0" dirty="0">
+                      <a:br>
+                        <a:rPr lang="sk-SK" altLang="ja-JP" sz="900" dirty="0">
                           <a:solidFill>
                             <a:srgbClr val="020302"/>
                           </a:solidFill>
-                          <a:latin typeface="AdobeClean-Light"/>
+                          <a:latin typeface="Adobe Clean Han Regular" panose="020B0500000000000000" pitchFamily="34" charset="-128"/>
+                          <a:ea typeface="Adobe Clean Han Regular" panose="020B0500000000000000" pitchFamily="34" charset="-128"/>
                           <a:cs typeface="AdobeClean-Light"/>
                         </a:rPr>
-                        <a:t>/  </a:t>
-                      </a:r>
+                      </a:br>
                       <a:r>
-                        <a:rPr lang="en-US" sz="900" spc="0" dirty="0">
+                        <a:rPr lang="ja-JP" sz="900" dirty="0">
                           <a:solidFill>
                             <a:srgbClr val="020302"/>
                           </a:solidFill>
-                          <a:latin typeface="AdobeClean-Light"/>
+                          <a:latin typeface="Adobe Clean Han Regular" panose="020B0500000000000000" pitchFamily="34" charset="-128"/>
+                          <a:ea typeface="Adobe Clean Han Regular" panose="020B0500000000000000" pitchFamily="34" charset="-128"/>
                           <a:cs typeface="AdobeClean-Light"/>
                         </a:rPr>
-                        <a:t>         </a:t>
+                        <a:t>2 時間</a:t>
                       </a:r>
+                    </a:p>
+                  </a:txBody>
+                  <a:tcPr marL="0" marR="0" marT="0" marB="0" anchor="ctr">
+                    <a:lnL w="3175">
+                      <a:solidFill>
+                        <a:srgbClr val="B7B8B8"/>
+                      </a:solidFill>
+                      <a:prstDash val="solid"/>
+                    </a:lnL>
+                    <a:lnR w="3175">
+                      <a:solidFill>
+                        <a:srgbClr val="B7B8B8"/>
+                      </a:solidFill>
+                      <a:prstDash val="solid"/>
+                    </a:lnR>
+                    <a:lnT w="3175">
+                      <a:solidFill>
+                        <a:srgbClr val="B7B8B8"/>
+                      </a:solidFill>
+                      <a:prstDash val="solid"/>
+                    </a:lnT>
+                    <a:lnB w="3175">
+                      <a:solidFill>
+                        <a:srgbClr val="B7B8B8"/>
+                      </a:solidFill>
+                      <a:prstDash val="solid"/>
+                    </a:lnB>
+                  </a:tcPr>
+                </a:tc>
+                <a:tc>
+                  <a:txBody>
+                    <a:bodyPr/>
+                    <a:lstStyle/>
+                    <a:p>
+                      <a:pPr marL="0" marR="325755" indent="-5715" algn="ctr">
+                        <a:lnSpc>
+                          <a:spcPct val="100000"/>
+                        </a:lnSpc>
+                        <a:spcBef>
+                          <a:spcPts val="670"/>
+                        </a:spcBef>
+                      </a:pPr>
                       <a:r>
-                        <a:rPr sz="900" spc="0" dirty="0">
+                        <a:rPr lang="ja-JP" sz="900">
                           <a:solidFill>
                             <a:srgbClr val="020302"/>
                           </a:solidFill>
-                          <a:latin typeface="AdobeClean-Light"/>
+                          <a:latin typeface="Adobe Clean Han Regular" panose="020B0500000000000000" pitchFamily="34" charset="-128"/>
+                          <a:ea typeface="Adobe Clean Han Regular" panose="020B0500000000000000" pitchFamily="34" charset="-128"/>
                           <a:cs typeface="AdobeClean-Light"/>
                         </a:rPr>
-                        <a:t>4 hours</a:t>
+                        <a:t>24 時間週 5 日／1 時間</a:t>
                       </a:r>
-                      <a:endParaRPr sz="900" spc="0" dirty="0">
-                        <a:latin typeface="AdobeClean-Light"/>
-                        <a:cs typeface="AdobeClean-Light"/>
-                      </a:endParaRPr>
                     </a:p>
                   </a:txBody>
                   <a:tcPr marL="0" marR="0" marT="0" marB="0" anchor="ctr">
@@ -7967,7 +7407,7 @@
                     <a:bodyPr/>
                     <a:lstStyle/>
                     <a:p>
-                      <a:pPr marL="0" marR="184785" indent="-194310" algn="ctr">
+                      <a:pPr marL="0" marR="259079" indent="111760" algn="ctr">
                         <a:lnSpc>
                           <a:spcPct val="100000"/>
                         </a:lnSpc>
@@ -7976,271 +7416,16 @@
                         </a:spcBef>
                       </a:pPr>
                       <a:r>
-                        <a:rPr sz="900" spc="0" dirty="0">
+                        <a:rPr lang="ja-JP" sz="900">
                           <a:solidFill>
                             <a:srgbClr val="020302"/>
                           </a:solidFill>
-                          <a:latin typeface="AdobeClean-Light"/>
+                          <a:latin typeface="Adobe Clean Han Regular" panose="020B0500000000000000" pitchFamily="34" charset="-128"/>
+                          <a:ea typeface="Adobe Clean Han Regular" panose="020B0500000000000000" pitchFamily="34" charset="-128"/>
                           <a:cs typeface="AdobeClean-Light"/>
                         </a:rPr>
-                        <a:t>Business</a:t>
+                        <a:t>24 時間週 5 日／30 分</a:t>
                       </a:r>
-                      <a:r>
-                        <a:rPr lang="en-US" sz="900" spc="0" dirty="0">
-                          <a:solidFill>
-                            <a:srgbClr val="020302"/>
-                          </a:solidFill>
-                          <a:latin typeface="AdobeClean-Light"/>
-                          <a:cs typeface="AdobeClean-Light"/>
-                        </a:rPr>
-                        <a:t> </a:t>
-                      </a:r>
-                      <a:r>
-                        <a:rPr sz="900" spc="0" dirty="0">
-                          <a:solidFill>
-                            <a:srgbClr val="020302"/>
-                          </a:solidFill>
-                          <a:latin typeface="AdobeClean-Light"/>
-                          <a:cs typeface="AdobeClean-Light"/>
-                        </a:rPr>
-                        <a:t>hours</a:t>
-                      </a:r>
-                      <a:r>
-                        <a:rPr lang="en-US" sz="900" spc="0" dirty="0">
-                          <a:solidFill>
-                            <a:srgbClr val="020302"/>
-                          </a:solidFill>
-                          <a:latin typeface="AdobeClean-Light"/>
-                          <a:cs typeface="AdobeClean-Light"/>
-                        </a:rPr>
-                        <a:t> </a:t>
-                      </a:r>
-                      <a:r>
-                        <a:rPr sz="900" spc="0" dirty="0">
-                          <a:solidFill>
-                            <a:srgbClr val="020302"/>
-                          </a:solidFill>
-                          <a:latin typeface="AdobeClean-Light"/>
-                          <a:cs typeface="AdobeClean-Light"/>
-                        </a:rPr>
-                        <a:t>/  </a:t>
-                      </a:r>
-                      <a:r>
-                        <a:rPr lang="en-US" sz="900" spc="0" dirty="0">
-                          <a:solidFill>
-                            <a:srgbClr val="020302"/>
-                          </a:solidFill>
-                          <a:latin typeface="AdobeClean-Light"/>
-                          <a:cs typeface="AdobeClean-Light"/>
-                        </a:rPr>
-                        <a:t>        </a:t>
-                      </a:r>
-                      <a:r>
-                        <a:rPr sz="900" spc="0" dirty="0">
-                          <a:solidFill>
-                            <a:srgbClr val="020302"/>
-                          </a:solidFill>
-                          <a:latin typeface="AdobeClean-Light"/>
-                          <a:cs typeface="AdobeClean-Light"/>
-                        </a:rPr>
-                        <a:t>2 hours</a:t>
-                      </a:r>
-                      <a:endParaRPr sz="900" spc="0" dirty="0">
-                        <a:latin typeface="AdobeClean-Light"/>
-                        <a:cs typeface="AdobeClean-Light"/>
-                      </a:endParaRPr>
-                    </a:p>
-                  </a:txBody>
-                  <a:tcPr marL="0" marR="0" marT="0" marB="0" anchor="ctr">
-                    <a:lnL w="3175">
-                      <a:solidFill>
-                        <a:srgbClr val="B7B8B8"/>
-                      </a:solidFill>
-                      <a:prstDash val="solid"/>
-                    </a:lnL>
-                    <a:lnR w="3175">
-                      <a:solidFill>
-                        <a:srgbClr val="B7B8B8"/>
-                      </a:solidFill>
-                      <a:prstDash val="solid"/>
-                    </a:lnR>
-                    <a:lnT w="3175">
-                      <a:solidFill>
-                        <a:srgbClr val="B7B8B8"/>
-                      </a:solidFill>
-                      <a:prstDash val="solid"/>
-                    </a:lnT>
-                    <a:lnB w="3175">
-                      <a:solidFill>
-                        <a:srgbClr val="B7B8B8"/>
-                      </a:solidFill>
-                      <a:prstDash val="solid"/>
-                    </a:lnB>
-                  </a:tcPr>
-                </a:tc>
-                <a:tc>
-                  <a:txBody>
-                    <a:bodyPr/>
-                    <a:lstStyle/>
-                    <a:p>
-                      <a:pPr marL="0" marR="325755" indent="-5715" algn="ctr">
-                        <a:lnSpc>
-                          <a:spcPct val="100000"/>
-                        </a:lnSpc>
-                        <a:spcBef>
-                          <a:spcPts val="670"/>
-                        </a:spcBef>
-                      </a:pPr>
-                      <a:r>
-                        <a:rPr sz="900" spc="0" dirty="0">
-                          <a:solidFill>
-                            <a:srgbClr val="020302"/>
-                          </a:solidFill>
-                          <a:latin typeface="AdobeClean-Light"/>
-                          <a:cs typeface="AdobeClean-Light"/>
-                        </a:rPr>
-                        <a:t>24x5</a:t>
-                      </a:r>
-                      <a:r>
-                        <a:rPr lang="en-US" sz="900" spc="0" dirty="0">
-                          <a:solidFill>
-                            <a:srgbClr val="020302"/>
-                          </a:solidFill>
-                          <a:latin typeface="AdobeClean-Light"/>
-                          <a:cs typeface="AdobeClean-Light"/>
-                        </a:rPr>
-                        <a:t> </a:t>
-                      </a:r>
-                      <a:r>
-                        <a:rPr sz="900" spc="0" dirty="0">
-                          <a:solidFill>
-                            <a:srgbClr val="020302"/>
-                          </a:solidFill>
-                          <a:latin typeface="AdobeClean-Light"/>
-                          <a:cs typeface="AdobeClean-Light"/>
-                        </a:rPr>
-                        <a:t>/  </a:t>
-                      </a:r>
-                      <a:r>
-                        <a:rPr lang="en-US" sz="900" spc="0" dirty="0">
-                          <a:solidFill>
-                            <a:srgbClr val="020302"/>
-                          </a:solidFill>
-                          <a:latin typeface="AdobeClean-Light"/>
-                          <a:cs typeface="AdobeClean-Light"/>
-                        </a:rPr>
-                        <a:t>              </a:t>
-                      </a:r>
-                      <a:r>
-                        <a:rPr sz="900" spc="0" dirty="0">
-                          <a:solidFill>
-                            <a:srgbClr val="020302"/>
-                          </a:solidFill>
-                          <a:latin typeface="AdobeClean-Light"/>
-                          <a:cs typeface="AdobeClean-Light"/>
-                        </a:rPr>
-                        <a:t>1 hour</a:t>
-                      </a:r>
-                      <a:endParaRPr sz="900" spc="0" dirty="0">
-                        <a:latin typeface="AdobeClean-Light"/>
-                        <a:cs typeface="AdobeClean-Light"/>
-                      </a:endParaRPr>
-                    </a:p>
-                  </a:txBody>
-                  <a:tcPr marL="0" marR="0" marT="0" marB="0" anchor="ctr">
-                    <a:lnL w="3175">
-                      <a:solidFill>
-                        <a:srgbClr val="B7B8B8"/>
-                      </a:solidFill>
-                      <a:prstDash val="solid"/>
-                    </a:lnL>
-                    <a:lnR w="3175">
-                      <a:solidFill>
-                        <a:srgbClr val="B7B8B8"/>
-                      </a:solidFill>
-                      <a:prstDash val="solid"/>
-                    </a:lnR>
-                    <a:lnT w="3175">
-                      <a:solidFill>
-                        <a:srgbClr val="B7B8B8"/>
-                      </a:solidFill>
-                      <a:prstDash val="solid"/>
-                    </a:lnT>
-                    <a:lnB w="3175">
-                      <a:solidFill>
-                        <a:srgbClr val="B7B8B8"/>
-                      </a:solidFill>
-                      <a:prstDash val="solid"/>
-                    </a:lnB>
-                  </a:tcPr>
-                </a:tc>
-                <a:tc>
-                  <a:txBody>
-                    <a:bodyPr/>
-                    <a:lstStyle/>
-                    <a:p>
-                      <a:pPr marL="0" marR="259079" indent="111760" algn="ctr">
-                        <a:lnSpc>
-                          <a:spcPct val="100000"/>
-                        </a:lnSpc>
-                        <a:spcBef>
-                          <a:spcPts val="670"/>
-                        </a:spcBef>
-                      </a:pPr>
-                      <a:r>
-                        <a:rPr sz="900" spc="0" dirty="0">
-                          <a:solidFill>
-                            <a:srgbClr val="020302"/>
-                          </a:solidFill>
-                          <a:latin typeface="AdobeClean-Light"/>
-                          <a:cs typeface="AdobeClean-Light"/>
-                        </a:rPr>
-                        <a:t>24x5 /  </a:t>
-                      </a:r>
-                      <a:r>
-                        <a:rPr lang="en-US" sz="900" spc="0" dirty="0">
-                          <a:solidFill>
-                            <a:srgbClr val="020302"/>
-                          </a:solidFill>
-                          <a:latin typeface="AdobeClean-Light"/>
-                          <a:cs typeface="AdobeClean-Light"/>
-                        </a:rPr>
-                        <a:t>       </a:t>
-                      </a:r>
-                      <a:r>
-                        <a:rPr sz="900" spc="0" dirty="0">
-                          <a:solidFill>
-                            <a:srgbClr val="020302"/>
-                          </a:solidFill>
-                          <a:latin typeface="AdobeClean-Light"/>
-                          <a:cs typeface="AdobeClean-Light"/>
-                        </a:rPr>
-                        <a:t>30</a:t>
-                      </a:r>
-                      <a:r>
-                        <a:rPr lang="en-US" sz="900" spc="0" dirty="0">
-                          <a:solidFill>
-                            <a:srgbClr val="020302"/>
-                          </a:solidFill>
-                          <a:latin typeface="AdobeClean-Light"/>
-                          <a:cs typeface="AdobeClean-Light"/>
-                        </a:rPr>
-                        <a:t> </a:t>
-                      </a:r>
-                      <a:r>
-                        <a:rPr sz="900" spc="0" dirty="0">
-                          <a:solidFill>
-                            <a:srgbClr val="020302"/>
-                          </a:solidFill>
-                          <a:latin typeface="AdobeClean-Light"/>
-                          <a:cs typeface="AdobeClean-Light"/>
-                        </a:rPr>
-                        <a:t>minutes</a:t>
-                      </a:r>
-                      <a:endParaRPr sz="900" spc="0" dirty="0">
-                        <a:latin typeface="AdobeClean-Light"/>
-                        <a:cs typeface="AdobeClean-Light"/>
-                      </a:endParaRPr>
                     </a:p>
                   </a:txBody>
                   <a:tcPr marL="0" marR="0" marT="0" marB="0" anchor="ctr">
@@ -8291,29 +7476,16 @@
                         </a:spcBef>
                       </a:pPr>
                       <a:r>
-                        <a:rPr sz="900" b="1" spc="0" dirty="0">
+                        <a:rPr lang="ja-JP" sz="900" b="1">
                           <a:solidFill>
                             <a:srgbClr val="020302"/>
                           </a:solidFill>
-                          <a:latin typeface="Adobe Clean"/>
+                          <a:latin typeface="Adobe Clean Han Regular" panose="020B0500000000000000" pitchFamily="34" charset="-128"/>
+                          <a:ea typeface="Adobe Clean Han Regular" panose="020B0500000000000000" pitchFamily="34" charset="-128"/>
                           <a:cs typeface="Adobe Clean"/>
                         </a:rPr>
-                        <a:t>PRIORITY</a:t>
+                        <a:t>優先度 3</a:t>
                       </a:r>
-                      <a:r>
-                        <a:rPr lang="en-US" sz="900" b="1" spc="0" dirty="0">
-                          <a:solidFill>
-                            <a:srgbClr val="020302"/>
-                          </a:solidFill>
-                          <a:latin typeface="Adobe Clean"/>
-                          <a:cs typeface="Adobe Clean"/>
-                        </a:rPr>
-                        <a:t> 3</a:t>
-                      </a:r>
-                      <a:endParaRPr lang="en-US" sz="900" spc="0" dirty="0">
-                        <a:latin typeface="Adobe Clean"/>
-                        <a:cs typeface="Adobe Clean"/>
-                      </a:endParaRPr>
                     </a:p>
                     <a:p>
                       <a:pPr marL="49530" marR="212090" indent="-2540" defTabSz="914400" eaLnBrk="1" fontAlgn="auto" latinLnBrk="0" hangingPunct="1">
@@ -8334,26 +7506,21 @@
                         <a:defRPr/>
                       </a:pPr>
                       <a:r>
-                        <a:rPr kumimoji="0" lang="en-US" sz="900" b="0" i="0" u="none" strike="noStrike" kern="1200" cap="none" spc="0" normalizeH="0" baseline="0" noProof="0" dirty="0">
+                        <a:rPr kumimoji="0" lang="ja-JP" sz="900" b="0" i="0" u="none" strike="noStrike" cap="none" normalizeH="0" baseline="0" noProof="0">
                           <a:ln>
                             <a:noFill/>
                           </a:ln>
                           <a:solidFill>
                             <a:srgbClr val="000000"/>
                           </a:solidFill>
-                          <a:effectLst/>
                           <a:uLnTx/>
                           <a:uFillTx/>
-                          <a:latin typeface="Adobe Clean Light" panose="020B0303020404020204" pitchFamily="34" charset="0"/>
-                          <a:ea typeface="+mn-ea"/>
+                          <a:latin typeface="Adobe Clean Han Regular" panose="020B0500000000000000" pitchFamily="34" charset="-128"/>
+                          <a:ea typeface="Adobe Clean Han Regular" panose="020B0500000000000000" pitchFamily="34" charset="-128"/>
                           <a:cs typeface="+mn-cs"/>
                         </a:rPr>
-                        <a:t>Customer's business functions have minor service degradation but there exists a solution/workaround allowing business functions to continue normally </a:t>
+                        <a:t>お客様の業務機能に軽微なサービス低下があるが、業務機能を正常に続行できるソリューション／回避策が存在する。 </a:t>
                       </a:r>
-                      <a:endParaRPr lang="en-US" sz="900" b="0" i="0" spc="0" dirty="0">
-                        <a:latin typeface="Adobe Clean Light" panose="020B0303020404020204" pitchFamily="34" charset="0"/>
-                        <a:cs typeface="AdobeClean-Light"/>
-                      </a:endParaRPr>
                     </a:p>
                   </a:txBody>
                   <a:tcPr marL="0" marR="0" marT="0" marB="0" anchor="ctr">
@@ -8397,79 +7564,164 @@
                         </a:spcBef>
                       </a:pPr>
                       <a:r>
-                        <a:rPr sz="900" spc="0" dirty="0">
+                        <a:rPr lang="ja-JP" sz="900" dirty="0">
                           <a:solidFill>
                             <a:srgbClr val="020302"/>
                           </a:solidFill>
-                          <a:latin typeface="AdobeClean-Light"/>
+                          <a:latin typeface="Adobe Clean Han Regular" panose="020B0500000000000000" pitchFamily="34" charset="-128"/>
+                          <a:ea typeface="Adobe Clean Han Regular" panose="020B0500000000000000" pitchFamily="34" charset="-128"/>
                           <a:cs typeface="AdobeClean-Light"/>
                         </a:rPr>
-                        <a:t>Business</a:t>
+                        <a:t>営業時間／</a:t>
                       </a:r>
-                      <a:r>
-                        <a:rPr lang="en-US" sz="900" spc="0" dirty="0">
+                      <a:br>
+                        <a:rPr lang="sk-SK" altLang="ja-JP" sz="900" dirty="0">
                           <a:solidFill>
                             <a:srgbClr val="020302"/>
                           </a:solidFill>
-                          <a:latin typeface="AdobeClean-Light"/>
+                          <a:latin typeface="Adobe Clean Han Regular" panose="020B0500000000000000" pitchFamily="34" charset="-128"/>
+                          <a:ea typeface="Adobe Clean Han Regular" panose="020B0500000000000000" pitchFamily="34" charset="-128"/>
                           <a:cs typeface="AdobeClean-Light"/>
                         </a:rPr>
-                        <a:t> </a:t>
-                      </a:r>
+                      </a:br>
                       <a:r>
-                        <a:rPr sz="900" spc="0" dirty="0">
+                        <a:rPr lang="ja-JP" sz="900" dirty="0">
                           <a:solidFill>
                             <a:srgbClr val="020302"/>
                           </a:solidFill>
-                          <a:latin typeface="AdobeClean-Light"/>
+                          <a:latin typeface="Adobe Clean Han Regular" panose="020B0500000000000000" pitchFamily="34" charset="-128"/>
+                          <a:ea typeface="Adobe Clean Han Regular" panose="020B0500000000000000" pitchFamily="34" charset="-128"/>
                           <a:cs typeface="AdobeClean-Light"/>
                         </a:rPr>
-                        <a:t>hours</a:t>
+                        <a:t>6 時間</a:t>
                       </a:r>
+                    </a:p>
+                  </a:txBody>
+                  <a:tcPr marL="0" marR="0" marT="0" marB="0" anchor="ctr">
+                    <a:lnL w="3175">
+                      <a:solidFill>
+                        <a:srgbClr val="B7B8B8"/>
+                      </a:solidFill>
+                      <a:prstDash val="solid"/>
+                    </a:lnL>
+                    <a:lnR w="3175">
+                      <a:solidFill>
+                        <a:srgbClr val="B7B8B8"/>
+                      </a:solidFill>
+                      <a:prstDash val="solid"/>
+                    </a:lnR>
+                    <a:lnT w="3175">
+                      <a:solidFill>
+                        <a:srgbClr val="B7B8B8"/>
+                      </a:solidFill>
+                      <a:prstDash val="solid"/>
+                    </a:lnT>
+                    <a:lnB w="3175">
+                      <a:solidFill>
+                        <a:srgbClr val="B7B8B8"/>
+                      </a:solidFill>
+                      <a:prstDash val="solid"/>
+                    </a:lnB>
+                  </a:tcPr>
+                </a:tc>
+                <a:tc>
+                  <a:txBody>
+                    <a:bodyPr/>
+                    <a:lstStyle/>
+                    <a:p>
+                      <a:pPr marL="0" marR="185420" indent="-193675" algn="ctr">
+                        <a:lnSpc>
+                          <a:spcPct val="100000"/>
+                        </a:lnSpc>
+                        <a:spcBef>
+                          <a:spcPts val="645"/>
+                        </a:spcBef>
+                      </a:pPr>
                       <a:r>
-                        <a:rPr lang="en-US" sz="900" spc="0" dirty="0">
+                        <a:rPr lang="ja-JP" sz="900" dirty="0">
                           <a:solidFill>
                             <a:srgbClr val="020302"/>
                           </a:solidFill>
-                          <a:latin typeface="AdobeClean-Light"/>
+                          <a:latin typeface="Adobe Clean Han Regular" panose="020B0500000000000000" pitchFamily="34" charset="-128"/>
+                          <a:ea typeface="Adobe Clean Han Regular" panose="020B0500000000000000" pitchFamily="34" charset="-128"/>
                           <a:cs typeface="AdobeClean-Light"/>
                         </a:rPr>
-                        <a:t> </a:t>
+                        <a:t>営業時間／</a:t>
                       </a:r>
-                      <a:r>
-                        <a:rPr sz="900" spc="0" dirty="0">
+                      <a:br>
+                        <a:rPr lang="sk-SK" altLang="ja-JP" sz="900" dirty="0">
                           <a:solidFill>
                             <a:srgbClr val="020302"/>
                           </a:solidFill>
-                          <a:latin typeface="AdobeClean-Light"/>
+                          <a:latin typeface="Adobe Clean Han Regular" panose="020B0500000000000000" pitchFamily="34" charset="-128"/>
+                          <a:ea typeface="Adobe Clean Han Regular" panose="020B0500000000000000" pitchFamily="34" charset="-128"/>
                           <a:cs typeface="AdobeClean-Light"/>
                         </a:rPr>
-                        <a:t>/  </a:t>
-                      </a:r>
+                      </a:br>
                       <a:r>
-                        <a:rPr lang="en-US" sz="900" spc="0" dirty="0">
+                        <a:rPr lang="ja-JP" sz="900" dirty="0">
                           <a:solidFill>
                             <a:srgbClr val="020302"/>
                           </a:solidFill>
-                          <a:latin typeface="AdobeClean-Light"/>
+                          <a:latin typeface="Adobe Clean Han Regular" panose="020B0500000000000000" pitchFamily="34" charset="-128"/>
+                          <a:ea typeface="Adobe Clean Han Regular" panose="020B0500000000000000" pitchFamily="34" charset="-128"/>
                           <a:cs typeface="AdobeClean-Light"/>
                         </a:rPr>
-                        <a:t>          </a:t>
+                        <a:t>4 時間</a:t>
                       </a:r>
+                    </a:p>
+                  </a:txBody>
+                  <a:tcPr marL="0" marR="0" marT="0" marB="0" anchor="ctr">
+                    <a:lnL w="3175">
+                      <a:solidFill>
+                        <a:srgbClr val="B7B8B8"/>
+                      </a:solidFill>
+                      <a:prstDash val="solid"/>
+                    </a:lnL>
+                    <a:lnR w="3175">
+                      <a:solidFill>
+                        <a:srgbClr val="B7B8B8"/>
+                      </a:solidFill>
+                      <a:prstDash val="solid"/>
+                    </a:lnR>
+                    <a:lnT w="3175">
+                      <a:solidFill>
+                        <a:srgbClr val="B7B8B8"/>
+                      </a:solidFill>
+                      <a:prstDash val="solid"/>
+                    </a:lnT>
+                    <a:lnB w="3175">
+                      <a:solidFill>
+                        <a:srgbClr val="B7B8B8"/>
+                      </a:solidFill>
+                      <a:prstDash val="solid"/>
+                    </a:lnB>
+                  </a:tcPr>
+                </a:tc>
+                <a:tc>
+                  <a:txBody>
+                    <a:bodyPr/>
+                    <a:lstStyle/>
+                    <a:p>
+                      <a:pPr marL="0" marR="184785" indent="-194310" algn="ctr">
+                        <a:lnSpc>
+                          <a:spcPct val="100000"/>
+                        </a:lnSpc>
+                        <a:spcBef>
+                          <a:spcPts val="645"/>
+                        </a:spcBef>
+                      </a:pPr>
                       <a:r>
-                        <a:rPr sz="900" spc="0" dirty="0">
+                        <a:rPr lang="ja-JP" sz="900">
                           <a:solidFill>
                             <a:srgbClr val="020302"/>
                           </a:solidFill>
-                          <a:latin typeface="AdobeClean-Light"/>
+                          <a:latin typeface="Adobe Clean Han Regular" panose="020B0500000000000000" pitchFamily="34" charset="-128"/>
+                          <a:ea typeface="Adobe Clean Han Regular" panose="020B0500000000000000" pitchFamily="34" charset="-128"/>
                           <a:cs typeface="AdobeClean-Light"/>
                         </a:rPr>
-                        <a:t>6 hours</a:t>
+                        <a:t>営業時間／2 時間</a:t>
                       </a:r>
-                      <a:endParaRPr sz="900" spc="0" dirty="0">
-                        <a:latin typeface="AdobeClean-Light"/>
-                        <a:cs typeface="AdobeClean-Light"/>
-                      </a:endParaRPr>
                     </a:p>
                   </a:txBody>
                   <a:tcPr marL="0" marR="0" marT="0" marB="0" anchor="ctr">
@@ -8504,7 +7756,7 @@
                     <a:bodyPr/>
                     <a:lstStyle/>
                     <a:p>
-                      <a:pPr marL="0" marR="185420" indent="-193675" algn="ctr">
+                      <a:pPr marL="0" marR="326390" indent="-5715" algn="ctr">
                         <a:lnSpc>
                           <a:spcPct val="100000"/>
                         </a:lnSpc>
@@ -8513,271 +7765,16 @@
                         </a:spcBef>
                       </a:pPr>
                       <a:r>
-                        <a:rPr sz="900" spc="0" dirty="0">
+                        <a:rPr lang="ja-JP" sz="900">
                           <a:solidFill>
                             <a:srgbClr val="020302"/>
                           </a:solidFill>
-                          <a:latin typeface="AdobeClean-Light"/>
+                          <a:latin typeface="Adobe Clean Han Regular" panose="020B0500000000000000" pitchFamily="34" charset="-128"/>
+                          <a:ea typeface="Adobe Clean Han Regular" panose="020B0500000000000000" pitchFamily="34" charset="-128"/>
                           <a:cs typeface="AdobeClean-Light"/>
                         </a:rPr>
-                        <a:t>Business</a:t>
+                        <a:t>24 時間週 5 日／1 時間</a:t>
                       </a:r>
-                      <a:r>
-                        <a:rPr lang="en-US" sz="900" spc="0" dirty="0">
-                          <a:solidFill>
-                            <a:srgbClr val="020302"/>
-                          </a:solidFill>
-                          <a:latin typeface="AdobeClean-Light"/>
-                          <a:cs typeface="AdobeClean-Light"/>
-                        </a:rPr>
-                        <a:t> </a:t>
-                      </a:r>
-                      <a:r>
-                        <a:rPr sz="900" spc="0" dirty="0">
-                          <a:solidFill>
-                            <a:srgbClr val="020302"/>
-                          </a:solidFill>
-                          <a:latin typeface="AdobeClean-Light"/>
-                          <a:cs typeface="AdobeClean-Light"/>
-                        </a:rPr>
-                        <a:t>hours</a:t>
-                      </a:r>
-                      <a:r>
-                        <a:rPr lang="en-US" sz="900" spc="0" dirty="0">
-                          <a:solidFill>
-                            <a:srgbClr val="020302"/>
-                          </a:solidFill>
-                          <a:latin typeface="AdobeClean-Light"/>
-                          <a:cs typeface="AdobeClean-Light"/>
-                        </a:rPr>
-                        <a:t> </a:t>
-                      </a:r>
-                      <a:r>
-                        <a:rPr sz="900" spc="0" dirty="0">
-                          <a:solidFill>
-                            <a:srgbClr val="020302"/>
-                          </a:solidFill>
-                          <a:latin typeface="AdobeClean-Light"/>
-                          <a:cs typeface="AdobeClean-Light"/>
-                        </a:rPr>
-                        <a:t>/  4 hours</a:t>
-                      </a:r>
-                      <a:endParaRPr sz="900" spc="0" dirty="0">
-                        <a:latin typeface="AdobeClean-Light"/>
-                        <a:cs typeface="AdobeClean-Light"/>
-                      </a:endParaRPr>
-                    </a:p>
-                  </a:txBody>
-                  <a:tcPr marL="0" marR="0" marT="0" marB="0" anchor="ctr">
-                    <a:lnL w="3175">
-                      <a:solidFill>
-                        <a:srgbClr val="B7B8B8"/>
-                      </a:solidFill>
-                      <a:prstDash val="solid"/>
-                    </a:lnL>
-                    <a:lnR w="3175">
-                      <a:solidFill>
-                        <a:srgbClr val="B7B8B8"/>
-                      </a:solidFill>
-                      <a:prstDash val="solid"/>
-                    </a:lnR>
-                    <a:lnT w="3175">
-                      <a:solidFill>
-                        <a:srgbClr val="B7B8B8"/>
-                      </a:solidFill>
-                      <a:prstDash val="solid"/>
-                    </a:lnT>
-                    <a:lnB w="3175">
-                      <a:solidFill>
-                        <a:srgbClr val="B7B8B8"/>
-                      </a:solidFill>
-                      <a:prstDash val="solid"/>
-                    </a:lnB>
-                  </a:tcPr>
-                </a:tc>
-                <a:tc>
-                  <a:txBody>
-                    <a:bodyPr/>
-                    <a:lstStyle/>
-                    <a:p>
-                      <a:pPr marL="0" marR="184785" indent="-194310" algn="ctr">
-                        <a:lnSpc>
-                          <a:spcPct val="100000"/>
-                        </a:lnSpc>
-                        <a:spcBef>
-                          <a:spcPts val="645"/>
-                        </a:spcBef>
-                      </a:pPr>
-                      <a:r>
-                        <a:rPr sz="900" spc="0" dirty="0">
-                          <a:solidFill>
-                            <a:srgbClr val="020302"/>
-                          </a:solidFill>
-                          <a:latin typeface="AdobeClean-Light"/>
-                          <a:cs typeface="AdobeClean-Light"/>
-                        </a:rPr>
-                        <a:t>Business</a:t>
-                      </a:r>
-                      <a:r>
-                        <a:rPr lang="en-US" sz="900" spc="0" dirty="0">
-                          <a:solidFill>
-                            <a:srgbClr val="020302"/>
-                          </a:solidFill>
-                          <a:latin typeface="AdobeClean-Light"/>
-                          <a:cs typeface="AdobeClean-Light"/>
-                        </a:rPr>
-                        <a:t> </a:t>
-                      </a:r>
-                      <a:r>
-                        <a:rPr sz="900" spc="0" dirty="0">
-                          <a:solidFill>
-                            <a:srgbClr val="020302"/>
-                          </a:solidFill>
-                          <a:latin typeface="AdobeClean-Light"/>
-                          <a:cs typeface="AdobeClean-Light"/>
-                        </a:rPr>
-                        <a:t>hours</a:t>
-                      </a:r>
-                      <a:r>
-                        <a:rPr lang="en-US" sz="900" spc="0" dirty="0">
-                          <a:solidFill>
-                            <a:srgbClr val="020302"/>
-                          </a:solidFill>
-                          <a:latin typeface="AdobeClean-Light"/>
-                          <a:cs typeface="AdobeClean-Light"/>
-                        </a:rPr>
-                        <a:t> </a:t>
-                      </a:r>
-                      <a:r>
-                        <a:rPr sz="900" spc="0" dirty="0">
-                          <a:solidFill>
-                            <a:srgbClr val="020302"/>
-                          </a:solidFill>
-                          <a:latin typeface="AdobeClean-Light"/>
-                          <a:cs typeface="AdobeClean-Light"/>
-                        </a:rPr>
-                        <a:t>/  </a:t>
-                      </a:r>
-                      <a:r>
-                        <a:rPr lang="en-US" sz="900" spc="0" dirty="0">
-                          <a:solidFill>
-                            <a:srgbClr val="020302"/>
-                          </a:solidFill>
-                          <a:latin typeface="AdobeClean-Light"/>
-                          <a:cs typeface="AdobeClean-Light"/>
-                        </a:rPr>
-                        <a:t>   </a:t>
-                      </a:r>
-                      <a:r>
-                        <a:rPr sz="900" spc="0" dirty="0">
-                          <a:solidFill>
-                            <a:srgbClr val="020302"/>
-                          </a:solidFill>
-                          <a:latin typeface="AdobeClean-Light"/>
-                          <a:cs typeface="AdobeClean-Light"/>
-                        </a:rPr>
-                        <a:t>2 hours</a:t>
-                      </a:r>
-                      <a:endParaRPr sz="900" spc="0" dirty="0">
-                        <a:latin typeface="AdobeClean-Light"/>
-                        <a:cs typeface="AdobeClean-Light"/>
-                      </a:endParaRPr>
-                    </a:p>
-                  </a:txBody>
-                  <a:tcPr marL="0" marR="0" marT="0" marB="0" anchor="ctr">
-                    <a:lnL w="3175">
-                      <a:solidFill>
-                        <a:srgbClr val="B7B8B8"/>
-                      </a:solidFill>
-                      <a:prstDash val="solid"/>
-                    </a:lnL>
-                    <a:lnR w="3175">
-                      <a:solidFill>
-                        <a:srgbClr val="B7B8B8"/>
-                      </a:solidFill>
-                      <a:prstDash val="solid"/>
-                    </a:lnR>
-                    <a:lnT w="3175">
-                      <a:solidFill>
-                        <a:srgbClr val="B7B8B8"/>
-                      </a:solidFill>
-                      <a:prstDash val="solid"/>
-                    </a:lnT>
-                    <a:lnB w="3175">
-                      <a:solidFill>
-                        <a:srgbClr val="B7B8B8"/>
-                      </a:solidFill>
-                      <a:prstDash val="solid"/>
-                    </a:lnB>
-                  </a:tcPr>
-                </a:tc>
-                <a:tc>
-                  <a:txBody>
-                    <a:bodyPr/>
-                    <a:lstStyle/>
-                    <a:p>
-                      <a:pPr marL="0" marR="326390" indent="-5715" algn="ctr">
-                        <a:lnSpc>
-                          <a:spcPct val="100000"/>
-                        </a:lnSpc>
-                        <a:spcBef>
-                          <a:spcPts val="645"/>
-                        </a:spcBef>
-                      </a:pPr>
-                      <a:r>
-                        <a:rPr sz="900" spc="0" dirty="0">
-                          <a:solidFill>
-                            <a:srgbClr val="020302"/>
-                          </a:solidFill>
-                          <a:latin typeface="AdobeClean-Light"/>
-                          <a:cs typeface="AdobeClean-Light"/>
-                        </a:rPr>
-                        <a:t>24x5</a:t>
-                      </a:r>
-                      <a:r>
-                        <a:rPr lang="en-US" sz="900" spc="0" dirty="0">
-                          <a:solidFill>
-                            <a:srgbClr val="020302"/>
-                          </a:solidFill>
-                          <a:latin typeface="AdobeClean-Light"/>
-                          <a:cs typeface="AdobeClean-Light"/>
-                        </a:rPr>
-                        <a:t> </a:t>
-                      </a:r>
-                      <a:r>
-                        <a:rPr sz="900" spc="0" dirty="0">
-                          <a:solidFill>
-                            <a:srgbClr val="020302"/>
-                          </a:solidFill>
-                          <a:latin typeface="AdobeClean-Light"/>
-                          <a:cs typeface="AdobeClean-Light"/>
-                        </a:rPr>
-                        <a:t>/  </a:t>
-                      </a:r>
-                      <a:r>
-                        <a:rPr lang="en-US" sz="900" spc="0" dirty="0">
-                          <a:solidFill>
-                            <a:srgbClr val="020302"/>
-                          </a:solidFill>
-                          <a:latin typeface="AdobeClean-Light"/>
-                          <a:cs typeface="AdobeClean-Light"/>
-                        </a:rPr>
-                        <a:t>           </a:t>
-                      </a:r>
-                      <a:r>
-                        <a:rPr sz="900" spc="0" dirty="0">
-                          <a:solidFill>
-                            <a:srgbClr val="020302"/>
-                          </a:solidFill>
-                          <a:latin typeface="AdobeClean-Light"/>
-                          <a:cs typeface="AdobeClean-Light"/>
-                        </a:rPr>
-                        <a:t>1 hour</a:t>
-                      </a:r>
-                      <a:endParaRPr sz="900" spc="0" dirty="0">
-                        <a:latin typeface="AdobeClean-Light"/>
-                        <a:cs typeface="AdobeClean-Light"/>
-                      </a:endParaRPr>
                     </a:p>
                   </a:txBody>
                   <a:tcPr marL="0" marR="0" marT="0" marB="0" anchor="ctr">
@@ -8828,19 +7825,16 @@
                         </a:spcBef>
                       </a:pPr>
                       <a:r>
-                        <a:rPr sz="900" b="1" spc="0" dirty="0">
+                        <a:rPr lang="ja-JP" sz="900" b="1" dirty="0">
                           <a:solidFill>
                             <a:srgbClr val="020302"/>
                           </a:solidFill>
-                          <a:latin typeface="Adobe Clean"/>
+                          <a:latin typeface="Adobe Clean Han Regular" panose="020B0500000000000000" pitchFamily="34" charset="-128"/>
+                          <a:ea typeface="Adobe Clean Han Regular" panose="020B0500000000000000" pitchFamily="34" charset="-128"/>
                           <a:cs typeface="Adobe Clean"/>
                         </a:rPr>
-                        <a:t>PRIORITY 4</a:t>
+                        <a:t>優先度 4</a:t>
                       </a:r>
-                      <a:endParaRPr sz="900" spc="0" dirty="0">
-                        <a:latin typeface="Adobe Clean"/>
-                        <a:cs typeface="Adobe Clean"/>
-                      </a:endParaRPr>
                     </a:p>
                     <a:p>
                       <a:pPr marL="48895" marR="0" indent="0" defTabSz="914400" eaLnBrk="1" fontAlgn="auto" latinLnBrk="0" hangingPunct="1">
@@ -8861,19 +7855,15 @@
                         <a:defRPr/>
                       </a:pPr>
                       <a:r>
-                        <a:rPr lang="en-US" sz="900" b="0" i="0" spc="0" dirty="0">
+                        <a:rPr lang="ja-JP" sz="900" b="0" i="0" dirty="0">
                           <a:solidFill>
                             <a:srgbClr val="000000"/>
                           </a:solidFill>
-                          <a:effectLst/>
-                          <a:latin typeface="Adobe Clean Light" panose="020B0303020404020204" pitchFamily="34" charset="0"/>
+                          <a:latin typeface="Adobe Clean Han Regular" panose="020B0500000000000000" pitchFamily="34" charset="-128"/>
+                          <a:ea typeface="Adobe Clean Han Regular" panose="020B0500000000000000" pitchFamily="34" charset="-128"/>
                         </a:rPr>
-                        <a:t>General question regarding current product functionality or an enhancement request </a:t>
+                        <a:t>現在の製品機能に関する一般的な質問または機能拡張のリクエスト。 </a:t>
                       </a:r>
-                      <a:endParaRPr sz="900" b="0" i="0" spc="0" dirty="0">
-                        <a:latin typeface="Adobe Clean Light" panose="020B0303020404020204" pitchFamily="34" charset="0"/>
-                        <a:cs typeface="AdobeClean-Light"/>
-                      </a:endParaRPr>
                     </a:p>
                   </a:txBody>
                   <a:tcPr marL="0" marR="0" marT="0" marB="0" anchor="ctr">
@@ -8917,427 +7907,175 @@
                         </a:spcBef>
                       </a:pPr>
                       <a:r>
-                        <a:rPr sz="900" spc="0" dirty="0">
+                        <a:rPr lang="ja-JP" sz="900">
                           <a:solidFill>
                             <a:srgbClr val="020302"/>
                           </a:solidFill>
-                          <a:latin typeface="AdobeClean-Light"/>
+                          <a:latin typeface="Adobe Clean Han Regular" panose="020B0500000000000000" pitchFamily="34" charset="-128"/>
+                          <a:ea typeface="Adobe Clean Han Regular" panose="020B0500000000000000" pitchFamily="34" charset="-128"/>
                           <a:cs typeface="AdobeClean-Light"/>
                         </a:rPr>
-                        <a:t>Business</a:t>
+                        <a:t>営業日／3 日</a:t>
                       </a:r>
+                    </a:p>
+                  </a:txBody>
+                  <a:tcPr marL="0" marR="0" marT="0" marB="0" anchor="ctr">
+                    <a:lnL w="3175">
+                      <a:solidFill>
+                        <a:srgbClr val="B7B8B8"/>
+                      </a:solidFill>
+                      <a:prstDash val="solid"/>
+                    </a:lnL>
+                    <a:lnR w="3175">
+                      <a:solidFill>
+                        <a:srgbClr val="B7B8B8"/>
+                      </a:solidFill>
+                      <a:prstDash val="solid"/>
+                    </a:lnR>
+                    <a:lnT w="3175">
+                      <a:solidFill>
+                        <a:srgbClr val="B7B8B8"/>
+                      </a:solidFill>
+                      <a:prstDash val="solid"/>
+                    </a:lnT>
+                    <a:lnB w="3175">
+                      <a:solidFill>
+                        <a:srgbClr val="B7B8B8"/>
+                      </a:solidFill>
+                      <a:prstDash val="solid"/>
+                    </a:lnB>
+                  </a:tcPr>
+                </a:tc>
+                <a:tc>
+                  <a:txBody>
+                    <a:bodyPr/>
+                    <a:lstStyle/>
+                    <a:p>
+                      <a:pPr marL="0" marR="223520" indent="-202565" algn="ctr">
+                        <a:lnSpc>
+                          <a:spcPct val="100000"/>
+                        </a:lnSpc>
+                        <a:spcBef>
+                          <a:spcPts val="155"/>
+                        </a:spcBef>
+                      </a:pPr>
                       <a:r>
-                        <a:rPr lang="en-US" sz="900" spc="0" dirty="0">
+                        <a:rPr lang="ja-JP" sz="900">
                           <a:solidFill>
                             <a:srgbClr val="020302"/>
                           </a:solidFill>
-                          <a:latin typeface="AdobeClean-Light"/>
+                          <a:latin typeface="Adobe Clean Han Regular" panose="020B0500000000000000" pitchFamily="34" charset="-128"/>
+                          <a:ea typeface="Adobe Clean Han Regular" panose="020B0500000000000000" pitchFamily="34" charset="-128"/>
                           <a:cs typeface="AdobeClean-Light"/>
                         </a:rPr>
-                        <a:t> </a:t>
+                        <a:t>営業日／1 日</a:t>
                       </a:r>
+                    </a:p>
+                  </a:txBody>
+                  <a:tcPr marL="0" marR="0" marT="0" marB="0" anchor="ctr">
+                    <a:lnL w="3175">
+                      <a:solidFill>
+                        <a:srgbClr val="B7B8B8"/>
+                      </a:solidFill>
+                      <a:prstDash val="solid"/>
+                    </a:lnL>
+                    <a:lnR w="3175">
+                      <a:solidFill>
+                        <a:srgbClr val="B7B8B8"/>
+                      </a:solidFill>
+                      <a:prstDash val="solid"/>
+                    </a:lnR>
+                    <a:lnT w="3175">
+                      <a:solidFill>
+                        <a:srgbClr val="B7B8B8"/>
+                      </a:solidFill>
+                      <a:prstDash val="solid"/>
+                    </a:lnT>
+                    <a:lnB w="3175">
+                      <a:solidFill>
+                        <a:srgbClr val="B7B8B8"/>
+                      </a:solidFill>
+                      <a:prstDash val="solid"/>
+                    </a:lnB>
+                  </a:tcPr>
+                </a:tc>
+                <a:tc>
+                  <a:txBody>
+                    <a:bodyPr/>
+                    <a:lstStyle/>
+                    <a:p>
+                      <a:pPr marL="0" marR="223520" indent="-202565" algn="ctr">
+                        <a:lnSpc>
+                          <a:spcPct val="100000"/>
+                        </a:lnSpc>
+                        <a:spcBef>
+                          <a:spcPts val="155"/>
+                        </a:spcBef>
+                      </a:pPr>
                       <a:r>
-                        <a:rPr sz="900" spc="0" dirty="0">
+                        <a:rPr lang="ja-JP" sz="900">
                           <a:solidFill>
                             <a:srgbClr val="020302"/>
                           </a:solidFill>
-                          <a:latin typeface="AdobeClean-Light"/>
+                          <a:latin typeface="Adobe Clean Han Regular" panose="020B0500000000000000" pitchFamily="34" charset="-128"/>
+                          <a:ea typeface="Adobe Clean Han Regular" panose="020B0500000000000000" pitchFamily="34" charset="-128"/>
                           <a:cs typeface="AdobeClean-Light"/>
                         </a:rPr>
-                        <a:t>days</a:t>
+                        <a:t>営業日／1 日</a:t>
                       </a:r>
+                    </a:p>
+                  </a:txBody>
+                  <a:tcPr marL="0" marR="0" marT="0" marB="0" anchor="ctr">
+                    <a:lnL w="3175">
+                      <a:solidFill>
+                        <a:srgbClr val="B7B8B8"/>
+                      </a:solidFill>
+                      <a:prstDash val="solid"/>
+                    </a:lnL>
+                    <a:lnR w="3175">
+                      <a:solidFill>
+                        <a:srgbClr val="B7B8B8"/>
+                      </a:solidFill>
+                      <a:prstDash val="solid"/>
+                    </a:lnR>
+                    <a:lnT w="3175">
+                      <a:solidFill>
+                        <a:srgbClr val="B7B8B8"/>
+                      </a:solidFill>
+                      <a:prstDash val="solid"/>
+                    </a:lnT>
+                    <a:lnB w="3175">
+                      <a:solidFill>
+                        <a:srgbClr val="B7B8B8"/>
+                      </a:solidFill>
+                      <a:prstDash val="solid"/>
+                    </a:lnB>
+                  </a:tcPr>
+                </a:tc>
+                <a:tc>
+                  <a:txBody>
+                    <a:bodyPr/>
+                    <a:lstStyle/>
+                    <a:p>
+                      <a:pPr marL="0" marR="223520" indent="-202565" algn="ctr">
+                        <a:lnSpc>
+                          <a:spcPct val="100000"/>
+                        </a:lnSpc>
+                        <a:spcBef>
+                          <a:spcPts val="155"/>
+                        </a:spcBef>
+                      </a:pPr>
                       <a:r>
-                        <a:rPr lang="en-US" sz="900" spc="0" dirty="0">
+                        <a:rPr lang="ja-JP" sz="900" dirty="0">
                           <a:solidFill>
                             <a:srgbClr val="020302"/>
                           </a:solidFill>
-                          <a:latin typeface="AdobeClean-Light"/>
+                          <a:latin typeface="Adobe Clean Han Regular" panose="020B0500000000000000" pitchFamily="34" charset="-128"/>
+                          <a:ea typeface="Adobe Clean Han Regular" panose="020B0500000000000000" pitchFamily="34" charset="-128"/>
                           <a:cs typeface="AdobeClean-Light"/>
                         </a:rPr>
-                        <a:t> </a:t>
+                        <a:t>営業日／1 日</a:t>
                       </a:r>
-                      <a:r>
-                        <a:rPr sz="900" spc="0" dirty="0">
-                          <a:solidFill>
-                            <a:srgbClr val="020302"/>
-                          </a:solidFill>
-                          <a:latin typeface="AdobeClean-Light"/>
-                          <a:cs typeface="AdobeClean-Light"/>
-                        </a:rPr>
-                        <a:t>/  </a:t>
-                      </a:r>
-                      <a:r>
-                        <a:rPr lang="en-US" sz="900" spc="0" dirty="0">
-                          <a:solidFill>
-                            <a:srgbClr val="020302"/>
-                          </a:solidFill>
-                          <a:latin typeface="AdobeClean-Light"/>
-                          <a:cs typeface="AdobeClean-Light"/>
-                        </a:rPr>
-                        <a:t> </a:t>
-                      </a:r>
-                      <a:r>
-                        <a:rPr sz="900" spc="0" dirty="0">
-                          <a:solidFill>
-                            <a:srgbClr val="020302"/>
-                          </a:solidFill>
-                          <a:latin typeface="AdobeClean-Light"/>
-                          <a:cs typeface="AdobeClean-Light"/>
-                        </a:rPr>
-                        <a:t>3 days</a:t>
-                      </a:r>
-                      <a:endParaRPr sz="900" spc="0" dirty="0">
-                        <a:latin typeface="AdobeClean-Light"/>
-                        <a:cs typeface="AdobeClean-Light"/>
-                      </a:endParaRPr>
-                    </a:p>
-                  </a:txBody>
-                  <a:tcPr marL="0" marR="0" marT="0" marB="0" anchor="ctr">
-                    <a:lnL w="3175">
-                      <a:solidFill>
-                        <a:srgbClr val="B7B8B8"/>
-                      </a:solidFill>
-                      <a:prstDash val="solid"/>
-                    </a:lnL>
-                    <a:lnR w="3175">
-                      <a:solidFill>
-                        <a:srgbClr val="B7B8B8"/>
-                      </a:solidFill>
-                      <a:prstDash val="solid"/>
-                    </a:lnR>
-                    <a:lnT w="3175">
-                      <a:solidFill>
-                        <a:srgbClr val="B7B8B8"/>
-                      </a:solidFill>
-                      <a:prstDash val="solid"/>
-                    </a:lnT>
-                    <a:lnB w="3175">
-                      <a:solidFill>
-                        <a:srgbClr val="B7B8B8"/>
-                      </a:solidFill>
-                      <a:prstDash val="solid"/>
-                    </a:lnB>
-                  </a:tcPr>
-                </a:tc>
-                <a:tc>
-                  <a:txBody>
-                    <a:bodyPr/>
-                    <a:lstStyle/>
-                    <a:p>
-                      <a:pPr marL="0" marR="223520" indent="-202565" algn="ctr">
-                        <a:lnSpc>
-                          <a:spcPct val="100000"/>
-                        </a:lnSpc>
-                        <a:spcBef>
-                          <a:spcPts val="155"/>
-                        </a:spcBef>
-                      </a:pPr>
-                      <a:r>
-                        <a:rPr sz="900" spc="0" dirty="0">
-                          <a:solidFill>
-                            <a:srgbClr val="020302"/>
-                          </a:solidFill>
-                          <a:latin typeface="AdobeClean-Light"/>
-                          <a:cs typeface="AdobeClean-Light"/>
-                        </a:rPr>
-                        <a:t>Business</a:t>
-                      </a:r>
-                      <a:r>
-                        <a:rPr lang="en-US" sz="900" spc="0" dirty="0">
-                          <a:solidFill>
-                            <a:srgbClr val="020302"/>
-                          </a:solidFill>
-                          <a:latin typeface="AdobeClean-Light"/>
-                          <a:cs typeface="AdobeClean-Light"/>
-                        </a:rPr>
-                        <a:t> </a:t>
-                      </a:r>
-                      <a:r>
-                        <a:rPr sz="900" spc="0" dirty="0">
-                          <a:solidFill>
-                            <a:srgbClr val="020302"/>
-                          </a:solidFill>
-                          <a:latin typeface="AdobeClean-Light"/>
-                          <a:cs typeface="AdobeClean-Light"/>
-                        </a:rPr>
-                        <a:t>day</a:t>
-                      </a:r>
-                      <a:r>
-                        <a:rPr lang="en-US" sz="900" spc="0" dirty="0">
-                          <a:solidFill>
-                            <a:srgbClr val="020302"/>
-                          </a:solidFill>
-                          <a:latin typeface="AdobeClean-Light"/>
-                          <a:cs typeface="AdobeClean-Light"/>
-                        </a:rPr>
-                        <a:t> </a:t>
-                      </a:r>
-                      <a:r>
-                        <a:rPr sz="900" spc="0" dirty="0">
-                          <a:solidFill>
-                            <a:srgbClr val="020302"/>
-                          </a:solidFill>
-                          <a:latin typeface="AdobeClean-Light"/>
-                          <a:cs typeface="AdobeClean-Light"/>
-                        </a:rPr>
-                        <a:t>/  </a:t>
-                      </a:r>
-                      <a:r>
-                        <a:rPr lang="en-US" sz="900" spc="0" dirty="0">
-                          <a:solidFill>
-                            <a:srgbClr val="020302"/>
-                          </a:solidFill>
-                          <a:latin typeface="AdobeClean-Light"/>
-                          <a:cs typeface="AdobeClean-Light"/>
-                        </a:rPr>
-                        <a:t>   </a:t>
-                      </a:r>
-                      <a:r>
-                        <a:rPr sz="900" spc="0" dirty="0">
-                          <a:solidFill>
-                            <a:srgbClr val="020302"/>
-                          </a:solidFill>
-                          <a:latin typeface="AdobeClean-Light"/>
-                          <a:cs typeface="AdobeClean-Light"/>
-                        </a:rPr>
-                        <a:t>1 day</a:t>
-                      </a:r>
-                      <a:endParaRPr sz="900" spc="0" dirty="0">
-                        <a:latin typeface="AdobeClean-Light"/>
-                        <a:cs typeface="AdobeClean-Light"/>
-                      </a:endParaRPr>
-                    </a:p>
-                  </a:txBody>
-                  <a:tcPr marL="0" marR="0" marT="0" marB="0" anchor="ctr">
-                    <a:lnL w="3175">
-                      <a:solidFill>
-                        <a:srgbClr val="B7B8B8"/>
-                      </a:solidFill>
-                      <a:prstDash val="solid"/>
-                    </a:lnL>
-                    <a:lnR w="3175">
-                      <a:solidFill>
-                        <a:srgbClr val="B7B8B8"/>
-                      </a:solidFill>
-                      <a:prstDash val="solid"/>
-                    </a:lnR>
-                    <a:lnT w="3175">
-                      <a:solidFill>
-                        <a:srgbClr val="B7B8B8"/>
-                      </a:solidFill>
-                      <a:prstDash val="solid"/>
-                    </a:lnT>
-                    <a:lnB w="3175">
-                      <a:solidFill>
-                        <a:srgbClr val="B7B8B8"/>
-                      </a:solidFill>
-                      <a:prstDash val="solid"/>
-                    </a:lnB>
-                  </a:tcPr>
-                </a:tc>
-                <a:tc>
-                  <a:txBody>
-                    <a:bodyPr/>
-                    <a:lstStyle/>
-                    <a:p>
-                      <a:pPr marL="0" marR="223520" indent="-202565" algn="ctr">
-                        <a:lnSpc>
-                          <a:spcPct val="100000"/>
-                        </a:lnSpc>
-                        <a:spcBef>
-                          <a:spcPts val="155"/>
-                        </a:spcBef>
-                      </a:pPr>
-                      <a:r>
-                        <a:rPr sz="900" spc="0" dirty="0">
-                          <a:solidFill>
-                            <a:srgbClr val="020302"/>
-                          </a:solidFill>
-                          <a:latin typeface="AdobeClean-Light"/>
-                          <a:cs typeface="AdobeClean-Light"/>
-                        </a:rPr>
-                        <a:t>Business</a:t>
-                      </a:r>
-                      <a:r>
-                        <a:rPr lang="en-US" sz="900" spc="0" dirty="0">
-                          <a:solidFill>
-                            <a:srgbClr val="020302"/>
-                          </a:solidFill>
-                          <a:latin typeface="AdobeClean-Light"/>
-                          <a:cs typeface="AdobeClean-Light"/>
-                        </a:rPr>
-                        <a:t> </a:t>
-                      </a:r>
-                      <a:r>
-                        <a:rPr sz="900" spc="0" dirty="0">
-                          <a:solidFill>
-                            <a:srgbClr val="020302"/>
-                          </a:solidFill>
-                          <a:latin typeface="AdobeClean-Light"/>
-                          <a:cs typeface="AdobeClean-Light"/>
-                        </a:rPr>
-                        <a:t>day</a:t>
-                      </a:r>
-                      <a:r>
-                        <a:rPr lang="en-US" sz="900" spc="0" dirty="0">
-                          <a:solidFill>
-                            <a:srgbClr val="020302"/>
-                          </a:solidFill>
-                          <a:latin typeface="AdobeClean-Light"/>
-                          <a:cs typeface="AdobeClean-Light"/>
-                        </a:rPr>
-                        <a:t> </a:t>
-                      </a:r>
-                      <a:r>
-                        <a:rPr sz="900" spc="0" dirty="0">
-                          <a:solidFill>
-                            <a:srgbClr val="020302"/>
-                          </a:solidFill>
-                          <a:latin typeface="AdobeClean-Light"/>
-                          <a:cs typeface="AdobeClean-Light"/>
-                        </a:rPr>
-                        <a:t>/  </a:t>
-                      </a:r>
-                      <a:r>
-                        <a:rPr lang="en-US" sz="900" spc="0" dirty="0">
-                          <a:solidFill>
-                            <a:srgbClr val="020302"/>
-                          </a:solidFill>
-                          <a:latin typeface="AdobeClean-Light"/>
-                          <a:cs typeface="AdobeClean-Light"/>
-                        </a:rPr>
-                        <a:t>    </a:t>
-                      </a:r>
-                      <a:r>
-                        <a:rPr sz="900" spc="0" dirty="0">
-                          <a:solidFill>
-                            <a:srgbClr val="020302"/>
-                          </a:solidFill>
-                          <a:latin typeface="AdobeClean-Light"/>
-                          <a:cs typeface="AdobeClean-Light"/>
-                        </a:rPr>
-                        <a:t>1 day</a:t>
-                      </a:r>
-                      <a:endParaRPr sz="900" spc="0" dirty="0">
-                        <a:latin typeface="AdobeClean-Light"/>
-                        <a:cs typeface="AdobeClean-Light"/>
-                      </a:endParaRPr>
-                    </a:p>
-                  </a:txBody>
-                  <a:tcPr marL="0" marR="0" marT="0" marB="0" anchor="ctr">
-                    <a:lnL w="3175">
-                      <a:solidFill>
-                        <a:srgbClr val="B7B8B8"/>
-                      </a:solidFill>
-                      <a:prstDash val="solid"/>
-                    </a:lnL>
-                    <a:lnR w="3175">
-                      <a:solidFill>
-                        <a:srgbClr val="B7B8B8"/>
-                      </a:solidFill>
-                      <a:prstDash val="solid"/>
-                    </a:lnR>
-                    <a:lnT w="3175">
-                      <a:solidFill>
-                        <a:srgbClr val="B7B8B8"/>
-                      </a:solidFill>
-                      <a:prstDash val="solid"/>
-                    </a:lnT>
-                    <a:lnB w="3175">
-                      <a:solidFill>
-                        <a:srgbClr val="B7B8B8"/>
-                      </a:solidFill>
-                      <a:prstDash val="solid"/>
-                    </a:lnB>
-                  </a:tcPr>
-                </a:tc>
-                <a:tc>
-                  <a:txBody>
-                    <a:bodyPr/>
-                    <a:lstStyle/>
-                    <a:p>
-                      <a:pPr marL="0" marR="223520" indent="-202565" algn="ctr">
-                        <a:lnSpc>
-                          <a:spcPct val="100000"/>
-                        </a:lnSpc>
-                        <a:spcBef>
-                          <a:spcPts val="155"/>
-                        </a:spcBef>
-                      </a:pPr>
-                      <a:r>
-                        <a:rPr sz="900" spc="0" dirty="0">
-                          <a:solidFill>
-                            <a:srgbClr val="020302"/>
-                          </a:solidFill>
-                          <a:latin typeface="AdobeClean-Light"/>
-                          <a:cs typeface="AdobeClean-Light"/>
-                        </a:rPr>
-                        <a:t>Business</a:t>
-                      </a:r>
-                      <a:r>
-                        <a:rPr lang="en-US" sz="900" spc="0" dirty="0">
-                          <a:solidFill>
-                            <a:srgbClr val="020302"/>
-                          </a:solidFill>
-                          <a:latin typeface="AdobeClean-Light"/>
-                          <a:cs typeface="AdobeClean-Light"/>
-                        </a:rPr>
-                        <a:t> </a:t>
-                      </a:r>
-                      <a:r>
-                        <a:rPr sz="900" spc="0" dirty="0">
-                          <a:solidFill>
-                            <a:srgbClr val="020302"/>
-                          </a:solidFill>
-                          <a:latin typeface="AdobeClean-Light"/>
-                          <a:cs typeface="AdobeClean-Light"/>
-                        </a:rPr>
-                        <a:t>day</a:t>
-                      </a:r>
-                      <a:r>
-                        <a:rPr lang="en-US" sz="900" spc="0" dirty="0">
-                          <a:solidFill>
-                            <a:srgbClr val="020302"/>
-                          </a:solidFill>
-                          <a:latin typeface="AdobeClean-Light"/>
-                          <a:cs typeface="AdobeClean-Light"/>
-                        </a:rPr>
-                        <a:t> </a:t>
-                      </a:r>
-                      <a:r>
-                        <a:rPr sz="900" spc="0" dirty="0">
-                          <a:solidFill>
-                            <a:srgbClr val="020302"/>
-                          </a:solidFill>
-                          <a:latin typeface="AdobeClean-Light"/>
-                          <a:cs typeface="AdobeClean-Light"/>
-                        </a:rPr>
-                        <a:t>/  </a:t>
-                      </a:r>
-                      <a:r>
-                        <a:rPr lang="en-US" sz="900" spc="0" dirty="0">
-                          <a:solidFill>
-                            <a:srgbClr val="020302"/>
-                          </a:solidFill>
-                          <a:latin typeface="AdobeClean-Light"/>
-                          <a:cs typeface="AdobeClean-Light"/>
-                        </a:rPr>
-                        <a:t>   </a:t>
-                      </a:r>
-                      <a:r>
-                        <a:rPr sz="900" spc="0" dirty="0">
-                          <a:solidFill>
-                            <a:srgbClr val="020302"/>
-                          </a:solidFill>
-                          <a:latin typeface="AdobeClean-Light"/>
-                          <a:cs typeface="AdobeClean-Light"/>
-                        </a:rPr>
-                        <a:t>1 day</a:t>
-                      </a:r>
-                      <a:endParaRPr sz="900" spc="0" dirty="0">
-                        <a:latin typeface="AdobeClean-Light"/>
-                        <a:cs typeface="AdobeClean-Light"/>
-                      </a:endParaRPr>
                     </a:p>
                   </a:txBody>
                   <a:tcPr marL="0" marR="0" marT="0" marB="0" anchor="ctr">
@@ -9417,20 +8155,12 @@
               </a:spcBef>
             </a:pPr>
             <a:r>
-              <a:rPr sz="2300" dirty="0">
-                <a:latin typeface="Adobe Clean" panose="020B0503020404020204" pitchFamily="34" charset="0"/>
+              <a:rPr lang="ja-JP" sz="2300">
+                <a:latin typeface="Adobe Clean Han Regular" panose="020B0500000000000000" pitchFamily="34" charset="-128"/>
+                <a:ea typeface="Adobe Clean Han Regular" panose="020B0500000000000000" pitchFamily="34" charset="-128"/>
               </a:rPr>
-              <a:t>ADOBE </a:t>
+              <a:t>アドビサポートのサービス</a:t>
             </a:r>
-            <a:r>
-              <a:rPr lang="en-US" sz="2300" dirty="0">
-                <a:latin typeface="Adobe Clean" panose="020B0503020404020204" pitchFamily="34" charset="0"/>
-              </a:rPr>
-              <a:t>SUPPORT OFFERINGS</a:t>
-            </a:r>
-            <a:endParaRPr sz="2300" dirty="0">
-              <a:latin typeface="Adobe Clean" panose="020B0503020404020204" pitchFamily="34" charset="0"/>
-            </a:endParaRPr>
           </a:p>
         </p:txBody>
       </p:sp>
@@ -9463,10 +8193,12 @@
           <a:lstStyle/>
           <a:p>
             <a:r>
-              <a:rPr lang="en-US" sz="700" i="1" dirty="0">
+              <a:rPr lang="ja-JP" sz="700" i="1">
                 <a:solidFill>
                   <a:schemeClr val="bg1"/>
                 </a:solidFill>
+                <a:latin typeface="Adobe Clean Han Regular" panose="020B0500000000000000" pitchFamily="34" charset="-128"/>
+                <a:ea typeface="Adobe Clean Han Regular" panose="020B0500000000000000" pitchFamily="34" charset="-128"/>
               </a:rPr>
               <a:t>Adobe Experience Cloud</a:t>
             </a:r>
@@ -9550,7 +8282,10 @@
             <a:bodyPr wrap="square" lIns="0" tIns="0" rIns="0" bIns="0" rtlCol="0"/>
             <a:lstStyle/>
             <a:p>
-              <a:endParaRPr/>
+              <a:endParaRPr>
+                <a:latin typeface="Adobe Clean Han Regular" panose="020B0500000000000000" pitchFamily="34" charset="-128"/>
+                <a:ea typeface="Adobe Clean Han Regular" panose="020B0500000000000000" pitchFamily="34" charset="-128"/>
+              </a:endParaRPr>
             </a:p>
           </p:txBody>
         </p:sp>
@@ -9602,7 +8337,10 @@
             <a:bodyPr wrap="square" lIns="0" tIns="0" rIns="0" bIns="0" rtlCol="0"/>
             <a:lstStyle/>
             <a:p>
-              <a:endParaRPr/>
+              <a:endParaRPr>
+                <a:latin typeface="Adobe Clean Han Regular" panose="020B0500000000000000" pitchFamily="34" charset="-128"/>
+                <a:ea typeface="Adobe Clean Han Regular" panose="020B0500000000000000" pitchFamily="34" charset="-128"/>
+              </a:endParaRPr>
             </a:p>
           </p:txBody>
         </p:sp>
@@ -9645,7 +8383,10 @@
           <a:bodyPr wrap="square" lIns="0" tIns="0" rIns="0" bIns="0" rtlCol="0"/>
           <a:lstStyle/>
           <a:p>
-            <a:endParaRPr/>
+            <a:endParaRPr>
+              <a:latin typeface="Adobe Clean Han Regular" panose="020B0500000000000000" pitchFamily="34" charset="-128"/>
+              <a:ea typeface="Adobe Clean Han Regular" panose="020B0500000000000000" pitchFamily="34" charset="-128"/>
+            </a:endParaRPr>
           </a:p>
         </p:txBody>
       </p:sp>
@@ -9687,7 +8428,10 @@
           <a:bodyPr wrap="square" lIns="0" tIns="0" rIns="0" bIns="0" rtlCol="0"/>
           <a:lstStyle/>
           <a:p>
-            <a:endParaRPr/>
+            <a:endParaRPr>
+              <a:latin typeface="Adobe Clean Han Regular" panose="020B0500000000000000" pitchFamily="34" charset="-128"/>
+              <a:ea typeface="Adobe Clean Han Regular" panose="020B0500000000000000" pitchFamily="34" charset="-128"/>
+            </a:endParaRPr>
           </a:p>
         </p:txBody>
       </p:sp>
@@ -9700,7 +8444,7 @@
         <p:spPr>
           <a:xfrm>
             <a:off x="244598" y="1844378"/>
-            <a:ext cx="7070597" cy="379463"/>
+            <a:ext cx="7070597" cy="561949"/>
           </a:xfrm>
           <a:prstGeom prst="rect">
             <a:avLst/>
@@ -9721,436 +8465,37 @@
               </a:spcBef>
             </a:pPr>
             <a:r>
-              <a:rPr lang="en-US" sz="1000" spc="-20" dirty="0">
+              <a:rPr lang="ja-JP" sz="1000" dirty="0">
                 <a:solidFill>
                   <a:srgbClr val="020302"/>
                 </a:solidFill>
-                <a:latin typeface="AdobeClean-Light"/>
+                <a:latin typeface="Adobe Clean Han Regular" panose="020B0500000000000000" pitchFamily="34" charset="-128"/>
+                <a:ea typeface="Adobe Clean Han Regular" panose="020B0500000000000000" pitchFamily="34" charset="-128"/>
                 <a:cs typeface="AdobeClean-Light"/>
               </a:rPr>
-              <a:t>Adobe Customer Support offers a</a:t>
+              <a:t>アドビカスタマーサポートでは、ドキュメントのオンラインリソースへのアクセス、ベストプラクティスのための他のエキスパートやお客様との連携、トラブルシューティングのヒントやテクニックのためのウェビナーシリーズ（Office Hours）</a:t>
             </a:r>
-            <a:r>
-              <a:rPr sz="1000" spc="-20" dirty="0">
+            <a:br>
+              <a:rPr lang="sk-SK" altLang="ja-JP" sz="1000" dirty="0">
                 <a:solidFill>
                   <a:srgbClr val="020302"/>
                 </a:solidFill>
-                <a:latin typeface="AdobeClean-Light"/>
+                <a:latin typeface="Adobe Clean Han Regular" panose="020B0500000000000000" pitchFamily="34" charset="-128"/>
+                <a:ea typeface="Adobe Clean Han Regular" panose="020B0500000000000000" pitchFamily="34" charset="-128"/>
                 <a:cs typeface="AdobeClean-Light"/>
               </a:rPr>
-              <a:t>ccess</a:t>
-            </a:r>
+            </a:br>
             <a:r>
-              <a:rPr sz="1000" spc="-90" dirty="0">
+              <a:rPr lang="ja-JP" sz="1000" dirty="0">
                 <a:solidFill>
                   <a:srgbClr val="020302"/>
                 </a:solidFill>
-                <a:latin typeface="AdobeClean-Light"/>
+                <a:latin typeface="Adobe Clean Han Regular" panose="020B0500000000000000" pitchFamily="34" charset="-128"/>
+                <a:ea typeface="Adobe Clean Han Regular" panose="020B0500000000000000" pitchFamily="34" charset="-128"/>
                 <a:cs typeface="AdobeClean-Light"/>
               </a:rPr>
-              <a:t> </a:t>
+              <a:t>を提供しています。また、質問やケース申請のために、いくつかのチャネルが用意されています。</a:t>
             </a:r>
-            <a:r>
-              <a:rPr sz="1000" spc="-10" dirty="0">
-                <a:solidFill>
-                  <a:srgbClr val="020302"/>
-                </a:solidFill>
-                <a:latin typeface="AdobeClean-Light"/>
-                <a:cs typeface="AdobeClean-Light"/>
-              </a:rPr>
-              <a:t>to</a:t>
-            </a:r>
-            <a:r>
-              <a:rPr sz="1000" spc="10" dirty="0">
-                <a:solidFill>
-                  <a:srgbClr val="020302"/>
-                </a:solidFill>
-                <a:latin typeface="AdobeClean-Light"/>
-                <a:cs typeface="AdobeClean-Light"/>
-              </a:rPr>
-              <a:t> </a:t>
-            </a:r>
-            <a:r>
-              <a:rPr sz="1000" spc="-20" dirty="0">
-                <a:solidFill>
-                  <a:srgbClr val="020302"/>
-                </a:solidFill>
-                <a:latin typeface="AdobeClean-Light"/>
-                <a:cs typeface="AdobeClean-Light"/>
-              </a:rPr>
-              <a:t>online</a:t>
-            </a:r>
-            <a:r>
-              <a:rPr sz="1000" spc="-125" dirty="0">
-                <a:solidFill>
-                  <a:srgbClr val="020302"/>
-                </a:solidFill>
-                <a:latin typeface="AdobeClean-Light"/>
-                <a:cs typeface="AdobeClean-Light"/>
-              </a:rPr>
-              <a:t> </a:t>
-            </a:r>
-            <a:r>
-              <a:rPr sz="1000" spc="-20" dirty="0">
-                <a:solidFill>
-                  <a:srgbClr val="020302"/>
-                </a:solidFill>
-                <a:latin typeface="AdobeClean-Light"/>
-                <a:cs typeface="AdobeClean-Light"/>
-              </a:rPr>
-              <a:t>resources</a:t>
-            </a:r>
-            <a:r>
-              <a:rPr sz="1000" spc="-120" dirty="0">
-                <a:solidFill>
-                  <a:srgbClr val="020302"/>
-                </a:solidFill>
-                <a:latin typeface="AdobeClean-Light"/>
-                <a:cs typeface="AdobeClean-Light"/>
-              </a:rPr>
-              <a:t> </a:t>
-            </a:r>
-            <a:r>
-              <a:rPr sz="1000" spc="-15" dirty="0">
-                <a:solidFill>
-                  <a:srgbClr val="020302"/>
-                </a:solidFill>
-                <a:latin typeface="AdobeClean-Light"/>
-                <a:cs typeface="AdobeClean-Light"/>
-              </a:rPr>
-              <a:t>for</a:t>
-            </a:r>
-            <a:r>
-              <a:rPr sz="1000" spc="-30" dirty="0">
-                <a:solidFill>
-                  <a:srgbClr val="020302"/>
-                </a:solidFill>
-                <a:latin typeface="AdobeClean-Light"/>
-                <a:cs typeface="AdobeClean-Light"/>
-              </a:rPr>
-              <a:t> </a:t>
-            </a:r>
-            <a:r>
-              <a:rPr sz="1000" spc="-15" dirty="0">
-                <a:solidFill>
-                  <a:srgbClr val="020302"/>
-                </a:solidFill>
-                <a:latin typeface="AdobeClean-Light"/>
-                <a:cs typeface="AdobeClean-Light"/>
-              </a:rPr>
-              <a:t>documentation,</a:t>
-            </a:r>
-            <a:r>
-              <a:rPr lang="en-US" sz="1000" spc="-15" dirty="0">
-                <a:solidFill>
-                  <a:srgbClr val="020302"/>
-                </a:solidFill>
-                <a:latin typeface="AdobeClean-Light"/>
-                <a:cs typeface="AdobeClean-Light"/>
-              </a:rPr>
-              <a:t> </a:t>
-            </a:r>
-            <a:r>
-              <a:rPr sz="1000" spc="-15" dirty="0">
-                <a:solidFill>
-                  <a:srgbClr val="020302"/>
-                </a:solidFill>
-                <a:latin typeface="AdobeClean-Light"/>
-                <a:cs typeface="AdobeClean-Light"/>
-              </a:rPr>
-              <a:t>engagement</a:t>
-            </a:r>
-            <a:r>
-              <a:rPr lang="en-US" sz="1000" spc="-15" dirty="0">
-                <a:solidFill>
-                  <a:srgbClr val="020302"/>
-                </a:solidFill>
-                <a:latin typeface="AdobeClean-Light"/>
-                <a:cs typeface="AdobeClean-Light"/>
-              </a:rPr>
-              <a:t> </a:t>
-            </a:r>
-            <a:r>
-              <a:rPr sz="1000" spc="-15" dirty="0">
-                <a:solidFill>
-                  <a:srgbClr val="020302"/>
-                </a:solidFill>
-                <a:latin typeface="AdobeClean-Light"/>
-                <a:cs typeface="AdobeClean-Light"/>
-              </a:rPr>
-              <a:t>with</a:t>
-            </a:r>
-            <a:r>
-              <a:rPr sz="1000" spc="-35" dirty="0">
-                <a:solidFill>
-                  <a:srgbClr val="020302"/>
-                </a:solidFill>
-                <a:latin typeface="AdobeClean-Light"/>
-                <a:cs typeface="AdobeClean-Light"/>
-              </a:rPr>
-              <a:t> </a:t>
-            </a:r>
-            <a:r>
-              <a:rPr sz="1000" spc="-20" dirty="0">
-                <a:solidFill>
-                  <a:srgbClr val="020302"/>
-                </a:solidFill>
-                <a:latin typeface="AdobeClean-Light"/>
-                <a:cs typeface="AdobeClean-Light"/>
-              </a:rPr>
-              <a:t>other experts </a:t>
-            </a:r>
-            <a:r>
-              <a:rPr sz="1000" spc="-15" dirty="0">
-                <a:solidFill>
-                  <a:srgbClr val="020302"/>
-                </a:solidFill>
-                <a:latin typeface="AdobeClean-Light"/>
-                <a:cs typeface="AdobeClean-Light"/>
-              </a:rPr>
-              <a:t>and </a:t>
-            </a:r>
-            <a:r>
-              <a:rPr sz="1000" spc="-20" dirty="0">
-                <a:solidFill>
-                  <a:srgbClr val="020302"/>
-                </a:solidFill>
-                <a:latin typeface="AdobeClean-Light"/>
-                <a:cs typeface="AdobeClean-Light"/>
-              </a:rPr>
-              <a:t>customers </a:t>
-            </a:r>
-            <a:r>
-              <a:rPr sz="1000" spc="-15" dirty="0">
-                <a:solidFill>
-                  <a:srgbClr val="020302"/>
-                </a:solidFill>
-                <a:latin typeface="AdobeClean-Light"/>
-                <a:cs typeface="AdobeClean-Light"/>
-              </a:rPr>
-              <a:t>for best </a:t>
-            </a:r>
-            <a:r>
-              <a:rPr sz="1000" spc="-20" dirty="0">
-                <a:solidFill>
-                  <a:srgbClr val="020302"/>
-                </a:solidFill>
-                <a:latin typeface="AdobeClean-Light"/>
-                <a:cs typeface="AdobeClean-Light"/>
-              </a:rPr>
-              <a:t>practices, </a:t>
-            </a:r>
-            <a:r>
-              <a:rPr sz="1000" spc="-15" dirty="0">
-                <a:solidFill>
-                  <a:srgbClr val="020302"/>
-                </a:solidFill>
-                <a:latin typeface="AdobeClean-Light"/>
-                <a:cs typeface="AdobeClean-Light"/>
-              </a:rPr>
-              <a:t>and </a:t>
-            </a:r>
-            <a:r>
-              <a:rPr sz="1000" spc="-20" dirty="0">
-                <a:solidFill>
-                  <a:srgbClr val="020302"/>
-                </a:solidFill>
-                <a:latin typeface="AdobeClean-Light"/>
-                <a:cs typeface="AdobeClean-Light"/>
-              </a:rPr>
-              <a:t>webinar series (Office  </a:t>
-            </a:r>
-            <a:r>
-              <a:rPr sz="1000" spc="-15" dirty="0">
-                <a:solidFill>
-                  <a:srgbClr val="020302"/>
-                </a:solidFill>
-                <a:latin typeface="AdobeClean-Light"/>
-                <a:cs typeface="AdobeClean-Light"/>
-              </a:rPr>
-              <a:t>Hours) for </a:t>
-            </a:r>
-            <a:r>
-              <a:rPr sz="1000" spc="-20" dirty="0">
-                <a:solidFill>
-                  <a:srgbClr val="020302"/>
-                </a:solidFill>
-                <a:latin typeface="AdobeClean-Light"/>
-                <a:cs typeface="AdobeClean-Light"/>
-              </a:rPr>
-              <a:t>troubleshooting </a:t>
-            </a:r>
-            <a:r>
-              <a:rPr sz="1000" spc="-15" dirty="0">
-                <a:solidFill>
-                  <a:srgbClr val="020302"/>
-                </a:solidFill>
-                <a:latin typeface="AdobeClean-Light"/>
-                <a:cs typeface="AdobeClean-Light"/>
-              </a:rPr>
-              <a:t>tips and </a:t>
-            </a:r>
-            <a:r>
-              <a:rPr sz="1000" spc="-20" dirty="0">
-                <a:solidFill>
-                  <a:srgbClr val="020302"/>
-                </a:solidFill>
-                <a:latin typeface="AdobeClean-Light"/>
-                <a:cs typeface="AdobeClean-Light"/>
-              </a:rPr>
-              <a:t>tricks. Several channels </a:t>
-            </a:r>
-            <a:r>
-              <a:rPr sz="1000" spc="-15" dirty="0">
-                <a:solidFill>
-                  <a:srgbClr val="020302"/>
-                </a:solidFill>
-                <a:latin typeface="AdobeClean-Light"/>
-                <a:cs typeface="AdobeClean-Light"/>
-              </a:rPr>
-              <a:t>are</a:t>
-            </a:r>
-            <a:r>
-              <a:rPr sz="1000" spc="-140" dirty="0">
-                <a:solidFill>
-                  <a:srgbClr val="020302"/>
-                </a:solidFill>
-                <a:latin typeface="AdobeClean-Light"/>
-                <a:cs typeface="AdobeClean-Light"/>
-              </a:rPr>
-              <a:t> </a:t>
-            </a:r>
-            <a:r>
-              <a:rPr sz="1000" spc="-20" dirty="0">
-                <a:solidFill>
-                  <a:srgbClr val="020302"/>
-                </a:solidFill>
-                <a:latin typeface="AdobeClean-Light"/>
-                <a:cs typeface="AdobeClean-Light"/>
-              </a:rPr>
-              <a:t>also</a:t>
-            </a:r>
-            <a:r>
-              <a:rPr lang="en-US" sz="1000" dirty="0">
-                <a:latin typeface="AdobeClean-Light"/>
-                <a:cs typeface="AdobeClean-Light"/>
-              </a:rPr>
-              <a:t> </a:t>
-            </a:r>
-            <a:r>
-              <a:rPr sz="1000" spc="-25" dirty="0">
-                <a:solidFill>
-                  <a:srgbClr val="020302"/>
-                </a:solidFill>
-                <a:latin typeface="AdobeClean-Light"/>
-                <a:cs typeface="AdobeClean-Light"/>
-              </a:rPr>
-              <a:t>available</a:t>
-            </a:r>
-            <a:r>
-              <a:rPr sz="1000" spc="-65" dirty="0">
-                <a:solidFill>
-                  <a:srgbClr val="020302"/>
-                </a:solidFill>
-                <a:latin typeface="AdobeClean-Light"/>
-                <a:cs typeface="AdobeClean-Light"/>
-              </a:rPr>
-              <a:t> </a:t>
-            </a:r>
-            <a:r>
-              <a:rPr sz="1000" spc="-15" dirty="0">
-                <a:solidFill>
-                  <a:srgbClr val="020302"/>
-                </a:solidFill>
-                <a:latin typeface="AdobeClean-Light"/>
-                <a:cs typeface="AdobeClean-Light"/>
-              </a:rPr>
-              <a:t>for</a:t>
-            </a:r>
-            <a:r>
-              <a:rPr sz="1000" spc="-25" dirty="0">
-                <a:solidFill>
-                  <a:srgbClr val="020302"/>
-                </a:solidFill>
-                <a:latin typeface="AdobeClean-Light"/>
-                <a:cs typeface="AdobeClean-Light"/>
-              </a:rPr>
-              <a:t> </a:t>
-            </a:r>
-            <a:r>
-              <a:rPr sz="1000" spc="-20" dirty="0">
-                <a:solidFill>
-                  <a:srgbClr val="020302"/>
-                </a:solidFill>
-                <a:latin typeface="AdobeClean-Light"/>
-                <a:cs typeface="AdobeClean-Light"/>
-              </a:rPr>
-              <a:t>questions</a:t>
-            </a:r>
-            <a:r>
-              <a:rPr sz="1000" spc="-114" dirty="0">
-                <a:solidFill>
-                  <a:srgbClr val="020302"/>
-                </a:solidFill>
-                <a:latin typeface="AdobeClean-Light"/>
-                <a:cs typeface="AdobeClean-Light"/>
-              </a:rPr>
-              <a:t> </a:t>
-            </a:r>
-            <a:r>
-              <a:rPr sz="1000" spc="-15" dirty="0">
-                <a:solidFill>
-                  <a:srgbClr val="020302"/>
-                </a:solidFill>
-                <a:latin typeface="AdobeClean-Light"/>
-                <a:cs typeface="AdobeClean-Light"/>
-              </a:rPr>
-              <a:t>and</a:t>
-            </a:r>
-            <a:r>
-              <a:rPr sz="1000" spc="-45" dirty="0">
-                <a:solidFill>
-                  <a:srgbClr val="020302"/>
-                </a:solidFill>
-                <a:latin typeface="AdobeClean-Light"/>
-                <a:cs typeface="AdobeClean-Light"/>
-              </a:rPr>
-              <a:t> </a:t>
-            </a:r>
-            <a:r>
-              <a:rPr sz="1000" spc="-20" dirty="0">
-                <a:solidFill>
-                  <a:srgbClr val="020302"/>
-                </a:solidFill>
-                <a:latin typeface="AdobeClean-Light"/>
-                <a:cs typeface="AdobeClean-Light"/>
-              </a:rPr>
-              <a:t>case</a:t>
-            </a:r>
-            <a:r>
-              <a:rPr sz="1000" spc="-35" dirty="0">
-                <a:solidFill>
-                  <a:srgbClr val="020302"/>
-                </a:solidFill>
-                <a:latin typeface="AdobeClean-Light"/>
-                <a:cs typeface="AdobeClean-Light"/>
-              </a:rPr>
-              <a:t> </a:t>
-            </a:r>
-            <a:r>
-              <a:rPr sz="1000" spc="-20" dirty="0">
-                <a:solidFill>
-                  <a:srgbClr val="020302"/>
-                </a:solidFill>
-                <a:latin typeface="AdobeClean-Light"/>
-                <a:cs typeface="AdobeClean-Light"/>
-              </a:rPr>
-              <a:t>submissions</a:t>
-            </a:r>
-            <a:endParaRPr sz="1000" dirty="0">
-              <a:latin typeface="AdobeClean-Light"/>
-              <a:cs typeface="AdobeClean-Light"/>
-            </a:endParaRPr>
           </a:p>
         </p:txBody>
       </p:sp>
@@ -10163,7 +8508,7 @@
         <p:spPr>
           <a:xfrm>
             <a:off x="206585" y="8494028"/>
-            <a:ext cx="3270885" cy="302647"/>
+            <a:ext cx="3270885" cy="579646"/>
           </a:xfrm>
           <a:prstGeom prst="rect">
             <a:avLst/>
@@ -10187,162 +8532,16 @@
               </a:tabLst>
             </a:pPr>
             <a:r>
-              <a:rPr sz="900" spc="-20" dirty="0">
+              <a:rPr lang="ja-JP" sz="900">
                 <a:solidFill>
                   <a:srgbClr val="020302"/>
                 </a:solidFill>
-                <a:latin typeface="AdobeClean-Light"/>
+                <a:latin typeface="Adobe Clean Han Regular" panose="020B0500000000000000" pitchFamily="34" charset="-128"/>
+                <a:ea typeface="Adobe Clean Han Regular" panose="020B0500000000000000" pitchFamily="34" charset="-128"/>
                 <a:cs typeface="AdobeClean-Light"/>
               </a:rPr>
-              <a:t>Start </a:t>
+              <a:t>チャットセッションを開始すると、回答やケース申請による支援を受けることができます。</a:t>
             </a:r>
-            <a:r>
-              <a:rPr sz="900" dirty="0">
-                <a:solidFill>
-                  <a:srgbClr val="020302"/>
-                </a:solidFill>
-                <a:latin typeface="AdobeClean-Light"/>
-                <a:cs typeface="AdobeClean-Light"/>
-              </a:rPr>
-              <a:t>a </a:t>
-            </a:r>
-            <a:r>
-              <a:rPr sz="900" spc="-15" dirty="0">
-                <a:solidFill>
-                  <a:srgbClr val="020302"/>
-                </a:solidFill>
-                <a:latin typeface="AdobeClean-Light"/>
-                <a:cs typeface="AdobeClean-Light"/>
-              </a:rPr>
-              <a:t>chat </a:t>
-            </a:r>
-            <a:r>
-              <a:rPr sz="900" spc="-10" dirty="0">
-                <a:solidFill>
-                  <a:srgbClr val="020302"/>
-                </a:solidFill>
-                <a:latin typeface="AdobeClean-Light"/>
-                <a:cs typeface="AdobeClean-Light"/>
-              </a:rPr>
-              <a:t>session </a:t>
-            </a:r>
-            <a:r>
-              <a:rPr sz="900" spc="-5" dirty="0">
-                <a:solidFill>
-                  <a:srgbClr val="020302"/>
-                </a:solidFill>
-                <a:latin typeface="AdobeClean-Light"/>
-                <a:cs typeface="AdobeClean-Light"/>
-              </a:rPr>
-              <a:t>to </a:t>
-            </a:r>
-            <a:r>
-              <a:rPr sz="900" spc="-10" dirty="0">
-                <a:solidFill>
-                  <a:srgbClr val="020302"/>
-                </a:solidFill>
-                <a:latin typeface="AdobeClean-Light"/>
-                <a:cs typeface="AdobeClean-Light"/>
-              </a:rPr>
-              <a:t>get </a:t>
-            </a:r>
-            <a:r>
-              <a:rPr sz="900" spc="30" dirty="0">
-                <a:solidFill>
-                  <a:srgbClr val="020302"/>
-                </a:solidFill>
-                <a:latin typeface="AdobeClean-Light"/>
-                <a:cs typeface="AdobeClean-Light"/>
-              </a:rPr>
-              <a:t> </a:t>
-            </a:r>
-            <a:r>
-              <a:rPr sz="900" spc="-20" dirty="0">
-                <a:solidFill>
-                  <a:srgbClr val="020302"/>
-                </a:solidFill>
-                <a:latin typeface="AdobeClean-Light"/>
-                <a:cs typeface="AdobeClean-Light"/>
-              </a:rPr>
-              <a:t>answers</a:t>
-            </a:r>
-            <a:r>
-              <a:rPr lang="en-US" sz="900" spc="-45" dirty="0">
-                <a:solidFill>
-                  <a:srgbClr val="020302"/>
-                </a:solidFill>
-                <a:latin typeface="AdobeClean-Light"/>
-                <a:cs typeface="AdobeClean-Light"/>
-              </a:rPr>
-              <a:t> </a:t>
-            </a:r>
-            <a:r>
-              <a:rPr lang="en-US" sz="900" dirty="0">
-                <a:solidFill>
-                  <a:srgbClr val="020302"/>
-                </a:solidFill>
-                <a:latin typeface="AdobeClean-Light"/>
-                <a:cs typeface="AdobeClean-Light"/>
-              </a:rPr>
-              <a:t>&amp; </a:t>
-            </a:r>
-            <a:r>
-              <a:rPr sz="900" spc="-15" dirty="0">
-                <a:solidFill>
-                  <a:srgbClr val="020302"/>
-                </a:solidFill>
-                <a:latin typeface="AdobeClean-Light"/>
-                <a:cs typeface="AdobeClean-Light"/>
-              </a:rPr>
-              <a:t>help </a:t>
-            </a:r>
-            <a:r>
-              <a:rPr sz="900" spc="-10" dirty="0">
-                <a:solidFill>
-                  <a:srgbClr val="020302"/>
-                </a:solidFill>
-                <a:latin typeface="AdobeClean-Light"/>
-                <a:cs typeface="AdobeClean-Light"/>
-              </a:rPr>
-              <a:t>with</a:t>
-            </a:r>
-            <a:r>
-              <a:rPr sz="900" spc="85" dirty="0">
-                <a:solidFill>
-                  <a:srgbClr val="020302"/>
-                </a:solidFill>
-                <a:latin typeface="AdobeClean-Light"/>
-                <a:cs typeface="AdobeClean-Light"/>
-              </a:rPr>
-              <a:t> </a:t>
-            </a:r>
-            <a:r>
-              <a:rPr sz="900" spc="-10" dirty="0">
-                <a:solidFill>
-                  <a:srgbClr val="020302"/>
-                </a:solidFill>
-                <a:latin typeface="AdobeClean-Light"/>
-                <a:cs typeface="AdobeClean-Light"/>
-              </a:rPr>
-              <a:t>case </a:t>
-            </a:r>
-            <a:r>
-              <a:rPr sz="900" spc="-20" dirty="0">
-                <a:solidFill>
-                  <a:srgbClr val="020302"/>
-                </a:solidFill>
-                <a:latin typeface="AdobeClean-Light"/>
-                <a:cs typeface="AdobeClean-Light"/>
-              </a:rPr>
-              <a:t>submission</a:t>
-            </a:r>
-            <a:endParaRPr lang="en-US" sz="900" spc="-20" dirty="0">
-              <a:solidFill>
-                <a:srgbClr val="020302"/>
-              </a:solidFill>
-              <a:latin typeface="AdobeClean-Light"/>
-              <a:cs typeface="AdobeClean-Light"/>
-            </a:endParaRPr>
           </a:p>
           <a:p>
             <a:pPr marL="33020" marR="159385">
@@ -10357,29 +8556,16 @@
               </a:tabLst>
             </a:pPr>
             <a:r>
-              <a:rPr sz="900" i="1" spc="-10" dirty="0">
+              <a:rPr lang="ja-JP" sz="900" i="1">
                 <a:solidFill>
                   <a:srgbClr val="7A7A7A"/>
                 </a:solidFill>
-                <a:latin typeface="AdobeClean-LightIt"/>
+                <a:latin typeface="Adobe Clean Han Regular" panose="020B0500000000000000" pitchFamily="34" charset="-128"/>
+                <a:ea typeface="Adobe Clean Han Regular" panose="020B0500000000000000" pitchFamily="34" charset="-128"/>
                 <a:cs typeface="AdobeClean-LightIt"/>
               </a:rPr>
-              <a:t>*Not all </a:t>
+              <a:t>* すべての製品にライブチャットサポートがあるわけではありません。  </a:t>
             </a:r>
-            <a:r>
-              <a:rPr sz="900" i="1" spc="-20" dirty="0">
-                <a:solidFill>
-                  <a:srgbClr val="7A7A7A"/>
-                </a:solidFill>
-                <a:latin typeface="AdobeClean-LightIt"/>
-                <a:cs typeface="AdobeClean-LightIt"/>
-              </a:rPr>
-              <a:t>products have live chat support.  </a:t>
-            </a:r>
-            <a:endParaRPr sz="900" dirty="0">
-              <a:latin typeface="AdobeClean-Light"/>
-              <a:cs typeface="AdobeClean-Light"/>
-            </a:endParaRPr>
           </a:p>
         </p:txBody>
       </p:sp>
@@ -10408,7 +8594,10 @@
           <a:bodyPr wrap="square" lIns="0" tIns="0" rIns="0" bIns="0" rtlCol="0"/>
           <a:lstStyle/>
           <a:p>
-            <a:endParaRPr/>
+            <a:endParaRPr>
+              <a:latin typeface="Adobe Clean Han Regular" panose="020B0500000000000000" pitchFamily="34" charset="-128"/>
+              <a:ea typeface="Adobe Clean Han Regular" panose="020B0500000000000000" pitchFamily="34" charset="-128"/>
+            </a:endParaRPr>
           </a:p>
         </p:txBody>
       </p:sp>
@@ -10427,7 +8616,7 @@
         <p:spPr>
           <a:xfrm>
             <a:off x="244599" y="1037692"/>
-            <a:ext cx="1327286" cy="307777"/>
+            <a:ext cx="1856598" cy="307777"/>
           </a:xfrm>
           <a:prstGeom prst="rect">
             <a:avLst/>
@@ -10448,19 +8637,16 @@
               </a:spcBef>
             </a:pPr>
             <a:r>
-              <a:rPr lang="en-US" sz="1400" b="1" spc="-10" dirty="0">
+              <a:rPr lang="ja-JP" sz="1400" b="1">
                 <a:solidFill>
                   <a:srgbClr val="020302"/>
                 </a:solidFill>
-                <a:latin typeface="Adobe Clean"/>
+                <a:latin typeface="Adobe Clean Han Regular" panose="020B0500000000000000" pitchFamily="34" charset="-128"/>
+                <a:ea typeface="Adobe Clean Han Regular" panose="020B0500000000000000" pitchFamily="34" charset="-128"/>
                 <a:cs typeface="Adobe Clean"/>
               </a:rPr>
-              <a:t>Online Support</a:t>
+              <a:t>オンラインサポート</a:t>
             </a:r>
-            <a:endParaRPr lang="en-US" sz="1400" dirty="0">
-              <a:latin typeface="Adobe Clean"/>
-              <a:cs typeface="Adobe Clean"/>
-            </a:endParaRPr>
           </a:p>
         </p:txBody>
       </p:sp>
@@ -10480,8 +8666,8 @@
         </p:nvSpPr>
         <p:spPr>
           <a:xfrm>
-            <a:off x="296036" y="3364174"/>
-            <a:ext cx="1568246" cy="184666"/>
+            <a:off x="296035" y="3364174"/>
+            <a:ext cx="1805159" cy="184666"/>
           </a:xfrm>
           <a:prstGeom prst="rect">
             <a:avLst/>
@@ -10507,12 +8693,14 @@
               <a:defRPr/>
             </a:pPr>
             <a:r>
-              <a:rPr lang="en-US" sz="1200" dirty="0">
+              <a:rPr lang="ja-JP" sz="1200" dirty="0">
                 <a:solidFill>
                   <a:srgbClr val="000000"/>
                 </a:solidFill>
+                <a:latin typeface="Adobe Clean Han Regular" panose="020B0500000000000000" pitchFamily="34" charset="-128"/>
+                <a:ea typeface="Adobe Clean Han Regular" panose="020B0500000000000000" pitchFamily="34" charset="-128"/>
               </a:rPr>
-              <a:t>Community Forums</a:t>
+              <a:t>コミュニティフォーラム</a:t>
             </a:r>
           </a:p>
         </p:txBody>
@@ -10533,8 +8721,8 @@
         </p:nvSpPr>
         <p:spPr>
           <a:xfrm>
-            <a:off x="296036" y="3607329"/>
-            <a:ext cx="959314" cy="184666"/>
+            <a:off x="296035" y="3607329"/>
+            <a:ext cx="1805157" cy="184666"/>
           </a:xfrm>
           <a:prstGeom prst="rect">
             <a:avLst/>
@@ -10555,12 +8743,12 @@
               </a:spcAft>
             </a:pPr>
             <a:r>
-              <a:rPr lang="en-US" sz="1200" b="1" dirty="0">
-                <a:latin typeface="+mj-lt"/>
-                <a:ea typeface="Open Sans" pitchFamily="34" charset="0"/>
+              <a:rPr lang="ja-JP" sz="1200" b="1" dirty="0">
+                <a:latin typeface="Adobe Clean Han Regular" panose="020B0500000000000000" pitchFamily="34" charset="-128"/>
+                <a:ea typeface="Adobe Clean Han Regular" panose="020B0500000000000000" pitchFamily="34" charset="-128"/>
                 <a:cs typeface="Open Sans" pitchFamily="34" charset="0"/>
               </a:rPr>
-              <a:t>Online Forums</a:t>
+              <a:t>オンラインフォーラム</a:t>
             </a:r>
           </a:p>
         </p:txBody>
@@ -10579,8 +8767,8 @@
         </p:nvSpPr>
         <p:spPr>
           <a:xfrm>
-            <a:off x="244599" y="3893151"/>
-            <a:ext cx="3413002" cy="651460"/>
+            <a:off x="244599" y="3962400"/>
+            <a:ext cx="3413002" cy="805349"/>
           </a:xfrm>
           <a:prstGeom prst="rect">
             <a:avLst/>
@@ -10593,13 +8781,14 @@
           <a:lstStyle/>
           <a:p>
             <a:r>
-              <a:rPr lang="en-US" sz="1000" dirty="0">
+              <a:rPr lang="ja-JP" sz="1000" dirty="0">
                 <a:solidFill>
                   <a:srgbClr val="000000"/>
                 </a:solidFill>
-                <a:latin typeface="Adobe Clean Light" panose="020B0303020404020204" pitchFamily="34" charset="0"/>
+                <a:latin typeface="Adobe Clean Han Regular" panose="020B0500000000000000" pitchFamily="34" charset="-128"/>
+                <a:ea typeface="Adobe Clean Han Regular" panose="020B0500000000000000" pitchFamily="34" charset="-128"/>
               </a:rPr>
-              <a:t>Continuous online access to a growing database of technical solutions, product documentation, FAQs and more. Connect with practitioners and other customers on Adobe Community to share best practices and lessons learned.</a:t>
+              <a:t>テクニカルソリューション、製品ドキュメント、FAQ などの増大するデータベースにオンラインで継続的にアクセスできます。また、アドビコミュニティで実務担当者や他のお客様と繋がり、ベストプラクティスや学習した内容を共有できます。</a:t>
             </a:r>
           </a:p>
         </p:txBody>
@@ -10647,10 +8836,12 @@
               <a:defRPr/>
             </a:pPr>
             <a:r>
-              <a:rPr lang="en-US" sz="1200" dirty="0">
+              <a:rPr lang="ja-JP" sz="1200">
                 <a:solidFill>
                   <a:srgbClr val="000000"/>
                 </a:solidFill>
+                <a:latin typeface="Adobe Clean Han Regular" panose="020B0500000000000000" pitchFamily="34" charset="-128"/>
+                <a:ea typeface="Adobe Clean Han Regular" panose="020B0500000000000000" pitchFamily="34" charset="-128"/>
               </a:rPr>
               <a:t>Experience League</a:t>
             </a:r>
@@ -10674,7 +8865,7 @@
         <p:spPr>
           <a:xfrm>
             <a:off x="235430" y="5871701"/>
-            <a:ext cx="1316707" cy="184666"/>
+            <a:ext cx="1745671" cy="184666"/>
           </a:xfrm>
           <a:prstGeom prst="rect">
             <a:avLst/>
@@ -10695,12 +8886,12 @@
               </a:spcAft>
             </a:pPr>
             <a:r>
-              <a:rPr lang="en-US" sz="1200" b="1" dirty="0">
-                <a:latin typeface="+mj-lt"/>
-                <a:ea typeface="Open Sans" pitchFamily="34" charset="0"/>
+              <a:rPr lang="ja-JP" sz="1200" b="1" dirty="0">
+                <a:latin typeface="Adobe Clean Han Regular" panose="020B0500000000000000" pitchFamily="34" charset="-128"/>
+                <a:ea typeface="Adobe Clean Han Regular" panose="020B0500000000000000" pitchFamily="34" charset="-128"/>
                 <a:cs typeface="Open Sans" pitchFamily="34" charset="0"/>
               </a:rPr>
-              <a:t>Self-guided Journeys</a:t>
+              <a:t>セルフガイドジャーニー</a:t>
             </a:r>
           </a:p>
         </p:txBody>
@@ -10720,7 +8911,7 @@
         <p:spPr>
           <a:xfrm>
             <a:off x="257325" y="6132567"/>
-            <a:ext cx="3413002" cy="651460"/>
+            <a:ext cx="3413002" cy="959237"/>
           </a:xfrm>
           <a:prstGeom prst="rect">
             <a:avLst/>
@@ -10733,13 +8924,14 @@
           <a:lstStyle/>
           <a:p>
             <a:r>
-              <a:rPr lang="en-US" sz="1000" dirty="0">
+              <a:rPr lang="ja-JP" sz="1000" dirty="0">
                 <a:solidFill>
                   <a:srgbClr val="000000"/>
                 </a:solidFill>
-                <a:latin typeface="Adobe Clean Light" panose="020B0303020404020204" pitchFamily="34" charset="0"/>
+                <a:latin typeface="Adobe Clean Han Regular" panose="020B0500000000000000" pitchFamily="34" charset="-128"/>
+                <a:ea typeface="Adobe Clean Han Regular" panose="020B0500000000000000" pitchFamily="34" charset="-128"/>
               </a:rPr>
-              <a:t>Experience Makers are made with Experience League. Customers can kickstart their Customer Experience Management abilities with personalized learning to develop skills, engage with a global community of peers, and earn career advancing recognition. </a:t>
+              <a:t>エクスペリエンスメーカーは、Experience League から誕生します。Experience League に参加すると、パーソナライズされた学習で、顧客体験管理能力を強化することができます。スキルの向上や、グローバルコミュニティでの仲間との交流のほか、キャリアアップに役立つ評価の獲得も可能です。 </a:t>
             </a:r>
           </a:p>
         </p:txBody>
@@ -10787,10 +8979,12 @@
               <a:defRPr/>
             </a:pPr>
             <a:r>
-              <a:rPr lang="en-US" sz="1200" dirty="0">
+              <a:rPr lang="ja-JP" sz="1200">
                 <a:solidFill>
                   <a:srgbClr val="000000"/>
                 </a:solidFill>
+                <a:latin typeface="Adobe Clean Han Regular" panose="020B0500000000000000" pitchFamily="34" charset="-128"/>
+                <a:ea typeface="Adobe Clean Han Regular" panose="020B0500000000000000" pitchFamily="34" charset="-128"/>
               </a:rPr>
               <a:t>Office Hours</a:t>
             </a:r>
@@ -10814,7 +9008,7 @@
         <p:spPr>
           <a:xfrm>
             <a:off x="3846881" y="3607329"/>
-            <a:ext cx="604974" cy="184666"/>
+            <a:ext cx="793487" cy="184666"/>
           </a:xfrm>
           <a:prstGeom prst="rect">
             <a:avLst/>
@@ -10835,12 +9029,12 @@
               </a:spcAft>
             </a:pPr>
             <a:r>
-              <a:rPr lang="en-US" sz="1200" b="1" dirty="0">
-                <a:latin typeface="+mj-lt"/>
-                <a:ea typeface="Open Sans" pitchFamily="34" charset="0"/>
+              <a:rPr lang="ja-JP" sz="1200" b="1">
+                <a:latin typeface="Adobe Clean Han Regular" panose="020B0500000000000000" pitchFamily="34" charset="-128"/>
+                <a:ea typeface="Adobe Clean Han Regular" panose="020B0500000000000000" pitchFamily="34" charset="-128"/>
                 <a:cs typeface="Open Sans" pitchFamily="34" charset="0"/>
               </a:rPr>
-              <a:t>Webinars</a:t>
+              <a:t>ウェビナー</a:t>
             </a:r>
           </a:p>
         </p:txBody>
@@ -10860,7 +9054,7 @@
         <p:spPr>
           <a:xfrm>
             <a:off x="3810000" y="3893151"/>
-            <a:ext cx="3413002" cy="651460"/>
+            <a:ext cx="3413002" cy="805349"/>
           </a:xfrm>
           <a:prstGeom prst="rect">
             <a:avLst/>
@@ -10873,13 +9067,14 @@
           <a:lstStyle/>
           <a:p>
             <a:r>
-              <a:rPr lang="en-US" sz="1000" dirty="0">
+              <a:rPr lang="ja-JP" sz="1000">
                 <a:solidFill>
                   <a:srgbClr val="000000"/>
                 </a:solidFill>
-                <a:latin typeface="Adobe Clean Light" panose="020B0303020404020204" pitchFamily="34" charset="0"/>
+                <a:latin typeface="Adobe Clean Han Regular" panose="020B0500000000000000" pitchFamily="34" charset="-128"/>
+                <a:ea typeface="Adobe Clean Han Regular" panose="020B0500000000000000" pitchFamily="34" charset="-128"/>
               </a:rPr>
-              <a:t>Office  Hours  led  by  the  Adobe  Customer Support  team  includes  sessions  designed to  inform  as  well  as  help  participants troubleshoot  problems  and  provide  tips and  tricks  for  success  with  Adobe  solutions.</a:t>
+              <a:t>アドビカスタマーサポートチームによる Office Hours には、参加者に情報を提供するだけでなく、問題のトラブルシューティングやアドビソリューションで成功するためのヒントやテクニックを紹介することを目的としたセッションが含まれています。</a:t>
             </a:r>
           </a:p>
         </p:txBody>
@@ -10927,12 +9122,14 @@
               <a:defRPr/>
             </a:pPr>
             <a:r>
-              <a:rPr lang="en-US" sz="1200" dirty="0">
+              <a:rPr lang="ja-JP" sz="1200" dirty="0">
                 <a:solidFill>
                   <a:srgbClr val="000000"/>
                 </a:solidFill>
+                <a:latin typeface="Adobe Clean Han Regular" panose="020B0500000000000000" pitchFamily="34" charset="-128"/>
+                <a:ea typeface="Adobe Clean Han Regular" panose="020B0500000000000000" pitchFamily="34" charset="-128"/>
               </a:rPr>
-              <a:t>Self-help Portals</a:t>
+              <a:t>セルフサービスポータル</a:t>
             </a:r>
           </a:p>
         </p:txBody>
@@ -10954,7 +9151,7 @@
         <p:spPr>
           <a:xfrm>
             <a:off x="3827103" y="5871701"/>
-            <a:ext cx="1267206" cy="184666"/>
+            <a:ext cx="2597634" cy="184666"/>
           </a:xfrm>
           <a:prstGeom prst="rect">
             <a:avLst/>
@@ -10975,12 +9172,12 @@
               </a:spcAft>
             </a:pPr>
             <a:r>
-              <a:rPr lang="en-US" sz="1200" b="1" dirty="0">
-                <a:latin typeface="+mj-lt"/>
-                <a:ea typeface="Open Sans" pitchFamily="34" charset="0"/>
+              <a:rPr lang="ja-JP" sz="1200" b="1" dirty="0">
+                <a:latin typeface="Adobe Clean Han Regular" panose="020B0500000000000000" pitchFamily="34" charset="-128"/>
+                <a:ea typeface="Adobe Clean Han Regular" panose="020B0500000000000000" pitchFamily="34" charset="-128"/>
                 <a:cs typeface="Open Sans" pitchFamily="34" charset="0"/>
               </a:rPr>
-              <a:t>24/7 Support Portal</a:t>
+              <a:t>24 時間年中無休のサポートポータル</a:t>
             </a:r>
           </a:p>
         </p:txBody>
@@ -11000,7 +9197,7 @@
         <p:spPr>
           <a:xfrm>
             <a:off x="3849036" y="6132567"/>
-            <a:ext cx="3413002" cy="497572"/>
+            <a:ext cx="3413002" cy="805349"/>
           </a:xfrm>
           <a:prstGeom prst="rect">
             <a:avLst/>
@@ -11013,13 +9210,14 @@
           <a:lstStyle/>
           <a:p>
             <a:r>
-              <a:rPr lang="en-US" sz="1000" dirty="0">
+              <a:rPr lang="ja-JP" sz="1000">
                 <a:solidFill>
                   <a:srgbClr val="000000"/>
                 </a:solidFill>
-                <a:latin typeface="Adobe Clean Light" panose="020B0303020404020204" pitchFamily="34" charset="0"/>
+                <a:latin typeface="Adobe Clean Han Regular" panose="020B0500000000000000" pitchFamily="34" charset="-128"/>
+                <a:ea typeface="Adobe Clean Han Regular" panose="020B0500000000000000" pitchFamily="34" charset="-128"/>
               </a:rPr>
-              <a:t>On-demand access to the online Self-help Support Portal to submit support requests, review case status, and browse other resources, like our knowledgebase, news and alerts, featured tips, and more.</a:t>
+              <a:t>オンラインのセルフサービスサポートポータルにオンデマンドでアクセスして、サポートリクエストを申請したり、ケースのステータスを確認したり、その他のリソース（ナレッジベース、ニュースとアラート、注目すべきヒントなど）を参照したりできます。</a:t>
             </a:r>
           </a:p>
         </p:txBody>
@@ -11067,12 +9265,14 @@
               <a:defRPr/>
             </a:pPr>
             <a:r>
-              <a:rPr lang="en-US" sz="1200" dirty="0">
+              <a:rPr lang="ja-JP" sz="1200" dirty="0">
                 <a:solidFill>
                   <a:srgbClr val="000000"/>
                 </a:solidFill>
+                <a:latin typeface="Adobe Clean Han Regular" panose="020B0500000000000000" pitchFamily="34" charset="-128"/>
+                <a:ea typeface="Adobe Clean Han Regular" panose="020B0500000000000000" pitchFamily="34" charset="-128"/>
               </a:rPr>
-              <a:t>Live Chat  Support*</a:t>
+              <a:t>ライブチャットサポート*</a:t>
             </a:r>
           </a:p>
         </p:txBody>
@@ -11094,7 +9294,7 @@
         <p:spPr>
           <a:xfrm>
             <a:off x="221179" y="8234650"/>
-            <a:ext cx="840166" cy="184666"/>
+            <a:ext cx="1269578" cy="184666"/>
           </a:xfrm>
           <a:prstGeom prst="rect">
             <a:avLst/>
@@ -11115,12 +9315,12 @@
               </a:spcAft>
             </a:pPr>
             <a:r>
-              <a:rPr lang="en-US" sz="1200" b="1" dirty="0">
-                <a:latin typeface="+mj-lt"/>
-                <a:ea typeface="Open Sans" pitchFamily="34" charset="0"/>
+              <a:rPr lang="ja-JP" sz="1200" b="1" dirty="0">
+                <a:latin typeface="Adobe Clean Han Regular" panose="020B0500000000000000" pitchFamily="34" charset="-128"/>
+                <a:ea typeface="Adobe Clean Han Regular" panose="020B0500000000000000" pitchFamily="34" charset="-128"/>
                 <a:cs typeface="Open Sans" pitchFamily="34" charset="0"/>
               </a:rPr>
-              <a:t>Chat Support</a:t>
+              <a:t>チャットサポート</a:t>
             </a:r>
           </a:p>
         </p:txBody>
@@ -11168,12 +9368,14 @@
               <a:defRPr/>
             </a:pPr>
             <a:r>
-              <a:rPr lang="en-US" sz="1200" dirty="0">
+              <a:rPr lang="ja-JP" sz="1200">
                 <a:solidFill>
                   <a:srgbClr val="000000"/>
                 </a:solidFill>
+                <a:latin typeface="Adobe Clean Han Regular" panose="020B0500000000000000" pitchFamily="34" charset="-128"/>
+                <a:ea typeface="Adobe Clean Han Regular" panose="020B0500000000000000" pitchFamily="34" charset="-128"/>
               </a:rPr>
-              <a:t>24 X 7 X 365 P1 </a:t>
+              <a:t>24 時間年中無休 P1 </a:t>
             </a:r>
           </a:p>
         </p:txBody>
@@ -11195,7 +9397,7 @@
         <p:spPr>
           <a:xfrm>
             <a:off x="3844036" y="8234650"/>
-            <a:ext cx="992259" cy="184666"/>
+            <a:ext cx="952184" cy="184666"/>
           </a:xfrm>
           <a:prstGeom prst="rect">
             <a:avLst/>
@@ -11216,12 +9418,12 @@
               </a:spcAft>
             </a:pPr>
             <a:r>
-              <a:rPr lang="en-US" sz="1200" b="1" dirty="0">
-                <a:latin typeface="+mj-lt"/>
-                <a:ea typeface="Open Sans" pitchFamily="34" charset="0"/>
+              <a:rPr lang="ja-JP" sz="1200" b="1">
+                <a:latin typeface="Adobe Clean Han Regular" panose="020B0500000000000000" pitchFamily="34" charset="-128"/>
+                <a:ea typeface="Adobe Clean Han Regular" panose="020B0500000000000000" pitchFamily="34" charset="-128"/>
                 <a:cs typeface="Open Sans" pitchFamily="34" charset="0"/>
               </a:rPr>
-              <a:t>Phone  Support</a:t>
+              <a:t>電話サポート</a:t>
             </a:r>
           </a:p>
         </p:txBody>
@@ -11241,7 +9443,7 @@
         <p:spPr>
           <a:xfrm>
             <a:off x="3833993" y="8494028"/>
-            <a:ext cx="3413002" cy="497572"/>
+            <a:ext cx="3413002" cy="651460"/>
           </a:xfrm>
           <a:prstGeom prst="rect">
             <a:avLst/>
@@ -11254,26 +9456,22 @@
           <a:lstStyle/>
           <a:p>
             <a:r>
-              <a:rPr lang="en-US" sz="1000" dirty="0">
+              <a:rPr lang="ja-JP" sz="1000">
                 <a:solidFill>
                   <a:srgbClr val="020302"/>
                 </a:solidFill>
-                <a:latin typeface="AdobeClean-Light"/>
+                <a:latin typeface="Adobe Clean Han Regular" panose="020B0500000000000000" pitchFamily="34" charset="-128"/>
+                <a:ea typeface="Adobe Clean Han Regular" panose="020B0500000000000000" pitchFamily="34" charset="-128"/>
               </a:rPr>
-              <a:t>Authorized users or Named Support Contacts </a:t>
+              <a:t>承認済みユーザーまたはサポート対象ユーザーは、</a:t>
             </a:r>
             <a:r>
-              <a:rPr lang="en-US" sz="1000" dirty="0">
-                <a:latin typeface="Adobe Clean Light" panose="020B0303020404020204" pitchFamily="34" charset="0"/>
+              <a:rPr lang="ja-JP" sz="1000">
+                <a:latin typeface="Adobe Clean Han Regular" panose="020B0500000000000000" pitchFamily="34" charset="-128"/>
+                <a:ea typeface="Adobe Clean Han Regular" panose="020B0500000000000000" pitchFamily="34" charset="-128"/>
               </a:rPr>
-              <a:t>can submit issues through all available  channels (including phone for P1) and interact with our technical support team on behalf of your company. </a:t>
+              <a:t>使用可能なすべてのチャネル（P1 の場合は電話を含む）を通じて問題を申請でき、お客様の会社を代表してアドビのテクニカルサポートチームとやり取りできます。 </a:t>
             </a:r>
-            <a:endParaRPr lang="en-US" sz="1000" dirty="0">
-              <a:solidFill>
-                <a:srgbClr val="000000"/>
-              </a:solidFill>
-              <a:latin typeface="Adobe Clean Light" panose="020B0303020404020204" pitchFamily="34" charset="0"/>
-            </a:endParaRPr>
           </a:p>
         </p:txBody>
       </p:sp>
@@ -11295,8 +9493,8 @@
         </p:nvSpPr>
         <p:spPr>
           <a:xfrm>
-            <a:off x="5253416" y="9862966"/>
-            <a:ext cx="2270125" cy="132729"/>
+            <a:off x="5029200" y="9862967"/>
+            <a:ext cx="2494341" cy="132729"/>
           </a:xfrm>
           <a:prstGeom prst="rect">
             <a:avLst/>
@@ -11317,24 +9515,11 @@
               </a:spcBef>
             </a:pPr>
             <a:r>
-              <a:rPr spc="-5" dirty="0"/>
-              <a:t>©202</a:t>
-            </a:r>
-            <a:r>
-              <a:rPr lang="en-US" spc="-5" dirty="0"/>
-              <a:t>1</a:t>
-            </a:r>
-            <a:r>
-              <a:rPr spc="-5" dirty="0"/>
-              <a:t> Adobe. All Rights Reserved. Adobe</a:t>
-            </a:r>
-            <a:r>
-              <a:rPr spc="60" dirty="0"/>
-              <a:t> </a:t>
-            </a:r>
-            <a:r>
-              <a:rPr spc="-5" dirty="0"/>
-              <a:t>Confidential.</a:t>
+              <a:rPr lang="ja-JP" dirty="0">
+                <a:latin typeface="Adobe Clean Han Regular" panose="020B0500000000000000" pitchFamily="34" charset="-128"/>
+                <a:ea typeface="Adobe Clean Han Regular" panose="020B0500000000000000" pitchFamily="34" charset="-128"/>
+              </a:rPr>
+              <a:t>©2021 Adobe.All Rights Reserved.Adobe Confidential.</a:t>
             </a:r>
           </a:p>
         </p:txBody>
@@ -11625,49 +9810,16 @@
               </a:lnSpc>
             </a:pPr>
             <a:r>
-              <a:rPr sz="500" spc="-5" dirty="0">
+              <a:rPr lang="ja-JP" sz="500">
                 <a:solidFill>
                   <a:srgbClr val="6C6C6C"/>
                 </a:solidFill>
-                <a:latin typeface="Adobe Clean"/>
+                <a:latin typeface="Adobe Clean Han Regular" panose="020B0500000000000000" pitchFamily="34" charset="-128"/>
+                <a:ea typeface="Adobe Clean Han Regular" panose="020B0500000000000000" pitchFamily="34" charset="-128"/>
                 <a:cs typeface="Adobe Clean"/>
               </a:rPr>
-              <a:t>©2020 Adobe. All Rights Reserved. </a:t>
+              <a:t>©2020 Adobe. All Rights Reserved.Adobe Confidential.</a:t>
             </a:r>
-            <a:r>
-              <a:rPr sz="500" dirty="0">
-                <a:solidFill>
-                  <a:srgbClr val="6C6C6C"/>
-                </a:solidFill>
-                <a:latin typeface="Adobe Clean"/>
-                <a:cs typeface="Adobe Clean"/>
-              </a:rPr>
-              <a:t>Adobe</a:t>
-            </a:r>
-            <a:r>
-              <a:rPr sz="500" spc="5" dirty="0">
-                <a:solidFill>
-                  <a:srgbClr val="6C6C6C"/>
-                </a:solidFill>
-                <a:latin typeface="Adobe Clean"/>
-                <a:cs typeface="Adobe Clean"/>
-              </a:rPr>
-              <a:t> </a:t>
-            </a:r>
-            <a:r>
-              <a:rPr sz="500" spc="-5" dirty="0">
-                <a:solidFill>
-                  <a:srgbClr val="6C6C6C"/>
-                </a:solidFill>
-                <a:latin typeface="Adobe Clean"/>
-                <a:cs typeface="Adobe Clean"/>
-              </a:rPr>
-              <a:t>Confidential.</a:t>
-            </a:r>
-            <a:endParaRPr sz="500">
-              <a:latin typeface="Adobe Clean"/>
-              <a:cs typeface="Adobe Clean"/>
-            </a:endParaRPr>
           </a:p>
           <a:p>
             <a:pPr>
@@ -11679,7 +9831,8 @@
               </a:spcBef>
             </a:pPr>
             <a:endParaRPr sz="800">
-              <a:latin typeface="Adobe Clean"/>
+              <a:latin typeface="Adobe Clean Han Regular" panose="020B0500000000000000" pitchFamily="34" charset="-128"/>
+              <a:ea typeface="Adobe Clean Han Regular" panose="020B0500000000000000" pitchFamily="34" charset="-128"/>
               <a:cs typeface="Adobe Clean"/>
             </a:endParaRPr>
           </a:p>
@@ -11693,39 +9846,16 @@
               </a:spcBef>
             </a:pPr>
             <a:r>
-              <a:rPr sz="800" spc="-5" dirty="0">
+              <a:rPr lang="ja-JP" sz="800">
                 <a:solidFill>
                   <a:srgbClr val="6D6D6D"/>
                 </a:solidFill>
-                <a:latin typeface="Adobe Clean"/>
+                <a:latin typeface="Adobe Clean Han Regular" panose="020B0500000000000000" pitchFamily="34" charset="-128"/>
+                <a:ea typeface="Adobe Clean Han Regular" panose="020B0500000000000000" pitchFamily="34" charset="-128"/>
                 <a:cs typeface="Adobe Clean"/>
               </a:rPr>
-              <a:t>©2020 Adobe. All Rights Reserved. Adobe</a:t>
+              <a:t>©2020 Adobe.All Rights Reserved.Adobe Confidential.</a:t>
             </a:r>
-            <a:r>
-              <a:rPr sz="800" spc="75" dirty="0">
-                <a:solidFill>
-                  <a:srgbClr val="6D6D6D"/>
-                </a:solidFill>
-                <a:latin typeface="Adobe Clean"/>
-                <a:cs typeface="Adobe Clean"/>
-              </a:rPr>
-              <a:t> </a:t>
-            </a:r>
-            <a:r>
-              <a:rPr sz="800" spc="-5" dirty="0">
-                <a:solidFill>
-                  <a:srgbClr val="6D6D6D"/>
-                </a:solidFill>
-                <a:latin typeface="Adobe Clean"/>
-                <a:cs typeface="Adobe Clean"/>
-              </a:rPr>
-              <a:t>Confidential.</a:t>
-            </a:r>
-            <a:endParaRPr sz="800">
-              <a:latin typeface="Adobe Clean"/>
-              <a:cs typeface="Adobe Clean"/>
-            </a:endParaRPr>
           </a:p>
         </p:txBody>
       </p:sp>
@@ -11775,7 +9905,10 @@
           <a:bodyPr wrap="square" lIns="0" tIns="0" rIns="0" bIns="0" rtlCol="0"/>
           <a:lstStyle/>
           <a:p>
-            <a:endParaRPr/>
+            <a:endParaRPr>
+              <a:latin typeface="Adobe Clean Han Regular" panose="020B0500000000000000" pitchFamily="34" charset="-128"/>
+              <a:ea typeface="Adobe Clean Han Regular" panose="020B0500000000000000" pitchFamily="34" charset="-128"/>
+            </a:endParaRPr>
           </a:p>
         </p:txBody>
       </p:sp>
@@ -11809,19 +9942,16 @@
               </a:spcBef>
             </a:pPr>
             <a:r>
-              <a:rPr lang="en-US" sz="1400" b="1" spc="-15" dirty="0">
+              <a:rPr lang="ja-JP" sz="1400" b="1">
                 <a:solidFill>
                   <a:srgbClr val="020302"/>
                 </a:solidFill>
-                <a:latin typeface="Adobe Clean"/>
+                <a:latin typeface="Adobe Clean Han Regular" panose="020B0500000000000000" pitchFamily="34" charset="-128"/>
+                <a:ea typeface="Adobe Clean Han Regular" panose="020B0500000000000000" pitchFamily="34" charset="-128"/>
                 <a:cs typeface="Adobe Clean"/>
               </a:rPr>
-              <a:t>Resources</a:t>
+              <a:t>リソース</a:t>
             </a:r>
-            <a:endParaRPr sz="1400" dirty="0">
-              <a:latin typeface="Adobe Clean"/>
-              <a:cs typeface="Adobe Clean"/>
-            </a:endParaRPr>
           </a:p>
         </p:txBody>
       </p:sp>
@@ -11834,7 +9964,7 @@
         <p:spPr>
           <a:xfrm>
             <a:off x="6754821" y="9283729"/>
-            <a:ext cx="930275" cy="662305"/>
+            <a:ext cx="930275" cy="758541"/>
           </a:xfrm>
           <a:prstGeom prst="rect">
             <a:avLst/>
@@ -11855,19 +9985,16 @@
               </a:spcBef>
             </a:pPr>
             <a:r>
-              <a:rPr sz="800" spc="-15" dirty="0">
+              <a:rPr lang="ja-JP" sz="800">
                 <a:solidFill>
                   <a:srgbClr val="777879"/>
                 </a:solidFill>
-                <a:latin typeface="Adobe Clean"/>
+                <a:latin typeface="Adobe Clean Han Regular" panose="020B0500000000000000" pitchFamily="34" charset="-128"/>
+                <a:ea typeface="Adobe Clean Han Regular" panose="020B0500000000000000" pitchFamily="34" charset="-128"/>
                 <a:cs typeface="Adobe Clean"/>
               </a:rPr>
               <a:t>Adobe</a:t>
             </a:r>
-            <a:endParaRPr sz="800">
-              <a:latin typeface="Adobe Clean"/>
-              <a:cs typeface="Adobe Clean"/>
-            </a:endParaRPr>
           </a:p>
           <a:p>
             <a:pPr marL="12700">
@@ -11876,39 +10003,16 @@
               </a:lnSpc>
             </a:pPr>
             <a:r>
-              <a:rPr sz="800" spc="-15" dirty="0">
+              <a:rPr lang="ja-JP" sz="800">
                 <a:solidFill>
                   <a:srgbClr val="777879"/>
                 </a:solidFill>
-                <a:latin typeface="Adobe Clean"/>
+                <a:latin typeface="Adobe Clean Han Regular" panose="020B0500000000000000" pitchFamily="34" charset="-128"/>
+                <a:ea typeface="Adobe Clean Han Regular" panose="020B0500000000000000" pitchFamily="34" charset="-128"/>
                 <a:cs typeface="Adobe Clean"/>
               </a:rPr>
-              <a:t>345 Park</a:t>
+              <a:t>345 Park Avenue</a:t>
             </a:r>
-            <a:r>
-              <a:rPr sz="800" spc="-100" dirty="0">
-                <a:solidFill>
-                  <a:srgbClr val="777879"/>
-                </a:solidFill>
-                <a:latin typeface="Adobe Clean"/>
-                <a:cs typeface="Adobe Clean"/>
-              </a:rPr>
-              <a:t> </a:t>
-            </a:r>
-            <a:r>
-              <a:rPr sz="800" spc="-15" dirty="0">
-                <a:solidFill>
-                  <a:srgbClr val="777879"/>
-                </a:solidFill>
-                <a:latin typeface="Adobe Clean"/>
-                <a:cs typeface="Adobe Clean"/>
-              </a:rPr>
-              <a:t>Avenue</a:t>
-            </a:r>
-            <a:endParaRPr sz="800">
-              <a:latin typeface="Adobe Clean"/>
-              <a:cs typeface="Adobe Clean"/>
-            </a:endParaRPr>
           </a:p>
           <a:p>
             <a:pPr marL="12700">
@@ -11917,49 +10021,16 @@
               </a:lnSpc>
             </a:pPr>
             <a:r>
-              <a:rPr sz="800" spc="-10" dirty="0">
+              <a:rPr lang="ja-JP" sz="800">
                 <a:solidFill>
                   <a:srgbClr val="777879"/>
                 </a:solidFill>
-                <a:latin typeface="Adobe Clean"/>
+                <a:latin typeface="Adobe Clean Han Regular" panose="020B0500000000000000" pitchFamily="34" charset="-128"/>
+                <a:ea typeface="Adobe Clean Han Regular" panose="020B0500000000000000" pitchFamily="34" charset="-128"/>
                 <a:cs typeface="Adobe Clean"/>
               </a:rPr>
-              <a:t>San </a:t>
+              <a:t>San Jose, CA95110-2704</a:t>
             </a:r>
-            <a:r>
-              <a:rPr sz="800" spc="-15" dirty="0">
-                <a:solidFill>
-                  <a:srgbClr val="777879"/>
-                </a:solidFill>
-                <a:latin typeface="Adobe Clean"/>
-                <a:cs typeface="Adobe Clean"/>
-              </a:rPr>
-              <a:t>Jose,</a:t>
-            </a:r>
-            <a:r>
-              <a:rPr sz="800" spc="-140" dirty="0">
-                <a:solidFill>
-                  <a:srgbClr val="777879"/>
-                </a:solidFill>
-                <a:latin typeface="Adobe Clean"/>
-                <a:cs typeface="Adobe Clean"/>
-              </a:rPr>
-              <a:t> </a:t>
-            </a:r>
-            <a:r>
-              <a:rPr sz="800" spc="-20" dirty="0">
-                <a:solidFill>
-                  <a:srgbClr val="777879"/>
-                </a:solidFill>
-                <a:latin typeface="Adobe Clean"/>
-                <a:cs typeface="Adobe Clean"/>
-              </a:rPr>
-              <a:t>CA95110-2704</a:t>
-            </a:r>
-            <a:endParaRPr sz="800">
-              <a:latin typeface="Adobe Clean"/>
-              <a:cs typeface="Adobe Clean"/>
-            </a:endParaRPr>
           </a:p>
           <a:p>
             <a:pPr marL="12700">
@@ -11971,19 +10042,16 @@
               </a:spcBef>
             </a:pPr>
             <a:r>
-              <a:rPr sz="800" spc="-10" dirty="0">
+              <a:rPr lang="ja-JP" sz="800">
                 <a:solidFill>
                   <a:srgbClr val="777879"/>
                 </a:solidFill>
-                <a:latin typeface="Adobe Clean"/>
+                <a:latin typeface="Adobe Clean Han Regular" panose="020B0500000000000000" pitchFamily="34" charset="-128"/>
+                <a:ea typeface="Adobe Clean Han Regular" panose="020B0500000000000000" pitchFamily="34" charset="-128"/>
                 <a:cs typeface="Adobe Clean"/>
               </a:rPr>
               <a:t>USA</a:t>
             </a:r>
-            <a:endParaRPr sz="800">
-              <a:latin typeface="Adobe Clean"/>
-              <a:cs typeface="Adobe Clean"/>
-            </a:endParaRPr>
           </a:p>
           <a:p>
             <a:pPr marL="12700">
@@ -11995,7 +10063,7 @@
               </a:spcBef>
             </a:pPr>
             <a:r>
-              <a:rPr sz="800" u="sng" spc="-25" dirty="0">
+              <a:rPr lang="ja-JP" sz="800" u="sng">
                 <a:solidFill>
                   <a:srgbClr val="5F5F5F"/>
                 </a:solidFill>
@@ -12004,16 +10072,13 @@
                     <a:srgbClr val="0000FF"/>
                   </a:solidFill>
                 </a:uFill>
-                <a:latin typeface="Adobe Clean"/>
+                <a:latin typeface="Adobe Clean Han Regular" panose="020B0500000000000000" pitchFamily="34" charset="-128"/>
+                <a:ea typeface="Adobe Clean Han Regular" panose="020B0500000000000000" pitchFamily="34" charset="-128"/>
                 <a:cs typeface="Adobe Clean"/>
                 <a:hlinkClick r:id="rId3"/>
               </a:rPr>
               <a:t>www.adobe.com</a:t>
             </a:r>
-            <a:endParaRPr sz="800">
-              <a:latin typeface="Adobe Clean"/>
-              <a:cs typeface="Adobe Clean"/>
-            </a:endParaRPr>
           </a:p>
         </p:txBody>
       </p:sp>
@@ -12042,7 +10107,10 @@
           <a:bodyPr wrap="square" lIns="0" tIns="0" rIns="0" bIns="0" rtlCol="0"/>
           <a:lstStyle/>
           <a:p>
-            <a:endParaRPr/>
+            <a:endParaRPr>
+              <a:latin typeface="Adobe Clean Han Regular" panose="020B0500000000000000" pitchFamily="34" charset="-128"/>
+              <a:ea typeface="Adobe Clean Han Regular" panose="020B0500000000000000" pitchFamily="34" charset="-128"/>
+            </a:endParaRPr>
           </a:p>
         </p:txBody>
       </p:sp>
@@ -12125,7 +10193,10 @@
           <a:bodyPr wrap="square" lIns="0" tIns="0" rIns="0" bIns="0" rtlCol="0"/>
           <a:lstStyle/>
           <a:p>
-            <a:endParaRPr/>
+            <a:endParaRPr>
+              <a:latin typeface="Adobe Clean Han Regular" panose="020B0500000000000000" pitchFamily="34" charset="-128"/>
+              <a:ea typeface="Adobe Clean Han Regular" panose="020B0500000000000000" pitchFamily="34" charset="-128"/>
+            </a:endParaRPr>
           </a:p>
         </p:txBody>
       </p:sp>
@@ -12154,7 +10225,10 @@
           <a:bodyPr wrap="square" lIns="0" tIns="0" rIns="0" bIns="0" rtlCol="0"/>
           <a:lstStyle/>
           <a:p>
-            <a:endParaRPr/>
+            <a:endParaRPr>
+              <a:latin typeface="Adobe Clean Han Regular" panose="020B0500000000000000" pitchFamily="34" charset="-128"/>
+              <a:ea typeface="Adobe Clean Han Regular" panose="020B0500000000000000" pitchFamily="34" charset="-128"/>
+            </a:endParaRPr>
           </a:p>
         </p:txBody>
       </p:sp>
@@ -12167,7 +10241,7 @@
         <p:spPr>
           <a:xfrm>
             <a:off x="75947" y="9437110"/>
-            <a:ext cx="5466715" cy="570865"/>
+            <a:ext cx="5896662" cy="563616"/>
           </a:xfrm>
           <a:prstGeom prst="rect">
             <a:avLst/>
@@ -12188,409 +10262,16 @@
               </a:spcBef>
             </a:pPr>
             <a:r>
-              <a:rPr sz="1100" i="1" spc="-10" dirty="0">
+              <a:rPr lang="ja-JP" sz="1100" i="1" dirty="0">
                 <a:solidFill>
                   <a:srgbClr val="777879"/>
                 </a:solidFill>
-                <a:latin typeface="AdobeClean-LightIt"/>
+                <a:latin typeface="Adobe Clean Han Regular" panose="020B0500000000000000" pitchFamily="34" charset="-128"/>
+                <a:ea typeface="Adobe Clean Han Regular" panose="020B0500000000000000" pitchFamily="34" charset="-128"/>
                 <a:cs typeface="AdobeClean-LightIt"/>
               </a:rPr>
-              <a:t>To</a:t>
+              <a:t>アドビサポートのサービスやお客様に最適なレベルについて詳しくは、専任アカウントマネージャー（NAM）またはカスタマーサクセスマネージャー（CSM）にお問い合わせください。</a:t>
             </a:r>
-            <a:r>
-              <a:rPr sz="1100" i="1" spc="-50" dirty="0">
-                <a:solidFill>
-                  <a:srgbClr val="777879"/>
-                </a:solidFill>
-                <a:latin typeface="AdobeClean-LightIt"/>
-                <a:cs typeface="AdobeClean-LightIt"/>
-              </a:rPr>
-              <a:t> </a:t>
-            </a:r>
-            <a:r>
-              <a:rPr sz="1100" i="1" spc="-15" dirty="0">
-                <a:solidFill>
-                  <a:srgbClr val="777879"/>
-                </a:solidFill>
-                <a:latin typeface="AdobeClean-LightIt"/>
-                <a:cs typeface="AdobeClean-LightIt"/>
-              </a:rPr>
-              <a:t>learn</a:t>
-            </a:r>
-            <a:r>
-              <a:rPr sz="1100" i="1" spc="-40" dirty="0">
-                <a:solidFill>
-                  <a:srgbClr val="777879"/>
-                </a:solidFill>
-                <a:latin typeface="AdobeClean-LightIt"/>
-                <a:cs typeface="AdobeClean-LightIt"/>
-              </a:rPr>
-              <a:t> </a:t>
-            </a:r>
-            <a:r>
-              <a:rPr sz="1100" i="1" spc="-15" dirty="0">
-                <a:solidFill>
-                  <a:srgbClr val="777879"/>
-                </a:solidFill>
-                <a:latin typeface="AdobeClean-LightIt"/>
-                <a:cs typeface="AdobeClean-LightIt"/>
-              </a:rPr>
-              <a:t>more</a:t>
-            </a:r>
-            <a:r>
-              <a:rPr sz="1100" i="1" spc="-45" dirty="0">
-                <a:solidFill>
-                  <a:srgbClr val="777879"/>
-                </a:solidFill>
-                <a:latin typeface="AdobeClean-LightIt"/>
-                <a:cs typeface="AdobeClean-LightIt"/>
-              </a:rPr>
-              <a:t> </a:t>
-            </a:r>
-            <a:r>
-              <a:rPr sz="1100" i="1" spc="-15" dirty="0">
-                <a:solidFill>
-                  <a:srgbClr val="777879"/>
-                </a:solidFill>
-                <a:latin typeface="AdobeClean-LightIt"/>
-                <a:cs typeface="AdobeClean-LightIt"/>
-              </a:rPr>
-              <a:t>about</a:t>
-            </a:r>
-            <a:r>
-              <a:rPr sz="1100" i="1" spc="-45" dirty="0">
-                <a:solidFill>
-                  <a:srgbClr val="777879"/>
-                </a:solidFill>
-                <a:latin typeface="AdobeClean-LightIt"/>
-                <a:cs typeface="AdobeClean-LightIt"/>
-              </a:rPr>
-              <a:t> </a:t>
-            </a:r>
-            <a:r>
-              <a:rPr sz="1100" i="1" spc="-15" dirty="0">
-                <a:solidFill>
-                  <a:srgbClr val="777879"/>
-                </a:solidFill>
-                <a:latin typeface="AdobeClean-LightIt"/>
-                <a:cs typeface="AdobeClean-LightIt"/>
-              </a:rPr>
-              <a:t>Adobe</a:t>
-            </a:r>
-            <a:r>
-              <a:rPr sz="1100" i="1" spc="-60" dirty="0">
-                <a:solidFill>
-                  <a:srgbClr val="777879"/>
-                </a:solidFill>
-                <a:latin typeface="AdobeClean-LightIt"/>
-                <a:cs typeface="AdobeClean-LightIt"/>
-              </a:rPr>
-              <a:t> </a:t>
-            </a:r>
-            <a:r>
-              <a:rPr sz="1100" i="1" spc="-15" dirty="0">
-                <a:solidFill>
-                  <a:srgbClr val="777879"/>
-                </a:solidFill>
-                <a:latin typeface="AdobeClean-LightIt"/>
-                <a:cs typeface="AdobeClean-LightIt"/>
-              </a:rPr>
-              <a:t>Support</a:t>
-            </a:r>
-            <a:r>
-              <a:rPr lang="en-US" sz="1100" i="1" spc="-15" dirty="0">
-                <a:solidFill>
-                  <a:srgbClr val="777879"/>
-                </a:solidFill>
-                <a:latin typeface="AdobeClean-LightIt"/>
-                <a:cs typeface="AdobeClean-LightIt"/>
-              </a:rPr>
-              <a:t> Offerings</a:t>
-            </a:r>
-            <a:r>
-              <a:rPr sz="1100" i="1" spc="-75" dirty="0">
-                <a:solidFill>
-                  <a:srgbClr val="777879"/>
-                </a:solidFill>
-                <a:latin typeface="AdobeClean-LightIt"/>
-                <a:cs typeface="AdobeClean-LightIt"/>
-              </a:rPr>
-              <a:t> </a:t>
-            </a:r>
-            <a:r>
-              <a:rPr sz="1100" i="1" spc="-15" dirty="0">
-                <a:solidFill>
-                  <a:srgbClr val="777879"/>
-                </a:solidFill>
-                <a:latin typeface="AdobeClean-LightIt"/>
-                <a:cs typeface="AdobeClean-LightIt"/>
-              </a:rPr>
-              <a:t>and</a:t>
-            </a:r>
-            <a:r>
-              <a:rPr sz="1100" i="1" spc="-50" dirty="0">
-                <a:solidFill>
-                  <a:srgbClr val="777879"/>
-                </a:solidFill>
-                <a:latin typeface="AdobeClean-LightIt"/>
-                <a:cs typeface="AdobeClean-LightIt"/>
-              </a:rPr>
-              <a:t> </a:t>
-            </a:r>
-            <a:r>
-              <a:rPr sz="1100" i="1" spc="-15" dirty="0">
-                <a:solidFill>
-                  <a:srgbClr val="777879"/>
-                </a:solidFill>
-                <a:latin typeface="AdobeClean-LightIt"/>
-                <a:cs typeface="AdobeClean-LightIt"/>
-              </a:rPr>
-              <a:t>the</a:t>
-            </a:r>
-            <a:r>
-              <a:rPr sz="1100" i="1" spc="-55" dirty="0">
-                <a:solidFill>
-                  <a:srgbClr val="777879"/>
-                </a:solidFill>
-                <a:latin typeface="AdobeClean-LightIt"/>
-                <a:cs typeface="AdobeClean-LightIt"/>
-              </a:rPr>
-              <a:t> </a:t>
-            </a:r>
-            <a:r>
-              <a:rPr sz="1100" i="1" spc="-15" dirty="0">
-                <a:solidFill>
-                  <a:srgbClr val="777879"/>
-                </a:solidFill>
-                <a:latin typeface="AdobeClean-LightIt"/>
-                <a:cs typeface="AdobeClean-LightIt"/>
-              </a:rPr>
-              <a:t>right</a:t>
-            </a:r>
-            <a:r>
-              <a:rPr sz="1100" i="1" spc="-95" dirty="0">
-                <a:solidFill>
-                  <a:srgbClr val="777879"/>
-                </a:solidFill>
-                <a:latin typeface="AdobeClean-LightIt"/>
-                <a:cs typeface="AdobeClean-LightIt"/>
-              </a:rPr>
-              <a:t> </a:t>
-            </a:r>
-            <a:r>
-              <a:rPr sz="1100" i="1" spc="-15" dirty="0">
-                <a:solidFill>
-                  <a:srgbClr val="777879"/>
-                </a:solidFill>
-                <a:latin typeface="AdobeClean-LightIt"/>
-                <a:cs typeface="AdobeClean-LightIt"/>
-              </a:rPr>
-              <a:t>level</a:t>
-            </a:r>
-            <a:r>
-              <a:rPr sz="1100" i="1" spc="-55" dirty="0">
-                <a:solidFill>
-                  <a:srgbClr val="777879"/>
-                </a:solidFill>
-                <a:latin typeface="AdobeClean-LightIt"/>
-                <a:cs typeface="AdobeClean-LightIt"/>
-              </a:rPr>
-              <a:t> </a:t>
-            </a:r>
-            <a:r>
-              <a:rPr sz="1100" i="1" spc="-15" dirty="0">
-                <a:solidFill>
-                  <a:srgbClr val="777879"/>
-                </a:solidFill>
-                <a:latin typeface="AdobeClean-LightIt"/>
-                <a:cs typeface="AdobeClean-LightIt"/>
-              </a:rPr>
-              <a:t>for</a:t>
-            </a:r>
-            <a:r>
-              <a:rPr sz="1100" i="1" spc="-85" dirty="0">
-                <a:solidFill>
-                  <a:srgbClr val="777879"/>
-                </a:solidFill>
-                <a:latin typeface="AdobeClean-LightIt"/>
-                <a:cs typeface="AdobeClean-LightIt"/>
-              </a:rPr>
-              <a:t> </a:t>
-            </a:r>
-            <a:r>
-              <a:rPr sz="1100" i="1" spc="-15" dirty="0">
-                <a:solidFill>
-                  <a:srgbClr val="777879"/>
-                </a:solidFill>
-                <a:latin typeface="AdobeClean-LightIt"/>
-                <a:cs typeface="AdobeClean-LightIt"/>
-              </a:rPr>
-              <a:t>you,</a:t>
-            </a:r>
-            <a:r>
-              <a:rPr sz="1100" i="1" spc="-65" dirty="0">
-                <a:solidFill>
-                  <a:srgbClr val="777879"/>
-                </a:solidFill>
-                <a:latin typeface="AdobeClean-LightIt"/>
-                <a:cs typeface="AdobeClean-LightIt"/>
-              </a:rPr>
-              <a:t> </a:t>
-            </a:r>
-            <a:r>
-              <a:rPr sz="1100" i="1" spc="-15" dirty="0">
-                <a:solidFill>
-                  <a:srgbClr val="777879"/>
-                </a:solidFill>
-                <a:latin typeface="AdobeClean-LightIt"/>
-                <a:cs typeface="AdobeClean-LightIt"/>
-              </a:rPr>
-              <a:t>contact</a:t>
-            </a:r>
-            <a:r>
-              <a:rPr sz="1100" i="1" spc="-85" dirty="0">
-                <a:solidFill>
-                  <a:srgbClr val="777879"/>
-                </a:solidFill>
-                <a:latin typeface="AdobeClean-LightIt"/>
-                <a:cs typeface="AdobeClean-LightIt"/>
-              </a:rPr>
-              <a:t> </a:t>
-            </a:r>
-            <a:r>
-              <a:rPr sz="1100" i="1" spc="-15" dirty="0">
-                <a:solidFill>
-                  <a:srgbClr val="777879"/>
-                </a:solidFill>
-                <a:latin typeface="AdobeClean-LightIt"/>
-                <a:cs typeface="AdobeClean-LightIt"/>
-              </a:rPr>
-              <a:t>your</a:t>
-            </a:r>
-            <a:r>
-              <a:rPr sz="1100" i="1" spc="-70" dirty="0">
-                <a:solidFill>
-                  <a:srgbClr val="777879"/>
-                </a:solidFill>
-                <a:latin typeface="AdobeClean-LightIt"/>
-                <a:cs typeface="AdobeClean-LightIt"/>
-              </a:rPr>
-              <a:t> </a:t>
-            </a:r>
-            <a:r>
-              <a:rPr sz="1100" i="1" spc="-15" dirty="0">
-                <a:solidFill>
-                  <a:srgbClr val="777879"/>
-                </a:solidFill>
-                <a:latin typeface="AdobeClean-LightIt"/>
-                <a:cs typeface="AdobeClean-LightIt"/>
-              </a:rPr>
-              <a:t>Named</a:t>
-            </a:r>
-            <a:r>
-              <a:rPr sz="1100" i="1" spc="-55" dirty="0">
-                <a:solidFill>
-                  <a:srgbClr val="777879"/>
-                </a:solidFill>
-                <a:latin typeface="AdobeClean-LightIt"/>
-                <a:cs typeface="AdobeClean-LightIt"/>
-              </a:rPr>
-              <a:t> </a:t>
-            </a:r>
-            <a:r>
-              <a:rPr sz="1100" i="1" spc="-25" dirty="0">
-                <a:solidFill>
-                  <a:srgbClr val="777879"/>
-                </a:solidFill>
-                <a:latin typeface="AdobeClean-LightIt"/>
-                <a:cs typeface="AdobeClean-LightIt"/>
-              </a:rPr>
-              <a:t>Account</a:t>
-            </a:r>
-            <a:r>
-              <a:rPr sz="1100" i="1" spc="-120" dirty="0">
-                <a:solidFill>
-                  <a:srgbClr val="777879"/>
-                </a:solidFill>
-                <a:latin typeface="AdobeClean-LightIt"/>
-                <a:cs typeface="AdobeClean-LightIt"/>
-              </a:rPr>
-              <a:t> </a:t>
-            </a:r>
-            <a:r>
-              <a:rPr sz="1100" i="1" spc="-20" dirty="0">
-                <a:solidFill>
-                  <a:srgbClr val="777879"/>
-                </a:solidFill>
-                <a:latin typeface="AdobeClean-LightIt"/>
-                <a:cs typeface="AdobeClean-LightIt"/>
-              </a:rPr>
-              <a:t>Manager  </a:t>
-            </a:r>
-            <a:r>
-              <a:rPr sz="1100" i="1" spc="-15" dirty="0">
-                <a:solidFill>
-                  <a:srgbClr val="777879"/>
-                </a:solidFill>
-                <a:latin typeface="AdobeClean-LightIt"/>
-                <a:cs typeface="AdobeClean-LightIt"/>
-              </a:rPr>
-              <a:t>(NAM) </a:t>
-            </a:r>
-            <a:r>
-              <a:rPr sz="1100" i="1" spc="-10" dirty="0">
-                <a:solidFill>
-                  <a:srgbClr val="777879"/>
-                </a:solidFill>
-                <a:latin typeface="AdobeClean-LightIt"/>
-                <a:cs typeface="AdobeClean-LightIt"/>
-              </a:rPr>
-              <a:t>or </a:t>
-            </a:r>
-            <a:r>
-              <a:rPr sz="1100" i="1" spc="-15" dirty="0">
-                <a:solidFill>
-                  <a:srgbClr val="777879"/>
-                </a:solidFill>
-                <a:latin typeface="AdobeClean-LightIt"/>
-                <a:cs typeface="AdobeClean-LightIt"/>
-              </a:rPr>
-              <a:t>Customer </a:t>
-            </a:r>
-            <a:r>
-              <a:rPr sz="1100" i="1" spc="-20" dirty="0">
-                <a:solidFill>
-                  <a:srgbClr val="777879"/>
-                </a:solidFill>
-                <a:latin typeface="AdobeClean-LightIt"/>
-                <a:cs typeface="AdobeClean-LightIt"/>
-              </a:rPr>
-              <a:t>Success</a:t>
-            </a:r>
-            <a:r>
-              <a:rPr sz="1100" i="1" spc="-180" dirty="0">
-                <a:solidFill>
-                  <a:srgbClr val="777879"/>
-                </a:solidFill>
-                <a:latin typeface="AdobeClean-LightIt"/>
-                <a:cs typeface="AdobeClean-LightIt"/>
-              </a:rPr>
-              <a:t> </a:t>
-            </a:r>
-            <a:r>
-              <a:rPr sz="1100" i="1" spc="-15" dirty="0">
-                <a:solidFill>
-                  <a:srgbClr val="777879"/>
-                </a:solidFill>
-                <a:latin typeface="AdobeClean-LightIt"/>
-                <a:cs typeface="AdobeClean-LightIt"/>
-              </a:rPr>
-              <a:t>Manager(CSM)</a:t>
-            </a:r>
-            <a:endParaRPr sz="1100" dirty="0">
-              <a:latin typeface="AdobeClean-LightIt"/>
-              <a:cs typeface="AdobeClean-LightIt"/>
-            </a:endParaRPr>
           </a:p>
           <a:p>
             <a:pPr marL="34290">
@@ -12602,59 +10283,16 @@
               </a:spcBef>
             </a:pPr>
             <a:r>
-              <a:rPr sz="800" spc="-5" dirty="0">
+              <a:rPr lang="ja-JP" sz="800" dirty="0">
                 <a:solidFill>
                   <a:srgbClr val="6D6D6D"/>
                 </a:solidFill>
-                <a:latin typeface="Adobe Clean"/>
+                <a:latin typeface="Adobe Clean Han Regular" panose="020B0500000000000000" pitchFamily="34" charset="-128"/>
+                <a:ea typeface="Adobe Clean Han Regular" panose="020B0500000000000000" pitchFamily="34" charset="-128"/>
                 <a:cs typeface="Adobe Clean"/>
               </a:rPr>
-              <a:t>©202</a:t>
+              <a:t>©2021 Adobe.All Rights Reserved.Adobe Confidential.</a:t>
             </a:r>
-            <a:r>
-              <a:rPr lang="en-US" sz="800" spc="-5" dirty="0">
-                <a:solidFill>
-                  <a:srgbClr val="6D6D6D"/>
-                </a:solidFill>
-                <a:latin typeface="Adobe Clean"/>
-                <a:cs typeface="Adobe Clean"/>
-              </a:rPr>
-              <a:t>1</a:t>
-            </a:r>
-            <a:r>
-              <a:rPr sz="800" spc="-5" dirty="0">
-                <a:solidFill>
-                  <a:srgbClr val="6D6D6D"/>
-                </a:solidFill>
-                <a:latin typeface="Adobe Clean"/>
-                <a:cs typeface="Adobe Clean"/>
-              </a:rPr>
-              <a:t> Adobe. All Rights Reserved. Adobe</a:t>
-            </a:r>
-            <a:r>
-              <a:rPr sz="800" spc="75" dirty="0">
-                <a:solidFill>
-                  <a:srgbClr val="6D6D6D"/>
-                </a:solidFill>
-                <a:latin typeface="Adobe Clean"/>
-                <a:cs typeface="Adobe Clean"/>
-              </a:rPr>
-              <a:t> </a:t>
-            </a:r>
-            <a:r>
-              <a:rPr sz="800" spc="-5" dirty="0">
-                <a:solidFill>
-                  <a:srgbClr val="6D6D6D"/>
-                </a:solidFill>
-                <a:latin typeface="Adobe Clean"/>
-                <a:cs typeface="Adobe Clean"/>
-              </a:rPr>
-              <a:t>Confidential.</a:t>
-            </a:r>
-            <a:endParaRPr sz="800" dirty="0">
-              <a:latin typeface="Adobe Clean"/>
-              <a:cs typeface="Adobe Clean"/>
-            </a:endParaRPr>
           </a:p>
         </p:txBody>
       </p:sp>
@@ -12691,14 +10329,15 @@
               </a:spcBef>
             </a:pPr>
             <a:r>
-              <a:rPr lang="en-US" sz="1400" b="1" spc="-15" dirty="0">
+              <a:rPr lang="ja-JP" sz="1400" b="1" dirty="0">
                 <a:solidFill>
                   <a:srgbClr val="020302"/>
                 </a:solidFill>
-                <a:latin typeface="Adobe Clean"/>
+                <a:latin typeface="Adobe Clean Han Regular" panose="020B0500000000000000" pitchFamily="34" charset="-128"/>
+                <a:ea typeface="Adobe Clean Han Regular" panose="020B0500000000000000" pitchFamily="34" charset="-128"/>
                 <a:cs typeface="Adobe Clean"/>
               </a:rPr>
-              <a:t>Regional scope of Adobe Support, Local Hours Of Operation And Language Support</a:t>
+              <a:t>アドビサポートの対象地域、現地の営業時間、言語サポート</a:t>
             </a:r>
           </a:p>
           <a:p>
@@ -12708,13 +10347,14 @@
               </a:spcBef>
             </a:pPr>
             <a:r>
-              <a:rPr lang="en-US" sz="1000" spc="-15" dirty="0">
+              <a:rPr lang="ja-JP" sz="1000" dirty="0">
                 <a:solidFill>
                   <a:srgbClr val="1F1F1F"/>
                 </a:solidFill>
-                <a:latin typeface="AdobeClean-Light"/>
+                <a:latin typeface="Adobe Clean Han Regular" panose="020B0500000000000000" pitchFamily="34" charset="-128"/>
+                <a:ea typeface="Adobe Clean Han Regular" panose="020B0500000000000000" pitchFamily="34" charset="-128"/>
               </a:rPr>
-              <a:t>The Regional scope of Adobe Support is established by aligning the customer's billing address (via the Sales Order or other Adobe Support purchasing document) to one of the following regions:</a:t>
+              <a:t>アドビサポートの対象地域と現地営業時間は、以下のとおりです。対象地域は、お客様のセールスオーダーやその他のアドビサポートの購買記録に記載されている請求先の地域に準じます。</a:t>
             </a:r>
           </a:p>
         </p:txBody>
@@ -12734,7 +10374,7 @@
           <p:nvPr>
             <p:extLst>
               <p:ext uri="{D42A27DB-BD31-4B8C-83A1-F6EECF244321}">
-                <p14:modId xmlns:p14="http://schemas.microsoft.com/office/powerpoint/2010/main" val="2846210228"/>
+                <p14:modId xmlns:p14="http://schemas.microsoft.com/office/powerpoint/2010/main" val="3930039813"/>
               </p:ext>
             </p:extLst>
           </p:nvPr>
@@ -12787,13 +10427,14 @@
                     <a:p>
                       <a:pPr algn="ctr"/>
                       <a:r>
-                        <a:rPr lang="en-US" sz="1100" dirty="0">
+                        <a:rPr lang="ja-JP" sz="1100">
                           <a:solidFill>
                             <a:schemeClr val="tx1"/>
                           </a:solidFill>
-                          <a:latin typeface="Adobe Clean" panose="020B0503020404020204" pitchFamily="34" charset="0"/>
+                          <a:latin typeface="Adobe Clean Han Regular" panose="020B0500000000000000" pitchFamily="34" charset="-128"/>
+                          <a:ea typeface="Adobe Clean Han Regular" panose="020B0500000000000000" pitchFamily="34" charset="-128"/>
                         </a:rPr>
-                        <a:t>Americas</a:t>
+                        <a:t>南北アメリカ</a:t>
                       </a:r>
                     </a:p>
                   </a:txBody>
@@ -12852,13 +10493,14 @@
                     <a:p>
                       <a:pPr algn="ctr"/>
                       <a:r>
-                        <a:rPr lang="en-US" sz="1100" dirty="0">
+                        <a:rPr lang="ja-JP" sz="1100">
                           <a:solidFill>
                             <a:schemeClr val="tx1"/>
                           </a:solidFill>
-                          <a:latin typeface="Adobe Clean" panose="020B0503020404020204" pitchFamily="34" charset="0"/>
+                          <a:latin typeface="Adobe Clean Han Regular" panose="020B0500000000000000" pitchFamily="34" charset="-128"/>
+                          <a:ea typeface="Adobe Clean Han Regular" panose="020B0500000000000000" pitchFamily="34" charset="-128"/>
                         </a:rPr>
-                        <a:t>Europe, Middle East &amp; Africa</a:t>
+                        <a:t>ヨーロッパ、中東、アフリカ</a:t>
                       </a:r>
                     </a:p>
                   </a:txBody>
@@ -12917,13 +10559,14 @@
                     <a:p>
                       <a:pPr algn="ctr"/>
                       <a:r>
-                        <a:rPr lang="en-US" sz="1100" dirty="0">
+                        <a:rPr lang="ja-JP" sz="1100">
                           <a:solidFill>
                             <a:schemeClr val="tx1"/>
                           </a:solidFill>
-                          <a:latin typeface="Adobe Clean" panose="020B0503020404020204" pitchFamily="34" charset="0"/>
+                          <a:latin typeface="Adobe Clean Han Regular" panose="020B0500000000000000" pitchFamily="34" charset="-128"/>
+                          <a:ea typeface="Adobe Clean Han Regular" panose="020B0500000000000000" pitchFamily="34" charset="-128"/>
                         </a:rPr>
-                        <a:t>Asia Pacific</a:t>
+                        <a:t>アジア太平洋</a:t>
                       </a:r>
                     </a:p>
                   </a:txBody>
@@ -12982,29 +10625,25 @@
                     <a:p>
                       <a:pPr algn="ctr"/>
                       <a:r>
-                        <a:rPr lang="en-US" sz="1100" dirty="0">
+                        <a:rPr lang="ja-JP" sz="1100">
                           <a:solidFill>
                             <a:schemeClr val="tx1"/>
                           </a:solidFill>
-                          <a:latin typeface="Adobe Clean"/>
+                          <a:latin typeface="Adobe Clean Han Regular" panose="020B0500000000000000" pitchFamily="34" charset="-128"/>
+                          <a:ea typeface="Adobe Clean Han Regular" panose="020B0500000000000000" pitchFamily="34" charset="-128"/>
                         </a:rPr>
-                        <a:t>Japan </a:t>
+                        <a:t>日本 </a:t>
                       </a:r>
                       <a:r>
-                        <a:rPr lang="en-US" sz="1100" baseline="30000" dirty="0">
+                        <a:rPr lang="ja-JP" sz="1100" baseline="30000">
                           <a:solidFill>
                             <a:schemeClr val="tx1"/>
                           </a:solidFill>
-                          <a:latin typeface="Adobe Clean"/>
+                          <a:latin typeface="Adobe Clean Han Regular" panose="020B0500000000000000" pitchFamily="34" charset="-128"/>
+                          <a:ea typeface="Adobe Clean Han Regular" panose="020B0500000000000000" pitchFamily="34" charset="-128"/>
                         </a:rPr>
                         <a:t>1 </a:t>
                       </a:r>
-                      <a:endParaRPr lang="en-US" sz="1100" dirty="0">
-                        <a:solidFill>
-                          <a:schemeClr val="tx1"/>
-                        </a:solidFill>
-                        <a:latin typeface="Adobe Clean" panose="020B0503020404020204" pitchFamily="34" charset="0"/>
-                      </a:endParaRPr>
                     </a:p>
                   </a:txBody>
                   <a:tcPr anchor="ctr">
@@ -13069,13 +10708,14 @@
                     <a:p>
                       <a:pPr algn="ctr"/>
                       <a:r>
-                        <a:rPr lang="en-US" sz="1100" dirty="0">
+                        <a:rPr lang="ja-JP" sz="1100">
                           <a:solidFill>
                             <a:schemeClr val="tx1"/>
                           </a:solidFill>
-                          <a:latin typeface="Adobe Clean" panose="020B0503020404020204" pitchFamily="34" charset="0"/>
+                          <a:latin typeface="Adobe Clean Han Regular" panose="020B0500000000000000" pitchFamily="34" charset="-128"/>
+                          <a:ea typeface="Adobe Clean Han Regular" panose="020B0500000000000000" pitchFamily="34" charset="-128"/>
                         </a:rPr>
-                        <a:t>6 am – 5:30 pm</a:t>
+                        <a:t>午前 6:00 ～午後 5:30</a:t>
                       </a:r>
                     </a:p>
                   </a:txBody>
@@ -13134,13 +10774,14 @@
                     <a:p>
                       <a:pPr algn="ctr"/>
                       <a:r>
-                        <a:rPr lang="en-US" sz="1100" dirty="0">
+                        <a:rPr lang="ja-JP" sz="1100" dirty="0">
                           <a:solidFill>
                             <a:schemeClr val="tx1"/>
                           </a:solidFill>
-                          <a:latin typeface="Adobe Clean" panose="020B0503020404020204" pitchFamily="34" charset="0"/>
+                          <a:latin typeface="Adobe Clean Han Regular" panose="020B0500000000000000" pitchFamily="34" charset="-128"/>
+                          <a:ea typeface="Adobe Clean Han Regular" panose="020B0500000000000000" pitchFamily="34" charset="-128"/>
                         </a:rPr>
-                        <a:t>9 am – 5 pm</a:t>
+                        <a:t>午前 9:00 ～午後 5:00</a:t>
                       </a:r>
                     </a:p>
                   </a:txBody>
@@ -13199,13 +10840,14 @@
                     <a:p>
                       <a:pPr algn="ctr"/>
                       <a:r>
-                        <a:rPr lang="en-US" sz="1100" dirty="0">
+                        <a:rPr lang="ja-JP" sz="1100">
                           <a:solidFill>
                             <a:schemeClr val="tx1"/>
                           </a:solidFill>
-                          <a:latin typeface="Adobe Clean" panose="020B0503020404020204" pitchFamily="34" charset="0"/>
+                          <a:latin typeface="Adobe Clean Han Regular" panose="020B0500000000000000" pitchFamily="34" charset="-128"/>
+                          <a:ea typeface="Adobe Clean Han Regular" panose="020B0500000000000000" pitchFamily="34" charset="-128"/>
                         </a:rPr>
-                        <a:t>9 am – 5 pm</a:t>
+                        <a:t>午前 9:00 ～午後 5:00</a:t>
                       </a:r>
                     </a:p>
                   </a:txBody>
@@ -13264,13 +10906,14 @@
                     <a:p>
                       <a:pPr algn="ctr"/>
                       <a:r>
-                        <a:rPr lang="en-US" sz="1100" dirty="0">
+                        <a:rPr lang="ja-JP" sz="1100">
                           <a:solidFill>
                             <a:schemeClr val="tx1"/>
                           </a:solidFill>
-                          <a:latin typeface="Adobe Clean" panose="020B0503020404020204" pitchFamily="34" charset="0"/>
+                          <a:latin typeface="Adobe Clean Han Regular" panose="020B0500000000000000" pitchFamily="34" charset="-128"/>
+                          <a:ea typeface="Adobe Clean Han Regular" panose="020B0500000000000000" pitchFamily="34" charset="-128"/>
                         </a:rPr>
-                        <a:t>9 am – 5:30 pm</a:t>
+                        <a:t>午前 9:00 ～午後 5:30</a:t>
                       </a:r>
                     </a:p>
                   </a:txBody>
@@ -13350,20 +10993,15 @@
                         <a:buNone/>
                       </a:pPr>
                       <a:r>
-                        <a:rPr lang="en-US" sz="1100" dirty="0">
+                        <a:rPr lang="ja-JP" sz="1100" dirty="0">
                           <a:solidFill>
                             <a:schemeClr val="tx1"/>
                           </a:solidFill>
-                          <a:latin typeface="Adobe Clean"/>
+                          <a:latin typeface="Adobe Clean Han Regular" panose="020B0500000000000000" pitchFamily="34" charset="-128"/>
+                          <a:ea typeface="Adobe Clean Han Regular" panose="020B0500000000000000" pitchFamily="34" charset="-128"/>
                         </a:rPr>
-                        <a:t>Language support is only available in English and Japanese.</a:t>
+                        <a:t>サポートで対応している言語は、英語および日本語のみです。</a:t>
                       </a:r>
-                      <a:endParaRPr lang="en-US" sz="1100" dirty="0">
-                        <a:solidFill>
-                          <a:schemeClr val="tx1"/>
-                        </a:solidFill>
-                        <a:latin typeface="Adobe Clean" panose="020B0503020404020204" pitchFamily="34" charset="0"/>
-                      </a:endParaRPr>
                     </a:p>
                     <a:p>
                       <a:pPr marL="0" marR="0" lvl="0" indent="0" algn="ctr" defTabSz="914400" eaLnBrk="1" fontAlgn="auto" latinLnBrk="0" hangingPunct="1">
@@ -13384,17 +11022,18 @@
                         <a:defRPr/>
                       </a:pPr>
                       <a:r>
-                        <a:rPr lang="en-US" sz="1100" i="1" dirty="0">
+                        <a:rPr lang="ja-JP" sz="1100" i="1" dirty="0">
                           <a:solidFill>
                             <a:schemeClr val="tx1"/>
                           </a:solidFill>
-                          <a:latin typeface="Adobe Clean"/>
+                          <a:latin typeface="Adobe Clean Han Regular" panose="020B0500000000000000" pitchFamily="34" charset="-128"/>
+                          <a:ea typeface="Adobe Clean Han Regular" panose="020B0500000000000000" pitchFamily="34" charset="-128"/>
                         </a:rPr>
-                        <a:t>*Adobe Commerce excludes Japanese language support.</a:t>
+                        <a:t>*Adobe Commerce のサポートは、日本語に対応していません。</a:t>
                       </a:r>
                     </a:p>
                     <a:p>
-                      <a:pPr algn="ctr"/>
+                      <a:pPr algn="l" rtl="0"/>
                       <a:endParaRPr kumimoji="0" lang="en-US" sz="1100" b="1" i="0" u="none" strike="noStrike" kern="0" cap="none" spc="0" normalizeH="0" baseline="30000" noProof="0" dirty="0">
                         <a:ln>
                           <a:noFill/>
@@ -13405,54 +11044,52 @@
                         <a:effectLst/>
                         <a:uLnTx/>
                         <a:uFillTx/>
-                        <a:latin typeface="Adobe Clean" panose="020B0503020404020204" pitchFamily="34" charset="0"/>
-                        <a:ea typeface="+mn-ea"/>
+                        <a:latin typeface="Adobe Clean Han Regular" panose="020B0500000000000000" pitchFamily="34" charset="-128"/>
+                        <a:ea typeface="Adobe Clean Han Regular" panose="020B0500000000000000" pitchFamily="34" charset="-128"/>
                         <a:cs typeface="+mn-cs"/>
                       </a:endParaRPr>
                     </a:p>
                     <a:p>
                       <a:pPr algn="ctr"/>
                       <a:r>
-                        <a:rPr lang="en-US" sz="1100" i="0" dirty="0">
+                        <a:rPr lang="ja-JP" sz="1100" i="0" dirty="0">
                           <a:solidFill>
                             <a:schemeClr val="tx1"/>
                           </a:solidFill>
-                          <a:latin typeface="Adobe Clean"/>
+                          <a:latin typeface="Adobe Clean Han Regular" panose="020B0500000000000000" pitchFamily="34" charset="-128"/>
+                          <a:ea typeface="Adobe Clean Han Regular" panose="020B0500000000000000" pitchFamily="34" charset="-128"/>
                         </a:rPr>
                         <a:t> </a:t>
                       </a:r>
                       <a:r>
-                        <a:rPr lang="en-US" sz="1100" i="0" baseline="30000" dirty="0">
+                        <a:rPr lang="ja-JP" sz="1100" i="0" baseline="30000" dirty="0">
                           <a:solidFill>
                             <a:schemeClr val="tx1"/>
                           </a:solidFill>
-                          <a:latin typeface="Adobe Clean"/>
+                          <a:latin typeface="Adobe Clean Han Regular" panose="020B0500000000000000" pitchFamily="34" charset="-128"/>
+                          <a:ea typeface="Adobe Clean Han Regular" panose="020B0500000000000000" pitchFamily="34" charset="-128"/>
                         </a:rPr>
                         <a:t>1 </a:t>
                       </a:r>
                       <a:r>
-                        <a:rPr lang="en-US" sz="1100" i="0" dirty="0">
+                        <a:rPr lang="ja-JP" sz="1100" i="0" dirty="0">
                           <a:solidFill>
                             <a:schemeClr val="tx1"/>
                           </a:solidFill>
-                          <a:latin typeface="Adobe Clean"/>
+                          <a:latin typeface="Adobe Clean Han Regular" panose="020B0500000000000000" pitchFamily="34" charset="-128"/>
+                          <a:ea typeface="Adobe Clean Han Regular" panose="020B0500000000000000" pitchFamily="34" charset="-128"/>
                         </a:rPr>
-                        <a:t>P2, P3, P4 cases are limited to business hours only in Japan.</a:t>
+                        <a:t>P2、P3、P4 の場合は、営業時間内のみの対応です。</a:t>
                       </a:r>
-                      <a:endParaRPr lang="en-US" sz="1100" b="1" i="0" dirty="0">
-                        <a:solidFill>
-                          <a:schemeClr val="tx1"/>
-                        </a:solidFill>
-                        <a:latin typeface="Adobe Clean"/>
-                      </a:endParaRPr>
-                    </a:p>
-                    <a:p>
-                      <a:pPr algn="ctr"/>
+                    </a:p>
+                    <a:p>
+                      <a:pPr algn="l" rtl="0"/>
                       <a:endParaRPr lang="en-US" sz="1100" dirty="0">
                         <a:solidFill>
                           <a:schemeClr val="tx1"/>
                         </a:solidFill>
-                        <a:latin typeface="Adobe Clean" panose="020B0503020404020204" pitchFamily="34" charset="0"/>
+                        <a:latin typeface="Adobe Clean Han Regular" panose="020B0500000000000000" pitchFamily="34" charset="-128"/>
+                        <a:ea typeface="Adobe Clean Han Regular" panose="020B0500000000000000" pitchFamily="34" charset="-128"/>
                       </a:endParaRPr>
                     </a:p>
                   </a:txBody>
@@ -13749,7 +11386,10 @@
           <a:bodyPr wrap="square" lIns="0" tIns="0" rIns="0" bIns="0" rtlCol="0"/>
           <a:lstStyle/>
           <a:p>
-            <a:endParaRPr/>
+            <a:endParaRPr>
+              <a:latin typeface="Adobe Clean Han Regular" panose="020B0500000000000000" pitchFamily="34" charset="-128"/>
+              <a:ea typeface="Adobe Clean Han Regular" panose="020B0500000000000000" pitchFamily="34" charset="-128"/>
+            </a:endParaRPr>
           </a:p>
         </p:txBody>
       </p:sp>
@@ -13808,7 +11448,7 @@
           </a:bodyPr>
           <a:lstStyle/>
           <a:p>
-            <a:pPr marL="139065" marR="5080" indent="-139065">
+            <a:pPr marR="5080" algn="ctr">
               <a:lnSpc>
                 <a:spcPts val="1390"/>
               </a:lnSpc>
@@ -13817,129 +11457,37 @@
               </a:spcBef>
             </a:pPr>
             <a:r>
-              <a:rPr sz="1200" b="1" spc="-15" dirty="0">
+              <a:rPr lang="ja-JP" sz="1200" b="1" dirty="0">
                 <a:solidFill>
                   <a:srgbClr val="FFFFFF"/>
                 </a:solidFill>
-                <a:latin typeface="Adobe Clean"/>
+                <a:latin typeface="Adobe Clean Han Regular" panose="020B0500000000000000" pitchFamily="34" charset="-128"/>
+                <a:ea typeface="Adobe Clean Han Regular" panose="020B0500000000000000" pitchFamily="34" charset="-128"/>
                 <a:cs typeface="Adobe Clean"/>
               </a:rPr>
-              <a:t>U</a:t>
+              <a:t>卓越した</a:t>
             </a:r>
-            <a:r>
-              <a:rPr sz="1200" b="1" spc="-20" dirty="0">
+            <a:br>
+              <a:rPr lang="ja-JP" sz="1200" b="1" dirty="0">
                 <a:solidFill>
                   <a:srgbClr val="FFFFFF"/>
                 </a:solidFill>
-                <a:latin typeface="Adobe Clean"/>
+                <a:latin typeface="Adobe Clean Han Regular" panose="020B0500000000000000" pitchFamily="34" charset="-128"/>
+                <a:ea typeface="Adobe Clean Han Regular" panose="020B0500000000000000" pitchFamily="34" charset="-128"/>
                 <a:cs typeface="Adobe Clean"/>
               </a:rPr>
-              <a:t>n</a:t>
-            </a:r>
+            </a:br>
             <a:r>
-              <a:rPr sz="1200" b="1" spc="-25" dirty="0">
+              <a:rPr lang="ja-JP" sz="1200" b="1" dirty="0">
                 <a:solidFill>
                   <a:srgbClr val="FFFFFF"/>
                 </a:solidFill>
-                <a:latin typeface="Adobe Clean"/>
+                <a:latin typeface="Adobe Clean Han Regular" panose="020B0500000000000000" pitchFamily="34" charset="-128"/>
+                <a:ea typeface="Adobe Clean Han Regular" panose="020B0500000000000000" pitchFamily="34" charset="-128"/>
                 <a:cs typeface="Adobe Clean"/>
               </a:rPr>
-              <a:t>p</a:t>
+              <a:t>専門知識</a:t>
             </a:r>
-            <a:r>
-              <a:rPr sz="1200" b="1" spc="-15" dirty="0">
-                <a:solidFill>
-                  <a:srgbClr val="FFFFFF"/>
-                </a:solidFill>
-                <a:latin typeface="Adobe Clean"/>
-                <a:cs typeface="Adobe Clean"/>
-              </a:rPr>
-              <a:t>a</a:t>
-            </a:r>
-            <a:r>
-              <a:rPr sz="1200" b="1" spc="-25" dirty="0">
-                <a:solidFill>
-                  <a:srgbClr val="FFFFFF"/>
-                </a:solidFill>
-                <a:latin typeface="Adobe Clean"/>
-                <a:cs typeface="Adobe Clean"/>
-              </a:rPr>
-              <a:t>r</a:t>
-            </a:r>
-            <a:r>
-              <a:rPr sz="1200" b="1" spc="-15" dirty="0">
-                <a:solidFill>
-                  <a:srgbClr val="FFFFFF"/>
-                </a:solidFill>
-                <a:latin typeface="Adobe Clean"/>
-                <a:cs typeface="Adobe Clean"/>
-              </a:rPr>
-              <a:t>a</a:t>
-            </a:r>
-            <a:r>
-              <a:rPr sz="1200" b="1" spc="-30" dirty="0">
-                <a:solidFill>
-                  <a:srgbClr val="FFFFFF"/>
-                </a:solidFill>
-                <a:latin typeface="Adobe Clean"/>
-                <a:cs typeface="Adobe Clean"/>
-              </a:rPr>
-              <a:t>ll</a:t>
-            </a:r>
-            <a:r>
-              <a:rPr sz="1200" b="1" spc="-25" dirty="0">
-                <a:solidFill>
-                  <a:srgbClr val="FFFFFF"/>
-                </a:solidFill>
-                <a:latin typeface="Adobe Clean"/>
-                <a:cs typeface="Adobe Clean"/>
-              </a:rPr>
-              <a:t>e</a:t>
-            </a:r>
-            <a:r>
-              <a:rPr sz="1200" b="1" spc="-30" dirty="0">
-                <a:solidFill>
-                  <a:srgbClr val="FFFFFF"/>
-                </a:solidFill>
-                <a:latin typeface="Adobe Clean"/>
-                <a:cs typeface="Adobe Clean"/>
-              </a:rPr>
-              <a:t>l</a:t>
-            </a:r>
-            <a:r>
-              <a:rPr sz="1200" b="1" spc="-25" dirty="0">
-                <a:solidFill>
-                  <a:srgbClr val="FFFFFF"/>
-                </a:solidFill>
-                <a:latin typeface="Adobe Clean"/>
-                <a:cs typeface="Adobe Clean"/>
-              </a:rPr>
-              <a:t>e</a:t>
-            </a:r>
-            <a:r>
-              <a:rPr sz="1200" b="1" dirty="0">
-                <a:solidFill>
-                  <a:srgbClr val="FFFFFF"/>
-                </a:solidFill>
-                <a:latin typeface="Adobe Clean"/>
-                <a:cs typeface="Adobe Clean"/>
-              </a:rPr>
-              <a:t>d  </a:t>
-            </a:r>
-            <a:r>
-              <a:rPr sz="1200" b="1" spc="-25" dirty="0">
-                <a:solidFill>
-                  <a:srgbClr val="FFFFFF"/>
-                </a:solidFill>
-                <a:latin typeface="Adobe Clean"/>
-                <a:cs typeface="Adobe Clean"/>
-              </a:rPr>
-              <a:t>Expertise</a:t>
-            </a:r>
-            <a:endParaRPr sz="1200" dirty="0">
-              <a:latin typeface="Adobe Clean"/>
-              <a:cs typeface="Adobe Clean"/>
-            </a:endParaRPr>
           </a:p>
         </p:txBody>
       </p:sp>
@@ -13970,7 +11518,7 @@
           </a:bodyPr>
           <a:lstStyle/>
           <a:p>
-            <a:pPr marL="139065" marR="5080" indent="-139065">
+            <a:pPr marR="5080" algn="ctr">
               <a:lnSpc>
                 <a:spcPts val="1390"/>
               </a:lnSpc>
@@ -13979,19 +11527,37 @@
               </a:spcBef>
             </a:pPr>
             <a:r>
-              <a:rPr lang="en-US" sz="1200" b="1" spc="-15" dirty="0">
+              <a:rPr lang="ja-JP" sz="1200" b="1" dirty="0">
                 <a:solidFill>
                   <a:srgbClr val="FFFFFF"/>
                 </a:solidFill>
-                <a:latin typeface="Adobe Clean"/>
+                <a:latin typeface="Adobe Clean Han Regular" panose="020B0500000000000000" pitchFamily="34" charset="-128"/>
+                <a:ea typeface="Adobe Clean Han Regular" panose="020B0500000000000000" pitchFamily="34" charset="-128"/>
                 <a:cs typeface="Adobe Clean"/>
               </a:rPr>
-              <a:t>Accelerated Support</a:t>
+              <a:t>迅速な</a:t>
             </a:r>
-            <a:endParaRPr sz="1200" dirty="0">
-              <a:latin typeface="Adobe Clean"/>
-              <a:cs typeface="Adobe Clean"/>
-            </a:endParaRPr>
+            <a:br>
+              <a:rPr lang="ja-JP" sz="1200" b="1" dirty="0">
+                <a:solidFill>
+                  <a:srgbClr val="FFFFFF"/>
+                </a:solidFill>
+                <a:latin typeface="Adobe Clean Han Regular" panose="020B0500000000000000" pitchFamily="34" charset="-128"/>
+                <a:ea typeface="Adobe Clean Han Regular" panose="020B0500000000000000" pitchFamily="34" charset="-128"/>
+                <a:cs typeface="Adobe Clean"/>
+              </a:rPr>
+            </a:br>
+            <a:r>
+              <a:rPr lang="ja-JP" sz="1200" b="1" dirty="0">
+                <a:solidFill>
+                  <a:srgbClr val="FFFFFF"/>
+                </a:solidFill>
+                <a:latin typeface="Adobe Clean Han Regular" panose="020B0500000000000000" pitchFamily="34" charset="-128"/>
+                <a:ea typeface="Adobe Clean Han Regular" panose="020B0500000000000000" pitchFamily="34" charset="-128"/>
+                <a:cs typeface="Adobe Clean"/>
+              </a:rPr>
+              <a:t>サポート</a:t>
+            </a:r>
           </a:p>
         </p:txBody>
       </p:sp>
@@ -14009,8 +11575,8 @@
         </p:nvSpPr>
         <p:spPr>
           <a:xfrm>
-            <a:off x="6624119" y="8543943"/>
-            <a:ext cx="510540" cy="385445"/>
+            <a:off x="6477000" y="8543943"/>
+            <a:ext cx="810894" cy="382797"/>
           </a:xfrm>
           <a:prstGeom prst="rect">
             <a:avLst/>
@@ -14022,7 +11588,7 @@
           </a:bodyPr>
           <a:lstStyle/>
           <a:p>
-            <a:pPr marL="50800" marR="5080" indent="-51435">
+            <a:pPr marR="5080" algn="ctr">
               <a:lnSpc>
                 <a:spcPts val="1390"/>
               </a:lnSpc>
@@ -14031,109 +11597,37 @@
               </a:spcBef>
             </a:pPr>
             <a:r>
-              <a:rPr sz="1200" b="1" spc="-50" dirty="0">
+              <a:rPr lang="ja-JP" sz="1200" b="1" dirty="0">
                 <a:solidFill>
                   <a:srgbClr val="FFFFFF"/>
                 </a:solidFill>
-                <a:latin typeface="Adobe Clean"/>
+                <a:latin typeface="Adobe Clean Han Regular" panose="020B0500000000000000" pitchFamily="34" charset="-128"/>
+                <a:ea typeface="Adobe Clean Han Regular" panose="020B0500000000000000" pitchFamily="34" charset="-128"/>
                 <a:cs typeface="Adobe Clean"/>
               </a:rPr>
-              <a:t>S</a:t>
+              <a:t>戦略的</a:t>
             </a:r>
-            <a:r>
-              <a:rPr sz="1200" b="1" spc="-20" dirty="0">
+            <a:br>
+              <a:rPr lang="ja-JP" sz="1200" b="1" dirty="0">
                 <a:solidFill>
                   <a:srgbClr val="FFFFFF"/>
                 </a:solidFill>
-                <a:latin typeface="Adobe Clean"/>
+                <a:latin typeface="Adobe Clean Han Regular" panose="020B0500000000000000" pitchFamily="34" charset="-128"/>
+                <a:ea typeface="Adobe Clean Han Regular" panose="020B0500000000000000" pitchFamily="34" charset="-128"/>
                 <a:cs typeface="Adobe Clean"/>
               </a:rPr>
-              <a:t>t</a:t>
-            </a:r>
+            </a:br>
             <a:r>
-              <a:rPr sz="1200" b="1" spc="-75" dirty="0">
+              <a:rPr lang="ja-JP" sz="1200" b="1" dirty="0">
                 <a:solidFill>
                   <a:srgbClr val="FFFFFF"/>
                 </a:solidFill>
-                <a:latin typeface="Adobe Clean"/>
+                <a:latin typeface="Adobe Clean Han Regular" panose="020B0500000000000000" pitchFamily="34" charset="-128"/>
+                <a:ea typeface="Adobe Clean Han Regular" panose="020B0500000000000000" pitchFamily="34" charset="-128"/>
                 <a:cs typeface="Adobe Clean"/>
               </a:rPr>
-              <a:t>r</a:t>
+              <a:t>アドバイス</a:t>
             </a:r>
-            <a:r>
-              <a:rPr sz="1200" b="1" spc="-90" dirty="0">
-                <a:solidFill>
-                  <a:srgbClr val="FFFFFF"/>
-                </a:solidFill>
-                <a:latin typeface="Adobe Clean"/>
-                <a:cs typeface="Adobe Clean"/>
-              </a:rPr>
-              <a:t>a</a:t>
-            </a:r>
-            <a:r>
-              <a:rPr sz="1200" b="1" spc="-55" dirty="0">
-                <a:solidFill>
-                  <a:srgbClr val="FFFFFF"/>
-                </a:solidFill>
-                <a:latin typeface="Adobe Clean"/>
-                <a:cs typeface="Adobe Clean"/>
-              </a:rPr>
-              <a:t>t</a:t>
-            </a:r>
-            <a:r>
-              <a:rPr sz="1200" b="1" spc="-100" dirty="0">
-                <a:solidFill>
-                  <a:srgbClr val="FFFFFF"/>
-                </a:solidFill>
-                <a:latin typeface="Adobe Clean"/>
-                <a:cs typeface="Adobe Clean"/>
-              </a:rPr>
-              <a:t>e</a:t>
-            </a:r>
-            <a:r>
-              <a:rPr sz="1200" b="1" spc="-80" dirty="0">
-                <a:solidFill>
-                  <a:srgbClr val="FFFFFF"/>
-                </a:solidFill>
-                <a:latin typeface="Adobe Clean"/>
-                <a:cs typeface="Adobe Clean"/>
-              </a:rPr>
-              <a:t>g</a:t>
-            </a:r>
-            <a:r>
-              <a:rPr sz="1200" b="1" spc="-35" dirty="0">
-                <a:solidFill>
-                  <a:srgbClr val="FFFFFF"/>
-                </a:solidFill>
-                <a:latin typeface="Adobe Clean"/>
-                <a:cs typeface="Adobe Clean"/>
-              </a:rPr>
-              <a:t>i</a:t>
-            </a:r>
-            <a:r>
-              <a:rPr sz="1200" b="1" dirty="0">
-                <a:solidFill>
-                  <a:srgbClr val="FFFFFF"/>
-                </a:solidFill>
-                <a:latin typeface="Adobe Clean"/>
-                <a:cs typeface="Adobe Clean"/>
-              </a:rPr>
-              <a:t>c  </a:t>
-            </a:r>
-            <a:r>
-              <a:rPr sz="1200" b="1" spc="-45" dirty="0">
-                <a:solidFill>
-                  <a:srgbClr val="FFFFFF"/>
-                </a:solidFill>
-                <a:latin typeface="Adobe Clean"/>
-                <a:cs typeface="Adobe Clean"/>
-              </a:rPr>
-              <a:t>Advice</a:t>
-            </a:r>
-            <a:endParaRPr sz="1200" dirty="0">
-              <a:latin typeface="Adobe Clean"/>
-              <a:cs typeface="Adobe Clean"/>
-            </a:endParaRPr>
           </a:p>
         </p:txBody>
       </p:sp>
@@ -14152,7 +11646,7 @@
           <p:nvPr>
             <p:extLst>
               <p:ext uri="{D42A27DB-BD31-4B8C-83A1-F6EECF244321}">
-                <p14:modId xmlns:p14="http://schemas.microsoft.com/office/powerpoint/2010/main" val="375036756"/>
+                <p14:modId xmlns:p14="http://schemas.microsoft.com/office/powerpoint/2010/main" val="2300702165"/>
               </p:ext>
             </p:extLst>
           </p:nvPr>
@@ -14190,25 +11684,17 @@
                     <a:lstStyle/>
                     <a:p>
                       <a:r>
-                        <a:rPr lang="en-US" sz="1100" b="0" dirty="0">
+                        <a:rPr lang="ja-JP" sz="1100" b="0">
                           <a:solidFill>
                             <a:schemeClr val="tx1"/>
                           </a:solidFill>
-                          <a:latin typeface="Adobe Clean" panose="020B0503020404020204" pitchFamily="34" charset="0"/>
-                          <a:ea typeface="+mn-ea"/>
+                          <a:latin typeface="Adobe Clean Han Regular" panose="020B0500000000000000" pitchFamily="34" charset="-128"/>
+                          <a:ea typeface="Adobe Clean Han Regular" panose="020B0500000000000000" pitchFamily="34" charset="-128"/>
                           <a:cs typeface="+mn-cs"/>
                           <a:hlinkClick r:id="rId7"/>
                         </a:rPr>
                         <a:t>Experience League</a:t>
                       </a:r>
-                      <a:endParaRPr lang="en-US" sz="1100" b="0" dirty="0">
-                        <a:solidFill>
-                          <a:schemeClr val="tx1"/>
-                        </a:solidFill>
-                        <a:latin typeface="Adobe Clean" panose="020B0503020404020204" pitchFamily="34" charset="0"/>
-                        <a:ea typeface="+mn-ea"/>
-                        <a:cs typeface="+mn-cs"/>
-                      </a:endParaRPr>
                     </a:p>
                   </a:txBody>
                   <a:tcPr marL="47625" marR="47625" marT="0" marB="0" anchor="ctr">
@@ -14282,15 +11768,15 @@
                         <a:defRPr/>
                       </a:pPr>
                       <a:r>
-                        <a:rPr lang="en-US" sz="1000" b="0" kern="1200" dirty="0">
+                        <a:rPr lang="ja-JP" sz="1000" b="0">
                           <a:solidFill>
                             <a:srgbClr val="000000"/>
                           </a:solidFill>
-                          <a:latin typeface="Adobe Clean Light" panose="020B0303020404020204" pitchFamily="34" charset="0"/>
-                          <a:ea typeface="+mn-ea"/>
+                          <a:latin typeface="Adobe Clean Han Regular" panose="020B0500000000000000" pitchFamily="34" charset="-128"/>
+                          <a:ea typeface="Adobe Clean Han Regular" panose="020B0500000000000000" pitchFamily="34" charset="-128"/>
                           <a:cs typeface="+mn-cs"/>
                         </a:rPr>
-                        <a:t>Experience League is how Adobe helps businesses achieve the value they expect from their Adobe investment. It’s the unified place where customers can learn, connect, and grow along a personalized path to success that includes self-help tutorials, product documentation, instructor-led training, community and technical support. </a:t>
+                        <a:t>Experience League では、アドビへの投資に対して企業が期待している価値を実現するための支援を行います。セルフサービスのチュートリアル、製品ドキュメント、講師によるトレーニング、コミュニティ、テクニカルサポートなど、パーソナライズされた成功への道筋に沿って、お客様が学習し、繋がり、成長できる、統合された場所です。 </a:t>
                       </a:r>
                     </a:p>
                   </a:txBody>
@@ -14372,39 +11858,28 @@
                         <a:defRPr/>
                       </a:pPr>
                       <a:r>
-                        <a:rPr lang="en-US" sz="1100" dirty="0">
+                        <a:rPr lang="ja-JP" sz="1100" dirty="0">
                           <a:solidFill>
                             <a:schemeClr val="dk1"/>
                           </a:solidFill>
-                          <a:effectLst/>
-                          <a:latin typeface="Adobe Clean" panose="020B0503020404020204" pitchFamily="34" charset="0"/>
-                          <a:ea typeface="+mn-ea"/>
+                          <a:latin typeface="Adobe Clean Han Regular" panose="020B0500000000000000" pitchFamily="34" charset="-128"/>
+                          <a:ea typeface="Adobe Clean Han Regular" panose="020B0500000000000000" pitchFamily="34" charset="-128"/>
                           <a:cs typeface="+mn-cs"/>
                           <a:hlinkClick r:id="rId8"/>
                         </a:rPr>
-                        <a:t>Training</a:t>
+                        <a:t>トレーニング</a:t>
                       </a:r>
                       <a:r>
-                        <a:rPr lang="en-US" sz="1100" dirty="0">
+                        <a:rPr lang="ja-JP" sz="1100" dirty="0">
                           <a:solidFill>
                             <a:schemeClr val="dk1"/>
                           </a:solidFill>
-                          <a:effectLst/>
-                          <a:latin typeface="Adobe Clean" panose="020B0503020404020204" pitchFamily="34" charset="0"/>
-                          <a:ea typeface="+mn-ea"/>
+                          <a:latin typeface="Adobe Clean Han Regular" panose="020B0500000000000000" pitchFamily="34" charset="-128"/>
+                          <a:ea typeface="Adobe Clean Han Regular" panose="020B0500000000000000" pitchFamily="34" charset="-128"/>
                           <a:cs typeface="+mn-cs"/>
                         </a:rPr>
                         <a:t> </a:t>
                       </a:r>
-                      <a:endParaRPr lang="en-US" sz="1100" dirty="0">
-                        <a:solidFill>
-                          <a:schemeClr val="tx1"/>
-                        </a:solidFill>
-                        <a:effectLst/>
-                        <a:latin typeface="Adobe Clean" panose="020B0503020404020204" pitchFamily="34" charset="0"/>
-                        <a:ea typeface="+mn-ea"/>
-                        <a:cs typeface="+mn-cs"/>
-                      </a:endParaRPr>
                     </a:p>
                   </a:txBody>
                   <a:tcPr anchor="ctr">
@@ -14478,15 +11953,15 @@
                         <a:defRPr/>
                       </a:pPr>
                       <a:r>
-                        <a:rPr lang="en-US" sz="1000" kern="1200" dirty="0">
+                        <a:rPr lang="ja-JP" sz="1000">
                           <a:solidFill>
                             <a:srgbClr val="000000"/>
                           </a:solidFill>
-                          <a:latin typeface="Adobe Clean Light" panose="020B0303020404020204" pitchFamily="34" charset="0"/>
-                          <a:ea typeface="+mn-ea"/>
+                          <a:latin typeface="Adobe Clean Han Regular" panose="020B0500000000000000" pitchFamily="34" charset="-128"/>
+                          <a:ea typeface="Adobe Clean Han Regular" panose="020B0500000000000000" pitchFamily="34" charset="-128"/>
                           <a:cs typeface="+mn-cs"/>
                         </a:rPr>
-                        <a:t>Adobe Digital Learning Services courses are accessible from Experience League. Learning courses integrate both on-demand and instructor-led lessons.  Here you can accrue skills that have recognized market value and position them to drive success in your organizations.</a:t>
+                        <a:t>Adobe Digital Learning Services のコースには、Experience League からアクセスできます。ラーニングコースは、オンデマンドレッスンと講師によるレッスンが統合されています。  市場価値が認められたスキルを習得し、組織での成功を促進するために活用できます。</a:t>
                       </a:r>
                     </a:p>
                   </a:txBody>
@@ -14568,27 +12043,17 @@
                         <a:defRPr/>
                       </a:pPr>
                       <a:r>
-                        <a:rPr lang="en-US" sz="1100" dirty="0">
+                        <a:rPr lang="ja-JP" sz="1100">
                           <a:solidFill>
                             <a:schemeClr val="tx1"/>
                           </a:solidFill>
-                          <a:effectLst/>
-                          <a:latin typeface="Adobe Clean" panose="020B0503020404020204" pitchFamily="34" charset="0"/>
-                          <a:ea typeface="+mn-ea"/>
+                          <a:latin typeface="Adobe Clean Han Regular" panose="020B0500000000000000" pitchFamily="34" charset="-128"/>
+                          <a:ea typeface="Adobe Clean Han Regular" panose="020B0500000000000000" pitchFamily="34" charset="-128"/>
                           <a:cs typeface="+mn-cs"/>
                           <a:hlinkClick r:id="rId9"/>
                         </a:rPr>
-                        <a:t>Production Issues &amp; System Outages</a:t>
+                        <a:t>本番環境の問題とシステム障害</a:t>
                       </a:r>
-                      <a:endParaRPr lang="en-US" sz="1100" dirty="0">
-                        <a:solidFill>
-                          <a:schemeClr val="tx1"/>
-                        </a:solidFill>
-                        <a:effectLst/>
-                        <a:latin typeface="Adobe Clean" panose="020B0503020404020204" pitchFamily="34" charset="0"/>
-                        <a:ea typeface="+mn-ea"/>
-                        <a:cs typeface="+mn-cs"/>
-                      </a:endParaRPr>
                     </a:p>
                   </a:txBody>
                   <a:tcPr anchor="ctr">
@@ -14662,15 +12127,15 @@
                         <a:defRPr/>
                       </a:pPr>
                       <a:r>
-                        <a:rPr lang="en-US" sz="1000" kern="1200" dirty="0">
+                        <a:rPr lang="ja-JP" sz="1000" spc="-20" baseline="0" dirty="0">
                           <a:solidFill>
                             <a:srgbClr val="000000"/>
                           </a:solidFill>
-                          <a:latin typeface="Adobe Clean Light" panose="020B0303020404020204" pitchFamily="34" charset="0"/>
-                          <a:ea typeface="+mn-ea"/>
+                          <a:latin typeface="Adobe Clean Han Regular" panose="020B0500000000000000" pitchFamily="34" charset="-128"/>
+                          <a:ea typeface="Adobe Clean Han Regular" panose="020B0500000000000000" pitchFamily="34" charset="-128"/>
                           <a:cs typeface="+mn-cs"/>
                         </a:rPr>
-                        <a:t>Status.adobe.com conveys the health information of all Adobe products and services that are deployed in multi-tenant environments. Customers can choose their subscription preferences to get email notifications whenever Adobe creates, updates or resolves a product event. This can include scheduled maintenance or service issues of varying levels of severity. </a:t>
+                        <a:t>status.adobe.com では、マルチテナント環境にデプロイされたすべてのアドビ製品およびサービスのシステムステータス情報が表示されます。お客様は、アドビが製品イベントを作成、更新、解決した際に電子メール通知を受け取るようサブスクリプション設定を選択できます。イベントには、定期的なメンテナンスや、様々な重大度レベルの問題が含まれています。 </a:t>
                       </a:r>
                     </a:p>
                   </a:txBody>
@@ -14752,27 +12217,17 @@
                         <a:defRPr/>
                       </a:pPr>
                       <a:r>
-                        <a:rPr lang="en-US" sz="1100" dirty="0">
+                        <a:rPr lang="ja-JP" sz="1100">
                           <a:solidFill>
                             <a:schemeClr val="tx1"/>
                           </a:solidFill>
-                          <a:effectLst/>
-                          <a:latin typeface="Adobe Clean" panose="020B0503020404020204" pitchFamily="34" charset="0"/>
-                          <a:ea typeface="+mn-ea"/>
+                          <a:latin typeface="Adobe Clean Han Regular" panose="020B0500000000000000" pitchFamily="34" charset="-128"/>
+                          <a:ea typeface="Adobe Clean Han Regular" panose="020B0500000000000000" pitchFamily="34" charset="-128"/>
                           <a:cs typeface="+mn-cs"/>
                           <a:hlinkClick r:id="rId10"/>
                         </a:rPr>
-                        <a:t>Terms and Conditions</a:t>
+                        <a:t>利用規約</a:t>
                       </a:r>
-                      <a:endParaRPr lang="en-US" sz="1100" dirty="0">
-                        <a:solidFill>
-                          <a:schemeClr val="tx1"/>
-                        </a:solidFill>
-                        <a:effectLst/>
-                        <a:latin typeface="Adobe Clean" panose="020B0503020404020204" pitchFamily="34" charset="0"/>
-                        <a:ea typeface="+mn-ea"/>
-                        <a:cs typeface="+mn-cs"/>
-                      </a:endParaRPr>
                     </a:p>
                   </a:txBody>
                   <a:tcPr anchor="ctr">
@@ -14829,15 +12284,15 @@
                     <a:lstStyle/>
                     <a:p>
                       <a:r>
-                        <a:rPr lang="en-US" sz="1000" kern="1200" dirty="0">
+                        <a:rPr lang="ja-JP" sz="1000" dirty="0">
                           <a:solidFill>
                             <a:srgbClr val="000000"/>
                           </a:solidFill>
-                          <a:latin typeface="Adobe Clean Light" panose="020B0303020404020204" pitchFamily="34" charset="0"/>
-                          <a:ea typeface="+mn-ea"/>
+                          <a:latin typeface="Adobe Clean Han Regular" panose="020B0500000000000000" pitchFamily="34" charset="-128"/>
+                          <a:ea typeface="Adobe Clean Han Regular" panose="020B0500000000000000" pitchFamily="34" charset="-128"/>
                           <a:cs typeface="+mn-cs"/>
                         </a:rPr>
-                        <a:t>Terms and conditions detailing Support Services offerings</a:t>
+                        <a:t>提供するサポートサービスについて詳しく説明されています。</a:t>
                       </a:r>
                     </a:p>
                   </a:txBody>
@@ -15073,71 +12528,13 @@
     <a:fontScheme name="Office">
       <a:majorFont>
         <a:latin typeface="Calibri"/>
-        <a:ea typeface=""/>
+        <a:ea typeface="MS Mincho"/>
         <a:cs typeface=""/>
-        <a:font script="Jpan" typeface="ＭＳ Ｐゴシック"/>
-        <a:font script="Hang" typeface="맑은 고딕"/>
-        <a:font script="Hans" typeface="宋体"/>
-        <a:font script="Hant" typeface="新細明體"/>
-        <a:font script="Arab" typeface="Times New Roman"/>
-        <a:font script="Hebr" typeface="Times New Roman"/>
-        <a:font script="Thai" typeface="Angsana New"/>
-        <a:font script="Ethi" typeface="Nyala"/>
-        <a:font script="Beng" typeface="Vrinda"/>
-        <a:font script="Gujr" typeface="Shruti"/>
-        <a:font script="Khmr" typeface="MoolBoran"/>
-        <a:font script="Knda" typeface="Tunga"/>
-        <a:font script="Guru" typeface="Raavi"/>
-        <a:font script="Cans" typeface="Euphemia"/>
-        <a:font script="Cher" typeface="Plantagenet Cherokee"/>
-        <a:font script="Yiii" typeface="Microsoft Yi Baiti"/>
-        <a:font script="Tibt" typeface="Microsoft Himalaya"/>
-        <a:font script="Thaa" typeface="MV Boli"/>
-        <a:font script="Deva" typeface="Mangal"/>
-        <a:font script="Telu" typeface="Gautami"/>
-        <a:font script="Taml" typeface="Latha"/>
-        <a:font script="Syrc" typeface="Estrangelo Edessa"/>
-        <a:font script="Orya" typeface="Kalinga"/>
-        <a:font script="Mlym" typeface="Kartika"/>
-        <a:font script="Laoo" typeface="DokChampa"/>
-        <a:font script="Sinh" typeface="Iskoola Pota"/>
-        <a:font script="Mong" typeface="Mongolian Baiti"/>
-        <a:font script="Viet" typeface="Times New Roman"/>
-        <a:font script="Uigh" typeface="Microsoft Uighur"/>
       </a:majorFont>
       <a:minorFont>
         <a:latin typeface="Calibri"/>
-        <a:ea typeface=""/>
+        <a:ea typeface="MS Mincho"/>
         <a:cs typeface=""/>
-        <a:font script="Jpan" typeface="ＭＳ Ｐゴシック"/>
-        <a:font script="Hang" typeface="맑은 고딕"/>
-        <a:font script="Hans" typeface="宋体"/>
-        <a:font script="Hant" typeface="新細明體"/>
-        <a:font script="Arab" typeface="Arial"/>
-        <a:font script="Hebr" typeface="Arial"/>
-        <a:font script="Thai" typeface="Cordia New"/>
-        <a:font script="Ethi" typeface="Nyala"/>
-        <a:font script="Beng" typeface="Vrinda"/>
-        <a:font script="Gujr" typeface="Shruti"/>
-        <a:font script="Khmr" typeface="DaunPenh"/>
-        <a:font script="Knda" typeface="Tunga"/>
-        <a:font script="Guru" typeface="Raavi"/>
-        <a:font script="Cans" typeface="Euphemia"/>
-        <a:font script="Cher" typeface="Plantagenet Cherokee"/>
-        <a:font script="Yiii" typeface="Microsoft Yi Baiti"/>
-        <a:font script="Tibt" typeface="Microsoft Himalaya"/>
-        <a:font script="Thaa" typeface="MV Boli"/>
-        <a:font script="Deva" typeface="Mangal"/>
-        <a:font script="Telu" typeface="Gautami"/>
-        <a:font script="Taml" typeface="Latha"/>
-        <a:font script="Syrc" typeface="Estrangelo Edessa"/>
-        <a:font script="Orya" typeface="Kalinga"/>
-        <a:font script="Mlym" typeface="Kartika"/>
-        <a:font script="Laoo" typeface="DokChampa"/>
-        <a:font script="Sinh" typeface="Iskoola Pota"/>
-        <a:font script="Mong" typeface="Mongolian Baiti"/>
-        <a:font script="Viet" typeface="Arial"/>
-        <a:font script="Uigh" typeface="Microsoft Uighur"/>
       </a:minorFont>
     </a:fontScheme>
     <a:fmtScheme name="Office">
@@ -15356,107 +12753,13 @@
     <a:fontScheme name="Office">
       <a:majorFont>
         <a:latin typeface="Calibri Light" panose="020F0302020204030204"/>
-        <a:ea typeface=""/>
+        <a:ea typeface="MS Mincho"/>
         <a:cs typeface=""/>
-        <a:font script="Jpan" typeface="游ゴシック Light"/>
-        <a:font script="Hang" typeface="맑은 고딕"/>
-        <a:font script="Hans" typeface="等线 Light"/>
-        <a:font script="Hant" typeface="新細明體"/>
-        <a:font script="Arab" typeface="Times New Roman"/>
-        <a:font script="Hebr" typeface="Times New Roman"/>
-        <a:font script="Thai" typeface="Angsana New"/>
-        <a:font script="Ethi" typeface="Nyala"/>
-        <a:font script="Beng" typeface="Vrinda"/>
-        <a:font script="Gujr" typeface="Shruti"/>
-        <a:font script="Khmr" typeface="MoolBoran"/>
-        <a:font script="Knda" typeface="Tunga"/>
-        <a:font script="Guru" typeface="Raavi"/>
-        <a:font script="Cans" typeface="Euphemia"/>
-        <a:font script="Cher" typeface="Plantagenet Cherokee"/>
-        <a:font script="Yiii" typeface="Microsoft Yi Baiti"/>
-        <a:font script="Tibt" typeface="Microsoft Himalaya"/>
-        <a:font script="Thaa" typeface="MV Boli"/>
-        <a:font script="Deva" typeface="Mangal"/>
-        <a:font script="Telu" typeface="Gautami"/>
-        <a:font script="Taml" typeface="Latha"/>
-        <a:font script="Syrc" typeface="Estrangelo Edessa"/>
-        <a:font script="Orya" typeface="Kalinga"/>
-        <a:font script="Mlym" typeface="Kartika"/>
-        <a:font script="Laoo" typeface="DokChampa"/>
-        <a:font script="Sinh" typeface="Iskoola Pota"/>
-        <a:font script="Mong" typeface="Mongolian Baiti"/>
-        <a:font script="Viet" typeface="Times New Roman"/>
-        <a:font script="Uigh" typeface="Microsoft Uighur"/>
-        <a:font script="Geor" typeface="Sylfaen"/>
-        <a:font script="Armn" typeface="Arial"/>
-        <a:font script="Bugi" typeface="Leelawadee UI"/>
-        <a:font script="Bopo" typeface="Microsoft JhengHei"/>
-        <a:font script="Java" typeface="Javanese Text"/>
-        <a:font script="Lisu" typeface="Segoe UI"/>
-        <a:font script="Mymr" typeface="Myanmar Text"/>
-        <a:font script="Nkoo" typeface="Ebrima"/>
-        <a:font script="Olck" typeface="Nirmala UI"/>
-        <a:font script="Osma" typeface="Ebrima"/>
-        <a:font script="Phag" typeface="Phagspa"/>
-        <a:font script="Syrn" typeface="Estrangelo Edessa"/>
-        <a:font script="Syrj" typeface="Estrangelo Edessa"/>
-        <a:font script="Syre" typeface="Estrangelo Edessa"/>
-        <a:font script="Sora" typeface="Nirmala UI"/>
-        <a:font script="Tale" typeface="Microsoft Tai Le"/>
-        <a:font script="Talu" typeface="Microsoft New Tai Lue"/>
-        <a:font script="Tfng" typeface="Ebrima"/>
       </a:majorFont>
       <a:minorFont>
         <a:latin typeface="Calibri" panose="020F0502020204030204"/>
-        <a:ea typeface=""/>
+        <a:ea typeface="MS Mincho"/>
         <a:cs typeface=""/>
-        <a:font script="Jpan" typeface="游ゴシック"/>
-        <a:font script="Hang" typeface="맑은 고딕"/>
-        <a:font script="Hans" typeface="等线"/>
-        <a:font script="Hant" typeface="新細明體"/>
-        <a:font script="Arab" typeface="Arial"/>
-        <a:font script="Hebr" typeface="Arial"/>
-        <a:font script="Thai" typeface="Cordia New"/>
-        <a:font script="Ethi" typeface="Nyala"/>
-        <a:font script="Beng" typeface="Vrinda"/>
-        <a:font script="Gujr" typeface="Shruti"/>
-        <a:font script="Khmr" typeface="DaunPenh"/>
-        <a:font script="Knda" typeface="Tunga"/>
-        <a:font script="Guru" typeface="Raavi"/>
-        <a:font script="Cans" typeface="Euphemia"/>
-        <a:font script="Cher" typeface="Plantagenet Cherokee"/>
-        <a:font script="Yiii" typeface="Microsoft Yi Baiti"/>
-        <a:font script="Tibt" typeface="Microsoft Himalaya"/>
-        <a:font script="Thaa" typeface="MV Boli"/>
-        <a:font script="Deva" typeface="Mangal"/>
-        <a:font script="Telu" typeface="Gautami"/>
-        <a:font script="Taml" typeface="Latha"/>
-        <a:font script="Syrc" typeface="Estrangelo Edessa"/>
-        <a:font script="Orya" typeface="Kalinga"/>
-        <a:font script="Mlym" typeface="Kartika"/>
-        <a:font script="Laoo" typeface="DokChampa"/>
-        <a:font script="Sinh" typeface="Iskoola Pota"/>
-        <a:font script="Mong" typeface="Mongolian Baiti"/>
-        <a:font script="Viet" typeface="Arial"/>
-        <a:font script="Uigh" typeface="Microsoft Uighur"/>
-        <a:font script="Geor" typeface="Sylfaen"/>
-        <a:font script="Armn" typeface="Arial"/>
-        <a:font script="Bugi" typeface="Leelawadee UI"/>
-        <a:font script="Bopo" typeface="Microsoft JhengHei"/>
-        <a:font script="Java" typeface="Javanese Text"/>
-        <a:font script="Lisu" typeface="Segoe UI"/>
-        <a:font script="Mymr" typeface="Myanmar Text"/>
-        <a:font script="Nkoo" typeface="Ebrima"/>
-        <a:font script="Olck" typeface="Nirmala UI"/>
-        <a:font script="Osma" typeface="Ebrima"/>
-        <a:font script="Phag" typeface="Phagspa"/>
-        <a:font script="Syrn" typeface="Estrangelo Edessa"/>
-        <a:font script="Syrj" typeface="Estrangelo Edessa"/>
-        <a:font script="Syre" typeface="Estrangelo Edessa"/>
-        <a:font script="Sora" typeface="Nirmala UI"/>
-        <a:font script="Tale" typeface="Microsoft Tai Le"/>
-        <a:font script="Talu" typeface="Microsoft New Tai Lue"/>
-        <a:font script="Tfng" typeface="Ebrima"/>
       </a:minorFont>
     </a:fontScheme>
     <a:fmtScheme name="Office">
@@ -15608,12 +12911,6 @@
 </file>
 
 <file path=customXml/item1.xml><?xml version="1.0" encoding="utf-8"?>
-<p:properties xmlns:p="http://schemas.microsoft.com/office/2006/metadata/properties" xmlns:xsi="http://www.w3.org/2001/XMLSchema-instance" xmlns:pc="http://schemas.microsoft.com/office/infopath/2007/PartnerControls">
-  <documentManagement/>
-</p:properties>
-</file>
-
-<file path=customXml/item2.xml><?xml version="1.0" encoding="utf-8"?>
 <ct:contentTypeSchema xmlns:ct="http://schemas.microsoft.com/office/2006/metadata/contentType" xmlns:ma="http://schemas.microsoft.com/office/2006/metadata/properties/metaAttributes" ct:_="" ma:_="" ma:contentTypeName="Document" ma:contentTypeID="0x010100E783BF6876BCC646A459363AF21A7736" ma:contentTypeVersion="10" ma:contentTypeDescription="Create a new document." ma:contentTypeScope="" ma:versionID="c4ffda7f4f415767600769e454c2ea87">
   <xsd:schema xmlns:xsd="http://www.w3.org/2001/XMLSchema" xmlns:xs="http://www.w3.org/2001/XMLSchema" xmlns:p="http://schemas.microsoft.com/office/2006/metadata/properties" xmlns:ns2="8a053bff-88be-49e4-9a87-e748e18b8b62" xmlns:ns3="6c8368ec-3776-49b5-a5bb-90648cf9530f" targetNamespace="http://schemas.microsoft.com/office/2006/metadata/properties" ma:root="true" ma:fieldsID="df3ec33bccc23e23bce7bc897fad43d1" ns2:_="" ns3:_="">
     <xsd:import namespace="8a053bff-88be-49e4-9a87-e748e18b8b62"/>
@@ -15818,6 +13115,12 @@
 </ct:contentTypeSchema>
 </file>
 
+<file path=customXml/item2.xml><?xml version="1.0" encoding="utf-8"?>
+<p:properties xmlns:p="http://schemas.microsoft.com/office/2006/metadata/properties" xmlns:xsi="http://www.w3.org/2001/XMLSchema-instance" xmlns:pc="http://schemas.microsoft.com/office/infopath/2007/PartnerControls">
+  <documentManagement/>
+</p:properties>
+</file>
+
 <file path=customXml/item3.xml><?xml version="1.0" encoding="utf-8"?>
 <?mso-contentType ?>
 <FormTemplates xmlns="http://schemas.microsoft.com/sharepoint/v3/contenttype/forms">
@@ -15828,15 +13131,6 @@
 </file>
 
 <file path=customXml/itemProps1.xml><?xml version="1.0" encoding="utf-8"?>
-<ds:datastoreItem xmlns:ds="http://schemas.openxmlformats.org/officeDocument/2006/customXml" ds:itemID="{8D12BD98-169B-4BEE-86DF-4C9641DF23C4}">
-  <ds:schemaRefs>
-    <ds:schemaRef ds:uri="http://schemas.microsoft.com/office/2006/metadata/properties"/>
-    <ds:schemaRef ds:uri="http://schemas.microsoft.com/office/infopath/2007/PartnerControls"/>
-  </ds:schemaRefs>
-</ds:datastoreItem>
-</file>
-
-<file path=customXml/itemProps2.xml><?xml version="1.0" encoding="utf-8"?>
 <ds:datastoreItem xmlns:ds="http://schemas.openxmlformats.org/officeDocument/2006/customXml" ds:itemID="{34863498-7BB7-4F09-9F4A-B99E97FDB0EB}">
   <ds:schemaRefs>
     <ds:schemaRef ds:uri="http://schemas.microsoft.com/office/2006/metadata/contentType"/>
@@ -15855,6 +13149,15 @@
 </ds:datastoreItem>
 </file>
 
+<file path=customXml/itemProps2.xml><?xml version="1.0" encoding="utf-8"?>
+<ds:datastoreItem xmlns:ds="http://schemas.openxmlformats.org/officeDocument/2006/customXml" ds:itemID="{8D12BD98-169B-4BEE-86DF-4C9641DF23C4}">
+  <ds:schemaRefs>
+    <ds:schemaRef ds:uri="http://schemas.microsoft.com/office/2006/metadata/properties"/>
+    <ds:schemaRef ds:uri="http://schemas.microsoft.com/office/infopath/2007/PartnerControls"/>
+  </ds:schemaRefs>
+</ds:datastoreItem>
+</file>
+
 <file path=customXml/itemProps3.xml><?xml version="1.0" encoding="utf-8"?>
 <ds:datastoreItem xmlns:ds="http://schemas.openxmlformats.org/officeDocument/2006/customXml" ds:itemID="{AC92E7FA-19A2-4675-9C77-2C92D8A268D1}">
   <ds:schemaRefs>

--- a/help/data-sheets/assets/OnlineSupportDatasheet.pptx
+++ b/help/data-sheets/assets/OnlineSupportDatasheet.pptx
@@ -131,7 +131,7 @@
 <file path=ppt/revisionInfo.xml><?xml version="1.0" encoding="utf-8"?>
 <p1510:revInfo xmlns:a="http://schemas.openxmlformats.org/drawingml/2006/main" xmlns:r="http://schemas.openxmlformats.org/officeDocument/2006/relationships" xmlns:p1510="http://schemas.microsoft.com/office/powerpoint/2015/10/main">
   <p1510:revLst>
-    <p1510:client id="{5343DD59-8FB2-7AAD-1875-255EDB54B98D}" v="367" dt="2021-09-22T18:47:16.489"/>
+    <p1510:client id="{096F7488-A26A-D845-83B0-BE2FC48D1AFD}" v="1" dt="2021-10-13T19:37:08.512"/>
   </p1510:revLst>
 </p1510:revInfo>
 </file>
@@ -167,6 +167,186 @@
             <ac:graphicFrameMk id="25" creationId="{3A91F5B0-3974-A14D-A146-FB590F2AAD18}"/>
           </ac:graphicFrameMkLst>
         </pc:graphicFrameChg>
+      </pc:sldChg>
+    </pc:docChg>
+  </pc:docChgLst>
+  <pc:docChgLst>
+    <pc:chgData name="Akilah Johnson" userId="S::akjohnso@adobe.com::2fa3aa60-0c9c-4d06-bae2-795983241227" providerId="AD" clId="Web-{57A486D7-8267-4044-450E-B1D42691F1A4}"/>
+    <pc:docChg chg="modSld">
+      <pc:chgData name="Akilah Johnson" userId="S::akjohnso@adobe.com::2fa3aa60-0c9c-4d06-bae2-795983241227" providerId="AD" clId="Web-{57A486D7-8267-4044-450E-B1D42691F1A4}" dt="2021-10-12T15:47:55.091" v="2" actId="20577"/>
+      <pc:docMkLst>
+        <pc:docMk/>
+      </pc:docMkLst>
+      <pc:sldChg chg="modSp">
+        <pc:chgData name="Akilah Johnson" userId="S::akjohnso@adobe.com::2fa3aa60-0c9c-4d06-bae2-795983241227" providerId="AD" clId="Web-{57A486D7-8267-4044-450E-B1D42691F1A4}" dt="2021-10-12T15:47:55.091" v="2" actId="20577"/>
+        <pc:sldMkLst>
+          <pc:docMk/>
+          <pc:sldMk cId="0" sldId="256"/>
+        </pc:sldMkLst>
+        <pc:spChg chg="mod">
+          <ac:chgData name="Akilah Johnson" userId="S::akjohnso@adobe.com::2fa3aa60-0c9c-4d06-bae2-795983241227" providerId="AD" clId="Web-{57A486D7-8267-4044-450E-B1D42691F1A4}" dt="2021-10-12T15:47:55.091" v="2" actId="20577"/>
+          <ac:spMkLst>
+            <pc:docMk/>
+            <pc:sldMk cId="0" sldId="256"/>
+            <ac:spMk id="5" creationId="{00000000-0000-0000-0000-000000000000}"/>
+          </ac:spMkLst>
+        </pc:spChg>
+      </pc:sldChg>
+    </pc:docChg>
+  </pc:docChgLst>
+  <pc:docChgLst>
+    <pc:chgData name="Lauren Schutte" userId="6e08b2d3-447a-4d66-86be-444d50df187f" providerId="ADAL" clId="{096F7488-A26A-D845-83B0-BE2FC48D1AFD}"/>
+    <pc:docChg chg="modSld">
+      <pc:chgData name="Lauren Schutte" userId="6e08b2d3-447a-4d66-86be-444d50df187f" providerId="ADAL" clId="{096F7488-A26A-D845-83B0-BE2FC48D1AFD}" dt="2021-10-13T19:38:26.139" v="4" actId="20577"/>
+      <pc:docMkLst>
+        <pc:docMk/>
+      </pc:docMkLst>
+      <pc:sldChg chg="modSp mod">
+        <pc:chgData name="Lauren Schutte" userId="6e08b2d3-447a-4d66-86be-444d50df187f" providerId="ADAL" clId="{096F7488-A26A-D845-83B0-BE2FC48D1AFD}" dt="2021-10-13T19:37:16.686" v="2" actId="242"/>
+        <pc:sldMkLst>
+          <pc:docMk/>
+          <pc:sldMk cId="0" sldId="256"/>
+        </pc:sldMkLst>
+        <pc:graphicFrameChg chg="mod modGraphic">
+          <ac:chgData name="Lauren Schutte" userId="6e08b2d3-447a-4d66-86be-444d50df187f" providerId="ADAL" clId="{096F7488-A26A-D845-83B0-BE2FC48D1AFD}" dt="2021-10-13T19:37:16.686" v="2" actId="242"/>
+          <ac:graphicFrameMkLst>
+            <pc:docMk/>
+            <pc:sldMk cId="0" sldId="256"/>
+            <ac:graphicFrameMk id="9" creationId="{00000000-0000-0000-0000-000000000000}"/>
+          </ac:graphicFrameMkLst>
+        </pc:graphicFrameChg>
+      </pc:sldChg>
+      <pc:sldChg chg="modSp mod">
+        <pc:chgData name="Lauren Schutte" userId="6e08b2d3-447a-4d66-86be-444d50df187f" providerId="ADAL" clId="{096F7488-A26A-D845-83B0-BE2FC48D1AFD}" dt="2021-10-13T19:38:11.810" v="3" actId="20577"/>
+        <pc:sldMkLst>
+          <pc:docMk/>
+          <pc:sldMk cId="0" sldId="257"/>
+        </pc:sldMkLst>
+        <pc:spChg chg="mod">
+          <ac:chgData name="Lauren Schutte" userId="6e08b2d3-447a-4d66-86be-444d50df187f" providerId="ADAL" clId="{096F7488-A26A-D845-83B0-BE2FC48D1AFD}" dt="2021-10-13T19:38:11.810" v="3" actId="20577"/>
+          <ac:spMkLst>
+            <pc:docMk/>
+            <pc:sldMk cId="0" sldId="257"/>
+            <ac:spMk id="39" creationId="{00000000-0000-0000-0000-000000000000}"/>
+          </ac:spMkLst>
+        </pc:spChg>
+      </pc:sldChg>
+      <pc:sldChg chg="modSp mod">
+        <pc:chgData name="Lauren Schutte" userId="6e08b2d3-447a-4d66-86be-444d50df187f" providerId="ADAL" clId="{096F7488-A26A-D845-83B0-BE2FC48D1AFD}" dt="2021-10-13T19:38:26.139" v="4" actId="20577"/>
+        <pc:sldMkLst>
+          <pc:docMk/>
+          <pc:sldMk cId="799510854" sldId="260"/>
+        </pc:sldMkLst>
+        <pc:graphicFrameChg chg="modGraphic">
+          <ac:chgData name="Lauren Schutte" userId="6e08b2d3-447a-4d66-86be-444d50df187f" providerId="ADAL" clId="{096F7488-A26A-D845-83B0-BE2FC48D1AFD}" dt="2021-10-13T19:38:26.139" v="4" actId="20577"/>
+          <ac:graphicFrameMkLst>
+            <pc:docMk/>
+            <pc:sldMk cId="799510854" sldId="260"/>
+            <ac:graphicFrameMk id="111" creationId="{D8653CEC-4213-DE40-9BAF-D1E3318FF89C}"/>
+          </ac:graphicFrameMkLst>
+        </pc:graphicFrameChg>
+      </pc:sldChg>
+    </pc:docChg>
+  </pc:docChgLst>
+  <pc:docChgLst>
+    <pc:chgData name="Akilah Johnson" userId="S::akjohnso@adobe.com::2fa3aa60-0c9c-4d06-bae2-795983241227" providerId="AD" clId="Web-{CF46E89E-48FC-BA32-13C5-654DDA452FDC}"/>
+    <pc:docChg chg="modSld">
+      <pc:chgData name="Akilah Johnson" userId="S::akjohnso@adobe.com::2fa3aa60-0c9c-4d06-bae2-795983241227" providerId="AD" clId="Web-{CF46E89E-48FC-BA32-13C5-654DDA452FDC}" dt="2021-10-12T17:00:50.675" v="21" actId="20577"/>
+      <pc:docMkLst>
+        <pc:docMk/>
+      </pc:docMkLst>
+      <pc:sldChg chg="modSp">
+        <pc:chgData name="Akilah Johnson" userId="S::akjohnso@adobe.com::2fa3aa60-0c9c-4d06-bae2-795983241227" providerId="AD" clId="Web-{CF46E89E-48FC-BA32-13C5-654DDA452FDC}" dt="2021-10-12T16:58:10.550" v="6" actId="20577"/>
+        <pc:sldMkLst>
+          <pc:docMk/>
+          <pc:sldMk cId="0" sldId="256"/>
+        </pc:sldMkLst>
+        <pc:spChg chg="mod">
+          <ac:chgData name="Akilah Johnson" userId="S::akjohnso@adobe.com::2fa3aa60-0c9c-4d06-bae2-795983241227" providerId="AD" clId="Web-{CF46E89E-48FC-BA32-13C5-654DDA452FDC}" dt="2021-10-12T16:58:10.550" v="6" actId="20577"/>
+          <ac:spMkLst>
+            <pc:docMk/>
+            <pc:sldMk cId="0" sldId="256"/>
+            <ac:spMk id="2" creationId="{00000000-0000-0000-0000-000000000000}"/>
+          </ac:spMkLst>
+        </pc:spChg>
+        <pc:graphicFrameChg chg="mod modGraphic">
+          <ac:chgData name="Akilah Johnson" userId="S::akjohnso@adobe.com::2fa3aa60-0c9c-4d06-bae2-795983241227" providerId="AD" clId="Web-{CF46E89E-48FC-BA32-13C5-654DDA452FDC}" dt="2021-10-12T16:57:07.113" v="1"/>
+          <ac:graphicFrameMkLst>
+            <pc:docMk/>
+            <pc:sldMk cId="0" sldId="256"/>
+            <ac:graphicFrameMk id="8" creationId="{00000000-0000-0000-0000-000000000000}"/>
+          </ac:graphicFrameMkLst>
+        </pc:graphicFrameChg>
+      </pc:sldChg>
+      <pc:sldChg chg="modSp">
+        <pc:chgData name="Akilah Johnson" userId="S::akjohnso@adobe.com::2fa3aa60-0c9c-4d06-bae2-795983241227" providerId="AD" clId="Web-{CF46E89E-48FC-BA32-13C5-654DDA452FDC}" dt="2021-10-12T16:59:59.628" v="14" actId="20577"/>
+        <pc:sldMkLst>
+          <pc:docMk/>
+          <pc:sldMk cId="0" sldId="257"/>
+        </pc:sldMkLst>
+        <pc:spChg chg="mod">
+          <ac:chgData name="Akilah Johnson" userId="S::akjohnso@adobe.com::2fa3aa60-0c9c-4d06-bae2-795983241227" providerId="AD" clId="Web-{CF46E89E-48FC-BA32-13C5-654DDA452FDC}" dt="2021-10-12T16:59:21.300" v="12" actId="20577"/>
+          <ac:spMkLst>
+            <pc:docMk/>
+            <pc:sldMk cId="0" sldId="257"/>
+            <ac:spMk id="39" creationId="{00000000-0000-0000-0000-000000000000}"/>
+          </ac:spMkLst>
+        </pc:spChg>
+        <pc:spChg chg="mod">
+          <ac:chgData name="Akilah Johnson" userId="S::akjohnso@adobe.com::2fa3aa60-0c9c-4d06-bae2-795983241227" providerId="AD" clId="Web-{CF46E89E-48FC-BA32-13C5-654DDA452FDC}" dt="2021-10-12T16:59:59.628" v="14" actId="20577"/>
+          <ac:spMkLst>
+            <pc:docMk/>
+            <pc:sldMk cId="0" sldId="257"/>
+            <ac:spMk id="46" creationId="{00000000-0000-0000-0000-000000000000}"/>
+          </ac:spMkLst>
+        </pc:spChg>
+      </pc:sldChg>
+      <pc:sldChg chg="modSp">
+        <pc:chgData name="Akilah Johnson" userId="S::akjohnso@adobe.com::2fa3aa60-0c9c-4d06-bae2-795983241227" providerId="AD" clId="Web-{CF46E89E-48FC-BA32-13C5-654DDA452FDC}" dt="2021-10-12T17:00:50.675" v="21" actId="20577"/>
+        <pc:sldMkLst>
+          <pc:docMk/>
+          <pc:sldMk cId="799510854" sldId="260"/>
+        </pc:sldMkLst>
+        <pc:spChg chg="mod">
+          <ac:chgData name="Akilah Johnson" userId="S::akjohnso@adobe.com::2fa3aa60-0c9c-4d06-bae2-795983241227" providerId="AD" clId="Web-{CF46E89E-48FC-BA32-13C5-654DDA452FDC}" dt="2021-10-12T17:00:50.675" v="21" actId="20577"/>
+          <ac:spMkLst>
+            <pc:docMk/>
+            <pc:sldMk cId="799510854" sldId="260"/>
+            <ac:spMk id="24" creationId="{00000000-0000-0000-0000-000000000000}"/>
+          </ac:spMkLst>
+        </pc:spChg>
+        <pc:spChg chg="mod">
+          <ac:chgData name="Akilah Johnson" userId="S::akjohnso@adobe.com::2fa3aa60-0c9c-4d06-bae2-795983241227" providerId="AD" clId="Web-{CF46E89E-48FC-BA32-13C5-654DDA452FDC}" dt="2021-10-12T17:00:45.784" v="19" actId="20577"/>
+          <ac:spMkLst>
+            <pc:docMk/>
+            <pc:sldMk cId="799510854" sldId="260"/>
+            <ac:spMk id="56" creationId="{00000000-0000-0000-0000-000000000000}"/>
+          </ac:spMkLst>
+        </pc:spChg>
+      </pc:sldChg>
+    </pc:docChg>
+  </pc:docChgLst>
+  <pc:docChgLst>
+    <pc:chgData name="Akilah Johnson" userId="S::akjohnso@adobe.com::2fa3aa60-0c9c-4d06-bae2-795983241227" providerId="AD" clId="Web-{19E88417-C612-7196-8214-73025F75FA84}"/>
+    <pc:docChg chg="modSld">
+      <pc:chgData name="Akilah Johnson" userId="S::akjohnso@adobe.com::2fa3aa60-0c9c-4d06-bae2-795983241227" providerId="AD" clId="Web-{19E88417-C612-7196-8214-73025F75FA84}" dt="2021-10-12T19:15:42.562" v="5" actId="20577"/>
+      <pc:docMkLst>
+        <pc:docMk/>
+      </pc:docMkLst>
+      <pc:sldChg chg="modSp">
+        <pc:chgData name="Akilah Johnson" userId="S::akjohnso@adobe.com::2fa3aa60-0c9c-4d06-bae2-795983241227" providerId="AD" clId="Web-{19E88417-C612-7196-8214-73025F75FA84}" dt="2021-10-12T19:15:42.562" v="5" actId="20577"/>
+        <pc:sldMkLst>
+          <pc:docMk/>
+          <pc:sldMk cId="0" sldId="256"/>
+        </pc:sldMkLst>
+        <pc:spChg chg="mod">
+          <ac:chgData name="Akilah Johnson" userId="S::akjohnso@adobe.com::2fa3aa60-0c9c-4d06-bae2-795983241227" providerId="AD" clId="Web-{19E88417-C612-7196-8214-73025F75FA84}" dt="2021-10-12T19:15:42.562" v="5" actId="20577"/>
+          <ac:spMkLst>
+            <pc:docMk/>
+            <pc:sldMk cId="0" sldId="256"/>
+            <ac:spMk id="13" creationId="{7979C0CC-523E-844A-96DC-75FC662E01AB}"/>
+          </ac:spMkLst>
+        </pc:spChg>
       </pc:sldChg>
     </pc:docChg>
   </pc:docChgLst>
@@ -255,7 +435,7 @@
           <a:p>
             <a:fld id="{A438815C-EDE5-F947-A55F-7634403F36C4}" type="datetimeFigureOut">
               <a:rPr lang="en-US" smtClean="0"/>
-              <a:t>10/1/2021</a:t>
+              <a:t>10/13/21</a:t>
             </a:fld>
             <a:endParaRPr lang="en-US"/>
           </a:p>
@@ -878,7 +1058,7 @@
           <a:p>
             <a:fld id="{1D8BD707-D9CF-40AE-B4C6-C98DA3205C09}" type="datetimeFigureOut">
               <a:rPr lang="en-US"/>
-              <a:t>10/1/2021</a:t>
+              <a:t>10/13/21</a:t>
             </a:fld>
             <a:endParaRPr lang="en-US"/>
           </a:p>
@@ -1062,7 +1242,7 @@
           <a:p>
             <a:fld id="{1D8BD707-D9CF-40AE-B4C6-C98DA3205C09}" type="datetimeFigureOut">
               <a:rPr lang="en-US"/>
-              <a:t>10/1/2021</a:t>
+              <a:t>10/13/21</a:t>
             </a:fld>
             <a:endParaRPr lang="en-US"/>
           </a:p>
@@ -1364,7 +1544,7 @@
           <a:p>
             <a:fld id="{1D8BD707-D9CF-40AE-B4C6-C98DA3205C09}" type="datetimeFigureOut">
               <a:rPr lang="en-US"/>
-              <a:t>10/1/2021</a:t>
+              <a:t>10/13/21</a:t>
             </a:fld>
             <a:endParaRPr lang="en-US"/>
           </a:p>
@@ -1619,28 +1799,25 @@
         <p:spPr>
           <a:xfrm>
             <a:off x="95250" y="7228840"/>
-            <a:ext cx="4248150" cy="227626"/>
+            <a:ext cx="2884717" cy="227626"/>
           </a:xfrm>
           <a:prstGeom prst="rect">
             <a:avLst/>
           </a:prstGeom>
         </p:spPr>
         <p:txBody>
-          <a:bodyPr vert="horz" wrap="square" lIns="0" tIns="12065" rIns="0" bIns="0" rtlCol="0">
+          <a:bodyPr vert="horz" wrap="square" lIns="0" tIns="12065" rIns="0" bIns="0" rtlCol="0" anchor="t">
             <a:spAutoFit/>
           </a:bodyPr>
           <a:lstStyle/>
           <a:p>
             <a:pPr marL="12700">
-              <a:lnSpc>
-                <a:spcPct val="100000"/>
-              </a:lnSpc>
               <a:spcBef>
                 <a:spcPts val="95"/>
               </a:spcBef>
             </a:pPr>
             <a:r>
-              <a:rPr lang="ja-JP" sz="1400" b="1" u="heavy">
+              <a:rPr sz="1400" b="1" u="heavy" spc="10" dirty="0">
                 <a:solidFill>
                   <a:srgbClr val="020302"/>
                 </a:solidFill>
@@ -1649,12 +1826,90 @@
                     <a:srgbClr val="020302"/>
                   </a:solidFill>
                 </a:uFill>
-                <a:latin typeface="Adobe Clean Han Regular" panose="020B0500000000000000" pitchFamily="34" charset="-128"/>
-                <a:ea typeface="Adobe Clean Han Regular" panose="020B0500000000000000" pitchFamily="34" charset="-128"/>
+                <a:latin typeface="Adobe Clean"/>
                 <a:cs typeface="Adobe Clean"/>
               </a:rPr>
-              <a:t>サービスレベルターゲット：初期対応</a:t>
-            </a:r>
+              <a:t>Service </a:t>
+            </a:r>
+            <a:r>
+              <a:rPr sz="1400" b="1" u="heavy" spc="-10" dirty="0">
+                <a:solidFill>
+                  <a:srgbClr val="020302"/>
+                </a:solidFill>
+                <a:uFill>
+                  <a:solidFill>
+                    <a:srgbClr val="020302"/>
+                  </a:solidFill>
+                </a:uFill>
+                <a:latin typeface="Adobe Clean"/>
+                <a:cs typeface="Adobe Clean"/>
+              </a:rPr>
+              <a:t>Level </a:t>
+            </a:r>
+            <a:r>
+              <a:rPr sz="1400" b="1" u="heavy" spc="-45" dirty="0">
+                <a:solidFill>
+                  <a:srgbClr val="020302"/>
+                </a:solidFill>
+                <a:uFill>
+                  <a:solidFill>
+                    <a:srgbClr val="020302"/>
+                  </a:solidFill>
+                </a:uFill>
+                <a:latin typeface="Adobe Clean"/>
+                <a:cs typeface="Adobe Clean"/>
+              </a:rPr>
+              <a:t>Targets: </a:t>
+            </a:r>
+            <a:r>
+              <a:rPr sz="1400" b="1" u="heavy" spc="-10" dirty="0">
+                <a:solidFill>
+                  <a:srgbClr val="020302"/>
+                </a:solidFill>
+                <a:uFill>
+                  <a:solidFill>
+                    <a:srgbClr val="020302"/>
+                  </a:solidFill>
+                </a:uFill>
+                <a:latin typeface="Adobe Clean"/>
+                <a:cs typeface="Adobe Clean"/>
+              </a:rPr>
+              <a:t>Initial</a:t>
+            </a:r>
+            <a:r>
+              <a:rPr lang="en-US" sz="1400" b="1" u="heavy" spc="-10" dirty="0">
+                <a:solidFill>
+                  <a:srgbClr val="020302"/>
+                </a:solidFill>
+                <a:uFill>
+                  <a:solidFill>
+                    <a:srgbClr val="020302"/>
+                  </a:solidFill>
+                </a:uFill>
+                <a:latin typeface="Adobe Clean"/>
+                <a:cs typeface="Adobe Clean"/>
+              </a:rPr>
+              <a:t> </a:t>
+            </a:r>
+            <a:r>
+              <a:rPr sz="1400" b="1" u="heavy" spc="-15" dirty="0">
+                <a:solidFill>
+                  <a:srgbClr val="020302"/>
+                </a:solidFill>
+                <a:uFill>
+                  <a:solidFill>
+                    <a:srgbClr val="020302"/>
+                  </a:solidFill>
+                </a:uFill>
+                <a:latin typeface="Adobe Clean"/>
+                <a:cs typeface="Adobe Clean"/>
+              </a:rPr>
+              <a:t>Response</a:t>
+            </a:r>
+            <a:endParaRPr sz="1400" dirty="0">
+              <a:latin typeface="Adobe Clean"/>
+              <a:cs typeface="Adobe Clean"/>
+            </a:endParaRPr>
           </a:p>
         </p:txBody>
       </p:sp>
@@ -1683,10 +1938,7 @@
           <a:bodyPr wrap="square" lIns="0" tIns="0" rIns="0" bIns="0" rtlCol="0"/>
           <a:lstStyle/>
           <a:p>
-            <a:endParaRPr>
-              <a:latin typeface="Adobe Clean Han Regular" panose="020B0500000000000000" pitchFamily="34" charset="-128"/>
-              <a:ea typeface="Adobe Clean Han Regular" panose="020B0500000000000000" pitchFamily="34" charset="-128"/>
-            </a:endParaRPr>
+            <a:endParaRPr/>
           </a:p>
         </p:txBody>
       </p:sp>
@@ -1699,14 +1951,14 @@
         <p:spPr>
           <a:xfrm>
             <a:off x="136772" y="813361"/>
-            <a:ext cx="6035427" cy="1085746"/>
+            <a:ext cx="6035427" cy="1089529"/>
           </a:xfrm>
           <a:prstGeom prst="rect">
             <a:avLst/>
           </a:prstGeom>
         </p:spPr>
         <p:txBody>
-          <a:bodyPr vert="horz" wrap="square" lIns="0" tIns="24130" rIns="0" bIns="0" rtlCol="0">
+          <a:bodyPr vert="horz" wrap="square" lIns="0" tIns="24130" rIns="0" bIns="0" rtlCol="0" anchor="t">
             <a:spAutoFit/>
           </a:bodyPr>
           <a:lstStyle/>
@@ -1720,51 +1972,42 @@
               </a:spcBef>
             </a:pPr>
             <a:r>
-              <a:rPr lang="ja-JP" sz="1050" b="1" dirty="0">
+              <a:rPr lang="en-US" sz="1200" b="1" dirty="0">
                 <a:solidFill>
                   <a:schemeClr val="bg1"/>
                 </a:solidFill>
-                <a:latin typeface="Adobe Clean Han Regular" panose="020B0500000000000000" pitchFamily="34" charset="-128"/>
-                <a:ea typeface="Adobe Clean Han Regular" panose="020B0500000000000000" pitchFamily="34" charset="-128"/>
-              </a:rPr>
-              <a:t>オンライン</a:t>
-            </a:r>
-            <a:r>
-              <a:rPr lang="ja-JP" sz="1050" dirty="0">
+              </a:rPr>
+              <a:t>Online</a:t>
+            </a:r>
+            <a:r>
+              <a:rPr lang="en-US" sz="1200" dirty="0">
                 <a:solidFill>
                   <a:schemeClr val="bg1"/>
                 </a:solidFill>
-                <a:latin typeface="Adobe Clean Han Regular" panose="020B0500000000000000" pitchFamily="34" charset="-128"/>
-                <a:ea typeface="Adobe Clean Han Regular" panose="020B0500000000000000" pitchFamily="34" charset="-128"/>
-              </a:rPr>
-              <a:t> | ビジネス | エンタープライズ | エリート</a:t>
+                <a:latin typeface="Adobe Clean Light"/>
+              </a:rPr>
+              <a:t> | Business | Enterprise | Elite</a:t>
             </a:r>
             <a:br>
-              <a:rPr lang="ja-JP" sz="700" dirty="0">
+              <a:rPr lang="en-US" sz="900" dirty="0">
+                <a:latin typeface="Adobe Clean Light" panose="020B0303020404020204" pitchFamily="34" charset="0"/>
+              </a:rPr>
+            </a:br>
+            <a:r>
+              <a:rPr lang="en-US" sz="900" dirty="0">
                 <a:solidFill>
                   <a:schemeClr val="bg1"/>
                 </a:solidFill>
-                <a:latin typeface="Adobe Clean Han Regular" panose="020B0500000000000000" pitchFamily="34" charset="-128"/>
-                <a:ea typeface="Adobe Clean Han Regular" panose="020B0500000000000000" pitchFamily="34" charset="-128"/>
-              </a:rPr>
-            </a:br>
-            <a:r>
-              <a:rPr lang="ja-JP" sz="700" dirty="0">
+                <a:latin typeface="Adobe Clean SemiLight"/>
+              </a:rPr>
+              <a:t>Adobe provides a comprehensive range of technical resources to help support your business included as part of your Experience Cloud license subscription. Online support includes access to personalized learning paths and monitored community forums via the Adobe Experience League. You can take advantage of our detailed and in-depth technical product documentation and current release notes published on </a:t>
+            </a:r>
+            <a:r>
+              <a:rPr lang="en-US" sz="900" u="sng" dirty="0">
                 <a:solidFill>
                   <a:schemeClr val="bg1"/>
                 </a:solidFill>
-                <a:latin typeface="Adobe Clean Han Regular" panose="020B0500000000000000" pitchFamily="34" charset="-128"/>
-                <a:ea typeface="Adobe Clean Han Regular" panose="020B0500000000000000" pitchFamily="34" charset="-128"/>
-              </a:rPr>
-              <a:t>アドビでは、お客様のビジネスをサポートするために、包括的なテクニカルリソースを提供しています。これらのリソースは、Experience Cloud のライセンスサブスクリプションに含まれています。オンラインサポートでは、Adobe Experience League のパーソナライズされたラーニングパスやモニタリングされているコミュニティフォーラムへのアクセスが提供されます。アドビ製品に関する詳細なテクニカルドキュメントや最新のリリースノートは </a:t>
-            </a:r>
-            <a:r>
-              <a:rPr lang="ja-JP" sz="700" u="sng" dirty="0">
-                <a:solidFill>
-                  <a:schemeClr val="bg1"/>
-                </a:solidFill>
-                <a:latin typeface="Adobe Clean Han Regular" panose="020B0500000000000000" pitchFamily="34" charset="-128"/>
-                <a:ea typeface="Adobe Clean Han Regular" panose="020B0500000000000000" pitchFamily="34" charset="-128"/>
+                <a:latin typeface="Adobe Clean SemiLight"/>
                 <a:hlinkClick r:id="rId4">
                   <a:extLst>
                     <a:ext uri="{A12FA001-AC4F-418D-AE19-62706E023703}">
@@ -1773,18 +2016,24 @@
                   </a:extLst>
                 </a:hlinkClick>
               </a:rPr>
-              <a:t>http://www.adobe.com</a:t>
-            </a:r>
-            <a:r>
-              <a:rPr lang="ja-JP" sz="700" dirty="0">
+              <a:t>http://www.adobe.com. </a:t>
+            </a:r>
+            <a:r>
+              <a:rPr lang="en-US" sz="900" dirty="0">
                 <a:solidFill>
                   <a:schemeClr val="bg1"/>
                 </a:solidFill>
-                <a:latin typeface="Adobe Clean Han Regular" panose="020B0500000000000000" pitchFamily="34" charset="-128"/>
-                <a:ea typeface="Adobe Clean Han Regular" panose="020B0500000000000000" pitchFamily="34" charset="-128"/>
-              </a:rPr>
-              <a:t> で公開されており、いつでも参照可能です。また、オンラインサポートには、テクニカルサポートチームへのアクセスが含まれています。優先度 1（P1）に分類される最も深刻な問題については、必要なときに電話による直接サポートを受けることができます。より優先度が低いリクエストなどは、サポート web ポータルを使用して申請することが可能です。</a:t>
-            </a:r>
+                <a:latin typeface="Adobe Clean SemiLight"/>
+              </a:rPr>
+              <a:t>Our Online package also includes access to our technical support teams for any critical P1 product issues via telephone to help protect your business at the most critical times as well as providing the ability to log lower priority requests for assistance via support web portal.</a:t>
+            </a:r>
+            <a:endParaRPr lang="en-US" sz="900" dirty="0">
+              <a:solidFill>
+                <a:schemeClr val="bg1"/>
+              </a:solidFill>
+              <a:latin typeface="Adobe Clean SemiLight"/>
+              <a:cs typeface="AdobeClean-Light"/>
+            </a:endParaRPr>
           </a:p>
         </p:txBody>
       </p:sp>
@@ -1813,10 +2062,7 @@
           <a:bodyPr wrap="square" lIns="0" tIns="0" rIns="0" bIns="0" rtlCol="0"/>
           <a:lstStyle/>
           <a:p>
-            <a:endParaRPr>
-              <a:latin typeface="Adobe Clean Han Regular" panose="020B0500000000000000" pitchFamily="34" charset="-128"/>
-              <a:ea typeface="Adobe Clean Han Regular" panose="020B0500000000000000" pitchFamily="34" charset="-128"/>
-            </a:endParaRPr>
+            <a:endParaRPr/>
           </a:p>
         </p:txBody>
       </p:sp>
@@ -1829,14 +2075,14 @@
           <p:nvPr>
             <p:extLst>
               <p:ext uri="{D42A27DB-BD31-4B8C-83A1-F6EECF244321}">
-                <p14:modId xmlns:p14="http://schemas.microsoft.com/office/powerpoint/2010/main" val="3747290874"/>
+                <p14:modId xmlns:p14="http://schemas.microsoft.com/office/powerpoint/2010/main" val="1047125657"/>
               </p:ext>
             </p:extLst>
           </p:nvPr>
         </p:nvGraphicFramePr>
         <p:xfrm>
-          <a:off x="0" y="1938948"/>
-          <a:ext cx="7705343" cy="5057617"/>
+          <a:off x="0" y="1938946"/>
+          <a:ext cx="7705343" cy="5227197"/>
         </p:xfrm>
         <a:graphic>
           <a:graphicData uri="http://schemas.openxmlformats.org/drawingml/2006/table">
@@ -1895,16 +2141,13 @@
                   </a:extLst>
                 </a:gridCol>
               </a:tblGrid>
-              <a:tr h="345489">
+              <a:tr h="218820">
                 <a:tc gridSpan="2">
                   <a:txBody>
                     <a:bodyPr/>
                     <a:lstStyle/>
                     <a:p>
-                      <a:endParaRPr lang="en-US" spc="0" dirty="0">
-                        <a:latin typeface="Adobe Clean Han Regular" panose="020B0500000000000000" pitchFamily="34" charset="-128"/>
-                        <a:ea typeface="Adobe Clean Han Regular" panose="020B0500000000000000" pitchFamily="34" charset="-128"/>
-                      </a:endParaRPr>
+                      <a:endParaRPr lang="en-US" spc="0" dirty="0"/>
                     </a:p>
                   </a:txBody>
                   <a:tcPr/>
@@ -1933,16 +2176,39 @@
                         </a:spcBef>
                       </a:pPr>
                       <a:r>
-                        <a:rPr lang="ja-JP" sz="600">
+                        <a:rPr sz="900" spc="0" dirty="0">
                           <a:solidFill>
                             <a:srgbClr val="404040"/>
                           </a:solidFill>
-                          <a:latin typeface="Adobe Clean Han Regular" panose="020B0500000000000000" pitchFamily="34" charset="-128"/>
-                          <a:ea typeface="Adobe Clean Han Regular" panose="020B0500000000000000" pitchFamily="34" charset="-128"/>
+                          <a:latin typeface="Adobe Clean"/>
                           <a:cs typeface="Adobe Clean"/>
                         </a:rPr>
-                        <a:t>オンラインサポート</a:t>
+                        <a:t>Online</a:t>
                       </a:r>
+                      <a:r>
+                        <a:rPr lang="en-US" sz="900" spc="0" dirty="0">
+                          <a:solidFill>
+                            <a:srgbClr val="404040"/>
+                          </a:solidFill>
+                          <a:latin typeface="Adobe Clean"/>
+                          <a:cs typeface="Adobe Clean"/>
+                        </a:rPr>
+                        <a:t> </a:t>
+                      </a:r>
+                      <a:r>
+                        <a:rPr sz="900" spc="0" dirty="0">
+                          <a:solidFill>
+                            <a:srgbClr val="404040"/>
+                          </a:solidFill>
+                          <a:latin typeface="Adobe Clean"/>
+                          <a:cs typeface="Adobe Clean"/>
+                        </a:rPr>
+                        <a:t>Support</a:t>
+                      </a:r>
+                      <a:endParaRPr sz="900" spc="0" dirty="0">
+                        <a:latin typeface="Adobe Clean"/>
+                        <a:cs typeface="Adobe Clean"/>
+                      </a:endParaRPr>
                     </a:p>
                   </a:txBody>
                   <a:tcPr marL="0" marR="0" marT="7620" marB="0" anchor="ctr">
@@ -1977,16 +2243,39 @@
                         </a:spcBef>
                       </a:pPr>
                       <a:r>
-                        <a:rPr lang="ja-JP" sz="600">
+                        <a:rPr sz="900" spc="0" dirty="0">
                           <a:solidFill>
                             <a:srgbClr val="FFFFFF"/>
                           </a:solidFill>
-                          <a:latin typeface="Adobe Clean Han Regular" panose="020B0500000000000000" pitchFamily="34" charset="-128"/>
-                          <a:ea typeface="Adobe Clean Han Regular" panose="020B0500000000000000" pitchFamily="34" charset="-128"/>
+                          <a:latin typeface="Adobe Clean"/>
                           <a:cs typeface="Adobe Clean"/>
                         </a:rPr>
-                        <a:t>ビジネスサポート</a:t>
+                        <a:t>Business</a:t>
                       </a:r>
+                      <a:r>
+                        <a:rPr lang="en-US" sz="900" spc="0" dirty="0">
+                          <a:solidFill>
+                            <a:srgbClr val="FFFFFF"/>
+                          </a:solidFill>
+                          <a:latin typeface="Adobe Clean"/>
+                          <a:cs typeface="Adobe Clean"/>
+                        </a:rPr>
+                        <a:t> </a:t>
+                      </a:r>
+                      <a:r>
+                        <a:rPr sz="900" spc="0" dirty="0">
+                          <a:solidFill>
+                            <a:srgbClr val="FFFFFF"/>
+                          </a:solidFill>
+                          <a:latin typeface="Adobe Clean"/>
+                          <a:cs typeface="Adobe Clean"/>
+                        </a:rPr>
+                        <a:t>Support</a:t>
+                      </a:r>
+                      <a:endParaRPr sz="900" spc="0" dirty="0">
+                        <a:latin typeface="Adobe Clean"/>
+                        <a:cs typeface="Adobe Clean"/>
+                      </a:endParaRPr>
                     </a:p>
                   </a:txBody>
                   <a:tcPr marL="0" marR="0" marT="7620" marB="0" anchor="ctr">
@@ -2027,16 +2316,19 @@
                         </a:spcBef>
                       </a:pPr>
                       <a:r>
-                        <a:rPr lang="ja-JP" sz="600">
+                        <a:rPr lang="en-US" sz="900" spc="0" dirty="0">
                           <a:solidFill>
                             <a:srgbClr val="FFFFFF"/>
                           </a:solidFill>
-                          <a:latin typeface="Adobe Clean Han Regular" panose="020B0500000000000000" pitchFamily="34" charset="-128"/>
-                          <a:ea typeface="Adobe Clean Han Regular" panose="020B0500000000000000" pitchFamily="34" charset="-128"/>
+                          <a:latin typeface="Adobe Clean"/>
                           <a:cs typeface="Adobe Clean"/>
                         </a:rPr>
-                        <a:t>エンタープライズサポート</a:t>
+                        <a:t>Enterprise Support</a:t>
                       </a:r>
+                      <a:endParaRPr sz="900" spc="0" dirty="0">
+                        <a:latin typeface="Adobe Clean"/>
+                        <a:cs typeface="Adobe Clean"/>
+                      </a:endParaRPr>
                     </a:p>
                   </a:txBody>
                   <a:tcPr marL="0" marR="0" marT="7620" marB="0" anchor="ctr">
@@ -2077,16 +2369,39 @@
                         </a:spcBef>
                       </a:pPr>
                       <a:r>
-                        <a:rPr lang="ja-JP" sz="900">
+                        <a:rPr sz="900" spc="-20" dirty="0">
                           <a:solidFill>
                             <a:srgbClr val="FFFFFF"/>
                           </a:solidFill>
                           <a:latin typeface="Adobe Clean"/>
-                          <a:ea typeface="MS Mincho"/>
                           <a:cs typeface="Adobe Clean"/>
                         </a:rPr>
-                        <a:t>エンタープライズサポート</a:t>
+                        <a:t>Enterprise</a:t>
                       </a:r>
+                      <a:r>
+                        <a:rPr lang="en-US" sz="900" spc="-20" dirty="0">
+                          <a:solidFill>
+                            <a:srgbClr val="FFFFFF"/>
+                          </a:solidFill>
+                          <a:latin typeface="Adobe Clean"/>
+                          <a:cs typeface="Adobe Clean"/>
+                        </a:rPr>
+                        <a:t> </a:t>
+                      </a:r>
+                      <a:r>
+                        <a:rPr sz="900" spc="-20" dirty="0">
+                          <a:solidFill>
+                            <a:srgbClr val="FFFFFF"/>
+                          </a:solidFill>
+                          <a:latin typeface="Adobe Clean"/>
+                          <a:cs typeface="Adobe Clean"/>
+                        </a:rPr>
+                        <a:t>Support</a:t>
+                      </a:r>
+                      <a:endParaRPr sz="900" dirty="0">
+                        <a:latin typeface="Adobe Clean"/>
+                        <a:cs typeface="Adobe Clean"/>
+                      </a:endParaRPr>
                     </a:p>
                   </a:txBody>
                   <a:tcPr marL="0" marR="0" marT="7620" marB="0" anchor="ctr">
@@ -2127,16 +2442,39 @@
                         </a:spcBef>
                       </a:pPr>
                       <a:r>
-                        <a:rPr lang="ja-JP" sz="600" dirty="0">
+                        <a:rPr sz="900" spc="0" dirty="0">
                           <a:solidFill>
                             <a:srgbClr val="FFFFFF"/>
                           </a:solidFill>
-                          <a:latin typeface="Adobe Clean Han Regular" panose="020B0500000000000000" pitchFamily="34" charset="-128"/>
-                          <a:ea typeface="Adobe Clean Han Regular" panose="020B0500000000000000" pitchFamily="34" charset="-128"/>
+                          <a:latin typeface="Adobe Clean"/>
                           <a:cs typeface="Adobe Clean"/>
                         </a:rPr>
-                        <a:t>エリートサポート</a:t>
+                        <a:t>Elite</a:t>
                       </a:r>
+                      <a:r>
+                        <a:rPr lang="en-US" sz="900" spc="0" dirty="0">
+                          <a:solidFill>
+                            <a:srgbClr val="FFFFFF"/>
+                          </a:solidFill>
+                          <a:latin typeface="Adobe Clean"/>
+                          <a:cs typeface="Adobe Clean"/>
+                        </a:rPr>
+                        <a:t> </a:t>
+                      </a:r>
+                      <a:r>
+                        <a:rPr sz="900" spc="0" dirty="0">
+                          <a:solidFill>
+                            <a:srgbClr val="FFFFFF"/>
+                          </a:solidFill>
+                          <a:latin typeface="Adobe Clean"/>
+                          <a:cs typeface="Adobe Clean"/>
+                        </a:rPr>
+                        <a:t>Support</a:t>
+                      </a:r>
+                      <a:endParaRPr sz="900" spc="0" dirty="0">
+                        <a:latin typeface="Adobe Clean"/>
+                        <a:cs typeface="Adobe Clean"/>
+                      </a:endParaRPr>
                     </a:p>
                   </a:txBody>
                   <a:tcPr marL="0" marR="0" marT="7620" marB="0" anchor="ctr">
@@ -2163,16 +2501,13 @@
                   </a:ext>
                 </a:extLst>
               </a:tr>
-              <a:tr h="345489">
+              <a:tr h="0">
                 <a:tc gridSpan="2">
                   <a:txBody>
                     <a:bodyPr/>
                     <a:lstStyle/>
                     <a:p>
-                      <a:endParaRPr lang="en-US" spc="0" dirty="0">
-                        <a:latin typeface="Adobe Clean Han Regular" panose="020B0500000000000000" pitchFamily="34" charset="-128"/>
-                        <a:ea typeface="Adobe Clean Han Regular" panose="020B0500000000000000" pitchFamily="34" charset="-128"/>
-                      </a:endParaRPr>
+                      <a:endParaRPr lang="en-US" spc="0" dirty="0"/>
                     </a:p>
                   </a:txBody>
                   <a:tcPr/>
@@ -2192,7 +2527,7 @@
                     <a:bodyPr/>
                     <a:lstStyle/>
                     <a:p>
-                      <a:pPr marL="255904" marR="248920" indent="-25400" algn="l" rtl="0">
+                      <a:pPr marL="255904" marR="248920" indent="-25400">
                         <a:lnSpc>
                           <a:spcPct val="100000"/>
                         </a:lnSpc>
@@ -2201,8 +2536,7 @@
                         </a:spcBef>
                       </a:pPr>
                       <a:endParaRPr sz="800" spc="0" dirty="0">
-                        <a:latin typeface="Adobe Clean Han Regular" panose="020B0500000000000000" pitchFamily="34" charset="-128"/>
-                        <a:ea typeface="Adobe Clean Han Regular" panose="020B0500000000000000" pitchFamily="34" charset="-128"/>
+                        <a:latin typeface="AdobeClean-LightIt"/>
                         <a:cs typeface="AdobeClean-LightIt"/>
                       </a:endParaRPr>
                     </a:p>
@@ -2247,16 +2581,29 @@
                         </a:spcBef>
                       </a:pPr>
                       <a:r>
-                        <a:rPr lang="ja-JP" sz="800" i="1">
+                        <a:rPr lang="en-US" sz="800" i="1" spc="0" dirty="0">
                           <a:solidFill>
                             <a:srgbClr val="FFFFFF"/>
                           </a:solidFill>
-                          <a:latin typeface="Adobe Clean Han Regular" panose="020B0500000000000000" pitchFamily="34" charset="-128"/>
-                          <a:ea typeface="Adobe Clean Han Regular" panose="020B0500000000000000" pitchFamily="34" charset="-128"/>
+                          <a:latin typeface="Adobe Clean"/>
                           <a:cs typeface="Adobe Clean"/>
                         </a:rPr>
-                        <a:t>有償サポートレベル（$）</a:t>
+                        <a:t>Paid</a:t>
                       </a:r>
+                      <a:r>
+                        <a:rPr sz="800" i="1" spc="0" dirty="0">
+                          <a:solidFill>
+                            <a:srgbClr val="FFFFFF"/>
+                          </a:solidFill>
+                          <a:latin typeface="Adobe Clean"/>
+                          <a:cs typeface="Adobe Clean"/>
+                        </a:rPr>
+                        <a:t> Support Levels($)</a:t>
+                      </a:r>
+                      <a:endParaRPr sz="800" spc="0" dirty="0">
+                        <a:latin typeface="Adobe Clean"/>
+                        <a:cs typeface="Adobe Clean"/>
+                      </a:endParaRPr>
                     </a:p>
                   </a:txBody>
                   <a:tcPr marL="0" marR="0" marT="82550" marB="0" anchor="ctr">
@@ -2328,7 +2675,7 @@
                   </a:ext>
                 </a:extLst>
               </a:tr>
-              <a:tr h="243081">
+              <a:tr h="264424">
                 <a:tc rowSpan="3">
                   <a:txBody>
                     <a:bodyPr/>
@@ -2343,16 +2690,22 @@
                         </a:spcBef>
                       </a:pPr>
                       <a:r>
-                        <a:rPr lang="ja-JP" sz="1000" b="1" i="0">
+                        <a:rPr lang="en-US" sz="1000" b="1" i="0" spc="0" dirty="0">
                           <a:solidFill>
                             <a:schemeClr val="bg1"/>
                           </a:solidFill>
-                          <a:latin typeface="Adobe Clean Han Regular" panose="020B0500000000000000" pitchFamily="34" charset="-128"/>
-                          <a:ea typeface="Adobe Clean Han Regular" panose="020B0500000000000000" pitchFamily="34" charset="-128"/>
+                          <a:latin typeface="Adobe Clean" panose="020B0503020404020204" pitchFamily="34" charset="0"/>
                           <a:cs typeface="AdobeClean-Light"/>
                         </a:rPr>
-                        <a:t>担当エキスパート</a:t>
+                        <a:t>Assigned Experts</a:t>
                       </a:r>
+                      <a:endParaRPr sz="1000" b="1" i="0" spc="0" dirty="0">
+                        <a:solidFill>
+                          <a:schemeClr val="bg1"/>
+                        </a:solidFill>
+                        <a:latin typeface="Adobe Clean" panose="020B0503020404020204" pitchFamily="34" charset="0"/>
+                        <a:cs typeface="AdobeClean-Light"/>
+                      </a:endParaRPr>
                     </a:p>
                   </a:txBody>
                   <a:tcPr marL="0" marR="0" marT="58419" marB="0" anchor="ctr">
@@ -2399,16 +2752,19 @@
                         </a:spcBef>
                       </a:pPr>
                       <a:r>
-                        <a:rPr lang="ja-JP" sz="900">
+                        <a:rPr sz="900" spc="0" dirty="0">
                           <a:solidFill>
                             <a:srgbClr val="020302"/>
                           </a:solidFill>
-                          <a:latin typeface="Adobe Clean Han Regular" panose="020B0500000000000000" pitchFamily="34" charset="-128"/>
-                          <a:ea typeface="Adobe Clean Han Regular" panose="020B0500000000000000" pitchFamily="34" charset="-128"/>
+                          <a:latin typeface="AdobeClean-Light"/>
                           <a:cs typeface="AdobeClean-Light"/>
                         </a:rPr>
-                        <a:t>アカウントサポートリード</a:t>
+                        <a:t>Account Support Lead</a:t>
                       </a:r>
+                      <a:endParaRPr sz="900" spc="0" dirty="0">
+                        <a:latin typeface="AdobeClean-Light"/>
+                        <a:cs typeface="AdobeClean-Light"/>
+                      </a:endParaRPr>
                     </a:p>
                   </a:txBody>
                   <a:tcPr marL="0" marR="0" marT="58419" marB="0">
@@ -2437,14 +2793,13 @@
                     <a:bodyPr/>
                     <a:lstStyle/>
                     <a:p>
-                      <a:pPr algn="l" rtl="0">
+                      <a:pPr>
                         <a:lnSpc>
                           <a:spcPct val="100000"/>
                         </a:lnSpc>
                       </a:pPr>
                       <a:endParaRPr sz="900" spc="0" dirty="0">
-                        <a:latin typeface="Adobe Clean Han Regular" panose="020B0500000000000000" pitchFamily="34" charset="-128"/>
-                        <a:ea typeface="Adobe Clean Han Regular" panose="020B0500000000000000" pitchFamily="34" charset="-128"/>
+                        <a:latin typeface="Times New Roman"/>
                         <a:cs typeface="Times New Roman"/>
                       </a:endParaRPr>
                     </a:p>
@@ -2483,16 +2838,19 @@
                         </a:spcBef>
                       </a:pPr>
                       <a:r>
-                        <a:rPr lang="ja-JP" sz="900">
+                        <a:rPr sz="900" spc="0" dirty="0">
                           <a:solidFill>
                             <a:srgbClr val="020302"/>
                           </a:solidFill>
-                          <a:latin typeface="Adobe Clean Han Regular" panose="020B0500000000000000" pitchFamily="34" charset="-128"/>
-                          <a:ea typeface="Adobe Clean Han Regular" panose="020B0500000000000000" pitchFamily="34" charset="-128"/>
+                          <a:latin typeface="Wingdings"/>
                           <a:cs typeface="Wingdings"/>
                         </a:rPr>
                         <a:t></a:t>
                       </a:r>
+                      <a:endParaRPr sz="900" spc="0" dirty="0">
+                        <a:latin typeface="Wingdings"/>
+                        <a:cs typeface="Wingdings"/>
+                      </a:endParaRPr>
                     </a:p>
                   </a:txBody>
                   <a:tcPr marL="0" marR="0" marT="59690" marB="0">
@@ -2509,7 +2867,7 @@
                     <a:bodyPr/>
                     <a:lstStyle/>
                     <a:p>
-                      <a:pPr algn="l" rtl="0">
+                      <a:pPr algn="ctr">
                         <a:lnSpc>
                           <a:spcPct val="100000"/>
                         </a:lnSpc>
@@ -2540,14 +2898,13 @@
                     <a:bodyPr/>
                     <a:lstStyle/>
                     <a:p>
-                      <a:pPr algn="l" rtl="0">
+                      <a:pPr>
                         <a:lnSpc>
                           <a:spcPct val="100000"/>
                         </a:lnSpc>
                       </a:pPr>
                       <a:endParaRPr sz="900" spc="0">
-                        <a:latin typeface="Adobe Clean Han Regular" panose="020B0500000000000000" pitchFamily="34" charset="-128"/>
-                        <a:ea typeface="Adobe Clean Han Regular" panose="020B0500000000000000" pitchFamily="34" charset="-128"/>
+                        <a:latin typeface="Times New Roman"/>
                         <a:cs typeface="Times New Roman"/>
                       </a:endParaRPr>
                     </a:p>
@@ -2566,14 +2923,13 @@
                     <a:bodyPr/>
                     <a:lstStyle/>
                     <a:p>
-                      <a:pPr algn="l" rtl="0">
+                      <a:pPr>
                         <a:lnSpc>
                           <a:spcPct val="100000"/>
                         </a:lnSpc>
                       </a:pPr>
                       <a:endParaRPr sz="900" spc="0" dirty="0">
-                        <a:latin typeface="Adobe Clean Han Regular" panose="020B0500000000000000" pitchFamily="34" charset="-128"/>
-                        <a:ea typeface="Adobe Clean Han Regular" panose="020B0500000000000000" pitchFamily="34" charset="-128"/>
+                        <a:latin typeface="Times New Roman"/>
                         <a:cs typeface="Times New Roman"/>
                       </a:endParaRPr>
                     </a:p>
@@ -2599,13 +2955,13 @@
                   </a:ext>
                 </a:extLst>
               </a:tr>
-              <a:tr h="243081">
+              <a:tr h="264424">
                 <a:tc vMerge="1">
                   <a:txBody>
                     <a:bodyPr/>
                     <a:lstStyle/>
                     <a:p>
-                      <a:pPr marL="50800" algn="l" rtl="0">
+                      <a:pPr marL="50800">
                         <a:lnSpc>
                           <a:spcPct val="100000"/>
                         </a:lnSpc>
@@ -2651,16 +3007,19 @@
                         </a:spcBef>
                       </a:pPr>
                       <a:r>
-                        <a:rPr lang="ja-JP" sz="900">
+                        <a:rPr sz="900" spc="0" dirty="0">
                           <a:solidFill>
                             <a:srgbClr val="020302"/>
                           </a:solidFill>
-                          <a:latin typeface="Adobe Clean Han Regular" panose="020B0500000000000000" pitchFamily="34" charset="-128"/>
-                          <a:ea typeface="Adobe Clean Han Regular" panose="020B0500000000000000" pitchFamily="34" charset="-128"/>
+                          <a:latin typeface="AdobeClean-Light"/>
                           <a:cs typeface="AdobeClean-Light"/>
                         </a:rPr>
-                        <a:t>専任サポートエンジニア</a:t>
+                        <a:t>Named Support Engineer</a:t>
                       </a:r>
+                      <a:endParaRPr sz="900" spc="0" dirty="0">
+                        <a:latin typeface="AdobeClean-Light"/>
+                        <a:cs typeface="AdobeClean-Light"/>
+                      </a:endParaRPr>
                     </a:p>
                   </a:txBody>
                   <a:tcPr marL="0" marR="0" marT="58419" marB="0">
@@ -2683,14 +3042,13 @@
                     <a:bodyPr/>
                     <a:lstStyle/>
                     <a:p>
-                      <a:pPr algn="l" rtl="0">
+                      <a:pPr>
                         <a:lnSpc>
                           <a:spcPct val="100000"/>
                         </a:lnSpc>
                       </a:pPr>
                       <a:endParaRPr sz="900" spc="0" dirty="0">
-                        <a:latin typeface="Adobe Clean Han Regular" panose="020B0500000000000000" pitchFamily="34" charset="-128"/>
-                        <a:ea typeface="Adobe Clean Han Regular" panose="020B0500000000000000" pitchFamily="34" charset="-128"/>
+                        <a:latin typeface="Times New Roman"/>
                         <a:cs typeface="Times New Roman"/>
                       </a:endParaRPr>
                     </a:p>
@@ -2714,14 +3072,13 @@
                     <a:bodyPr/>
                     <a:lstStyle/>
                     <a:p>
-                      <a:pPr algn="l" rtl="0">
+                      <a:pPr>
                         <a:lnSpc>
                           <a:spcPct val="100000"/>
                         </a:lnSpc>
                       </a:pPr>
                       <a:endParaRPr sz="900" spc="0" dirty="0">
-                        <a:latin typeface="Adobe Clean Han Regular" panose="020B0500000000000000" pitchFamily="34" charset="-128"/>
-                        <a:ea typeface="Adobe Clean Han Regular" panose="020B0500000000000000" pitchFamily="34" charset="-128"/>
+                        <a:latin typeface="Times New Roman"/>
                         <a:cs typeface="Times New Roman"/>
                       </a:endParaRPr>
                     </a:p>
@@ -2733,7 +3090,7 @@
                     <a:bodyPr/>
                     <a:lstStyle/>
                     <a:p>
-                      <a:pPr algn="l" rtl="0">
+                      <a:pPr>
                         <a:lnSpc>
                           <a:spcPct val="100000"/>
                         </a:lnSpc>
@@ -2760,16 +3117,19 @@
                         </a:spcBef>
                       </a:pPr>
                       <a:r>
-                        <a:rPr lang="ja-JP" sz="900">
+                        <a:rPr sz="900" spc="0" dirty="0">
                           <a:solidFill>
                             <a:srgbClr val="020302"/>
                           </a:solidFill>
-                          <a:latin typeface="Adobe Clean Han Regular" panose="020B0500000000000000" pitchFamily="34" charset="-128"/>
-                          <a:ea typeface="Adobe Clean Han Regular" panose="020B0500000000000000" pitchFamily="34" charset="-128"/>
+                          <a:latin typeface="Wingdings"/>
                           <a:cs typeface="Wingdings"/>
                         </a:rPr>
                         <a:t></a:t>
                       </a:r>
+                      <a:endParaRPr sz="900" spc="0" dirty="0">
+                        <a:latin typeface="Wingdings"/>
+                        <a:cs typeface="Wingdings"/>
+                      </a:endParaRPr>
                     </a:p>
                   </a:txBody>
                   <a:tcPr marL="0" marR="0" marT="59055" marB="0"/>
@@ -2788,16 +3148,19 @@
                         </a:spcBef>
                       </a:pPr>
                       <a:r>
-                        <a:rPr lang="ja-JP" sz="900">
+                        <a:rPr sz="900" spc="0" dirty="0">
                           <a:solidFill>
                             <a:srgbClr val="020302"/>
                           </a:solidFill>
-                          <a:latin typeface="Adobe Clean Han Regular" panose="020B0500000000000000" pitchFamily="34" charset="-128"/>
-                          <a:ea typeface="Adobe Clean Han Regular" panose="020B0500000000000000" pitchFamily="34" charset="-128"/>
+                          <a:latin typeface="Wingdings"/>
                           <a:cs typeface="Wingdings"/>
                         </a:rPr>
                         <a:t></a:t>
                       </a:r>
+                      <a:endParaRPr sz="900" spc="0" dirty="0">
+                        <a:latin typeface="Wingdings"/>
+                        <a:cs typeface="Wingdings"/>
+                      </a:endParaRPr>
                     </a:p>
                   </a:txBody>
                   <a:tcPr marL="0" marR="0" marT="59055" marB="0">
@@ -2815,13 +3178,13 @@
                   </a:ext>
                 </a:extLst>
               </a:tr>
-              <a:tr h="243081">
+              <a:tr h="264424">
                 <a:tc vMerge="1">
                   <a:txBody>
                     <a:bodyPr/>
                     <a:lstStyle/>
                     <a:p>
-                      <a:pPr marL="50800" algn="l" rtl="0">
+                      <a:pPr marL="50800">
                         <a:lnSpc>
                           <a:spcPct val="100000"/>
                         </a:lnSpc>
@@ -2879,16 +3242,19 @@
                         </a:spcBef>
                       </a:pPr>
                       <a:r>
-                        <a:rPr lang="ja-JP" sz="900">
+                        <a:rPr sz="900" spc="0" dirty="0">
                           <a:solidFill>
                             <a:srgbClr val="020302"/>
                           </a:solidFill>
-                          <a:latin typeface="Adobe Clean Han Regular" panose="020B0500000000000000" pitchFamily="34" charset="-128"/>
-                          <a:ea typeface="Adobe Clean Han Regular" panose="020B0500000000000000" pitchFamily="34" charset="-128"/>
+                          <a:latin typeface="AdobeClean-Light"/>
                           <a:cs typeface="AdobeClean-Light"/>
                         </a:rPr>
-                        <a:t>テクニカルアカウントマネージャー</a:t>
+                        <a:t>Technical Account Manager</a:t>
                       </a:r>
+                      <a:endParaRPr sz="900" spc="0" dirty="0">
+                        <a:latin typeface="AdobeClean-Light"/>
+                        <a:cs typeface="AdobeClean-Light"/>
+                      </a:endParaRPr>
                     </a:p>
                   </a:txBody>
                   <a:tcPr marL="0" marR="0" marT="63500" marB="0">
@@ -2917,14 +3283,13 @@
                     <a:bodyPr/>
                     <a:lstStyle/>
                     <a:p>
-                      <a:pPr algn="l" rtl="0">
+                      <a:pPr>
                         <a:lnSpc>
                           <a:spcPct val="100000"/>
                         </a:lnSpc>
                       </a:pPr>
                       <a:endParaRPr sz="900" spc="0" dirty="0">
-                        <a:latin typeface="Adobe Clean Han Regular" panose="020B0500000000000000" pitchFamily="34" charset="-128"/>
-                        <a:ea typeface="Adobe Clean Han Regular" panose="020B0500000000000000" pitchFamily="34" charset="-128"/>
+                        <a:latin typeface="Times New Roman"/>
                         <a:cs typeface="Times New Roman"/>
                       </a:endParaRPr>
                     </a:p>
@@ -2954,14 +3319,13 @@
                     <a:bodyPr/>
                     <a:lstStyle/>
                     <a:p>
-                      <a:pPr algn="l" rtl="0">
+                      <a:pPr>
                         <a:lnSpc>
                           <a:spcPct val="100000"/>
                         </a:lnSpc>
                       </a:pPr>
                       <a:endParaRPr sz="900" spc="0" dirty="0">
-                        <a:latin typeface="Adobe Clean Han Regular" panose="020B0500000000000000" pitchFamily="34" charset="-128"/>
-                        <a:ea typeface="Adobe Clean Han Regular" panose="020B0500000000000000" pitchFamily="34" charset="-128"/>
+                        <a:latin typeface="Times New Roman"/>
                         <a:cs typeface="Times New Roman"/>
                       </a:endParaRPr>
                     </a:p>
@@ -2980,7 +3344,7 @@
                     <a:bodyPr/>
                     <a:lstStyle/>
                     <a:p>
-                      <a:pPr algn="l" rtl="0">
+                      <a:pPr>
                         <a:lnSpc>
                           <a:spcPct val="100000"/>
                         </a:lnSpc>
@@ -3008,14 +3372,13 @@
                     <a:bodyPr/>
                     <a:lstStyle/>
                     <a:p>
-                      <a:pPr algn="l" rtl="0">
+                      <a:pPr>
                         <a:lnSpc>
                           <a:spcPct val="100000"/>
                         </a:lnSpc>
                       </a:pPr>
                       <a:endParaRPr sz="900" spc="0">
-                        <a:latin typeface="Adobe Clean Han Regular" panose="020B0500000000000000" pitchFamily="34" charset="-128"/>
-                        <a:ea typeface="Adobe Clean Han Regular" panose="020B0500000000000000" pitchFamily="34" charset="-128"/>
+                        <a:latin typeface="Times New Roman"/>
                         <a:cs typeface="Times New Roman"/>
                       </a:endParaRPr>
                     </a:p>
@@ -3043,16 +3406,19 @@
                         </a:spcBef>
                       </a:pPr>
                       <a:r>
-                        <a:rPr lang="ja-JP" sz="900">
+                        <a:rPr sz="900" spc="0" dirty="0">
                           <a:solidFill>
                             <a:srgbClr val="020302"/>
                           </a:solidFill>
-                          <a:latin typeface="Adobe Clean Han Regular" panose="020B0500000000000000" pitchFamily="34" charset="-128"/>
-                          <a:ea typeface="Adobe Clean Han Regular" panose="020B0500000000000000" pitchFamily="34" charset="-128"/>
+                          <a:latin typeface="Wingdings"/>
                           <a:cs typeface="Wingdings"/>
                         </a:rPr>
                         <a:t></a:t>
                       </a:r>
+                      <a:endParaRPr sz="900" spc="0">
+                        <a:latin typeface="Wingdings"/>
+                        <a:cs typeface="Wingdings"/>
+                      </a:endParaRPr>
                     </a:p>
                   </a:txBody>
                   <a:tcPr marL="0" marR="0" marT="64135" marB="0">
@@ -3076,7 +3442,7 @@
                   </a:ext>
                 </a:extLst>
               </a:tr>
-              <a:tr h="243081">
+              <a:tr h="264424">
                 <a:tc rowSpan="12">
                   <a:txBody>
                     <a:bodyPr/>
@@ -3091,16 +3457,22 @@
                         </a:spcBef>
                       </a:pPr>
                       <a:r>
-                        <a:rPr lang="ja-JP" sz="1000" b="1" i="0">
+                        <a:rPr lang="en-US" sz="1000" b="1" i="0" spc="0" dirty="0">
                           <a:solidFill>
                             <a:schemeClr val="bg1"/>
                           </a:solidFill>
-                          <a:latin typeface="Adobe Clean Han Regular" panose="020B0500000000000000" pitchFamily="34" charset="-128"/>
-                          <a:ea typeface="Adobe Clean Han Regular" panose="020B0500000000000000" pitchFamily="34" charset="-128"/>
+                          <a:latin typeface="Adobe Clean" panose="020B0503020404020204" pitchFamily="34" charset="0"/>
                           <a:cs typeface="AdobeClean-Light"/>
                         </a:rPr>
-                        <a:t>サポートサービス</a:t>
+                        <a:t>Support Services</a:t>
                       </a:r>
+                      <a:endParaRPr sz="1000" b="1" i="0" spc="0" dirty="0">
+                        <a:solidFill>
+                          <a:schemeClr val="bg1"/>
+                        </a:solidFill>
+                        <a:latin typeface="Adobe Clean" panose="020B0503020404020204" pitchFamily="34" charset="0"/>
+                        <a:cs typeface="AdobeClean-Light"/>
+                      </a:endParaRPr>
                     </a:p>
                   </a:txBody>
                   <a:tcPr marL="0" marR="0" marT="57150" marB="0" anchor="ctr">
@@ -3156,16 +3528,29 @@
                         </a:spcBef>
                       </a:pPr>
                       <a:r>
-                        <a:rPr lang="ja-JP" sz="900">
+                        <a:rPr lang="en-US" sz="900" spc="0" dirty="0">
                           <a:solidFill>
                             <a:srgbClr val="020302"/>
                           </a:solidFill>
-                          <a:latin typeface="Adobe Clean Han Regular" panose="020B0500000000000000" pitchFamily="34" charset="-128"/>
-                          <a:ea typeface="Adobe Clean Han Regular" panose="020B0500000000000000" pitchFamily="34" charset="-128"/>
+                          <a:latin typeface="AdobeClean-Light"/>
                           <a:cs typeface="AdobeClean-Light"/>
                         </a:rPr>
-                        <a:t>オンラインサポート</a:t>
+                        <a:t>Online </a:t>
                       </a:r>
+                      <a:r>
+                        <a:rPr sz="900" spc="0" dirty="0">
+                          <a:solidFill>
+                            <a:srgbClr val="020302"/>
+                          </a:solidFill>
+                          <a:latin typeface="AdobeClean-Light"/>
+                          <a:cs typeface="AdobeClean-Light"/>
+                        </a:rPr>
+                        <a:t> Support</a:t>
+                      </a:r>
+                      <a:endParaRPr sz="900" spc="0" dirty="0">
+                        <a:latin typeface="AdobeClean-Light"/>
+                        <a:cs typeface="AdobeClean-Light"/>
+                      </a:endParaRPr>
                     </a:p>
                   </a:txBody>
                   <a:tcPr marL="0" marR="0" marT="57150" marB="0">
@@ -3203,16 +3588,19 @@
                         </a:spcBef>
                       </a:pPr>
                       <a:r>
-                        <a:rPr lang="ja-JP" sz="800">
+                        <a:rPr sz="800" spc="0" dirty="0">
                           <a:solidFill>
                             <a:srgbClr val="020302"/>
                           </a:solidFill>
-                          <a:latin typeface="Adobe Clean Han Regular" panose="020B0500000000000000" pitchFamily="34" charset="-128"/>
-                          <a:ea typeface="Adobe Clean Han Regular" panose="020B0500000000000000" pitchFamily="34" charset="-128"/>
+                          <a:latin typeface="AdobeClean-Light"/>
                           <a:cs typeface="AdobeClean-Light"/>
                         </a:rPr>
-                        <a:t>営業時間</a:t>
+                        <a:t>Business hours</a:t>
                       </a:r>
+                      <a:endParaRPr sz="800" spc="0" dirty="0">
+                        <a:latin typeface="AdobeClean-Light"/>
+                        <a:cs typeface="AdobeClean-Light"/>
+                      </a:endParaRPr>
                     </a:p>
                   </a:txBody>
                   <a:tcPr marL="0" marR="0" marT="67945" marB="0">
@@ -3249,16 +3637,19 @@
                         </a:spcBef>
                       </a:pPr>
                       <a:r>
-                        <a:rPr lang="ja-JP" sz="800">
+                        <a:rPr sz="800" spc="0" dirty="0">
                           <a:solidFill>
                             <a:srgbClr val="020302"/>
                           </a:solidFill>
-                          <a:latin typeface="Adobe Clean Han Regular" panose="020B0500000000000000" pitchFamily="34" charset="-128"/>
-                          <a:ea typeface="Adobe Clean Han Regular" panose="020B0500000000000000" pitchFamily="34" charset="-128"/>
+                          <a:latin typeface="AdobeClean-Light"/>
                           <a:cs typeface="AdobeClean-Light"/>
                         </a:rPr>
-                        <a:t>営業時間</a:t>
+                        <a:t>Business hours</a:t>
                       </a:r>
+                      <a:endParaRPr sz="800" spc="0" dirty="0">
+                        <a:latin typeface="AdobeClean-Light"/>
+                        <a:cs typeface="AdobeClean-Light"/>
+                      </a:endParaRPr>
                     </a:p>
                   </a:txBody>
                   <a:tcPr marL="0" marR="0" marT="67945" marB="0">
@@ -3275,7 +3666,7 @@
                     <a:bodyPr/>
                     <a:lstStyle/>
                     <a:p>
-                      <a:pPr algn="l" rtl="0">
+                      <a:pPr algn="ctr">
                         <a:lnSpc>
                           <a:spcPct val="100000"/>
                         </a:lnSpc>
@@ -3315,16 +3706,19 @@
                         </a:spcBef>
                       </a:pPr>
                       <a:r>
-                        <a:rPr lang="ja-JP" sz="800">
+                        <a:rPr sz="800" spc="0" dirty="0">
                           <a:solidFill>
                             <a:srgbClr val="020302"/>
                           </a:solidFill>
-                          <a:latin typeface="Adobe Clean Han Regular" panose="020B0500000000000000" pitchFamily="34" charset="-128"/>
-                          <a:ea typeface="Adobe Clean Han Regular" panose="020B0500000000000000" pitchFamily="34" charset="-128"/>
+                          <a:latin typeface="AdobeClean-Light"/>
                           <a:cs typeface="AdobeClean-Light"/>
                         </a:rPr>
-                        <a:t>24 時間週 5 日</a:t>
+                        <a:t>24X5</a:t>
                       </a:r>
+                      <a:endParaRPr sz="800" spc="0">
+                        <a:latin typeface="AdobeClean-Light"/>
+                        <a:cs typeface="AdobeClean-Light"/>
+                      </a:endParaRPr>
                     </a:p>
                   </a:txBody>
                   <a:tcPr marL="0" marR="0" marT="67945" marB="0">
@@ -3350,16 +3744,19 @@
                         </a:spcBef>
                       </a:pPr>
                       <a:r>
-                        <a:rPr lang="ja-JP" sz="800">
+                        <a:rPr sz="800" spc="0" dirty="0">
                           <a:solidFill>
                             <a:srgbClr val="020302"/>
                           </a:solidFill>
-                          <a:latin typeface="Adobe Clean Han Regular" panose="020B0500000000000000" pitchFamily="34" charset="-128"/>
-                          <a:ea typeface="Adobe Clean Han Regular" panose="020B0500000000000000" pitchFamily="34" charset="-128"/>
+                          <a:latin typeface="AdobeClean-Light"/>
                           <a:cs typeface="AdobeClean-Light"/>
                         </a:rPr>
-                        <a:t>24 時間週 5 日</a:t>
+                        <a:t>24X5</a:t>
                       </a:r>
+                      <a:endParaRPr sz="800" spc="0" dirty="0">
+                        <a:latin typeface="AdobeClean-Light"/>
+                        <a:cs typeface="AdobeClean-Light"/>
+                      </a:endParaRPr>
                     </a:p>
                   </a:txBody>
                   <a:tcPr marL="0" marR="0" marT="67945" marB="0">
@@ -3383,13 +3780,13 @@
                   </a:ext>
                 </a:extLst>
               </a:tr>
-              <a:tr h="243081">
+              <a:tr h="264424">
                 <a:tc vMerge="1">
                   <a:txBody>
                     <a:bodyPr/>
                     <a:lstStyle/>
                     <a:p>
-                      <a:pPr marL="50800" algn="l" rtl="0">
+                      <a:pPr marL="50800">
                         <a:lnSpc>
                           <a:spcPct val="100000"/>
                         </a:lnSpc>
@@ -3438,16 +3835,39 @@
                         </a:spcBef>
                       </a:pPr>
                       <a:r>
-                        <a:rPr lang="ja-JP" sz="900">
+                        <a:rPr sz="900" spc="0" dirty="0">
                           <a:solidFill>
                             <a:srgbClr val="020302"/>
                           </a:solidFill>
-                          <a:latin typeface="Adobe Clean Han Regular" panose="020B0500000000000000" pitchFamily="34" charset="-128"/>
-                          <a:ea typeface="Adobe Clean Han Regular" panose="020B0500000000000000" pitchFamily="34" charset="-128"/>
+                          <a:latin typeface="AdobeClean-Light"/>
                           <a:cs typeface="AdobeClean-Light"/>
                         </a:rPr>
-                        <a:t>24 時間年中無休の P1 の問題のサポート</a:t>
+                        <a:t>24x7</a:t>
                       </a:r>
+                      <a:r>
+                        <a:rPr lang="en-US" sz="900" spc="0" dirty="0">
+                          <a:solidFill>
+                            <a:srgbClr val="020302"/>
+                          </a:solidFill>
+                          <a:latin typeface="AdobeClean-Light"/>
+                          <a:cs typeface="AdobeClean-Light"/>
+                        </a:rPr>
+                        <a:t>x365</a:t>
+                      </a:r>
+                      <a:r>
+                        <a:rPr sz="900" spc="0" dirty="0">
+                          <a:solidFill>
+                            <a:srgbClr val="020302"/>
+                          </a:solidFill>
+                          <a:latin typeface="AdobeClean-Light"/>
+                          <a:cs typeface="AdobeClean-Light"/>
+                        </a:rPr>
+                        <a:t> P1 Issue Support</a:t>
+                      </a:r>
+                      <a:endParaRPr sz="900" spc="0" dirty="0">
+                        <a:latin typeface="AdobeClean-Light"/>
+                        <a:cs typeface="AdobeClean-Light"/>
+                      </a:endParaRPr>
                     </a:p>
                   </a:txBody>
                   <a:tcPr marL="0" marR="0" marT="57785" marB="0">
@@ -3479,16 +3899,19 @@
                         </a:spcBef>
                       </a:pPr>
                       <a:r>
-                        <a:rPr lang="ja-JP" sz="900">
+                        <a:rPr sz="900" spc="0" dirty="0">
                           <a:solidFill>
                             <a:srgbClr val="020302"/>
                           </a:solidFill>
-                          <a:latin typeface="Adobe Clean Han Regular" panose="020B0500000000000000" pitchFamily="34" charset="-128"/>
-                          <a:ea typeface="Adobe Clean Han Regular" panose="020B0500000000000000" pitchFamily="34" charset="-128"/>
+                          <a:latin typeface="Wingdings"/>
                           <a:cs typeface="Wingdings"/>
                         </a:rPr>
                         <a:t></a:t>
                       </a:r>
+                      <a:endParaRPr sz="900" spc="0">
+                        <a:latin typeface="Wingdings"/>
+                        <a:cs typeface="Wingdings"/>
+                      </a:endParaRPr>
                     </a:p>
                   </a:txBody>
                   <a:tcPr marL="0" marR="0" marT="58419" marB="0">
@@ -3519,16 +3942,19 @@
                         </a:spcBef>
                       </a:pPr>
                       <a:r>
-                        <a:rPr lang="ja-JP" sz="900">
+                        <a:rPr sz="900" spc="0" dirty="0">
                           <a:solidFill>
                             <a:srgbClr val="020302"/>
                           </a:solidFill>
-                          <a:latin typeface="Adobe Clean Han Regular" panose="020B0500000000000000" pitchFamily="34" charset="-128"/>
-                          <a:ea typeface="Adobe Clean Han Regular" panose="020B0500000000000000" pitchFamily="34" charset="-128"/>
+                          <a:latin typeface="Wingdings"/>
                           <a:cs typeface="Wingdings"/>
                         </a:rPr>
                         <a:t></a:t>
                       </a:r>
+                      <a:endParaRPr sz="900" spc="0">
+                        <a:latin typeface="Wingdings"/>
+                        <a:cs typeface="Wingdings"/>
+                      </a:endParaRPr>
                     </a:p>
                   </a:txBody>
                   <a:tcPr marL="0" marR="0" marT="58419" marB="0"/>
@@ -3538,7 +3964,7 @@
                     <a:bodyPr/>
                     <a:lstStyle/>
                     <a:p>
-                      <a:pPr algn="l" rtl="0">
+                      <a:pPr algn="ctr">
                         <a:lnSpc>
                           <a:spcPct val="100000"/>
                         </a:lnSpc>
@@ -3568,16 +3994,19 @@
                         </a:spcBef>
                       </a:pPr>
                       <a:r>
-                        <a:rPr lang="ja-JP" sz="900">
+                        <a:rPr sz="900" spc="0" dirty="0">
                           <a:solidFill>
                             <a:srgbClr val="020302"/>
                           </a:solidFill>
-                          <a:latin typeface="Adobe Clean Han Regular" panose="020B0500000000000000" pitchFamily="34" charset="-128"/>
-                          <a:ea typeface="Adobe Clean Han Regular" panose="020B0500000000000000" pitchFamily="34" charset="-128"/>
+                          <a:latin typeface="Wingdings"/>
                           <a:cs typeface="Wingdings"/>
                         </a:rPr>
                         <a:t></a:t>
                       </a:r>
+                      <a:endParaRPr sz="900" spc="0">
+                        <a:latin typeface="Wingdings"/>
+                        <a:cs typeface="Wingdings"/>
+                      </a:endParaRPr>
                     </a:p>
                   </a:txBody>
                   <a:tcPr marL="0" marR="0" marT="58419" marB="0"/>
@@ -3596,16 +4025,19 @@
                         </a:spcBef>
                       </a:pPr>
                       <a:r>
-                        <a:rPr lang="ja-JP" sz="900">
+                        <a:rPr sz="900" spc="0" dirty="0">
                           <a:solidFill>
                             <a:srgbClr val="020302"/>
                           </a:solidFill>
-                          <a:latin typeface="Adobe Clean Han Regular" panose="020B0500000000000000" pitchFamily="34" charset="-128"/>
-                          <a:ea typeface="Adobe Clean Han Regular" panose="020B0500000000000000" pitchFamily="34" charset="-128"/>
+                          <a:latin typeface="Wingdings"/>
                           <a:cs typeface="Wingdings"/>
                         </a:rPr>
                         <a:t></a:t>
                       </a:r>
+                      <a:endParaRPr sz="900" spc="0">
+                        <a:latin typeface="Wingdings"/>
+                        <a:cs typeface="Wingdings"/>
+                      </a:endParaRPr>
                     </a:p>
                   </a:txBody>
                   <a:tcPr marL="0" marR="0" marT="58419" marB="0">
@@ -3623,13 +4055,13 @@
                   </a:ext>
                 </a:extLst>
               </a:tr>
-              <a:tr h="243081">
+              <a:tr h="264424">
                 <a:tc vMerge="1">
                   <a:txBody>
                     <a:bodyPr/>
                     <a:lstStyle/>
                     <a:p>
-                      <a:pPr marL="50800" algn="l" rtl="0">
+                      <a:pPr marL="50800">
                         <a:lnSpc>
                           <a:spcPct val="100000"/>
                         </a:lnSpc>
@@ -3678,16 +4110,19 @@
                         </a:spcBef>
                       </a:pPr>
                       <a:r>
-                        <a:rPr lang="ja-JP" sz="900">
+                        <a:rPr lang="en-US" sz="900" spc="0" dirty="0">
                           <a:solidFill>
                             <a:srgbClr val="020302"/>
                           </a:solidFill>
-                          <a:latin typeface="Adobe Clean Han Regular" panose="020B0500000000000000" pitchFamily="34" charset="-128"/>
-                          <a:ea typeface="Adobe Clean Han Regular" panose="020B0500000000000000" pitchFamily="34" charset="-128"/>
+                          <a:latin typeface="AdobeClean-Light"/>
                           <a:cs typeface="AdobeClean-Light"/>
                         </a:rPr>
-                        <a:t>サポート対象ユーザー（製品単位）</a:t>
+                        <a:t>Named Support Contacts (per product)</a:t>
                       </a:r>
+                      <a:endParaRPr sz="900" spc="0" dirty="0">
+                        <a:latin typeface="AdobeClean-Light"/>
+                        <a:cs typeface="AdobeClean-Light"/>
+                      </a:endParaRPr>
                     </a:p>
                   </a:txBody>
                   <a:tcPr marL="0" marR="0" marT="57785" marB="0">
@@ -3719,16 +4154,19 @@
                         </a:spcBef>
                       </a:pPr>
                       <a:r>
-                        <a:rPr lang="ja-JP" sz="900">
+                        <a:rPr sz="900" spc="0" dirty="0">
                           <a:solidFill>
                             <a:srgbClr val="020302"/>
                           </a:solidFill>
-                          <a:latin typeface="Adobe Clean Han Regular" panose="020B0500000000000000" pitchFamily="34" charset="-128"/>
-                          <a:ea typeface="Adobe Clean Han Regular" panose="020B0500000000000000" pitchFamily="34" charset="-128"/>
+                          <a:latin typeface="AdobeClean-Light"/>
                           <a:cs typeface="AdobeClean-Light"/>
                         </a:rPr>
                         <a:t>4</a:t>
                       </a:r>
+                      <a:endParaRPr sz="900" spc="0" dirty="0">
+                        <a:latin typeface="AdobeClean-Light"/>
+                        <a:cs typeface="AdobeClean-Light"/>
+                      </a:endParaRPr>
                     </a:p>
                   </a:txBody>
                   <a:tcPr marL="0" marR="0" marT="57785" marB="0">
@@ -3759,16 +4197,19 @@
                         </a:spcBef>
                       </a:pPr>
                       <a:r>
-                        <a:rPr lang="ja-JP" sz="900">
+                        <a:rPr sz="900" spc="0" dirty="0">
                           <a:solidFill>
                             <a:srgbClr val="020302"/>
                           </a:solidFill>
-                          <a:latin typeface="Adobe Clean Han Regular" panose="020B0500000000000000" pitchFamily="34" charset="-128"/>
-                          <a:ea typeface="Adobe Clean Han Regular" panose="020B0500000000000000" pitchFamily="34" charset="-128"/>
+                          <a:latin typeface="AdobeClean-Light"/>
                           <a:cs typeface="AdobeClean-Light"/>
                         </a:rPr>
                         <a:t>6</a:t>
                       </a:r>
+                      <a:endParaRPr sz="900" spc="0">
+                        <a:latin typeface="AdobeClean-Light"/>
+                        <a:cs typeface="AdobeClean-Light"/>
+                      </a:endParaRPr>
                     </a:p>
                   </a:txBody>
                   <a:tcPr marL="0" marR="0" marT="57785" marB="0"/>
@@ -3778,7 +4219,7 @@
                     <a:bodyPr/>
                     <a:lstStyle/>
                     <a:p>
-                      <a:pPr algn="l" rtl="0">
+                      <a:pPr algn="ctr">
                         <a:lnSpc>
                           <a:spcPct val="100000"/>
                         </a:lnSpc>
@@ -3808,16 +4249,19 @@
                         </a:spcBef>
                       </a:pPr>
                       <a:r>
-                        <a:rPr lang="ja-JP" sz="900">
+                        <a:rPr sz="900" spc="0" dirty="0">
                           <a:solidFill>
                             <a:srgbClr val="020302"/>
                           </a:solidFill>
-                          <a:latin typeface="Adobe Clean Han Regular" panose="020B0500000000000000" pitchFamily="34" charset="-128"/>
-                          <a:ea typeface="Adobe Clean Han Regular" panose="020B0500000000000000" pitchFamily="34" charset="-128"/>
+                          <a:latin typeface="AdobeClean-Light"/>
                           <a:cs typeface="AdobeClean-Light"/>
                         </a:rPr>
                         <a:t>10</a:t>
                       </a:r>
+                      <a:endParaRPr sz="900" spc="0">
+                        <a:latin typeface="AdobeClean-Light"/>
+                        <a:cs typeface="AdobeClean-Light"/>
+                      </a:endParaRPr>
                     </a:p>
                   </a:txBody>
                   <a:tcPr marL="0" marR="0" marT="57785" marB="0"/>
@@ -3836,16 +4280,19 @@
                         </a:spcBef>
                       </a:pPr>
                       <a:r>
-                        <a:rPr lang="ja-JP" sz="900">
+                        <a:rPr sz="900" spc="0" dirty="0">
                           <a:solidFill>
                             <a:srgbClr val="020302"/>
                           </a:solidFill>
-                          <a:latin typeface="Adobe Clean Han Regular" panose="020B0500000000000000" pitchFamily="34" charset="-128"/>
-                          <a:ea typeface="Adobe Clean Han Regular" panose="020B0500000000000000" pitchFamily="34" charset="-128"/>
+                          <a:latin typeface="AdobeClean-Light"/>
                           <a:cs typeface="AdobeClean-Light"/>
                         </a:rPr>
                         <a:t>15</a:t>
                       </a:r>
+                      <a:endParaRPr sz="900" spc="0">
+                        <a:latin typeface="AdobeClean-Light"/>
+                        <a:cs typeface="AdobeClean-Light"/>
+                      </a:endParaRPr>
                     </a:p>
                   </a:txBody>
                   <a:tcPr marL="0" marR="0" marT="57785" marB="0">
@@ -3863,13 +4310,13 @@
                   </a:ext>
                 </a:extLst>
               </a:tr>
-              <a:tr h="243081">
+              <a:tr h="264424">
                 <a:tc vMerge="1">
                   <a:txBody>
                     <a:bodyPr/>
                     <a:lstStyle/>
                     <a:p>
-                      <a:pPr marL="50800" algn="l" rtl="0">
+                      <a:pPr marL="50800">
                         <a:lnSpc>
                           <a:spcPct val="100000"/>
                         </a:lnSpc>
@@ -3918,16 +4365,19 @@
                         </a:spcBef>
                       </a:pPr>
                       <a:r>
-                        <a:rPr lang="ja-JP" sz="900">
+                        <a:rPr lang="en-US" sz="900" spc="0" dirty="0">
                           <a:solidFill>
                             <a:srgbClr val="020302"/>
                           </a:solidFill>
-                          <a:latin typeface="Adobe Clean Han Regular" panose="020B0500000000000000" pitchFamily="34" charset="-128"/>
-                          <a:ea typeface="Adobe Clean Han Regular" panose="020B0500000000000000" pitchFamily="34" charset="-128"/>
+                          <a:latin typeface="AdobeClean-Light"/>
                           <a:cs typeface="AdobeClean-Light"/>
                         </a:rPr>
-                        <a:t>電話サポート（ライブ）</a:t>
+                        <a:t>Live Telephone Support</a:t>
                       </a:r>
+                      <a:endParaRPr sz="900" spc="0" dirty="0">
+                        <a:latin typeface="AdobeClean-Light"/>
+                        <a:cs typeface="AdobeClean-Light"/>
+                      </a:endParaRPr>
                     </a:p>
                   </a:txBody>
                   <a:tcPr marL="0" marR="0" marT="57785" marB="0">
@@ -3950,14 +4400,13 @@
                     <a:bodyPr/>
                     <a:lstStyle/>
                     <a:p>
-                      <a:pPr algn="l" rtl="0">
+                      <a:pPr>
                         <a:lnSpc>
                           <a:spcPct val="100000"/>
                         </a:lnSpc>
                       </a:pPr>
                       <a:endParaRPr sz="900" spc="0" dirty="0">
-                        <a:latin typeface="Adobe Clean Han Regular" panose="020B0500000000000000" pitchFamily="34" charset="-128"/>
-                        <a:ea typeface="Adobe Clean Han Regular" panose="020B0500000000000000" pitchFamily="34" charset="-128"/>
+                        <a:latin typeface="Times New Roman"/>
                         <a:cs typeface="Times New Roman"/>
                       </a:endParaRPr>
                     </a:p>
@@ -3990,16 +4439,19 @@
                         </a:spcBef>
                       </a:pPr>
                       <a:r>
-                        <a:rPr lang="ja-JP" sz="900">
+                        <a:rPr sz="900" spc="0" dirty="0">
                           <a:solidFill>
                             <a:srgbClr val="020302"/>
                           </a:solidFill>
-                          <a:latin typeface="Adobe Clean Han Regular" panose="020B0500000000000000" pitchFamily="34" charset="-128"/>
-                          <a:ea typeface="Adobe Clean Han Regular" panose="020B0500000000000000" pitchFamily="34" charset="-128"/>
+                          <a:latin typeface="Wingdings"/>
                           <a:cs typeface="Wingdings"/>
                         </a:rPr>
                         <a:t></a:t>
                       </a:r>
+                      <a:endParaRPr sz="900" spc="0">
+                        <a:latin typeface="Wingdings"/>
+                        <a:cs typeface="Wingdings"/>
+                      </a:endParaRPr>
                     </a:p>
                   </a:txBody>
                   <a:tcPr marL="0" marR="0" marT="59054" marB="0"/>
@@ -4009,7 +4461,7 @@
                     <a:bodyPr/>
                     <a:lstStyle/>
                     <a:p>
-                      <a:pPr algn="l" rtl="0">
+                      <a:pPr algn="ctr">
                         <a:lnSpc>
                           <a:spcPct val="100000"/>
                         </a:lnSpc>
@@ -4039,16 +4491,19 @@
                         </a:spcBef>
                       </a:pPr>
                       <a:r>
-                        <a:rPr lang="ja-JP" sz="900">
+                        <a:rPr sz="900" spc="0" dirty="0">
                           <a:solidFill>
                             <a:srgbClr val="020302"/>
                           </a:solidFill>
-                          <a:latin typeface="Adobe Clean Han Regular" panose="020B0500000000000000" pitchFamily="34" charset="-128"/>
-                          <a:ea typeface="Adobe Clean Han Regular" panose="020B0500000000000000" pitchFamily="34" charset="-128"/>
+                          <a:latin typeface="Wingdings"/>
                           <a:cs typeface="Wingdings"/>
                         </a:rPr>
                         <a:t></a:t>
                       </a:r>
+                      <a:endParaRPr sz="900" spc="0">
+                        <a:latin typeface="Wingdings"/>
+                        <a:cs typeface="Wingdings"/>
+                      </a:endParaRPr>
                     </a:p>
                   </a:txBody>
                   <a:tcPr marL="0" marR="0" marT="59054" marB="0"/>
@@ -4067,16 +4522,19 @@
                         </a:spcBef>
                       </a:pPr>
                       <a:r>
-                        <a:rPr lang="ja-JP" sz="900">
+                        <a:rPr sz="900" spc="0" dirty="0">
                           <a:solidFill>
                             <a:srgbClr val="020302"/>
                           </a:solidFill>
-                          <a:latin typeface="Adobe Clean Han Regular" panose="020B0500000000000000" pitchFamily="34" charset="-128"/>
-                          <a:ea typeface="Adobe Clean Han Regular" panose="020B0500000000000000" pitchFamily="34" charset="-128"/>
+                          <a:latin typeface="Wingdings"/>
                           <a:cs typeface="Wingdings"/>
                         </a:rPr>
                         <a:t></a:t>
                       </a:r>
+                      <a:endParaRPr sz="900" spc="0">
+                        <a:latin typeface="Wingdings"/>
+                        <a:cs typeface="Wingdings"/>
+                      </a:endParaRPr>
                     </a:p>
                   </a:txBody>
                   <a:tcPr marL="0" marR="0" marT="59054" marB="0">
@@ -4094,13 +4552,13 @@
                   </a:ext>
                 </a:extLst>
               </a:tr>
-              <a:tr h="243081">
+              <a:tr h="264424">
                 <a:tc vMerge="1">
                   <a:txBody>
                     <a:bodyPr/>
                     <a:lstStyle/>
                     <a:p>
-                      <a:pPr marL="50800" algn="l" rtl="0">
+                      <a:pPr marL="50800">
                         <a:lnSpc>
                           <a:spcPct val="100000"/>
                         </a:lnSpc>
@@ -4149,16 +4607,19 @@
                         </a:spcBef>
                       </a:pPr>
                       <a:r>
-                        <a:rPr lang="ja-JP" sz="900" dirty="0">
+                        <a:rPr sz="900" spc="0" dirty="0">
                           <a:solidFill>
                             <a:srgbClr val="020302"/>
                           </a:solidFill>
-                          <a:latin typeface="Adobe Clean Han Regular" panose="020B0500000000000000" pitchFamily="34" charset="-128"/>
-                          <a:ea typeface="Adobe Clean Han Regular" panose="020B0500000000000000" pitchFamily="34" charset="-128"/>
+                          <a:latin typeface="AdobeClean-Light"/>
                           <a:cs typeface="AdobeClean-Light"/>
                         </a:rPr>
-                        <a:t>エスカレーション管理</a:t>
+                        <a:t>Escalation Management</a:t>
                       </a:r>
+                      <a:endParaRPr sz="900" spc="0" dirty="0">
+                        <a:latin typeface="AdobeClean-Light"/>
+                        <a:cs typeface="AdobeClean-Light"/>
+                      </a:endParaRPr>
                     </a:p>
                   </a:txBody>
                   <a:tcPr marL="0" marR="0" marT="58419" marB="0">
@@ -4181,14 +4642,13 @@
                     <a:bodyPr/>
                     <a:lstStyle/>
                     <a:p>
-                      <a:pPr algn="l" rtl="0">
+                      <a:pPr>
                         <a:lnSpc>
                           <a:spcPct val="100000"/>
                         </a:lnSpc>
                       </a:pPr>
                       <a:endParaRPr sz="900" spc="0" dirty="0">
-                        <a:latin typeface="Adobe Clean Han Regular" panose="020B0500000000000000" pitchFamily="34" charset="-128"/>
-                        <a:ea typeface="Adobe Clean Han Regular" panose="020B0500000000000000" pitchFamily="34" charset="-128"/>
+                        <a:latin typeface="Times New Roman"/>
                         <a:cs typeface="Times New Roman"/>
                       </a:endParaRPr>
                     </a:p>
@@ -4221,16 +4681,19 @@
                         </a:spcBef>
                       </a:pPr>
                       <a:r>
-                        <a:rPr lang="ja-JP" sz="900">
+                        <a:rPr sz="900" spc="0" dirty="0">
                           <a:solidFill>
                             <a:srgbClr val="020302"/>
                           </a:solidFill>
-                          <a:latin typeface="Adobe Clean Han Regular" panose="020B0500000000000000" pitchFamily="34" charset="-128"/>
-                          <a:ea typeface="Adobe Clean Han Regular" panose="020B0500000000000000" pitchFamily="34" charset="-128"/>
+                          <a:latin typeface="Wingdings"/>
                           <a:cs typeface="Wingdings"/>
                         </a:rPr>
                         <a:t></a:t>
                       </a:r>
+                      <a:endParaRPr sz="900" spc="0" dirty="0">
+                        <a:latin typeface="Wingdings"/>
+                        <a:cs typeface="Wingdings"/>
+                      </a:endParaRPr>
                     </a:p>
                   </a:txBody>
                   <a:tcPr marL="0" marR="0" marT="59690" marB="0"/>
@@ -4240,7 +4703,7 @@
                     <a:bodyPr/>
                     <a:lstStyle/>
                     <a:p>
-                      <a:pPr algn="l" rtl="0">
+                      <a:pPr algn="ctr">
                         <a:lnSpc>
                           <a:spcPct val="100000"/>
                         </a:lnSpc>
@@ -4270,16 +4733,19 @@
                         </a:spcBef>
                       </a:pPr>
                       <a:r>
-                        <a:rPr lang="ja-JP" sz="900">
+                        <a:rPr sz="900" spc="0" dirty="0">
                           <a:solidFill>
                             <a:srgbClr val="020302"/>
                           </a:solidFill>
-                          <a:latin typeface="Adobe Clean Han Regular" panose="020B0500000000000000" pitchFamily="34" charset="-128"/>
-                          <a:ea typeface="Adobe Clean Han Regular" panose="020B0500000000000000" pitchFamily="34" charset="-128"/>
+                          <a:latin typeface="Wingdings"/>
                           <a:cs typeface="Wingdings"/>
                         </a:rPr>
                         <a:t></a:t>
                       </a:r>
+                      <a:endParaRPr sz="900" spc="0">
+                        <a:latin typeface="Wingdings"/>
+                        <a:cs typeface="Wingdings"/>
+                      </a:endParaRPr>
                     </a:p>
                   </a:txBody>
                   <a:tcPr marL="0" marR="0" marT="59690" marB="0"/>
@@ -4298,16 +4764,19 @@
                         </a:spcBef>
                       </a:pPr>
                       <a:r>
-                        <a:rPr lang="ja-JP" sz="900">
+                        <a:rPr sz="900" spc="0" dirty="0">
                           <a:solidFill>
                             <a:srgbClr val="020302"/>
                           </a:solidFill>
-                          <a:latin typeface="Adobe Clean Han Regular" panose="020B0500000000000000" pitchFamily="34" charset="-128"/>
-                          <a:ea typeface="Adobe Clean Han Regular" panose="020B0500000000000000" pitchFamily="34" charset="-128"/>
+                          <a:latin typeface="Wingdings"/>
                           <a:cs typeface="Wingdings"/>
                         </a:rPr>
                         <a:t></a:t>
                       </a:r>
+                      <a:endParaRPr sz="900" spc="0" dirty="0">
+                        <a:latin typeface="Wingdings"/>
+                        <a:cs typeface="Wingdings"/>
+                      </a:endParaRPr>
                     </a:p>
                   </a:txBody>
                   <a:tcPr marL="0" marR="0" marT="59690" marB="0">
@@ -4325,13 +4794,13 @@
                   </a:ext>
                 </a:extLst>
               </a:tr>
-              <a:tr h="243081">
+              <a:tr h="264424">
                 <a:tc vMerge="1">
                   <a:txBody>
                     <a:bodyPr/>
                     <a:lstStyle/>
                     <a:p>
-                      <a:pPr marL="50800" algn="l" rtl="0">
+                      <a:pPr marL="50800">
                         <a:lnSpc>
                           <a:spcPct val="100000"/>
                         </a:lnSpc>
@@ -4380,16 +4849,19 @@
                         </a:spcBef>
                       </a:pPr>
                       <a:r>
-                        <a:rPr lang="ja-JP" sz="900">
+                        <a:rPr sz="900" spc="0" dirty="0">
                           <a:solidFill>
                             <a:srgbClr val="020302"/>
                           </a:solidFill>
-                          <a:latin typeface="Adobe Clean Han Regular" panose="020B0500000000000000" pitchFamily="34" charset="-128"/>
-                          <a:ea typeface="Adobe Clean Han Regular" panose="020B0500000000000000" pitchFamily="34" charset="-128"/>
+                          <a:latin typeface="AdobeClean-Light"/>
                           <a:cs typeface="AdobeClean-Light"/>
                         </a:rPr>
-                        <a:t>年間のサービスレビュー</a:t>
+                        <a:t>Service Reviews  per Year</a:t>
                       </a:r>
+                      <a:endParaRPr sz="900" spc="0" dirty="0">
+                        <a:latin typeface="AdobeClean-Light"/>
+                        <a:cs typeface="AdobeClean-Light"/>
+                      </a:endParaRPr>
                     </a:p>
                   </a:txBody>
                   <a:tcPr marL="0" marR="0" marT="57150" marB="0">
@@ -4412,14 +4884,13 @@
                     <a:bodyPr/>
                     <a:lstStyle/>
                     <a:p>
-                      <a:pPr algn="l" rtl="0">
+                      <a:pPr>
                         <a:lnSpc>
                           <a:spcPct val="100000"/>
                         </a:lnSpc>
                       </a:pPr>
                       <a:endParaRPr sz="900" spc="0" dirty="0">
-                        <a:latin typeface="Adobe Clean Han Regular" panose="020B0500000000000000" pitchFamily="34" charset="-128"/>
-                        <a:ea typeface="Adobe Clean Han Regular" panose="020B0500000000000000" pitchFamily="34" charset="-128"/>
+                        <a:latin typeface="Times New Roman"/>
                         <a:cs typeface="Times New Roman"/>
                       </a:endParaRPr>
                     </a:p>
@@ -4443,14 +4914,13 @@
                     <a:bodyPr/>
                     <a:lstStyle/>
                     <a:p>
-                      <a:pPr algn="l" rtl="0">
+                      <a:pPr>
                         <a:lnSpc>
                           <a:spcPct val="100000"/>
                         </a:lnSpc>
                       </a:pPr>
                       <a:endParaRPr sz="900" spc="0">
-                        <a:latin typeface="Adobe Clean Han Regular" panose="020B0500000000000000" pitchFamily="34" charset="-128"/>
-                        <a:ea typeface="Adobe Clean Han Regular" panose="020B0500000000000000" pitchFamily="34" charset="-128"/>
+                        <a:latin typeface="Times New Roman"/>
                         <a:cs typeface="Times New Roman"/>
                       </a:endParaRPr>
                     </a:p>
@@ -4462,7 +4932,7 @@
                     <a:bodyPr/>
                     <a:lstStyle/>
                     <a:p>
-                      <a:pPr algn="l" rtl="0">
+                      <a:pPr>
                         <a:lnSpc>
                           <a:spcPct val="100000"/>
                         </a:lnSpc>
@@ -4489,16 +4959,19 @@
                         </a:spcBef>
                       </a:pPr>
                       <a:r>
-                        <a:rPr lang="ja-JP" sz="900">
+                        <a:rPr sz="900" spc="0" dirty="0">
                           <a:solidFill>
                             <a:srgbClr val="020302"/>
                           </a:solidFill>
-                          <a:latin typeface="Adobe Clean Han Regular" panose="020B0500000000000000" pitchFamily="34" charset="-128"/>
-                          <a:ea typeface="Adobe Clean Han Regular" panose="020B0500000000000000" pitchFamily="34" charset="-128"/>
+                          <a:latin typeface="AdobeClean-Light"/>
                           <a:cs typeface="AdobeClean-Light"/>
                         </a:rPr>
                         <a:t>2</a:t>
                       </a:r>
+                      <a:endParaRPr sz="900" spc="0" dirty="0">
+                        <a:latin typeface="AdobeClean-Light"/>
+                        <a:cs typeface="AdobeClean-Light"/>
+                      </a:endParaRPr>
                     </a:p>
                   </a:txBody>
                   <a:tcPr marL="0" marR="0" marT="57150" marB="0"/>
@@ -4517,16 +4990,19 @@
                         </a:spcBef>
                       </a:pPr>
                       <a:r>
-                        <a:rPr lang="ja-JP" sz="900">
+                        <a:rPr sz="900" spc="0" dirty="0">
                           <a:solidFill>
                             <a:srgbClr val="020302"/>
                           </a:solidFill>
-                          <a:latin typeface="Adobe Clean Han Regular" panose="020B0500000000000000" pitchFamily="34" charset="-128"/>
-                          <a:ea typeface="Adobe Clean Han Regular" panose="020B0500000000000000" pitchFamily="34" charset="-128"/>
+                          <a:latin typeface="AdobeClean-Light"/>
                           <a:cs typeface="AdobeClean-Light"/>
                         </a:rPr>
                         <a:t>4</a:t>
                       </a:r>
+                      <a:endParaRPr sz="900" spc="0" dirty="0">
+                        <a:latin typeface="AdobeClean-Light"/>
+                        <a:cs typeface="AdobeClean-Light"/>
+                      </a:endParaRPr>
                     </a:p>
                   </a:txBody>
                   <a:tcPr marL="0" marR="0" marT="57150" marB="0">
@@ -4544,7 +5020,7 @@
                   </a:ext>
                 </a:extLst>
               </a:tr>
-              <a:tr h="243081">
+              <a:tr h="264424">
                 <a:tc vMerge="1">
                   <a:txBody>
                     <a:bodyPr/>
@@ -4569,13 +5045,16 @@
                         </a:spcBef>
                       </a:pPr>
                       <a:r>
-                        <a:rPr lang="ja-JP" sz="900">
-                          <a:latin typeface="Adobe Clean Han Regular" panose="020B0500000000000000" pitchFamily="34" charset="-128"/>
-                          <a:ea typeface="Adobe Clean Han Regular" panose="020B0500000000000000" pitchFamily="34" charset="-128"/>
+                        <a:rPr lang="en-US" sz="900" spc="0" dirty="0">
+                          <a:latin typeface="AdobeClean-Light"/>
                           <a:cs typeface="AdobeClean-Light"/>
                         </a:rPr>
-                        <a:t>年間のエキスパートセッション</a:t>
+                        <a:t>Expert Sessions per Year</a:t>
                       </a:r>
+                      <a:endParaRPr sz="900" spc="0" dirty="0">
+                        <a:latin typeface="AdobeClean-Light"/>
+                        <a:cs typeface="AdobeClean-Light"/>
+                      </a:endParaRPr>
                     </a:p>
                   </a:txBody>
                   <a:tcPr marL="0" marR="0" marT="57150" marB="0">
@@ -4604,14 +5083,13 @@
                     <a:bodyPr/>
                     <a:lstStyle/>
                     <a:p>
-                      <a:pPr algn="l" rtl="0">
+                      <a:pPr>
                         <a:lnSpc>
                           <a:spcPct val="100000"/>
                         </a:lnSpc>
                       </a:pPr>
                       <a:endParaRPr sz="900" spc="0" dirty="0">
-                        <a:latin typeface="Adobe Clean Han Regular" panose="020B0500000000000000" pitchFamily="34" charset="-128"/>
-                        <a:ea typeface="Adobe Clean Han Regular" panose="020B0500000000000000" pitchFamily="34" charset="-128"/>
+                        <a:latin typeface="Times New Roman"/>
                         <a:cs typeface="Times New Roman"/>
                       </a:endParaRPr>
                     </a:p>
@@ -4638,14 +5116,13 @@
                     <a:bodyPr/>
                     <a:lstStyle/>
                     <a:p>
-                      <a:pPr algn="l" rtl="0">
+                      <a:pPr>
                         <a:lnSpc>
                           <a:spcPct val="100000"/>
                         </a:lnSpc>
                       </a:pPr>
                       <a:endParaRPr sz="900" spc="0" dirty="0">
-                        <a:latin typeface="Adobe Clean Han Regular" panose="020B0500000000000000" pitchFamily="34" charset="-128"/>
-                        <a:ea typeface="Adobe Clean Han Regular" panose="020B0500000000000000" pitchFamily="34" charset="-128"/>
+                        <a:latin typeface="Times New Roman"/>
                         <a:cs typeface="Times New Roman"/>
                       </a:endParaRPr>
                     </a:p>
@@ -4676,13 +5153,16 @@
                         </a:spcBef>
                       </a:pPr>
                       <a:r>
-                        <a:rPr lang="ja-JP" sz="900">
-                          <a:latin typeface="Adobe Clean Han Regular" panose="020B0500000000000000" pitchFamily="34" charset="-128"/>
-                          <a:ea typeface="Adobe Clean Han Regular" panose="020B0500000000000000" pitchFamily="34" charset="-128"/>
+                        <a:rPr lang="en-US" sz="900" spc="0" dirty="0">
+                          <a:latin typeface="AdobeClean-Light"/>
                           <a:cs typeface="AdobeClean-Light"/>
                         </a:rPr>
                         <a:t>2</a:t>
                       </a:r>
+                      <a:endParaRPr sz="900" spc="0" dirty="0">
+                        <a:latin typeface="AdobeClean-Light"/>
+                        <a:cs typeface="AdobeClean-Light"/>
+                      </a:endParaRPr>
                     </a:p>
                   </a:txBody>
                   <a:tcPr marL="0" marR="0" marT="57150" marB="0"/>
@@ -4701,13 +5181,16 @@
                         </a:spcBef>
                       </a:pPr>
                       <a:r>
-                        <a:rPr lang="ja-JP" sz="900">
-                          <a:latin typeface="Adobe Clean Han Regular" panose="020B0500000000000000" pitchFamily="34" charset="-128"/>
-                          <a:ea typeface="Adobe Clean Han Regular" panose="020B0500000000000000" pitchFamily="34" charset="-128"/>
+                        <a:rPr lang="en-US" sz="900" spc="0" dirty="0">
+                          <a:latin typeface="AdobeClean-Light"/>
                           <a:cs typeface="AdobeClean-Light"/>
                         </a:rPr>
                         <a:t>4</a:t>
                       </a:r>
+                      <a:endParaRPr sz="900" spc="0" dirty="0">
+                        <a:latin typeface="AdobeClean-Light"/>
+                        <a:cs typeface="AdobeClean-Light"/>
+                      </a:endParaRPr>
                     </a:p>
                   </a:txBody>
                   <a:tcPr marL="0" marR="0" marT="57150" marB="0">
@@ -4725,7 +5208,7 @@
                   </a:ext>
                 </a:extLst>
               </a:tr>
-              <a:tr h="243081">
+              <a:tr h="264424">
                 <a:tc vMerge="1">
                   <a:txBody>
                     <a:bodyPr/>
@@ -4750,13 +5233,16 @@
                         </a:spcBef>
                       </a:pPr>
                       <a:r>
-                        <a:rPr lang="ja-JP" sz="900">
-                          <a:latin typeface="Adobe Clean Han Regular" panose="020B0500000000000000" pitchFamily="34" charset="-128"/>
-                          <a:ea typeface="Adobe Clean Han Regular" panose="020B0500000000000000" pitchFamily="34" charset="-128"/>
+                        <a:rPr lang="en-US" sz="900" spc="0" dirty="0">
+                          <a:latin typeface="AdobeClean-Light"/>
                           <a:cs typeface="AdobeClean-Light"/>
                         </a:rPr>
-                        <a:t>ケースレビュー</a:t>
+                        <a:t>Case Reviews</a:t>
                       </a:r>
+                      <a:endParaRPr sz="900" spc="0" dirty="0">
+                        <a:latin typeface="AdobeClean-Light"/>
+                        <a:cs typeface="AdobeClean-Light"/>
+                      </a:endParaRPr>
                     </a:p>
                   </a:txBody>
                   <a:tcPr marL="0" marR="0" marT="57150" marB="0">
@@ -4785,14 +5271,13 @@
                     <a:bodyPr/>
                     <a:lstStyle/>
                     <a:p>
-                      <a:pPr algn="l" rtl="0">
+                      <a:pPr>
                         <a:lnSpc>
                           <a:spcPct val="100000"/>
                         </a:lnSpc>
                       </a:pPr>
                       <a:endParaRPr sz="900" spc="0" dirty="0">
-                        <a:latin typeface="Adobe Clean Han Regular" panose="020B0500000000000000" pitchFamily="34" charset="-128"/>
-                        <a:ea typeface="Adobe Clean Han Regular" panose="020B0500000000000000" pitchFamily="34" charset="-128"/>
+                        <a:latin typeface="Times New Roman"/>
                         <a:cs typeface="Times New Roman"/>
                       </a:endParaRPr>
                     </a:p>
@@ -4819,14 +5304,13 @@
                     <a:bodyPr/>
                     <a:lstStyle/>
                     <a:p>
-                      <a:pPr algn="l" rtl="0">
+                      <a:pPr>
                         <a:lnSpc>
                           <a:spcPct val="100000"/>
                         </a:lnSpc>
                       </a:pPr>
                       <a:endParaRPr sz="900" spc="0" dirty="0">
-                        <a:latin typeface="Adobe Clean Han Regular" panose="020B0500000000000000" pitchFamily="34" charset="-128"/>
-                        <a:ea typeface="Adobe Clean Han Regular" panose="020B0500000000000000" pitchFamily="34" charset="-128"/>
+                        <a:latin typeface="Times New Roman"/>
                         <a:cs typeface="Times New Roman"/>
                       </a:endParaRPr>
                     </a:p>
@@ -4866,16 +5350,19 @@
                         <a:defRPr/>
                       </a:pPr>
                       <a:r>
-                        <a:rPr lang="ja-JP" sz="900">
+                        <a:rPr lang="en-US" sz="900" spc="0" dirty="0">
                           <a:solidFill>
                             <a:srgbClr val="020302"/>
                           </a:solidFill>
-                          <a:latin typeface="Adobe Clean Han Regular" panose="020B0500000000000000" pitchFamily="34" charset="-128"/>
-                          <a:ea typeface="Adobe Clean Han Regular" panose="020B0500000000000000" pitchFamily="34" charset="-128"/>
+                          <a:latin typeface="Wingdings"/>
                           <a:cs typeface="Wingdings"/>
                         </a:rPr>
                         <a:t></a:t>
                       </a:r>
+                      <a:endParaRPr lang="en-US" sz="900" spc="0" dirty="0">
+                        <a:latin typeface="Wingdings"/>
+                        <a:cs typeface="Wingdings"/>
+                      </a:endParaRPr>
                     </a:p>
                   </a:txBody>
                   <a:tcPr marL="0" marR="0" marT="57150" marB="0"/>
@@ -4903,16 +5390,19 @@
                         <a:defRPr/>
                       </a:pPr>
                       <a:r>
-                        <a:rPr lang="ja-JP" sz="900">
+                        <a:rPr lang="en-US" sz="900" spc="0" dirty="0">
                           <a:solidFill>
                             <a:srgbClr val="020302"/>
                           </a:solidFill>
-                          <a:latin typeface="Adobe Clean Han Regular" panose="020B0500000000000000" pitchFamily="34" charset="-128"/>
-                          <a:ea typeface="Adobe Clean Han Regular" panose="020B0500000000000000" pitchFamily="34" charset="-128"/>
+                          <a:latin typeface="Wingdings"/>
                           <a:cs typeface="Wingdings"/>
                         </a:rPr>
                         <a:t></a:t>
                       </a:r>
+                      <a:endParaRPr lang="en-US" sz="900" spc="0" dirty="0">
+                        <a:latin typeface="Wingdings"/>
+                        <a:cs typeface="Wingdings"/>
+                      </a:endParaRPr>
                     </a:p>
                   </a:txBody>
                   <a:tcPr marL="0" marR="0" marT="57150" marB="0">
@@ -4930,13 +5420,13 @@
                   </a:ext>
                 </a:extLst>
               </a:tr>
-              <a:tr h="243081">
+              <a:tr h="264424">
                 <a:tc vMerge="1">
                   <a:txBody>
                     <a:bodyPr/>
                     <a:lstStyle/>
                     <a:p>
-                      <a:pPr marL="48895" algn="l" rtl="0">
+                      <a:pPr marL="48895">
                         <a:lnSpc>
                           <a:spcPct val="100000"/>
                         </a:lnSpc>
@@ -4985,16 +5475,19 @@
                         </a:spcBef>
                       </a:pPr>
                       <a:r>
-                        <a:rPr lang="ja-JP" sz="900">
+                        <a:rPr sz="900" spc="0" dirty="0">
                           <a:solidFill>
                             <a:srgbClr val="020302"/>
                           </a:solidFill>
-                          <a:latin typeface="Adobe Clean Han Regular" panose="020B0500000000000000" pitchFamily="34" charset="-128"/>
-                          <a:ea typeface="Adobe Clean Han Regular" panose="020B0500000000000000" pitchFamily="34" charset="-128"/>
+                          <a:latin typeface="AdobeClean-Light"/>
                           <a:cs typeface="AdobeClean-Light"/>
                         </a:rPr>
-                        <a:t>イベント管理</a:t>
+                        <a:t>Event Management</a:t>
                       </a:r>
+                      <a:endParaRPr sz="900" spc="0" dirty="0">
+                        <a:latin typeface="AdobeClean-Light"/>
+                        <a:cs typeface="AdobeClean-Light"/>
+                      </a:endParaRPr>
                     </a:p>
                   </a:txBody>
                   <a:tcPr marL="0" marR="0" marT="58419" marB="0">
@@ -5017,14 +5510,13 @@
                     <a:bodyPr/>
                     <a:lstStyle/>
                     <a:p>
-                      <a:pPr algn="l" rtl="0">
+                      <a:pPr>
                         <a:lnSpc>
                           <a:spcPct val="100000"/>
                         </a:lnSpc>
                       </a:pPr>
                       <a:endParaRPr sz="900" spc="0" dirty="0">
-                        <a:latin typeface="Adobe Clean Han Regular" panose="020B0500000000000000" pitchFamily="34" charset="-128"/>
-                        <a:ea typeface="Adobe Clean Han Regular" panose="020B0500000000000000" pitchFamily="34" charset="-128"/>
+                        <a:latin typeface="Times New Roman"/>
                         <a:cs typeface="Times New Roman"/>
                       </a:endParaRPr>
                     </a:p>
@@ -5048,14 +5540,13 @@
                     <a:bodyPr/>
                     <a:lstStyle/>
                     <a:p>
-                      <a:pPr algn="l" rtl="0">
+                      <a:pPr>
                         <a:lnSpc>
                           <a:spcPct val="100000"/>
                         </a:lnSpc>
                       </a:pPr>
                       <a:endParaRPr sz="900" spc="0">
-                        <a:latin typeface="Adobe Clean Han Regular" panose="020B0500000000000000" pitchFamily="34" charset="-128"/>
-                        <a:ea typeface="Adobe Clean Han Regular" panose="020B0500000000000000" pitchFamily="34" charset="-128"/>
+                        <a:latin typeface="Times New Roman"/>
                         <a:cs typeface="Times New Roman"/>
                       </a:endParaRPr>
                     </a:p>
@@ -5067,7 +5558,7 @@
                     <a:bodyPr/>
                     <a:lstStyle/>
                     <a:p>
-                      <a:pPr algn="l" rtl="0">
+                      <a:pPr>
                         <a:lnSpc>
                           <a:spcPct val="100000"/>
                         </a:lnSpc>
@@ -5085,14 +5576,13 @@
                     <a:bodyPr/>
                     <a:lstStyle/>
                     <a:p>
-                      <a:pPr algn="l" rtl="0">
+                      <a:pPr>
                         <a:lnSpc>
                           <a:spcPct val="100000"/>
                         </a:lnSpc>
                       </a:pPr>
                       <a:endParaRPr sz="900" spc="0" dirty="0">
-                        <a:latin typeface="Adobe Clean Han Regular" panose="020B0500000000000000" pitchFamily="34" charset="-128"/>
-                        <a:ea typeface="Adobe Clean Han Regular" panose="020B0500000000000000" pitchFamily="34" charset="-128"/>
+                        <a:latin typeface="Times New Roman"/>
                         <a:cs typeface="Times New Roman"/>
                       </a:endParaRPr>
                     </a:p>
@@ -5113,16 +5603,19 @@
                         </a:spcBef>
                       </a:pPr>
                       <a:r>
-                        <a:rPr lang="ja-JP" sz="900">
+                        <a:rPr sz="900" spc="0" dirty="0">
                           <a:solidFill>
                             <a:srgbClr val="020302"/>
                           </a:solidFill>
-                          <a:latin typeface="Adobe Clean Han Regular" panose="020B0500000000000000" pitchFamily="34" charset="-128"/>
-                          <a:ea typeface="Adobe Clean Han Regular" panose="020B0500000000000000" pitchFamily="34" charset="-128"/>
+                          <a:latin typeface="Wingdings"/>
                           <a:cs typeface="Wingdings"/>
                         </a:rPr>
                         <a:t></a:t>
                       </a:r>
+                      <a:endParaRPr sz="900" spc="0" dirty="0">
+                        <a:latin typeface="Wingdings"/>
+                        <a:cs typeface="Wingdings"/>
+                      </a:endParaRPr>
                     </a:p>
                   </a:txBody>
                   <a:tcPr marL="0" marR="0" marT="59055" marB="0">
@@ -5140,13 +5633,13 @@
                   </a:ext>
                 </a:extLst>
               </a:tr>
-              <a:tr h="243081">
+              <a:tr h="264424">
                 <a:tc vMerge="1">
                   <a:txBody>
                     <a:bodyPr/>
                     <a:lstStyle/>
                     <a:p>
-                      <a:pPr marL="48895" algn="l" rtl="0">
+                      <a:pPr marL="48895">
                         <a:lnSpc>
                           <a:spcPct val="100000"/>
                         </a:lnSpc>
@@ -5204,15 +5697,34 @@
                         </a:spcBef>
                       </a:pPr>
                       <a:r>
-                        <a:rPr lang="ja-JP" sz="900">
+                        <a:rPr sz="900" spc="0" dirty="0">
                           <a:solidFill>
                             <a:srgbClr val="020302"/>
                           </a:solidFill>
-                          <a:latin typeface="Adobe Clean Han Regular" panose="020B0500000000000000" pitchFamily="34" charset="-128"/>
-                          <a:ea typeface="Adobe Clean Han Regular" panose="020B0500000000000000" pitchFamily="34" charset="-128"/>
+                          <a:latin typeface="AdobeClean-Light"/>
                           <a:cs typeface="AdobeClean-Light"/>
                         </a:rPr>
-                        <a:t>環境レビュー、メンテナンスと監視</a:t>
+                        <a:t>Environment</a:t>
+                      </a:r>
+                      <a:r>
+                        <a:rPr lang="en-US" sz="900" spc="0" dirty="0">
+                          <a:solidFill>
+                            <a:srgbClr val="020302"/>
+                          </a:solidFill>
+                          <a:latin typeface="AdobeClean-Light"/>
+                          <a:cs typeface="AdobeClean-Light"/>
+                        </a:rPr>
+                        <a:t> </a:t>
+                      </a:r>
+                      <a:r>
+                        <a:rPr sz="900" spc="0" dirty="0">
+                          <a:solidFill>
+                            <a:srgbClr val="020302"/>
+                          </a:solidFill>
+                          <a:latin typeface="AdobeClean-Light"/>
+                          <a:cs typeface="AdobeClean-Light"/>
+                        </a:rPr>
+                        <a:t>Review, Maintenance &amp; Monitoring</a:t>
                       </a:r>
                     </a:p>
                   </a:txBody>
@@ -5242,14 +5754,13 @@
                     <a:bodyPr/>
                     <a:lstStyle/>
                     <a:p>
-                      <a:pPr algn="l" rtl="0">
+                      <a:pPr>
                         <a:lnSpc>
                           <a:spcPct val="100000"/>
                         </a:lnSpc>
                       </a:pPr>
                       <a:endParaRPr sz="900" spc="0" dirty="0">
-                        <a:latin typeface="Adobe Clean Han Regular" panose="020B0500000000000000" pitchFamily="34" charset="-128"/>
-                        <a:ea typeface="Adobe Clean Han Regular" panose="020B0500000000000000" pitchFamily="34" charset="-128"/>
+                        <a:latin typeface="Times New Roman"/>
                         <a:cs typeface="Times New Roman"/>
                       </a:endParaRPr>
                     </a:p>
@@ -5276,14 +5787,13 @@
                     <a:bodyPr/>
                     <a:lstStyle/>
                     <a:p>
-                      <a:pPr algn="l" rtl="0">
+                      <a:pPr>
                         <a:lnSpc>
                           <a:spcPct val="100000"/>
                         </a:lnSpc>
                       </a:pPr>
                       <a:endParaRPr sz="900" spc="0">
-                        <a:latin typeface="Adobe Clean Han Regular" panose="020B0500000000000000" pitchFamily="34" charset="-128"/>
-                        <a:ea typeface="Adobe Clean Han Regular" panose="020B0500000000000000" pitchFamily="34" charset="-128"/>
+                        <a:latin typeface="Times New Roman"/>
                         <a:cs typeface="Times New Roman"/>
                       </a:endParaRPr>
                     </a:p>
@@ -5295,7 +5805,7 @@
                     <a:bodyPr/>
                     <a:lstStyle/>
                     <a:p>
-                      <a:pPr algn="l" rtl="0">
+                      <a:pPr>
                         <a:lnSpc>
                           <a:spcPct val="100000"/>
                         </a:lnSpc>
@@ -5313,14 +5823,13 @@
                     <a:bodyPr/>
                     <a:lstStyle/>
                     <a:p>
-                      <a:pPr algn="l" rtl="0">
+                      <a:pPr>
                         <a:lnSpc>
                           <a:spcPct val="100000"/>
                         </a:lnSpc>
                       </a:pPr>
                       <a:endParaRPr sz="900" spc="0">
-                        <a:latin typeface="Adobe Clean Han Regular" panose="020B0500000000000000" pitchFamily="34" charset="-128"/>
-                        <a:ea typeface="Adobe Clean Han Regular" panose="020B0500000000000000" pitchFamily="34" charset="-128"/>
+                        <a:latin typeface="Times New Roman"/>
                         <a:cs typeface="Times New Roman"/>
                       </a:endParaRPr>
                     </a:p>
@@ -5341,16 +5850,19 @@
                         </a:spcBef>
                       </a:pPr>
                       <a:r>
-                        <a:rPr lang="ja-JP" sz="900">
+                        <a:rPr sz="900" spc="0" dirty="0">
                           <a:solidFill>
                             <a:srgbClr val="020302"/>
                           </a:solidFill>
-                          <a:latin typeface="Adobe Clean Han Regular" panose="020B0500000000000000" pitchFamily="34" charset="-128"/>
-                          <a:ea typeface="Adobe Clean Han Regular" panose="020B0500000000000000" pitchFamily="34" charset="-128"/>
+                          <a:latin typeface="Wingdings"/>
                           <a:cs typeface="Wingdings"/>
                         </a:rPr>
                         <a:t></a:t>
                       </a:r>
+                      <a:endParaRPr sz="900" spc="0" dirty="0">
+                        <a:latin typeface="Wingdings"/>
+                        <a:cs typeface="Wingdings"/>
+                      </a:endParaRPr>
                     </a:p>
                   </a:txBody>
                   <a:tcPr marL="0" marR="0" marT="60325" marB="0">
@@ -5368,13 +5880,13 @@
                   </a:ext>
                 </a:extLst>
               </a:tr>
-              <a:tr h="319097">
+              <a:tr h="264424">
                 <a:tc vMerge="1">
                   <a:txBody>
                     <a:bodyPr/>
                     <a:lstStyle/>
                     <a:p>
-                      <a:pPr marL="49530" algn="l" rtl="0">
+                      <a:pPr marL="49530">
                         <a:lnSpc>
                           <a:spcPct val="100000"/>
                         </a:lnSpc>
@@ -5423,16 +5935,19 @@
                         </a:spcBef>
                       </a:pPr>
                       <a:r>
-                        <a:rPr lang="ja-JP" sz="900">
+                        <a:rPr sz="900" spc="0" dirty="0">
                           <a:solidFill>
                             <a:srgbClr val="020302"/>
                           </a:solidFill>
-                          <a:latin typeface="Adobe Clean Han Regular" panose="020B0500000000000000" pitchFamily="34" charset="-128"/>
-                          <a:ea typeface="Adobe Clean Han Regular" panose="020B0500000000000000" pitchFamily="34" charset="-128"/>
+                          <a:latin typeface="AdobeClean-Light"/>
                           <a:cs typeface="AdobeClean-Light"/>
                         </a:rPr>
-                        <a:t>リリース、移行、アップグレード、製品ロードマップのレビュー</a:t>
+                        <a:t>Release, Migration, Upgrade &amp; Product Roadmap Review</a:t>
                       </a:r>
+                      <a:endParaRPr sz="900" spc="0" dirty="0">
+                        <a:latin typeface="AdobeClean-Light"/>
+                        <a:cs typeface="AdobeClean-Light"/>
+                      </a:endParaRPr>
                     </a:p>
                   </a:txBody>
                   <a:tcPr marL="0" marR="0" marT="63500" marB="0">
@@ -5455,14 +5970,13 @@
                     <a:bodyPr/>
                     <a:lstStyle/>
                     <a:p>
-                      <a:pPr algn="l" rtl="0">
+                      <a:pPr>
                         <a:lnSpc>
                           <a:spcPct val="100000"/>
                         </a:lnSpc>
                       </a:pPr>
                       <a:endParaRPr sz="900" spc="0" dirty="0">
-                        <a:latin typeface="Adobe Clean Han Regular" panose="020B0500000000000000" pitchFamily="34" charset="-128"/>
-                        <a:ea typeface="Adobe Clean Han Regular" panose="020B0500000000000000" pitchFamily="34" charset="-128"/>
+                        <a:latin typeface="Times New Roman"/>
                         <a:cs typeface="Times New Roman"/>
                       </a:endParaRPr>
                     </a:p>
@@ -5486,14 +6000,13 @@
                     <a:bodyPr/>
                     <a:lstStyle/>
                     <a:p>
-                      <a:pPr algn="l" rtl="0">
+                      <a:pPr>
                         <a:lnSpc>
                           <a:spcPct val="100000"/>
                         </a:lnSpc>
                       </a:pPr>
                       <a:endParaRPr sz="900" spc="0">
-                        <a:latin typeface="Adobe Clean Han Regular" panose="020B0500000000000000" pitchFamily="34" charset="-128"/>
-                        <a:ea typeface="Adobe Clean Han Regular" panose="020B0500000000000000" pitchFamily="34" charset="-128"/>
+                        <a:latin typeface="Times New Roman"/>
                         <a:cs typeface="Times New Roman"/>
                       </a:endParaRPr>
                     </a:p>
@@ -5505,7 +6018,7 @@
                     <a:bodyPr/>
                     <a:lstStyle/>
                     <a:p>
-                      <a:pPr algn="l" rtl="0">
+                      <a:pPr>
                         <a:lnSpc>
                           <a:spcPct val="100000"/>
                         </a:lnSpc>
@@ -5523,14 +6036,13 @@
                     <a:bodyPr/>
                     <a:lstStyle/>
                     <a:p>
-                      <a:pPr algn="l" rtl="0">
+                      <a:pPr>
                         <a:lnSpc>
                           <a:spcPct val="100000"/>
                         </a:lnSpc>
                       </a:pPr>
                       <a:endParaRPr sz="900" spc="0" dirty="0">
-                        <a:latin typeface="Adobe Clean Han Regular" panose="020B0500000000000000" pitchFamily="34" charset="-128"/>
-                        <a:ea typeface="Adobe Clean Han Regular" panose="020B0500000000000000" pitchFamily="34" charset="-128"/>
+                        <a:latin typeface="Times New Roman"/>
                         <a:cs typeface="Times New Roman"/>
                       </a:endParaRPr>
                     </a:p>
@@ -5551,16 +6063,19 @@
                         </a:spcBef>
                       </a:pPr>
                       <a:r>
-                        <a:rPr lang="ja-JP" sz="900">
+                        <a:rPr sz="900" spc="0" dirty="0">
                           <a:solidFill>
                             <a:srgbClr val="020302"/>
                           </a:solidFill>
-                          <a:latin typeface="Adobe Clean Han Regular" panose="020B0500000000000000" pitchFamily="34" charset="-128"/>
-                          <a:ea typeface="Adobe Clean Han Regular" panose="020B0500000000000000" pitchFamily="34" charset="-128"/>
+                          <a:latin typeface="Wingdings"/>
                           <a:cs typeface="Wingdings"/>
                         </a:rPr>
                         <a:t></a:t>
                       </a:r>
+                      <a:endParaRPr sz="900" spc="0">
+                        <a:latin typeface="Wingdings"/>
+                        <a:cs typeface="Wingdings"/>
+                      </a:endParaRPr>
                     </a:p>
                   </a:txBody>
                   <a:tcPr marL="0" marR="0" marT="64135" marB="0">
@@ -5578,13 +6093,13 @@
                   </a:ext>
                 </a:extLst>
               </a:tr>
-              <a:tr h="322696">
+              <a:tr h="264424">
                 <a:tc vMerge="1">
                   <a:txBody>
                     <a:bodyPr/>
                     <a:lstStyle/>
                     <a:p>
-                      <a:pPr marL="49530" algn="l" rtl="0">
+                      <a:pPr marL="49530">
                         <a:lnSpc>
                           <a:spcPct val="100000"/>
                         </a:lnSpc>
@@ -5642,12 +6157,11 @@
                         </a:spcBef>
                       </a:pPr>
                       <a:r>
-                        <a:rPr lang="ja-JP" sz="900">
-                          <a:latin typeface="Adobe Clean Han Regular" panose="020B0500000000000000" pitchFamily="34" charset="-128"/>
-                          <a:ea typeface="Adobe Clean Han Regular" panose="020B0500000000000000" pitchFamily="34" charset="-128"/>
+                        <a:rPr sz="900" spc="0" dirty="0">
+                          <a:latin typeface="AdobeClean-Light"/>
                           <a:cs typeface="AdobeClean-Light"/>
                         </a:rPr>
-                        <a:t>クラウドサポートアクティビティ – Experience Manager as Cloud</a:t>
+                        <a:t>Cloud Support Activities – Experience Manager as Cloud</a:t>
                       </a:r>
                     </a:p>
                   </a:txBody>
@@ -5677,14 +6191,13 @@
                     <a:bodyPr/>
                     <a:lstStyle/>
                     <a:p>
-                      <a:pPr algn="l" rtl="0">
+                      <a:pPr>
                         <a:lnSpc>
                           <a:spcPct val="100000"/>
                         </a:lnSpc>
                       </a:pPr>
                       <a:endParaRPr sz="900" spc="0" dirty="0">
-                        <a:latin typeface="Adobe Clean Han Regular" panose="020B0500000000000000" pitchFamily="34" charset="-128"/>
-                        <a:ea typeface="Adobe Clean Han Regular" panose="020B0500000000000000" pitchFamily="34" charset="-128"/>
+                        <a:latin typeface="Times New Roman"/>
                         <a:cs typeface="Times New Roman"/>
                       </a:endParaRPr>
                     </a:p>
@@ -5714,14 +6227,13 @@
                     <a:bodyPr/>
                     <a:lstStyle/>
                     <a:p>
-                      <a:pPr algn="l" rtl="0">
+                      <a:pPr>
                         <a:lnSpc>
                           <a:spcPct val="100000"/>
                         </a:lnSpc>
                       </a:pPr>
                       <a:endParaRPr sz="900" spc="0" dirty="0">
-                        <a:latin typeface="Adobe Clean Han Regular" panose="020B0500000000000000" pitchFamily="34" charset="-128"/>
-                        <a:ea typeface="Adobe Clean Han Regular" panose="020B0500000000000000" pitchFamily="34" charset="-128"/>
+                        <a:latin typeface="Times New Roman"/>
                         <a:cs typeface="Times New Roman"/>
                       </a:endParaRPr>
                     </a:p>
@@ -5740,7 +6252,7 @@
                     <a:bodyPr/>
                     <a:lstStyle/>
                     <a:p>
-                      <a:pPr algn="l" rtl="0">
+                      <a:pPr>
                         <a:lnSpc>
                           <a:spcPct val="100000"/>
                         </a:lnSpc>
@@ -5777,16 +6289,19 @@
                         </a:spcBef>
                       </a:pPr>
                       <a:r>
-                        <a:rPr lang="ja-JP" sz="900">
+                        <a:rPr sz="900" spc="0" dirty="0">
                           <a:solidFill>
                             <a:srgbClr val="020302"/>
                           </a:solidFill>
-                          <a:latin typeface="Adobe Clean Han Regular" panose="020B0500000000000000" pitchFamily="34" charset="-128"/>
-                          <a:ea typeface="Adobe Clean Han Regular" panose="020B0500000000000000" pitchFamily="34" charset="-128"/>
+                          <a:latin typeface="Wingdings"/>
                           <a:cs typeface="Wingdings"/>
                         </a:rPr>
                         <a:t></a:t>
                       </a:r>
+                      <a:endParaRPr sz="900" spc="0" dirty="0">
+                        <a:latin typeface="Wingdings"/>
+                        <a:cs typeface="Wingdings"/>
+                      </a:endParaRPr>
                     </a:p>
                   </a:txBody>
                   <a:tcPr marL="0" marR="0" marT="62230" marB="0">
@@ -5812,16 +6327,19 @@
                         </a:spcBef>
                       </a:pPr>
                       <a:r>
-                        <a:rPr lang="ja-JP" sz="900">
+                        <a:rPr sz="900" spc="0" dirty="0">
                           <a:solidFill>
                             <a:srgbClr val="020302"/>
                           </a:solidFill>
-                          <a:latin typeface="Adobe Clean Han Regular" panose="020B0500000000000000" pitchFamily="34" charset="-128"/>
-                          <a:ea typeface="Adobe Clean Han Regular" panose="020B0500000000000000" pitchFamily="34" charset="-128"/>
+                          <a:latin typeface="Wingdings"/>
                           <a:cs typeface="Wingdings"/>
                         </a:rPr>
                         <a:t></a:t>
                       </a:r>
+                      <a:endParaRPr sz="900" spc="0" dirty="0">
+                        <a:latin typeface="Wingdings"/>
+                        <a:cs typeface="Wingdings"/>
+                      </a:endParaRPr>
                     </a:p>
                   </a:txBody>
                   <a:tcPr marL="0" marR="0" marT="62230" marB="0">
@@ -5845,7 +6363,7 @@
                   </a:ext>
                 </a:extLst>
               </a:tr>
-              <a:tr h="243081">
+              <a:tr h="264424">
                 <a:tc rowSpan="2">
                   <a:txBody>
                     <a:bodyPr/>
@@ -5860,37 +6378,22 @@
                         </a:spcBef>
                       </a:pPr>
                       <a:r>
-                        <a:rPr lang="ja-JP" sz="1000" b="1" i="0" dirty="0">
+                        <a:rPr lang="en-US" sz="1000" b="1" i="0" spc="0" dirty="0">
                           <a:solidFill>
                             <a:schemeClr val="bg1"/>
                           </a:solidFill>
-                          <a:latin typeface="Adobe Clean Han Regular" panose="020B0500000000000000" pitchFamily="34" charset="-128"/>
-                          <a:ea typeface="Adobe Clean Han Regular" panose="020B0500000000000000" pitchFamily="34" charset="-128"/>
+                          <a:latin typeface="Adobe Clean" panose="020B0503020404020204" pitchFamily="34" charset="0"/>
                           <a:cs typeface="AdobeClean-Light"/>
                         </a:rPr>
-                        <a:t>フィールドサー</a:t>
+                        <a:t>Field Services</a:t>
                       </a:r>
-                      <a:br>
-                        <a:rPr lang="sk-SK" altLang="ja-JP" sz="1000" b="1" i="0" dirty="0">
-                          <a:solidFill>
-                            <a:schemeClr val="bg1"/>
-                          </a:solidFill>
-                          <a:latin typeface="Adobe Clean Han Regular" panose="020B0500000000000000" pitchFamily="34" charset="-128"/>
-                          <a:ea typeface="Adobe Clean Han Regular" panose="020B0500000000000000" pitchFamily="34" charset="-128"/>
-                          <a:cs typeface="AdobeClean-Light"/>
-                        </a:rPr>
-                      </a:br>
-                      <a:r>
-                        <a:rPr lang="ja-JP" sz="1000" b="1" i="0" dirty="0">
-                          <a:solidFill>
-                            <a:schemeClr val="bg1"/>
-                          </a:solidFill>
-                          <a:latin typeface="Adobe Clean Han Regular" panose="020B0500000000000000" pitchFamily="34" charset="-128"/>
-                          <a:ea typeface="Adobe Clean Han Regular" panose="020B0500000000000000" pitchFamily="34" charset="-128"/>
-                          <a:cs typeface="AdobeClean-Light"/>
-                        </a:rPr>
-                        <a:t>ビス</a:t>
-                      </a:r>
+                      <a:endParaRPr sz="1000" b="1" i="0" spc="0" dirty="0">
+                        <a:solidFill>
+                          <a:schemeClr val="bg1"/>
+                        </a:solidFill>
+                        <a:latin typeface="Adobe Clean" panose="020B0503020404020204" pitchFamily="34" charset="0"/>
+                        <a:cs typeface="AdobeClean-Light"/>
+                      </a:endParaRPr>
                     </a:p>
                   </a:txBody>
                   <a:tcPr marL="0" marR="0" marT="48260" marB="0" anchor="ctr">
@@ -5943,16 +6446,39 @@
                         </a:spcBef>
                       </a:pPr>
                       <a:r>
-                        <a:rPr lang="ja-JP" sz="900">
+                        <a:rPr sz="900" spc="0" dirty="0">
                           <a:solidFill>
                             <a:srgbClr val="020302"/>
                           </a:solidFill>
-                          <a:latin typeface="Adobe Clean Han Regular" panose="020B0500000000000000" pitchFamily="34" charset="-128"/>
-                          <a:ea typeface="Adobe Clean Han Regular" panose="020B0500000000000000" pitchFamily="34" charset="-128"/>
+                          <a:latin typeface="AdobeClean-Light"/>
                           <a:cs typeface="AdobeClean-Light"/>
                         </a:rPr>
-                        <a:t>Launch Advisory サービス – 製品導入の初年度</a:t>
+                        <a:t>Launch Advisory Services – First Year of </a:t>
                       </a:r>
+                      <a:r>
+                        <a:rPr lang="en-US" sz="900" spc="0" dirty="0">
+                          <a:solidFill>
+                            <a:srgbClr val="020302"/>
+                          </a:solidFill>
+                          <a:latin typeface="AdobeClean-Light"/>
+                          <a:cs typeface="AdobeClean-Light"/>
+                        </a:rPr>
+                        <a:t>a </a:t>
+                      </a:r>
+                      <a:r>
+                        <a:rPr sz="900" spc="0" dirty="0">
+                          <a:solidFill>
+                            <a:srgbClr val="020302"/>
+                          </a:solidFill>
+                          <a:latin typeface="AdobeClean-Light"/>
+                          <a:cs typeface="AdobeClean-Light"/>
+                        </a:rPr>
+                        <a:t>new solution</a:t>
+                      </a:r>
+                      <a:endParaRPr sz="900" spc="0" dirty="0">
+                        <a:latin typeface="AdobeClean-Light"/>
+                        <a:cs typeface="AdobeClean-Light"/>
+                      </a:endParaRPr>
                     </a:p>
                     <a:p>
                       <a:pPr marL="48260">
@@ -5964,12 +6490,11 @@
                         </a:spcBef>
                       </a:pPr>
                       <a:r>
-                        <a:rPr lang="ja-JP" sz="900">
-                          <a:latin typeface="Adobe Clean Han Regular" panose="020B0500000000000000" pitchFamily="34" charset="-128"/>
-                          <a:ea typeface="Adobe Clean Han Regular" panose="020B0500000000000000" pitchFamily="34" charset="-128"/>
+                        <a:rPr sz="900" spc="0" dirty="0">
+                          <a:latin typeface="AdobeClean-Light"/>
                           <a:cs typeface="AdobeClean-Light"/>
                         </a:rPr>
-                        <a:t>フィールドサービスアクティビティ</a:t>
+                        <a:t>Field Service Activities</a:t>
                       </a:r>
                     </a:p>
                   </a:txBody>
@@ -6005,14 +6530,13 @@
                     <a:bodyPr/>
                     <a:lstStyle/>
                     <a:p>
-                      <a:pPr algn="l" rtl="0">
+                      <a:pPr>
                         <a:lnSpc>
                           <a:spcPct val="100000"/>
                         </a:lnSpc>
                       </a:pPr>
                       <a:endParaRPr sz="900" spc="0" dirty="0">
-                        <a:latin typeface="Adobe Clean Han Regular" panose="020B0500000000000000" pitchFamily="34" charset="-128"/>
-                        <a:ea typeface="Adobe Clean Han Regular" panose="020B0500000000000000" pitchFamily="34" charset="-128"/>
+                        <a:latin typeface="Times New Roman"/>
                         <a:cs typeface="Times New Roman"/>
                       </a:endParaRPr>
                     </a:p>
@@ -6042,14 +6566,13 @@
                     <a:bodyPr/>
                     <a:lstStyle/>
                     <a:p>
-                      <a:pPr algn="l" rtl="0">
+                      <a:pPr>
                         <a:lnSpc>
                           <a:spcPct val="100000"/>
                         </a:lnSpc>
                       </a:pPr>
                       <a:endParaRPr sz="900" spc="0">
-                        <a:latin typeface="Adobe Clean Han Regular" panose="020B0500000000000000" pitchFamily="34" charset="-128"/>
-                        <a:ea typeface="Adobe Clean Han Regular" panose="020B0500000000000000" pitchFamily="34" charset="-128"/>
+                        <a:latin typeface="Times New Roman"/>
                         <a:cs typeface="Times New Roman"/>
                       </a:endParaRPr>
                     </a:p>
@@ -6068,7 +6591,7 @@
                     <a:bodyPr/>
                     <a:lstStyle/>
                     <a:p>
-                      <a:pPr algn="l" rtl="0">
+                      <a:pPr>
                         <a:lnSpc>
                           <a:spcPct val="100000"/>
                         </a:lnSpc>
@@ -6105,16 +6628,19 @@
                         </a:spcBef>
                       </a:pPr>
                       <a:r>
-                        <a:rPr lang="ja-JP" sz="900">
+                        <a:rPr sz="900" spc="0" dirty="0">
                           <a:solidFill>
                             <a:srgbClr val="020302"/>
                           </a:solidFill>
-                          <a:latin typeface="Adobe Clean Han Regular" panose="020B0500000000000000" pitchFamily="34" charset="-128"/>
-                          <a:ea typeface="Adobe Clean Han Regular" panose="020B0500000000000000" pitchFamily="34" charset="-128"/>
+                          <a:latin typeface="Wingdings"/>
                           <a:cs typeface="Wingdings"/>
                         </a:rPr>
                         <a:t></a:t>
                       </a:r>
+                      <a:endParaRPr sz="900" spc="0">
+                        <a:latin typeface="Wingdings"/>
+                        <a:cs typeface="Wingdings"/>
+                      </a:endParaRPr>
                     </a:p>
                   </a:txBody>
                   <a:tcPr marL="0" marR="0" marT="56515" marB="0">
@@ -6140,16 +6666,19 @@
                         </a:spcBef>
                       </a:pPr>
                       <a:r>
-                        <a:rPr lang="ja-JP" sz="900">
+                        <a:rPr sz="900" spc="0" dirty="0">
                           <a:solidFill>
                             <a:srgbClr val="020302"/>
                           </a:solidFill>
-                          <a:latin typeface="Adobe Clean Han Regular" panose="020B0500000000000000" pitchFamily="34" charset="-128"/>
-                          <a:ea typeface="Adobe Clean Han Regular" panose="020B0500000000000000" pitchFamily="34" charset="-128"/>
+                          <a:latin typeface="Wingdings"/>
                           <a:cs typeface="Wingdings"/>
                         </a:rPr>
                         <a:t></a:t>
                       </a:r>
+                      <a:endParaRPr sz="900" spc="0" dirty="0">
+                        <a:latin typeface="Wingdings"/>
+                        <a:cs typeface="Wingdings"/>
+                      </a:endParaRPr>
                     </a:p>
                   </a:txBody>
                   <a:tcPr marL="0" marR="0" marT="56515" marB="0">
@@ -6173,7 +6702,7 @@
                   </a:ext>
                 </a:extLst>
               </a:tr>
-              <a:tr h="243513">
+              <a:tr h="264893">
                 <a:tc vMerge="1">
                   <a:txBody>
                     <a:bodyPr/>
@@ -6224,14 +6753,13 @@
                     <a:bodyPr/>
                     <a:lstStyle/>
                     <a:p>
-                      <a:pPr algn="l" rtl="0">
+                      <a:pPr>
                         <a:lnSpc>
                           <a:spcPct val="100000"/>
                         </a:lnSpc>
                       </a:pPr>
                       <a:endParaRPr sz="900" spc="0" dirty="0">
-                        <a:latin typeface="Adobe Clean Han Regular" panose="020B0500000000000000" pitchFamily="34" charset="-128"/>
-                        <a:ea typeface="Adobe Clean Han Regular" panose="020B0500000000000000" pitchFamily="34" charset="-128"/>
+                        <a:latin typeface="Times New Roman"/>
                         <a:cs typeface="Times New Roman"/>
                       </a:endParaRPr>
                     </a:p>
@@ -6261,14 +6789,13 @@
                     <a:bodyPr/>
                     <a:lstStyle/>
                     <a:p>
-                      <a:pPr algn="l" rtl="0">
+                      <a:pPr>
                         <a:lnSpc>
                           <a:spcPct val="100000"/>
                         </a:lnSpc>
                       </a:pPr>
                       <a:endParaRPr sz="900" spc="0">
-                        <a:latin typeface="Adobe Clean Han Regular" panose="020B0500000000000000" pitchFamily="34" charset="-128"/>
-                        <a:ea typeface="Adobe Clean Han Regular" panose="020B0500000000000000" pitchFamily="34" charset="-128"/>
+                        <a:latin typeface="Times New Roman"/>
                         <a:cs typeface="Times New Roman"/>
                       </a:endParaRPr>
                     </a:p>
@@ -6287,7 +6814,7 @@
                     <a:bodyPr/>
                     <a:lstStyle/>
                     <a:p>
-                      <a:pPr algn="l" rtl="0">
+                      <a:pPr>
                         <a:lnSpc>
                           <a:spcPct val="100000"/>
                         </a:lnSpc>
@@ -6321,16 +6848,19 @@
                         </a:spcBef>
                       </a:pPr>
                       <a:r>
-                        <a:rPr lang="ja-JP" sz="900">
+                        <a:rPr sz="900" spc="0" dirty="0">
                           <a:solidFill>
                             <a:srgbClr val="020302"/>
                           </a:solidFill>
-                          <a:latin typeface="Adobe Clean Han Regular" panose="020B0500000000000000" pitchFamily="34" charset="-128"/>
-                          <a:ea typeface="Adobe Clean Han Regular" panose="020B0500000000000000" pitchFamily="34" charset="-128"/>
+                          <a:latin typeface="AdobeClean-Light"/>
                           <a:cs typeface="AdobeClean-Light"/>
                         </a:rPr>
                         <a:t>2</a:t>
                       </a:r>
+                      <a:endParaRPr sz="900" spc="0">
+                        <a:latin typeface="AdobeClean-Light"/>
+                        <a:cs typeface="AdobeClean-Light"/>
+                      </a:endParaRPr>
                     </a:p>
                   </a:txBody>
                   <a:tcPr marL="0" marR="0" marT="50800" marB="0">
@@ -6356,16 +6886,19 @@
                         </a:spcBef>
                       </a:pPr>
                       <a:r>
-                        <a:rPr lang="ja-JP" sz="900" dirty="0">
+                        <a:rPr sz="900" spc="0" dirty="0">
                           <a:solidFill>
                             <a:srgbClr val="020302"/>
                           </a:solidFill>
-                          <a:latin typeface="Adobe Clean Han Regular" panose="020B0500000000000000" pitchFamily="34" charset="-128"/>
-                          <a:ea typeface="Adobe Clean Han Regular" panose="020B0500000000000000" pitchFamily="34" charset="-128"/>
+                          <a:latin typeface="AdobeClean-Light"/>
                           <a:cs typeface="AdobeClean-Light"/>
                         </a:rPr>
                         <a:t>4</a:t>
                       </a:r>
+                      <a:endParaRPr sz="900" spc="0" dirty="0">
+                        <a:latin typeface="AdobeClean-Light"/>
+                        <a:cs typeface="AdobeClean-Light"/>
+                      </a:endParaRPr>
                     </a:p>
                   </a:txBody>
                   <a:tcPr marL="0" marR="0" marT="50800" marB="0">
@@ -6405,8 +6938,8 @@
         </p:nvSpPr>
         <p:spPr>
           <a:xfrm>
-            <a:off x="5105401" y="9862966"/>
-            <a:ext cx="2471926" cy="132729"/>
+            <a:off x="5307201" y="9862966"/>
+            <a:ext cx="2270125" cy="132729"/>
           </a:xfrm>
           <a:prstGeom prst="rect">
             <a:avLst/>
@@ -6427,11 +6960,24 @@
               </a:spcBef>
             </a:pPr>
             <a:r>
-              <a:rPr lang="ja-JP">
-                <a:latin typeface="Adobe Clean Han Regular" panose="020B0500000000000000" pitchFamily="34" charset="-128"/>
-                <a:ea typeface="Adobe Clean Han Regular" panose="020B0500000000000000" pitchFamily="34" charset="-128"/>
-              </a:rPr>
-              <a:t>©2021 Adobe. All Rights Reserved. Adobe Confidential.</a:t>
+              <a:rPr spc="-5" dirty="0"/>
+              <a:t>©202</a:t>
+            </a:r>
+            <a:r>
+              <a:rPr lang="en-US" spc="-5" dirty="0"/>
+              <a:t>1</a:t>
+            </a:r>
+            <a:r>
+              <a:rPr spc="-5" dirty="0"/>
+              <a:t> Adobe. All Rights Reserved. Adobe</a:t>
+            </a:r>
+            <a:r>
+              <a:rPr spc="60" dirty="0"/>
+              <a:t> </a:t>
+            </a:r>
+            <a:r>
+              <a:rPr spc="-5" dirty="0"/>
+              <a:t>Confidential.</a:t>
             </a:r>
           </a:p>
         </p:txBody>
@@ -6445,7 +6991,7 @@
           <p:nvPr>
             <p:extLst>
               <p:ext uri="{D42A27DB-BD31-4B8C-83A1-F6EECF244321}">
-                <p14:modId xmlns:p14="http://schemas.microsoft.com/office/powerpoint/2010/main" val="1556871072"/>
+                <p14:modId xmlns:p14="http://schemas.microsoft.com/office/powerpoint/2010/main" val="4081524108"/>
               </p:ext>
             </p:extLst>
           </p:nvPr>
@@ -6512,16 +7058,19 @@
                         </a:spcBef>
                       </a:pPr>
                       <a:r>
-                        <a:rPr lang="ja-JP" sz="900">
+                        <a:rPr sz="900" spc="0" dirty="0">
                           <a:solidFill>
                             <a:srgbClr val="020302"/>
                           </a:solidFill>
-                          <a:latin typeface="Adobe Clean Han Regular" panose="020B0500000000000000" pitchFamily="34" charset="-128"/>
-                          <a:ea typeface="Adobe Clean Han Regular" panose="020B0500000000000000" pitchFamily="34" charset="-128"/>
+                          <a:latin typeface="Adobe Clean"/>
                           <a:cs typeface="Adobe Clean"/>
                         </a:rPr>
-                        <a:t>優先度</a:t>
+                        <a:t>Priority</a:t>
                       </a:r>
+                      <a:endParaRPr sz="900" spc="0" dirty="0">
+                        <a:latin typeface="Adobe Clean"/>
+                        <a:cs typeface="Adobe Clean"/>
+                      </a:endParaRPr>
                     </a:p>
                   </a:txBody>
                   <a:tcPr marL="0" marR="0" marT="7620" marB="0" anchor="ctr">
@@ -6568,16 +7117,39 @@
                         </a:spcBef>
                       </a:pPr>
                       <a:r>
-                        <a:rPr lang="ja-JP" sz="600" dirty="0">
+                        <a:rPr sz="900" spc="0" dirty="0">
                           <a:solidFill>
                             <a:srgbClr val="020302"/>
                           </a:solidFill>
-                          <a:latin typeface="Adobe Clean Han Regular" panose="020B0500000000000000" pitchFamily="34" charset="-128"/>
-                          <a:ea typeface="Adobe Clean Han Regular" panose="020B0500000000000000" pitchFamily="34" charset="-128"/>
+                          <a:latin typeface="Adobe Clean"/>
                           <a:cs typeface="Adobe Clean"/>
                         </a:rPr>
-                        <a:t>オンラインサポート</a:t>
+                        <a:t>Online </a:t>
                       </a:r>
+                      <a:r>
+                        <a:rPr lang="en-US" sz="900" spc="0" dirty="0">
+                          <a:solidFill>
+                            <a:srgbClr val="020302"/>
+                          </a:solidFill>
+                          <a:latin typeface="Adobe Clean"/>
+                          <a:cs typeface="Adobe Clean"/>
+                        </a:rPr>
+                        <a:t> </a:t>
+                      </a:r>
+                      <a:r>
+                        <a:rPr sz="900" spc="0" dirty="0">
+                          <a:solidFill>
+                            <a:srgbClr val="020302"/>
+                          </a:solidFill>
+                          <a:latin typeface="Adobe Clean"/>
+                          <a:cs typeface="Adobe Clean"/>
+                        </a:rPr>
+                        <a:t>Support</a:t>
+                      </a:r>
+                      <a:endParaRPr sz="900" spc="0" dirty="0">
+                        <a:latin typeface="Adobe Clean"/>
+                        <a:cs typeface="Adobe Clean"/>
+                      </a:endParaRPr>
                     </a:p>
                   </a:txBody>
                   <a:tcPr marL="0" marR="0" marT="0" marB="0" anchor="ctr">
@@ -6599,11 +7171,14 @@
                       </a:solidFill>
                       <a:prstDash val="solid"/>
                     </a:lnT>
-                    <a:lnB w="76200">
+                    <a:lnB w="76200" cap="flat" cmpd="sng" algn="ctr">
                       <a:solidFill>
                         <a:srgbClr val="858585"/>
                       </a:solidFill>
                       <a:prstDash val="solid"/>
+                      <a:round/>
+                      <a:headEnd type="none" w="med" len="med"/>
+                      <a:tailEnd type="none" w="med" len="med"/>
                     </a:lnB>
                     <a:solidFill>
                       <a:srgbClr val="D9D9D9"/>
@@ -6624,16 +7199,39 @@
                         </a:spcBef>
                       </a:pPr>
                       <a:r>
-                        <a:rPr lang="ja-JP" sz="600" dirty="0">
+                        <a:rPr sz="900" spc="0" dirty="0">
                           <a:solidFill>
                             <a:srgbClr val="FFFFFF"/>
                           </a:solidFill>
-                          <a:latin typeface="Adobe Clean Han Regular" panose="020B0500000000000000" pitchFamily="34" charset="-128"/>
-                          <a:ea typeface="Adobe Clean Han Regular" panose="020B0500000000000000" pitchFamily="34" charset="-128"/>
+                          <a:latin typeface="Adobe Clean"/>
                           <a:cs typeface="Adobe Clean"/>
                         </a:rPr>
-                        <a:t>ビジネスサポート</a:t>
+                        <a:t>Business</a:t>
                       </a:r>
+                      <a:r>
+                        <a:rPr lang="en-US" sz="900" spc="0" dirty="0">
+                          <a:solidFill>
+                            <a:srgbClr val="FFFFFF"/>
+                          </a:solidFill>
+                          <a:latin typeface="Adobe Clean"/>
+                          <a:cs typeface="Adobe Clean"/>
+                        </a:rPr>
+                        <a:t> </a:t>
+                      </a:r>
+                      <a:r>
+                        <a:rPr sz="900" spc="0" dirty="0">
+                          <a:solidFill>
+                            <a:srgbClr val="FFFFFF"/>
+                          </a:solidFill>
+                          <a:latin typeface="Adobe Clean"/>
+                          <a:cs typeface="Adobe Clean"/>
+                        </a:rPr>
+                        <a:t>Support</a:t>
+                      </a:r>
+                      <a:endParaRPr sz="900" spc="0" dirty="0">
+                        <a:latin typeface="Adobe Clean"/>
+                        <a:cs typeface="Adobe Clean"/>
+                      </a:endParaRPr>
                     </a:p>
                   </a:txBody>
                   <a:tcPr marL="0" marR="0" marT="0" marB="0" anchor="ctr">
@@ -6655,11 +7253,14 @@
                       </a:solidFill>
                       <a:prstDash val="solid"/>
                     </a:lnT>
-                    <a:lnB w="76200">
+                    <a:lnB w="76200" cap="flat" cmpd="sng" algn="ctr">
                       <a:solidFill>
                         <a:srgbClr val="ACD2FF"/>
                       </a:solidFill>
                       <a:prstDash val="solid"/>
+                      <a:round/>
+                      <a:headEnd type="none" w="med" len="med"/>
+                      <a:tailEnd type="none" w="med" len="med"/>
                     </a:lnB>
                     <a:solidFill>
                       <a:srgbClr val="7D7D7D"/>
@@ -6680,16 +7281,39 @@
                         </a:spcBef>
                       </a:pPr>
                       <a:r>
-                        <a:rPr lang="ja-JP" sz="600" dirty="0">
+                        <a:rPr sz="900" spc="0" dirty="0">
                           <a:solidFill>
                             <a:srgbClr val="FFFFFF"/>
                           </a:solidFill>
-                          <a:latin typeface="Adobe Clean Han Regular" panose="020B0500000000000000" pitchFamily="34" charset="-128"/>
-                          <a:ea typeface="Adobe Clean Han Regular" panose="020B0500000000000000" pitchFamily="34" charset="-128"/>
+                          <a:latin typeface="Adobe Clean"/>
                           <a:cs typeface="Adobe Clean"/>
                         </a:rPr>
-                        <a:t>エンタープライズサポート</a:t>
+                        <a:t>Enterprise </a:t>
                       </a:r>
+                      <a:r>
+                        <a:rPr lang="en-US" sz="900" spc="0" dirty="0">
+                          <a:solidFill>
+                            <a:srgbClr val="FFFFFF"/>
+                          </a:solidFill>
+                          <a:latin typeface="Adobe Clean"/>
+                          <a:cs typeface="Adobe Clean"/>
+                        </a:rPr>
+                        <a:t> </a:t>
+                      </a:r>
+                      <a:r>
+                        <a:rPr sz="900" spc="0" dirty="0">
+                          <a:solidFill>
+                            <a:srgbClr val="FFFFFF"/>
+                          </a:solidFill>
+                          <a:latin typeface="Adobe Clean"/>
+                          <a:cs typeface="Adobe Clean"/>
+                        </a:rPr>
+                        <a:t>Support</a:t>
+                      </a:r>
+                      <a:endParaRPr sz="900" spc="0" dirty="0">
+                        <a:latin typeface="Adobe Clean"/>
+                        <a:cs typeface="Adobe Clean"/>
+                      </a:endParaRPr>
                     </a:p>
                   </a:txBody>
                   <a:tcPr marL="0" marR="0" marT="0" marB="0" anchor="ctr">
@@ -6711,11 +7335,14 @@
                       </a:solidFill>
                       <a:prstDash val="solid"/>
                     </a:lnT>
-                    <a:lnB w="76200">
+                    <a:lnB w="76200" cap="flat" cmpd="sng" algn="ctr">
                       <a:solidFill>
                         <a:srgbClr val="2E8FFF"/>
                       </a:solidFill>
                       <a:prstDash val="solid"/>
+                      <a:round/>
+                      <a:headEnd type="none" w="med" len="med"/>
+                      <a:tailEnd type="none" w="med" len="med"/>
                     </a:lnB>
                     <a:solidFill>
                       <a:srgbClr val="404040"/>
@@ -6736,16 +7363,39 @@
                         </a:spcBef>
                       </a:pPr>
                       <a:r>
-                        <a:rPr lang="ja-JP" sz="600" dirty="0">
+                        <a:rPr sz="900" spc="0" dirty="0">
                           <a:solidFill>
                             <a:srgbClr val="FFFFFF"/>
                           </a:solidFill>
-                          <a:latin typeface="Adobe Clean Han Regular" panose="020B0500000000000000" pitchFamily="34" charset="-128"/>
-                          <a:ea typeface="Adobe Clean Han Regular" panose="020B0500000000000000" pitchFamily="34" charset="-128"/>
+                          <a:latin typeface="Adobe Clean"/>
                           <a:cs typeface="Adobe Clean"/>
                         </a:rPr>
-                        <a:t>エリートサポート</a:t>
+                        <a:t>Elite</a:t>
                       </a:r>
+                      <a:r>
+                        <a:rPr lang="en-US" sz="900" spc="0" dirty="0">
+                          <a:solidFill>
+                            <a:srgbClr val="FFFFFF"/>
+                          </a:solidFill>
+                          <a:latin typeface="Adobe Clean"/>
+                          <a:cs typeface="Adobe Clean"/>
+                        </a:rPr>
+                        <a:t> </a:t>
+                      </a:r>
+                      <a:r>
+                        <a:rPr sz="900" spc="0" dirty="0">
+                          <a:solidFill>
+                            <a:srgbClr val="FFFFFF"/>
+                          </a:solidFill>
+                          <a:latin typeface="Adobe Clean"/>
+                          <a:cs typeface="Adobe Clean"/>
+                        </a:rPr>
+                        <a:t>Support</a:t>
+                      </a:r>
+                      <a:endParaRPr sz="900" spc="0" dirty="0">
+                        <a:latin typeface="Adobe Clean"/>
+                        <a:cs typeface="Adobe Clean"/>
+                      </a:endParaRPr>
                     </a:p>
                   </a:txBody>
                   <a:tcPr marL="0" marR="0" marT="0" marB="0" anchor="ctr">
@@ -6767,11 +7417,14 @@
                       </a:solidFill>
                       <a:prstDash val="solid"/>
                     </a:lnT>
-                    <a:lnB w="76200">
+                    <a:lnB w="76200" cap="flat" cmpd="sng" algn="ctr">
                       <a:solidFill>
                         <a:srgbClr val="0068E1"/>
                       </a:solidFill>
                       <a:prstDash val="solid"/>
+                      <a:round/>
+                      <a:headEnd type="none" w="med" len="med"/>
+                      <a:tailEnd type="none" w="med" len="med"/>
                     </a:lnB>
                     <a:solidFill>
                       <a:srgbClr val="000000"/>
@@ -6799,16 +7452,19 @@
                         </a:spcBef>
                       </a:pPr>
                       <a:r>
-                        <a:rPr lang="ja-JP" sz="900" b="1">
+                        <a:rPr sz="900" b="1" spc="0" dirty="0">
                           <a:solidFill>
                             <a:srgbClr val="020302"/>
                           </a:solidFill>
-                          <a:latin typeface="Adobe Clean Han Regular" panose="020B0500000000000000" pitchFamily="34" charset="-128"/>
-                          <a:ea typeface="Adobe Clean Han Regular" panose="020B0500000000000000" pitchFamily="34" charset="-128"/>
+                          <a:latin typeface="Adobe Clean"/>
                           <a:cs typeface="Adobe Clean"/>
                         </a:rPr>
-                        <a:t>優先度 1</a:t>
+                        <a:t>PRIORITY 1</a:t>
                       </a:r>
+                      <a:endParaRPr sz="900" spc="0" dirty="0">
+                        <a:latin typeface="Adobe Clean"/>
+                        <a:cs typeface="Adobe Clean"/>
+                      </a:endParaRPr>
                     </a:p>
                     <a:p>
                       <a:pPr marL="50800" marR="387985">
@@ -6820,15 +7476,19 @@
                         </a:spcBef>
                       </a:pPr>
                       <a:r>
-                        <a:rPr lang="ja-JP" sz="900" b="0" i="0">
+                        <a:rPr lang="en-US" sz="900" b="0" i="0" spc="0" dirty="0">
                           <a:solidFill>
                             <a:srgbClr val="000000"/>
                           </a:solidFill>
-                          <a:latin typeface="Adobe Clean Han Regular" panose="020B0500000000000000" pitchFamily="34" charset="-128"/>
-                          <a:ea typeface="Adobe Clean Han Regular" panose="020B0500000000000000" pitchFamily="34" charset="-128"/>
+                          <a:effectLst/>
+                          <a:latin typeface="Adobe Clean Light" panose="020B0303020404020204" pitchFamily="34" charset="0"/>
                         </a:rPr>
-                        <a:t>お客様の本番業務機能がダウンしている、または著しいデータ損失やサービス低下があり、機能およびユーザビリティを復元するための早急な処置が必要。 </a:t>
+                        <a:t>Customer's production business functions are down or have significant data loss or service degradation and immediate attention is required to restore functionality and usability. </a:t>
                       </a:r>
+                      <a:endParaRPr sz="900" spc="0" dirty="0">
+                        <a:latin typeface="AdobeClean-Light"/>
+                        <a:cs typeface="AdobeClean-Light"/>
+                      </a:endParaRPr>
                     </a:p>
                   </a:txBody>
                   <a:tcPr marL="0" marR="0" marT="0" marB="0" anchor="ctr">
@@ -6838,11 +7498,14 @@
                       </a:solidFill>
                       <a:prstDash val="solid"/>
                     </a:lnL>
-                    <a:lnR w="3175">
+                    <a:lnR w="3175" cap="flat" cmpd="sng" algn="ctr">
                       <a:solidFill>
                         <a:srgbClr val="B7B8B8"/>
                       </a:solidFill>
                       <a:prstDash val="solid"/>
+                      <a:round/>
+                      <a:headEnd type="none" w="med" len="med"/>
+                      <a:tailEnd type="none" w="med" len="med"/>
                     </a:lnR>
                     <a:lnT w="3175">
                       <a:solidFill>
@@ -6863,49 +7526,110 @@
                     <a:bodyPr/>
                     <a:lstStyle/>
                     <a:p>
-                      <a:pPr marL="0" marR="325120" indent="-3810" algn="ctr">
-                        <a:lnSpc>
-                          <a:spcPct val="100000"/>
-                        </a:lnSpc>
-                        <a:spcBef>
-                          <a:spcPts val="670"/>
-                        </a:spcBef>
-                      </a:pPr>
+                      <a:pPr algn="ctr" fontAlgn="t"/>
                       <a:r>
-                        <a:rPr lang="ja-JP" sz="900" dirty="0">
+                        <a:rPr lang="en-US" sz="900" b="0" i="0" u="none" strike="noStrike">
                           <a:solidFill>
                             <a:srgbClr val="020302"/>
                           </a:solidFill>
-                          <a:latin typeface="Adobe Clean Han Regular" panose="020B0500000000000000" pitchFamily="34" charset="-128"/>
-                          <a:ea typeface="Adobe Clean Han Regular" panose="020B0500000000000000" pitchFamily="34" charset="-128"/>
-                          <a:cs typeface="AdobeClean-Light"/>
+                          <a:effectLst/>
+                          <a:latin typeface="AdobeClean-Light" panose="020B0503020404020204" pitchFamily="34" charset="0"/>
                         </a:rPr>
-                        <a:t>24 時間年中無休／</a:t>
+                        <a:t>24x7 / 1 hour</a:t>
                       </a:r>
-                      <a:br>
-                        <a:rPr lang="sk-SK" altLang="ja-JP" sz="900" dirty="0">
+                    </a:p>
+                  </a:txBody>
+                  <a:tcPr marL="9525" marR="9525" marT="9525" marB="0" anchor="ctr">
+                    <a:lnL w="3175">
+                      <a:solidFill>
+                        <a:srgbClr val="B7B8B8"/>
+                      </a:solidFill>
+                      <a:prstDash val="solid"/>
+                    </a:lnL>
+                    <a:lnR w="3175">
+                      <a:solidFill>
+                        <a:srgbClr val="B7B8B8"/>
+                      </a:solidFill>
+                      <a:prstDash val="solid"/>
+                    </a:lnR>
+                    <a:lnT w="76200">
+                      <a:solidFill>
+                        <a:srgbClr val="858585"/>
+                      </a:solidFill>
+                      <a:prstDash val="solid"/>
+                    </a:lnT>
+                    <a:lnB w="3175">
+                      <a:solidFill>
+                        <a:srgbClr val="B7B8B8"/>
+                      </a:solidFill>
+                      <a:prstDash val="solid"/>
+                    </a:lnB>
+                  </a:tcPr>
+                </a:tc>
+                <a:tc>
+                  <a:txBody>
+                    <a:bodyPr/>
+                    <a:lstStyle/>
+                    <a:p>
+                      <a:pPr algn="ctr" fontAlgn="t"/>
+                      <a:r>
+                        <a:rPr lang="en-US" sz="900" b="0" i="0" u="none" strike="noStrike">
                           <a:solidFill>
                             <a:srgbClr val="020302"/>
                           </a:solidFill>
-                          <a:latin typeface="Adobe Clean Han Regular" panose="020B0500000000000000" pitchFamily="34" charset="-128"/>
-                          <a:ea typeface="Adobe Clean Han Regular" panose="020B0500000000000000" pitchFamily="34" charset="-128"/>
-                          <a:cs typeface="AdobeClean-Light"/>
+                          <a:effectLst/>
+                          <a:latin typeface="AdobeClean-Light" panose="020B0503020404020204" pitchFamily="34" charset="0"/>
                         </a:rPr>
-                      </a:br>
+                        <a:t>24x7 / 1 hour</a:t>
+                      </a:r>
+                    </a:p>
+                  </a:txBody>
+                  <a:tcPr marL="9525" marR="9525" marT="9525" marB="0" anchor="ctr">
+                    <a:lnL w="3175">
+                      <a:solidFill>
+                        <a:srgbClr val="B7B8B8"/>
+                      </a:solidFill>
+                      <a:prstDash val="solid"/>
+                    </a:lnL>
+                    <a:lnR w="3175">
+                      <a:solidFill>
+                        <a:srgbClr val="B7B8B8"/>
+                      </a:solidFill>
+                      <a:prstDash val="solid"/>
+                    </a:lnR>
+                    <a:lnT w="76200">
+                      <a:solidFill>
+                        <a:srgbClr val="ACD2FF"/>
+                      </a:solidFill>
+                      <a:prstDash val="solid"/>
+                    </a:lnT>
+                    <a:lnB w="3175">
+                      <a:solidFill>
+                        <a:srgbClr val="B7B8B8"/>
+                      </a:solidFill>
+                      <a:prstDash val="solid"/>
+                    </a:lnB>
+                  </a:tcPr>
+                </a:tc>
+                <a:tc>
+                  <a:txBody>
+                    <a:bodyPr/>
+                    <a:lstStyle/>
+                    <a:p>
+                      <a:pPr algn="ctr" fontAlgn="t"/>
                       <a:r>
-                        <a:rPr lang="ja-JP" sz="900" dirty="0">
+                        <a:rPr lang="en-US" sz="900" b="0" i="0" u="none" strike="noStrike">
                           <a:solidFill>
                             <a:srgbClr val="020302"/>
                           </a:solidFill>
-                          <a:latin typeface="Adobe Clean Han Regular" panose="020B0500000000000000" pitchFamily="34" charset="-128"/>
-                          <a:ea typeface="Adobe Clean Han Regular" panose="020B0500000000000000" pitchFamily="34" charset="-128"/>
-                          <a:cs typeface="AdobeClean-Light"/>
+                          <a:effectLst/>
+                          <a:latin typeface="AdobeClean-Light" panose="020B0503020404020204" pitchFamily="34" charset="0"/>
                         </a:rPr>
-                        <a:t>1 時間</a:t>
+                        <a:t>24x7 / 30 minutes</a:t>
                       </a:r>
                     </a:p>
                   </a:txBody>
-                  <a:tcPr marL="0" marR="0" marT="0" marB="0" anchor="ctr">
+                  <a:tcPr marL="9525" marR="9525" marT="9525" marB="0" anchor="ctr">
                     <a:lnL w="3175">
                       <a:solidFill>
                         <a:srgbClr val="B7B8B8"/>
@@ -6920,7 +7644,7 @@
                     </a:lnR>
                     <a:lnT w="76200">
                       <a:solidFill>
-                        <a:srgbClr val="858585"/>
+                        <a:srgbClr val="2E8FFF"/>
                       </a:solidFill>
                       <a:prstDash val="solid"/>
                     </a:lnT>
@@ -6937,155 +7661,20 @@
                     <a:bodyPr/>
                     <a:lstStyle/>
                     <a:p>
-                      <a:pPr marL="0" marR="325755" indent="-3810" algn="ctr">
-                        <a:lnSpc>
-                          <a:spcPct val="100000"/>
-                        </a:lnSpc>
-                        <a:spcBef>
-                          <a:spcPts val="670"/>
-                        </a:spcBef>
-                      </a:pPr>
+                      <a:pPr algn="ctr" fontAlgn="t"/>
                       <a:r>
-                        <a:rPr lang="ja-JP" sz="900">
+                        <a:rPr lang="en-US" sz="900" b="0" i="0" u="none" strike="noStrike">
                           <a:solidFill>
                             <a:srgbClr val="020302"/>
                           </a:solidFill>
-                          <a:latin typeface="Adobe Clean Han Regular" panose="020B0500000000000000" pitchFamily="34" charset="-128"/>
-                          <a:ea typeface="Adobe Clean Han Regular" panose="020B0500000000000000" pitchFamily="34" charset="-128"/>
-                          <a:cs typeface="AdobeClean-Light"/>
+                          <a:effectLst/>
+                          <a:latin typeface="AdobeClean-Light" panose="020B0503020404020204" pitchFamily="34" charset="0"/>
                         </a:rPr>
-                        <a:t>24 時間年中無休／1 時間</a:t>
+                        <a:t>24x7 / 15 minutes</a:t>
                       </a:r>
                     </a:p>
                   </a:txBody>
-                  <a:tcPr marL="0" marR="0" marT="0" marB="0" anchor="ctr">
-                    <a:lnL w="3175">
-                      <a:solidFill>
-                        <a:srgbClr val="B7B8B8"/>
-                      </a:solidFill>
-                      <a:prstDash val="solid"/>
-                    </a:lnL>
-                    <a:lnR w="3175">
-                      <a:solidFill>
-                        <a:srgbClr val="B7B8B8"/>
-                      </a:solidFill>
-                      <a:prstDash val="solid"/>
-                    </a:lnR>
-                    <a:lnT w="76200">
-                      <a:solidFill>
-                        <a:srgbClr val="ACD2FF"/>
-                      </a:solidFill>
-                      <a:prstDash val="solid"/>
-                    </a:lnT>
-                    <a:lnB w="3175">
-                      <a:solidFill>
-                        <a:srgbClr val="B7B8B8"/>
-                      </a:solidFill>
-                      <a:prstDash val="solid"/>
-                    </a:lnB>
-                  </a:tcPr>
-                </a:tc>
-                <a:tc>
-                  <a:txBody>
-                    <a:bodyPr/>
-                    <a:lstStyle/>
-                    <a:p>
-                      <a:pPr marL="0" marR="258445" indent="115570" algn="ctr">
-                        <a:lnSpc>
-                          <a:spcPct val="100000"/>
-                        </a:lnSpc>
-                        <a:spcBef>
-                          <a:spcPts val="670"/>
-                        </a:spcBef>
-                      </a:pPr>
-                      <a:r>
-                        <a:rPr lang="ja-JP" sz="900">
-                          <a:solidFill>
-                            <a:srgbClr val="020302"/>
-                          </a:solidFill>
-                          <a:latin typeface="Adobe Clean Han Regular" panose="020B0500000000000000" pitchFamily="34" charset="-128"/>
-                          <a:ea typeface="Adobe Clean Han Regular" panose="020B0500000000000000" pitchFamily="34" charset="-128"/>
-                          <a:cs typeface="AdobeClean-Light"/>
-                        </a:rPr>
-                        <a:t>24 時間年中無休／30 分</a:t>
-                      </a:r>
-                    </a:p>
-                  </a:txBody>
-                  <a:tcPr marL="0" marR="0" marT="0" marB="0" anchor="ctr">
-                    <a:lnL w="3175">
-                      <a:solidFill>
-                        <a:srgbClr val="B7B8B8"/>
-                      </a:solidFill>
-                      <a:prstDash val="solid"/>
-                    </a:lnL>
-                    <a:lnR w="3175">
-                      <a:solidFill>
-                        <a:srgbClr val="B7B8B8"/>
-                      </a:solidFill>
-                      <a:prstDash val="solid"/>
-                    </a:lnR>
-                    <a:lnT w="76200">
-                      <a:solidFill>
-                        <a:srgbClr val="2E8FFF"/>
-                      </a:solidFill>
-                      <a:prstDash val="solid"/>
-                    </a:lnT>
-                    <a:lnB w="3175">
-                      <a:solidFill>
-                        <a:srgbClr val="B7B8B8"/>
-                      </a:solidFill>
-                      <a:prstDash val="solid"/>
-                    </a:lnB>
-                  </a:tcPr>
-                </a:tc>
-                <a:tc>
-                  <a:txBody>
-                    <a:bodyPr/>
-                    <a:lstStyle/>
-                    <a:p>
-                      <a:pPr marL="0" marR="271780" indent="103505" algn="ctr">
-                        <a:lnSpc>
-                          <a:spcPct val="100000"/>
-                        </a:lnSpc>
-                        <a:spcBef>
-                          <a:spcPts val="670"/>
-                        </a:spcBef>
-                      </a:pPr>
-                      <a:r>
-                        <a:rPr lang="ja-JP" sz="900" dirty="0">
-                          <a:solidFill>
-                            <a:srgbClr val="020302"/>
-                          </a:solidFill>
-                          <a:latin typeface="Adobe Clean Han Regular" panose="020B0500000000000000" pitchFamily="34" charset="-128"/>
-                          <a:ea typeface="Adobe Clean Han Regular" panose="020B0500000000000000" pitchFamily="34" charset="-128"/>
-                          <a:cs typeface="AdobeClean-Light"/>
-                        </a:rPr>
-                        <a:t>24 時間年中無休／</a:t>
-                      </a:r>
-                      <a:br>
-                        <a:rPr lang="sk-SK" altLang="ja-JP" sz="900" dirty="0">
-                          <a:solidFill>
-                            <a:srgbClr val="020302"/>
-                          </a:solidFill>
-                          <a:latin typeface="Adobe Clean Han Regular" panose="020B0500000000000000" pitchFamily="34" charset="-128"/>
-                          <a:ea typeface="Adobe Clean Han Regular" panose="020B0500000000000000" pitchFamily="34" charset="-128"/>
-                          <a:cs typeface="AdobeClean-Light"/>
-                        </a:rPr>
-                      </a:br>
-                      <a:r>
-                        <a:rPr lang="ja-JP" sz="900" dirty="0">
-                          <a:solidFill>
-                            <a:srgbClr val="020302"/>
-                          </a:solidFill>
-                          <a:latin typeface="Adobe Clean Han Regular" panose="020B0500000000000000" pitchFamily="34" charset="-128"/>
-                          <a:ea typeface="Adobe Clean Han Regular" panose="020B0500000000000000" pitchFamily="34" charset="-128"/>
-                          <a:cs typeface="AdobeClean-Light"/>
-                        </a:rPr>
-                        <a:t>15 分</a:t>
-                      </a:r>
-                    </a:p>
-                  </a:txBody>
-                  <a:tcPr marL="0" marR="0" marT="0" marB="0" anchor="ctr">
+                  <a:tcPr marL="9525" marR="9525" marT="9525" marB="0" anchor="ctr">
                     <a:lnL w="3175">
                       <a:solidFill>
                         <a:srgbClr val="B7B8B8"/>
@@ -7133,16 +7722,19 @@
                         </a:spcBef>
                       </a:pPr>
                       <a:r>
-                        <a:rPr lang="ja-JP" sz="900" b="1">
+                        <a:rPr sz="900" b="1" spc="0" dirty="0">
                           <a:solidFill>
                             <a:srgbClr val="020302"/>
                           </a:solidFill>
-                          <a:latin typeface="Adobe Clean Han Regular" panose="020B0500000000000000" pitchFamily="34" charset="-128"/>
-                          <a:ea typeface="Adobe Clean Han Regular" panose="020B0500000000000000" pitchFamily="34" charset="-128"/>
+                          <a:latin typeface="Adobe Clean"/>
                           <a:cs typeface="Adobe Clean"/>
                         </a:rPr>
-                        <a:t>優先度 2</a:t>
+                        <a:t>PRIORITY 2</a:t>
                       </a:r>
+                      <a:endParaRPr sz="900" spc="0" dirty="0">
+                        <a:latin typeface="Adobe Clean"/>
+                        <a:cs typeface="Adobe Clean"/>
+                      </a:endParaRPr>
                     </a:p>
                     <a:p>
                       <a:pPr marL="50165" marR="203200" indent="0" defTabSz="914400" eaLnBrk="1" fontAlgn="auto" latinLnBrk="0" hangingPunct="1">
@@ -7163,15 +7755,19 @@
                         <a:defRPr/>
                       </a:pPr>
                       <a:r>
-                        <a:rPr lang="ja-JP" sz="900" b="0" i="0">
+                        <a:rPr lang="en-US" sz="900" b="0" i="0" spc="0" dirty="0">
                           <a:solidFill>
                             <a:srgbClr val="000000"/>
                           </a:solidFill>
-                          <a:latin typeface="Adobe Clean Han Regular" panose="020B0500000000000000" pitchFamily="34" charset="-128"/>
-                          <a:ea typeface="Adobe Clean Han Regular" panose="020B0500000000000000" pitchFamily="34" charset="-128"/>
+                          <a:effectLst/>
+                          <a:latin typeface="Adobe Clean Light" panose="020B0303020404020204" pitchFamily="34" charset="0"/>
                         </a:rPr>
-                        <a:t>お客様の業務機能に重大なサービス低下や潜在的なデータ損失があるか、主な機能が影響を受けている。 </a:t>
+                        <a:t>Customer's business functions have major service degradation or potential data loss, or a major feature is impacted </a:t>
                       </a:r>
+                      <a:endParaRPr sz="900" b="0" i="0" spc="0" dirty="0">
+                        <a:latin typeface="Adobe Clean Light" panose="020B0303020404020204" pitchFamily="34" charset="0"/>
+                        <a:cs typeface="AdobeClean-Light"/>
+                      </a:endParaRPr>
                     </a:p>
                   </a:txBody>
                   <a:tcPr marL="0" marR="0" marT="0" marB="0" anchor="ctr">
@@ -7181,11 +7777,14 @@
                       </a:solidFill>
                       <a:prstDash val="solid"/>
                     </a:lnL>
-                    <a:lnR w="3175">
+                    <a:lnR w="3175" cap="flat" cmpd="sng" algn="ctr">
                       <a:solidFill>
                         <a:srgbClr val="B7B8B8"/>
                       </a:solidFill>
                       <a:prstDash val="solid"/>
+                      <a:round/>
+                      <a:headEnd type="none" w="med" len="med"/>
+                      <a:tailEnd type="none" w="med" len="med"/>
                     </a:lnR>
                     <a:lnT w="3175">
                       <a:solidFill>
@@ -7206,49 +7805,110 @@
                     <a:bodyPr/>
                     <a:lstStyle/>
                     <a:p>
-                      <a:pPr marL="0" marR="184785" indent="-193675" algn="ctr">
-                        <a:lnSpc>
-                          <a:spcPct val="100000"/>
-                        </a:lnSpc>
-                        <a:spcBef>
-                          <a:spcPts val="670"/>
-                        </a:spcBef>
-                      </a:pPr>
+                      <a:pPr algn="ctr" fontAlgn="t"/>
                       <a:r>
-                        <a:rPr lang="ja-JP" sz="900" dirty="0">
+                        <a:rPr lang="en-US" sz="900" b="0" i="0" u="none" strike="noStrike">
                           <a:solidFill>
                             <a:srgbClr val="020302"/>
                           </a:solidFill>
-                          <a:latin typeface="Adobe Clean Han Regular" panose="020B0500000000000000" pitchFamily="34" charset="-128"/>
-                          <a:ea typeface="Adobe Clean Han Regular" panose="020B0500000000000000" pitchFamily="34" charset="-128"/>
-                          <a:cs typeface="AdobeClean-Light"/>
+                          <a:effectLst/>
+                          <a:latin typeface="AdobeClean-Light" panose="020B0503020404020204" pitchFamily="34" charset="0"/>
                         </a:rPr>
-                        <a:t>営業時間／</a:t>
+                        <a:t>Business hours / 4 hours</a:t>
                       </a:r>
-                      <a:br>
-                        <a:rPr lang="sk-SK" altLang="ja-JP" sz="900" dirty="0">
+                    </a:p>
+                  </a:txBody>
+                  <a:tcPr marL="9525" marR="9525" marT="9525" marB="0" anchor="ctr">
+                    <a:lnL w="3175">
+                      <a:solidFill>
+                        <a:srgbClr val="B7B8B8"/>
+                      </a:solidFill>
+                      <a:prstDash val="solid"/>
+                    </a:lnL>
+                    <a:lnR w="3175">
+                      <a:solidFill>
+                        <a:srgbClr val="B7B8B8"/>
+                      </a:solidFill>
+                      <a:prstDash val="solid"/>
+                    </a:lnR>
+                    <a:lnT w="3175">
+                      <a:solidFill>
+                        <a:srgbClr val="B7B8B8"/>
+                      </a:solidFill>
+                      <a:prstDash val="solid"/>
+                    </a:lnT>
+                    <a:lnB w="3175">
+                      <a:solidFill>
+                        <a:srgbClr val="B7B8B8"/>
+                      </a:solidFill>
+                      <a:prstDash val="solid"/>
+                    </a:lnB>
+                  </a:tcPr>
+                </a:tc>
+                <a:tc>
+                  <a:txBody>
+                    <a:bodyPr/>
+                    <a:lstStyle/>
+                    <a:p>
+                      <a:pPr algn="ctr" fontAlgn="t"/>
+                      <a:r>
+                        <a:rPr lang="en-US" sz="900" b="0" i="0" u="none" strike="noStrike">
                           <a:solidFill>
                             <a:srgbClr val="020302"/>
                           </a:solidFill>
-                          <a:latin typeface="Adobe Clean Han Regular" panose="020B0500000000000000" pitchFamily="34" charset="-128"/>
-                          <a:ea typeface="Adobe Clean Han Regular" panose="020B0500000000000000" pitchFamily="34" charset="-128"/>
-                          <a:cs typeface="AdobeClean-Light"/>
+                          <a:effectLst/>
+                          <a:latin typeface="AdobeClean-Light" panose="020B0503020404020204" pitchFamily="34" charset="0"/>
                         </a:rPr>
-                      </a:br>
+                        <a:t>Business hours / 2 hours</a:t>
+                      </a:r>
+                    </a:p>
+                  </a:txBody>
+                  <a:tcPr marL="9525" marR="9525" marT="9525" marB="0" anchor="ctr">
+                    <a:lnL w="3175">
+                      <a:solidFill>
+                        <a:srgbClr val="B7B8B8"/>
+                      </a:solidFill>
+                      <a:prstDash val="solid"/>
+                    </a:lnL>
+                    <a:lnR w="3175">
+                      <a:solidFill>
+                        <a:srgbClr val="B7B8B8"/>
+                      </a:solidFill>
+                      <a:prstDash val="solid"/>
+                    </a:lnR>
+                    <a:lnT w="3175">
+                      <a:solidFill>
+                        <a:srgbClr val="B7B8B8"/>
+                      </a:solidFill>
+                      <a:prstDash val="solid"/>
+                    </a:lnT>
+                    <a:lnB w="3175">
+                      <a:solidFill>
+                        <a:srgbClr val="B7B8B8"/>
+                      </a:solidFill>
+                      <a:prstDash val="solid"/>
+                    </a:lnB>
+                  </a:tcPr>
+                </a:tc>
+                <a:tc>
+                  <a:txBody>
+                    <a:bodyPr/>
+                    <a:lstStyle/>
+                    <a:p>
+                      <a:pPr algn="ctr" fontAlgn="t"/>
                       <a:r>
-                        <a:rPr lang="ja-JP" sz="900" dirty="0">
+                        <a:rPr lang="en-US" sz="900" b="0" i="0" u="none" strike="noStrike">
                           <a:solidFill>
                             <a:srgbClr val="020302"/>
                           </a:solidFill>
-                          <a:latin typeface="Adobe Clean Han Regular" panose="020B0500000000000000" pitchFamily="34" charset="-128"/>
-                          <a:ea typeface="Adobe Clean Han Regular" panose="020B0500000000000000" pitchFamily="34" charset="-128"/>
-                          <a:cs typeface="AdobeClean-Light"/>
+                          <a:effectLst/>
+                          <a:latin typeface="AdobeClean-Light" panose="020B0503020404020204" pitchFamily="34" charset="0"/>
                         </a:rPr>
-                        <a:t>4 時間</a:t>
+                        <a:t>24x5 / 1 hour</a:t>
                       </a:r>
                     </a:p>
                   </a:txBody>
-                  <a:tcPr marL="0" marR="0" marT="0" marB="0" anchor="ctr">
+                  <a:tcPr marL="9525" marR="9525" marT="9525" marB="0" anchor="ctr">
                     <a:lnL w="3175">
                       <a:solidFill>
                         <a:srgbClr val="B7B8B8"/>
@@ -7280,155 +7940,20 @@
                     <a:bodyPr/>
                     <a:lstStyle/>
                     <a:p>
-                      <a:pPr marL="0" marR="184785" indent="-194310" algn="ctr">
-                        <a:lnSpc>
-                          <a:spcPct val="100000"/>
-                        </a:lnSpc>
-                        <a:spcBef>
-                          <a:spcPts val="670"/>
-                        </a:spcBef>
-                      </a:pPr>
+                      <a:pPr algn="ctr" fontAlgn="t"/>
                       <a:r>
-                        <a:rPr lang="ja-JP" sz="900" dirty="0">
+                        <a:rPr lang="en-US" sz="900" b="0" i="0" u="none" strike="noStrike">
                           <a:solidFill>
                             <a:srgbClr val="020302"/>
                           </a:solidFill>
-                          <a:latin typeface="Adobe Clean Han Regular" panose="020B0500000000000000" pitchFamily="34" charset="-128"/>
-                          <a:ea typeface="Adobe Clean Han Regular" panose="020B0500000000000000" pitchFamily="34" charset="-128"/>
-                          <a:cs typeface="AdobeClean-Light"/>
+                          <a:effectLst/>
+                          <a:latin typeface="AdobeClean-Light" panose="020B0503020404020204" pitchFamily="34" charset="0"/>
                         </a:rPr>
-                        <a:t>営業時間／</a:t>
+                        <a:t>24x5 / 30 minutes</a:t>
                       </a:r>
-                      <a:br>
-                        <a:rPr lang="sk-SK" altLang="ja-JP" sz="900" dirty="0">
-                          <a:solidFill>
-                            <a:srgbClr val="020302"/>
-                          </a:solidFill>
-                          <a:latin typeface="Adobe Clean Han Regular" panose="020B0500000000000000" pitchFamily="34" charset="-128"/>
-                          <a:ea typeface="Adobe Clean Han Regular" panose="020B0500000000000000" pitchFamily="34" charset="-128"/>
-                          <a:cs typeface="AdobeClean-Light"/>
-                        </a:rPr>
-                      </a:br>
-                      <a:r>
-                        <a:rPr lang="ja-JP" sz="900" dirty="0">
-                          <a:solidFill>
-                            <a:srgbClr val="020302"/>
-                          </a:solidFill>
-                          <a:latin typeface="Adobe Clean Han Regular" panose="020B0500000000000000" pitchFamily="34" charset="-128"/>
-                          <a:ea typeface="Adobe Clean Han Regular" panose="020B0500000000000000" pitchFamily="34" charset="-128"/>
-                          <a:cs typeface="AdobeClean-Light"/>
-                        </a:rPr>
-                        <a:t>2 時間</a:t>
-                      </a:r>
-                    </a:p>
-                  </a:txBody>
-                  <a:tcPr marL="0" marR="0" marT="0" marB="0" anchor="ctr">
-                    <a:lnL w="3175">
-                      <a:solidFill>
-                        <a:srgbClr val="B7B8B8"/>
-                      </a:solidFill>
-                      <a:prstDash val="solid"/>
-                    </a:lnL>
-                    <a:lnR w="3175">
-                      <a:solidFill>
-                        <a:srgbClr val="B7B8B8"/>
-                      </a:solidFill>
-                      <a:prstDash val="solid"/>
-                    </a:lnR>
-                    <a:lnT w="3175">
-                      <a:solidFill>
-                        <a:srgbClr val="B7B8B8"/>
-                      </a:solidFill>
-                      <a:prstDash val="solid"/>
-                    </a:lnT>
-                    <a:lnB w="3175">
-                      <a:solidFill>
-                        <a:srgbClr val="B7B8B8"/>
-                      </a:solidFill>
-                      <a:prstDash val="solid"/>
-                    </a:lnB>
-                  </a:tcPr>
-                </a:tc>
-                <a:tc>
-                  <a:txBody>
-                    <a:bodyPr/>
-                    <a:lstStyle/>
-                    <a:p>
-                      <a:pPr marL="0" marR="325755" indent="-5715" algn="ctr">
-                        <a:lnSpc>
-                          <a:spcPct val="100000"/>
-                        </a:lnSpc>
-                        <a:spcBef>
-                          <a:spcPts val="670"/>
-                        </a:spcBef>
-                      </a:pPr>
-                      <a:r>
-                        <a:rPr lang="ja-JP" sz="900">
-                          <a:solidFill>
-                            <a:srgbClr val="020302"/>
-                          </a:solidFill>
-                          <a:latin typeface="Adobe Clean Han Regular" panose="020B0500000000000000" pitchFamily="34" charset="-128"/>
-                          <a:ea typeface="Adobe Clean Han Regular" panose="020B0500000000000000" pitchFamily="34" charset="-128"/>
-                          <a:cs typeface="AdobeClean-Light"/>
-                        </a:rPr>
-                        <a:t>24 時間週 5 日／1 時間</a:t>
-                      </a:r>
-                    </a:p>
-                  </a:txBody>
-                  <a:tcPr marL="0" marR="0" marT="0" marB="0" anchor="ctr">
-                    <a:lnL w="3175">
-                      <a:solidFill>
-                        <a:srgbClr val="B7B8B8"/>
-                      </a:solidFill>
-                      <a:prstDash val="solid"/>
-                    </a:lnL>
-                    <a:lnR w="3175">
-                      <a:solidFill>
-                        <a:srgbClr val="B7B8B8"/>
-                      </a:solidFill>
-                      <a:prstDash val="solid"/>
-                    </a:lnR>
-                    <a:lnT w="3175">
-                      <a:solidFill>
-                        <a:srgbClr val="B7B8B8"/>
-                      </a:solidFill>
-                      <a:prstDash val="solid"/>
-                    </a:lnT>
-                    <a:lnB w="3175">
-                      <a:solidFill>
-                        <a:srgbClr val="B7B8B8"/>
-                      </a:solidFill>
-                      <a:prstDash val="solid"/>
-                    </a:lnB>
-                  </a:tcPr>
-                </a:tc>
-                <a:tc>
-                  <a:txBody>
-                    <a:bodyPr/>
-                    <a:lstStyle/>
-                    <a:p>
-                      <a:pPr marL="0" marR="259079" indent="111760" algn="ctr">
-                        <a:lnSpc>
-                          <a:spcPct val="100000"/>
-                        </a:lnSpc>
-                        <a:spcBef>
-                          <a:spcPts val="670"/>
-                        </a:spcBef>
-                      </a:pPr>
-                      <a:r>
-                        <a:rPr lang="ja-JP" sz="900">
-                          <a:solidFill>
-                            <a:srgbClr val="020302"/>
-                          </a:solidFill>
-                          <a:latin typeface="Adobe Clean Han Regular" panose="020B0500000000000000" pitchFamily="34" charset="-128"/>
-                          <a:ea typeface="Adobe Clean Han Regular" panose="020B0500000000000000" pitchFamily="34" charset="-128"/>
-                          <a:cs typeface="AdobeClean-Light"/>
-                        </a:rPr>
-                        <a:t>24 時間週 5 日／30 分</a:t>
-                      </a:r>
-                    </a:p>
-                  </a:txBody>
-                  <a:tcPr marL="0" marR="0" marT="0" marB="0" anchor="ctr">
+                    </a:p>
+                  </a:txBody>
+                  <a:tcPr marL="9525" marR="9525" marT="9525" marB="0" anchor="ctr">
                     <a:lnL w="3175">
                       <a:solidFill>
                         <a:srgbClr val="B7B8B8"/>
@@ -7476,16 +8001,29 @@
                         </a:spcBef>
                       </a:pPr>
                       <a:r>
-                        <a:rPr lang="ja-JP" sz="900" b="1">
+                        <a:rPr sz="900" b="1" spc="0" dirty="0">
                           <a:solidFill>
                             <a:srgbClr val="020302"/>
                           </a:solidFill>
-                          <a:latin typeface="Adobe Clean Han Regular" panose="020B0500000000000000" pitchFamily="34" charset="-128"/>
-                          <a:ea typeface="Adobe Clean Han Regular" panose="020B0500000000000000" pitchFamily="34" charset="-128"/>
+                          <a:latin typeface="Adobe Clean"/>
                           <a:cs typeface="Adobe Clean"/>
                         </a:rPr>
-                        <a:t>優先度 3</a:t>
+                        <a:t>PRIORITY</a:t>
                       </a:r>
+                      <a:r>
+                        <a:rPr lang="en-US" sz="900" b="1" spc="0" dirty="0">
+                          <a:solidFill>
+                            <a:srgbClr val="020302"/>
+                          </a:solidFill>
+                          <a:latin typeface="Adobe Clean"/>
+                          <a:cs typeface="Adobe Clean"/>
+                        </a:rPr>
+                        <a:t> 3</a:t>
+                      </a:r>
+                      <a:endParaRPr lang="en-US" sz="900" spc="0" dirty="0">
+                        <a:latin typeface="Adobe Clean"/>
+                        <a:cs typeface="Adobe Clean"/>
+                      </a:endParaRPr>
                     </a:p>
                     <a:p>
                       <a:pPr marL="49530" marR="212090" indent="-2540" defTabSz="914400" eaLnBrk="1" fontAlgn="auto" latinLnBrk="0" hangingPunct="1">
@@ -7506,21 +8044,26 @@
                         <a:defRPr/>
                       </a:pPr>
                       <a:r>
-                        <a:rPr kumimoji="0" lang="ja-JP" sz="900" b="0" i="0" u="none" strike="noStrike" cap="none" normalizeH="0" baseline="0" noProof="0">
+                        <a:rPr kumimoji="0" lang="en-US" sz="900" b="0" i="0" u="none" strike="noStrike" kern="1200" cap="none" spc="0" normalizeH="0" baseline="0" noProof="0" dirty="0">
                           <a:ln>
                             <a:noFill/>
                           </a:ln>
                           <a:solidFill>
                             <a:srgbClr val="000000"/>
                           </a:solidFill>
+                          <a:effectLst/>
                           <a:uLnTx/>
                           <a:uFillTx/>
-                          <a:latin typeface="Adobe Clean Han Regular" panose="020B0500000000000000" pitchFamily="34" charset="-128"/>
-                          <a:ea typeface="Adobe Clean Han Regular" panose="020B0500000000000000" pitchFamily="34" charset="-128"/>
+                          <a:latin typeface="Adobe Clean Light" panose="020B0303020404020204" pitchFamily="34" charset="0"/>
+                          <a:ea typeface="+mn-ea"/>
                           <a:cs typeface="+mn-cs"/>
                         </a:rPr>
-                        <a:t>お客様の業務機能に軽微なサービス低下があるが、業務機能を正常に続行できるソリューション／回避策が存在する。 </a:t>
+                        <a:t>Customer's business functions have minor service degradation but there exists a solution/workaround allowing business functions to continue normally </a:t>
                       </a:r>
+                      <a:endParaRPr lang="en-US" sz="900" b="0" i="0" spc="0" dirty="0">
+                        <a:latin typeface="Adobe Clean Light" panose="020B0303020404020204" pitchFamily="34" charset="0"/>
+                        <a:cs typeface="AdobeClean-Light"/>
+                      </a:endParaRPr>
                     </a:p>
                   </a:txBody>
                   <a:tcPr marL="0" marR="0" marT="0" marB="0" anchor="ctr">
@@ -7530,11 +8073,14 @@
                       </a:solidFill>
                       <a:prstDash val="solid"/>
                     </a:lnL>
-                    <a:lnR w="3175">
+                    <a:lnR w="3175" cap="flat" cmpd="sng" algn="ctr">
                       <a:solidFill>
                         <a:srgbClr val="B7B8B8"/>
                       </a:solidFill>
                       <a:prstDash val="solid"/>
+                      <a:round/>
+                      <a:headEnd type="none" w="med" len="med"/>
+                      <a:tailEnd type="none" w="med" len="med"/>
                     </a:lnR>
                     <a:lnT w="3175">
                       <a:solidFill>
@@ -7555,49 +8101,110 @@
                     <a:bodyPr/>
                     <a:lstStyle/>
                     <a:p>
-                      <a:pPr marL="0" marR="184150" indent="-189865" algn="ctr">
-                        <a:lnSpc>
-                          <a:spcPct val="100000"/>
-                        </a:lnSpc>
-                        <a:spcBef>
-                          <a:spcPts val="645"/>
-                        </a:spcBef>
-                      </a:pPr>
+                      <a:pPr algn="ctr" fontAlgn="t"/>
                       <a:r>
-                        <a:rPr lang="ja-JP" sz="900" dirty="0">
+                        <a:rPr lang="en-US" sz="900" b="0" i="0" u="none" strike="noStrike">
                           <a:solidFill>
                             <a:srgbClr val="020302"/>
                           </a:solidFill>
-                          <a:latin typeface="Adobe Clean Han Regular" panose="020B0500000000000000" pitchFamily="34" charset="-128"/>
-                          <a:ea typeface="Adobe Clean Han Regular" panose="020B0500000000000000" pitchFamily="34" charset="-128"/>
-                          <a:cs typeface="AdobeClean-Light"/>
+                          <a:effectLst/>
+                          <a:latin typeface="AdobeClean-Light" panose="020B0503020404020204" pitchFamily="34" charset="0"/>
                         </a:rPr>
-                        <a:t>営業時間／</a:t>
+                        <a:t>Business hours / 6 hours</a:t>
                       </a:r>
-                      <a:br>
-                        <a:rPr lang="sk-SK" altLang="ja-JP" sz="900" dirty="0">
+                    </a:p>
+                  </a:txBody>
+                  <a:tcPr marL="9525" marR="9525" marT="9525" marB="0" anchor="ctr">
+                    <a:lnL w="3175">
+                      <a:solidFill>
+                        <a:srgbClr val="B7B8B8"/>
+                      </a:solidFill>
+                      <a:prstDash val="solid"/>
+                    </a:lnL>
+                    <a:lnR w="3175">
+                      <a:solidFill>
+                        <a:srgbClr val="B7B8B8"/>
+                      </a:solidFill>
+                      <a:prstDash val="solid"/>
+                    </a:lnR>
+                    <a:lnT w="3175">
+                      <a:solidFill>
+                        <a:srgbClr val="B7B8B8"/>
+                      </a:solidFill>
+                      <a:prstDash val="solid"/>
+                    </a:lnT>
+                    <a:lnB w="3175">
+                      <a:solidFill>
+                        <a:srgbClr val="B7B8B8"/>
+                      </a:solidFill>
+                      <a:prstDash val="solid"/>
+                    </a:lnB>
+                  </a:tcPr>
+                </a:tc>
+                <a:tc>
+                  <a:txBody>
+                    <a:bodyPr/>
+                    <a:lstStyle/>
+                    <a:p>
+                      <a:pPr algn="ctr" fontAlgn="t"/>
+                      <a:r>
+                        <a:rPr lang="en-US" sz="900" b="0" i="0" u="none" strike="noStrike">
                           <a:solidFill>
                             <a:srgbClr val="020302"/>
                           </a:solidFill>
-                          <a:latin typeface="Adobe Clean Han Regular" panose="020B0500000000000000" pitchFamily="34" charset="-128"/>
-                          <a:ea typeface="Adobe Clean Han Regular" panose="020B0500000000000000" pitchFamily="34" charset="-128"/>
-                          <a:cs typeface="AdobeClean-Light"/>
+                          <a:effectLst/>
+                          <a:latin typeface="AdobeClean-Light" panose="020B0503020404020204" pitchFamily="34" charset="0"/>
                         </a:rPr>
-                      </a:br>
+                        <a:t>Business hours /  4 hours</a:t>
+                      </a:r>
+                    </a:p>
+                  </a:txBody>
+                  <a:tcPr marL="9525" marR="9525" marT="9525" marB="0" anchor="ctr">
+                    <a:lnL w="3175">
+                      <a:solidFill>
+                        <a:srgbClr val="B7B8B8"/>
+                      </a:solidFill>
+                      <a:prstDash val="solid"/>
+                    </a:lnL>
+                    <a:lnR w="3175">
+                      <a:solidFill>
+                        <a:srgbClr val="B7B8B8"/>
+                      </a:solidFill>
+                      <a:prstDash val="solid"/>
+                    </a:lnR>
+                    <a:lnT w="3175">
+                      <a:solidFill>
+                        <a:srgbClr val="B7B8B8"/>
+                      </a:solidFill>
+                      <a:prstDash val="solid"/>
+                    </a:lnT>
+                    <a:lnB w="3175">
+                      <a:solidFill>
+                        <a:srgbClr val="B7B8B8"/>
+                      </a:solidFill>
+                      <a:prstDash val="solid"/>
+                    </a:lnB>
+                  </a:tcPr>
+                </a:tc>
+                <a:tc>
+                  <a:txBody>
+                    <a:bodyPr/>
+                    <a:lstStyle/>
+                    <a:p>
+                      <a:pPr algn="ctr" fontAlgn="t"/>
                       <a:r>
-                        <a:rPr lang="ja-JP" sz="900" dirty="0">
+                        <a:rPr lang="en-US" sz="900" b="0" i="0" u="none" strike="noStrike">
                           <a:solidFill>
                             <a:srgbClr val="020302"/>
                           </a:solidFill>
-                          <a:latin typeface="Adobe Clean Han Regular" panose="020B0500000000000000" pitchFamily="34" charset="-128"/>
-                          <a:ea typeface="Adobe Clean Han Regular" panose="020B0500000000000000" pitchFamily="34" charset="-128"/>
-                          <a:cs typeface="AdobeClean-Light"/>
+                          <a:effectLst/>
+                          <a:latin typeface="AdobeClean-Light" panose="020B0503020404020204" pitchFamily="34" charset="0"/>
                         </a:rPr>
-                        <a:t>6 時間</a:t>
+                        <a:t>Business hours / 2 hours</a:t>
                       </a:r>
                     </a:p>
                   </a:txBody>
-                  <a:tcPr marL="0" marR="0" marT="0" marB="0" anchor="ctr">
+                  <a:tcPr marL="9525" marR="9525" marT="9525" marB="0" anchor="ctr">
                     <a:lnL w="3175">
                       <a:solidFill>
                         <a:srgbClr val="B7B8B8"/>
@@ -7629,155 +8236,20 @@
                     <a:bodyPr/>
                     <a:lstStyle/>
                     <a:p>
-                      <a:pPr marL="0" marR="185420" indent="-193675" algn="ctr">
-                        <a:lnSpc>
-                          <a:spcPct val="100000"/>
-                        </a:lnSpc>
-                        <a:spcBef>
-                          <a:spcPts val="645"/>
-                        </a:spcBef>
-                      </a:pPr>
+                      <a:pPr algn="ctr" fontAlgn="t"/>
                       <a:r>
-                        <a:rPr lang="ja-JP" sz="900" dirty="0">
+                        <a:rPr lang="en-US" sz="900" b="0" i="0" u="none" strike="noStrike">
                           <a:solidFill>
                             <a:srgbClr val="020302"/>
                           </a:solidFill>
-                          <a:latin typeface="Adobe Clean Han Regular" panose="020B0500000000000000" pitchFamily="34" charset="-128"/>
-                          <a:ea typeface="Adobe Clean Han Regular" panose="020B0500000000000000" pitchFamily="34" charset="-128"/>
-                          <a:cs typeface="AdobeClean-Light"/>
+                          <a:effectLst/>
+                          <a:latin typeface="AdobeClean-Light" panose="020B0503020404020204" pitchFamily="34" charset="0"/>
                         </a:rPr>
-                        <a:t>営業時間／</a:t>
+                        <a:t>24x5 / 1 hour</a:t>
                       </a:r>
-                      <a:br>
-                        <a:rPr lang="sk-SK" altLang="ja-JP" sz="900" dirty="0">
-                          <a:solidFill>
-                            <a:srgbClr val="020302"/>
-                          </a:solidFill>
-                          <a:latin typeface="Adobe Clean Han Regular" panose="020B0500000000000000" pitchFamily="34" charset="-128"/>
-                          <a:ea typeface="Adobe Clean Han Regular" panose="020B0500000000000000" pitchFamily="34" charset="-128"/>
-                          <a:cs typeface="AdobeClean-Light"/>
-                        </a:rPr>
-                      </a:br>
-                      <a:r>
-                        <a:rPr lang="ja-JP" sz="900" dirty="0">
-                          <a:solidFill>
-                            <a:srgbClr val="020302"/>
-                          </a:solidFill>
-                          <a:latin typeface="Adobe Clean Han Regular" panose="020B0500000000000000" pitchFamily="34" charset="-128"/>
-                          <a:ea typeface="Adobe Clean Han Regular" panose="020B0500000000000000" pitchFamily="34" charset="-128"/>
-                          <a:cs typeface="AdobeClean-Light"/>
-                        </a:rPr>
-                        <a:t>4 時間</a:t>
-                      </a:r>
-                    </a:p>
-                  </a:txBody>
-                  <a:tcPr marL="0" marR="0" marT="0" marB="0" anchor="ctr">
-                    <a:lnL w="3175">
-                      <a:solidFill>
-                        <a:srgbClr val="B7B8B8"/>
-                      </a:solidFill>
-                      <a:prstDash val="solid"/>
-                    </a:lnL>
-                    <a:lnR w="3175">
-                      <a:solidFill>
-                        <a:srgbClr val="B7B8B8"/>
-                      </a:solidFill>
-                      <a:prstDash val="solid"/>
-                    </a:lnR>
-                    <a:lnT w="3175">
-                      <a:solidFill>
-                        <a:srgbClr val="B7B8B8"/>
-                      </a:solidFill>
-                      <a:prstDash val="solid"/>
-                    </a:lnT>
-                    <a:lnB w="3175">
-                      <a:solidFill>
-                        <a:srgbClr val="B7B8B8"/>
-                      </a:solidFill>
-                      <a:prstDash val="solid"/>
-                    </a:lnB>
-                  </a:tcPr>
-                </a:tc>
-                <a:tc>
-                  <a:txBody>
-                    <a:bodyPr/>
-                    <a:lstStyle/>
-                    <a:p>
-                      <a:pPr marL="0" marR="184785" indent="-194310" algn="ctr">
-                        <a:lnSpc>
-                          <a:spcPct val="100000"/>
-                        </a:lnSpc>
-                        <a:spcBef>
-                          <a:spcPts val="645"/>
-                        </a:spcBef>
-                      </a:pPr>
-                      <a:r>
-                        <a:rPr lang="ja-JP" sz="900">
-                          <a:solidFill>
-                            <a:srgbClr val="020302"/>
-                          </a:solidFill>
-                          <a:latin typeface="Adobe Clean Han Regular" panose="020B0500000000000000" pitchFamily="34" charset="-128"/>
-                          <a:ea typeface="Adobe Clean Han Regular" panose="020B0500000000000000" pitchFamily="34" charset="-128"/>
-                          <a:cs typeface="AdobeClean-Light"/>
-                        </a:rPr>
-                        <a:t>営業時間／2 時間</a:t>
-                      </a:r>
-                    </a:p>
-                  </a:txBody>
-                  <a:tcPr marL="0" marR="0" marT="0" marB="0" anchor="ctr">
-                    <a:lnL w="3175">
-                      <a:solidFill>
-                        <a:srgbClr val="B7B8B8"/>
-                      </a:solidFill>
-                      <a:prstDash val="solid"/>
-                    </a:lnL>
-                    <a:lnR w="3175">
-                      <a:solidFill>
-                        <a:srgbClr val="B7B8B8"/>
-                      </a:solidFill>
-                      <a:prstDash val="solid"/>
-                    </a:lnR>
-                    <a:lnT w="3175">
-                      <a:solidFill>
-                        <a:srgbClr val="B7B8B8"/>
-                      </a:solidFill>
-                      <a:prstDash val="solid"/>
-                    </a:lnT>
-                    <a:lnB w="3175">
-                      <a:solidFill>
-                        <a:srgbClr val="B7B8B8"/>
-                      </a:solidFill>
-                      <a:prstDash val="solid"/>
-                    </a:lnB>
-                  </a:tcPr>
-                </a:tc>
-                <a:tc>
-                  <a:txBody>
-                    <a:bodyPr/>
-                    <a:lstStyle/>
-                    <a:p>
-                      <a:pPr marL="0" marR="326390" indent="-5715" algn="ctr">
-                        <a:lnSpc>
-                          <a:spcPct val="100000"/>
-                        </a:lnSpc>
-                        <a:spcBef>
-                          <a:spcPts val="645"/>
-                        </a:spcBef>
-                      </a:pPr>
-                      <a:r>
-                        <a:rPr lang="ja-JP" sz="900">
-                          <a:solidFill>
-                            <a:srgbClr val="020302"/>
-                          </a:solidFill>
-                          <a:latin typeface="Adobe Clean Han Regular" panose="020B0500000000000000" pitchFamily="34" charset="-128"/>
-                          <a:ea typeface="Adobe Clean Han Regular" panose="020B0500000000000000" pitchFamily="34" charset="-128"/>
-                          <a:cs typeface="AdobeClean-Light"/>
-                        </a:rPr>
-                        <a:t>24 時間週 5 日／1 時間</a:t>
-                      </a:r>
-                    </a:p>
-                  </a:txBody>
-                  <a:tcPr marL="0" marR="0" marT="0" marB="0" anchor="ctr">
+                    </a:p>
+                  </a:txBody>
+                  <a:tcPr marL="9525" marR="9525" marT="9525" marB="0" anchor="ctr">
                     <a:lnL w="3175">
                       <a:solidFill>
                         <a:srgbClr val="B7B8B8"/>
@@ -7825,16 +8297,19 @@
                         </a:spcBef>
                       </a:pPr>
                       <a:r>
-                        <a:rPr lang="ja-JP" sz="900" b="1" dirty="0">
+                        <a:rPr sz="900" b="1" spc="0" dirty="0">
                           <a:solidFill>
                             <a:srgbClr val="020302"/>
                           </a:solidFill>
-                          <a:latin typeface="Adobe Clean Han Regular" panose="020B0500000000000000" pitchFamily="34" charset="-128"/>
-                          <a:ea typeface="Adobe Clean Han Regular" panose="020B0500000000000000" pitchFamily="34" charset="-128"/>
+                          <a:latin typeface="Adobe Clean"/>
                           <a:cs typeface="Adobe Clean"/>
                         </a:rPr>
-                        <a:t>優先度 4</a:t>
+                        <a:t>PRIORITY 4</a:t>
                       </a:r>
+                      <a:endParaRPr sz="900" spc="0" dirty="0">
+                        <a:latin typeface="Adobe Clean"/>
+                        <a:cs typeface="Adobe Clean"/>
+                      </a:endParaRPr>
                     </a:p>
                     <a:p>
                       <a:pPr marL="48895" marR="0" indent="0" defTabSz="914400" eaLnBrk="1" fontAlgn="auto" latinLnBrk="0" hangingPunct="1">
@@ -7855,15 +8330,19 @@
                         <a:defRPr/>
                       </a:pPr>
                       <a:r>
-                        <a:rPr lang="ja-JP" sz="900" b="0" i="0" dirty="0">
+                        <a:rPr lang="en-US" sz="900" b="0" i="0" spc="0" dirty="0">
                           <a:solidFill>
                             <a:srgbClr val="000000"/>
                           </a:solidFill>
-                          <a:latin typeface="Adobe Clean Han Regular" panose="020B0500000000000000" pitchFamily="34" charset="-128"/>
-                          <a:ea typeface="Adobe Clean Han Regular" panose="020B0500000000000000" pitchFamily="34" charset="-128"/>
+                          <a:effectLst/>
+                          <a:latin typeface="Adobe Clean Light" panose="020B0303020404020204" pitchFamily="34" charset="0"/>
                         </a:rPr>
-                        <a:t>現在の製品機能に関する一般的な質問または機能拡張のリクエスト。 </a:t>
+                        <a:t>General question regarding current product functionality or an enhancement request </a:t>
                       </a:r>
+                      <a:endParaRPr sz="900" b="0" i="0" spc="0" dirty="0">
+                        <a:latin typeface="Adobe Clean Light" panose="020B0303020404020204" pitchFamily="34" charset="0"/>
+                        <a:cs typeface="AdobeClean-Light"/>
+                      </a:endParaRPr>
                     </a:p>
                   </a:txBody>
                   <a:tcPr marL="0" marR="0" marT="0" marB="0" anchor="ctr">
@@ -7873,11 +8352,14 @@
                       </a:solidFill>
                       <a:prstDash val="solid"/>
                     </a:lnL>
-                    <a:lnR w="3175">
+                    <a:lnR w="3175" cap="flat" cmpd="sng" algn="ctr">
                       <a:solidFill>
                         <a:srgbClr val="B7B8B8"/>
                       </a:solidFill>
                       <a:prstDash val="solid"/>
+                      <a:round/>
+                      <a:headEnd type="none" w="med" len="med"/>
+                      <a:tailEnd type="none" w="med" len="med"/>
                     </a:lnR>
                     <a:lnT w="3175">
                       <a:solidFill>
@@ -7898,28 +8380,20 @@
                     <a:bodyPr/>
                     <a:lstStyle/>
                     <a:p>
-                      <a:pPr marL="0" marR="203200" indent="-193040" algn="ctr">
-                        <a:lnSpc>
-                          <a:spcPct val="100000"/>
-                        </a:lnSpc>
-                        <a:spcBef>
-                          <a:spcPts val="155"/>
-                        </a:spcBef>
-                      </a:pPr>
+                      <a:pPr algn="ctr" fontAlgn="t"/>
                       <a:r>
-                        <a:rPr lang="ja-JP" sz="900">
+                        <a:rPr lang="en-US" sz="900" b="0" i="0" u="none" strike="noStrike">
                           <a:solidFill>
                             <a:srgbClr val="020302"/>
                           </a:solidFill>
-                          <a:latin typeface="Adobe Clean Han Regular" panose="020B0500000000000000" pitchFamily="34" charset="-128"/>
-                          <a:ea typeface="Adobe Clean Han Regular" panose="020B0500000000000000" pitchFamily="34" charset="-128"/>
-                          <a:cs typeface="AdobeClean-Light"/>
+                          <a:effectLst/>
+                          <a:latin typeface="AdobeClean-Light" panose="020B0503020404020204" pitchFamily="34" charset="0"/>
                         </a:rPr>
-                        <a:t>営業日／3 日</a:t>
+                        <a:t>Business days / 3 days</a:t>
                       </a:r>
                     </a:p>
                   </a:txBody>
-                  <a:tcPr marL="0" marR="0" marT="0" marB="0" anchor="ctr">
+                  <a:tcPr marL="9525" marR="9525" marT="9525" marB="0" anchor="ctr">
                     <a:lnL w="3175">
                       <a:solidFill>
                         <a:srgbClr val="B7B8B8"/>
@@ -7951,28 +8425,20 @@
                     <a:bodyPr/>
                     <a:lstStyle/>
                     <a:p>
-                      <a:pPr marL="0" marR="223520" indent="-202565" algn="ctr">
-                        <a:lnSpc>
-                          <a:spcPct val="100000"/>
-                        </a:lnSpc>
-                        <a:spcBef>
-                          <a:spcPts val="155"/>
-                        </a:spcBef>
-                      </a:pPr>
+                      <a:pPr algn="ctr" fontAlgn="t"/>
                       <a:r>
-                        <a:rPr lang="ja-JP" sz="900">
+                        <a:rPr lang="en-US" sz="900" b="0" i="0" u="none" strike="noStrike">
                           <a:solidFill>
                             <a:srgbClr val="020302"/>
                           </a:solidFill>
-                          <a:latin typeface="Adobe Clean Han Regular" panose="020B0500000000000000" pitchFamily="34" charset="-128"/>
-                          <a:ea typeface="Adobe Clean Han Regular" panose="020B0500000000000000" pitchFamily="34" charset="-128"/>
-                          <a:cs typeface="AdobeClean-Light"/>
+                          <a:effectLst/>
+                          <a:latin typeface="AdobeClean-Light" panose="020B0503020404020204" pitchFamily="34" charset="0"/>
                         </a:rPr>
-                        <a:t>営業日／1 日</a:t>
+                        <a:t>Business day / 1 day</a:t>
                       </a:r>
                     </a:p>
                   </a:txBody>
-                  <a:tcPr marL="0" marR="0" marT="0" marB="0" anchor="ctr">
+                  <a:tcPr marL="9525" marR="9525" marT="9525" marB="0" anchor="ctr">
                     <a:lnL w="3175">
                       <a:solidFill>
                         <a:srgbClr val="B7B8B8"/>
@@ -8004,28 +8470,20 @@
                     <a:bodyPr/>
                     <a:lstStyle/>
                     <a:p>
-                      <a:pPr marL="0" marR="223520" indent="-202565" algn="ctr">
-                        <a:lnSpc>
-                          <a:spcPct val="100000"/>
-                        </a:lnSpc>
-                        <a:spcBef>
-                          <a:spcPts val="155"/>
-                        </a:spcBef>
-                      </a:pPr>
+                      <a:pPr algn="ctr" fontAlgn="t"/>
                       <a:r>
-                        <a:rPr lang="ja-JP" sz="900">
+                        <a:rPr lang="en-US" sz="900" b="0" i="0" u="none" strike="noStrike">
                           <a:solidFill>
                             <a:srgbClr val="020302"/>
                           </a:solidFill>
-                          <a:latin typeface="Adobe Clean Han Regular" panose="020B0500000000000000" pitchFamily="34" charset="-128"/>
-                          <a:ea typeface="Adobe Clean Han Regular" panose="020B0500000000000000" pitchFamily="34" charset="-128"/>
-                          <a:cs typeface="AdobeClean-Light"/>
+                          <a:effectLst/>
+                          <a:latin typeface="AdobeClean-Light" panose="020B0503020404020204" pitchFamily="34" charset="0"/>
                         </a:rPr>
-                        <a:t>営業日／1 日</a:t>
+                        <a:t>Business day / 1 day</a:t>
                       </a:r>
                     </a:p>
                   </a:txBody>
-                  <a:tcPr marL="0" marR="0" marT="0" marB="0" anchor="ctr">
+                  <a:tcPr marL="9525" marR="9525" marT="9525" marB="0" anchor="ctr">
                     <a:lnL w="3175">
                       <a:solidFill>
                         <a:srgbClr val="B7B8B8"/>
@@ -8057,28 +8515,20 @@
                     <a:bodyPr/>
                     <a:lstStyle/>
                     <a:p>
-                      <a:pPr marL="0" marR="223520" indent="-202565" algn="ctr">
-                        <a:lnSpc>
-                          <a:spcPct val="100000"/>
-                        </a:lnSpc>
-                        <a:spcBef>
-                          <a:spcPts val="155"/>
-                        </a:spcBef>
-                      </a:pPr>
+                      <a:pPr algn="ctr" fontAlgn="t"/>
                       <a:r>
-                        <a:rPr lang="ja-JP" sz="900" dirty="0">
+                        <a:rPr lang="en-US" sz="900" b="0" i="0" u="none" strike="noStrike" dirty="0">
                           <a:solidFill>
                             <a:srgbClr val="020302"/>
                           </a:solidFill>
-                          <a:latin typeface="Adobe Clean Han Regular" panose="020B0500000000000000" pitchFamily="34" charset="-128"/>
-                          <a:ea typeface="Adobe Clean Han Regular" panose="020B0500000000000000" pitchFamily="34" charset="-128"/>
-                          <a:cs typeface="AdobeClean-Light"/>
+                          <a:effectLst/>
+                          <a:latin typeface="AdobeClean-Light" panose="020B0503020404020204" pitchFamily="34" charset="0"/>
                         </a:rPr>
-                        <a:t>営業日／1 日</a:t>
+                        <a:t>Business day / 1 day</a:t>
                       </a:r>
                     </a:p>
                   </a:txBody>
-                  <a:tcPr marL="0" marR="0" marT="0" marB="0" anchor="ctr">
+                  <a:tcPr marL="9525" marR="9525" marT="9525" marB="0" anchor="ctr">
                     <a:lnL w="3175">
                       <a:solidFill>
                         <a:srgbClr val="B7B8B8"/>
@@ -8141,7 +8591,7 @@
           </a:prstGeom>
         </p:spPr>
         <p:txBody>
-          <a:bodyPr vert="horz" wrap="square" lIns="0" tIns="12700" rIns="0" bIns="0" rtlCol="0">
+          <a:bodyPr vert="horz" wrap="square" lIns="0" tIns="12700" rIns="0" bIns="0" rtlCol="0" anchor="t">
             <a:spAutoFit/>
           </a:bodyPr>
           <a:lstStyle/>
@@ -8155,12 +8605,20 @@
               </a:spcBef>
             </a:pPr>
             <a:r>
-              <a:rPr lang="ja-JP" sz="2300">
-                <a:latin typeface="Adobe Clean Han Regular" panose="020B0500000000000000" pitchFamily="34" charset="-128"/>
-                <a:ea typeface="Adobe Clean Han Regular" panose="020B0500000000000000" pitchFamily="34" charset="-128"/>
-              </a:rPr>
-              <a:t>アドビサポートのサービス</a:t>
-            </a:r>
+              <a:rPr sz="2300" dirty="0">
+                <a:latin typeface="Adobe Clean"/>
+              </a:rPr>
+              <a:t>ADOBE </a:t>
+            </a:r>
+            <a:r>
+              <a:rPr lang="en-US" sz="2300" dirty="0">
+                <a:latin typeface="Adobe Clean"/>
+              </a:rPr>
+              <a:t>SUPPORT PLANS</a:t>
+            </a:r>
+            <a:endParaRPr sz="2300" dirty="0">
+              <a:latin typeface="Adobe Clean" panose="020B0503020404020204" pitchFamily="34" charset="0"/>
+            </a:endParaRPr>
           </a:p>
         </p:txBody>
       </p:sp>
@@ -8193,12 +8651,10 @@
           <a:lstStyle/>
           <a:p>
             <a:r>
-              <a:rPr lang="ja-JP" sz="700" i="1">
+              <a:rPr lang="en-US" sz="700" i="1" dirty="0">
                 <a:solidFill>
                   <a:schemeClr val="bg1"/>
                 </a:solidFill>
-                <a:latin typeface="Adobe Clean Han Regular" panose="020B0500000000000000" pitchFamily="34" charset="-128"/>
-                <a:ea typeface="Adobe Clean Han Regular" panose="020B0500000000000000" pitchFamily="34" charset="-128"/>
               </a:rPr>
               <a:t>Adobe Experience Cloud</a:t>
             </a:r>
@@ -8282,10 +8738,7 @@
             <a:bodyPr wrap="square" lIns="0" tIns="0" rIns="0" bIns="0" rtlCol="0"/>
             <a:lstStyle/>
             <a:p>
-              <a:endParaRPr>
-                <a:latin typeface="Adobe Clean Han Regular" panose="020B0500000000000000" pitchFamily="34" charset="-128"/>
-                <a:ea typeface="Adobe Clean Han Regular" panose="020B0500000000000000" pitchFamily="34" charset="-128"/>
-              </a:endParaRPr>
+              <a:endParaRPr/>
             </a:p>
           </p:txBody>
         </p:sp>
@@ -8337,10 +8790,7 @@
             <a:bodyPr wrap="square" lIns="0" tIns="0" rIns="0" bIns="0" rtlCol="0"/>
             <a:lstStyle/>
             <a:p>
-              <a:endParaRPr>
-                <a:latin typeface="Adobe Clean Han Regular" panose="020B0500000000000000" pitchFamily="34" charset="-128"/>
-                <a:ea typeface="Adobe Clean Han Regular" panose="020B0500000000000000" pitchFamily="34" charset="-128"/>
-              </a:endParaRPr>
+              <a:endParaRPr/>
             </a:p>
           </p:txBody>
         </p:sp>
@@ -8383,10 +8833,7 @@
           <a:bodyPr wrap="square" lIns="0" tIns="0" rIns="0" bIns="0" rtlCol="0"/>
           <a:lstStyle/>
           <a:p>
-            <a:endParaRPr>
-              <a:latin typeface="Adobe Clean Han Regular" panose="020B0500000000000000" pitchFamily="34" charset="-128"/>
-              <a:ea typeface="Adobe Clean Han Regular" panose="020B0500000000000000" pitchFamily="34" charset="-128"/>
-            </a:endParaRPr>
+            <a:endParaRPr/>
           </a:p>
         </p:txBody>
       </p:sp>
@@ -8428,10 +8875,7 @@
           <a:bodyPr wrap="square" lIns="0" tIns="0" rIns="0" bIns="0" rtlCol="0"/>
           <a:lstStyle/>
           <a:p>
-            <a:endParaRPr>
-              <a:latin typeface="Adobe Clean Han Regular" panose="020B0500000000000000" pitchFamily="34" charset="-128"/>
-              <a:ea typeface="Adobe Clean Han Regular" panose="020B0500000000000000" pitchFamily="34" charset="-128"/>
-            </a:endParaRPr>
+            <a:endParaRPr/>
           </a:p>
         </p:txBody>
       </p:sp>
@@ -8444,14 +8888,14 @@
         <p:spPr>
           <a:xfrm>
             <a:off x="244598" y="1844378"/>
-            <a:ext cx="7070597" cy="561949"/>
+            <a:ext cx="7070597" cy="379463"/>
           </a:xfrm>
           <a:prstGeom prst="rect">
             <a:avLst/>
           </a:prstGeom>
         </p:spPr>
         <p:txBody>
-          <a:bodyPr vert="horz" wrap="square" lIns="0" tIns="35560" rIns="0" bIns="0" rtlCol="0">
+          <a:bodyPr vert="horz" wrap="square" lIns="0" tIns="35560" rIns="0" bIns="0" rtlCol="0" anchor="t">
             <a:spAutoFit/>
           </a:bodyPr>
           <a:lstStyle/>
@@ -8465,37 +8909,406 @@
               </a:spcBef>
             </a:pPr>
             <a:r>
-              <a:rPr lang="ja-JP" sz="1000" dirty="0">
+              <a:rPr lang="en-US" sz="1000" spc="-20" dirty="0">
                 <a:solidFill>
                   <a:srgbClr val="020302"/>
                 </a:solidFill>
-                <a:latin typeface="Adobe Clean Han Regular" panose="020B0500000000000000" pitchFamily="34" charset="-128"/>
-                <a:ea typeface="Adobe Clean Han Regular" panose="020B0500000000000000" pitchFamily="34" charset="-128"/>
+                <a:latin typeface="AdobeClean-Light"/>
                 <a:cs typeface="AdobeClean-Light"/>
               </a:rPr>
-              <a:t>アドビカスタマーサポートでは、ドキュメントのオンラインリソースへのアクセス、ベストプラクティスのための他のエキスパートやお客様との連携、トラブルシューティングのヒントやテクニックのためのウェビナーシリーズ（Office Hours）</a:t>
-            </a:r>
-            <a:br>
-              <a:rPr lang="sk-SK" altLang="ja-JP" sz="1000" dirty="0">
+              <a:t>Adobe Customer Support offers a</a:t>
+            </a:r>
+            <a:r>
+              <a:rPr sz="1000" spc="-20" dirty="0">
                 <a:solidFill>
                   <a:srgbClr val="020302"/>
                 </a:solidFill>
-                <a:latin typeface="Adobe Clean Han Regular" panose="020B0500000000000000" pitchFamily="34" charset="-128"/>
-                <a:ea typeface="Adobe Clean Han Regular" panose="020B0500000000000000" pitchFamily="34" charset="-128"/>
+                <a:latin typeface="AdobeClean-Light"/>
                 <a:cs typeface="AdobeClean-Light"/>
               </a:rPr>
-            </a:br>
-            <a:r>
-              <a:rPr lang="ja-JP" sz="1000" dirty="0">
+              <a:t>ccess</a:t>
+            </a:r>
+            <a:r>
+              <a:rPr sz="1000" spc="-90" dirty="0">
                 <a:solidFill>
                   <a:srgbClr val="020302"/>
                 </a:solidFill>
-                <a:latin typeface="Adobe Clean Han Regular" panose="020B0500000000000000" pitchFamily="34" charset="-128"/>
-                <a:ea typeface="Adobe Clean Han Regular" panose="020B0500000000000000" pitchFamily="34" charset="-128"/>
+                <a:latin typeface="AdobeClean-Light"/>
                 <a:cs typeface="AdobeClean-Light"/>
               </a:rPr>
-              <a:t>を提供しています。また、質問やケース申請のために、いくつかのチャネルが用意されています。</a:t>
-            </a:r>
+              <a:t> </a:t>
+            </a:r>
+            <a:r>
+              <a:rPr sz="1000" spc="-10" dirty="0">
+                <a:solidFill>
+                  <a:srgbClr val="020302"/>
+                </a:solidFill>
+                <a:latin typeface="AdobeClean-Light"/>
+                <a:cs typeface="AdobeClean-Light"/>
+              </a:rPr>
+              <a:t>to</a:t>
+            </a:r>
+            <a:r>
+              <a:rPr sz="1000" spc="10" dirty="0">
+                <a:solidFill>
+                  <a:srgbClr val="020302"/>
+                </a:solidFill>
+                <a:latin typeface="AdobeClean-Light"/>
+                <a:cs typeface="AdobeClean-Light"/>
+              </a:rPr>
+              <a:t> </a:t>
+            </a:r>
+            <a:r>
+              <a:rPr lang="en-US" sz="1000" spc="-20" dirty="0">
+                <a:solidFill>
+                  <a:srgbClr val="020302"/>
+                </a:solidFill>
+                <a:latin typeface="AdobeClean-Light"/>
+                <a:cs typeface="AdobeClean-Light"/>
+              </a:rPr>
+              <a:t>online resources </a:t>
+            </a:r>
+            <a:r>
+              <a:rPr sz="1000" spc="-15" dirty="0">
+                <a:solidFill>
+                  <a:srgbClr val="020302"/>
+                </a:solidFill>
+                <a:latin typeface="AdobeClean-Light"/>
+                <a:cs typeface="AdobeClean-Light"/>
+              </a:rPr>
+              <a:t>for</a:t>
+            </a:r>
+            <a:r>
+              <a:rPr sz="1000" spc="-30" dirty="0">
+                <a:solidFill>
+                  <a:srgbClr val="020302"/>
+                </a:solidFill>
+                <a:latin typeface="AdobeClean-Light"/>
+                <a:cs typeface="AdobeClean-Light"/>
+              </a:rPr>
+              <a:t> </a:t>
+            </a:r>
+            <a:r>
+              <a:rPr sz="1000" spc="-15" dirty="0">
+                <a:solidFill>
+                  <a:srgbClr val="020302"/>
+                </a:solidFill>
+                <a:latin typeface="AdobeClean-Light"/>
+                <a:cs typeface="AdobeClean-Light"/>
+              </a:rPr>
+              <a:t>documentation,</a:t>
+            </a:r>
+            <a:r>
+              <a:rPr lang="en-US" sz="1000" spc="-15" dirty="0">
+                <a:solidFill>
+                  <a:srgbClr val="020302"/>
+                </a:solidFill>
+                <a:latin typeface="AdobeClean-Light"/>
+                <a:cs typeface="AdobeClean-Light"/>
+              </a:rPr>
+              <a:t> </a:t>
+            </a:r>
+            <a:r>
+              <a:rPr sz="1000" spc="-15" dirty="0">
+                <a:solidFill>
+                  <a:srgbClr val="020302"/>
+                </a:solidFill>
+                <a:latin typeface="AdobeClean-Light"/>
+                <a:cs typeface="AdobeClean-Light"/>
+              </a:rPr>
+              <a:t>engagement</a:t>
+            </a:r>
+            <a:r>
+              <a:rPr lang="en-US" sz="1000" spc="-15" dirty="0">
+                <a:solidFill>
+                  <a:srgbClr val="020302"/>
+                </a:solidFill>
+                <a:latin typeface="AdobeClean-Light"/>
+                <a:cs typeface="AdobeClean-Light"/>
+              </a:rPr>
+              <a:t> </a:t>
+            </a:r>
+            <a:r>
+              <a:rPr sz="1000" spc="-15" dirty="0">
+                <a:solidFill>
+                  <a:srgbClr val="020302"/>
+                </a:solidFill>
+                <a:latin typeface="AdobeClean-Light"/>
+                <a:cs typeface="AdobeClean-Light"/>
+              </a:rPr>
+              <a:t>with</a:t>
+            </a:r>
+            <a:r>
+              <a:rPr sz="1000" spc="-35" dirty="0">
+                <a:solidFill>
+                  <a:srgbClr val="020302"/>
+                </a:solidFill>
+                <a:latin typeface="AdobeClean-Light"/>
+                <a:cs typeface="AdobeClean-Light"/>
+              </a:rPr>
+              <a:t> </a:t>
+            </a:r>
+            <a:r>
+              <a:rPr sz="1000" spc="-20" dirty="0">
+                <a:solidFill>
+                  <a:srgbClr val="020302"/>
+                </a:solidFill>
+                <a:latin typeface="AdobeClean-Light"/>
+                <a:cs typeface="AdobeClean-Light"/>
+              </a:rPr>
+              <a:t>other experts </a:t>
+            </a:r>
+            <a:r>
+              <a:rPr sz="1000" spc="-15" dirty="0">
+                <a:solidFill>
+                  <a:srgbClr val="020302"/>
+                </a:solidFill>
+                <a:latin typeface="AdobeClean-Light"/>
+                <a:cs typeface="AdobeClean-Light"/>
+              </a:rPr>
+              <a:t>and </a:t>
+            </a:r>
+            <a:r>
+              <a:rPr sz="1000" spc="-20" dirty="0">
+                <a:solidFill>
+                  <a:srgbClr val="020302"/>
+                </a:solidFill>
+                <a:latin typeface="AdobeClean-Light"/>
+                <a:cs typeface="AdobeClean-Light"/>
+              </a:rPr>
+              <a:t>customers </a:t>
+            </a:r>
+            <a:r>
+              <a:rPr sz="1000" spc="-15" dirty="0">
+                <a:solidFill>
+                  <a:srgbClr val="020302"/>
+                </a:solidFill>
+                <a:latin typeface="AdobeClean-Light"/>
+                <a:cs typeface="AdobeClean-Light"/>
+              </a:rPr>
+              <a:t>for best </a:t>
+            </a:r>
+            <a:r>
+              <a:rPr sz="1000" spc="-20" dirty="0">
+                <a:solidFill>
+                  <a:srgbClr val="020302"/>
+                </a:solidFill>
+                <a:latin typeface="AdobeClean-Light"/>
+                <a:cs typeface="AdobeClean-Light"/>
+              </a:rPr>
+              <a:t>practices, </a:t>
+            </a:r>
+            <a:r>
+              <a:rPr sz="1000" spc="-15" dirty="0">
+                <a:solidFill>
+                  <a:srgbClr val="020302"/>
+                </a:solidFill>
+                <a:latin typeface="AdobeClean-Light"/>
+                <a:cs typeface="AdobeClean-Light"/>
+              </a:rPr>
+              <a:t>and </a:t>
+            </a:r>
+            <a:r>
+              <a:rPr sz="1000" spc="-20" dirty="0">
+                <a:solidFill>
+                  <a:srgbClr val="020302"/>
+                </a:solidFill>
+                <a:latin typeface="AdobeClean-Light"/>
+                <a:cs typeface="AdobeClean-Light"/>
+              </a:rPr>
+              <a:t>webinar series (Office </a:t>
+            </a:r>
+            <a:r>
+              <a:rPr sz="1000" spc="-15" dirty="0">
+                <a:solidFill>
+                  <a:srgbClr val="020302"/>
+                </a:solidFill>
+                <a:latin typeface="AdobeClean-Light"/>
+                <a:cs typeface="AdobeClean-Light"/>
+              </a:rPr>
+              <a:t>Hours) for </a:t>
+            </a:r>
+            <a:r>
+              <a:rPr sz="1000" spc="-20" dirty="0">
+                <a:solidFill>
+                  <a:srgbClr val="020302"/>
+                </a:solidFill>
+                <a:latin typeface="AdobeClean-Light"/>
+                <a:cs typeface="AdobeClean-Light"/>
+              </a:rPr>
+              <a:t>troubleshooting </a:t>
+            </a:r>
+            <a:r>
+              <a:rPr sz="1000" spc="-15" dirty="0">
+                <a:solidFill>
+                  <a:srgbClr val="020302"/>
+                </a:solidFill>
+                <a:latin typeface="AdobeClean-Light"/>
+                <a:cs typeface="AdobeClean-Light"/>
+              </a:rPr>
+              <a:t>tips and </a:t>
+            </a:r>
+            <a:r>
+              <a:rPr sz="1000" spc="-20" dirty="0">
+                <a:solidFill>
+                  <a:srgbClr val="020302"/>
+                </a:solidFill>
+                <a:latin typeface="AdobeClean-Light"/>
+                <a:cs typeface="AdobeClean-Light"/>
+              </a:rPr>
+              <a:t>tricks. Several channels </a:t>
+            </a:r>
+            <a:r>
+              <a:rPr lang="en-US" sz="1000" spc="-15" dirty="0">
+                <a:solidFill>
+                  <a:srgbClr val="020302"/>
+                </a:solidFill>
+                <a:latin typeface="AdobeClean-Light"/>
+                <a:cs typeface="AdobeClean-Light"/>
+              </a:rPr>
+              <a:t>are </a:t>
+            </a:r>
+            <a:r>
+              <a:rPr lang="en-US" sz="1000" spc="-20" dirty="0">
+                <a:solidFill>
+                  <a:srgbClr val="020302"/>
+                </a:solidFill>
+                <a:latin typeface="AdobeClean-Light"/>
+                <a:cs typeface="AdobeClean-Light"/>
+              </a:rPr>
+              <a:t>also</a:t>
+            </a:r>
+            <a:r>
+              <a:rPr lang="en-US" sz="1000" dirty="0">
+                <a:latin typeface="AdobeClean-Light"/>
+                <a:cs typeface="AdobeClean-Light"/>
+              </a:rPr>
+              <a:t> </a:t>
+            </a:r>
+            <a:r>
+              <a:rPr sz="1000" spc="-25" dirty="0">
+                <a:solidFill>
+                  <a:srgbClr val="020302"/>
+                </a:solidFill>
+                <a:latin typeface="AdobeClean-Light"/>
+                <a:cs typeface="AdobeClean-Light"/>
+              </a:rPr>
+              <a:t>available</a:t>
+            </a:r>
+            <a:r>
+              <a:rPr sz="1000" spc="-65" dirty="0">
+                <a:solidFill>
+                  <a:srgbClr val="020302"/>
+                </a:solidFill>
+                <a:latin typeface="AdobeClean-Light"/>
+                <a:cs typeface="AdobeClean-Light"/>
+              </a:rPr>
+              <a:t> </a:t>
+            </a:r>
+            <a:r>
+              <a:rPr sz="1000" spc="-15" dirty="0">
+                <a:solidFill>
+                  <a:srgbClr val="020302"/>
+                </a:solidFill>
+                <a:latin typeface="AdobeClean-Light"/>
+                <a:cs typeface="AdobeClean-Light"/>
+              </a:rPr>
+              <a:t>for</a:t>
+            </a:r>
+            <a:r>
+              <a:rPr sz="1000" spc="-25" dirty="0">
+                <a:solidFill>
+                  <a:srgbClr val="020302"/>
+                </a:solidFill>
+                <a:latin typeface="AdobeClean-Light"/>
+                <a:cs typeface="AdobeClean-Light"/>
+              </a:rPr>
+              <a:t> </a:t>
+            </a:r>
+            <a:r>
+              <a:rPr sz="1000" spc="-20" dirty="0">
+                <a:solidFill>
+                  <a:srgbClr val="020302"/>
+                </a:solidFill>
+                <a:latin typeface="AdobeClean-Light"/>
+                <a:cs typeface="AdobeClean-Light"/>
+              </a:rPr>
+              <a:t>questions</a:t>
+            </a:r>
+            <a:r>
+              <a:rPr sz="1000" spc="-114" dirty="0">
+                <a:solidFill>
+                  <a:srgbClr val="020302"/>
+                </a:solidFill>
+                <a:latin typeface="AdobeClean-Light"/>
+                <a:cs typeface="AdobeClean-Light"/>
+              </a:rPr>
+              <a:t> </a:t>
+            </a:r>
+            <a:r>
+              <a:rPr sz="1000" spc="-15" dirty="0">
+                <a:solidFill>
+                  <a:srgbClr val="020302"/>
+                </a:solidFill>
+                <a:latin typeface="AdobeClean-Light"/>
+                <a:cs typeface="AdobeClean-Light"/>
+              </a:rPr>
+              <a:t>and</a:t>
+            </a:r>
+            <a:r>
+              <a:rPr sz="1000" spc="-45" dirty="0">
+                <a:solidFill>
+                  <a:srgbClr val="020302"/>
+                </a:solidFill>
+                <a:latin typeface="AdobeClean-Light"/>
+                <a:cs typeface="AdobeClean-Light"/>
+              </a:rPr>
+              <a:t> </a:t>
+            </a:r>
+            <a:r>
+              <a:rPr sz="1000" spc="-20" dirty="0">
+                <a:solidFill>
+                  <a:srgbClr val="020302"/>
+                </a:solidFill>
+                <a:latin typeface="AdobeClean-Light"/>
+                <a:cs typeface="AdobeClean-Light"/>
+              </a:rPr>
+              <a:t>case</a:t>
+            </a:r>
+            <a:r>
+              <a:rPr sz="1000" spc="-35" dirty="0">
+                <a:solidFill>
+                  <a:srgbClr val="020302"/>
+                </a:solidFill>
+                <a:latin typeface="AdobeClean-Light"/>
+                <a:cs typeface="AdobeClean-Light"/>
+              </a:rPr>
+              <a:t> </a:t>
+            </a:r>
+            <a:r>
+              <a:rPr sz="1000" spc="-20" dirty="0">
+                <a:solidFill>
+                  <a:srgbClr val="020302"/>
+                </a:solidFill>
+                <a:latin typeface="AdobeClean-Light"/>
+                <a:cs typeface="AdobeClean-Light"/>
+              </a:rPr>
+              <a:t>submissions</a:t>
+            </a:r>
+            <a:r>
+              <a:rPr lang="en-US" sz="1000" spc="-20" dirty="0">
+                <a:solidFill>
+                  <a:srgbClr val="020302"/>
+                </a:solidFill>
+                <a:latin typeface="AdobeClean-Light"/>
+                <a:cs typeface="AdobeClean-Light"/>
+              </a:rPr>
+              <a:t>.</a:t>
+            </a:r>
+            <a:endParaRPr sz="1000" dirty="0">
+              <a:latin typeface="AdobeClean-Light"/>
+              <a:cs typeface="AdobeClean-Light"/>
+            </a:endParaRPr>
           </a:p>
         </p:txBody>
       </p:sp>
@@ -8508,22 +9321,19 @@
         <p:spPr>
           <a:xfrm>
             <a:off x="206585" y="8494028"/>
-            <a:ext cx="3270885" cy="579646"/>
+            <a:ext cx="3270885" cy="302647"/>
           </a:xfrm>
           <a:prstGeom prst="rect">
             <a:avLst/>
           </a:prstGeom>
         </p:spPr>
         <p:txBody>
-          <a:bodyPr vert="horz" wrap="square" lIns="0" tIns="12700" rIns="0" bIns="0" rtlCol="0">
+          <a:bodyPr vert="horz" wrap="square" lIns="0" tIns="12700" rIns="0" bIns="0" rtlCol="0" anchor="t">
             <a:spAutoFit/>
           </a:bodyPr>
           <a:lstStyle/>
           <a:p>
             <a:pPr marL="33020" marR="159385">
-              <a:lnSpc>
-                <a:spcPct val="100000"/>
-              </a:lnSpc>
               <a:spcBef>
                 <a:spcPts val="100"/>
               </a:spcBef>
@@ -8532,15 +9342,174 @@
               </a:tabLst>
             </a:pPr>
             <a:r>
-              <a:rPr lang="ja-JP" sz="900">
+              <a:rPr sz="900" spc="-20" dirty="0">
                 <a:solidFill>
                   <a:srgbClr val="020302"/>
                 </a:solidFill>
-                <a:latin typeface="Adobe Clean Han Regular" panose="020B0500000000000000" pitchFamily="34" charset="-128"/>
-                <a:ea typeface="Adobe Clean Han Regular" panose="020B0500000000000000" pitchFamily="34" charset="-128"/>
+                <a:latin typeface="AdobeClean-Light"/>
                 <a:cs typeface="AdobeClean-Light"/>
               </a:rPr>
-              <a:t>チャットセッションを開始すると、回答やケース申請による支援を受けることができます。</a:t>
+              <a:t>Start </a:t>
+            </a:r>
+            <a:r>
+              <a:rPr sz="900" dirty="0">
+                <a:solidFill>
+                  <a:srgbClr val="020302"/>
+                </a:solidFill>
+                <a:latin typeface="AdobeClean-Light"/>
+                <a:cs typeface="AdobeClean-Light"/>
+              </a:rPr>
+              <a:t>a </a:t>
+            </a:r>
+            <a:r>
+              <a:rPr sz="900" spc="-15" dirty="0">
+                <a:solidFill>
+                  <a:srgbClr val="020302"/>
+                </a:solidFill>
+                <a:latin typeface="AdobeClean-Light"/>
+                <a:cs typeface="AdobeClean-Light"/>
+              </a:rPr>
+              <a:t>chat </a:t>
+            </a:r>
+            <a:r>
+              <a:rPr sz="900" spc="-10" dirty="0">
+                <a:solidFill>
+                  <a:srgbClr val="020302"/>
+                </a:solidFill>
+                <a:latin typeface="AdobeClean-Light"/>
+                <a:cs typeface="AdobeClean-Light"/>
+              </a:rPr>
+              <a:t>session </a:t>
+            </a:r>
+            <a:r>
+              <a:rPr sz="900" spc="-5" dirty="0">
+                <a:solidFill>
+                  <a:srgbClr val="020302"/>
+                </a:solidFill>
+                <a:latin typeface="AdobeClean-Light"/>
+                <a:cs typeface="AdobeClean-Light"/>
+              </a:rPr>
+              <a:t>to </a:t>
+            </a:r>
+            <a:r>
+              <a:rPr sz="900" spc="-10" dirty="0">
+                <a:solidFill>
+                  <a:srgbClr val="020302"/>
+                </a:solidFill>
+                <a:latin typeface="AdobeClean-Light"/>
+                <a:cs typeface="AdobeClean-Light"/>
+              </a:rPr>
+              <a:t>get</a:t>
+            </a:r>
+            <a:r>
+              <a:rPr lang="en-US" sz="900" spc="-10" dirty="0">
+                <a:solidFill>
+                  <a:srgbClr val="020302"/>
+                </a:solidFill>
+                <a:latin typeface="AdobeClean-Light"/>
+                <a:cs typeface="AdobeClean-Light"/>
+              </a:rPr>
+              <a:t> </a:t>
+            </a:r>
+            <a:r>
+              <a:rPr sz="900" spc="30" dirty="0">
+                <a:solidFill>
+                  <a:srgbClr val="020302"/>
+                </a:solidFill>
+                <a:latin typeface="AdobeClean-Light"/>
+                <a:cs typeface="AdobeClean-Light"/>
+              </a:rPr>
+              <a:t> </a:t>
+            </a:r>
+            <a:r>
+              <a:rPr sz="900" spc="-20" dirty="0">
+                <a:solidFill>
+                  <a:srgbClr val="020302"/>
+                </a:solidFill>
+                <a:latin typeface="AdobeClean-Light"/>
+                <a:cs typeface="AdobeClean-Light"/>
+              </a:rPr>
+              <a:t>answers</a:t>
+            </a:r>
+            <a:r>
+              <a:rPr lang="en-US" sz="900" spc="-45" dirty="0">
+                <a:solidFill>
+                  <a:srgbClr val="020302"/>
+                </a:solidFill>
+                <a:latin typeface="AdobeClean-Light"/>
+                <a:cs typeface="AdobeClean-Light"/>
+              </a:rPr>
+              <a:t> </a:t>
+            </a:r>
+            <a:r>
+              <a:rPr lang="en-US" sz="900" dirty="0">
+                <a:solidFill>
+                  <a:srgbClr val="020302"/>
+                </a:solidFill>
+                <a:latin typeface="AdobeClean-Light"/>
+                <a:cs typeface="AdobeClean-Light"/>
+              </a:rPr>
+              <a:t>&amp; </a:t>
+            </a:r>
+            <a:r>
+              <a:rPr sz="900" spc="-15" dirty="0">
+                <a:solidFill>
+                  <a:srgbClr val="020302"/>
+                </a:solidFill>
+                <a:latin typeface="AdobeClean-Light"/>
+                <a:cs typeface="AdobeClean-Light"/>
+              </a:rPr>
+              <a:t>help </a:t>
+            </a:r>
+            <a:r>
+              <a:rPr sz="900" spc="-10" dirty="0">
+                <a:solidFill>
+                  <a:srgbClr val="020302"/>
+                </a:solidFill>
+                <a:latin typeface="AdobeClean-Light"/>
+                <a:cs typeface="AdobeClean-Light"/>
+              </a:rPr>
+              <a:t>with</a:t>
+            </a:r>
+            <a:r>
+              <a:rPr sz="900" spc="85" dirty="0">
+                <a:solidFill>
+                  <a:srgbClr val="020302"/>
+                </a:solidFill>
+                <a:latin typeface="AdobeClean-Light"/>
+                <a:cs typeface="AdobeClean-Light"/>
+              </a:rPr>
+              <a:t> </a:t>
+            </a:r>
+            <a:r>
+              <a:rPr sz="900" spc="-10" dirty="0">
+                <a:solidFill>
+                  <a:srgbClr val="020302"/>
+                </a:solidFill>
+                <a:latin typeface="AdobeClean-Light"/>
+                <a:cs typeface="AdobeClean-Light"/>
+              </a:rPr>
+              <a:t>case </a:t>
+            </a:r>
+            <a:r>
+              <a:rPr sz="900" spc="-20" dirty="0">
+                <a:solidFill>
+                  <a:srgbClr val="020302"/>
+                </a:solidFill>
+                <a:latin typeface="AdobeClean-Light"/>
+                <a:cs typeface="AdobeClean-Light"/>
+              </a:rPr>
+              <a:t>submission</a:t>
+            </a:r>
+            <a:r>
+              <a:rPr lang="en-US" sz="900" spc="-20" dirty="0">
+                <a:solidFill>
+                  <a:srgbClr val="020302"/>
+                </a:solidFill>
+                <a:latin typeface="AdobeClean-Light"/>
+                <a:cs typeface="AdobeClean-Light"/>
+              </a:rPr>
+              <a:t>.</a:t>
             </a:r>
           </a:p>
           <a:p>
@@ -8556,16 +9525,29 @@
               </a:tabLst>
             </a:pPr>
             <a:r>
-              <a:rPr lang="ja-JP" sz="900" i="1">
+              <a:rPr sz="900" i="1" spc="-10" dirty="0">
                 <a:solidFill>
                   <a:srgbClr val="7A7A7A"/>
                 </a:solidFill>
-                <a:latin typeface="Adobe Clean Han Regular" panose="020B0500000000000000" pitchFamily="34" charset="-128"/>
-                <a:ea typeface="Adobe Clean Han Regular" panose="020B0500000000000000" pitchFamily="34" charset="-128"/>
+                <a:latin typeface="AdobeClean-LightIt"/>
                 <a:cs typeface="AdobeClean-LightIt"/>
               </a:rPr>
-              <a:t>* すべての製品にライブチャットサポートがあるわけではありません。  </a:t>
-            </a:r>
+              <a:t>*Not all </a:t>
+            </a:r>
+            <a:r>
+              <a:rPr sz="900" i="1" spc="-20" dirty="0">
+                <a:solidFill>
+                  <a:srgbClr val="7A7A7A"/>
+                </a:solidFill>
+                <a:latin typeface="AdobeClean-LightIt"/>
+                <a:cs typeface="AdobeClean-LightIt"/>
+              </a:rPr>
+              <a:t>products have live chat support.  </a:t>
+            </a:r>
+            <a:endParaRPr sz="900" dirty="0">
+              <a:latin typeface="AdobeClean-Light"/>
+              <a:cs typeface="AdobeClean-Light"/>
+            </a:endParaRPr>
           </a:p>
         </p:txBody>
       </p:sp>
@@ -8594,10 +9576,7 @@
           <a:bodyPr wrap="square" lIns="0" tIns="0" rIns="0" bIns="0" rtlCol="0"/>
           <a:lstStyle/>
           <a:p>
-            <a:endParaRPr>
-              <a:latin typeface="Adobe Clean Han Regular" panose="020B0500000000000000" pitchFamily="34" charset="-128"/>
-              <a:ea typeface="Adobe Clean Han Regular" panose="020B0500000000000000" pitchFamily="34" charset="-128"/>
-            </a:endParaRPr>
+            <a:endParaRPr/>
           </a:p>
         </p:txBody>
       </p:sp>
@@ -8616,7 +9595,7 @@
         <p:spPr>
           <a:xfrm>
             <a:off x="244599" y="1037692"/>
-            <a:ext cx="1856598" cy="307777"/>
+            <a:ext cx="1327286" cy="307777"/>
           </a:xfrm>
           <a:prstGeom prst="rect">
             <a:avLst/>
@@ -8637,16 +9616,19 @@
               </a:spcBef>
             </a:pPr>
             <a:r>
-              <a:rPr lang="ja-JP" sz="1400" b="1">
+              <a:rPr lang="en-US" sz="1400" b="1" spc="-10" dirty="0">
                 <a:solidFill>
                   <a:srgbClr val="020302"/>
                 </a:solidFill>
-                <a:latin typeface="Adobe Clean Han Regular" panose="020B0500000000000000" pitchFamily="34" charset="-128"/>
-                <a:ea typeface="Adobe Clean Han Regular" panose="020B0500000000000000" pitchFamily="34" charset="-128"/>
+                <a:latin typeface="Adobe Clean"/>
                 <a:cs typeface="Adobe Clean"/>
               </a:rPr>
-              <a:t>オンラインサポート</a:t>
-            </a:r>
+              <a:t>Online Support</a:t>
+            </a:r>
+            <a:endParaRPr lang="en-US" sz="1400" dirty="0">
+              <a:latin typeface="Adobe Clean"/>
+              <a:cs typeface="Adobe Clean"/>
+            </a:endParaRPr>
           </a:p>
         </p:txBody>
       </p:sp>
@@ -8666,8 +9648,8 @@
         </p:nvSpPr>
         <p:spPr>
           <a:xfrm>
-            <a:off x="296035" y="3364174"/>
-            <a:ext cx="1805159" cy="184666"/>
+            <a:off x="296036" y="3364174"/>
+            <a:ext cx="1568246" cy="184666"/>
           </a:xfrm>
           <a:prstGeom prst="rect">
             <a:avLst/>
@@ -8693,14 +9675,12 @@
               <a:defRPr/>
             </a:pPr>
             <a:r>
-              <a:rPr lang="ja-JP" sz="1200" dirty="0">
+              <a:rPr lang="en-US" sz="1200" dirty="0">
                 <a:solidFill>
                   <a:srgbClr val="000000"/>
                 </a:solidFill>
-                <a:latin typeface="Adobe Clean Han Regular" panose="020B0500000000000000" pitchFamily="34" charset="-128"/>
-                <a:ea typeface="Adobe Clean Han Regular" panose="020B0500000000000000" pitchFamily="34" charset="-128"/>
-              </a:rPr>
-              <a:t>コミュニティフォーラム</a:t>
+              </a:rPr>
+              <a:t>Community Forums</a:t>
             </a:r>
           </a:p>
         </p:txBody>
@@ -8721,8 +9701,8 @@
         </p:nvSpPr>
         <p:spPr>
           <a:xfrm>
-            <a:off x="296035" y="3607329"/>
-            <a:ext cx="1805157" cy="184666"/>
+            <a:off x="296036" y="3607329"/>
+            <a:ext cx="959314" cy="184666"/>
           </a:xfrm>
           <a:prstGeom prst="rect">
             <a:avLst/>
@@ -8743,12 +9723,12 @@
               </a:spcAft>
             </a:pPr>
             <a:r>
-              <a:rPr lang="ja-JP" sz="1200" b="1" dirty="0">
-                <a:latin typeface="Adobe Clean Han Regular" panose="020B0500000000000000" pitchFamily="34" charset="-128"/>
-                <a:ea typeface="Adobe Clean Han Regular" panose="020B0500000000000000" pitchFamily="34" charset="-128"/>
+              <a:rPr lang="en-US" sz="1200" b="1" dirty="0">
+                <a:latin typeface="+mj-lt"/>
+                <a:ea typeface="Open Sans" pitchFamily="34" charset="0"/>
                 <a:cs typeface="Open Sans" pitchFamily="34" charset="0"/>
               </a:rPr>
-              <a:t>オンラインフォーラム</a:t>
+              <a:t>Online Forums</a:t>
             </a:r>
           </a:p>
         </p:txBody>
@@ -8767,8 +9747,8 @@
         </p:nvSpPr>
         <p:spPr>
           <a:xfrm>
-            <a:off x="244599" y="3962400"/>
-            <a:ext cx="3413002" cy="805349"/>
+            <a:off x="244599" y="3893151"/>
+            <a:ext cx="3413002" cy="651460"/>
           </a:xfrm>
           <a:prstGeom prst="rect">
             <a:avLst/>
@@ -8781,14 +9761,13 @@
           <a:lstStyle/>
           <a:p>
             <a:r>
-              <a:rPr lang="ja-JP" sz="1000" dirty="0">
+              <a:rPr lang="en-US" sz="1000" dirty="0">
                 <a:solidFill>
                   <a:srgbClr val="000000"/>
                 </a:solidFill>
-                <a:latin typeface="Adobe Clean Han Regular" panose="020B0500000000000000" pitchFamily="34" charset="-128"/>
-                <a:ea typeface="Adobe Clean Han Regular" panose="020B0500000000000000" pitchFamily="34" charset="-128"/>
-              </a:rPr>
-              <a:t>テクニカルソリューション、製品ドキュメント、FAQ などの増大するデータベースにオンラインで継続的にアクセスできます。また、アドビコミュニティで実務担当者や他のお客様と繋がり、ベストプラクティスや学習した内容を共有できます。</a:t>
+                <a:latin typeface="Adobe Clean Light" panose="020B0303020404020204" pitchFamily="34" charset="0"/>
+              </a:rPr>
+              <a:t>Continuous online access to a growing database of technical solutions, product documentation, FAQs and more. Connect with practitioners and other customers on Adobe Community to share best practices and lessons learned.</a:t>
             </a:r>
           </a:p>
         </p:txBody>
@@ -8836,12 +9815,10 @@
               <a:defRPr/>
             </a:pPr>
             <a:r>
-              <a:rPr lang="ja-JP" sz="1200">
+              <a:rPr lang="en-US" sz="1200" dirty="0">
                 <a:solidFill>
                   <a:srgbClr val="000000"/>
                 </a:solidFill>
-                <a:latin typeface="Adobe Clean Han Regular" panose="020B0500000000000000" pitchFamily="34" charset="-128"/>
-                <a:ea typeface="Adobe Clean Han Regular" panose="020B0500000000000000" pitchFamily="34" charset="-128"/>
               </a:rPr>
               <a:t>Experience League</a:t>
             </a:r>
@@ -8865,7 +9842,7 @@
         <p:spPr>
           <a:xfrm>
             <a:off x="235430" y="5871701"/>
-            <a:ext cx="1745671" cy="184666"/>
+            <a:ext cx="1316707" cy="184666"/>
           </a:xfrm>
           <a:prstGeom prst="rect">
             <a:avLst/>
@@ -8886,12 +9863,12 @@
               </a:spcAft>
             </a:pPr>
             <a:r>
-              <a:rPr lang="ja-JP" sz="1200" b="1" dirty="0">
-                <a:latin typeface="Adobe Clean Han Regular" panose="020B0500000000000000" pitchFamily="34" charset="-128"/>
-                <a:ea typeface="Adobe Clean Han Regular" panose="020B0500000000000000" pitchFamily="34" charset="-128"/>
+              <a:rPr lang="en-US" sz="1200" b="1" dirty="0">
+                <a:latin typeface="+mj-lt"/>
+                <a:ea typeface="Open Sans" pitchFamily="34" charset="0"/>
                 <a:cs typeface="Open Sans" pitchFamily="34" charset="0"/>
               </a:rPr>
-              <a:t>セルフガイドジャーニー</a:t>
+              <a:t>Self-guided Journeys</a:t>
             </a:r>
           </a:p>
         </p:txBody>
@@ -8911,7 +9888,7 @@
         <p:spPr>
           <a:xfrm>
             <a:off x="257325" y="6132567"/>
-            <a:ext cx="3413002" cy="959237"/>
+            <a:ext cx="3413002" cy="651460"/>
           </a:xfrm>
           <a:prstGeom prst="rect">
             <a:avLst/>
@@ -8924,14 +9901,13 @@
           <a:lstStyle/>
           <a:p>
             <a:r>
-              <a:rPr lang="ja-JP" sz="1000" dirty="0">
+              <a:rPr lang="en-US" sz="1000" dirty="0">
                 <a:solidFill>
                   <a:srgbClr val="000000"/>
                 </a:solidFill>
-                <a:latin typeface="Adobe Clean Han Regular" panose="020B0500000000000000" pitchFamily="34" charset="-128"/>
-                <a:ea typeface="Adobe Clean Han Regular" panose="020B0500000000000000" pitchFamily="34" charset="-128"/>
-              </a:rPr>
-              <a:t>エクスペリエンスメーカーは、Experience League から誕生します。Experience League に参加すると、パーソナライズされた学習で、顧客体験管理能力を強化することができます。スキルの向上や、グローバルコミュニティでの仲間との交流のほか、キャリアアップに役立つ評価の獲得も可能です。 </a:t>
+                <a:latin typeface="Adobe Clean Light" panose="020B0303020404020204" pitchFamily="34" charset="0"/>
+              </a:rPr>
+              <a:t>Experience Makers are made with Experience League. Customers can kickstart their Customer Experience Management abilities with personalized learning to develop skills, engage with a global community of peers, and earn career advancing recognition. </a:t>
             </a:r>
           </a:p>
         </p:txBody>
@@ -8979,12 +9955,10 @@
               <a:defRPr/>
             </a:pPr>
             <a:r>
-              <a:rPr lang="ja-JP" sz="1200">
+              <a:rPr lang="en-US" sz="1200" dirty="0">
                 <a:solidFill>
                   <a:srgbClr val="000000"/>
                 </a:solidFill>
-                <a:latin typeface="Adobe Clean Han Regular" panose="020B0500000000000000" pitchFamily="34" charset="-128"/>
-                <a:ea typeface="Adobe Clean Han Regular" panose="020B0500000000000000" pitchFamily="34" charset="-128"/>
               </a:rPr>
               <a:t>Office Hours</a:t>
             </a:r>
@@ -9008,7 +9982,7 @@
         <p:spPr>
           <a:xfrm>
             <a:off x="3846881" y="3607329"/>
-            <a:ext cx="793487" cy="184666"/>
+            <a:ext cx="604974" cy="184666"/>
           </a:xfrm>
           <a:prstGeom prst="rect">
             <a:avLst/>
@@ -9029,12 +10003,12 @@
               </a:spcAft>
             </a:pPr>
             <a:r>
-              <a:rPr lang="ja-JP" sz="1200" b="1">
-                <a:latin typeface="Adobe Clean Han Regular" panose="020B0500000000000000" pitchFamily="34" charset="-128"/>
-                <a:ea typeface="Adobe Clean Han Regular" panose="020B0500000000000000" pitchFamily="34" charset="-128"/>
+              <a:rPr lang="en-US" sz="1200" b="1" dirty="0">
+                <a:latin typeface="+mj-lt"/>
+                <a:ea typeface="Open Sans" pitchFamily="34" charset="0"/>
                 <a:cs typeface="Open Sans" pitchFamily="34" charset="0"/>
               </a:rPr>
-              <a:t>ウェビナー</a:t>
+              <a:t>Webinars</a:t>
             </a:r>
           </a:p>
         </p:txBody>
@@ -9054,7 +10028,7 @@
         <p:spPr>
           <a:xfrm>
             <a:off x="3810000" y="3893151"/>
-            <a:ext cx="3413002" cy="805349"/>
+            <a:ext cx="3413002" cy="651460"/>
           </a:xfrm>
           <a:prstGeom prst="rect">
             <a:avLst/>
@@ -9067,14 +10041,13 @@
           <a:lstStyle/>
           <a:p>
             <a:r>
-              <a:rPr lang="ja-JP" sz="1000">
+              <a:rPr lang="en-US" sz="1000" dirty="0">
                 <a:solidFill>
                   <a:srgbClr val="000000"/>
                 </a:solidFill>
-                <a:latin typeface="Adobe Clean Han Regular" panose="020B0500000000000000" pitchFamily="34" charset="-128"/>
-                <a:ea typeface="Adobe Clean Han Regular" panose="020B0500000000000000" pitchFamily="34" charset="-128"/>
-              </a:rPr>
-              <a:t>アドビカスタマーサポートチームによる Office Hours には、参加者に情報を提供するだけでなく、問題のトラブルシューティングやアドビソリューションで成功するためのヒントやテクニックを紹介することを目的としたセッションが含まれています。</a:t>
+                <a:latin typeface="Adobe Clean Light" panose="020B0303020404020204" pitchFamily="34" charset="0"/>
+              </a:rPr>
+              <a:t>Office  Hours  led  by  the  Adobe  Customer Support  team  includes  sessions  designed to  inform  as  well  as  help  participants troubleshoot  problems  and  provide  tips and  tricks  for  success  with  Adobe  solutions.</a:t>
             </a:r>
           </a:p>
         </p:txBody>
@@ -9122,14 +10095,12 @@
               <a:defRPr/>
             </a:pPr>
             <a:r>
-              <a:rPr lang="ja-JP" sz="1200" dirty="0">
+              <a:rPr lang="en-US" sz="1200" dirty="0">
                 <a:solidFill>
                   <a:srgbClr val="000000"/>
                 </a:solidFill>
-                <a:latin typeface="Adobe Clean Han Regular" panose="020B0500000000000000" pitchFamily="34" charset="-128"/>
-                <a:ea typeface="Adobe Clean Han Regular" panose="020B0500000000000000" pitchFamily="34" charset="-128"/>
-              </a:rPr>
-              <a:t>セルフサービスポータル</a:t>
+              </a:rPr>
+              <a:t>Self-help Portals</a:t>
             </a:r>
           </a:p>
         </p:txBody>
@@ -9151,7 +10122,7 @@
         <p:spPr>
           <a:xfrm>
             <a:off x="3827103" y="5871701"/>
-            <a:ext cx="2597634" cy="184666"/>
+            <a:ext cx="1267206" cy="184666"/>
           </a:xfrm>
           <a:prstGeom prst="rect">
             <a:avLst/>
@@ -9172,12 +10143,12 @@
               </a:spcAft>
             </a:pPr>
             <a:r>
-              <a:rPr lang="ja-JP" sz="1200" b="1" dirty="0">
-                <a:latin typeface="Adobe Clean Han Regular" panose="020B0500000000000000" pitchFamily="34" charset="-128"/>
-                <a:ea typeface="Adobe Clean Han Regular" panose="020B0500000000000000" pitchFamily="34" charset="-128"/>
+              <a:rPr lang="en-US" sz="1200" b="1" dirty="0">
+                <a:latin typeface="+mj-lt"/>
+                <a:ea typeface="Open Sans" pitchFamily="34" charset="0"/>
                 <a:cs typeface="Open Sans" pitchFamily="34" charset="0"/>
               </a:rPr>
-              <a:t>24 時間年中無休のサポートポータル</a:t>
+              <a:t>24/7 Support Portal</a:t>
             </a:r>
           </a:p>
         </p:txBody>
@@ -9197,7 +10168,7 @@
         <p:spPr>
           <a:xfrm>
             <a:off x="3849036" y="6132567"/>
-            <a:ext cx="3413002" cy="805349"/>
+            <a:ext cx="3413002" cy="497572"/>
           </a:xfrm>
           <a:prstGeom prst="rect">
             <a:avLst/>
@@ -9210,14 +10181,13 @@
           <a:lstStyle/>
           <a:p>
             <a:r>
-              <a:rPr lang="ja-JP" sz="1000">
+              <a:rPr lang="en-US" sz="1000" dirty="0">
                 <a:solidFill>
                   <a:srgbClr val="000000"/>
                 </a:solidFill>
-                <a:latin typeface="Adobe Clean Han Regular" panose="020B0500000000000000" pitchFamily="34" charset="-128"/>
-                <a:ea typeface="Adobe Clean Han Regular" panose="020B0500000000000000" pitchFamily="34" charset="-128"/>
-              </a:rPr>
-              <a:t>オンラインのセルフサービスサポートポータルにオンデマンドでアクセスして、サポートリクエストを申請したり、ケースのステータスを確認したり、その他のリソース（ナレッジベース、ニュースとアラート、注目すべきヒントなど）を参照したりできます。</a:t>
+                <a:latin typeface="Adobe Clean Light" panose="020B0303020404020204" pitchFamily="34" charset="0"/>
+              </a:rPr>
+              <a:t>On-demand access to the online Self-help Support Portal to submit support requests, review case status, and browse other resources, like our knowledgebase, news and alerts, featured tips, and more.</a:t>
             </a:r>
           </a:p>
         </p:txBody>
@@ -9265,14 +10235,12 @@
               <a:defRPr/>
             </a:pPr>
             <a:r>
-              <a:rPr lang="ja-JP" sz="1200" dirty="0">
+              <a:rPr lang="en-US" sz="1200" dirty="0">
                 <a:solidFill>
                   <a:srgbClr val="000000"/>
                 </a:solidFill>
-                <a:latin typeface="Adobe Clean Han Regular" panose="020B0500000000000000" pitchFamily="34" charset="-128"/>
-                <a:ea typeface="Adobe Clean Han Regular" panose="020B0500000000000000" pitchFamily="34" charset="-128"/>
-              </a:rPr>
-              <a:t>ライブチャットサポート*</a:t>
+              </a:rPr>
+              <a:t>Live Chat  Support*</a:t>
             </a:r>
           </a:p>
         </p:txBody>
@@ -9294,7 +10262,7 @@
         <p:spPr>
           <a:xfrm>
             <a:off x="221179" y="8234650"/>
-            <a:ext cx="1269578" cy="184666"/>
+            <a:ext cx="840166" cy="184666"/>
           </a:xfrm>
           <a:prstGeom prst="rect">
             <a:avLst/>
@@ -9315,12 +10283,12 @@
               </a:spcAft>
             </a:pPr>
             <a:r>
-              <a:rPr lang="ja-JP" sz="1200" b="1" dirty="0">
-                <a:latin typeface="Adobe Clean Han Regular" panose="020B0500000000000000" pitchFamily="34" charset="-128"/>
-                <a:ea typeface="Adobe Clean Han Regular" panose="020B0500000000000000" pitchFamily="34" charset="-128"/>
+              <a:rPr lang="en-US" sz="1200" b="1" dirty="0">
+                <a:latin typeface="+mj-lt"/>
+                <a:ea typeface="Open Sans" pitchFamily="34" charset="0"/>
                 <a:cs typeface="Open Sans" pitchFamily="34" charset="0"/>
               </a:rPr>
-              <a:t>チャットサポート</a:t>
+              <a:t>Chat Support</a:t>
             </a:r>
           </a:p>
         </p:txBody>
@@ -9368,14 +10336,12 @@
               <a:defRPr/>
             </a:pPr>
             <a:r>
-              <a:rPr lang="ja-JP" sz="1200">
+              <a:rPr lang="en-US" sz="1200" dirty="0">
                 <a:solidFill>
                   <a:srgbClr val="000000"/>
                 </a:solidFill>
-                <a:latin typeface="Adobe Clean Han Regular" panose="020B0500000000000000" pitchFamily="34" charset="-128"/>
-                <a:ea typeface="Adobe Clean Han Regular" panose="020B0500000000000000" pitchFamily="34" charset="-128"/>
-              </a:rPr>
-              <a:t>24 時間年中無休 P1 </a:t>
+              </a:rPr>
+              <a:t>24 X 7 X 365 P1 </a:t>
             </a:r>
           </a:p>
         </p:txBody>
@@ -9397,7 +10363,7 @@
         <p:spPr>
           <a:xfrm>
             <a:off x="3844036" y="8234650"/>
-            <a:ext cx="952184" cy="184666"/>
+            <a:ext cx="992259" cy="184666"/>
           </a:xfrm>
           <a:prstGeom prst="rect">
             <a:avLst/>
@@ -9418,12 +10384,12 @@
               </a:spcAft>
             </a:pPr>
             <a:r>
-              <a:rPr lang="ja-JP" sz="1200" b="1">
-                <a:latin typeface="Adobe Clean Han Regular" panose="020B0500000000000000" pitchFamily="34" charset="-128"/>
-                <a:ea typeface="Adobe Clean Han Regular" panose="020B0500000000000000" pitchFamily="34" charset="-128"/>
+              <a:rPr lang="en-US" sz="1200" b="1" dirty="0">
+                <a:latin typeface="+mj-lt"/>
+                <a:ea typeface="Open Sans" pitchFamily="34" charset="0"/>
                 <a:cs typeface="Open Sans" pitchFamily="34" charset="0"/>
               </a:rPr>
-              <a:t>電話サポート</a:t>
+              <a:t>Phone  Support</a:t>
             </a:r>
           </a:p>
         </p:txBody>
@@ -9443,7 +10409,7 @@
         <p:spPr>
           <a:xfrm>
             <a:off x="3833993" y="8494028"/>
-            <a:ext cx="3413002" cy="651460"/>
+            <a:ext cx="3413002" cy="497572"/>
           </a:xfrm>
           <a:prstGeom prst="rect">
             <a:avLst/>
@@ -9456,22 +10422,26 @@
           <a:lstStyle/>
           <a:p>
             <a:r>
-              <a:rPr lang="ja-JP" sz="1000">
+              <a:rPr lang="en-US" sz="1000" dirty="0">
                 <a:solidFill>
                   <a:srgbClr val="020302"/>
                 </a:solidFill>
-                <a:latin typeface="Adobe Clean Han Regular" panose="020B0500000000000000" pitchFamily="34" charset="-128"/>
-                <a:ea typeface="Adobe Clean Han Regular" panose="020B0500000000000000" pitchFamily="34" charset="-128"/>
-              </a:rPr>
-              <a:t>承認済みユーザーまたはサポート対象ユーザーは、</a:t>
-            </a:r>
-            <a:r>
-              <a:rPr lang="ja-JP" sz="1000">
-                <a:latin typeface="Adobe Clean Han Regular" panose="020B0500000000000000" pitchFamily="34" charset="-128"/>
-                <a:ea typeface="Adobe Clean Han Regular" panose="020B0500000000000000" pitchFamily="34" charset="-128"/>
-              </a:rPr>
-              <a:t>使用可能なすべてのチャネル（P1 の場合は電話を含む）を通じて問題を申請でき、お客様の会社を代表してアドビのテクニカルサポートチームとやり取りできます。 </a:t>
-            </a:r>
+                <a:latin typeface="AdobeClean-Light"/>
+              </a:rPr>
+              <a:t>Authorized users or Named Support Contacts </a:t>
+            </a:r>
+            <a:r>
+              <a:rPr lang="en-US" sz="1000" dirty="0">
+                <a:latin typeface="Adobe Clean Light" panose="020B0303020404020204" pitchFamily="34" charset="0"/>
+              </a:rPr>
+              <a:t>can submit issues through all available  channels (including phone for P1) and interact with our technical support team on behalf of your company. </a:t>
+            </a:r>
+            <a:endParaRPr lang="en-US" sz="1000" dirty="0">
+              <a:solidFill>
+                <a:srgbClr val="000000"/>
+              </a:solidFill>
+              <a:latin typeface="Adobe Clean Light" panose="020B0303020404020204" pitchFamily="34" charset="0"/>
+            </a:endParaRPr>
           </a:p>
         </p:txBody>
       </p:sp>
@@ -9493,8 +10463,8 @@
         </p:nvSpPr>
         <p:spPr>
           <a:xfrm>
-            <a:off x="5029200" y="9862967"/>
-            <a:ext cx="2494341" cy="132729"/>
+            <a:off x="5253416" y="9862966"/>
+            <a:ext cx="2270125" cy="132729"/>
           </a:xfrm>
           <a:prstGeom prst="rect">
             <a:avLst/>
@@ -9515,11 +10485,24 @@
               </a:spcBef>
             </a:pPr>
             <a:r>
-              <a:rPr lang="ja-JP" dirty="0">
-                <a:latin typeface="Adobe Clean Han Regular" panose="020B0500000000000000" pitchFamily="34" charset="-128"/>
-                <a:ea typeface="Adobe Clean Han Regular" panose="020B0500000000000000" pitchFamily="34" charset="-128"/>
-              </a:rPr>
-              <a:t>©2021 Adobe.All Rights Reserved.Adobe Confidential.</a:t>
+              <a:rPr spc="-5" dirty="0"/>
+              <a:t>©202</a:t>
+            </a:r>
+            <a:r>
+              <a:rPr lang="en-US" spc="-5" dirty="0"/>
+              <a:t>1</a:t>
+            </a:r>
+            <a:r>
+              <a:rPr spc="-5" dirty="0"/>
+              <a:t> Adobe. All Rights Reserved. Adobe</a:t>
+            </a:r>
+            <a:r>
+              <a:rPr spc="60" dirty="0"/>
+              <a:t> </a:t>
+            </a:r>
+            <a:r>
+              <a:rPr spc="-5" dirty="0"/>
+              <a:t>Confidential.</a:t>
             </a:r>
           </a:p>
         </p:txBody>
@@ -9810,16 +10793,49 @@
               </a:lnSpc>
             </a:pPr>
             <a:r>
-              <a:rPr lang="ja-JP" sz="500">
+              <a:rPr sz="500" spc="-5" dirty="0">
                 <a:solidFill>
                   <a:srgbClr val="6C6C6C"/>
                 </a:solidFill>
-                <a:latin typeface="Adobe Clean Han Regular" panose="020B0500000000000000" pitchFamily="34" charset="-128"/>
-                <a:ea typeface="Adobe Clean Han Regular" panose="020B0500000000000000" pitchFamily="34" charset="-128"/>
+                <a:latin typeface="Adobe Clean"/>
                 <a:cs typeface="Adobe Clean"/>
               </a:rPr>
-              <a:t>©2020 Adobe. All Rights Reserved.Adobe Confidential.</a:t>
-            </a:r>
+              <a:t>©2020 Adobe. All Rights Reserved. </a:t>
+            </a:r>
+            <a:r>
+              <a:rPr sz="500" dirty="0">
+                <a:solidFill>
+                  <a:srgbClr val="6C6C6C"/>
+                </a:solidFill>
+                <a:latin typeface="Adobe Clean"/>
+                <a:cs typeface="Adobe Clean"/>
+              </a:rPr>
+              <a:t>Adobe</a:t>
+            </a:r>
+            <a:r>
+              <a:rPr sz="500" spc="5" dirty="0">
+                <a:solidFill>
+                  <a:srgbClr val="6C6C6C"/>
+                </a:solidFill>
+                <a:latin typeface="Adobe Clean"/>
+                <a:cs typeface="Adobe Clean"/>
+              </a:rPr>
+              <a:t> </a:t>
+            </a:r>
+            <a:r>
+              <a:rPr sz="500" spc="-5" dirty="0">
+                <a:solidFill>
+                  <a:srgbClr val="6C6C6C"/>
+                </a:solidFill>
+                <a:latin typeface="Adobe Clean"/>
+                <a:cs typeface="Adobe Clean"/>
+              </a:rPr>
+              <a:t>Confidential.</a:t>
+            </a:r>
+            <a:endParaRPr sz="500">
+              <a:latin typeface="Adobe Clean"/>
+              <a:cs typeface="Adobe Clean"/>
+            </a:endParaRPr>
           </a:p>
           <a:p>
             <a:pPr>
@@ -9831,8 +10847,7 @@
               </a:spcBef>
             </a:pPr>
             <a:endParaRPr sz="800">
-              <a:latin typeface="Adobe Clean Han Regular" panose="020B0500000000000000" pitchFamily="34" charset="-128"/>
-              <a:ea typeface="Adobe Clean Han Regular" panose="020B0500000000000000" pitchFamily="34" charset="-128"/>
+              <a:latin typeface="Adobe Clean"/>
               <a:cs typeface="Adobe Clean"/>
             </a:endParaRPr>
           </a:p>
@@ -9846,16 +10861,39 @@
               </a:spcBef>
             </a:pPr>
             <a:r>
-              <a:rPr lang="ja-JP" sz="800">
+              <a:rPr sz="800" spc="-5" dirty="0">
                 <a:solidFill>
                   <a:srgbClr val="6D6D6D"/>
                 </a:solidFill>
-                <a:latin typeface="Adobe Clean Han Regular" panose="020B0500000000000000" pitchFamily="34" charset="-128"/>
-                <a:ea typeface="Adobe Clean Han Regular" panose="020B0500000000000000" pitchFamily="34" charset="-128"/>
+                <a:latin typeface="Adobe Clean"/>
                 <a:cs typeface="Adobe Clean"/>
               </a:rPr>
-              <a:t>©2020 Adobe.All Rights Reserved.Adobe Confidential.</a:t>
-            </a:r>
+              <a:t>©2020 Adobe. All Rights Reserved. Adobe</a:t>
+            </a:r>
+            <a:r>
+              <a:rPr sz="800" spc="75" dirty="0">
+                <a:solidFill>
+                  <a:srgbClr val="6D6D6D"/>
+                </a:solidFill>
+                <a:latin typeface="Adobe Clean"/>
+                <a:cs typeface="Adobe Clean"/>
+              </a:rPr>
+              <a:t> </a:t>
+            </a:r>
+            <a:r>
+              <a:rPr sz="800" spc="-5" dirty="0">
+                <a:solidFill>
+                  <a:srgbClr val="6D6D6D"/>
+                </a:solidFill>
+                <a:latin typeface="Adobe Clean"/>
+                <a:cs typeface="Adobe Clean"/>
+              </a:rPr>
+              <a:t>Confidential.</a:t>
+            </a:r>
+            <a:endParaRPr sz="800">
+              <a:latin typeface="Adobe Clean"/>
+              <a:cs typeface="Adobe Clean"/>
+            </a:endParaRPr>
           </a:p>
         </p:txBody>
       </p:sp>
@@ -9905,10 +10943,7 @@
           <a:bodyPr wrap="square" lIns="0" tIns="0" rIns="0" bIns="0" rtlCol="0"/>
           <a:lstStyle/>
           <a:p>
-            <a:endParaRPr>
-              <a:latin typeface="Adobe Clean Han Regular" panose="020B0500000000000000" pitchFamily="34" charset="-128"/>
-              <a:ea typeface="Adobe Clean Han Regular" panose="020B0500000000000000" pitchFamily="34" charset="-128"/>
-            </a:endParaRPr>
+            <a:endParaRPr/>
           </a:p>
         </p:txBody>
       </p:sp>
@@ -9942,16 +10977,19 @@
               </a:spcBef>
             </a:pPr>
             <a:r>
-              <a:rPr lang="ja-JP" sz="1400" b="1">
+              <a:rPr lang="en-US" sz="1400" b="1" spc="-15" dirty="0">
                 <a:solidFill>
                   <a:srgbClr val="020302"/>
                 </a:solidFill>
-                <a:latin typeface="Adobe Clean Han Regular" panose="020B0500000000000000" pitchFamily="34" charset="-128"/>
-                <a:ea typeface="Adobe Clean Han Regular" panose="020B0500000000000000" pitchFamily="34" charset="-128"/>
+                <a:latin typeface="Adobe Clean"/>
                 <a:cs typeface="Adobe Clean"/>
               </a:rPr>
-              <a:t>リソース</a:t>
-            </a:r>
+              <a:t>Resources</a:t>
+            </a:r>
+            <a:endParaRPr sz="1400" dirty="0">
+              <a:latin typeface="Adobe Clean"/>
+              <a:cs typeface="Adobe Clean"/>
+            </a:endParaRPr>
           </a:p>
         </p:txBody>
       </p:sp>
@@ -9971,7 +11009,7 @@
           </a:prstGeom>
         </p:spPr>
         <p:txBody>
-          <a:bodyPr vert="horz" wrap="square" lIns="0" tIns="12065" rIns="0" bIns="0" rtlCol="0">
+          <a:bodyPr vert="horz" wrap="square" lIns="0" tIns="12065" rIns="0" bIns="0" rtlCol="0" anchor="t">
             <a:spAutoFit/>
           </a:bodyPr>
           <a:lstStyle/>
@@ -9985,16 +11023,19 @@
               </a:spcBef>
             </a:pPr>
             <a:r>
-              <a:rPr lang="ja-JP" sz="800">
+              <a:rPr sz="800" spc="-15" dirty="0">
                 <a:solidFill>
                   <a:srgbClr val="777879"/>
                 </a:solidFill>
-                <a:latin typeface="Adobe Clean Han Regular" panose="020B0500000000000000" pitchFamily="34" charset="-128"/>
-                <a:ea typeface="Adobe Clean Han Regular" panose="020B0500000000000000" pitchFamily="34" charset="-128"/>
+                <a:latin typeface="Adobe Clean"/>
                 <a:cs typeface="Adobe Clean"/>
               </a:rPr>
               <a:t>Adobe</a:t>
             </a:r>
+            <a:endParaRPr sz="800">
+              <a:latin typeface="Adobe Clean"/>
+              <a:cs typeface="Adobe Clean"/>
+            </a:endParaRPr>
           </a:p>
           <a:p>
             <a:pPr marL="12700">
@@ -10003,16 +11044,29 @@
               </a:lnSpc>
             </a:pPr>
             <a:r>
-              <a:rPr lang="ja-JP" sz="800">
+              <a:rPr sz="800" spc="-15" dirty="0">
                 <a:solidFill>
                   <a:srgbClr val="777879"/>
                 </a:solidFill>
-                <a:latin typeface="Adobe Clean Han Regular" panose="020B0500000000000000" pitchFamily="34" charset="-128"/>
-                <a:ea typeface="Adobe Clean Han Regular" panose="020B0500000000000000" pitchFamily="34" charset="-128"/>
+                <a:latin typeface="Adobe Clean"/>
                 <a:cs typeface="Adobe Clean"/>
               </a:rPr>
-              <a:t>345 Park Avenue</a:t>
-            </a:r>
+              <a:t>345 </a:t>
+            </a:r>
+            <a:r>
+              <a:rPr lang="en-US" sz="800" spc="-15" dirty="0">
+                <a:solidFill>
+                  <a:srgbClr val="777879"/>
+                </a:solidFill>
+                <a:latin typeface="Adobe Clean"/>
+                <a:cs typeface="Adobe Clean"/>
+              </a:rPr>
+              <a:t>Park Avenue</a:t>
+            </a:r>
+            <a:endParaRPr sz="800" dirty="0">
+              <a:latin typeface="Adobe Clean"/>
+              <a:cs typeface="Adobe Clean"/>
+            </a:endParaRPr>
           </a:p>
           <a:p>
             <a:pPr marL="12700">
@@ -10021,16 +11075,49 @@
               </a:lnSpc>
             </a:pPr>
             <a:r>
-              <a:rPr lang="ja-JP" sz="800">
+              <a:rPr sz="800" spc="-10" dirty="0">
                 <a:solidFill>
                   <a:srgbClr val="777879"/>
                 </a:solidFill>
-                <a:latin typeface="Adobe Clean Han Regular" panose="020B0500000000000000" pitchFamily="34" charset="-128"/>
-                <a:ea typeface="Adobe Clean Han Regular" panose="020B0500000000000000" pitchFamily="34" charset="-128"/>
+                <a:latin typeface="Adobe Clean"/>
                 <a:cs typeface="Adobe Clean"/>
               </a:rPr>
-              <a:t>San Jose, CA95110-2704</a:t>
-            </a:r>
+              <a:t>San </a:t>
+            </a:r>
+            <a:r>
+              <a:rPr sz="800" spc="-15" dirty="0">
+                <a:solidFill>
+                  <a:srgbClr val="777879"/>
+                </a:solidFill>
+                <a:latin typeface="Adobe Clean"/>
+                <a:cs typeface="Adobe Clean"/>
+              </a:rPr>
+              <a:t>Jose,</a:t>
+            </a:r>
+            <a:r>
+              <a:rPr sz="800" spc="-140" dirty="0">
+                <a:solidFill>
+                  <a:srgbClr val="777879"/>
+                </a:solidFill>
+                <a:latin typeface="Adobe Clean"/>
+                <a:cs typeface="Adobe Clean"/>
+              </a:rPr>
+              <a:t> </a:t>
+            </a:r>
+            <a:r>
+              <a:rPr sz="800" spc="-20" dirty="0">
+                <a:solidFill>
+                  <a:srgbClr val="777879"/>
+                </a:solidFill>
+                <a:latin typeface="Adobe Clean"/>
+                <a:cs typeface="Adobe Clean"/>
+              </a:rPr>
+              <a:t>CA95110-2704</a:t>
+            </a:r>
+            <a:endParaRPr sz="800">
+              <a:latin typeface="Adobe Clean"/>
+              <a:cs typeface="Adobe Clean"/>
+            </a:endParaRPr>
           </a:p>
           <a:p>
             <a:pPr marL="12700">
@@ -10042,16 +11129,19 @@
               </a:spcBef>
             </a:pPr>
             <a:r>
-              <a:rPr lang="ja-JP" sz="800">
+              <a:rPr sz="800" spc="-10" dirty="0">
                 <a:solidFill>
                   <a:srgbClr val="777879"/>
                 </a:solidFill>
-                <a:latin typeface="Adobe Clean Han Regular" panose="020B0500000000000000" pitchFamily="34" charset="-128"/>
-                <a:ea typeface="Adobe Clean Han Regular" panose="020B0500000000000000" pitchFamily="34" charset="-128"/>
+                <a:latin typeface="Adobe Clean"/>
                 <a:cs typeface="Adobe Clean"/>
               </a:rPr>
               <a:t>USA</a:t>
             </a:r>
+            <a:endParaRPr sz="800">
+              <a:latin typeface="Adobe Clean"/>
+              <a:cs typeface="Adobe Clean"/>
+            </a:endParaRPr>
           </a:p>
           <a:p>
             <a:pPr marL="12700">
@@ -10063,7 +11153,7 @@
               </a:spcBef>
             </a:pPr>
             <a:r>
-              <a:rPr lang="ja-JP" sz="800" u="sng">
+              <a:rPr sz="800" u="sng" spc="-25" dirty="0">
                 <a:solidFill>
                   <a:srgbClr val="5F5F5F"/>
                 </a:solidFill>
@@ -10072,13 +11162,16 @@
                     <a:srgbClr val="0000FF"/>
                   </a:solidFill>
                 </a:uFill>
-                <a:latin typeface="Adobe Clean Han Regular" panose="020B0500000000000000" pitchFamily="34" charset="-128"/>
-                <a:ea typeface="Adobe Clean Han Regular" panose="020B0500000000000000" pitchFamily="34" charset="-128"/>
+                <a:latin typeface="Adobe Clean"/>
                 <a:cs typeface="Adobe Clean"/>
                 <a:hlinkClick r:id="rId3"/>
               </a:rPr>
               <a:t>www.adobe.com</a:t>
             </a:r>
+            <a:endParaRPr sz="800">
+              <a:latin typeface="Adobe Clean"/>
+              <a:cs typeface="Adobe Clean"/>
+            </a:endParaRPr>
           </a:p>
         </p:txBody>
       </p:sp>
@@ -10107,10 +11200,7 @@
           <a:bodyPr wrap="square" lIns="0" tIns="0" rIns="0" bIns="0" rtlCol="0"/>
           <a:lstStyle/>
           <a:p>
-            <a:endParaRPr>
-              <a:latin typeface="Adobe Clean Han Regular" panose="020B0500000000000000" pitchFamily="34" charset="-128"/>
-              <a:ea typeface="Adobe Clean Han Regular" panose="020B0500000000000000" pitchFamily="34" charset="-128"/>
-            </a:endParaRPr>
+            <a:endParaRPr/>
           </a:p>
         </p:txBody>
       </p:sp>
@@ -10193,10 +11283,7 @@
           <a:bodyPr wrap="square" lIns="0" tIns="0" rIns="0" bIns="0" rtlCol="0"/>
           <a:lstStyle/>
           <a:p>
-            <a:endParaRPr>
-              <a:latin typeface="Adobe Clean Han Regular" panose="020B0500000000000000" pitchFamily="34" charset="-128"/>
-              <a:ea typeface="Adobe Clean Han Regular" panose="020B0500000000000000" pitchFamily="34" charset="-128"/>
-            </a:endParaRPr>
+            <a:endParaRPr/>
           </a:p>
         </p:txBody>
       </p:sp>
@@ -10225,10 +11312,7 @@
           <a:bodyPr wrap="square" lIns="0" tIns="0" rIns="0" bIns="0" rtlCol="0"/>
           <a:lstStyle/>
           <a:p>
-            <a:endParaRPr>
-              <a:latin typeface="Adobe Clean Han Regular" panose="020B0500000000000000" pitchFamily="34" charset="-128"/>
-              <a:ea typeface="Adobe Clean Han Regular" panose="020B0500000000000000" pitchFamily="34" charset="-128"/>
-            </a:endParaRPr>
+            <a:endParaRPr/>
           </a:p>
         </p:txBody>
       </p:sp>
@@ -10241,14 +11325,14 @@
         <p:spPr>
           <a:xfrm>
             <a:off x="75947" y="9437110"/>
-            <a:ext cx="5896662" cy="563616"/>
+            <a:ext cx="5466715" cy="570865"/>
           </a:xfrm>
           <a:prstGeom prst="rect">
             <a:avLst/>
           </a:prstGeom>
         </p:spPr>
         <p:txBody>
-          <a:bodyPr vert="horz" wrap="square" lIns="0" tIns="29845" rIns="0" bIns="0" rtlCol="0">
+          <a:bodyPr vert="horz" wrap="square" lIns="0" tIns="29845" rIns="0" bIns="0" rtlCol="0" anchor="t">
             <a:spAutoFit/>
           </a:bodyPr>
           <a:lstStyle/>
@@ -10262,16 +11346,449 @@
               </a:spcBef>
             </a:pPr>
             <a:r>
-              <a:rPr lang="ja-JP" sz="1100" i="1" dirty="0">
+              <a:rPr sz="1100" i="1" spc="-10" dirty="0">
                 <a:solidFill>
                   <a:srgbClr val="777879"/>
                 </a:solidFill>
-                <a:latin typeface="Adobe Clean Han Regular" panose="020B0500000000000000" pitchFamily="34" charset="-128"/>
-                <a:ea typeface="Adobe Clean Han Regular" panose="020B0500000000000000" pitchFamily="34" charset="-128"/>
+                <a:latin typeface="AdobeClean-LightIt"/>
                 <a:cs typeface="AdobeClean-LightIt"/>
               </a:rPr>
-              <a:t>アドビサポートのサービスやお客様に最適なレベルについて詳しくは、専任アカウントマネージャー（NAM）またはカスタマーサクセスマネージャー（CSM）にお問い合わせください。</a:t>
-            </a:r>
+              <a:t>To</a:t>
+            </a:r>
+            <a:r>
+              <a:rPr sz="1100" i="1" spc="-50" dirty="0">
+                <a:solidFill>
+                  <a:srgbClr val="777879"/>
+                </a:solidFill>
+                <a:latin typeface="AdobeClean-LightIt"/>
+                <a:cs typeface="AdobeClean-LightIt"/>
+              </a:rPr>
+              <a:t> </a:t>
+            </a:r>
+            <a:r>
+              <a:rPr sz="1100" i="1" spc="-15" dirty="0">
+                <a:solidFill>
+                  <a:srgbClr val="777879"/>
+                </a:solidFill>
+                <a:latin typeface="AdobeClean-LightIt"/>
+                <a:cs typeface="AdobeClean-LightIt"/>
+              </a:rPr>
+              <a:t>learn</a:t>
+            </a:r>
+            <a:r>
+              <a:rPr sz="1100" i="1" spc="-40" dirty="0">
+                <a:solidFill>
+                  <a:srgbClr val="777879"/>
+                </a:solidFill>
+                <a:latin typeface="AdobeClean-LightIt"/>
+                <a:cs typeface="AdobeClean-LightIt"/>
+              </a:rPr>
+              <a:t> </a:t>
+            </a:r>
+            <a:r>
+              <a:rPr sz="1100" i="1" spc="-15" dirty="0">
+                <a:solidFill>
+                  <a:srgbClr val="777879"/>
+                </a:solidFill>
+                <a:latin typeface="AdobeClean-LightIt"/>
+                <a:cs typeface="AdobeClean-LightIt"/>
+              </a:rPr>
+              <a:t>more</a:t>
+            </a:r>
+            <a:r>
+              <a:rPr sz="1100" i="1" spc="-45" dirty="0">
+                <a:solidFill>
+                  <a:srgbClr val="777879"/>
+                </a:solidFill>
+                <a:latin typeface="AdobeClean-LightIt"/>
+                <a:cs typeface="AdobeClean-LightIt"/>
+              </a:rPr>
+              <a:t> </a:t>
+            </a:r>
+            <a:r>
+              <a:rPr sz="1100" i="1" spc="-15" dirty="0">
+                <a:solidFill>
+                  <a:srgbClr val="777879"/>
+                </a:solidFill>
+                <a:latin typeface="AdobeClean-LightIt"/>
+                <a:cs typeface="AdobeClean-LightIt"/>
+              </a:rPr>
+              <a:t>about</a:t>
+            </a:r>
+            <a:r>
+              <a:rPr sz="1100" i="1" spc="-45" dirty="0">
+                <a:solidFill>
+                  <a:srgbClr val="777879"/>
+                </a:solidFill>
+                <a:latin typeface="AdobeClean-LightIt"/>
+                <a:cs typeface="AdobeClean-LightIt"/>
+              </a:rPr>
+              <a:t> </a:t>
+            </a:r>
+            <a:r>
+              <a:rPr sz="1100" i="1" spc="-15" dirty="0">
+                <a:solidFill>
+                  <a:srgbClr val="777879"/>
+                </a:solidFill>
+                <a:latin typeface="AdobeClean-LightIt"/>
+                <a:cs typeface="AdobeClean-LightIt"/>
+              </a:rPr>
+              <a:t>Adobe</a:t>
+            </a:r>
+            <a:r>
+              <a:rPr sz="1100" i="1" spc="-60" dirty="0">
+                <a:solidFill>
+                  <a:srgbClr val="777879"/>
+                </a:solidFill>
+                <a:latin typeface="AdobeClean-LightIt"/>
+                <a:cs typeface="AdobeClean-LightIt"/>
+              </a:rPr>
+              <a:t> </a:t>
+            </a:r>
+            <a:r>
+              <a:rPr sz="1100" i="1" spc="-15" dirty="0">
+                <a:solidFill>
+                  <a:srgbClr val="777879"/>
+                </a:solidFill>
+                <a:latin typeface="AdobeClean-LightIt"/>
+                <a:cs typeface="AdobeClean-LightIt"/>
+              </a:rPr>
+              <a:t>Support</a:t>
+            </a:r>
+            <a:r>
+              <a:rPr lang="en-US" sz="1100" i="1" spc="-15" dirty="0">
+                <a:solidFill>
+                  <a:srgbClr val="777879"/>
+                </a:solidFill>
+                <a:latin typeface="AdobeClean-LightIt"/>
+                <a:cs typeface="AdobeClean-LightIt"/>
+              </a:rPr>
+              <a:t> Offerings</a:t>
+            </a:r>
+            <a:r>
+              <a:rPr sz="1100" i="1" spc="-75" dirty="0">
+                <a:solidFill>
+                  <a:srgbClr val="777879"/>
+                </a:solidFill>
+                <a:latin typeface="AdobeClean-LightIt"/>
+                <a:cs typeface="AdobeClean-LightIt"/>
+              </a:rPr>
+              <a:t> </a:t>
+            </a:r>
+            <a:r>
+              <a:rPr sz="1100" i="1" spc="-15" dirty="0">
+                <a:solidFill>
+                  <a:srgbClr val="777879"/>
+                </a:solidFill>
+                <a:latin typeface="AdobeClean-LightIt"/>
+                <a:cs typeface="AdobeClean-LightIt"/>
+              </a:rPr>
+              <a:t>and</a:t>
+            </a:r>
+            <a:r>
+              <a:rPr sz="1100" i="1" spc="-50" dirty="0">
+                <a:solidFill>
+                  <a:srgbClr val="777879"/>
+                </a:solidFill>
+                <a:latin typeface="AdobeClean-LightIt"/>
+                <a:cs typeface="AdobeClean-LightIt"/>
+              </a:rPr>
+              <a:t> </a:t>
+            </a:r>
+            <a:r>
+              <a:rPr sz="1100" i="1" spc="-15" dirty="0">
+                <a:solidFill>
+                  <a:srgbClr val="777879"/>
+                </a:solidFill>
+                <a:latin typeface="AdobeClean-LightIt"/>
+                <a:cs typeface="AdobeClean-LightIt"/>
+              </a:rPr>
+              <a:t>the</a:t>
+            </a:r>
+            <a:r>
+              <a:rPr sz="1100" i="1" spc="-55" dirty="0">
+                <a:solidFill>
+                  <a:srgbClr val="777879"/>
+                </a:solidFill>
+                <a:latin typeface="AdobeClean-LightIt"/>
+                <a:cs typeface="AdobeClean-LightIt"/>
+              </a:rPr>
+              <a:t> </a:t>
+            </a:r>
+            <a:r>
+              <a:rPr sz="1100" i="1" spc="-15" dirty="0">
+                <a:solidFill>
+                  <a:srgbClr val="777879"/>
+                </a:solidFill>
+                <a:latin typeface="AdobeClean-LightIt"/>
+                <a:cs typeface="AdobeClean-LightIt"/>
+              </a:rPr>
+              <a:t>right</a:t>
+            </a:r>
+            <a:r>
+              <a:rPr sz="1100" i="1" spc="-95" dirty="0">
+                <a:solidFill>
+                  <a:srgbClr val="777879"/>
+                </a:solidFill>
+                <a:latin typeface="AdobeClean-LightIt"/>
+                <a:cs typeface="AdobeClean-LightIt"/>
+              </a:rPr>
+              <a:t> </a:t>
+            </a:r>
+            <a:r>
+              <a:rPr sz="1100" i="1" spc="-15" dirty="0">
+                <a:solidFill>
+                  <a:srgbClr val="777879"/>
+                </a:solidFill>
+                <a:latin typeface="AdobeClean-LightIt"/>
+                <a:cs typeface="AdobeClean-LightIt"/>
+              </a:rPr>
+              <a:t>level</a:t>
+            </a:r>
+            <a:r>
+              <a:rPr sz="1100" i="1" spc="-55" dirty="0">
+                <a:solidFill>
+                  <a:srgbClr val="777879"/>
+                </a:solidFill>
+                <a:latin typeface="AdobeClean-LightIt"/>
+                <a:cs typeface="AdobeClean-LightIt"/>
+              </a:rPr>
+              <a:t> </a:t>
+            </a:r>
+            <a:r>
+              <a:rPr sz="1100" i="1" spc="-15" dirty="0">
+                <a:solidFill>
+                  <a:srgbClr val="777879"/>
+                </a:solidFill>
+                <a:latin typeface="AdobeClean-LightIt"/>
+                <a:cs typeface="AdobeClean-LightIt"/>
+              </a:rPr>
+              <a:t>for</a:t>
+            </a:r>
+            <a:r>
+              <a:rPr sz="1100" i="1" spc="-85" dirty="0">
+                <a:solidFill>
+                  <a:srgbClr val="777879"/>
+                </a:solidFill>
+                <a:latin typeface="AdobeClean-LightIt"/>
+                <a:cs typeface="AdobeClean-LightIt"/>
+              </a:rPr>
+              <a:t> </a:t>
+            </a:r>
+            <a:r>
+              <a:rPr sz="1100" i="1" spc="-15" dirty="0">
+                <a:solidFill>
+                  <a:srgbClr val="777879"/>
+                </a:solidFill>
+                <a:latin typeface="AdobeClean-LightIt"/>
+                <a:cs typeface="AdobeClean-LightIt"/>
+              </a:rPr>
+              <a:t>you,</a:t>
+            </a:r>
+            <a:r>
+              <a:rPr sz="1100" i="1" spc="-65" dirty="0">
+                <a:solidFill>
+                  <a:srgbClr val="777879"/>
+                </a:solidFill>
+                <a:latin typeface="AdobeClean-LightIt"/>
+                <a:cs typeface="AdobeClean-LightIt"/>
+              </a:rPr>
+              <a:t> </a:t>
+            </a:r>
+            <a:r>
+              <a:rPr sz="1100" i="1" spc="-15" dirty="0">
+                <a:solidFill>
+                  <a:srgbClr val="777879"/>
+                </a:solidFill>
+                <a:latin typeface="AdobeClean-LightIt"/>
+                <a:cs typeface="AdobeClean-LightIt"/>
+              </a:rPr>
+              <a:t>contact</a:t>
+            </a:r>
+            <a:r>
+              <a:rPr sz="1100" i="1" spc="-85" dirty="0">
+                <a:solidFill>
+                  <a:srgbClr val="777879"/>
+                </a:solidFill>
+                <a:latin typeface="AdobeClean-LightIt"/>
+                <a:cs typeface="AdobeClean-LightIt"/>
+              </a:rPr>
+              <a:t> </a:t>
+            </a:r>
+            <a:r>
+              <a:rPr sz="1100" i="1" spc="-15" dirty="0">
+                <a:solidFill>
+                  <a:srgbClr val="777879"/>
+                </a:solidFill>
+                <a:latin typeface="AdobeClean-LightIt"/>
+                <a:cs typeface="AdobeClean-LightIt"/>
+              </a:rPr>
+              <a:t>your</a:t>
+            </a:r>
+            <a:r>
+              <a:rPr sz="1100" i="1" spc="-70" dirty="0">
+                <a:solidFill>
+                  <a:srgbClr val="777879"/>
+                </a:solidFill>
+                <a:latin typeface="AdobeClean-LightIt"/>
+                <a:cs typeface="AdobeClean-LightIt"/>
+              </a:rPr>
+              <a:t> </a:t>
+            </a:r>
+            <a:r>
+              <a:rPr sz="1100" i="1" spc="-15" dirty="0">
+                <a:solidFill>
+                  <a:srgbClr val="777879"/>
+                </a:solidFill>
+                <a:latin typeface="AdobeClean-LightIt"/>
+                <a:cs typeface="AdobeClean-LightIt"/>
+              </a:rPr>
+              <a:t>Named</a:t>
+            </a:r>
+            <a:r>
+              <a:rPr sz="1100" i="1" spc="-55" dirty="0">
+                <a:solidFill>
+                  <a:srgbClr val="777879"/>
+                </a:solidFill>
+                <a:latin typeface="AdobeClean-LightIt"/>
+                <a:cs typeface="AdobeClean-LightIt"/>
+              </a:rPr>
+              <a:t> </a:t>
+            </a:r>
+            <a:r>
+              <a:rPr sz="1100" i="1" spc="-25" dirty="0">
+                <a:solidFill>
+                  <a:srgbClr val="777879"/>
+                </a:solidFill>
+                <a:latin typeface="AdobeClean-LightIt"/>
+                <a:cs typeface="AdobeClean-LightIt"/>
+              </a:rPr>
+              <a:t>Account</a:t>
+            </a:r>
+            <a:r>
+              <a:rPr sz="1100" i="1" spc="-120" dirty="0">
+                <a:solidFill>
+                  <a:srgbClr val="777879"/>
+                </a:solidFill>
+                <a:latin typeface="AdobeClean-LightIt"/>
+                <a:cs typeface="AdobeClean-LightIt"/>
+              </a:rPr>
+              <a:t> </a:t>
+            </a:r>
+            <a:r>
+              <a:rPr sz="1100" i="1" spc="-20" dirty="0">
+                <a:solidFill>
+                  <a:srgbClr val="777879"/>
+                </a:solidFill>
+                <a:latin typeface="AdobeClean-LightIt"/>
+                <a:cs typeface="AdobeClean-LightIt"/>
+              </a:rPr>
+              <a:t>Manager</a:t>
+            </a:r>
+            <a:r>
+              <a:rPr lang="en-US" sz="1100" i="1" spc="-20" dirty="0">
+                <a:solidFill>
+                  <a:srgbClr val="777879"/>
+                </a:solidFill>
+                <a:latin typeface="AdobeClean-LightIt"/>
+                <a:cs typeface="AdobeClean-LightIt"/>
+              </a:rPr>
+              <a:t> </a:t>
+            </a:r>
+            <a:r>
+              <a:rPr sz="1100" i="1" spc="-20" dirty="0">
+                <a:solidFill>
+                  <a:srgbClr val="777879"/>
+                </a:solidFill>
+                <a:latin typeface="AdobeClean-LightIt"/>
+                <a:cs typeface="AdobeClean-LightIt"/>
+              </a:rPr>
+              <a:t> </a:t>
+            </a:r>
+            <a:r>
+              <a:rPr sz="1100" i="1" spc="-15" dirty="0">
+                <a:solidFill>
+                  <a:srgbClr val="777879"/>
+                </a:solidFill>
+                <a:latin typeface="AdobeClean-LightIt"/>
+                <a:cs typeface="AdobeClean-LightIt"/>
+              </a:rPr>
+              <a:t>(NAM) </a:t>
+            </a:r>
+            <a:r>
+              <a:rPr sz="1100" i="1" spc="-10" dirty="0">
+                <a:solidFill>
+                  <a:srgbClr val="777879"/>
+                </a:solidFill>
+                <a:latin typeface="AdobeClean-LightIt"/>
+                <a:cs typeface="AdobeClean-LightIt"/>
+              </a:rPr>
+              <a:t>or </a:t>
+            </a:r>
+            <a:r>
+              <a:rPr sz="1100" i="1" spc="-15" dirty="0">
+                <a:solidFill>
+                  <a:srgbClr val="777879"/>
+                </a:solidFill>
+                <a:latin typeface="AdobeClean-LightIt"/>
+                <a:cs typeface="AdobeClean-LightIt"/>
+              </a:rPr>
+              <a:t>Customer </a:t>
+            </a:r>
+            <a:r>
+              <a:rPr sz="1100" i="1" spc="-20" dirty="0">
+                <a:solidFill>
+                  <a:srgbClr val="777879"/>
+                </a:solidFill>
+                <a:latin typeface="AdobeClean-LightIt"/>
+                <a:cs typeface="AdobeClean-LightIt"/>
+              </a:rPr>
+              <a:t>Success</a:t>
+            </a:r>
+            <a:r>
+              <a:rPr lang="en-US" sz="1100" i="1" spc="-20" dirty="0">
+                <a:solidFill>
+                  <a:srgbClr val="777879"/>
+                </a:solidFill>
+                <a:latin typeface="AdobeClean-LightIt"/>
+                <a:cs typeface="AdobeClean-LightIt"/>
+              </a:rPr>
+              <a:t> </a:t>
+            </a:r>
+            <a:r>
+              <a:rPr sz="1100" i="1" spc="-15" dirty="0">
+                <a:solidFill>
+                  <a:srgbClr val="777879"/>
+                </a:solidFill>
+                <a:latin typeface="AdobeClean-LightIt"/>
+                <a:cs typeface="AdobeClean-LightIt"/>
+              </a:rPr>
+              <a:t>Manager</a:t>
+            </a:r>
+            <a:r>
+              <a:rPr lang="en-US" sz="1100" i="1" spc="-15" dirty="0">
+                <a:solidFill>
+                  <a:srgbClr val="777879"/>
+                </a:solidFill>
+                <a:latin typeface="AdobeClean-LightIt"/>
+                <a:cs typeface="AdobeClean-LightIt"/>
+              </a:rPr>
+              <a:t> </a:t>
+            </a:r>
+            <a:r>
+              <a:rPr sz="1100" i="1" spc="-15" dirty="0">
+                <a:solidFill>
+                  <a:srgbClr val="777879"/>
+                </a:solidFill>
+                <a:latin typeface="AdobeClean-LightIt"/>
+                <a:cs typeface="AdobeClean-LightIt"/>
+              </a:rPr>
+              <a:t>(CSM)</a:t>
+            </a:r>
+            <a:endParaRPr sz="1100" dirty="0">
+              <a:latin typeface="AdobeClean-LightIt"/>
+              <a:cs typeface="AdobeClean-LightIt"/>
+            </a:endParaRPr>
           </a:p>
           <a:p>
             <a:pPr marL="34290">
@@ -10283,16 +11800,59 @@
               </a:spcBef>
             </a:pPr>
             <a:r>
-              <a:rPr lang="ja-JP" sz="800" dirty="0">
+              <a:rPr sz="800" spc="-5" dirty="0">
                 <a:solidFill>
                   <a:srgbClr val="6D6D6D"/>
                 </a:solidFill>
-                <a:latin typeface="Adobe Clean Han Regular" panose="020B0500000000000000" pitchFamily="34" charset="-128"/>
-                <a:ea typeface="Adobe Clean Han Regular" panose="020B0500000000000000" pitchFamily="34" charset="-128"/>
+                <a:latin typeface="Adobe Clean"/>
                 <a:cs typeface="Adobe Clean"/>
               </a:rPr>
-              <a:t>©2021 Adobe.All Rights Reserved.Adobe Confidential.</a:t>
-            </a:r>
+              <a:t>©202</a:t>
+            </a:r>
+            <a:r>
+              <a:rPr lang="en-US" sz="800" spc="-5" dirty="0">
+                <a:solidFill>
+                  <a:srgbClr val="6D6D6D"/>
+                </a:solidFill>
+                <a:latin typeface="Adobe Clean"/>
+                <a:cs typeface="Adobe Clean"/>
+              </a:rPr>
+              <a:t>1</a:t>
+            </a:r>
+            <a:r>
+              <a:rPr sz="800" spc="-5" dirty="0">
+                <a:solidFill>
+                  <a:srgbClr val="6D6D6D"/>
+                </a:solidFill>
+                <a:latin typeface="Adobe Clean"/>
+                <a:cs typeface="Adobe Clean"/>
+              </a:rPr>
+              <a:t> Adobe. All Rights Reserved. Adobe</a:t>
+            </a:r>
+            <a:r>
+              <a:rPr sz="800" spc="75" dirty="0">
+                <a:solidFill>
+                  <a:srgbClr val="6D6D6D"/>
+                </a:solidFill>
+                <a:latin typeface="Adobe Clean"/>
+                <a:cs typeface="Adobe Clean"/>
+              </a:rPr>
+              <a:t> </a:t>
+            </a:r>
+            <a:r>
+              <a:rPr sz="800" spc="-5" dirty="0">
+                <a:solidFill>
+                  <a:srgbClr val="6D6D6D"/>
+                </a:solidFill>
+                <a:latin typeface="Adobe Clean"/>
+                <a:cs typeface="Adobe Clean"/>
+              </a:rPr>
+              <a:t>Confidential.</a:t>
+            </a:r>
+            <a:endParaRPr sz="800" dirty="0">
+              <a:latin typeface="Adobe Clean"/>
+              <a:cs typeface="Adobe Clean"/>
+            </a:endParaRPr>
           </a:p>
         </p:txBody>
       </p:sp>
@@ -10329,15 +11889,14 @@
               </a:spcBef>
             </a:pPr>
             <a:r>
-              <a:rPr lang="ja-JP" sz="1400" b="1" dirty="0">
+              <a:rPr lang="en-US" sz="1400" b="1" spc="-15" dirty="0">
                 <a:solidFill>
                   <a:srgbClr val="020302"/>
                 </a:solidFill>
-                <a:latin typeface="Adobe Clean Han Regular" panose="020B0500000000000000" pitchFamily="34" charset="-128"/>
-                <a:ea typeface="Adobe Clean Han Regular" panose="020B0500000000000000" pitchFamily="34" charset="-128"/>
+                <a:latin typeface="Adobe Clean"/>
                 <a:cs typeface="Adobe Clean"/>
               </a:rPr>
-              <a:t>アドビサポートの対象地域、現地の営業時間、言語サポート</a:t>
+              <a:t>Regional scope of Adobe Support, Local Hours Of Operation And Language Support</a:t>
             </a:r>
           </a:p>
           <a:p>
@@ -10347,14 +11906,13 @@
               </a:spcBef>
             </a:pPr>
             <a:r>
-              <a:rPr lang="ja-JP" sz="1000" dirty="0">
+              <a:rPr lang="en-US" sz="1000" spc="-15" dirty="0">
                 <a:solidFill>
                   <a:srgbClr val="1F1F1F"/>
                 </a:solidFill>
-                <a:latin typeface="Adobe Clean Han Regular" panose="020B0500000000000000" pitchFamily="34" charset="-128"/>
-                <a:ea typeface="Adobe Clean Han Regular" panose="020B0500000000000000" pitchFamily="34" charset="-128"/>
-              </a:rPr>
-              <a:t>アドビサポートの対象地域と現地営業時間は、以下のとおりです。対象地域は、お客様のセールスオーダーやその他のアドビサポートの購買記録に記載されている請求先の地域に準じます。</a:t>
+                <a:latin typeface="AdobeClean-Light"/>
+              </a:rPr>
+              <a:t>The Regional scope of Adobe Support is established by aligning the customer's billing address (via the Sales Order or other Adobe Support purchasing document) to one of the following regions:</a:t>
             </a:r>
           </a:p>
         </p:txBody>
@@ -10374,7 +11932,7 @@
           <p:nvPr>
             <p:extLst>
               <p:ext uri="{D42A27DB-BD31-4B8C-83A1-F6EECF244321}">
-                <p14:modId xmlns:p14="http://schemas.microsoft.com/office/powerpoint/2010/main" val="3930039813"/>
+                <p14:modId xmlns:p14="http://schemas.microsoft.com/office/powerpoint/2010/main" val="2846210228"/>
               </p:ext>
             </p:extLst>
           </p:nvPr>
@@ -10427,14 +11985,13 @@
                     <a:p>
                       <a:pPr algn="ctr"/>
                       <a:r>
-                        <a:rPr lang="ja-JP" sz="1100">
+                        <a:rPr lang="en-US" sz="1100" dirty="0">
                           <a:solidFill>
                             <a:schemeClr val="tx1"/>
                           </a:solidFill>
-                          <a:latin typeface="Adobe Clean Han Regular" panose="020B0500000000000000" pitchFamily="34" charset="-128"/>
-                          <a:ea typeface="Adobe Clean Han Regular" panose="020B0500000000000000" pitchFamily="34" charset="-128"/>
+                          <a:latin typeface="Adobe Clean" panose="020B0503020404020204" pitchFamily="34" charset="0"/>
                         </a:rPr>
-                        <a:t>南北アメリカ</a:t>
+                        <a:t>Americas</a:t>
                       </a:r>
                     </a:p>
                   </a:txBody>
@@ -10493,14 +12050,13 @@
                     <a:p>
                       <a:pPr algn="ctr"/>
                       <a:r>
-                        <a:rPr lang="ja-JP" sz="1100">
+                        <a:rPr lang="en-US" sz="1100" dirty="0">
                           <a:solidFill>
                             <a:schemeClr val="tx1"/>
                           </a:solidFill>
-                          <a:latin typeface="Adobe Clean Han Regular" panose="020B0500000000000000" pitchFamily="34" charset="-128"/>
-                          <a:ea typeface="Adobe Clean Han Regular" panose="020B0500000000000000" pitchFamily="34" charset="-128"/>
+                          <a:latin typeface="Adobe Clean" panose="020B0503020404020204" pitchFamily="34" charset="0"/>
                         </a:rPr>
-                        <a:t>ヨーロッパ、中東、アフリカ</a:t>
+                        <a:t>Europe, Middle East &amp; Africa</a:t>
                       </a:r>
                     </a:p>
                   </a:txBody>
@@ -10559,14 +12115,13 @@
                     <a:p>
                       <a:pPr algn="ctr"/>
                       <a:r>
-                        <a:rPr lang="ja-JP" sz="1100">
+                        <a:rPr lang="en-US" sz="1100" dirty="0">
                           <a:solidFill>
                             <a:schemeClr val="tx1"/>
                           </a:solidFill>
-                          <a:latin typeface="Adobe Clean Han Regular" panose="020B0500000000000000" pitchFamily="34" charset="-128"/>
-                          <a:ea typeface="Adobe Clean Han Regular" panose="020B0500000000000000" pitchFamily="34" charset="-128"/>
+                          <a:latin typeface="Adobe Clean" panose="020B0503020404020204" pitchFamily="34" charset="0"/>
                         </a:rPr>
-                        <a:t>アジア太平洋</a:t>
+                        <a:t>Asia Pacific</a:t>
                       </a:r>
                     </a:p>
                   </a:txBody>
@@ -10625,25 +12180,29 @@
                     <a:p>
                       <a:pPr algn="ctr"/>
                       <a:r>
-                        <a:rPr lang="ja-JP" sz="1100">
+                        <a:rPr lang="en-US" sz="1100" dirty="0">
                           <a:solidFill>
                             <a:schemeClr val="tx1"/>
                           </a:solidFill>
-                          <a:latin typeface="Adobe Clean Han Regular" panose="020B0500000000000000" pitchFamily="34" charset="-128"/>
-                          <a:ea typeface="Adobe Clean Han Regular" panose="020B0500000000000000" pitchFamily="34" charset="-128"/>
+                          <a:latin typeface="Adobe Clean"/>
                         </a:rPr>
-                        <a:t>日本 </a:t>
+                        <a:t>Japan </a:t>
                       </a:r>
                       <a:r>
-                        <a:rPr lang="ja-JP" sz="1100" baseline="30000">
+                        <a:rPr lang="en-US" sz="1100" baseline="30000" dirty="0">
                           <a:solidFill>
                             <a:schemeClr val="tx1"/>
                           </a:solidFill>
-                          <a:latin typeface="Adobe Clean Han Regular" panose="020B0500000000000000" pitchFamily="34" charset="-128"/>
-                          <a:ea typeface="Adobe Clean Han Regular" panose="020B0500000000000000" pitchFamily="34" charset="-128"/>
+                          <a:latin typeface="Adobe Clean"/>
                         </a:rPr>
                         <a:t>1 </a:t>
                       </a:r>
+                      <a:endParaRPr lang="en-US" sz="1100" dirty="0">
+                        <a:solidFill>
+                          <a:schemeClr val="tx1"/>
+                        </a:solidFill>
+                        <a:latin typeface="Adobe Clean" panose="020B0503020404020204" pitchFamily="34" charset="0"/>
+                      </a:endParaRPr>
                     </a:p>
                   </a:txBody>
                   <a:tcPr anchor="ctr">
@@ -10708,14 +12267,13 @@
                     <a:p>
                       <a:pPr algn="ctr"/>
                       <a:r>
-                        <a:rPr lang="ja-JP" sz="1100">
+                        <a:rPr lang="en-US" sz="1100" dirty="0">
                           <a:solidFill>
                             <a:schemeClr val="tx1"/>
                           </a:solidFill>
-                          <a:latin typeface="Adobe Clean Han Regular" panose="020B0500000000000000" pitchFamily="34" charset="-128"/>
-                          <a:ea typeface="Adobe Clean Han Regular" panose="020B0500000000000000" pitchFamily="34" charset="-128"/>
+                          <a:latin typeface="Adobe Clean" panose="020B0503020404020204" pitchFamily="34" charset="0"/>
                         </a:rPr>
-                        <a:t>午前 6:00 ～午後 5:30</a:t>
+                        <a:t>6 am – 5:30 pm</a:t>
                       </a:r>
                     </a:p>
                   </a:txBody>
@@ -10774,14 +12332,13 @@
                     <a:p>
                       <a:pPr algn="ctr"/>
                       <a:r>
-                        <a:rPr lang="ja-JP" sz="1100" dirty="0">
+                        <a:rPr lang="en-US" sz="1100" dirty="0">
                           <a:solidFill>
                             <a:schemeClr val="tx1"/>
                           </a:solidFill>
-                          <a:latin typeface="Adobe Clean Han Regular" panose="020B0500000000000000" pitchFamily="34" charset="-128"/>
-                          <a:ea typeface="Adobe Clean Han Regular" panose="020B0500000000000000" pitchFamily="34" charset="-128"/>
+                          <a:latin typeface="Adobe Clean" panose="020B0503020404020204" pitchFamily="34" charset="0"/>
                         </a:rPr>
-                        <a:t>午前 9:00 ～午後 5:00</a:t>
+                        <a:t>9 am – 5 pm</a:t>
                       </a:r>
                     </a:p>
                   </a:txBody>
@@ -10840,14 +12397,13 @@
                     <a:p>
                       <a:pPr algn="ctr"/>
                       <a:r>
-                        <a:rPr lang="ja-JP" sz="1100">
+                        <a:rPr lang="en-US" sz="1100" dirty="0">
                           <a:solidFill>
                             <a:schemeClr val="tx1"/>
                           </a:solidFill>
-                          <a:latin typeface="Adobe Clean Han Regular" panose="020B0500000000000000" pitchFamily="34" charset="-128"/>
-                          <a:ea typeface="Adobe Clean Han Regular" panose="020B0500000000000000" pitchFamily="34" charset="-128"/>
+                          <a:latin typeface="Adobe Clean" panose="020B0503020404020204" pitchFamily="34" charset="0"/>
                         </a:rPr>
-                        <a:t>午前 9:00 ～午後 5:00</a:t>
+                        <a:t>9 am – 5 pm</a:t>
                       </a:r>
                     </a:p>
                   </a:txBody>
@@ -10906,14 +12462,13 @@
                     <a:p>
                       <a:pPr algn="ctr"/>
                       <a:r>
-                        <a:rPr lang="ja-JP" sz="1100">
+                        <a:rPr lang="en-US" sz="1100" dirty="0">
                           <a:solidFill>
                             <a:schemeClr val="tx1"/>
                           </a:solidFill>
-                          <a:latin typeface="Adobe Clean Han Regular" panose="020B0500000000000000" pitchFamily="34" charset="-128"/>
-                          <a:ea typeface="Adobe Clean Han Regular" panose="020B0500000000000000" pitchFamily="34" charset="-128"/>
+                          <a:latin typeface="Adobe Clean" panose="020B0503020404020204" pitchFamily="34" charset="0"/>
                         </a:rPr>
-                        <a:t>午前 9:00 ～午後 5:30</a:t>
+                        <a:t>9 am – 5:30 pm</a:t>
                       </a:r>
                     </a:p>
                   </a:txBody>
@@ -10993,15 +12548,20 @@
                         <a:buNone/>
                       </a:pPr>
                       <a:r>
-                        <a:rPr lang="ja-JP" sz="1100" dirty="0">
+                        <a:rPr lang="en-US" sz="1100" dirty="0">
                           <a:solidFill>
                             <a:schemeClr val="tx1"/>
                           </a:solidFill>
-                          <a:latin typeface="Adobe Clean Han Regular" panose="020B0500000000000000" pitchFamily="34" charset="-128"/>
-                          <a:ea typeface="Adobe Clean Han Regular" panose="020B0500000000000000" pitchFamily="34" charset="-128"/>
+                          <a:latin typeface="Adobe Clean"/>
                         </a:rPr>
-                        <a:t>サポートで対応している言語は、英語および日本語のみです。</a:t>
+                        <a:t>Language support is only available in English and Japanese.</a:t>
                       </a:r>
+                      <a:endParaRPr lang="en-US" sz="1100" dirty="0">
+                        <a:solidFill>
+                          <a:schemeClr val="tx1"/>
+                        </a:solidFill>
+                        <a:latin typeface="Adobe Clean" panose="020B0503020404020204" pitchFamily="34" charset="0"/>
+                      </a:endParaRPr>
                     </a:p>
                     <a:p>
                       <a:pPr marL="0" marR="0" lvl="0" indent="0" algn="ctr" defTabSz="914400" eaLnBrk="1" fontAlgn="auto" latinLnBrk="0" hangingPunct="1">
@@ -11022,18 +12582,17 @@
                         <a:defRPr/>
                       </a:pPr>
                       <a:r>
-                        <a:rPr lang="ja-JP" sz="1100" i="1" dirty="0">
+                        <a:rPr lang="en-US" sz="1100" i="1" dirty="0">
                           <a:solidFill>
                             <a:schemeClr val="tx1"/>
                           </a:solidFill>
-                          <a:latin typeface="Adobe Clean Han Regular" panose="020B0500000000000000" pitchFamily="34" charset="-128"/>
-                          <a:ea typeface="Adobe Clean Han Regular" panose="020B0500000000000000" pitchFamily="34" charset="-128"/>
+                          <a:latin typeface="Adobe Clean"/>
                         </a:rPr>
-                        <a:t>*Adobe Commerce のサポートは、日本語に対応していません。</a:t>
+                        <a:t>*Adobe Commerce excludes Japanese language support.</a:t>
                       </a:r>
                     </a:p>
                     <a:p>
-                      <a:pPr algn="l" rtl="0"/>
+                      <a:pPr algn="ctr"/>
                       <a:endParaRPr kumimoji="0" lang="en-US" sz="1100" b="1" i="0" u="none" strike="noStrike" kern="0" cap="none" spc="0" normalizeH="0" baseline="30000" noProof="0" dirty="0">
                         <a:ln>
                           <a:noFill/>
@@ -11044,52 +12603,54 @@
                         <a:effectLst/>
                         <a:uLnTx/>
                         <a:uFillTx/>
-                        <a:latin typeface="Adobe Clean Han Regular" panose="020B0500000000000000" pitchFamily="34" charset="-128"/>
-                        <a:ea typeface="Adobe Clean Han Regular" panose="020B0500000000000000" pitchFamily="34" charset="-128"/>
+                        <a:latin typeface="Adobe Clean" panose="020B0503020404020204" pitchFamily="34" charset="0"/>
+                        <a:ea typeface="+mn-ea"/>
                         <a:cs typeface="+mn-cs"/>
                       </a:endParaRPr>
                     </a:p>
                     <a:p>
                       <a:pPr algn="ctr"/>
                       <a:r>
-                        <a:rPr lang="ja-JP" sz="1100" i="0" dirty="0">
+                        <a:rPr lang="en-US" sz="1100" i="0" dirty="0">
                           <a:solidFill>
                             <a:schemeClr val="tx1"/>
                           </a:solidFill>
-                          <a:latin typeface="Adobe Clean Han Regular" panose="020B0500000000000000" pitchFamily="34" charset="-128"/>
-                          <a:ea typeface="Adobe Clean Han Regular" panose="020B0500000000000000" pitchFamily="34" charset="-128"/>
+                          <a:latin typeface="Adobe Clean"/>
                         </a:rPr>
                         <a:t> </a:t>
                       </a:r>
                       <a:r>
-                        <a:rPr lang="ja-JP" sz="1100" i="0" baseline="30000" dirty="0">
+                        <a:rPr lang="en-US" sz="1100" i="0" baseline="30000" dirty="0">
                           <a:solidFill>
                             <a:schemeClr val="tx1"/>
                           </a:solidFill>
-                          <a:latin typeface="Adobe Clean Han Regular" panose="020B0500000000000000" pitchFamily="34" charset="-128"/>
-                          <a:ea typeface="Adobe Clean Han Regular" panose="020B0500000000000000" pitchFamily="34" charset="-128"/>
+                          <a:latin typeface="Adobe Clean"/>
                         </a:rPr>
                         <a:t>1 </a:t>
                       </a:r>
                       <a:r>
-                        <a:rPr lang="ja-JP" sz="1100" i="0" dirty="0">
+                        <a:rPr lang="en-US" sz="1100" i="0" dirty="0">
                           <a:solidFill>
                             <a:schemeClr val="tx1"/>
                           </a:solidFill>
-                          <a:latin typeface="Adobe Clean Han Regular" panose="020B0500000000000000" pitchFamily="34" charset="-128"/>
-                          <a:ea typeface="Adobe Clean Han Regular" panose="020B0500000000000000" pitchFamily="34" charset="-128"/>
+                          <a:latin typeface="Adobe Clean"/>
                         </a:rPr>
-                        <a:t>P2、P3、P4 の場合は、営業時間内のみの対応です。</a:t>
+                        <a:t>P2, P3, P4 cases are limited to business hours only in Japan.</a:t>
                       </a:r>
-                    </a:p>
-                    <a:p>
-                      <a:pPr algn="l" rtl="0"/>
+                      <a:endParaRPr lang="en-US" sz="1100" b="1" i="0" dirty="0">
+                        <a:solidFill>
+                          <a:schemeClr val="tx1"/>
+                        </a:solidFill>
+                        <a:latin typeface="Adobe Clean"/>
+                      </a:endParaRPr>
+                    </a:p>
+                    <a:p>
+                      <a:pPr algn="ctr"/>
                       <a:endParaRPr lang="en-US" sz="1100" dirty="0">
                         <a:solidFill>
                           <a:schemeClr val="tx1"/>
                         </a:solidFill>
-                        <a:latin typeface="Adobe Clean Han Regular" panose="020B0500000000000000" pitchFamily="34" charset="-128"/>
-                        <a:ea typeface="Adobe Clean Han Regular" panose="020B0500000000000000" pitchFamily="34" charset="-128"/>
+                        <a:latin typeface="Adobe Clean" panose="020B0503020404020204" pitchFamily="34" charset="0"/>
                       </a:endParaRPr>
                     </a:p>
                   </a:txBody>
@@ -11386,10 +12947,7 @@
           <a:bodyPr wrap="square" lIns="0" tIns="0" rIns="0" bIns="0" rtlCol="0"/>
           <a:lstStyle/>
           <a:p>
-            <a:endParaRPr>
-              <a:latin typeface="Adobe Clean Han Regular" panose="020B0500000000000000" pitchFamily="34" charset="-128"/>
-              <a:ea typeface="Adobe Clean Han Regular" panose="020B0500000000000000" pitchFamily="34" charset="-128"/>
-            </a:endParaRPr>
+            <a:endParaRPr/>
           </a:p>
         </p:txBody>
       </p:sp>
@@ -11448,7 +13006,7 @@
           </a:bodyPr>
           <a:lstStyle/>
           <a:p>
-            <a:pPr marR="5080" algn="ctr">
+            <a:pPr marL="139065" marR="5080" indent="-139065">
               <a:lnSpc>
                 <a:spcPts val="1390"/>
               </a:lnSpc>
@@ -11457,37 +13015,129 @@
               </a:spcBef>
             </a:pPr>
             <a:r>
-              <a:rPr lang="ja-JP" sz="1200" b="1" dirty="0">
+              <a:rPr sz="1200" b="1" spc="-15" dirty="0">
                 <a:solidFill>
                   <a:srgbClr val="FFFFFF"/>
                 </a:solidFill>
-                <a:latin typeface="Adobe Clean Han Regular" panose="020B0500000000000000" pitchFamily="34" charset="-128"/>
-                <a:ea typeface="Adobe Clean Han Regular" panose="020B0500000000000000" pitchFamily="34" charset="-128"/>
+                <a:latin typeface="Adobe Clean"/>
                 <a:cs typeface="Adobe Clean"/>
               </a:rPr>
-              <a:t>卓越した</a:t>
-            </a:r>
-            <a:br>
-              <a:rPr lang="ja-JP" sz="1200" b="1" dirty="0">
+              <a:t>U</a:t>
+            </a:r>
+            <a:r>
+              <a:rPr sz="1200" b="1" spc="-20" dirty="0">
                 <a:solidFill>
                   <a:srgbClr val="FFFFFF"/>
                 </a:solidFill>
-                <a:latin typeface="Adobe Clean Han Regular" panose="020B0500000000000000" pitchFamily="34" charset="-128"/>
-                <a:ea typeface="Adobe Clean Han Regular" panose="020B0500000000000000" pitchFamily="34" charset="-128"/>
+                <a:latin typeface="Adobe Clean"/>
                 <a:cs typeface="Adobe Clean"/>
               </a:rPr>
-            </a:br>
-            <a:r>
-              <a:rPr lang="ja-JP" sz="1200" b="1" dirty="0">
+              <a:t>n</a:t>
+            </a:r>
+            <a:r>
+              <a:rPr sz="1200" b="1" spc="-25" dirty="0">
                 <a:solidFill>
                   <a:srgbClr val="FFFFFF"/>
                 </a:solidFill>
-                <a:latin typeface="Adobe Clean Han Regular" panose="020B0500000000000000" pitchFamily="34" charset="-128"/>
-                <a:ea typeface="Adobe Clean Han Regular" panose="020B0500000000000000" pitchFamily="34" charset="-128"/>
+                <a:latin typeface="Adobe Clean"/>
                 <a:cs typeface="Adobe Clean"/>
               </a:rPr>
-              <a:t>専門知識</a:t>
-            </a:r>
+              <a:t>p</a:t>
+            </a:r>
+            <a:r>
+              <a:rPr sz="1200" b="1" spc="-15" dirty="0">
+                <a:solidFill>
+                  <a:srgbClr val="FFFFFF"/>
+                </a:solidFill>
+                <a:latin typeface="Adobe Clean"/>
+                <a:cs typeface="Adobe Clean"/>
+              </a:rPr>
+              <a:t>a</a:t>
+            </a:r>
+            <a:r>
+              <a:rPr sz="1200" b="1" spc="-25" dirty="0">
+                <a:solidFill>
+                  <a:srgbClr val="FFFFFF"/>
+                </a:solidFill>
+                <a:latin typeface="Adobe Clean"/>
+                <a:cs typeface="Adobe Clean"/>
+              </a:rPr>
+              <a:t>r</a:t>
+            </a:r>
+            <a:r>
+              <a:rPr sz="1200" b="1" spc="-15" dirty="0">
+                <a:solidFill>
+                  <a:srgbClr val="FFFFFF"/>
+                </a:solidFill>
+                <a:latin typeface="Adobe Clean"/>
+                <a:cs typeface="Adobe Clean"/>
+              </a:rPr>
+              <a:t>a</a:t>
+            </a:r>
+            <a:r>
+              <a:rPr sz="1200" b="1" spc="-30" dirty="0">
+                <a:solidFill>
+                  <a:srgbClr val="FFFFFF"/>
+                </a:solidFill>
+                <a:latin typeface="Adobe Clean"/>
+                <a:cs typeface="Adobe Clean"/>
+              </a:rPr>
+              <a:t>ll</a:t>
+            </a:r>
+            <a:r>
+              <a:rPr sz="1200" b="1" spc="-25" dirty="0">
+                <a:solidFill>
+                  <a:srgbClr val="FFFFFF"/>
+                </a:solidFill>
+                <a:latin typeface="Adobe Clean"/>
+                <a:cs typeface="Adobe Clean"/>
+              </a:rPr>
+              <a:t>e</a:t>
+            </a:r>
+            <a:r>
+              <a:rPr sz="1200" b="1" spc="-30" dirty="0">
+                <a:solidFill>
+                  <a:srgbClr val="FFFFFF"/>
+                </a:solidFill>
+                <a:latin typeface="Adobe Clean"/>
+                <a:cs typeface="Adobe Clean"/>
+              </a:rPr>
+              <a:t>l</a:t>
+            </a:r>
+            <a:r>
+              <a:rPr sz="1200" b="1" spc="-25" dirty="0">
+                <a:solidFill>
+                  <a:srgbClr val="FFFFFF"/>
+                </a:solidFill>
+                <a:latin typeface="Adobe Clean"/>
+                <a:cs typeface="Adobe Clean"/>
+              </a:rPr>
+              <a:t>e</a:t>
+            </a:r>
+            <a:r>
+              <a:rPr sz="1200" b="1" dirty="0">
+                <a:solidFill>
+                  <a:srgbClr val="FFFFFF"/>
+                </a:solidFill>
+                <a:latin typeface="Adobe Clean"/>
+                <a:cs typeface="Adobe Clean"/>
+              </a:rPr>
+              <a:t>d  </a:t>
+            </a:r>
+            <a:r>
+              <a:rPr sz="1200" b="1" spc="-25" dirty="0">
+                <a:solidFill>
+                  <a:srgbClr val="FFFFFF"/>
+                </a:solidFill>
+                <a:latin typeface="Adobe Clean"/>
+                <a:cs typeface="Adobe Clean"/>
+              </a:rPr>
+              <a:t>Expertise</a:t>
+            </a:r>
+            <a:endParaRPr sz="1200" dirty="0">
+              <a:latin typeface="Adobe Clean"/>
+              <a:cs typeface="Adobe Clean"/>
+            </a:endParaRPr>
           </a:p>
         </p:txBody>
       </p:sp>
@@ -11518,7 +13168,7 @@
           </a:bodyPr>
           <a:lstStyle/>
           <a:p>
-            <a:pPr marR="5080" algn="ctr">
+            <a:pPr marL="139065" marR="5080" indent="-139065">
               <a:lnSpc>
                 <a:spcPts val="1390"/>
               </a:lnSpc>
@@ -11527,37 +13177,19 @@
               </a:spcBef>
             </a:pPr>
             <a:r>
-              <a:rPr lang="ja-JP" sz="1200" b="1" dirty="0">
+              <a:rPr lang="en-US" sz="1200" b="1" spc="-15" dirty="0">
                 <a:solidFill>
                   <a:srgbClr val="FFFFFF"/>
                 </a:solidFill>
-                <a:latin typeface="Adobe Clean Han Regular" panose="020B0500000000000000" pitchFamily="34" charset="-128"/>
-                <a:ea typeface="Adobe Clean Han Regular" panose="020B0500000000000000" pitchFamily="34" charset="-128"/>
+                <a:latin typeface="Adobe Clean"/>
                 <a:cs typeface="Adobe Clean"/>
               </a:rPr>
-              <a:t>迅速な</a:t>
-            </a:r>
-            <a:br>
-              <a:rPr lang="ja-JP" sz="1200" b="1" dirty="0">
-                <a:solidFill>
-                  <a:srgbClr val="FFFFFF"/>
-                </a:solidFill>
-                <a:latin typeface="Adobe Clean Han Regular" panose="020B0500000000000000" pitchFamily="34" charset="-128"/>
-                <a:ea typeface="Adobe Clean Han Regular" panose="020B0500000000000000" pitchFamily="34" charset="-128"/>
-                <a:cs typeface="Adobe Clean"/>
-              </a:rPr>
-            </a:br>
-            <a:r>
-              <a:rPr lang="ja-JP" sz="1200" b="1" dirty="0">
-                <a:solidFill>
-                  <a:srgbClr val="FFFFFF"/>
-                </a:solidFill>
-                <a:latin typeface="Adobe Clean Han Regular" panose="020B0500000000000000" pitchFamily="34" charset="-128"/>
-                <a:ea typeface="Adobe Clean Han Regular" panose="020B0500000000000000" pitchFamily="34" charset="-128"/>
-                <a:cs typeface="Adobe Clean"/>
-              </a:rPr>
-              <a:t>サポート</a:t>
-            </a:r>
+              <a:t>Accelerated Support</a:t>
+            </a:r>
+            <a:endParaRPr sz="1200" dirty="0">
+              <a:latin typeface="Adobe Clean"/>
+              <a:cs typeface="Adobe Clean"/>
+            </a:endParaRPr>
           </a:p>
         </p:txBody>
       </p:sp>
@@ -11575,8 +13207,8 @@
         </p:nvSpPr>
         <p:spPr>
           <a:xfrm>
-            <a:off x="6477000" y="8543943"/>
-            <a:ext cx="810894" cy="382797"/>
+            <a:off x="6624119" y="8543943"/>
+            <a:ext cx="510540" cy="385445"/>
           </a:xfrm>
           <a:prstGeom prst="rect">
             <a:avLst/>
@@ -11588,7 +13220,7 @@
           </a:bodyPr>
           <a:lstStyle/>
           <a:p>
-            <a:pPr marR="5080" algn="ctr">
+            <a:pPr marL="50800" marR="5080" indent="-51435">
               <a:lnSpc>
                 <a:spcPts val="1390"/>
               </a:lnSpc>
@@ -11597,37 +13229,109 @@
               </a:spcBef>
             </a:pPr>
             <a:r>
-              <a:rPr lang="ja-JP" sz="1200" b="1" dirty="0">
+              <a:rPr sz="1200" b="1" spc="-50" dirty="0">
                 <a:solidFill>
                   <a:srgbClr val="FFFFFF"/>
                 </a:solidFill>
-                <a:latin typeface="Adobe Clean Han Regular" panose="020B0500000000000000" pitchFamily="34" charset="-128"/>
-                <a:ea typeface="Adobe Clean Han Regular" panose="020B0500000000000000" pitchFamily="34" charset="-128"/>
+                <a:latin typeface="Adobe Clean"/>
                 <a:cs typeface="Adobe Clean"/>
               </a:rPr>
-              <a:t>戦略的</a:t>
-            </a:r>
-            <a:br>
-              <a:rPr lang="ja-JP" sz="1200" b="1" dirty="0">
+              <a:t>S</a:t>
+            </a:r>
+            <a:r>
+              <a:rPr sz="1200" b="1" spc="-20" dirty="0">
                 <a:solidFill>
                   <a:srgbClr val="FFFFFF"/>
                 </a:solidFill>
-                <a:latin typeface="Adobe Clean Han Regular" panose="020B0500000000000000" pitchFamily="34" charset="-128"/>
-                <a:ea typeface="Adobe Clean Han Regular" panose="020B0500000000000000" pitchFamily="34" charset="-128"/>
+                <a:latin typeface="Adobe Clean"/>
                 <a:cs typeface="Adobe Clean"/>
               </a:rPr>
-            </a:br>
-            <a:r>
-              <a:rPr lang="ja-JP" sz="1200" b="1" dirty="0">
+              <a:t>t</a:t>
+            </a:r>
+            <a:r>
+              <a:rPr sz="1200" b="1" spc="-75" dirty="0">
                 <a:solidFill>
                   <a:srgbClr val="FFFFFF"/>
                 </a:solidFill>
-                <a:latin typeface="Adobe Clean Han Regular" panose="020B0500000000000000" pitchFamily="34" charset="-128"/>
-                <a:ea typeface="Adobe Clean Han Regular" panose="020B0500000000000000" pitchFamily="34" charset="-128"/>
+                <a:latin typeface="Adobe Clean"/>
                 <a:cs typeface="Adobe Clean"/>
               </a:rPr>
-              <a:t>アドバイス</a:t>
-            </a:r>
+              <a:t>r</a:t>
+            </a:r>
+            <a:r>
+              <a:rPr sz="1200" b="1" spc="-90" dirty="0">
+                <a:solidFill>
+                  <a:srgbClr val="FFFFFF"/>
+                </a:solidFill>
+                <a:latin typeface="Adobe Clean"/>
+                <a:cs typeface="Adobe Clean"/>
+              </a:rPr>
+              <a:t>a</a:t>
+            </a:r>
+            <a:r>
+              <a:rPr sz="1200" b="1" spc="-55" dirty="0">
+                <a:solidFill>
+                  <a:srgbClr val="FFFFFF"/>
+                </a:solidFill>
+                <a:latin typeface="Adobe Clean"/>
+                <a:cs typeface="Adobe Clean"/>
+              </a:rPr>
+              <a:t>t</a:t>
+            </a:r>
+            <a:r>
+              <a:rPr sz="1200" b="1" spc="-100" dirty="0">
+                <a:solidFill>
+                  <a:srgbClr val="FFFFFF"/>
+                </a:solidFill>
+                <a:latin typeface="Adobe Clean"/>
+                <a:cs typeface="Adobe Clean"/>
+              </a:rPr>
+              <a:t>e</a:t>
+            </a:r>
+            <a:r>
+              <a:rPr sz="1200" b="1" spc="-80" dirty="0">
+                <a:solidFill>
+                  <a:srgbClr val="FFFFFF"/>
+                </a:solidFill>
+                <a:latin typeface="Adobe Clean"/>
+                <a:cs typeface="Adobe Clean"/>
+              </a:rPr>
+              <a:t>g</a:t>
+            </a:r>
+            <a:r>
+              <a:rPr sz="1200" b="1" spc="-35" dirty="0">
+                <a:solidFill>
+                  <a:srgbClr val="FFFFFF"/>
+                </a:solidFill>
+                <a:latin typeface="Adobe Clean"/>
+                <a:cs typeface="Adobe Clean"/>
+              </a:rPr>
+              <a:t>i</a:t>
+            </a:r>
+            <a:r>
+              <a:rPr sz="1200" b="1" dirty="0">
+                <a:solidFill>
+                  <a:srgbClr val="FFFFFF"/>
+                </a:solidFill>
+                <a:latin typeface="Adobe Clean"/>
+                <a:cs typeface="Adobe Clean"/>
+              </a:rPr>
+              <a:t>c  </a:t>
+            </a:r>
+            <a:r>
+              <a:rPr sz="1200" b="1" spc="-45" dirty="0">
+                <a:solidFill>
+                  <a:srgbClr val="FFFFFF"/>
+                </a:solidFill>
+                <a:latin typeface="Adobe Clean"/>
+                <a:cs typeface="Adobe Clean"/>
+              </a:rPr>
+              <a:t>Advice</a:t>
+            </a:r>
+            <a:endParaRPr sz="1200" dirty="0">
+              <a:latin typeface="Adobe Clean"/>
+              <a:cs typeface="Adobe Clean"/>
+            </a:endParaRPr>
           </a:p>
         </p:txBody>
       </p:sp>
@@ -11646,14 +13350,14 @@
           <p:nvPr>
             <p:extLst>
               <p:ext uri="{D42A27DB-BD31-4B8C-83A1-F6EECF244321}">
-                <p14:modId xmlns:p14="http://schemas.microsoft.com/office/powerpoint/2010/main" val="2300702165"/>
+                <p14:modId xmlns:p14="http://schemas.microsoft.com/office/powerpoint/2010/main" val="1366573891"/>
               </p:ext>
             </p:extLst>
           </p:nvPr>
         </p:nvGraphicFramePr>
         <p:xfrm>
           <a:off x="194236" y="1059345"/>
-          <a:ext cx="7368291" cy="3235960"/>
+          <a:ext cx="7368291" cy="2931160"/>
         </p:xfrm>
         <a:graphic>
           <a:graphicData uri="http://schemas.openxmlformats.org/drawingml/2006/table">
@@ -11684,17 +13388,25 @@
                     <a:lstStyle/>
                     <a:p>
                       <a:r>
-                        <a:rPr lang="ja-JP" sz="1100" b="0">
+                        <a:rPr lang="en-US" sz="1100" b="0" dirty="0">
                           <a:solidFill>
                             <a:schemeClr val="tx1"/>
                           </a:solidFill>
-                          <a:latin typeface="Adobe Clean Han Regular" panose="020B0500000000000000" pitchFamily="34" charset="-128"/>
-                          <a:ea typeface="Adobe Clean Han Regular" panose="020B0500000000000000" pitchFamily="34" charset="-128"/>
+                          <a:latin typeface="Adobe Clean" panose="020B0503020404020204" pitchFamily="34" charset="0"/>
+                          <a:ea typeface="+mn-ea"/>
                           <a:cs typeface="+mn-cs"/>
                           <a:hlinkClick r:id="rId7"/>
                         </a:rPr>
                         <a:t>Experience League</a:t>
                       </a:r>
+                      <a:endParaRPr lang="en-US" sz="1100" b="0" dirty="0">
+                        <a:solidFill>
+                          <a:schemeClr val="tx1"/>
+                        </a:solidFill>
+                        <a:latin typeface="Adobe Clean" panose="020B0503020404020204" pitchFamily="34" charset="0"/>
+                        <a:ea typeface="+mn-ea"/>
+                        <a:cs typeface="+mn-cs"/>
+                      </a:endParaRPr>
                     </a:p>
                   </a:txBody>
                   <a:tcPr marL="47625" marR="47625" marT="0" marB="0" anchor="ctr">
@@ -11768,15 +13480,15 @@
                         <a:defRPr/>
                       </a:pPr>
                       <a:r>
-                        <a:rPr lang="ja-JP" sz="1000" b="0">
+                        <a:rPr lang="en-US" sz="1000" b="0" kern="1200" dirty="0">
                           <a:solidFill>
                             <a:srgbClr val="000000"/>
                           </a:solidFill>
-                          <a:latin typeface="Adobe Clean Han Regular" panose="020B0500000000000000" pitchFamily="34" charset="-128"/>
-                          <a:ea typeface="Adobe Clean Han Regular" panose="020B0500000000000000" pitchFamily="34" charset="-128"/>
+                          <a:latin typeface="Adobe Clean Light" panose="020B0303020404020204" pitchFamily="34" charset="0"/>
+                          <a:ea typeface="+mn-ea"/>
                           <a:cs typeface="+mn-cs"/>
                         </a:rPr>
-                        <a:t>Experience League では、アドビへの投資に対して企業が期待している価値を実現するための支援を行います。セルフサービスのチュートリアル、製品ドキュメント、講師によるトレーニング、コミュニティ、テクニカルサポートなど、パーソナライズされた成功への道筋に沿って、お客様が学習し、繋がり、成長できる、統合された場所です。 </a:t>
+                        <a:t>Experience League is how Adobe helps businesses achieve the value they expect from their Adobe investment. It’s the unified place where customers can learn, connect, and grow along a personalized path to success that includes self-help tutorials, product documentation, instructor-led training, community and technical support. </a:t>
                       </a:r>
                     </a:p>
                   </a:txBody>
@@ -11858,28 +13570,39 @@
                         <a:defRPr/>
                       </a:pPr>
                       <a:r>
-                        <a:rPr lang="ja-JP" sz="1100" dirty="0">
+                        <a:rPr lang="en-US" sz="1100" dirty="0">
                           <a:solidFill>
                             <a:schemeClr val="dk1"/>
                           </a:solidFill>
-                          <a:latin typeface="Adobe Clean Han Regular" panose="020B0500000000000000" pitchFamily="34" charset="-128"/>
-                          <a:ea typeface="Adobe Clean Han Regular" panose="020B0500000000000000" pitchFamily="34" charset="-128"/>
+                          <a:effectLst/>
+                          <a:latin typeface="Adobe Clean" panose="020B0503020404020204" pitchFamily="34" charset="0"/>
+                          <a:ea typeface="+mn-ea"/>
                           <a:cs typeface="+mn-cs"/>
                           <a:hlinkClick r:id="rId8"/>
                         </a:rPr>
-                        <a:t>トレーニング</a:t>
+                        <a:t>Training</a:t>
                       </a:r>
                       <a:r>
-                        <a:rPr lang="ja-JP" sz="1100" dirty="0">
+                        <a:rPr lang="en-US" sz="1100" dirty="0">
                           <a:solidFill>
                             <a:schemeClr val="dk1"/>
                           </a:solidFill>
-                          <a:latin typeface="Adobe Clean Han Regular" panose="020B0500000000000000" pitchFamily="34" charset="-128"/>
-                          <a:ea typeface="Adobe Clean Han Regular" panose="020B0500000000000000" pitchFamily="34" charset="-128"/>
+                          <a:effectLst/>
+                          <a:latin typeface="Adobe Clean" panose="020B0503020404020204" pitchFamily="34" charset="0"/>
+                          <a:ea typeface="+mn-ea"/>
                           <a:cs typeface="+mn-cs"/>
                         </a:rPr>
                         <a:t> </a:t>
                       </a:r>
+                      <a:endParaRPr lang="en-US" sz="1100" dirty="0">
+                        <a:solidFill>
+                          <a:schemeClr val="tx1"/>
+                        </a:solidFill>
+                        <a:effectLst/>
+                        <a:latin typeface="Adobe Clean" panose="020B0503020404020204" pitchFamily="34" charset="0"/>
+                        <a:ea typeface="+mn-ea"/>
+                        <a:cs typeface="+mn-cs"/>
+                      </a:endParaRPr>
                     </a:p>
                   </a:txBody>
                   <a:tcPr anchor="ctr">
@@ -11953,15 +13676,15 @@
                         <a:defRPr/>
                       </a:pPr>
                       <a:r>
-                        <a:rPr lang="ja-JP" sz="1000">
+                        <a:rPr lang="en-US" sz="1000" kern="1200" dirty="0">
                           <a:solidFill>
                             <a:srgbClr val="000000"/>
                           </a:solidFill>
-                          <a:latin typeface="Adobe Clean Han Regular" panose="020B0500000000000000" pitchFamily="34" charset="-128"/>
-                          <a:ea typeface="Adobe Clean Han Regular" panose="020B0500000000000000" pitchFamily="34" charset="-128"/>
+                          <a:latin typeface="Adobe Clean Light" panose="020B0303020404020204" pitchFamily="34" charset="0"/>
+                          <a:ea typeface="+mn-ea"/>
                           <a:cs typeface="+mn-cs"/>
                         </a:rPr>
-                        <a:t>Adobe Digital Learning Services のコースには、Experience League からアクセスできます。ラーニングコースは、オンデマンドレッスンと講師によるレッスンが統合されています。  市場価値が認められたスキルを習得し、組織での成功を促進するために活用できます。</a:t>
+                        <a:t>Adobe Digital Learning Services courses are accessible from Experience League. Learning courses integrate both on-demand and instructor-led lessons.  Here you can accrue skills that have recognized market value and position them to drive success in your organizations.</a:t>
                       </a:r>
                     </a:p>
                   </a:txBody>
@@ -12043,17 +13766,27 @@
                         <a:defRPr/>
                       </a:pPr>
                       <a:r>
-                        <a:rPr lang="ja-JP" sz="1100">
+                        <a:rPr lang="en-US" sz="1100" dirty="0">
                           <a:solidFill>
                             <a:schemeClr val="tx1"/>
                           </a:solidFill>
-                          <a:latin typeface="Adobe Clean Han Regular" panose="020B0500000000000000" pitchFamily="34" charset="-128"/>
-                          <a:ea typeface="Adobe Clean Han Regular" panose="020B0500000000000000" pitchFamily="34" charset="-128"/>
+                          <a:effectLst/>
+                          <a:latin typeface="Adobe Clean" panose="020B0503020404020204" pitchFamily="34" charset="0"/>
+                          <a:ea typeface="+mn-ea"/>
                           <a:cs typeface="+mn-cs"/>
                           <a:hlinkClick r:id="rId9"/>
                         </a:rPr>
-                        <a:t>本番環境の問題とシステム障害</a:t>
+                        <a:t>Production Issues &amp; System Outages</a:t>
                       </a:r>
+                      <a:endParaRPr lang="en-US" sz="1100" dirty="0">
+                        <a:solidFill>
+                          <a:schemeClr val="tx1"/>
+                        </a:solidFill>
+                        <a:effectLst/>
+                        <a:latin typeface="Adobe Clean" panose="020B0503020404020204" pitchFamily="34" charset="0"/>
+                        <a:ea typeface="+mn-ea"/>
+                        <a:cs typeface="+mn-cs"/>
+                      </a:endParaRPr>
                     </a:p>
                   </a:txBody>
                   <a:tcPr anchor="ctr">
@@ -12127,15 +13860,15 @@
                         <a:defRPr/>
                       </a:pPr>
                       <a:r>
-                        <a:rPr lang="ja-JP" sz="1000" spc="-20" baseline="0" dirty="0">
+                        <a:rPr lang="en-US" sz="1000" kern="1200" dirty="0">
                           <a:solidFill>
                             <a:srgbClr val="000000"/>
                           </a:solidFill>
-                          <a:latin typeface="Adobe Clean Han Regular" panose="020B0500000000000000" pitchFamily="34" charset="-128"/>
-                          <a:ea typeface="Adobe Clean Han Regular" panose="020B0500000000000000" pitchFamily="34" charset="-128"/>
+                          <a:latin typeface="Adobe Clean Light" panose="020B0303020404020204" pitchFamily="34" charset="0"/>
+                          <a:ea typeface="+mn-ea"/>
                           <a:cs typeface="+mn-cs"/>
                         </a:rPr>
-                        <a:t>status.adobe.com では、マルチテナント環境にデプロイされたすべてのアドビ製品およびサービスのシステムステータス情報が表示されます。お客様は、アドビが製品イベントを作成、更新、解決した際に電子メール通知を受け取るようサブスクリプション設定を選択できます。イベントには、定期的なメンテナンスや、様々な重大度レベルの問題が含まれています。 </a:t>
+                        <a:t>Status.adobe.com conveys the health information of all Adobe products and services that are deployed in multi-tenant environments. Customers can choose their subscription preferences to get email notifications whenever Adobe creates, updates or resolves a product event. This can include scheduled maintenance or service issues of varying levels of severity. </a:t>
                       </a:r>
                     </a:p>
                   </a:txBody>
@@ -12217,17 +13950,27 @@
                         <a:defRPr/>
                       </a:pPr>
                       <a:r>
-                        <a:rPr lang="ja-JP" sz="1100">
+                        <a:rPr lang="en-US" sz="1100" dirty="0">
                           <a:solidFill>
                             <a:schemeClr val="tx1"/>
                           </a:solidFill>
-                          <a:latin typeface="Adobe Clean Han Regular" panose="020B0500000000000000" pitchFamily="34" charset="-128"/>
-                          <a:ea typeface="Adobe Clean Han Regular" panose="020B0500000000000000" pitchFamily="34" charset="-128"/>
+                          <a:effectLst/>
+                          <a:latin typeface="Adobe Clean" panose="020B0503020404020204" pitchFamily="34" charset="0"/>
+                          <a:ea typeface="+mn-ea"/>
                           <a:cs typeface="+mn-cs"/>
                           <a:hlinkClick r:id="rId10"/>
                         </a:rPr>
-                        <a:t>利用規約</a:t>
+                        <a:t>Terms and Conditions</a:t>
                       </a:r>
+                      <a:endParaRPr lang="en-US" sz="1100" dirty="0">
+                        <a:solidFill>
+                          <a:schemeClr val="tx1"/>
+                        </a:solidFill>
+                        <a:effectLst/>
+                        <a:latin typeface="Adobe Clean" panose="020B0503020404020204" pitchFamily="34" charset="0"/>
+                        <a:ea typeface="+mn-ea"/>
+                        <a:cs typeface="+mn-cs"/>
+                      </a:endParaRPr>
                     </a:p>
                   </a:txBody>
                   <a:tcPr anchor="ctr">
@@ -12284,15 +14027,15 @@
                     <a:lstStyle/>
                     <a:p>
                       <a:r>
-                        <a:rPr lang="ja-JP" sz="1000" dirty="0">
+                        <a:rPr lang="en-US" sz="1000" kern="1200" dirty="0">
                           <a:solidFill>
                             <a:srgbClr val="000000"/>
                           </a:solidFill>
-                          <a:latin typeface="Adobe Clean Han Regular" panose="020B0500000000000000" pitchFamily="34" charset="-128"/>
-                          <a:ea typeface="Adobe Clean Han Regular" panose="020B0500000000000000" pitchFamily="34" charset="-128"/>
+                          <a:latin typeface="Adobe Clean Light" panose="020B0303020404020204" pitchFamily="34" charset="0"/>
+                          <a:ea typeface="+mn-ea"/>
                           <a:cs typeface="+mn-cs"/>
                         </a:rPr>
-                        <a:t>提供するサポートサービスについて詳しく説明されています。</a:t>
+                        <a:t>Terms and conditions detailing Support Services offerings.</a:t>
                       </a:r>
                     </a:p>
                   </a:txBody>
@@ -12528,13 +14271,71 @@
     <a:fontScheme name="Office">
       <a:majorFont>
         <a:latin typeface="Calibri"/>
-        <a:ea typeface="MS Mincho"/>
+        <a:ea typeface=""/>
         <a:cs typeface=""/>
+        <a:font script="Jpan" typeface="ＭＳ Ｐゴシック"/>
+        <a:font script="Hang" typeface="맑은 고딕"/>
+        <a:font script="Hans" typeface="宋体"/>
+        <a:font script="Hant" typeface="新細明體"/>
+        <a:font script="Arab" typeface="Times New Roman"/>
+        <a:font script="Hebr" typeface="Times New Roman"/>
+        <a:font script="Thai" typeface="Angsana New"/>
+        <a:font script="Ethi" typeface="Nyala"/>
+        <a:font script="Beng" typeface="Vrinda"/>
+        <a:font script="Gujr" typeface="Shruti"/>
+        <a:font script="Khmr" typeface="MoolBoran"/>
+        <a:font script="Knda" typeface="Tunga"/>
+        <a:font script="Guru" typeface="Raavi"/>
+        <a:font script="Cans" typeface="Euphemia"/>
+        <a:font script="Cher" typeface="Plantagenet Cherokee"/>
+        <a:font script="Yiii" typeface="Microsoft Yi Baiti"/>
+        <a:font script="Tibt" typeface="Microsoft Himalaya"/>
+        <a:font script="Thaa" typeface="MV Boli"/>
+        <a:font script="Deva" typeface="Mangal"/>
+        <a:font script="Telu" typeface="Gautami"/>
+        <a:font script="Taml" typeface="Latha"/>
+        <a:font script="Syrc" typeface="Estrangelo Edessa"/>
+        <a:font script="Orya" typeface="Kalinga"/>
+        <a:font script="Mlym" typeface="Kartika"/>
+        <a:font script="Laoo" typeface="DokChampa"/>
+        <a:font script="Sinh" typeface="Iskoola Pota"/>
+        <a:font script="Mong" typeface="Mongolian Baiti"/>
+        <a:font script="Viet" typeface="Times New Roman"/>
+        <a:font script="Uigh" typeface="Microsoft Uighur"/>
       </a:majorFont>
       <a:minorFont>
         <a:latin typeface="Calibri"/>
-        <a:ea typeface="MS Mincho"/>
+        <a:ea typeface=""/>
         <a:cs typeface=""/>
+        <a:font script="Jpan" typeface="ＭＳ Ｐゴシック"/>
+        <a:font script="Hang" typeface="맑은 고딕"/>
+        <a:font script="Hans" typeface="宋体"/>
+        <a:font script="Hant" typeface="新細明體"/>
+        <a:font script="Arab" typeface="Arial"/>
+        <a:font script="Hebr" typeface="Arial"/>
+        <a:font script="Thai" typeface="Cordia New"/>
+        <a:font script="Ethi" typeface="Nyala"/>
+        <a:font script="Beng" typeface="Vrinda"/>
+        <a:font script="Gujr" typeface="Shruti"/>
+        <a:font script="Khmr" typeface="DaunPenh"/>
+        <a:font script="Knda" typeface="Tunga"/>
+        <a:font script="Guru" typeface="Raavi"/>
+        <a:font script="Cans" typeface="Euphemia"/>
+        <a:font script="Cher" typeface="Plantagenet Cherokee"/>
+        <a:font script="Yiii" typeface="Microsoft Yi Baiti"/>
+        <a:font script="Tibt" typeface="Microsoft Himalaya"/>
+        <a:font script="Thaa" typeface="MV Boli"/>
+        <a:font script="Deva" typeface="Mangal"/>
+        <a:font script="Telu" typeface="Gautami"/>
+        <a:font script="Taml" typeface="Latha"/>
+        <a:font script="Syrc" typeface="Estrangelo Edessa"/>
+        <a:font script="Orya" typeface="Kalinga"/>
+        <a:font script="Mlym" typeface="Kartika"/>
+        <a:font script="Laoo" typeface="DokChampa"/>
+        <a:font script="Sinh" typeface="Iskoola Pota"/>
+        <a:font script="Mong" typeface="Mongolian Baiti"/>
+        <a:font script="Viet" typeface="Arial"/>
+        <a:font script="Uigh" typeface="Microsoft Uighur"/>
       </a:minorFont>
     </a:fontScheme>
     <a:fmtScheme name="Office">
@@ -12753,13 +14554,107 @@
     <a:fontScheme name="Office">
       <a:majorFont>
         <a:latin typeface="Calibri Light" panose="020F0302020204030204"/>
-        <a:ea typeface="MS Mincho"/>
+        <a:ea typeface=""/>
         <a:cs typeface=""/>
+        <a:font script="Jpan" typeface="游ゴシック Light"/>
+        <a:font script="Hang" typeface="맑은 고딕"/>
+        <a:font script="Hans" typeface="等线 Light"/>
+        <a:font script="Hant" typeface="新細明體"/>
+        <a:font script="Arab" typeface="Times New Roman"/>
+        <a:font script="Hebr" typeface="Times New Roman"/>
+        <a:font script="Thai" typeface="Angsana New"/>
+        <a:font script="Ethi" typeface="Nyala"/>
+        <a:font script="Beng" typeface="Vrinda"/>
+        <a:font script="Gujr" typeface="Shruti"/>
+        <a:font script="Khmr" typeface="MoolBoran"/>
+        <a:font script="Knda" typeface="Tunga"/>
+        <a:font script="Guru" typeface="Raavi"/>
+        <a:font script="Cans" typeface="Euphemia"/>
+        <a:font script="Cher" typeface="Plantagenet Cherokee"/>
+        <a:font script="Yiii" typeface="Microsoft Yi Baiti"/>
+        <a:font script="Tibt" typeface="Microsoft Himalaya"/>
+        <a:font script="Thaa" typeface="MV Boli"/>
+        <a:font script="Deva" typeface="Mangal"/>
+        <a:font script="Telu" typeface="Gautami"/>
+        <a:font script="Taml" typeface="Latha"/>
+        <a:font script="Syrc" typeface="Estrangelo Edessa"/>
+        <a:font script="Orya" typeface="Kalinga"/>
+        <a:font script="Mlym" typeface="Kartika"/>
+        <a:font script="Laoo" typeface="DokChampa"/>
+        <a:font script="Sinh" typeface="Iskoola Pota"/>
+        <a:font script="Mong" typeface="Mongolian Baiti"/>
+        <a:font script="Viet" typeface="Times New Roman"/>
+        <a:font script="Uigh" typeface="Microsoft Uighur"/>
+        <a:font script="Geor" typeface="Sylfaen"/>
+        <a:font script="Armn" typeface="Arial"/>
+        <a:font script="Bugi" typeface="Leelawadee UI"/>
+        <a:font script="Bopo" typeface="Microsoft JhengHei"/>
+        <a:font script="Java" typeface="Javanese Text"/>
+        <a:font script="Lisu" typeface="Segoe UI"/>
+        <a:font script="Mymr" typeface="Myanmar Text"/>
+        <a:font script="Nkoo" typeface="Ebrima"/>
+        <a:font script="Olck" typeface="Nirmala UI"/>
+        <a:font script="Osma" typeface="Ebrima"/>
+        <a:font script="Phag" typeface="Phagspa"/>
+        <a:font script="Syrn" typeface="Estrangelo Edessa"/>
+        <a:font script="Syrj" typeface="Estrangelo Edessa"/>
+        <a:font script="Syre" typeface="Estrangelo Edessa"/>
+        <a:font script="Sora" typeface="Nirmala UI"/>
+        <a:font script="Tale" typeface="Microsoft Tai Le"/>
+        <a:font script="Talu" typeface="Microsoft New Tai Lue"/>
+        <a:font script="Tfng" typeface="Ebrima"/>
       </a:majorFont>
       <a:minorFont>
         <a:latin typeface="Calibri" panose="020F0502020204030204"/>
-        <a:ea typeface="MS Mincho"/>
+        <a:ea typeface=""/>
         <a:cs typeface=""/>
+        <a:font script="Jpan" typeface="游ゴシック"/>
+        <a:font script="Hang" typeface="맑은 고딕"/>
+        <a:font script="Hans" typeface="等线"/>
+        <a:font script="Hant" typeface="新細明體"/>
+        <a:font script="Arab" typeface="Arial"/>
+        <a:font script="Hebr" typeface="Arial"/>
+        <a:font script="Thai" typeface="Cordia New"/>
+        <a:font script="Ethi" typeface="Nyala"/>
+        <a:font script="Beng" typeface="Vrinda"/>
+        <a:font script="Gujr" typeface="Shruti"/>
+        <a:font script="Khmr" typeface="DaunPenh"/>
+        <a:font script="Knda" typeface="Tunga"/>
+        <a:font script="Guru" typeface="Raavi"/>
+        <a:font script="Cans" typeface="Euphemia"/>
+        <a:font script="Cher" typeface="Plantagenet Cherokee"/>
+        <a:font script="Yiii" typeface="Microsoft Yi Baiti"/>
+        <a:font script="Tibt" typeface="Microsoft Himalaya"/>
+        <a:font script="Thaa" typeface="MV Boli"/>
+        <a:font script="Deva" typeface="Mangal"/>
+        <a:font script="Telu" typeface="Gautami"/>
+        <a:font script="Taml" typeface="Latha"/>
+        <a:font script="Syrc" typeface="Estrangelo Edessa"/>
+        <a:font script="Orya" typeface="Kalinga"/>
+        <a:font script="Mlym" typeface="Kartika"/>
+        <a:font script="Laoo" typeface="DokChampa"/>
+        <a:font script="Sinh" typeface="Iskoola Pota"/>
+        <a:font script="Mong" typeface="Mongolian Baiti"/>
+        <a:font script="Viet" typeface="Arial"/>
+        <a:font script="Uigh" typeface="Microsoft Uighur"/>
+        <a:font script="Geor" typeface="Sylfaen"/>
+        <a:font script="Armn" typeface="Arial"/>
+        <a:font script="Bugi" typeface="Leelawadee UI"/>
+        <a:font script="Bopo" typeface="Microsoft JhengHei"/>
+        <a:font script="Java" typeface="Javanese Text"/>
+        <a:font script="Lisu" typeface="Segoe UI"/>
+        <a:font script="Mymr" typeface="Myanmar Text"/>
+        <a:font script="Nkoo" typeface="Ebrima"/>
+        <a:font script="Olck" typeface="Nirmala UI"/>
+        <a:font script="Osma" typeface="Ebrima"/>
+        <a:font script="Phag" typeface="Phagspa"/>
+        <a:font script="Syrn" typeface="Estrangelo Edessa"/>
+        <a:font script="Syrj" typeface="Estrangelo Edessa"/>
+        <a:font script="Syre" typeface="Estrangelo Edessa"/>
+        <a:font script="Sora" typeface="Nirmala UI"/>
+        <a:font script="Tale" typeface="Microsoft Tai Le"/>
+        <a:font script="Talu" typeface="Microsoft New Tai Lue"/>
+        <a:font script="Tfng" typeface="Ebrima"/>
       </a:minorFont>
     </a:fontScheme>
     <a:fmtScheme name="Office">
@@ -12911,6 +14806,21 @@
 </file>
 
 <file path=customXml/item1.xml><?xml version="1.0" encoding="utf-8"?>
+<?mso-contentType ?>
+<FormTemplates xmlns="http://schemas.microsoft.com/sharepoint/v3/contenttype/forms">
+  <Display>DocumentLibraryForm</Display>
+  <Edit>DocumentLibraryForm</Edit>
+  <New>DocumentLibraryForm</New>
+</FormTemplates>
+</file>
+
+<file path=customXml/item2.xml><?xml version="1.0" encoding="utf-8"?>
+<p:properties xmlns:p="http://schemas.microsoft.com/office/2006/metadata/properties" xmlns:xsi="http://www.w3.org/2001/XMLSchema-instance" xmlns:pc="http://schemas.microsoft.com/office/infopath/2007/PartnerControls">
+  <documentManagement/>
+</p:properties>
+</file>
+
+<file path=customXml/item3.xml><?xml version="1.0" encoding="utf-8"?>
 <ct:contentTypeSchema xmlns:ct="http://schemas.microsoft.com/office/2006/metadata/contentType" xmlns:ma="http://schemas.microsoft.com/office/2006/metadata/properties/metaAttributes" ct:_="" ma:_="" ma:contentTypeName="Document" ma:contentTypeID="0x010100E783BF6876BCC646A459363AF21A7736" ma:contentTypeVersion="10" ma:contentTypeDescription="Create a new document." ma:contentTypeScope="" ma:versionID="c4ffda7f4f415767600769e454c2ea87">
   <xsd:schema xmlns:xsd="http://www.w3.org/2001/XMLSchema" xmlns:xs="http://www.w3.org/2001/XMLSchema" xmlns:p="http://schemas.microsoft.com/office/2006/metadata/properties" xmlns:ns2="8a053bff-88be-49e4-9a87-e748e18b8b62" xmlns:ns3="6c8368ec-3776-49b5-a5bb-90648cf9530f" targetNamespace="http://schemas.microsoft.com/office/2006/metadata/properties" ma:root="true" ma:fieldsID="df3ec33bccc23e23bce7bc897fad43d1" ns2:_="" ns3:_="">
     <xsd:import namespace="8a053bff-88be-49e4-9a87-e748e18b8b62"/>
@@ -13115,22 +15025,32 @@
 </ct:contentTypeSchema>
 </file>
 
-<file path=customXml/item2.xml><?xml version="1.0" encoding="utf-8"?>
-<p:properties xmlns:p="http://schemas.microsoft.com/office/2006/metadata/properties" xmlns:xsi="http://www.w3.org/2001/XMLSchema-instance" xmlns:pc="http://schemas.microsoft.com/office/infopath/2007/PartnerControls">
-  <documentManagement/>
-</p:properties>
+<file path=customXml/itemProps1.xml><?xml version="1.0" encoding="utf-8"?>
+<ds:datastoreItem xmlns:ds="http://schemas.openxmlformats.org/officeDocument/2006/customXml" ds:itemID="{AC92E7FA-19A2-4675-9C77-2C92D8A268D1}">
+  <ds:schemaRefs>
+    <ds:schemaRef ds:uri="http://schemas.microsoft.com/sharepoint/v3/contenttype/forms"/>
+  </ds:schemaRefs>
+</ds:datastoreItem>
 </file>
 
-<file path=customXml/item3.xml><?xml version="1.0" encoding="utf-8"?>
-<?mso-contentType ?>
-<FormTemplates xmlns="http://schemas.microsoft.com/sharepoint/v3/contenttype/forms">
-  <Display>DocumentLibraryForm</Display>
-  <Edit>DocumentLibraryForm</Edit>
-  <New>DocumentLibraryForm</New>
-</FormTemplates>
+<file path=customXml/itemProps2.xml><?xml version="1.0" encoding="utf-8"?>
+<ds:datastoreItem xmlns:ds="http://schemas.openxmlformats.org/officeDocument/2006/customXml" ds:itemID="{8D12BD98-169B-4BEE-86DF-4C9641DF23C4}">
+  <ds:schemaRefs>
+    <ds:schemaRef ds:uri="http://schemas.microsoft.com/office/2006/documentManagement/types"/>
+    <ds:schemaRef ds:uri="http://schemas.microsoft.com/office/2006/metadata/properties"/>
+    <ds:schemaRef ds:uri="http://www.w3.org/XML/1998/namespace"/>
+    <ds:schemaRef ds:uri="http://purl.org/dc/terms/"/>
+    <ds:schemaRef ds:uri="http://purl.org/dc/elements/1.1/"/>
+    <ds:schemaRef ds:uri="http://schemas.microsoft.com/office/infopath/2007/PartnerControls"/>
+    <ds:schemaRef ds:uri="http://schemas.openxmlformats.org/package/2006/metadata/core-properties"/>
+    <ds:schemaRef ds:uri="8a053bff-88be-49e4-9a87-e748e18b8b62"/>
+    <ds:schemaRef ds:uri="6c8368ec-3776-49b5-a5bb-90648cf9530f"/>
+    <ds:schemaRef ds:uri="http://purl.org/dc/dcmitype/"/>
+  </ds:schemaRefs>
+</ds:datastoreItem>
 </file>
 
-<file path=customXml/itemProps1.xml><?xml version="1.0" encoding="utf-8"?>
+<file path=customXml/itemProps3.xml><?xml version="1.0" encoding="utf-8"?>
 <ds:datastoreItem xmlns:ds="http://schemas.openxmlformats.org/officeDocument/2006/customXml" ds:itemID="{34863498-7BB7-4F09-9F4A-B99E97FDB0EB}">
   <ds:schemaRefs>
     <ds:schemaRef ds:uri="http://schemas.microsoft.com/office/2006/metadata/contentType"/>
@@ -13147,21 +15067,4 @@
     <ds:schemaRef ds:uri="http://schemas.microsoft.com/internal/obd"/>
   </ds:schemaRefs>
 </ds:datastoreItem>
-</file>
-
-<file path=customXml/itemProps2.xml><?xml version="1.0" encoding="utf-8"?>
-<ds:datastoreItem xmlns:ds="http://schemas.openxmlformats.org/officeDocument/2006/customXml" ds:itemID="{8D12BD98-169B-4BEE-86DF-4C9641DF23C4}">
-  <ds:schemaRefs>
-    <ds:schemaRef ds:uri="http://schemas.microsoft.com/office/2006/metadata/properties"/>
-    <ds:schemaRef ds:uri="http://schemas.microsoft.com/office/infopath/2007/PartnerControls"/>
-  </ds:schemaRefs>
-</ds:datastoreItem>
-</file>
-
-<file path=customXml/itemProps3.xml><?xml version="1.0" encoding="utf-8"?>
-<ds:datastoreItem xmlns:ds="http://schemas.openxmlformats.org/officeDocument/2006/customXml" ds:itemID="{AC92E7FA-19A2-4675-9C77-2C92D8A268D1}">
-  <ds:schemaRefs>
-    <ds:schemaRef ds:uri="http://schemas.microsoft.com/sharepoint/v3/contenttype/forms"/>
-  </ds:schemaRefs>
-</ds:datastoreItem>
 </file>
--- a/help/data-sheets/assets/OnlineSupportDatasheet.pptx
+++ b/help/data-sheets/assets/OnlineSupportDatasheet.pptx
@@ -131,7 +131,7 @@
 <file path=ppt/revisionInfo.xml><?xml version="1.0" encoding="utf-8"?>
 <p1510:revInfo xmlns:a="http://schemas.openxmlformats.org/drawingml/2006/main" xmlns:r="http://schemas.openxmlformats.org/officeDocument/2006/relationships" xmlns:p1510="http://schemas.microsoft.com/office/powerpoint/2015/10/main">
   <p1510:revLst>
-    <p1510:client id="{096F7488-A26A-D845-83B0-BE2FC48D1AFD}" v="1" dt="2021-10-13T19:37:08.512"/>
+    <p1510:client id="{5343DD59-8FB2-7AAD-1875-255EDB54B98D}" v="367" dt="2021-09-22T18:47:16.489"/>
   </p1510:revLst>
 </p1510:revInfo>
 </file>
@@ -167,186 +167,6 @@
             <ac:graphicFrameMk id="25" creationId="{3A91F5B0-3974-A14D-A146-FB590F2AAD18}"/>
           </ac:graphicFrameMkLst>
         </pc:graphicFrameChg>
-      </pc:sldChg>
-    </pc:docChg>
-  </pc:docChgLst>
-  <pc:docChgLst>
-    <pc:chgData name="Akilah Johnson" userId="S::akjohnso@adobe.com::2fa3aa60-0c9c-4d06-bae2-795983241227" providerId="AD" clId="Web-{57A486D7-8267-4044-450E-B1D42691F1A4}"/>
-    <pc:docChg chg="modSld">
-      <pc:chgData name="Akilah Johnson" userId="S::akjohnso@adobe.com::2fa3aa60-0c9c-4d06-bae2-795983241227" providerId="AD" clId="Web-{57A486D7-8267-4044-450E-B1D42691F1A4}" dt="2021-10-12T15:47:55.091" v="2" actId="20577"/>
-      <pc:docMkLst>
-        <pc:docMk/>
-      </pc:docMkLst>
-      <pc:sldChg chg="modSp">
-        <pc:chgData name="Akilah Johnson" userId="S::akjohnso@adobe.com::2fa3aa60-0c9c-4d06-bae2-795983241227" providerId="AD" clId="Web-{57A486D7-8267-4044-450E-B1D42691F1A4}" dt="2021-10-12T15:47:55.091" v="2" actId="20577"/>
-        <pc:sldMkLst>
-          <pc:docMk/>
-          <pc:sldMk cId="0" sldId="256"/>
-        </pc:sldMkLst>
-        <pc:spChg chg="mod">
-          <ac:chgData name="Akilah Johnson" userId="S::akjohnso@adobe.com::2fa3aa60-0c9c-4d06-bae2-795983241227" providerId="AD" clId="Web-{57A486D7-8267-4044-450E-B1D42691F1A4}" dt="2021-10-12T15:47:55.091" v="2" actId="20577"/>
-          <ac:spMkLst>
-            <pc:docMk/>
-            <pc:sldMk cId="0" sldId="256"/>
-            <ac:spMk id="5" creationId="{00000000-0000-0000-0000-000000000000}"/>
-          </ac:spMkLst>
-        </pc:spChg>
-      </pc:sldChg>
-    </pc:docChg>
-  </pc:docChgLst>
-  <pc:docChgLst>
-    <pc:chgData name="Lauren Schutte" userId="6e08b2d3-447a-4d66-86be-444d50df187f" providerId="ADAL" clId="{096F7488-A26A-D845-83B0-BE2FC48D1AFD}"/>
-    <pc:docChg chg="modSld">
-      <pc:chgData name="Lauren Schutte" userId="6e08b2d3-447a-4d66-86be-444d50df187f" providerId="ADAL" clId="{096F7488-A26A-D845-83B0-BE2FC48D1AFD}" dt="2021-10-13T19:38:26.139" v="4" actId="20577"/>
-      <pc:docMkLst>
-        <pc:docMk/>
-      </pc:docMkLst>
-      <pc:sldChg chg="modSp mod">
-        <pc:chgData name="Lauren Schutte" userId="6e08b2d3-447a-4d66-86be-444d50df187f" providerId="ADAL" clId="{096F7488-A26A-D845-83B0-BE2FC48D1AFD}" dt="2021-10-13T19:37:16.686" v="2" actId="242"/>
-        <pc:sldMkLst>
-          <pc:docMk/>
-          <pc:sldMk cId="0" sldId="256"/>
-        </pc:sldMkLst>
-        <pc:graphicFrameChg chg="mod modGraphic">
-          <ac:chgData name="Lauren Schutte" userId="6e08b2d3-447a-4d66-86be-444d50df187f" providerId="ADAL" clId="{096F7488-A26A-D845-83B0-BE2FC48D1AFD}" dt="2021-10-13T19:37:16.686" v="2" actId="242"/>
-          <ac:graphicFrameMkLst>
-            <pc:docMk/>
-            <pc:sldMk cId="0" sldId="256"/>
-            <ac:graphicFrameMk id="9" creationId="{00000000-0000-0000-0000-000000000000}"/>
-          </ac:graphicFrameMkLst>
-        </pc:graphicFrameChg>
-      </pc:sldChg>
-      <pc:sldChg chg="modSp mod">
-        <pc:chgData name="Lauren Schutte" userId="6e08b2d3-447a-4d66-86be-444d50df187f" providerId="ADAL" clId="{096F7488-A26A-D845-83B0-BE2FC48D1AFD}" dt="2021-10-13T19:38:11.810" v="3" actId="20577"/>
-        <pc:sldMkLst>
-          <pc:docMk/>
-          <pc:sldMk cId="0" sldId="257"/>
-        </pc:sldMkLst>
-        <pc:spChg chg="mod">
-          <ac:chgData name="Lauren Schutte" userId="6e08b2d3-447a-4d66-86be-444d50df187f" providerId="ADAL" clId="{096F7488-A26A-D845-83B0-BE2FC48D1AFD}" dt="2021-10-13T19:38:11.810" v="3" actId="20577"/>
-          <ac:spMkLst>
-            <pc:docMk/>
-            <pc:sldMk cId="0" sldId="257"/>
-            <ac:spMk id="39" creationId="{00000000-0000-0000-0000-000000000000}"/>
-          </ac:spMkLst>
-        </pc:spChg>
-      </pc:sldChg>
-      <pc:sldChg chg="modSp mod">
-        <pc:chgData name="Lauren Schutte" userId="6e08b2d3-447a-4d66-86be-444d50df187f" providerId="ADAL" clId="{096F7488-A26A-D845-83B0-BE2FC48D1AFD}" dt="2021-10-13T19:38:26.139" v="4" actId="20577"/>
-        <pc:sldMkLst>
-          <pc:docMk/>
-          <pc:sldMk cId="799510854" sldId="260"/>
-        </pc:sldMkLst>
-        <pc:graphicFrameChg chg="modGraphic">
-          <ac:chgData name="Lauren Schutte" userId="6e08b2d3-447a-4d66-86be-444d50df187f" providerId="ADAL" clId="{096F7488-A26A-D845-83B0-BE2FC48D1AFD}" dt="2021-10-13T19:38:26.139" v="4" actId="20577"/>
-          <ac:graphicFrameMkLst>
-            <pc:docMk/>
-            <pc:sldMk cId="799510854" sldId="260"/>
-            <ac:graphicFrameMk id="111" creationId="{D8653CEC-4213-DE40-9BAF-D1E3318FF89C}"/>
-          </ac:graphicFrameMkLst>
-        </pc:graphicFrameChg>
-      </pc:sldChg>
-    </pc:docChg>
-  </pc:docChgLst>
-  <pc:docChgLst>
-    <pc:chgData name="Akilah Johnson" userId="S::akjohnso@adobe.com::2fa3aa60-0c9c-4d06-bae2-795983241227" providerId="AD" clId="Web-{CF46E89E-48FC-BA32-13C5-654DDA452FDC}"/>
-    <pc:docChg chg="modSld">
-      <pc:chgData name="Akilah Johnson" userId="S::akjohnso@adobe.com::2fa3aa60-0c9c-4d06-bae2-795983241227" providerId="AD" clId="Web-{CF46E89E-48FC-BA32-13C5-654DDA452FDC}" dt="2021-10-12T17:00:50.675" v="21" actId="20577"/>
-      <pc:docMkLst>
-        <pc:docMk/>
-      </pc:docMkLst>
-      <pc:sldChg chg="modSp">
-        <pc:chgData name="Akilah Johnson" userId="S::akjohnso@adobe.com::2fa3aa60-0c9c-4d06-bae2-795983241227" providerId="AD" clId="Web-{CF46E89E-48FC-BA32-13C5-654DDA452FDC}" dt="2021-10-12T16:58:10.550" v="6" actId="20577"/>
-        <pc:sldMkLst>
-          <pc:docMk/>
-          <pc:sldMk cId="0" sldId="256"/>
-        </pc:sldMkLst>
-        <pc:spChg chg="mod">
-          <ac:chgData name="Akilah Johnson" userId="S::akjohnso@adobe.com::2fa3aa60-0c9c-4d06-bae2-795983241227" providerId="AD" clId="Web-{CF46E89E-48FC-BA32-13C5-654DDA452FDC}" dt="2021-10-12T16:58:10.550" v="6" actId="20577"/>
-          <ac:spMkLst>
-            <pc:docMk/>
-            <pc:sldMk cId="0" sldId="256"/>
-            <ac:spMk id="2" creationId="{00000000-0000-0000-0000-000000000000}"/>
-          </ac:spMkLst>
-        </pc:spChg>
-        <pc:graphicFrameChg chg="mod modGraphic">
-          <ac:chgData name="Akilah Johnson" userId="S::akjohnso@adobe.com::2fa3aa60-0c9c-4d06-bae2-795983241227" providerId="AD" clId="Web-{CF46E89E-48FC-BA32-13C5-654DDA452FDC}" dt="2021-10-12T16:57:07.113" v="1"/>
-          <ac:graphicFrameMkLst>
-            <pc:docMk/>
-            <pc:sldMk cId="0" sldId="256"/>
-            <ac:graphicFrameMk id="8" creationId="{00000000-0000-0000-0000-000000000000}"/>
-          </ac:graphicFrameMkLst>
-        </pc:graphicFrameChg>
-      </pc:sldChg>
-      <pc:sldChg chg="modSp">
-        <pc:chgData name="Akilah Johnson" userId="S::akjohnso@adobe.com::2fa3aa60-0c9c-4d06-bae2-795983241227" providerId="AD" clId="Web-{CF46E89E-48FC-BA32-13C5-654DDA452FDC}" dt="2021-10-12T16:59:59.628" v="14" actId="20577"/>
-        <pc:sldMkLst>
-          <pc:docMk/>
-          <pc:sldMk cId="0" sldId="257"/>
-        </pc:sldMkLst>
-        <pc:spChg chg="mod">
-          <ac:chgData name="Akilah Johnson" userId="S::akjohnso@adobe.com::2fa3aa60-0c9c-4d06-bae2-795983241227" providerId="AD" clId="Web-{CF46E89E-48FC-BA32-13C5-654DDA452FDC}" dt="2021-10-12T16:59:21.300" v="12" actId="20577"/>
-          <ac:spMkLst>
-            <pc:docMk/>
-            <pc:sldMk cId="0" sldId="257"/>
-            <ac:spMk id="39" creationId="{00000000-0000-0000-0000-000000000000}"/>
-          </ac:spMkLst>
-        </pc:spChg>
-        <pc:spChg chg="mod">
-          <ac:chgData name="Akilah Johnson" userId="S::akjohnso@adobe.com::2fa3aa60-0c9c-4d06-bae2-795983241227" providerId="AD" clId="Web-{CF46E89E-48FC-BA32-13C5-654DDA452FDC}" dt="2021-10-12T16:59:59.628" v="14" actId="20577"/>
-          <ac:spMkLst>
-            <pc:docMk/>
-            <pc:sldMk cId="0" sldId="257"/>
-            <ac:spMk id="46" creationId="{00000000-0000-0000-0000-000000000000}"/>
-          </ac:spMkLst>
-        </pc:spChg>
-      </pc:sldChg>
-      <pc:sldChg chg="modSp">
-        <pc:chgData name="Akilah Johnson" userId="S::akjohnso@adobe.com::2fa3aa60-0c9c-4d06-bae2-795983241227" providerId="AD" clId="Web-{CF46E89E-48FC-BA32-13C5-654DDA452FDC}" dt="2021-10-12T17:00:50.675" v="21" actId="20577"/>
-        <pc:sldMkLst>
-          <pc:docMk/>
-          <pc:sldMk cId="799510854" sldId="260"/>
-        </pc:sldMkLst>
-        <pc:spChg chg="mod">
-          <ac:chgData name="Akilah Johnson" userId="S::akjohnso@adobe.com::2fa3aa60-0c9c-4d06-bae2-795983241227" providerId="AD" clId="Web-{CF46E89E-48FC-BA32-13C5-654DDA452FDC}" dt="2021-10-12T17:00:50.675" v="21" actId="20577"/>
-          <ac:spMkLst>
-            <pc:docMk/>
-            <pc:sldMk cId="799510854" sldId="260"/>
-            <ac:spMk id="24" creationId="{00000000-0000-0000-0000-000000000000}"/>
-          </ac:spMkLst>
-        </pc:spChg>
-        <pc:spChg chg="mod">
-          <ac:chgData name="Akilah Johnson" userId="S::akjohnso@adobe.com::2fa3aa60-0c9c-4d06-bae2-795983241227" providerId="AD" clId="Web-{CF46E89E-48FC-BA32-13C5-654DDA452FDC}" dt="2021-10-12T17:00:45.784" v="19" actId="20577"/>
-          <ac:spMkLst>
-            <pc:docMk/>
-            <pc:sldMk cId="799510854" sldId="260"/>
-            <ac:spMk id="56" creationId="{00000000-0000-0000-0000-000000000000}"/>
-          </ac:spMkLst>
-        </pc:spChg>
-      </pc:sldChg>
-    </pc:docChg>
-  </pc:docChgLst>
-  <pc:docChgLst>
-    <pc:chgData name="Akilah Johnson" userId="S::akjohnso@adobe.com::2fa3aa60-0c9c-4d06-bae2-795983241227" providerId="AD" clId="Web-{19E88417-C612-7196-8214-73025F75FA84}"/>
-    <pc:docChg chg="modSld">
-      <pc:chgData name="Akilah Johnson" userId="S::akjohnso@adobe.com::2fa3aa60-0c9c-4d06-bae2-795983241227" providerId="AD" clId="Web-{19E88417-C612-7196-8214-73025F75FA84}" dt="2021-10-12T19:15:42.562" v="5" actId="20577"/>
-      <pc:docMkLst>
-        <pc:docMk/>
-      </pc:docMkLst>
-      <pc:sldChg chg="modSp">
-        <pc:chgData name="Akilah Johnson" userId="S::akjohnso@adobe.com::2fa3aa60-0c9c-4d06-bae2-795983241227" providerId="AD" clId="Web-{19E88417-C612-7196-8214-73025F75FA84}" dt="2021-10-12T19:15:42.562" v="5" actId="20577"/>
-        <pc:sldMkLst>
-          <pc:docMk/>
-          <pc:sldMk cId="0" sldId="256"/>
-        </pc:sldMkLst>
-        <pc:spChg chg="mod">
-          <ac:chgData name="Akilah Johnson" userId="S::akjohnso@adobe.com::2fa3aa60-0c9c-4d06-bae2-795983241227" providerId="AD" clId="Web-{19E88417-C612-7196-8214-73025F75FA84}" dt="2021-10-12T19:15:42.562" v="5" actId="20577"/>
-          <ac:spMkLst>
-            <pc:docMk/>
-            <pc:sldMk cId="0" sldId="256"/>
-            <ac:spMk id="13" creationId="{7979C0CC-523E-844A-96DC-75FC662E01AB}"/>
-          </ac:spMkLst>
-        </pc:spChg>
       </pc:sldChg>
     </pc:docChg>
   </pc:docChgLst>
@@ -435,7 +255,7 @@
           <a:p>
             <a:fld id="{A438815C-EDE5-F947-A55F-7634403F36C4}" type="datetimeFigureOut">
               <a:rPr lang="en-US" smtClean="0"/>
-              <a:t>10/13/21</a:t>
+              <a:t>10/1/2021</a:t>
             </a:fld>
             <a:endParaRPr lang="en-US"/>
           </a:p>
@@ -1058,7 +878,7 @@
           <a:p>
             <a:fld id="{1D8BD707-D9CF-40AE-B4C6-C98DA3205C09}" type="datetimeFigureOut">
               <a:rPr lang="en-US"/>
-              <a:t>10/13/21</a:t>
+              <a:t>10/1/2021</a:t>
             </a:fld>
             <a:endParaRPr lang="en-US"/>
           </a:p>
@@ -1242,7 +1062,7 @@
           <a:p>
             <a:fld id="{1D8BD707-D9CF-40AE-B4C6-C98DA3205C09}" type="datetimeFigureOut">
               <a:rPr lang="en-US"/>
-              <a:t>10/13/21</a:t>
+              <a:t>10/1/2021</a:t>
             </a:fld>
             <a:endParaRPr lang="en-US"/>
           </a:p>
@@ -1544,7 +1364,7 @@
           <a:p>
             <a:fld id="{1D8BD707-D9CF-40AE-B4C6-C98DA3205C09}" type="datetimeFigureOut">
               <a:rPr lang="en-US"/>
-              <a:t>10/13/21</a:t>
+              <a:t>10/1/2021</a:t>
             </a:fld>
             <a:endParaRPr lang="en-US"/>
           </a:p>
@@ -1799,25 +1619,28 @@
         <p:spPr>
           <a:xfrm>
             <a:off x="95250" y="7228840"/>
-            <a:ext cx="2884717" cy="227626"/>
+            <a:ext cx="4248150" cy="227626"/>
           </a:xfrm>
           <a:prstGeom prst="rect">
             <a:avLst/>
           </a:prstGeom>
         </p:spPr>
         <p:txBody>
-          <a:bodyPr vert="horz" wrap="square" lIns="0" tIns="12065" rIns="0" bIns="0" rtlCol="0" anchor="t">
+          <a:bodyPr vert="horz" wrap="square" lIns="0" tIns="12065" rIns="0" bIns="0" rtlCol="0">
             <a:spAutoFit/>
           </a:bodyPr>
           <a:lstStyle/>
           <a:p>
             <a:pPr marL="12700">
+              <a:lnSpc>
+                <a:spcPct val="100000"/>
+              </a:lnSpc>
               <a:spcBef>
                 <a:spcPts val="95"/>
               </a:spcBef>
             </a:pPr>
             <a:r>
-              <a:rPr sz="1400" b="1" u="heavy" spc="10" dirty="0">
+              <a:rPr lang="ja-JP" sz="1400" b="1" u="heavy">
                 <a:solidFill>
                   <a:srgbClr val="020302"/>
                 </a:solidFill>
@@ -1826,90 +1649,12 @@
                     <a:srgbClr val="020302"/>
                   </a:solidFill>
                 </a:uFill>
-                <a:latin typeface="Adobe Clean"/>
+                <a:latin typeface="Adobe Clean Han Regular" panose="020B0500000000000000" pitchFamily="34" charset="-128"/>
+                <a:ea typeface="Adobe Clean Han Regular" panose="020B0500000000000000" pitchFamily="34" charset="-128"/>
                 <a:cs typeface="Adobe Clean"/>
               </a:rPr>
-              <a:t>Service </a:t>
+              <a:t>サービスレベルターゲット：初期対応</a:t>
             </a:r>
-            <a:r>
-              <a:rPr sz="1400" b="1" u="heavy" spc="-10" dirty="0">
-                <a:solidFill>
-                  <a:srgbClr val="020302"/>
-                </a:solidFill>
-                <a:uFill>
-                  <a:solidFill>
-                    <a:srgbClr val="020302"/>
-                  </a:solidFill>
-                </a:uFill>
-                <a:latin typeface="Adobe Clean"/>
-                <a:cs typeface="Adobe Clean"/>
-              </a:rPr>
-              <a:t>Level </a:t>
-            </a:r>
-            <a:r>
-              <a:rPr sz="1400" b="1" u="heavy" spc="-45" dirty="0">
-                <a:solidFill>
-                  <a:srgbClr val="020302"/>
-                </a:solidFill>
-                <a:uFill>
-                  <a:solidFill>
-                    <a:srgbClr val="020302"/>
-                  </a:solidFill>
-                </a:uFill>
-                <a:latin typeface="Adobe Clean"/>
-                <a:cs typeface="Adobe Clean"/>
-              </a:rPr>
-              <a:t>Targets: </a:t>
-            </a:r>
-            <a:r>
-              <a:rPr sz="1400" b="1" u="heavy" spc="-10" dirty="0">
-                <a:solidFill>
-                  <a:srgbClr val="020302"/>
-                </a:solidFill>
-                <a:uFill>
-                  <a:solidFill>
-                    <a:srgbClr val="020302"/>
-                  </a:solidFill>
-                </a:uFill>
-                <a:latin typeface="Adobe Clean"/>
-                <a:cs typeface="Adobe Clean"/>
-              </a:rPr>
-              <a:t>Initial</a:t>
-            </a:r>
-            <a:r>
-              <a:rPr lang="en-US" sz="1400" b="1" u="heavy" spc="-10" dirty="0">
-                <a:solidFill>
-                  <a:srgbClr val="020302"/>
-                </a:solidFill>
-                <a:uFill>
-                  <a:solidFill>
-                    <a:srgbClr val="020302"/>
-                  </a:solidFill>
-                </a:uFill>
-                <a:latin typeface="Adobe Clean"/>
-                <a:cs typeface="Adobe Clean"/>
-              </a:rPr>
-              <a:t> </a:t>
-            </a:r>
-            <a:r>
-              <a:rPr sz="1400" b="1" u="heavy" spc="-15" dirty="0">
-                <a:solidFill>
-                  <a:srgbClr val="020302"/>
-                </a:solidFill>
-                <a:uFill>
-                  <a:solidFill>
-                    <a:srgbClr val="020302"/>
-                  </a:solidFill>
-                </a:uFill>
-                <a:latin typeface="Adobe Clean"/>
-                <a:cs typeface="Adobe Clean"/>
-              </a:rPr>
-              <a:t>Response</a:t>
-            </a:r>
-            <a:endParaRPr sz="1400" dirty="0">
-              <a:latin typeface="Adobe Clean"/>
-              <a:cs typeface="Adobe Clean"/>
-            </a:endParaRPr>
           </a:p>
         </p:txBody>
       </p:sp>
@@ -1938,7 +1683,10 @@
           <a:bodyPr wrap="square" lIns="0" tIns="0" rIns="0" bIns="0" rtlCol="0"/>
           <a:lstStyle/>
           <a:p>
-            <a:endParaRPr/>
+            <a:endParaRPr>
+              <a:latin typeface="Adobe Clean Han Regular" panose="020B0500000000000000" pitchFamily="34" charset="-128"/>
+              <a:ea typeface="Adobe Clean Han Regular" panose="020B0500000000000000" pitchFamily="34" charset="-128"/>
+            </a:endParaRPr>
           </a:p>
         </p:txBody>
       </p:sp>
@@ -1951,14 +1699,14 @@
         <p:spPr>
           <a:xfrm>
             <a:off x="136772" y="813361"/>
-            <a:ext cx="6035427" cy="1089529"/>
+            <a:ext cx="6035427" cy="1085746"/>
           </a:xfrm>
           <a:prstGeom prst="rect">
             <a:avLst/>
           </a:prstGeom>
         </p:spPr>
         <p:txBody>
-          <a:bodyPr vert="horz" wrap="square" lIns="0" tIns="24130" rIns="0" bIns="0" rtlCol="0" anchor="t">
+          <a:bodyPr vert="horz" wrap="square" lIns="0" tIns="24130" rIns="0" bIns="0" rtlCol="0">
             <a:spAutoFit/>
           </a:bodyPr>
           <a:lstStyle/>
@@ -1972,42 +1720,51 @@
               </a:spcBef>
             </a:pPr>
             <a:r>
-              <a:rPr lang="en-US" sz="1200" b="1" dirty="0">
+              <a:rPr lang="ja-JP" sz="1050" b="1" dirty="0">
                 <a:solidFill>
                   <a:schemeClr val="bg1"/>
                 </a:solidFill>
+                <a:latin typeface="Adobe Clean Han Regular" panose="020B0500000000000000" pitchFamily="34" charset="-128"/>
+                <a:ea typeface="Adobe Clean Han Regular" panose="020B0500000000000000" pitchFamily="34" charset="-128"/>
               </a:rPr>
-              <a:t>Online</a:t>
+              <a:t>オンライン</a:t>
             </a:r>
             <a:r>
-              <a:rPr lang="en-US" sz="1200" dirty="0">
+              <a:rPr lang="ja-JP" sz="1050" dirty="0">
                 <a:solidFill>
                   <a:schemeClr val="bg1"/>
                 </a:solidFill>
-                <a:latin typeface="Adobe Clean Light"/>
+                <a:latin typeface="Adobe Clean Han Regular" panose="020B0500000000000000" pitchFamily="34" charset="-128"/>
+                <a:ea typeface="Adobe Clean Han Regular" panose="020B0500000000000000" pitchFamily="34" charset="-128"/>
               </a:rPr>
-              <a:t> | Business | Enterprise | Elite</a:t>
+              <a:t> | ビジネス | エンタープライズ | エリート</a:t>
             </a:r>
             <a:br>
-              <a:rPr lang="en-US" sz="900" dirty="0">
-                <a:latin typeface="Adobe Clean Light" panose="020B0303020404020204" pitchFamily="34" charset="0"/>
+              <a:rPr lang="ja-JP" sz="700" dirty="0">
+                <a:solidFill>
+                  <a:schemeClr val="bg1"/>
+                </a:solidFill>
+                <a:latin typeface="Adobe Clean Han Regular" panose="020B0500000000000000" pitchFamily="34" charset="-128"/>
+                <a:ea typeface="Adobe Clean Han Regular" panose="020B0500000000000000" pitchFamily="34" charset="-128"/>
               </a:rPr>
             </a:br>
             <a:r>
-              <a:rPr lang="en-US" sz="900" dirty="0">
+              <a:rPr lang="ja-JP" sz="700" dirty="0">
                 <a:solidFill>
                   <a:schemeClr val="bg1"/>
                 </a:solidFill>
-                <a:latin typeface="Adobe Clean SemiLight"/>
+                <a:latin typeface="Adobe Clean Han Regular" panose="020B0500000000000000" pitchFamily="34" charset="-128"/>
+                <a:ea typeface="Adobe Clean Han Regular" panose="020B0500000000000000" pitchFamily="34" charset="-128"/>
               </a:rPr>
-              <a:t>Adobe provides a comprehensive range of technical resources to help support your business included as part of your Experience Cloud license subscription. Online support includes access to personalized learning paths and monitored community forums via the Adobe Experience League. You can take advantage of our detailed and in-depth technical product documentation and current release notes published on </a:t>
+              <a:t>アドビでは、お客様のビジネスをサポートするために、包括的なテクニカルリソースを提供しています。これらのリソースは、Experience Cloud のライセンスサブスクリプションに含まれています。オンラインサポートでは、Adobe Experience League のパーソナライズされたラーニングパスやモニタリングされているコミュニティフォーラムへのアクセスが提供されます。アドビ製品に関する詳細なテクニカルドキュメントや最新のリリースノートは </a:t>
             </a:r>
             <a:r>
-              <a:rPr lang="en-US" sz="900" u="sng" dirty="0">
+              <a:rPr lang="ja-JP" sz="700" u="sng" dirty="0">
                 <a:solidFill>
                   <a:schemeClr val="bg1"/>
                 </a:solidFill>
-                <a:latin typeface="Adobe Clean SemiLight"/>
+                <a:latin typeface="Adobe Clean Han Regular" panose="020B0500000000000000" pitchFamily="34" charset="-128"/>
+                <a:ea typeface="Adobe Clean Han Regular" panose="020B0500000000000000" pitchFamily="34" charset="-128"/>
                 <a:hlinkClick r:id="rId4">
                   <a:extLst>
                     <a:ext uri="{A12FA001-AC4F-418D-AE19-62706E023703}">
@@ -2016,24 +1773,18 @@
                   </a:extLst>
                 </a:hlinkClick>
               </a:rPr>
-              <a:t>http://www.adobe.com. </a:t>
+              <a:t>http://www.adobe.com</a:t>
             </a:r>
             <a:r>
-              <a:rPr lang="en-US" sz="900" dirty="0">
+              <a:rPr lang="ja-JP" sz="700" dirty="0">
                 <a:solidFill>
                   <a:schemeClr val="bg1"/>
                 </a:solidFill>
-                <a:latin typeface="Adobe Clean SemiLight"/>
+                <a:latin typeface="Adobe Clean Han Regular" panose="020B0500000000000000" pitchFamily="34" charset="-128"/>
+                <a:ea typeface="Adobe Clean Han Regular" panose="020B0500000000000000" pitchFamily="34" charset="-128"/>
               </a:rPr>
-              <a:t>Our Online package also includes access to our technical support teams for any critical P1 product issues via telephone to help protect your business at the most critical times as well as providing the ability to log lower priority requests for assistance via support web portal.</a:t>
+              <a:t> で公開されており、いつでも参照可能です。また、オンラインサポートには、テクニカルサポートチームへのアクセスが含まれています。優先度 1（P1）に分類される最も深刻な問題については、必要なときに電話による直接サポートを受けることができます。より優先度が低いリクエストなどは、サポート web ポータルを使用して申請することが可能です。</a:t>
             </a:r>
-            <a:endParaRPr lang="en-US" sz="900" dirty="0">
-              <a:solidFill>
-                <a:schemeClr val="bg1"/>
-              </a:solidFill>
-              <a:latin typeface="Adobe Clean SemiLight"/>
-              <a:cs typeface="AdobeClean-Light"/>
-            </a:endParaRPr>
           </a:p>
         </p:txBody>
       </p:sp>
@@ -2062,7 +1813,10 @@
           <a:bodyPr wrap="square" lIns="0" tIns="0" rIns="0" bIns="0" rtlCol="0"/>
           <a:lstStyle/>
           <a:p>
-            <a:endParaRPr/>
+            <a:endParaRPr>
+              <a:latin typeface="Adobe Clean Han Regular" panose="020B0500000000000000" pitchFamily="34" charset="-128"/>
+              <a:ea typeface="Adobe Clean Han Regular" panose="020B0500000000000000" pitchFamily="34" charset="-128"/>
+            </a:endParaRPr>
           </a:p>
         </p:txBody>
       </p:sp>
@@ -2075,14 +1829,14 @@
           <p:nvPr>
             <p:extLst>
               <p:ext uri="{D42A27DB-BD31-4B8C-83A1-F6EECF244321}">
-                <p14:modId xmlns:p14="http://schemas.microsoft.com/office/powerpoint/2010/main" val="1047125657"/>
+                <p14:modId xmlns:p14="http://schemas.microsoft.com/office/powerpoint/2010/main" val="3747290874"/>
               </p:ext>
             </p:extLst>
           </p:nvPr>
         </p:nvGraphicFramePr>
         <p:xfrm>
-          <a:off x="0" y="1938946"/>
-          <a:ext cx="7705343" cy="5227197"/>
+          <a:off x="0" y="1938948"/>
+          <a:ext cx="7705343" cy="5057617"/>
         </p:xfrm>
         <a:graphic>
           <a:graphicData uri="http://schemas.openxmlformats.org/drawingml/2006/table">
@@ -2141,13 +1895,16 @@
                   </a:extLst>
                 </a:gridCol>
               </a:tblGrid>
-              <a:tr h="218820">
+              <a:tr h="345489">
                 <a:tc gridSpan="2">
                   <a:txBody>
                     <a:bodyPr/>
                     <a:lstStyle/>
                     <a:p>
-                      <a:endParaRPr lang="en-US" spc="0" dirty="0"/>
+                      <a:endParaRPr lang="en-US" spc="0" dirty="0">
+                        <a:latin typeface="Adobe Clean Han Regular" panose="020B0500000000000000" pitchFamily="34" charset="-128"/>
+                        <a:ea typeface="Adobe Clean Han Regular" panose="020B0500000000000000" pitchFamily="34" charset="-128"/>
+                      </a:endParaRPr>
                     </a:p>
                   </a:txBody>
                   <a:tcPr/>
@@ -2176,39 +1933,16 @@
                         </a:spcBef>
                       </a:pPr>
                       <a:r>
-                        <a:rPr sz="900" spc="0" dirty="0">
+                        <a:rPr lang="ja-JP" sz="600">
                           <a:solidFill>
                             <a:srgbClr val="404040"/>
                           </a:solidFill>
-                          <a:latin typeface="Adobe Clean"/>
+                          <a:latin typeface="Adobe Clean Han Regular" panose="020B0500000000000000" pitchFamily="34" charset="-128"/>
+                          <a:ea typeface="Adobe Clean Han Regular" panose="020B0500000000000000" pitchFamily="34" charset="-128"/>
                           <a:cs typeface="Adobe Clean"/>
                         </a:rPr>
-                        <a:t>Online</a:t>
+                        <a:t>オンラインサポート</a:t>
                       </a:r>
-                      <a:r>
-                        <a:rPr lang="en-US" sz="900" spc="0" dirty="0">
-                          <a:solidFill>
-                            <a:srgbClr val="404040"/>
-                          </a:solidFill>
-                          <a:latin typeface="Adobe Clean"/>
-                          <a:cs typeface="Adobe Clean"/>
-                        </a:rPr>
-                        <a:t> </a:t>
-                      </a:r>
-                      <a:r>
-                        <a:rPr sz="900" spc="0" dirty="0">
-                          <a:solidFill>
-                            <a:srgbClr val="404040"/>
-                          </a:solidFill>
-                          <a:latin typeface="Adobe Clean"/>
-                          <a:cs typeface="Adobe Clean"/>
-                        </a:rPr>
-                        <a:t>Support</a:t>
-                      </a:r>
-                      <a:endParaRPr sz="900" spc="0" dirty="0">
-                        <a:latin typeface="Adobe Clean"/>
-                        <a:cs typeface="Adobe Clean"/>
-                      </a:endParaRPr>
                     </a:p>
                   </a:txBody>
                   <a:tcPr marL="0" marR="0" marT="7620" marB="0" anchor="ctr">
@@ -2243,92 +1977,116 @@
                         </a:spcBef>
                       </a:pPr>
                       <a:r>
-                        <a:rPr sz="900" spc="0" dirty="0">
+                        <a:rPr lang="ja-JP" sz="600">
+                          <a:solidFill>
+                            <a:srgbClr val="FFFFFF"/>
+                          </a:solidFill>
+                          <a:latin typeface="Adobe Clean Han Regular" panose="020B0500000000000000" pitchFamily="34" charset="-128"/>
+                          <a:ea typeface="Adobe Clean Han Regular" panose="020B0500000000000000" pitchFamily="34" charset="-128"/>
+                          <a:cs typeface="Adobe Clean"/>
+                        </a:rPr>
+                        <a:t>ビジネスサポート</a:t>
+                      </a:r>
+                    </a:p>
+                  </a:txBody>
+                  <a:tcPr marL="0" marR="0" marT="7620" marB="0" anchor="ctr">
+                    <a:lnL w="3175">
+                      <a:solidFill>
+                        <a:srgbClr val="B7B8B8"/>
+                      </a:solidFill>
+                      <a:prstDash val="solid"/>
+                    </a:lnL>
+                    <a:lnR w="3175">
+                      <a:solidFill>
+                        <a:srgbClr val="B7B8B8"/>
+                      </a:solidFill>
+                      <a:prstDash val="solid"/>
+                    </a:lnR>
+                    <a:lnB w="76200">
+                      <a:solidFill>
+                        <a:srgbClr val="ACD2FF"/>
+                      </a:solidFill>
+                      <a:prstDash val="solid"/>
+                    </a:lnB>
+                    <a:solidFill>
+                      <a:srgbClr val="7D7D7D"/>
+                    </a:solidFill>
+                  </a:tcPr>
+                </a:tc>
+                <a:tc gridSpan="2">
+                  <a:txBody>
+                    <a:bodyPr/>
+                    <a:lstStyle/>
+                    <a:p>
+                      <a:pPr marL="2540" algn="ctr">
+                        <a:lnSpc>
+                          <a:spcPct val="100000"/>
+                        </a:lnSpc>
+                        <a:spcBef>
+                          <a:spcPts val="60"/>
+                        </a:spcBef>
+                      </a:pPr>
+                      <a:r>
+                        <a:rPr lang="ja-JP" sz="600">
+                          <a:solidFill>
+                            <a:srgbClr val="FFFFFF"/>
+                          </a:solidFill>
+                          <a:latin typeface="Adobe Clean Han Regular" panose="020B0500000000000000" pitchFamily="34" charset="-128"/>
+                          <a:ea typeface="Adobe Clean Han Regular" panose="020B0500000000000000" pitchFamily="34" charset="-128"/>
+                          <a:cs typeface="Adobe Clean"/>
+                        </a:rPr>
+                        <a:t>エンタープライズサポート</a:t>
+                      </a:r>
+                    </a:p>
+                  </a:txBody>
+                  <a:tcPr marL="0" marR="0" marT="7620" marB="0" anchor="ctr">
+                    <a:lnL w="3175">
+                      <a:solidFill>
+                        <a:srgbClr val="B7B8B8"/>
+                      </a:solidFill>
+                      <a:prstDash val="solid"/>
+                    </a:lnL>
+                    <a:lnR w="3175">
+                      <a:solidFill>
+                        <a:srgbClr val="B7B8B8"/>
+                      </a:solidFill>
+                      <a:prstDash val="solid"/>
+                    </a:lnR>
+                    <a:lnB w="76200">
+                      <a:solidFill>
+                        <a:srgbClr val="2E8FFF"/>
+                      </a:solidFill>
+                      <a:prstDash val="solid"/>
+                    </a:lnB>
+                    <a:solidFill>
+                      <a:srgbClr val="404040"/>
+                    </a:solidFill>
+                  </a:tcPr>
+                </a:tc>
+                <a:tc hMerge="1">
+                  <a:txBody>
+                    <a:bodyPr/>
+                    <a:lstStyle/>
+                    <a:p>
+                      <a:pPr marL="635" algn="ctr">
+                        <a:lnSpc>
+                          <a:spcPct val="100000"/>
+                        </a:lnSpc>
+                        <a:spcBef>
+                          <a:spcPts val="60"/>
+                        </a:spcBef>
+                      </a:pPr>
+                      <a:r>
+                        <a:rPr lang="ja-JP" sz="900">
                           <a:solidFill>
                             <a:srgbClr val="FFFFFF"/>
                           </a:solidFill>
                           <a:latin typeface="Adobe Clean"/>
+                          <a:ea typeface="MS Mincho"/>
                           <a:cs typeface="Adobe Clean"/>
                         </a:rPr>
-                        <a:t>Business</a:t>
+                        <a:t>エンタープライズサポート</a:t>
                       </a:r>
-                      <a:r>
-                        <a:rPr lang="en-US" sz="900" spc="0" dirty="0">
-                          <a:solidFill>
-                            <a:srgbClr val="FFFFFF"/>
-                          </a:solidFill>
-                          <a:latin typeface="Adobe Clean"/>
-                          <a:cs typeface="Adobe Clean"/>
-                        </a:rPr>
-                        <a:t> </a:t>
-                      </a:r>
-                      <a:r>
-                        <a:rPr sz="900" spc="0" dirty="0">
-                          <a:solidFill>
-                            <a:srgbClr val="FFFFFF"/>
-                          </a:solidFill>
-                          <a:latin typeface="Adobe Clean"/>
-                          <a:cs typeface="Adobe Clean"/>
-                        </a:rPr>
-                        <a:t>Support</a:t>
-                      </a:r>
-                      <a:endParaRPr sz="900" spc="0" dirty="0">
-                        <a:latin typeface="Adobe Clean"/>
-                        <a:cs typeface="Adobe Clean"/>
-                      </a:endParaRPr>
-                    </a:p>
-                  </a:txBody>
-                  <a:tcPr marL="0" marR="0" marT="7620" marB="0" anchor="ctr">
-                    <a:lnL w="3175">
-                      <a:solidFill>
-                        <a:srgbClr val="B7B8B8"/>
-                      </a:solidFill>
-                      <a:prstDash val="solid"/>
-                    </a:lnL>
-                    <a:lnR w="3175">
-                      <a:solidFill>
-                        <a:srgbClr val="B7B8B8"/>
-                      </a:solidFill>
-                      <a:prstDash val="solid"/>
-                    </a:lnR>
-                    <a:lnB w="76200">
-                      <a:solidFill>
-                        <a:srgbClr val="ACD2FF"/>
-                      </a:solidFill>
-                      <a:prstDash val="solid"/>
-                    </a:lnB>
-                    <a:solidFill>
-                      <a:srgbClr val="7D7D7D"/>
-                    </a:solidFill>
-                  </a:tcPr>
-                </a:tc>
-                <a:tc gridSpan="2">
-                  <a:txBody>
-                    <a:bodyPr/>
-                    <a:lstStyle/>
-                    <a:p>
-                      <a:pPr marL="2540" algn="ctr">
-                        <a:lnSpc>
-                          <a:spcPct val="100000"/>
-                        </a:lnSpc>
-                        <a:spcBef>
-                          <a:spcPts val="60"/>
-                        </a:spcBef>
-                      </a:pPr>
-                      <a:r>
-                        <a:rPr lang="en-US" sz="900" spc="0" dirty="0">
-                          <a:solidFill>
-                            <a:srgbClr val="FFFFFF"/>
-                          </a:solidFill>
-                          <a:latin typeface="Adobe Clean"/>
-                          <a:cs typeface="Adobe Clean"/>
-                        </a:rPr>
-                        <a:t>Enterprise Support</a:t>
-                      </a:r>
-                      <a:endParaRPr sz="900" spc="0" dirty="0">
-                        <a:latin typeface="Adobe Clean"/>
-                        <a:cs typeface="Adobe Clean"/>
-                      </a:endParaRPr>
                     </a:p>
                   </a:txBody>
                   <a:tcPr marL="0" marR="0" marT="7620" marB="0" anchor="ctr">
@@ -2355,7 +2113,7 @@
                     </a:solidFill>
                   </a:tcPr>
                 </a:tc>
-                <a:tc hMerge="1">
+                <a:tc>
                   <a:txBody>
                     <a:bodyPr/>
                     <a:lstStyle/>
@@ -2369,112 +2127,16 @@
                         </a:spcBef>
                       </a:pPr>
                       <a:r>
-                        <a:rPr sz="900" spc="-20" dirty="0">
+                        <a:rPr lang="ja-JP" sz="600" dirty="0">
                           <a:solidFill>
                             <a:srgbClr val="FFFFFF"/>
                           </a:solidFill>
-                          <a:latin typeface="Adobe Clean"/>
+                          <a:latin typeface="Adobe Clean Han Regular" panose="020B0500000000000000" pitchFamily="34" charset="-128"/>
+                          <a:ea typeface="Adobe Clean Han Regular" panose="020B0500000000000000" pitchFamily="34" charset="-128"/>
                           <a:cs typeface="Adobe Clean"/>
                         </a:rPr>
-                        <a:t>Enterprise</a:t>
+                        <a:t>エリートサポート</a:t>
                       </a:r>
-                      <a:r>
-                        <a:rPr lang="en-US" sz="900" spc="-20" dirty="0">
-                          <a:solidFill>
-                            <a:srgbClr val="FFFFFF"/>
-                          </a:solidFill>
-                          <a:latin typeface="Adobe Clean"/>
-                          <a:cs typeface="Adobe Clean"/>
-                        </a:rPr>
-                        <a:t> </a:t>
-                      </a:r>
-                      <a:r>
-                        <a:rPr sz="900" spc="-20" dirty="0">
-                          <a:solidFill>
-                            <a:srgbClr val="FFFFFF"/>
-                          </a:solidFill>
-                          <a:latin typeface="Adobe Clean"/>
-                          <a:cs typeface="Adobe Clean"/>
-                        </a:rPr>
-                        <a:t>Support</a:t>
-                      </a:r>
-                      <a:endParaRPr sz="900" dirty="0">
-                        <a:latin typeface="Adobe Clean"/>
-                        <a:cs typeface="Adobe Clean"/>
-                      </a:endParaRPr>
-                    </a:p>
-                  </a:txBody>
-                  <a:tcPr marL="0" marR="0" marT="7620" marB="0" anchor="ctr">
-                    <a:lnL w="3175">
-                      <a:solidFill>
-                        <a:srgbClr val="B7B8B8"/>
-                      </a:solidFill>
-                      <a:prstDash val="solid"/>
-                    </a:lnL>
-                    <a:lnR w="3175">
-                      <a:solidFill>
-                        <a:srgbClr val="B7B8B8"/>
-                      </a:solidFill>
-                      <a:prstDash val="solid"/>
-                    </a:lnR>
-                    <a:lnB w="76200">
-                      <a:solidFill>
-                        <a:srgbClr val="2E8FFF"/>
-                      </a:solidFill>
-                      <a:prstDash val="solid"/>
-                    </a:lnB>
-                    <a:solidFill>
-                      <a:srgbClr val="404040"/>
-                    </a:solidFill>
-                  </a:tcPr>
-                </a:tc>
-                <a:tc>
-                  <a:txBody>
-                    <a:bodyPr/>
-                    <a:lstStyle/>
-                    <a:p>
-                      <a:pPr marL="635" algn="ctr">
-                        <a:lnSpc>
-                          <a:spcPct val="100000"/>
-                        </a:lnSpc>
-                        <a:spcBef>
-                          <a:spcPts val="60"/>
-                        </a:spcBef>
-                      </a:pPr>
-                      <a:r>
-                        <a:rPr sz="900" spc="0" dirty="0">
-                          <a:solidFill>
-                            <a:srgbClr val="FFFFFF"/>
-                          </a:solidFill>
-                          <a:latin typeface="Adobe Clean"/>
-                          <a:cs typeface="Adobe Clean"/>
-                        </a:rPr>
-                        <a:t>Elite</a:t>
-                      </a:r>
-                      <a:r>
-                        <a:rPr lang="en-US" sz="900" spc="0" dirty="0">
-                          <a:solidFill>
-                            <a:srgbClr val="FFFFFF"/>
-                          </a:solidFill>
-                          <a:latin typeface="Adobe Clean"/>
-                          <a:cs typeface="Adobe Clean"/>
-                        </a:rPr>
-                        <a:t> </a:t>
-                      </a:r>
-                      <a:r>
-                        <a:rPr sz="900" spc="0" dirty="0">
-                          <a:solidFill>
-                            <a:srgbClr val="FFFFFF"/>
-                          </a:solidFill>
-                          <a:latin typeface="Adobe Clean"/>
-                          <a:cs typeface="Adobe Clean"/>
-                        </a:rPr>
-                        <a:t>Support</a:t>
-                      </a:r>
-                      <a:endParaRPr sz="900" spc="0" dirty="0">
-                        <a:latin typeface="Adobe Clean"/>
-                        <a:cs typeface="Adobe Clean"/>
-                      </a:endParaRPr>
                     </a:p>
                   </a:txBody>
                   <a:tcPr marL="0" marR="0" marT="7620" marB="0" anchor="ctr">
@@ -2501,13 +2163,16 @@
                   </a:ext>
                 </a:extLst>
               </a:tr>
-              <a:tr h="0">
+              <a:tr h="345489">
                 <a:tc gridSpan="2">
                   <a:txBody>
                     <a:bodyPr/>
                     <a:lstStyle/>
                     <a:p>
-                      <a:endParaRPr lang="en-US" spc="0" dirty="0"/>
+                      <a:endParaRPr lang="en-US" spc="0" dirty="0">
+                        <a:latin typeface="Adobe Clean Han Regular" panose="020B0500000000000000" pitchFamily="34" charset="-128"/>
+                        <a:ea typeface="Adobe Clean Han Regular" panose="020B0500000000000000" pitchFamily="34" charset="-128"/>
+                      </a:endParaRPr>
                     </a:p>
                   </a:txBody>
                   <a:tcPr/>
@@ -2527,7 +2192,7 @@
                     <a:bodyPr/>
                     <a:lstStyle/>
                     <a:p>
-                      <a:pPr marL="255904" marR="248920" indent="-25400">
+                      <a:pPr marL="255904" marR="248920" indent="-25400" algn="l" rtl="0">
                         <a:lnSpc>
                           <a:spcPct val="100000"/>
                         </a:lnSpc>
@@ -2536,7 +2201,8 @@
                         </a:spcBef>
                       </a:pPr>
                       <a:endParaRPr sz="800" spc="0" dirty="0">
-                        <a:latin typeface="AdobeClean-LightIt"/>
+                        <a:latin typeface="Adobe Clean Han Regular" panose="020B0500000000000000" pitchFamily="34" charset="-128"/>
+                        <a:ea typeface="Adobe Clean Han Regular" panose="020B0500000000000000" pitchFamily="34" charset="-128"/>
                         <a:cs typeface="AdobeClean-LightIt"/>
                       </a:endParaRPr>
                     </a:p>
@@ -2581,29 +2247,16 @@
                         </a:spcBef>
                       </a:pPr>
                       <a:r>
-                        <a:rPr lang="en-US" sz="800" i="1" spc="0" dirty="0">
+                        <a:rPr lang="ja-JP" sz="800" i="1">
                           <a:solidFill>
                             <a:srgbClr val="FFFFFF"/>
                           </a:solidFill>
-                          <a:latin typeface="Adobe Clean"/>
+                          <a:latin typeface="Adobe Clean Han Regular" panose="020B0500000000000000" pitchFamily="34" charset="-128"/>
+                          <a:ea typeface="Adobe Clean Han Regular" panose="020B0500000000000000" pitchFamily="34" charset="-128"/>
                           <a:cs typeface="Adobe Clean"/>
                         </a:rPr>
-                        <a:t>Paid</a:t>
+                        <a:t>有償サポートレベル（$）</a:t>
                       </a:r>
-                      <a:r>
-                        <a:rPr sz="800" i="1" spc="0" dirty="0">
-                          <a:solidFill>
-                            <a:srgbClr val="FFFFFF"/>
-                          </a:solidFill>
-                          <a:latin typeface="Adobe Clean"/>
-                          <a:cs typeface="Adobe Clean"/>
-                        </a:rPr>
-                        <a:t> Support Levels($)</a:t>
-                      </a:r>
-                      <a:endParaRPr sz="800" spc="0" dirty="0">
-                        <a:latin typeface="Adobe Clean"/>
-                        <a:cs typeface="Adobe Clean"/>
-                      </a:endParaRPr>
                     </a:p>
                   </a:txBody>
                   <a:tcPr marL="0" marR="0" marT="82550" marB="0" anchor="ctr">
@@ -2675,7 +2328,7 @@
                   </a:ext>
                 </a:extLst>
               </a:tr>
-              <a:tr h="264424">
+              <a:tr h="243081">
                 <a:tc rowSpan="3">
                   <a:txBody>
                     <a:bodyPr/>
@@ -2690,22 +2343,16 @@
                         </a:spcBef>
                       </a:pPr>
                       <a:r>
-                        <a:rPr lang="en-US" sz="1000" b="1" i="0" spc="0" dirty="0">
+                        <a:rPr lang="ja-JP" sz="1000" b="1" i="0">
                           <a:solidFill>
                             <a:schemeClr val="bg1"/>
                           </a:solidFill>
-                          <a:latin typeface="Adobe Clean" panose="020B0503020404020204" pitchFamily="34" charset="0"/>
+                          <a:latin typeface="Adobe Clean Han Regular" panose="020B0500000000000000" pitchFamily="34" charset="-128"/>
+                          <a:ea typeface="Adobe Clean Han Regular" panose="020B0500000000000000" pitchFamily="34" charset="-128"/>
                           <a:cs typeface="AdobeClean-Light"/>
                         </a:rPr>
-                        <a:t>Assigned Experts</a:t>
+                        <a:t>担当エキスパート</a:t>
                       </a:r>
-                      <a:endParaRPr sz="1000" b="1" i="0" spc="0" dirty="0">
-                        <a:solidFill>
-                          <a:schemeClr val="bg1"/>
-                        </a:solidFill>
-                        <a:latin typeface="Adobe Clean" panose="020B0503020404020204" pitchFamily="34" charset="0"/>
-                        <a:cs typeface="AdobeClean-Light"/>
-                      </a:endParaRPr>
                     </a:p>
                   </a:txBody>
                   <a:tcPr marL="0" marR="0" marT="58419" marB="0" anchor="ctr">
@@ -2752,19 +2399,16 @@
                         </a:spcBef>
                       </a:pPr>
                       <a:r>
-                        <a:rPr sz="900" spc="0" dirty="0">
+                        <a:rPr lang="ja-JP" sz="900">
                           <a:solidFill>
                             <a:srgbClr val="020302"/>
                           </a:solidFill>
-                          <a:latin typeface="AdobeClean-Light"/>
+                          <a:latin typeface="Adobe Clean Han Regular" panose="020B0500000000000000" pitchFamily="34" charset="-128"/>
+                          <a:ea typeface="Adobe Clean Han Regular" panose="020B0500000000000000" pitchFamily="34" charset="-128"/>
                           <a:cs typeface="AdobeClean-Light"/>
                         </a:rPr>
-                        <a:t>Account Support Lead</a:t>
+                        <a:t>アカウントサポートリード</a:t>
                       </a:r>
-                      <a:endParaRPr sz="900" spc="0" dirty="0">
-                        <a:latin typeface="AdobeClean-Light"/>
-                        <a:cs typeface="AdobeClean-Light"/>
-                      </a:endParaRPr>
                     </a:p>
                   </a:txBody>
                   <a:tcPr marL="0" marR="0" marT="58419" marB="0">
@@ -2793,13 +2437,14 @@
                     <a:bodyPr/>
                     <a:lstStyle/>
                     <a:p>
-                      <a:pPr>
+                      <a:pPr algn="l" rtl="0">
                         <a:lnSpc>
                           <a:spcPct val="100000"/>
                         </a:lnSpc>
                       </a:pPr>
                       <a:endParaRPr sz="900" spc="0" dirty="0">
-                        <a:latin typeface="Times New Roman"/>
+                        <a:latin typeface="Adobe Clean Han Regular" panose="020B0500000000000000" pitchFamily="34" charset="-128"/>
+                        <a:ea typeface="Adobe Clean Han Regular" panose="020B0500000000000000" pitchFamily="34" charset="-128"/>
                         <a:cs typeface="Times New Roman"/>
                       </a:endParaRPr>
                     </a:p>
@@ -2838,19 +2483,16 @@
                         </a:spcBef>
                       </a:pPr>
                       <a:r>
-                        <a:rPr sz="900" spc="0" dirty="0">
+                        <a:rPr lang="ja-JP" sz="900">
                           <a:solidFill>
                             <a:srgbClr val="020302"/>
                           </a:solidFill>
-                          <a:latin typeface="Wingdings"/>
+                          <a:latin typeface="Adobe Clean Han Regular" panose="020B0500000000000000" pitchFamily="34" charset="-128"/>
+                          <a:ea typeface="Adobe Clean Han Regular" panose="020B0500000000000000" pitchFamily="34" charset="-128"/>
                           <a:cs typeface="Wingdings"/>
                         </a:rPr>
                         <a:t></a:t>
                       </a:r>
-                      <a:endParaRPr sz="900" spc="0" dirty="0">
-                        <a:latin typeface="Wingdings"/>
-                        <a:cs typeface="Wingdings"/>
-                      </a:endParaRPr>
                     </a:p>
                   </a:txBody>
                   <a:tcPr marL="0" marR="0" marT="59690" marB="0">
@@ -2867,7 +2509,7 @@
                     <a:bodyPr/>
                     <a:lstStyle/>
                     <a:p>
-                      <a:pPr algn="ctr">
+                      <a:pPr algn="l" rtl="0">
                         <a:lnSpc>
                           <a:spcPct val="100000"/>
                         </a:lnSpc>
@@ -2898,13 +2540,14 @@
                     <a:bodyPr/>
                     <a:lstStyle/>
                     <a:p>
-                      <a:pPr>
+                      <a:pPr algn="l" rtl="0">
                         <a:lnSpc>
                           <a:spcPct val="100000"/>
                         </a:lnSpc>
                       </a:pPr>
                       <a:endParaRPr sz="900" spc="0">
-                        <a:latin typeface="Times New Roman"/>
+                        <a:latin typeface="Adobe Clean Han Regular" panose="020B0500000000000000" pitchFamily="34" charset="-128"/>
+                        <a:ea typeface="Adobe Clean Han Regular" panose="020B0500000000000000" pitchFamily="34" charset="-128"/>
                         <a:cs typeface="Times New Roman"/>
                       </a:endParaRPr>
                     </a:p>
@@ -2923,13 +2566,14 @@
                     <a:bodyPr/>
                     <a:lstStyle/>
                     <a:p>
-                      <a:pPr>
+                      <a:pPr algn="l" rtl="0">
                         <a:lnSpc>
                           <a:spcPct val="100000"/>
                         </a:lnSpc>
                       </a:pPr>
                       <a:endParaRPr sz="900" spc="0" dirty="0">
-                        <a:latin typeface="Times New Roman"/>
+                        <a:latin typeface="Adobe Clean Han Regular" panose="020B0500000000000000" pitchFamily="34" charset="-128"/>
+                        <a:ea typeface="Adobe Clean Han Regular" panose="020B0500000000000000" pitchFamily="34" charset="-128"/>
                         <a:cs typeface="Times New Roman"/>
                       </a:endParaRPr>
                     </a:p>
@@ -2955,13 +2599,13 @@
                   </a:ext>
                 </a:extLst>
               </a:tr>
-              <a:tr h="264424">
+              <a:tr h="243081">
                 <a:tc vMerge="1">
                   <a:txBody>
                     <a:bodyPr/>
                     <a:lstStyle/>
                     <a:p>
-                      <a:pPr marL="50800">
+                      <a:pPr marL="50800" algn="l" rtl="0">
                         <a:lnSpc>
                           <a:spcPct val="100000"/>
                         </a:lnSpc>
@@ -3007,19 +2651,16 @@
                         </a:spcBef>
                       </a:pPr>
                       <a:r>
-                        <a:rPr sz="900" spc="0" dirty="0">
+                        <a:rPr lang="ja-JP" sz="900">
                           <a:solidFill>
                             <a:srgbClr val="020302"/>
                           </a:solidFill>
-                          <a:latin typeface="AdobeClean-Light"/>
+                          <a:latin typeface="Adobe Clean Han Regular" panose="020B0500000000000000" pitchFamily="34" charset="-128"/>
+                          <a:ea typeface="Adobe Clean Han Regular" panose="020B0500000000000000" pitchFamily="34" charset="-128"/>
                           <a:cs typeface="AdobeClean-Light"/>
                         </a:rPr>
-                        <a:t>Named Support Engineer</a:t>
+                        <a:t>専任サポートエンジニア</a:t>
                       </a:r>
-                      <a:endParaRPr sz="900" spc="0" dirty="0">
-                        <a:latin typeface="AdobeClean-Light"/>
-                        <a:cs typeface="AdobeClean-Light"/>
-                      </a:endParaRPr>
                     </a:p>
                   </a:txBody>
                   <a:tcPr marL="0" marR="0" marT="58419" marB="0">
@@ -3042,13 +2683,14 @@
                     <a:bodyPr/>
                     <a:lstStyle/>
                     <a:p>
-                      <a:pPr>
+                      <a:pPr algn="l" rtl="0">
                         <a:lnSpc>
                           <a:spcPct val="100000"/>
                         </a:lnSpc>
                       </a:pPr>
                       <a:endParaRPr sz="900" spc="0" dirty="0">
-                        <a:latin typeface="Times New Roman"/>
+                        <a:latin typeface="Adobe Clean Han Regular" panose="020B0500000000000000" pitchFamily="34" charset="-128"/>
+                        <a:ea typeface="Adobe Clean Han Regular" panose="020B0500000000000000" pitchFamily="34" charset="-128"/>
                         <a:cs typeface="Times New Roman"/>
                       </a:endParaRPr>
                     </a:p>
@@ -3072,13 +2714,14 @@
                     <a:bodyPr/>
                     <a:lstStyle/>
                     <a:p>
-                      <a:pPr>
+                      <a:pPr algn="l" rtl="0">
                         <a:lnSpc>
                           <a:spcPct val="100000"/>
                         </a:lnSpc>
                       </a:pPr>
                       <a:endParaRPr sz="900" spc="0" dirty="0">
-                        <a:latin typeface="Times New Roman"/>
+                        <a:latin typeface="Adobe Clean Han Regular" panose="020B0500000000000000" pitchFamily="34" charset="-128"/>
+                        <a:ea typeface="Adobe Clean Han Regular" panose="020B0500000000000000" pitchFamily="34" charset="-128"/>
                         <a:cs typeface="Times New Roman"/>
                       </a:endParaRPr>
                     </a:p>
@@ -3090,7 +2733,7 @@
                     <a:bodyPr/>
                     <a:lstStyle/>
                     <a:p>
-                      <a:pPr>
+                      <a:pPr algn="l" rtl="0">
                         <a:lnSpc>
                           <a:spcPct val="100000"/>
                         </a:lnSpc>
@@ -3117,19 +2760,16 @@
                         </a:spcBef>
                       </a:pPr>
                       <a:r>
-                        <a:rPr sz="900" spc="0" dirty="0">
+                        <a:rPr lang="ja-JP" sz="900">
                           <a:solidFill>
                             <a:srgbClr val="020302"/>
                           </a:solidFill>
-                          <a:latin typeface="Wingdings"/>
+                          <a:latin typeface="Adobe Clean Han Regular" panose="020B0500000000000000" pitchFamily="34" charset="-128"/>
+                          <a:ea typeface="Adobe Clean Han Regular" panose="020B0500000000000000" pitchFamily="34" charset="-128"/>
                           <a:cs typeface="Wingdings"/>
                         </a:rPr>
                         <a:t></a:t>
                       </a:r>
-                      <a:endParaRPr sz="900" spc="0" dirty="0">
-                        <a:latin typeface="Wingdings"/>
-                        <a:cs typeface="Wingdings"/>
-                      </a:endParaRPr>
                     </a:p>
                   </a:txBody>
                   <a:tcPr marL="0" marR="0" marT="59055" marB="0"/>
@@ -3148,19 +2788,16 @@
                         </a:spcBef>
                       </a:pPr>
                       <a:r>
-                        <a:rPr sz="900" spc="0" dirty="0">
+                        <a:rPr lang="ja-JP" sz="900">
                           <a:solidFill>
                             <a:srgbClr val="020302"/>
                           </a:solidFill>
-                          <a:latin typeface="Wingdings"/>
+                          <a:latin typeface="Adobe Clean Han Regular" panose="020B0500000000000000" pitchFamily="34" charset="-128"/>
+                          <a:ea typeface="Adobe Clean Han Regular" panose="020B0500000000000000" pitchFamily="34" charset="-128"/>
                           <a:cs typeface="Wingdings"/>
                         </a:rPr>
                         <a:t></a:t>
                       </a:r>
-                      <a:endParaRPr sz="900" spc="0" dirty="0">
-                        <a:latin typeface="Wingdings"/>
-                        <a:cs typeface="Wingdings"/>
-                      </a:endParaRPr>
                     </a:p>
                   </a:txBody>
                   <a:tcPr marL="0" marR="0" marT="59055" marB="0">
@@ -3178,13 +2815,13 @@
                   </a:ext>
                 </a:extLst>
               </a:tr>
-              <a:tr h="264424">
+              <a:tr h="243081">
                 <a:tc vMerge="1">
                   <a:txBody>
                     <a:bodyPr/>
                     <a:lstStyle/>
                     <a:p>
-                      <a:pPr marL="50800">
+                      <a:pPr marL="50800" algn="l" rtl="0">
                         <a:lnSpc>
                           <a:spcPct val="100000"/>
                         </a:lnSpc>
@@ -3242,19 +2879,16 @@
                         </a:spcBef>
                       </a:pPr>
                       <a:r>
-                        <a:rPr sz="900" spc="0" dirty="0">
+                        <a:rPr lang="ja-JP" sz="900">
                           <a:solidFill>
                             <a:srgbClr val="020302"/>
                           </a:solidFill>
-                          <a:latin typeface="AdobeClean-Light"/>
+                          <a:latin typeface="Adobe Clean Han Regular" panose="020B0500000000000000" pitchFamily="34" charset="-128"/>
+                          <a:ea typeface="Adobe Clean Han Regular" panose="020B0500000000000000" pitchFamily="34" charset="-128"/>
                           <a:cs typeface="AdobeClean-Light"/>
                         </a:rPr>
-                        <a:t>Technical Account Manager</a:t>
+                        <a:t>テクニカルアカウントマネージャー</a:t>
                       </a:r>
-                      <a:endParaRPr sz="900" spc="0" dirty="0">
-                        <a:latin typeface="AdobeClean-Light"/>
-                        <a:cs typeface="AdobeClean-Light"/>
-                      </a:endParaRPr>
                     </a:p>
                   </a:txBody>
                   <a:tcPr marL="0" marR="0" marT="63500" marB="0">
@@ -3283,13 +2917,14 @@
                     <a:bodyPr/>
                     <a:lstStyle/>
                     <a:p>
-                      <a:pPr>
+                      <a:pPr algn="l" rtl="0">
                         <a:lnSpc>
                           <a:spcPct val="100000"/>
                         </a:lnSpc>
                       </a:pPr>
                       <a:endParaRPr sz="900" spc="0" dirty="0">
-                        <a:latin typeface="Times New Roman"/>
+                        <a:latin typeface="Adobe Clean Han Regular" panose="020B0500000000000000" pitchFamily="34" charset="-128"/>
+                        <a:ea typeface="Adobe Clean Han Regular" panose="020B0500000000000000" pitchFamily="34" charset="-128"/>
                         <a:cs typeface="Times New Roman"/>
                       </a:endParaRPr>
                     </a:p>
@@ -3319,13 +2954,14 @@
                     <a:bodyPr/>
                     <a:lstStyle/>
                     <a:p>
-                      <a:pPr>
+                      <a:pPr algn="l" rtl="0">
                         <a:lnSpc>
                           <a:spcPct val="100000"/>
                         </a:lnSpc>
                       </a:pPr>
                       <a:endParaRPr sz="900" spc="0" dirty="0">
-                        <a:latin typeface="Times New Roman"/>
+                        <a:latin typeface="Adobe Clean Han Regular" panose="020B0500000000000000" pitchFamily="34" charset="-128"/>
+                        <a:ea typeface="Adobe Clean Han Regular" panose="020B0500000000000000" pitchFamily="34" charset="-128"/>
                         <a:cs typeface="Times New Roman"/>
                       </a:endParaRPr>
                     </a:p>
@@ -3344,7 +2980,7 @@
                     <a:bodyPr/>
                     <a:lstStyle/>
                     <a:p>
-                      <a:pPr>
+                      <a:pPr algn="l" rtl="0">
                         <a:lnSpc>
                           <a:spcPct val="100000"/>
                         </a:lnSpc>
@@ -3372,13 +3008,14 @@
                     <a:bodyPr/>
                     <a:lstStyle/>
                     <a:p>
-                      <a:pPr>
+                      <a:pPr algn="l" rtl="0">
                         <a:lnSpc>
                           <a:spcPct val="100000"/>
                         </a:lnSpc>
                       </a:pPr>
                       <a:endParaRPr sz="900" spc="0">
-                        <a:latin typeface="Times New Roman"/>
+                        <a:latin typeface="Adobe Clean Han Regular" panose="020B0500000000000000" pitchFamily="34" charset="-128"/>
+                        <a:ea typeface="Adobe Clean Han Regular" panose="020B0500000000000000" pitchFamily="34" charset="-128"/>
                         <a:cs typeface="Times New Roman"/>
                       </a:endParaRPr>
                     </a:p>
@@ -3406,19 +3043,16 @@
                         </a:spcBef>
                       </a:pPr>
                       <a:r>
-                        <a:rPr sz="900" spc="0" dirty="0">
+                        <a:rPr lang="ja-JP" sz="900">
                           <a:solidFill>
                             <a:srgbClr val="020302"/>
                           </a:solidFill>
-                          <a:latin typeface="Wingdings"/>
+                          <a:latin typeface="Adobe Clean Han Regular" panose="020B0500000000000000" pitchFamily="34" charset="-128"/>
+                          <a:ea typeface="Adobe Clean Han Regular" panose="020B0500000000000000" pitchFamily="34" charset="-128"/>
                           <a:cs typeface="Wingdings"/>
                         </a:rPr>
                         <a:t></a:t>
                       </a:r>
-                      <a:endParaRPr sz="900" spc="0">
-                        <a:latin typeface="Wingdings"/>
-                        <a:cs typeface="Wingdings"/>
-                      </a:endParaRPr>
                     </a:p>
                   </a:txBody>
                   <a:tcPr marL="0" marR="0" marT="64135" marB="0">
@@ -3442,7 +3076,7 @@
                   </a:ext>
                 </a:extLst>
               </a:tr>
-              <a:tr h="264424">
+              <a:tr h="243081">
                 <a:tc rowSpan="12">
                   <a:txBody>
                     <a:bodyPr/>
@@ -3457,22 +3091,16 @@
                         </a:spcBef>
                       </a:pPr>
                       <a:r>
-                        <a:rPr lang="en-US" sz="1000" b="1" i="0" spc="0" dirty="0">
+                        <a:rPr lang="ja-JP" sz="1000" b="1" i="0">
                           <a:solidFill>
                             <a:schemeClr val="bg1"/>
                           </a:solidFill>
-                          <a:latin typeface="Adobe Clean" panose="020B0503020404020204" pitchFamily="34" charset="0"/>
+                          <a:latin typeface="Adobe Clean Han Regular" panose="020B0500000000000000" pitchFamily="34" charset="-128"/>
+                          <a:ea typeface="Adobe Clean Han Regular" panose="020B0500000000000000" pitchFamily="34" charset="-128"/>
                           <a:cs typeface="AdobeClean-Light"/>
                         </a:rPr>
-                        <a:t>Support Services</a:t>
+                        <a:t>サポートサービス</a:t>
                       </a:r>
-                      <a:endParaRPr sz="1000" b="1" i="0" spc="0" dirty="0">
-                        <a:solidFill>
-                          <a:schemeClr val="bg1"/>
-                        </a:solidFill>
-                        <a:latin typeface="Adobe Clean" panose="020B0503020404020204" pitchFamily="34" charset="0"/>
-                        <a:cs typeface="AdobeClean-Light"/>
-                      </a:endParaRPr>
                     </a:p>
                   </a:txBody>
                   <a:tcPr marL="0" marR="0" marT="57150" marB="0" anchor="ctr">
@@ -3528,79 +3156,63 @@
                         </a:spcBef>
                       </a:pPr>
                       <a:r>
-                        <a:rPr lang="en-US" sz="900" spc="0" dirty="0">
+                        <a:rPr lang="ja-JP" sz="900">
                           <a:solidFill>
                             <a:srgbClr val="020302"/>
                           </a:solidFill>
-                          <a:latin typeface="AdobeClean-Light"/>
+                          <a:latin typeface="Adobe Clean Han Regular" panose="020B0500000000000000" pitchFamily="34" charset="-128"/>
+                          <a:ea typeface="Adobe Clean Han Regular" panose="020B0500000000000000" pitchFamily="34" charset="-128"/>
                           <a:cs typeface="AdobeClean-Light"/>
                         </a:rPr>
-                        <a:t>Online </a:t>
+                        <a:t>オンラインサポート</a:t>
                       </a:r>
+                    </a:p>
+                  </a:txBody>
+                  <a:tcPr marL="0" marR="0" marT="57150" marB="0">
+                    <a:lnL w="12700">
+                      <a:solidFill>
+                        <a:srgbClr val="F0F0F0"/>
+                      </a:solidFill>
+                      <a:prstDash val="solid"/>
+                    </a:lnL>
+                    <a:lnR w="12700">
+                      <a:solidFill>
+                        <a:srgbClr val="F0F0F0"/>
+                      </a:solidFill>
+                      <a:prstDash val="solid"/>
+                    </a:lnR>
+                    <a:lnT w="12700">
+                      <a:solidFill>
+                        <a:srgbClr val="F0F0F0"/>
+                      </a:solidFill>
+                      <a:prstDash val="solid"/>
+                    </a:lnT>
+                  </a:tcPr>
+                </a:tc>
+                <a:tc>
+                  <a:txBody>
+                    <a:bodyPr/>
+                    <a:lstStyle/>
+                    <a:p>
+                      <a:pPr algn="ctr">
+                        <a:lnSpc>
+                          <a:spcPct val="100000"/>
+                        </a:lnSpc>
+                        <a:spcBef>
+                          <a:spcPts val="535"/>
+                        </a:spcBef>
+                      </a:pPr>
                       <a:r>
-                        <a:rPr sz="900" spc="0" dirty="0">
+                        <a:rPr lang="ja-JP" sz="800">
                           <a:solidFill>
                             <a:srgbClr val="020302"/>
                           </a:solidFill>
-                          <a:latin typeface="AdobeClean-Light"/>
+                          <a:latin typeface="Adobe Clean Han Regular" panose="020B0500000000000000" pitchFamily="34" charset="-128"/>
+                          <a:ea typeface="Adobe Clean Han Regular" panose="020B0500000000000000" pitchFamily="34" charset="-128"/>
                           <a:cs typeface="AdobeClean-Light"/>
                         </a:rPr>
-                        <a:t> Support</a:t>
+                        <a:t>営業時間</a:t>
                       </a:r>
-                      <a:endParaRPr sz="900" spc="0" dirty="0">
-                        <a:latin typeface="AdobeClean-Light"/>
-                        <a:cs typeface="AdobeClean-Light"/>
-                      </a:endParaRPr>
-                    </a:p>
-                  </a:txBody>
-                  <a:tcPr marL="0" marR="0" marT="57150" marB="0">
-                    <a:lnL w="12700">
-                      <a:solidFill>
-                        <a:srgbClr val="F0F0F0"/>
-                      </a:solidFill>
-                      <a:prstDash val="solid"/>
-                    </a:lnL>
-                    <a:lnR w="12700">
-                      <a:solidFill>
-                        <a:srgbClr val="F0F0F0"/>
-                      </a:solidFill>
-                      <a:prstDash val="solid"/>
-                    </a:lnR>
-                    <a:lnT w="12700">
-                      <a:solidFill>
-                        <a:srgbClr val="F0F0F0"/>
-                      </a:solidFill>
-                      <a:prstDash val="solid"/>
-                    </a:lnT>
-                  </a:tcPr>
-                </a:tc>
-                <a:tc>
-                  <a:txBody>
-                    <a:bodyPr/>
-                    <a:lstStyle/>
-                    <a:p>
-                      <a:pPr algn="ctr">
-                        <a:lnSpc>
-                          <a:spcPct val="100000"/>
-                        </a:lnSpc>
-                        <a:spcBef>
-                          <a:spcPts val="535"/>
-                        </a:spcBef>
-                      </a:pPr>
-                      <a:r>
-                        <a:rPr sz="800" spc="0" dirty="0">
-                          <a:solidFill>
-                            <a:srgbClr val="020302"/>
-                          </a:solidFill>
-                          <a:latin typeface="AdobeClean-Light"/>
-                          <a:cs typeface="AdobeClean-Light"/>
-                        </a:rPr>
-                        <a:t>Business hours</a:t>
-                      </a:r>
-                      <a:endParaRPr sz="800" spc="0" dirty="0">
-                        <a:latin typeface="AdobeClean-Light"/>
-                        <a:cs typeface="AdobeClean-Light"/>
-                      </a:endParaRPr>
                     </a:p>
                   </a:txBody>
                   <a:tcPr marL="0" marR="0" marT="67945" marB="0">
@@ -3637,19 +3249,16 @@
                         </a:spcBef>
                       </a:pPr>
                       <a:r>
-                        <a:rPr sz="800" spc="0" dirty="0">
+                        <a:rPr lang="ja-JP" sz="800">
                           <a:solidFill>
                             <a:srgbClr val="020302"/>
                           </a:solidFill>
-                          <a:latin typeface="AdobeClean-Light"/>
+                          <a:latin typeface="Adobe Clean Han Regular" panose="020B0500000000000000" pitchFamily="34" charset="-128"/>
+                          <a:ea typeface="Adobe Clean Han Regular" panose="020B0500000000000000" pitchFamily="34" charset="-128"/>
                           <a:cs typeface="AdobeClean-Light"/>
                         </a:rPr>
-                        <a:t>Business hours</a:t>
+                        <a:t>営業時間</a:t>
                       </a:r>
-                      <a:endParaRPr sz="800" spc="0" dirty="0">
-                        <a:latin typeface="AdobeClean-Light"/>
-                        <a:cs typeface="AdobeClean-Light"/>
-                      </a:endParaRPr>
                     </a:p>
                   </a:txBody>
                   <a:tcPr marL="0" marR="0" marT="67945" marB="0">
@@ -3666,7 +3275,7 @@
                     <a:bodyPr/>
                     <a:lstStyle/>
                     <a:p>
-                      <a:pPr algn="ctr">
+                      <a:pPr algn="l" rtl="0">
                         <a:lnSpc>
                           <a:spcPct val="100000"/>
                         </a:lnSpc>
@@ -3706,19 +3315,16 @@
                         </a:spcBef>
                       </a:pPr>
                       <a:r>
-                        <a:rPr sz="800" spc="0" dirty="0">
+                        <a:rPr lang="ja-JP" sz="800">
                           <a:solidFill>
                             <a:srgbClr val="020302"/>
                           </a:solidFill>
-                          <a:latin typeface="AdobeClean-Light"/>
+                          <a:latin typeface="Adobe Clean Han Regular" panose="020B0500000000000000" pitchFamily="34" charset="-128"/>
+                          <a:ea typeface="Adobe Clean Han Regular" panose="020B0500000000000000" pitchFamily="34" charset="-128"/>
                           <a:cs typeface="AdobeClean-Light"/>
                         </a:rPr>
-                        <a:t>24X5</a:t>
+                        <a:t>24 時間週 5 日</a:t>
                       </a:r>
-                      <a:endParaRPr sz="800" spc="0">
-                        <a:latin typeface="AdobeClean-Light"/>
-                        <a:cs typeface="AdobeClean-Light"/>
-                      </a:endParaRPr>
                     </a:p>
                   </a:txBody>
                   <a:tcPr marL="0" marR="0" marT="67945" marB="0">
@@ -3744,19 +3350,16 @@
                         </a:spcBef>
                       </a:pPr>
                       <a:r>
-                        <a:rPr sz="800" spc="0" dirty="0">
+                        <a:rPr lang="ja-JP" sz="800">
                           <a:solidFill>
                             <a:srgbClr val="020302"/>
                           </a:solidFill>
-                          <a:latin typeface="AdobeClean-Light"/>
+                          <a:latin typeface="Adobe Clean Han Regular" panose="020B0500000000000000" pitchFamily="34" charset="-128"/>
+                          <a:ea typeface="Adobe Clean Han Regular" panose="020B0500000000000000" pitchFamily="34" charset="-128"/>
                           <a:cs typeface="AdobeClean-Light"/>
                         </a:rPr>
-                        <a:t>24X5</a:t>
+                        <a:t>24 時間週 5 日</a:t>
                       </a:r>
-                      <a:endParaRPr sz="800" spc="0" dirty="0">
-                        <a:latin typeface="AdobeClean-Light"/>
-                        <a:cs typeface="AdobeClean-Light"/>
-                      </a:endParaRPr>
                     </a:p>
                   </a:txBody>
                   <a:tcPr marL="0" marR="0" marT="67945" marB="0">
@@ -3780,13 +3383,13 @@
                   </a:ext>
                 </a:extLst>
               </a:tr>
-              <a:tr h="264424">
+              <a:tr h="243081">
                 <a:tc vMerge="1">
                   <a:txBody>
                     <a:bodyPr/>
                     <a:lstStyle/>
                     <a:p>
-                      <a:pPr marL="50800">
+                      <a:pPr marL="50800" algn="l" rtl="0">
                         <a:lnSpc>
                           <a:spcPct val="100000"/>
                         </a:lnSpc>
@@ -3835,83 +3438,57 @@
                         </a:spcBef>
                       </a:pPr>
                       <a:r>
-                        <a:rPr sz="900" spc="0" dirty="0">
+                        <a:rPr lang="ja-JP" sz="900">
                           <a:solidFill>
                             <a:srgbClr val="020302"/>
                           </a:solidFill>
-                          <a:latin typeface="AdobeClean-Light"/>
+                          <a:latin typeface="Adobe Clean Han Regular" panose="020B0500000000000000" pitchFamily="34" charset="-128"/>
+                          <a:ea typeface="Adobe Clean Han Regular" panose="020B0500000000000000" pitchFamily="34" charset="-128"/>
                           <a:cs typeface="AdobeClean-Light"/>
                         </a:rPr>
-                        <a:t>24x7</a:t>
+                        <a:t>24 時間年中無休の P1 の問題のサポート</a:t>
                       </a:r>
+                    </a:p>
+                  </a:txBody>
+                  <a:tcPr marL="0" marR="0" marT="57785" marB="0">
+                    <a:lnL w="12700">
+                      <a:solidFill>
+                        <a:srgbClr val="F0F0F0"/>
+                      </a:solidFill>
+                      <a:prstDash val="solid"/>
+                    </a:lnL>
+                    <a:lnR w="12700">
+                      <a:solidFill>
+                        <a:srgbClr val="F0F0F0"/>
+                      </a:solidFill>
+                      <a:prstDash val="solid"/>
+                    </a:lnR>
+                  </a:tcPr>
+                </a:tc>
+                <a:tc>
+                  <a:txBody>
+                    <a:bodyPr/>
+                    <a:lstStyle/>
+                    <a:p>
+                      <a:pPr algn="ctr">
+                        <a:lnSpc>
+                          <a:spcPct val="100000"/>
+                        </a:lnSpc>
+                        <a:spcBef>
+                          <a:spcPts val="459"/>
+                        </a:spcBef>
+                      </a:pPr>
                       <a:r>
-                        <a:rPr lang="en-US" sz="900" spc="0" dirty="0">
+                        <a:rPr lang="ja-JP" sz="900">
                           <a:solidFill>
                             <a:srgbClr val="020302"/>
                           </a:solidFill>
-                          <a:latin typeface="AdobeClean-Light"/>
-                          <a:cs typeface="AdobeClean-Light"/>
-                        </a:rPr>
-                        <a:t>x365</a:t>
-                      </a:r>
-                      <a:r>
-                        <a:rPr sz="900" spc="0" dirty="0">
-                          <a:solidFill>
-                            <a:srgbClr val="020302"/>
-                          </a:solidFill>
-                          <a:latin typeface="AdobeClean-Light"/>
-                          <a:cs typeface="AdobeClean-Light"/>
-                        </a:rPr>
-                        <a:t> P1 Issue Support</a:t>
-                      </a:r>
-                      <a:endParaRPr sz="900" spc="0" dirty="0">
-                        <a:latin typeface="AdobeClean-Light"/>
-                        <a:cs typeface="AdobeClean-Light"/>
-                      </a:endParaRPr>
-                    </a:p>
-                  </a:txBody>
-                  <a:tcPr marL="0" marR="0" marT="57785" marB="0">
-                    <a:lnL w="12700">
-                      <a:solidFill>
-                        <a:srgbClr val="F0F0F0"/>
-                      </a:solidFill>
-                      <a:prstDash val="solid"/>
-                    </a:lnL>
-                    <a:lnR w="12700">
-                      <a:solidFill>
-                        <a:srgbClr val="F0F0F0"/>
-                      </a:solidFill>
-                      <a:prstDash val="solid"/>
-                    </a:lnR>
-                  </a:tcPr>
-                </a:tc>
-                <a:tc>
-                  <a:txBody>
-                    <a:bodyPr/>
-                    <a:lstStyle/>
-                    <a:p>
-                      <a:pPr algn="ctr">
-                        <a:lnSpc>
-                          <a:spcPct val="100000"/>
-                        </a:lnSpc>
-                        <a:spcBef>
-                          <a:spcPts val="459"/>
-                        </a:spcBef>
-                      </a:pPr>
-                      <a:r>
-                        <a:rPr sz="900" spc="0" dirty="0">
-                          <a:solidFill>
-                            <a:srgbClr val="020302"/>
-                          </a:solidFill>
-                          <a:latin typeface="Wingdings"/>
+                          <a:latin typeface="Adobe Clean Han Regular" panose="020B0500000000000000" pitchFamily="34" charset="-128"/>
+                          <a:ea typeface="Adobe Clean Han Regular" panose="020B0500000000000000" pitchFamily="34" charset="-128"/>
                           <a:cs typeface="Wingdings"/>
                         </a:rPr>
                         <a:t></a:t>
                       </a:r>
-                      <a:endParaRPr sz="900" spc="0">
-                        <a:latin typeface="Wingdings"/>
-                        <a:cs typeface="Wingdings"/>
-                      </a:endParaRPr>
                     </a:p>
                   </a:txBody>
                   <a:tcPr marL="0" marR="0" marT="58419" marB="0">
@@ -3942,19 +3519,16 @@
                         </a:spcBef>
                       </a:pPr>
                       <a:r>
-                        <a:rPr sz="900" spc="0" dirty="0">
+                        <a:rPr lang="ja-JP" sz="900">
                           <a:solidFill>
                             <a:srgbClr val="020302"/>
                           </a:solidFill>
-                          <a:latin typeface="Wingdings"/>
+                          <a:latin typeface="Adobe Clean Han Regular" panose="020B0500000000000000" pitchFamily="34" charset="-128"/>
+                          <a:ea typeface="Adobe Clean Han Regular" panose="020B0500000000000000" pitchFamily="34" charset="-128"/>
                           <a:cs typeface="Wingdings"/>
                         </a:rPr>
                         <a:t></a:t>
                       </a:r>
-                      <a:endParaRPr sz="900" spc="0">
-                        <a:latin typeface="Wingdings"/>
-                        <a:cs typeface="Wingdings"/>
-                      </a:endParaRPr>
                     </a:p>
                   </a:txBody>
                   <a:tcPr marL="0" marR="0" marT="58419" marB="0"/>
@@ -3964,7 +3538,7 @@
                     <a:bodyPr/>
                     <a:lstStyle/>
                     <a:p>
-                      <a:pPr algn="ctr">
+                      <a:pPr algn="l" rtl="0">
                         <a:lnSpc>
                           <a:spcPct val="100000"/>
                         </a:lnSpc>
@@ -3994,19 +3568,16 @@
                         </a:spcBef>
                       </a:pPr>
                       <a:r>
-                        <a:rPr sz="900" spc="0" dirty="0">
+                        <a:rPr lang="ja-JP" sz="900">
                           <a:solidFill>
                             <a:srgbClr val="020302"/>
                           </a:solidFill>
-                          <a:latin typeface="Wingdings"/>
+                          <a:latin typeface="Adobe Clean Han Regular" panose="020B0500000000000000" pitchFamily="34" charset="-128"/>
+                          <a:ea typeface="Adobe Clean Han Regular" panose="020B0500000000000000" pitchFamily="34" charset="-128"/>
                           <a:cs typeface="Wingdings"/>
                         </a:rPr>
                         <a:t></a:t>
                       </a:r>
-                      <a:endParaRPr sz="900" spc="0">
-                        <a:latin typeface="Wingdings"/>
-                        <a:cs typeface="Wingdings"/>
-                      </a:endParaRPr>
                     </a:p>
                   </a:txBody>
                   <a:tcPr marL="0" marR="0" marT="58419" marB="0"/>
@@ -4025,19 +3596,16 @@
                         </a:spcBef>
                       </a:pPr>
                       <a:r>
-                        <a:rPr sz="900" spc="0" dirty="0">
+                        <a:rPr lang="ja-JP" sz="900">
                           <a:solidFill>
                             <a:srgbClr val="020302"/>
                           </a:solidFill>
-                          <a:latin typeface="Wingdings"/>
+                          <a:latin typeface="Adobe Clean Han Regular" panose="020B0500000000000000" pitchFamily="34" charset="-128"/>
+                          <a:ea typeface="Adobe Clean Han Regular" panose="020B0500000000000000" pitchFamily="34" charset="-128"/>
                           <a:cs typeface="Wingdings"/>
                         </a:rPr>
                         <a:t></a:t>
                       </a:r>
-                      <a:endParaRPr sz="900" spc="0">
-                        <a:latin typeface="Wingdings"/>
-                        <a:cs typeface="Wingdings"/>
-                      </a:endParaRPr>
                     </a:p>
                   </a:txBody>
                   <a:tcPr marL="0" marR="0" marT="58419" marB="0">
@@ -4055,13 +3623,13 @@
                   </a:ext>
                 </a:extLst>
               </a:tr>
-              <a:tr h="264424">
+              <a:tr h="243081">
                 <a:tc vMerge="1">
                   <a:txBody>
                     <a:bodyPr/>
                     <a:lstStyle/>
                     <a:p>
-                      <a:pPr marL="50800">
+                      <a:pPr marL="50800" algn="l" rtl="0">
                         <a:lnSpc>
                           <a:spcPct val="100000"/>
                         </a:lnSpc>
@@ -4110,19 +3678,16 @@
                         </a:spcBef>
                       </a:pPr>
                       <a:r>
-                        <a:rPr lang="en-US" sz="900" spc="0" dirty="0">
+                        <a:rPr lang="ja-JP" sz="900">
                           <a:solidFill>
                             <a:srgbClr val="020302"/>
                           </a:solidFill>
-                          <a:latin typeface="AdobeClean-Light"/>
+                          <a:latin typeface="Adobe Clean Han Regular" panose="020B0500000000000000" pitchFamily="34" charset="-128"/>
+                          <a:ea typeface="Adobe Clean Han Regular" panose="020B0500000000000000" pitchFamily="34" charset="-128"/>
                           <a:cs typeface="AdobeClean-Light"/>
                         </a:rPr>
-                        <a:t>Named Support Contacts (per product)</a:t>
+                        <a:t>サポート対象ユーザー（製品単位）</a:t>
                       </a:r>
-                      <a:endParaRPr sz="900" spc="0" dirty="0">
-                        <a:latin typeface="AdobeClean-Light"/>
-                        <a:cs typeface="AdobeClean-Light"/>
-                      </a:endParaRPr>
                     </a:p>
                   </a:txBody>
                   <a:tcPr marL="0" marR="0" marT="57785" marB="0">
@@ -4154,19 +3719,16 @@
                         </a:spcBef>
                       </a:pPr>
                       <a:r>
-                        <a:rPr sz="900" spc="0" dirty="0">
+                        <a:rPr lang="ja-JP" sz="900">
                           <a:solidFill>
                             <a:srgbClr val="020302"/>
                           </a:solidFill>
-                          <a:latin typeface="AdobeClean-Light"/>
+                          <a:latin typeface="Adobe Clean Han Regular" panose="020B0500000000000000" pitchFamily="34" charset="-128"/>
+                          <a:ea typeface="Adobe Clean Han Regular" panose="020B0500000000000000" pitchFamily="34" charset="-128"/>
                           <a:cs typeface="AdobeClean-Light"/>
                         </a:rPr>
                         <a:t>4</a:t>
                       </a:r>
-                      <a:endParaRPr sz="900" spc="0" dirty="0">
-                        <a:latin typeface="AdobeClean-Light"/>
-                        <a:cs typeface="AdobeClean-Light"/>
-                      </a:endParaRPr>
                     </a:p>
                   </a:txBody>
                   <a:tcPr marL="0" marR="0" marT="57785" marB="0">
@@ -4197,19 +3759,16 @@
                         </a:spcBef>
                       </a:pPr>
                       <a:r>
-                        <a:rPr sz="900" spc="0" dirty="0">
+                        <a:rPr lang="ja-JP" sz="900">
                           <a:solidFill>
                             <a:srgbClr val="020302"/>
                           </a:solidFill>
-                          <a:latin typeface="AdobeClean-Light"/>
+                          <a:latin typeface="Adobe Clean Han Regular" panose="020B0500000000000000" pitchFamily="34" charset="-128"/>
+                          <a:ea typeface="Adobe Clean Han Regular" panose="020B0500000000000000" pitchFamily="34" charset="-128"/>
                           <a:cs typeface="AdobeClean-Light"/>
                         </a:rPr>
                         <a:t>6</a:t>
                       </a:r>
-                      <a:endParaRPr sz="900" spc="0">
-                        <a:latin typeface="AdobeClean-Light"/>
-                        <a:cs typeface="AdobeClean-Light"/>
-                      </a:endParaRPr>
                     </a:p>
                   </a:txBody>
                   <a:tcPr marL="0" marR="0" marT="57785" marB="0"/>
@@ -4219,7 +3778,7 @@
                     <a:bodyPr/>
                     <a:lstStyle/>
                     <a:p>
-                      <a:pPr algn="ctr">
+                      <a:pPr algn="l" rtl="0">
                         <a:lnSpc>
                           <a:spcPct val="100000"/>
                         </a:lnSpc>
@@ -4249,19 +3808,16 @@
                         </a:spcBef>
                       </a:pPr>
                       <a:r>
-                        <a:rPr sz="900" spc="0" dirty="0">
+                        <a:rPr lang="ja-JP" sz="900">
                           <a:solidFill>
                             <a:srgbClr val="020302"/>
                           </a:solidFill>
-                          <a:latin typeface="AdobeClean-Light"/>
+                          <a:latin typeface="Adobe Clean Han Regular" panose="020B0500000000000000" pitchFamily="34" charset="-128"/>
+                          <a:ea typeface="Adobe Clean Han Regular" panose="020B0500000000000000" pitchFamily="34" charset="-128"/>
                           <a:cs typeface="AdobeClean-Light"/>
                         </a:rPr>
                         <a:t>10</a:t>
                       </a:r>
-                      <a:endParaRPr sz="900" spc="0">
-                        <a:latin typeface="AdobeClean-Light"/>
-                        <a:cs typeface="AdobeClean-Light"/>
-                      </a:endParaRPr>
                     </a:p>
                   </a:txBody>
                   <a:tcPr marL="0" marR="0" marT="57785" marB="0"/>
@@ -4280,19 +3836,16 @@
                         </a:spcBef>
                       </a:pPr>
                       <a:r>
-                        <a:rPr sz="900" spc="0" dirty="0">
+                        <a:rPr lang="ja-JP" sz="900">
                           <a:solidFill>
                             <a:srgbClr val="020302"/>
                           </a:solidFill>
-                          <a:latin typeface="AdobeClean-Light"/>
+                          <a:latin typeface="Adobe Clean Han Regular" panose="020B0500000000000000" pitchFamily="34" charset="-128"/>
+                          <a:ea typeface="Adobe Clean Han Regular" panose="020B0500000000000000" pitchFamily="34" charset="-128"/>
                           <a:cs typeface="AdobeClean-Light"/>
                         </a:rPr>
                         <a:t>15</a:t>
                       </a:r>
-                      <a:endParaRPr sz="900" spc="0">
-                        <a:latin typeface="AdobeClean-Light"/>
-                        <a:cs typeface="AdobeClean-Light"/>
-                      </a:endParaRPr>
                     </a:p>
                   </a:txBody>
                   <a:tcPr marL="0" marR="0" marT="57785" marB="0">
@@ -4310,13 +3863,13 @@
                   </a:ext>
                 </a:extLst>
               </a:tr>
-              <a:tr h="264424">
+              <a:tr h="243081">
                 <a:tc vMerge="1">
                   <a:txBody>
                     <a:bodyPr/>
                     <a:lstStyle/>
                     <a:p>
-                      <a:pPr marL="50800">
+                      <a:pPr marL="50800" algn="l" rtl="0">
                         <a:lnSpc>
                           <a:spcPct val="100000"/>
                         </a:lnSpc>
@@ -4365,19 +3918,16 @@
                         </a:spcBef>
                       </a:pPr>
                       <a:r>
-                        <a:rPr lang="en-US" sz="900" spc="0" dirty="0">
+                        <a:rPr lang="ja-JP" sz="900">
                           <a:solidFill>
                             <a:srgbClr val="020302"/>
                           </a:solidFill>
-                          <a:latin typeface="AdobeClean-Light"/>
+                          <a:latin typeface="Adobe Clean Han Regular" panose="020B0500000000000000" pitchFamily="34" charset="-128"/>
+                          <a:ea typeface="Adobe Clean Han Regular" panose="020B0500000000000000" pitchFamily="34" charset="-128"/>
                           <a:cs typeface="AdobeClean-Light"/>
                         </a:rPr>
-                        <a:t>Live Telephone Support</a:t>
+                        <a:t>電話サポート（ライブ）</a:t>
                       </a:r>
-                      <a:endParaRPr sz="900" spc="0" dirty="0">
-                        <a:latin typeface="AdobeClean-Light"/>
-                        <a:cs typeface="AdobeClean-Light"/>
-                      </a:endParaRPr>
                     </a:p>
                   </a:txBody>
                   <a:tcPr marL="0" marR="0" marT="57785" marB="0">
@@ -4400,13 +3950,14 @@
                     <a:bodyPr/>
                     <a:lstStyle/>
                     <a:p>
-                      <a:pPr>
+                      <a:pPr algn="l" rtl="0">
                         <a:lnSpc>
                           <a:spcPct val="100000"/>
                         </a:lnSpc>
                       </a:pPr>
                       <a:endParaRPr sz="900" spc="0" dirty="0">
-                        <a:latin typeface="Times New Roman"/>
+                        <a:latin typeface="Adobe Clean Han Regular" panose="020B0500000000000000" pitchFamily="34" charset="-128"/>
+                        <a:ea typeface="Adobe Clean Han Regular" panose="020B0500000000000000" pitchFamily="34" charset="-128"/>
                         <a:cs typeface="Times New Roman"/>
                       </a:endParaRPr>
                     </a:p>
@@ -4439,19 +3990,16 @@
                         </a:spcBef>
                       </a:pPr>
                       <a:r>
-                        <a:rPr sz="900" spc="0" dirty="0">
+                        <a:rPr lang="ja-JP" sz="900">
                           <a:solidFill>
                             <a:srgbClr val="020302"/>
                           </a:solidFill>
-                          <a:latin typeface="Wingdings"/>
+                          <a:latin typeface="Adobe Clean Han Regular" panose="020B0500000000000000" pitchFamily="34" charset="-128"/>
+                          <a:ea typeface="Adobe Clean Han Regular" panose="020B0500000000000000" pitchFamily="34" charset="-128"/>
                           <a:cs typeface="Wingdings"/>
                         </a:rPr>
                         <a:t></a:t>
                       </a:r>
-                      <a:endParaRPr sz="900" spc="0">
-                        <a:latin typeface="Wingdings"/>
-                        <a:cs typeface="Wingdings"/>
-                      </a:endParaRPr>
                     </a:p>
                   </a:txBody>
                   <a:tcPr marL="0" marR="0" marT="59054" marB="0"/>
@@ -4461,7 +4009,7 @@
                     <a:bodyPr/>
                     <a:lstStyle/>
                     <a:p>
-                      <a:pPr algn="ctr">
+                      <a:pPr algn="l" rtl="0">
                         <a:lnSpc>
                           <a:spcPct val="100000"/>
                         </a:lnSpc>
@@ -4491,19 +4039,16 @@
                         </a:spcBef>
                       </a:pPr>
                       <a:r>
-                        <a:rPr sz="900" spc="0" dirty="0">
+                        <a:rPr lang="ja-JP" sz="900">
                           <a:solidFill>
                             <a:srgbClr val="020302"/>
                           </a:solidFill>
-                          <a:latin typeface="Wingdings"/>
+                          <a:latin typeface="Adobe Clean Han Regular" panose="020B0500000000000000" pitchFamily="34" charset="-128"/>
+                          <a:ea typeface="Adobe Clean Han Regular" panose="020B0500000000000000" pitchFamily="34" charset="-128"/>
                           <a:cs typeface="Wingdings"/>
                         </a:rPr>
                         <a:t></a:t>
                       </a:r>
-                      <a:endParaRPr sz="900" spc="0">
-                        <a:latin typeface="Wingdings"/>
-                        <a:cs typeface="Wingdings"/>
-                      </a:endParaRPr>
                     </a:p>
                   </a:txBody>
                   <a:tcPr marL="0" marR="0" marT="59054" marB="0"/>
@@ -4522,19 +4067,16 @@
                         </a:spcBef>
                       </a:pPr>
                       <a:r>
-                        <a:rPr sz="900" spc="0" dirty="0">
+                        <a:rPr lang="ja-JP" sz="900">
                           <a:solidFill>
                             <a:srgbClr val="020302"/>
                           </a:solidFill>
-                          <a:latin typeface="Wingdings"/>
+                          <a:latin typeface="Adobe Clean Han Regular" panose="020B0500000000000000" pitchFamily="34" charset="-128"/>
+                          <a:ea typeface="Adobe Clean Han Regular" panose="020B0500000000000000" pitchFamily="34" charset="-128"/>
                           <a:cs typeface="Wingdings"/>
                         </a:rPr>
                         <a:t></a:t>
                       </a:r>
-                      <a:endParaRPr sz="900" spc="0">
-                        <a:latin typeface="Wingdings"/>
-                        <a:cs typeface="Wingdings"/>
-                      </a:endParaRPr>
                     </a:p>
                   </a:txBody>
                   <a:tcPr marL="0" marR="0" marT="59054" marB="0">
@@ -4552,13 +4094,13 @@
                   </a:ext>
                 </a:extLst>
               </a:tr>
-              <a:tr h="264424">
+              <a:tr h="243081">
                 <a:tc vMerge="1">
                   <a:txBody>
                     <a:bodyPr/>
                     <a:lstStyle/>
                     <a:p>
-                      <a:pPr marL="50800">
+                      <a:pPr marL="50800" algn="l" rtl="0">
                         <a:lnSpc>
                           <a:spcPct val="100000"/>
                         </a:lnSpc>
@@ -4607,19 +4149,16 @@
                         </a:spcBef>
                       </a:pPr>
                       <a:r>
-                        <a:rPr sz="900" spc="0" dirty="0">
+                        <a:rPr lang="ja-JP" sz="900" dirty="0">
                           <a:solidFill>
                             <a:srgbClr val="020302"/>
                           </a:solidFill>
-                          <a:latin typeface="AdobeClean-Light"/>
+                          <a:latin typeface="Adobe Clean Han Regular" panose="020B0500000000000000" pitchFamily="34" charset="-128"/>
+                          <a:ea typeface="Adobe Clean Han Regular" panose="020B0500000000000000" pitchFamily="34" charset="-128"/>
                           <a:cs typeface="AdobeClean-Light"/>
                         </a:rPr>
-                        <a:t>Escalation Management</a:t>
+                        <a:t>エスカレーション管理</a:t>
                       </a:r>
-                      <a:endParaRPr sz="900" spc="0" dirty="0">
-                        <a:latin typeface="AdobeClean-Light"/>
-                        <a:cs typeface="AdobeClean-Light"/>
-                      </a:endParaRPr>
                     </a:p>
                   </a:txBody>
                   <a:tcPr marL="0" marR="0" marT="58419" marB="0">
@@ -4642,13 +4181,14 @@
                     <a:bodyPr/>
                     <a:lstStyle/>
                     <a:p>
-                      <a:pPr>
+                      <a:pPr algn="l" rtl="0">
                         <a:lnSpc>
                           <a:spcPct val="100000"/>
                         </a:lnSpc>
                       </a:pPr>
                       <a:endParaRPr sz="900" spc="0" dirty="0">
-                        <a:latin typeface="Times New Roman"/>
+                        <a:latin typeface="Adobe Clean Han Regular" panose="020B0500000000000000" pitchFamily="34" charset="-128"/>
+                        <a:ea typeface="Adobe Clean Han Regular" panose="020B0500000000000000" pitchFamily="34" charset="-128"/>
                         <a:cs typeface="Times New Roman"/>
                       </a:endParaRPr>
                     </a:p>
@@ -4681,19 +4221,16 @@
                         </a:spcBef>
                       </a:pPr>
                       <a:r>
-                        <a:rPr sz="900" spc="0" dirty="0">
+                        <a:rPr lang="ja-JP" sz="900">
                           <a:solidFill>
                             <a:srgbClr val="020302"/>
                           </a:solidFill>
-                          <a:latin typeface="Wingdings"/>
+                          <a:latin typeface="Adobe Clean Han Regular" panose="020B0500000000000000" pitchFamily="34" charset="-128"/>
+                          <a:ea typeface="Adobe Clean Han Regular" panose="020B0500000000000000" pitchFamily="34" charset="-128"/>
                           <a:cs typeface="Wingdings"/>
                         </a:rPr>
                         <a:t></a:t>
                       </a:r>
-                      <a:endParaRPr sz="900" spc="0" dirty="0">
-                        <a:latin typeface="Wingdings"/>
-                        <a:cs typeface="Wingdings"/>
-                      </a:endParaRPr>
                     </a:p>
                   </a:txBody>
                   <a:tcPr marL="0" marR="0" marT="59690" marB="0"/>
@@ -4703,7 +4240,7 @@
                     <a:bodyPr/>
                     <a:lstStyle/>
                     <a:p>
-                      <a:pPr algn="ctr">
+                      <a:pPr algn="l" rtl="0">
                         <a:lnSpc>
                           <a:spcPct val="100000"/>
                         </a:lnSpc>
@@ -4733,19 +4270,16 @@
                         </a:spcBef>
                       </a:pPr>
                       <a:r>
-                        <a:rPr sz="900" spc="0" dirty="0">
+                        <a:rPr lang="ja-JP" sz="900">
                           <a:solidFill>
                             <a:srgbClr val="020302"/>
                           </a:solidFill>
-                          <a:latin typeface="Wingdings"/>
+                          <a:latin typeface="Adobe Clean Han Regular" panose="020B0500000000000000" pitchFamily="34" charset="-128"/>
+                          <a:ea typeface="Adobe Clean Han Regular" panose="020B0500000000000000" pitchFamily="34" charset="-128"/>
                           <a:cs typeface="Wingdings"/>
                         </a:rPr>
                         <a:t></a:t>
                       </a:r>
-                      <a:endParaRPr sz="900" spc="0">
-                        <a:latin typeface="Wingdings"/>
-                        <a:cs typeface="Wingdings"/>
-                      </a:endParaRPr>
                     </a:p>
                   </a:txBody>
                   <a:tcPr marL="0" marR="0" marT="59690" marB="0"/>
@@ -4764,19 +4298,16 @@
                         </a:spcBef>
                       </a:pPr>
                       <a:r>
-                        <a:rPr sz="900" spc="0" dirty="0">
+                        <a:rPr lang="ja-JP" sz="900">
                           <a:solidFill>
                             <a:srgbClr val="020302"/>
                           </a:solidFill>
-                          <a:latin typeface="Wingdings"/>
+                          <a:latin typeface="Adobe Clean Han Regular" panose="020B0500000000000000" pitchFamily="34" charset="-128"/>
+                          <a:ea typeface="Adobe Clean Han Regular" panose="020B0500000000000000" pitchFamily="34" charset="-128"/>
                           <a:cs typeface="Wingdings"/>
                         </a:rPr>
                         <a:t></a:t>
                       </a:r>
-                      <a:endParaRPr sz="900" spc="0" dirty="0">
-                        <a:latin typeface="Wingdings"/>
-                        <a:cs typeface="Wingdings"/>
-                      </a:endParaRPr>
                     </a:p>
                   </a:txBody>
                   <a:tcPr marL="0" marR="0" marT="59690" marB="0">
@@ -4794,13 +4325,13 @@
                   </a:ext>
                 </a:extLst>
               </a:tr>
-              <a:tr h="264424">
+              <a:tr h="243081">
                 <a:tc vMerge="1">
                   <a:txBody>
                     <a:bodyPr/>
                     <a:lstStyle/>
                     <a:p>
-                      <a:pPr marL="50800">
+                      <a:pPr marL="50800" algn="l" rtl="0">
                         <a:lnSpc>
                           <a:spcPct val="100000"/>
                         </a:lnSpc>
@@ -4849,19 +4380,16 @@
                         </a:spcBef>
                       </a:pPr>
                       <a:r>
-                        <a:rPr sz="900" spc="0" dirty="0">
+                        <a:rPr lang="ja-JP" sz="900">
                           <a:solidFill>
                             <a:srgbClr val="020302"/>
                           </a:solidFill>
-                          <a:latin typeface="AdobeClean-Light"/>
+                          <a:latin typeface="Adobe Clean Han Regular" panose="020B0500000000000000" pitchFamily="34" charset="-128"/>
+                          <a:ea typeface="Adobe Clean Han Regular" panose="020B0500000000000000" pitchFamily="34" charset="-128"/>
                           <a:cs typeface="AdobeClean-Light"/>
                         </a:rPr>
-                        <a:t>Service Reviews  per Year</a:t>
+                        <a:t>年間のサービスレビュー</a:t>
                       </a:r>
-                      <a:endParaRPr sz="900" spc="0" dirty="0">
-                        <a:latin typeface="AdobeClean-Light"/>
-                        <a:cs typeface="AdobeClean-Light"/>
-                      </a:endParaRPr>
                     </a:p>
                   </a:txBody>
                   <a:tcPr marL="0" marR="0" marT="57150" marB="0">
@@ -4884,13 +4412,14 @@
                     <a:bodyPr/>
                     <a:lstStyle/>
                     <a:p>
-                      <a:pPr>
+                      <a:pPr algn="l" rtl="0">
                         <a:lnSpc>
                           <a:spcPct val="100000"/>
                         </a:lnSpc>
                       </a:pPr>
                       <a:endParaRPr sz="900" spc="0" dirty="0">
-                        <a:latin typeface="Times New Roman"/>
+                        <a:latin typeface="Adobe Clean Han Regular" panose="020B0500000000000000" pitchFamily="34" charset="-128"/>
+                        <a:ea typeface="Adobe Clean Han Regular" panose="020B0500000000000000" pitchFamily="34" charset="-128"/>
                         <a:cs typeface="Times New Roman"/>
                       </a:endParaRPr>
                     </a:p>
@@ -4914,13 +4443,14 @@
                     <a:bodyPr/>
                     <a:lstStyle/>
                     <a:p>
-                      <a:pPr>
+                      <a:pPr algn="l" rtl="0">
                         <a:lnSpc>
                           <a:spcPct val="100000"/>
                         </a:lnSpc>
                       </a:pPr>
                       <a:endParaRPr sz="900" spc="0">
-                        <a:latin typeface="Times New Roman"/>
+                        <a:latin typeface="Adobe Clean Han Regular" panose="020B0500000000000000" pitchFamily="34" charset="-128"/>
+                        <a:ea typeface="Adobe Clean Han Regular" panose="020B0500000000000000" pitchFamily="34" charset="-128"/>
                         <a:cs typeface="Times New Roman"/>
                       </a:endParaRPr>
                     </a:p>
@@ -4932,7 +4462,7 @@
                     <a:bodyPr/>
                     <a:lstStyle/>
                     <a:p>
-                      <a:pPr>
+                      <a:pPr algn="l" rtl="0">
                         <a:lnSpc>
                           <a:spcPct val="100000"/>
                         </a:lnSpc>
@@ -4959,19 +4489,16 @@
                         </a:spcBef>
                       </a:pPr>
                       <a:r>
-                        <a:rPr sz="900" spc="0" dirty="0">
+                        <a:rPr lang="ja-JP" sz="900">
                           <a:solidFill>
                             <a:srgbClr val="020302"/>
                           </a:solidFill>
-                          <a:latin typeface="AdobeClean-Light"/>
+                          <a:latin typeface="Adobe Clean Han Regular" panose="020B0500000000000000" pitchFamily="34" charset="-128"/>
+                          <a:ea typeface="Adobe Clean Han Regular" panose="020B0500000000000000" pitchFamily="34" charset="-128"/>
                           <a:cs typeface="AdobeClean-Light"/>
                         </a:rPr>
                         <a:t>2</a:t>
                       </a:r>
-                      <a:endParaRPr sz="900" spc="0" dirty="0">
-                        <a:latin typeface="AdobeClean-Light"/>
-                        <a:cs typeface="AdobeClean-Light"/>
-                      </a:endParaRPr>
                     </a:p>
                   </a:txBody>
                   <a:tcPr marL="0" marR="0" marT="57150" marB="0"/>
@@ -4990,19 +4517,16 @@
                         </a:spcBef>
                       </a:pPr>
                       <a:r>
-                        <a:rPr sz="900" spc="0" dirty="0">
+                        <a:rPr lang="ja-JP" sz="900">
                           <a:solidFill>
                             <a:srgbClr val="020302"/>
                           </a:solidFill>
-                          <a:latin typeface="AdobeClean-Light"/>
+                          <a:latin typeface="Adobe Clean Han Regular" panose="020B0500000000000000" pitchFamily="34" charset="-128"/>
+                          <a:ea typeface="Adobe Clean Han Regular" panose="020B0500000000000000" pitchFamily="34" charset="-128"/>
                           <a:cs typeface="AdobeClean-Light"/>
                         </a:rPr>
                         <a:t>4</a:t>
                       </a:r>
-                      <a:endParaRPr sz="900" spc="0" dirty="0">
-                        <a:latin typeface="AdobeClean-Light"/>
-                        <a:cs typeface="AdobeClean-Light"/>
-                      </a:endParaRPr>
                     </a:p>
                   </a:txBody>
                   <a:tcPr marL="0" marR="0" marT="57150" marB="0">
@@ -5020,7 +4544,7 @@
                   </a:ext>
                 </a:extLst>
               </a:tr>
-              <a:tr h="264424">
+              <a:tr h="243081">
                 <a:tc vMerge="1">
                   <a:txBody>
                     <a:bodyPr/>
@@ -5045,16 +4569,13 @@
                         </a:spcBef>
                       </a:pPr>
                       <a:r>
-                        <a:rPr lang="en-US" sz="900" spc="0" dirty="0">
-                          <a:latin typeface="AdobeClean-Light"/>
+                        <a:rPr lang="ja-JP" sz="900">
+                          <a:latin typeface="Adobe Clean Han Regular" panose="020B0500000000000000" pitchFamily="34" charset="-128"/>
+                          <a:ea typeface="Adobe Clean Han Regular" panose="020B0500000000000000" pitchFamily="34" charset="-128"/>
                           <a:cs typeface="AdobeClean-Light"/>
                         </a:rPr>
-                        <a:t>Expert Sessions per Year</a:t>
+                        <a:t>年間のエキスパートセッション</a:t>
                       </a:r>
-                      <a:endParaRPr sz="900" spc="0" dirty="0">
-                        <a:latin typeface="AdobeClean-Light"/>
-                        <a:cs typeface="AdobeClean-Light"/>
-                      </a:endParaRPr>
                     </a:p>
                   </a:txBody>
                   <a:tcPr marL="0" marR="0" marT="57150" marB="0">
@@ -5083,13 +4604,14 @@
                     <a:bodyPr/>
                     <a:lstStyle/>
                     <a:p>
-                      <a:pPr>
+                      <a:pPr algn="l" rtl="0">
                         <a:lnSpc>
                           <a:spcPct val="100000"/>
                         </a:lnSpc>
                       </a:pPr>
                       <a:endParaRPr sz="900" spc="0" dirty="0">
-                        <a:latin typeface="Times New Roman"/>
+                        <a:latin typeface="Adobe Clean Han Regular" panose="020B0500000000000000" pitchFamily="34" charset="-128"/>
+                        <a:ea typeface="Adobe Clean Han Regular" panose="020B0500000000000000" pitchFamily="34" charset="-128"/>
                         <a:cs typeface="Times New Roman"/>
                       </a:endParaRPr>
                     </a:p>
@@ -5116,13 +4638,14 @@
                     <a:bodyPr/>
                     <a:lstStyle/>
                     <a:p>
-                      <a:pPr>
+                      <a:pPr algn="l" rtl="0">
                         <a:lnSpc>
                           <a:spcPct val="100000"/>
                         </a:lnSpc>
                       </a:pPr>
                       <a:endParaRPr sz="900" spc="0" dirty="0">
-                        <a:latin typeface="Times New Roman"/>
+                        <a:latin typeface="Adobe Clean Han Regular" panose="020B0500000000000000" pitchFamily="34" charset="-128"/>
+                        <a:ea typeface="Adobe Clean Han Regular" panose="020B0500000000000000" pitchFamily="34" charset="-128"/>
                         <a:cs typeface="Times New Roman"/>
                       </a:endParaRPr>
                     </a:p>
@@ -5153,16 +4676,13 @@
                         </a:spcBef>
                       </a:pPr>
                       <a:r>
-                        <a:rPr lang="en-US" sz="900" spc="0" dirty="0">
-                          <a:latin typeface="AdobeClean-Light"/>
+                        <a:rPr lang="ja-JP" sz="900">
+                          <a:latin typeface="Adobe Clean Han Regular" panose="020B0500000000000000" pitchFamily="34" charset="-128"/>
+                          <a:ea typeface="Adobe Clean Han Regular" panose="020B0500000000000000" pitchFamily="34" charset="-128"/>
                           <a:cs typeface="AdobeClean-Light"/>
                         </a:rPr>
                         <a:t>2</a:t>
                       </a:r>
-                      <a:endParaRPr sz="900" spc="0" dirty="0">
-                        <a:latin typeface="AdobeClean-Light"/>
-                        <a:cs typeface="AdobeClean-Light"/>
-                      </a:endParaRPr>
                     </a:p>
                   </a:txBody>
                   <a:tcPr marL="0" marR="0" marT="57150" marB="0"/>
@@ -5181,16 +4701,13 @@
                         </a:spcBef>
                       </a:pPr>
                       <a:r>
-                        <a:rPr lang="en-US" sz="900" spc="0" dirty="0">
-                          <a:latin typeface="AdobeClean-Light"/>
+                        <a:rPr lang="ja-JP" sz="900">
+                          <a:latin typeface="Adobe Clean Han Regular" panose="020B0500000000000000" pitchFamily="34" charset="-128"/>
+                          <a:ea typeface="Adobe Clean Han Regular" panose="020B0500000000000000" pitchFamily="34" charset="-128"/>
                           <a:cs typeface="AdobeClean-Light"/>
                         </a:rPr>
                         <a:t>4</a:t>
                       </a:r>
-                      <a:endParaRPr sz="900" spc="0" dirty="0">
-                        <a:latin typeface="AdobeClean-Light"/>
-                        <a:cs typeface="AdobeClean-Light"/>
-                      </a:endParaRPr>
                     </a:p>
                   </a:txBody>
                   <a:tcPr marL="0" marR="0" marT="57150" marB="0">
@@ -5208,7 +4725,7 @@
                   </a:ext>
                 </a:extLst>
               </a:tr>
-              <a:tr h="264424">
+              <a:tr h="243081">
                 <a:tc vMerge="1">
                   <a:txBody>
                     <a:bodyPr/>
@@ -5233,16 +4750,13 @@
                         </a:spcBef>
                       </a:pPr>
                       <a:r>
-                        <a:rPr lang="en-US" sz="900" spc="0" dirty="0">
-                          <a:latin typeface="AdobeClean-Light"/>
+                        <a:rPr lang="ja-JP" sz="900">
+                          <a:latin typeface="Adobe Clean Han Regular" panose="020B0500000000000000" pitchFamily="34" charset="-128"/>
+                          <a:ea typeface="Adobe Clean Han Regular" panose="020B0500000000000000" pitchFamily="34" charset="-128"/>
                           <a:cs typeface="AdobeClean-Light"/>
                         </a:rPr>
-                        <a:t>Case Reviews</a:t>
+                        <a:t>ケースレビュー</a:t>
                       </a:r>
-                      <a:endParaRPr sz="900" spc="0" dirty="0">
-                        <a:latin typeface="AdobeClean-Light"/>
-                        <a:cs typeface="AdobeClean-Light"/>
-                      </a:endParaRPr>
                     </a:p>
                   </a:txBody>
                   <a:tcPr marL="0" marR="0" marT="57150" marB="0">
@@ -5271,13 +4785,14 @@
                     <a:bodyPr/>
                     <a:lstStyle/>
                     <a:p>
-                      <a:pPr>
+                      <a:pPr algn="l" rtl="0">
                         <a:lnSpc>
                           <a:spcPct val="100000"/>
                         </a:lnSpc>
                       </a:pPr>
                       <a:endParaRPr sz="900" spc="0" dirty="0">
-                        <a:latin typeface="Times New Roman"/>
+                        <a:latin typeface="Adobe Clean Han Regular" panose="020B0500000000000000" pitchFamily="34" charset="-128"/>
+                        <a:ea typeface="Adobe Clean Han Regular" panose="020B0500000000000000" pitchFamily="34" charset="-128"/>
                         <a:cs typeface="Times New Roman"/>
                       </a:endParaRPr>
                     </a:p>
@@ -5304,13 +4819,14 @@
                     <a:bodyPr/>
                     <a:lstStyle/>
                     <a:p>
-                      <a:pPr>
+                      <a:pPr algn="l" rtl="0">
                         <a:lnSpc>
                           <a:spcPct val="100000"/>
                         </a:lnSpc>
                       </a:pPr>
                       <a:endParaRPr sz="900" spc="0" dirty="0">
-                        <a:latin typeface="Times New Roman"/>
+                        <a:latin typeface="Adobe Clean Han Regular" panose="020B0500000000000000" pitchFamily="34" charset="-128"/>
+                        <a:ea typeface="Adobe Clean Han Regular" panose="020B0500000000000000" pitchFamily="34" charset="-128"/>
                         <a:cs typeface="Times New Roman"/>
                       </a:endParaRPr>
                     </a:p>
@@ -5350,19 +4866,16 @@
                         <a:defRPr/>
                       </a:pPr>
                       <a:r>
-                        <a:rPr lang="en-US" sz="900" spc="0" dirty="0">
+                        <a:rPr lang="ja-JP" sz="900">
                           <a:solidFill>
                             <a:srgbClr val="020302"/>
                           </a:solidFill>
-                          <a:latin typeface="Wingdings"/>
+                          <a:latin typeface="Adobe Clean Han Regular" panose="020B0500000000000000" pitchFamily="34" charset="-128"/>
+                          <a:ea typeface="Adobe Clean Han Regular" panose="020B0500000000000000" pitchFamily="34" charset="-128"/>
                           <a:cs typeface="Wingdings"/>
                         </a:rPr>
                         <a:t></a:t>
                       </a:r>
-                      <a:endParaRPr lang="en-US" sz="900" spc="0" dirty="0">
-                        <a:latin typeface="Wingdings"/>
-                        <a:cs typeface="Wingdings"/>
-                      </a:endParaRPr>
                     </a:p>
                   </a:txBody>
                   <a:tcPr marL="0" marR="0" marT="57150" marB="0"/>
@@ -5390,19 +4903,16 @@
                         <a:defRPr/>
                       </a:pPr>
                       <a:r>
-                        <a:rPr lang="en-US" sz="900" spc="0" dirty="0">
+                        <a:rPr lang="ja-JP" sz="900">
                           <a:solidFill>
                             <a:srgbClr val="020302"/>
                           </a:solidFill>
-                          <a:latin typeface="Wingdings"/>
+                          <a:latin typeface="Adobe Clean Han Regular" panose="020B0500000000000000" pitchFamily="34" charset="-128"/>
+                          <a:ea typeface="Adobe Clean Han Regular" panose="020B0500000000000000" pitchFamily="34" charset="-128"/>
                           <a:cs typeface="Wingdings"/>
                         </a:rPr>
                         <a:t></a:t>
                       </a:r>
-                      <a:endParaRPr lang="en-US" sz="900" spc="0" dirty="0">
-                        <a:latin typeface="Wingdings"/>
-                        <a:cs typeface="Wingdings"/>
-                      </a:endParaRPr>
                     </a:p>
                   </a:txBody>
                   <a:tcPr marL="0" marR="0" marT="57150" marB="0">
@@ -5420,13 +4930,13 @@
                   </a:ext>
                 </a:extLst>
               </a:tr>
-              <a:tr h="264424">
+              <a:tr h="243081">
                 <a:tc vMerge="1">
                   <a:txBody>
                     <a:bodyPr/>
                     <a:lstStyle/>
                     <a:p>
-                      <a:pPr marL="48895">
+                      <a:pPr marL="48895" algn="l" rtl="0">
                         <a:lnSpc>
                           <a:spcPct val="100000"/>
                         </a:lnSpc>
@@ -5475,19 +4985,16 @@
                         </a:spcBef>
                       </a:pPr>
                       <a:r>
-                        <a:rPr sz="900" spc="0" dirty="0">
+                        <a:rPr lang="ja-JP" sz="900">
                           <a:solidFill>
                             <a:srgbClr val="020302"/>
                           </a:solidFill>
-                          <a:latin typeface="AdobeClean-Light"/>
+                          <a:latin typeface="Adobe Clean Han Regular" panose="020B0500000000000000" pitchFamily="34" charset="-128"/>
+                          <a:ea typeface="Adobe Clean Han Regular" panose="020B0500000000000000" pitchFamily="34" charset="-128"/>
                           <a:cs typeface="AdobeClean-Light"/>
                         </a:rPr>
-                        <a:t>Event Management</a:t>
+                        <a:t>イベント管理</a:t>
                       </a:r>
-                      <a:endParaRPr sz="900" spc="0" dirty="0">
-                        <a:latin typeface="AdobeClean-Light"/>
-                        <a:cs typeface="AdobeClean-Light"/>
-                      </a:endParaRPr>
                     </a:p>
                   </a:txBody>
                   <a:tcPr marL="0" marR="0" marT="58419" marB="0">
@@ -5510,13 +5017,14 @@
                     <a:bodyPr/>
                     <a:lstStyle/>
                     <a:p>
-                      <a:pPr>
+                      <a:pPr algn="l" rtl="0">
                         <a:lnSpc>
                           <a:spcPct val="100000"/>
                         </a:lnSpc>
                       </a:pPr>
                       <a:endParaRPr sz="900" spc="0" dirty="0">
-                        <a:latin typeface="Times New Roman"/>
+                        <a:latin typeface="Adobe Clean Han Regular" panose="020B0500000000000000" pitchFamily="34" charset="-128"/>
+                        <a:ea typeface="Adobe Clean Han Regular" panose="020B0500000000000000" pitchFamily="34" charset="-128"/>
                         <a:cs typeface="Times New Roman"/>
                       </a:endParaRPr>
                     </a:p>
@@ -5540,13 +5048,14 @@
                     <a:bodyPr/>
                     <a:lstStyle/>
                     <a:p>
-                      <a:pPr>
+                      <a:pPr algn="l" rtl="0">
                         <a:lnSpc>
                           <a:spcPct val="100000"/>
                         </a:lnSpc>
                       </a:pPr>
                       <a:endParaRPr sz="900" spc="0">
-                        <a:latin typeface="Times New Roman"/>
+                        <a:latin typeface="Adobe Clean Han Regular" panose="020B0500000000000000" pitchFamily="34" charset="-128"/>
+                        <a:ea typeface="Adobe Clean Han Regular" panose="020B0500000000000000" pitchFamily="34" charset="-128"/>
                         <a:cs typeface="Times New Roman"/>
                       </a:endParaRPr>
                     </a:p>
@@ -5558,7 +5067,7 @@
                     <a:bodyPr/>
                     <a:lstStyle/>
                     <a:p>
-                      <a:pPr>
+                      <a:pPr algn="l" rtl="0">
                         <a:lnSpc>
                           <a:spcPct val="100000"/>
                         </a:lnSpc>
@@ -5576,13 +5085,14 @@
                     <a:bodyPr/>
                     <a:lstStyle/>
                     <a:p>
-                      <a:pPr>
+                      <a:pPr algn="l" rtl="0">
                         <a:lnSpc>
                           <a:spcPct val="100000"/>
                         </a:lnSpc>
                       </a:pPr>
                       <a:endParaRPr sz="900" spc="0" dirty="0">
-                        <a:latin typeface="Times New Roman"/>
+                        <a:latin typeface="Adobe Clean Han Regular" panose="020B0500000000000000" pitchFamily="34" charset="-128"/>
+                        <a:ea typeface="Adobe Clean Han Regular" panose="020B0500000000000000" pitchFamily="34" charset="-128"/>
                         <a:cs typeface="Times New Roman"/>
                       </a:endParaRPr>
                     </a:p>
@@ -5603,19 +5113,16 @@
                         </a:spcBef>
                       </a:pPr>
                       <a:r>
-                        <a:rPr sz="900" spc="0" dirty="0">
+                        <a:rPr lang="ja-JP" sz="900">
                           <a:solidFill>
                             <a:srgbClr val="020302"/>
                           </a:solidFill>
-                          <a:latin typeface="Wingdings"/>
+                          <a:latin typeface="Adobe Clean Han Regular" panose="020B0500000000000000" pitchFamily="34" charset="-128"/>
+                          <a:ea typeface="Adobe Clean Han Regular" panose="020B0500000000000000" pitchFamily="34" charset="-128"/>
                           <a:cs typeface="Wingdings"/>
                         </a:rPr>
                         <a:t></a:t>
                       </a:r>
-                      <a:endParaRPr sz="900" spc="0" dirty="0">
-                        <a:latin typeface="Wingdings"/>
-                        <a:cs typeface="Wingdings"/>
-                      </a:endParaRPr>
                     </a:p>
                   </a:txBody>
                   <a:tcPr marL="0" marR="0" marT="59055" marB="0">
@@ -5633,13 +5140,13 @@
                   </a:ext>
                 </a:extLst>
               </a:tr>
-              <a:tr h="264424">
+              <a:tr h="243081">
                 <a:tc vMerge="1">
                   <a:txBody>
                     <a:bodyPr/>
                     <a:lstStyle/>
                     <a:p>
-                      <a:pPr marL="48895">
+                      <a:pPr marL="48895" algn="l" rtl="0">
                         <a:lnSpc>
                           <a:spcPct val="100000"/>
                         </a:lnSpc>
@@ -5697,34 +5204,15 @@
                         </a:spcBef>
                       </a:pPr>
                       <a:r>
-                        <a:rPr sz="900" spc="0" dirty="0">
+                        <a:rPr lang="ja-JP" sz="900">
                           <a:solidFill>
                             <a:srgbClr val="020302"/>
                           </a:solidFill>
-                          <a:latin typeface="AdobeClean-Light"/>
+                          <a:latin typeface="Adobe Clean Han Regular" panose="020B0500000000000000" pitchFamily="34" charset="-128"/>
+                          <a:ea typeface="Adobe Clean Han Regular" panose="020B0500000000000000" pitchFamily="34" charset="-128"/>
                           <a:cs typeface="AdobeClean-Light"/>
                         </a:rPr>
-                        <a:t>Environment</a:t>
-                      </a:r>
-                      <a:r>
-                        <a:rPr lang="en-US" sz="900" spc="0" dirty="0">
-                          <a:solidFill>
-                            <a:srgbClr val="020302"/>
-                          </a:solidFill>
-                          <a:latin typeface="AdobeClean-Light"/>
-                          <a:cs typeface="AdobeClean-Light"/>
-                        </a:rPr>
-                        <a:t> </a:t>
-                      </a:r>
-                      <a:r>
-                        <a:rPr sz="900" spc="0" dirty="0">
-                          <a:solidFill>
-                            <a:srgbClr val="020302"/>
-                          </a:solidFill>
-                          <a:latin typeface="AdobeClean-Light"/>
-                          <a:cs typeface="AdobeClean-Light"/>
-                        </a:rPr>
-                        <a:t>Review, Maintenance &amp; Monitoring</a:t>
+                        <a:t>環境レビュー、メンテナンスと監視</a:t>
                       </a:r>
                     </a:p>
                   </a:txBody>
@@ -5754,13 +5242,14 @@
                     <a:bodyPr/>
                     <a:lstStyle/>
                     <a:p>
-                      <a:pPr>
+                      <a:pPr algn="l" rtl="0">
                         <a:lnSpc>
                           <a:spcPct val="100000"/>
                         </a:lnSpc>
                       </a:pPr>
                       <a:endParaRPr sz="900" spc="0" dirty="0">
-                        <a:latin typeface="Times New Roman"/>
+                        <a:latin typeface="Adobe Clean Han Regular" panose="020B0500000000000000" pitchFamily="34" charset="-128"/>
+                        <a:ea typeface="Adobe Clean Han Regular" panose="020B0500000000000000" pitchFamily="34" charset="-128"/>
                         <a:cs typeface="Times New Roman"/>
                       </a:endParaRPr>
                     </a:p>
@@ -5787,13 +5276,14 @@
                     <a:bodyPr/>
                     <a:lstStyle/>
                     <a:p>
-                      <a:pPr>
+                      <a:pPr algn="l" rtl="0">
                         <a:lnSpc>
                           <a:spcPct val="100000"/>
                         </a:lnSpc>
                       </a:pPr>
                       <a:endParaRPr sz="900" spc="0">
-                        <a:latin typeface="Times New Roman"/>
+                        <a:latin typeface="Adobe Clean Han Regular" panose="020B0500000000000000" pitchFamily="34" charset="-128"/>
+                        <a:ea typeface="Adobe Clean Han Regular" panose="020B0500000000000000" pitchFamily="34" charset="-128"/>
                         <a:cs typeface="Times New Roman"/>
                       </a:endParaRPr>
                     </a:p>
@@ -5805,7 +5295,7 @@
                     <a:bodyPr/>
                     <a:lstStyle/>
                     <a:p>
-                      <a:pPr>
+                      <a:pPr algn="l" rtl="0">
                         <a:lnSpc>
                           <a:spcPct val="100000"/>
                         </a:lnSpc>
@@ -5823,13 +5313,14 @@
                     <a:bodyPr/>
                     <a:lstStyle/>
                     <a:p>
-                      <a:pPr>
+                      <a:pPr algn="l" rtl="0">
                         <a:lnSpc>
                           <a:spcPct val="100000"/>
                         </a:lnSpc>
                       </a:pPr>
                       <a:endParaRPr sz="900" spc="0">
-                        <a:latin typeface="Times New Roman"/>
+                        <a:latin typeface="Adobe Clean Han Regular" panose="020B0500000000000000" pitchFamily="34" charset="-128"/>
+                        <a:ea typeface="Adobe Clean Han Regular" panose="020B0500000000000000" pitchFamily="34" charset="-128"/>
                         <a:cs typeface="Times New Roman"/>
                       </a:endParaRPr>
                     </a:p>
@@ -5850,19 +5341,16 @@
                         </a:spcBef>
                       </a:pPr>
                       <a:r>
-                        <a:rPr sz="900" spc="0" dirty="0">
+                        <a:rPr lang="ja-JP" sz="900">
                           <a:solidFill>
                             <a:srgbClr val="020302"/>
                           </a:solidFill>
-                          <a:latin typeface="Wingdings"/>
+                          <a:latin typeface="Adobe Clean Han Regular" panose="020B0500000000000000" pitchFamily="34" charset="-128"/>
+                          <a:ea typeface="Adobe Clean Han Regular" panose="020B0500000000000000" pitchFamily="34" charset="-128"/>
                           <a:cs typeface="Wingdings"/>
                         </a:rPr>
                         <a:t></a:t>
                       </a:r>
-                      <a:endParaRPr sz="900" spc="0" dirty="0">
-                        <a:latin typeface="Wingdings"/>
-                        <a:cs typeface="Wingdings"/>
-                      </a:endParaRPr>
                     </a:p>
                   </a:txBody>
                   <a:tcPr marL="0" marR="0" marT="60325" marB="0">
@@ -5880,13 +5368,13 @@
                   </a:ext>
                 </a:extLst>
               </a:tr>
-              <a:tr h="264424">
+              <a:tr h="319097">
                 <a:tc vMerge="1">
                   <a:txBody>
                     <a:bodyPr/>
                     <a:lstStyle/>
                     <a:p>
-                      <a:pPr marL="49530">
+                      <a:pPr marL="49530" algn="l" rtl="0">
                         <a:lnSpc>
                           <a:spcPct val="100000"/>
                         </a:lnSpc>
@@ -5935,19 +5423,16 @@
                         </a:spcBef>
                       </a:pPr>
                       <a:r>
-                        <a:rPr sz="900" spc="0" dirty="0">
+                        <a:rPr lang="ja-JP" sz="900">
                           <a:solidFill>
                             <a:srgbClr val="020302"/>
                           </a:solidFill>
-                          <a:latin typeface="AdobeClean-Light"/>
+                          <a:latin typeface="Adobe Clean Han Regular" panose="020B0500000000000000" pitchFamily="34" charset="-128"/>
+                          <a:ea typeface="Adobe Clean Han Regular" panose="020B0500000000000000" pitchFamily="34" charset="-128"/>
                           <a:cs typeface="AdobeClean-Light"/>
                         </a:rPr>
-                        <a:t>Release, Migration, Upgrade &amp; Product Roadmap Review</a:t>
+                        <a:t>リリース、移行、アップグレード、製品ロードマップのレビュー</a:t>
                       </a:r>
-                      <a:endParaRPr sz="900" spc="0" dirty="0">
-                        <a:latin typeface="AdobeClean-Light"/>
-                        <a:cs typeface="AdobeClean-Light"/>
-                      </a:endParaRPr>
                     </a:p>
                   </a:txBody>
                   <a:tcPr marL="0" marR="0" marT="63500" marB="0">
@@ -5970,13 +5455,14 @@
                     <a:bodyPr/>
                     <a:lstStyle/>
                     <a:p>
-                      <a:pPr>
+                      <a:pPr algn="l" rtl="0">
                         <a:lnSpc>
                           <a:spcPct val="100000"/>
                         </a:lnSpc>
                       </a:pPr>
                       <a:endParaRPr sz="900" spc="0" dirty="0">
-                        <a:latin typeface="Times New Roman"/>
+                        <a:latin typeface="Adobe Clean Han Regular" panose="020B0500000000000000" pitchFamily="34" charset="-128"/>
+                        <a:ea typeface="Adobe Clean Han Regular" panose="020B0500000000000000" pitchFamily="34" charset="-128"/>
                         <a:cs typeface="Times New Roman"/>
                       </a:endParaRPr>
                     </a:p>
@@ -6000,13 +5486,14 @@
                     <a:bodyPr/>
                     <a:lstStyle/>
                     <a:p>
-                      <a:pPr>
+                      <a:pPr algn="l" rtl="0">
                         <a:lnSpc>
                           <a:spcPct val="100000"/>
                         </a:lnSpc>
                       </a:pPr>
                       <a:endParaRPr sz="900" spc="0">
-                        <a:latin typeface="Times New Roman"/>
+                        <a:latin typeface="Adobe Clean Han Regular" panose="020B0500000000000000" pitchFamily="34" charset="-128"/>
+                        <a:ea typeface="Adobe Clean Han Regular" panose="020B0500000000000000" pitchFamily="34" charset="-128"/>
                         <a:cs typeface="Times New Roman"/>
                       </a:endParaRPr>
                     </a:p>
@@ -6018,7 +5505,7 @@
                     <a:bodyPr/>
                     <a:lstStyle/>
                     <a:p>
-                      <a:pPr>
+                      <a:pPr algn="l" rtl="0">
                         <a:lnSpc>
                           <a:spcPct val="100000"/>
                         </a:lnSpc>
@@ -6036,13 +5523,14 @@
                     <a:bodyPr/>
                     <a:lstStyle/>
                     <a:p>
-                      <a:pPr>
+                      <a:pPr algn="l" rtl="0">
                         <a:lnSpc>
                           <a:spcPct val="100000"/>
                         </a:lnSpc>
                       </a:pPr>
                       <a:endParaRPr sz="900" spc="0" dirty="0">
-                        <a:latin typeface="Times New Roman"/>
+                        <a:latin typeface="Adobe Clean Han Regular" panose="020B0500000000000000" pitchFamily="34" charset="-128"/>
+                        <a:ea typeface="Adobe Clean Han Regular" panose="020B0500000000000000" pitchFamily="34" charset="-128"/>
                         <a:cs typeface="Times New Roman"/>
                       </a:endParaRPr>
                     </a:p>
@@ -6063,19 +5551,16 @@
                         </a:spcBef>
                       </a:pPr>
                       <a:r>
-                        <a:rPr sz="900" spc="0" dirty="0">
+                        <a:rPr lang="ja-JP" sz="900">
                           <a:solidFill>
                             <a:srgbClr val="020302"/>
                           </a:solidFill>
-                          <a:latin typeface="Wingdings"/>
+                          <a:latin typeface="Adobe Clean Han Regular" panose="020B0500000000000000" pitchFamily="34" charset="-128"/>
+                          <a:ea typeface="Adobe Clean Han Regular" panose="020B0500000000000000" pitchFamily="34" charset="-128"/>
                           <a:cs typeface="Wingdings"/>
                         </a:rPr>
                         <a:t></a:t>
                       </a:r>
-                      <a:endParaRPr sz="900" spc="0">
-                        <a:latin typeface="Wingdings"/>
-                        <a:cs typeface="Wingdings"/>
-                      </a:endParaRPr>
                     </a:p>
                   </a:txBody>
                   <a:tcPr marL="0" marR="0" marT="64135" marB="0">
@@ -6093,13 +5578,13 @@
                   </a:ext>
                 </a:extLst>
               </a:tr>
-              <a:tr h="264424">
+              <a:tr h="322696">
                 <a:tc vMerge="1">
                   <a:txBody>
                     <a:bodyPr/>
                     <a:lstStyle/>
                     <a:p>
-                      <a:pPr marL="49530">
+                      <a:pPr marL="49530" algn="l" rtl="0">
                         <a:lnSpc>
                           <a:spcPct val="100000"/>
                         </a:lnSpc>
@@ -6157,11 +5642,12 @@
                         </a:spcBef>
                       </a:pPr>
                       <a:r>
-                        <a:rPr sz="900" spc="0" dirty="0">
-                          <a:latin typeface="AdobeClean-Light"/>
+                        <a:rPr lang="ja-JP" sz="900">
+                          <a:latin typeface="Adobe Clean Han Regular" panose="020B0500000000000000" pitchFamily="34" charset="-128"/>
+                          <a:ea typeface="Adobe Clean Han Regular" panose="020B0500000000000000" pitchFamily="34" charset="-128"/>
                           <a:cs typeface="AdobeClean-Light"/>
                         </a:rPr>
-                        <a:t>Cloud Support Activities – Experience Manager as Cloud</a:t>
+                        <a:t>クラウドサポートアクティビティ – Experience Manager as Cloud</a:t>
                       </a:r>
                     </a:p>
                   </a:txBody>
@@ -6191,13 +5677,14 @@
                     <a:bodyPr/>
                     <a:lstStyle/>
                     <a:p>
-                      <a:pPr>
+                      <a:pPr algn="l" rtl="0">
                         <a:lnSpc>
                           <a:spcPct val="100000"/>
                         </a:lnSpc>
                       </a:pPr>
                       <a:endParaRPr sz="900" spc="0" dirty="0">
-                        <a:latin typeface="Times New Roman"/>
+                        <a:latin typeface="Adobe Clean Han Regular" panose="020B0500000000000000" pitchFamily="34" charset="-128"/>
+                        <a:ea typeface="Adobe Clean Han Regular" panose="020B0500000000000000" pitchFamily="34" charset="-128"/>
                         <a:cs typeface="Times New Roman"/>
                       </a:endParaRPr>
                     </a:p>
@@ -6227,13 +5714,14 @@
                     <a:bodyPr/>
                     <a:lstStyle/>
                     <a:p>
-                      <a:pPr>
+                      <a:pPr algn="l" rtl="0">
                         <a:lnSpc>
                           <a:spcPct val="100000"/>
                         </a:lnSpc>
                       </a:pPr>
                       <a:endParaRPr sz="900" spc="0" dirty="0">
-                        <a:latin typeface="Times New Roman"/>
+                        <a:latin typeface="Adobe Clean Han Regular" panose="020B0500000000000000" pitchFamily="34" charset="-128"/>
+                        <a:ea typeface="Adobe Clean Han Regular" panose="020B0500000000000000" pitchFamily="34" charset="-128"/>
                         <a:cs typeface="Times New Roman"/>
                       </a:endParaRPr>
                     </a:p>
@@ -6252,7 +5740,7 @@
                     <a:bodyPr/>
                     <a:lstStyle/>
                     <a:p>
-                      <a:pPr>
+                      <a:pPr algn="l" rtl="0">
                         <a:lnSpc>
                           <a:spcPct val="100000"/>
                         </a:lnSpc>
@@ -6289,19 +5777,16 @@
                         </a:spcBef>
                       </a:pPr>
                       <a:r>
-                        <a:rPr sz="900" spc="0" dirty="0">
+                        <a:rPr lang="ja-JP" sz="900">
                           <a:solidFill>
                             <a:srgbClr val="020302"/>
                           </a:solidFill>
-                          <a:latin typeface="Wingdings"/>
+                          <a:latin typeface="Adobe Clean Han Regular" panose="020B0500000000000000" pitchFamily="34" charset="-128"/>
+                          <a:ea typeface="Adobe Clean Han Regular" panose="020B0500000000000000" pitchFamily="34" charset="-128"/>
                           <a:cs typeface="Wingdings"/>
                         </a:rPr>
                         <a:t></a:t>
                       </a:r>
-                      <a:endParaRPr sz="900" spc="0" dirty="0">
-                        <a:latin typeface="Wingdings"/>
-                        <a:cs typeface="Wingdings"/>
-                      </a:endParaRPr>
                     </a:p>
                   </a:txBody>
                   <a:tcPr marL="0" marR="0" marT="62230" marB="0">
@@ -6327,19 +5812,16 @@
                         </a:spcBef>
                       </a:pPr>
                       <a:r>
-                        <a:rPr sz="900" spc="0" dirty="0">
+                        <a:rPr lang="ja-JP" sz="900">
                           <a:solidFill>
                             <a:srgbClr val="020302"/>
                           </a:solidFill>
-                          <a:latin typeface="Wingdings"/>
+                          <a:latin typeface="Adobe Clean Han Regular" panose="020B0500000000000000" pitchFamily="34" charset="-128"/>
+                          <a:ea typeface="Adobe Clean Han Regular" panose="020B0500000000000000" pitchFamily="34" charset="-128"/>
                           <a:cs typeface="Wingdings"/>
                         </a:rPr>
                         <a:t></a:t>
                       </a:r>
-                      <a:endParaRPr sz="900" spc="0" dirty="0">
-                        <a:latin typeface="Wingdings"/>
-                        <a:cs typeface="Wingdings"/>
-                      </a:endParaRPr>
                     </a:p>
                   </a:txBody>
                   <a:tcPr marL="0" marR="0" marT="62230" marB="0">
@@ -6363,7 +5845,7 @@
                   </a:ext>
                 </a:extLst>
               </a:tr>
-              <a:tr h="264424">
+              <a:tr h="243081">
                 <a:tc rowSpan="2">
                   <a:txBody>
                     <a:bodyPr/>
@@ -6378,22 +5860,37 @@
                         </a:spcBef>
                       </a:pPr>
                       <a:r>
-                        <a:rPr lang="en-US" sz="1000" b="1" i="0" spc="0" dirty="0">
+                        <a:rPr lang="ja-JP" sz="1000" b="1" i="0" dirty="0">
                           <a:solidFill>
                             <a:schemeClr val="bg1"/>
                           </a:solidFill>
-                          <a:latin typeface="Adobe Clean" panose="020B0503020404020204" pitchFamily="34" charset="0"/>
+                          <a:latin typeface="Adobe Clean Han Regular" panose="020B0500000000000000" pitchFamily="34" charset="-128"/>
+                          <a:ea typeface="Adobe Clean Han Regular" panose="020B0500000000000000" pitchFamily="34" charset="-128"/>
                           <a:cs typeface="AdobeClean-Light"/>
                         </a:rPr>
-                        <a:t>Field Services</a:t>
+                        <a:t>フィールドサー</a:t>
                       </a:r>
-                      <a:endParaRPr sz="1000" b="1" i="0" spc="0" dirty="0">
-                        <a:solidFill>
-                          <a:schemeClr val="bg1"/>
-                        </a:solidFill>
-                        <a:latin typeface="Adobe Clean" panose="020B0503020404020204" pitchFamily="34" charset="0"/>
-                        <a:cs typeface="AdobeClean-Light"/>
-                      </a:endParaRPr>
+                      <a:br>
+                        <a:rPr lang="sk-SK" altLang="ja-JP" sz="1000" b="1" i="0" dirty="0">
+                          <a:solidFill>
+                            <a:schemeClr val="bg1"/>
+                          </a:solidFill>
+                          <a:latin typeface="Adobe Clean Han Regular" panose="020B0500000000000000" pitchFamily="34" charset="-128"/>
+                          <a:ea typeface="Adobe Clean Han Regular" panose="020B0500000000000000" pitchFamily="34" charset="-128"/>
+                          <a:cs typeface="AdobeClean-Light"/>
+                        </a:rPr>
+                      </a:br>
+                      <a:r>
+                        <a:rPr lang="ja-JP" sz="1000" b="1" i="0" dirty="0">
+                          <a:solidFill>
+                            <a:schemeClr val="bg1"/>
+                          </a:solidFill>
+                          <a:latin typeface="Adobe Clean Han Regular" panose="020B0500000000000000" pitchFamily="34" charset="-128"/>
+                          <a:ea typeface="Adobe Clean Han Regular" panose="020B0500000000000000" pitchFamily="34" charset="-128"/>
+                          <a:cs typeface="AdobeClean-Light"/>
+                        </a:rPr>
+                        <a:t>ビス</a:t>
+                      </a:r>
                     </a:p>
                   </a:txBody>
                   <a:tcPr marL="0" marR="0" marT="48260" marB="0" anchor="ctr">
@@ -6446,39 +5943,16 @@
                         </a:spcBef>
                       </a:pPr>
                       <a:r>
-                        <a:rPr sz="900" spc="0" dirty="0">
+                        <a:rPr lang="ja-JP" sz="900">
                           <a:solidFill>
                             <a:srgbClr val="020302"/>
                           </a:solidFill>
-                          <a:latin typeface="AdobeClean-Light"/>
+                          <a:latin typeface="Adobe Clean Han Regular" panose="020B0500000000000000" pitchFamily="34" charset="-128"/>
+                          <a:ea typeface="Adobe Clean Han Regular" panose="020B0500000000000000" pitchFamily="34" charset="-128"/>
                           <a:cs typeface="AdobeClean-Light"/>
                         </a:rPr>
-                        <a:t>Launch Advisory Services – First Year of </a:t>
+                        <a:t>Launch Advisory サービス – 製品導入の初年度</a:t>
                       </a:r>
-                      <a:r>
-                        <a:rPr lang="en-US" sz="900" spc="0" dirty="0">
-                          <a:solidFill>
-                            <a:srgbClr val="020302"/>
-                          </a:solidFill>
-                          <a:latin typeface="AdobeClean-Light"/>
-                          <a:cs typeface="AdobeClean-Light"/>
-                        </a:rPr>
-                        <a:t>a </a:t>
-                      </a:r>
-                      <a:r>
-                        <a:rPr sz="900" spc="0" dirty="0">
-                          <a:solidFill>
-                            <a:srgbClr val="020302"/>
-                          </a:solidFill>
-                          <a:latin typeface="AdobeClean-Light"/>
-                          <a:cs typeface="AdobeClean-Light"/>
-                        </a:rPr>
-                        <a:t>new solution</a:t>
-                      </a:r>
-                      <a:endParaRPr sz="900" spc="0" dirty="0">
-                        <a:latin typeface="AdobeClean-Light"/>
-                        <a:cs typeface="AdobeClean-Light"/>
-                      </a:endParaRPr>
                     </a:p>
                     <a:p>
                       <a:pPr marL="48260">
@@ -6490,11 +5964,12 @@
                         </a:spcBef>
                       </a:pPr>
                       <a:r>
-                        <a:rPr sz="900" spc="0" dirty="0">
-                          <a:latin typeface="AdobeClean-Light"/>
+                        <a:rPr lang="ja-JP" sz="900">
+                          <a:latin typeface="Adobe Clean Han Regular" panose="020B0500000000000000" pitchFamily="34" charset="-128"/>
+                          <a:ea typeface="Adobe Clean Han Regular" panose="020B0500000000000000" pitchFamily="34" charset="-128"/>
                           <a:cs typeface="AdobeClean-Light"/>
                         </a:rPr>
-                        <a:t>Field Service Activities</a:t>
+                        <a:t>フィールドサービスアクティビティ</a:t>
                       </a:r>
                     </a:p>
                   </a:txBody>
@@ -6530,13 +6005,14 @@
                     <a:bodyPr/>
                     <a:lstStyle/>
                     <a:p>
-                      <a:pPr>
+                      <a:pPr algn="l" rtl="0">
                         <a:lnSpc>
                           <a:spcPct val="100000"/>
                         </a:lnSpc>
                       </a:pPr>
                       <a:endParaRPr sz="900" spc="0" dirty="0">
-                        <a:latin typeface="Times New Roman"/>
+                        <a:latin typeface="Adobe Clean Han Regular" panose="020B0500000000000000" pitchFamily="34" charset="-128"/>
+                        <a:ea typeface="Adobe Clean Han Regular" panose="020B0500000000000000" pitchFamily="34" charset="-128"/>
                         <a:cs typeface="Times New Roman"/>
                       </a:endParaRPr>
                     </a:p>
@@ -6566,13 +6042,14 @@
                     <a:bodyPr/>
                     <a:lstStyle/>
                     <a:p>
-                      <a:pPr>
+                      <a:pPr algn="l" rtl="0">
                         <a:lnSpc>
                           <a:spcPct val="100000"/>
                         </a:lnSpc>
                       </a:pPr>
                       <a:endParaRPr sz="900" spc="0">
-                        <a:latin typeface="Times New Roman"/>
+                        <a:latin typeface="Adobe Clean Han Regular" panose="020B0500000000000000" pitchFamily="34" charset="-128"/>
+                        <a:ea typeface="Adobe Clean Han Regular" panose="020B0500000000000000" pitchFamily="34" charset="-128"/>
                         <a:cs typeface="Times New Roman"/>
                       </a:endParaRPr>
                     </a:p>
@@ -6591,7 +6068,7 @@
                     <a:bodyPr/>
                     <a:lstStyle/>
                     <a:p>
-                      <a:pPr>
+                      <a:pPr algn="l" rtl="0">
                         <a:lnSpc>
                           <a:spcPct val="100000"/>
                         </a:lnSpc>
@@ -6628,19 +6105,16 @@
                         </a:spcBef>
                       </a:pPr>
                       <a:r>
-                        <a:rPr sz="900" spc="0" dirty="0">
+                        <a:rPr lang="ja-JP" sz="900">
                           <a:solidFill>
                             <a:srgbClr val="020302"/>
                           </a:solidFill>
-                          <a:latin typeface="Wingdings"/>
+                          <a:latin typeface="Adobe Clean Han Regular" panose="020B0500000000000000" pitchFamily="34" charset="-128"/>
+                          <a:ea typeface="Adobe Clean Han Regular" panose="020B0500000000000000" pitchFamily="34" charset="-128"/>
                           <a:cs typeface="Wingdings"/>
                         </a:rPr>
                         <a:t></a:t>
                       </a:r>
-                      <a:endParaRPr sz="900" spc="0">
-                        <a:latin typeface="Wingdings"/>
-                        <a:cs typeface="Wingdings"/>
-                      </a:endParaRPr>
                     </a:p>
                   </a:txBody>
                   <a:tcPr marL="0" marR="0" marT="56515" marB="0">
@@ -6666,19 +6140,16 @@
                         </a:spcBef>
                       </a:pPr>
                       <a:r>
-                        <a:rPr sz="900" spc="0" dirty="0">
+                        <a:rPr lang="ja-JP" sz="900">
                           <a:solidFill>
                             <a:srgbClr val="020302"/>
                           </a:solidFill>
-                          <a:latin typeface="Wingdings"/>
+                          <a:latin typeface="Adobe Clean Han Regular" panose="020B0500000000000000" pitchFamily="34" charset="-128"/>
+                          <a:ea typeface="Adobe Clean Han Regular" panose="020B0500000000000000" pitchFamily="34" charset="-128"/>
                           <a:cs typeface="Wingdings"/>
                         </a:rPr>
                         <a:t></a:t>
                       </a:r>
-                      <a:endParaRPr sz="900" spc="0" dirty="0">
-                        <a:latin typeface="Wingdings"/>
-                        <a:cs typeface="Wingdings"/>
-                      </a:endParaRPr>
                     </a:p>
                   </a:txBody>
                   <a:tcPr marL="0" marR="0" marT="56515" marB="0">
@@ -6702,7 +6173,7 @@
                   </a:ext>
                 </a:extLst>
               </a:tr>
-              <a:tr h="264893">
+              <a:tr h="243513">
                 <a:tc vMerge="1">
                   <a:txBody>
                     <a:bodyPr/>
@@ -6753,13 +6224,14 @@
                     <a:bodyPr/>
                     <a:lstStyle/>
                     <a:p>
-                      <a:pPr>
+                      <a:pPr algn="l" rtl="0">
                         <a:lnSpc>
                           <a:spcPct val="100000"/>
                         </a:lnSpc>
                       </a:pPr>
                       <a:endParaRPr sz="900" spc="0" dirty="0">
-                        <a:latin typeface="Times New Roman"/>
+                        <a:latin typeface="Adobe Clean Han Regular" panose="020B0500000000000000" pitchFamily="34" charset="-128"/>
+                        <a:ea typeface="Adobe Clean Han Regular" panose="020B0500000000000000" pitchFamily="34" charset="-128"/>
                         <a:cs typeface="Times New Roman"/>
                       </a:endParaRPr>
                     </a:p>
@@ -6789,13 +6261,14 @@
                     <a:bodyPr/>
                     <a:lstStyle/>
                     <a:p>
-                      <a:pPr>
+                      <a:pPr algn="l" rtl="0">
                         <a:lnSpc>
                           <a:spcPct val="100000"/>
                         </a:lnSpc>
                       </a:pPr>
                       <a:endParaRPr sz="900" spc="0">
-                        <a:latin typeface="Times New Roman"/>
+                        <a:latin typeface="Adobe Clean Han Regular" panose="020B0500000000000000" pitchFamily="34" charset="-128"/>
+                        <a:ea typeface="Adobe Clean Han Regular" panose="020B0500000000000000" pitchFamily="34" charset="-128"/>
                         <a:cs typeface="Times New Roman"/>
                       </a:endParaRPr>
                     </a:p>
@@ -6814,7 +6287,7 @@
                     <a:bodyPr/>
                     <a:lstStyle/>
                     <a:p>
-                      <a:pPr>
+                      <a:pPr algn="l" rtl="0">
                         <a:lnSpc>
                           <a:spcPct val="100000"/>
                         </a:lnSpc>
@@ -6848,19 +6321,16 @@
                         </a:spcBef>
                       </a:pPr>
                       <a:r>
-                        <a:rPr sz="900" spc="0" dirty="0">
+                        <a:rPr lang="ja-JP" sz="900">
                           <a:solidFill>
                             <a:srgbClr val="020302"/>
                           </a:solidFill>
-                          <a:latin typeface="AdobeClean-Light"/>
+                          <a:latin typeface="Adobe Clean Han Regular" panose="020B0500000000000000" pitchFamily="34" charset="-128"/>
+                          <a:ea typeface="Adobe Clean Han Regular" panose="020B0500000000000000" pitchFamily="34" charset="-128"/>
                           <a:cs typeface="AdobeClean-Light"/>
                         </a:rPr>
                         <a:t>2</a:t>
                       </a:r>
-                      <a:endParaRPr sz="900" spc="0">
-                        <a:latin typeface="AdobeClean-Light"/>
-                        <a:cs typeface="AdobeClean-Light"/>
-                      </a:endParaRPr>
                     </a:p>
                   </a:txBody>
                   <a:tcPr marL="0" marR="0" marT="50800" marB="0">
@@ -6886,19 +6356,16 @@
                         </a:spcBef>
                       </a:pPr>
                       <a:r>
-                        <a:rPr sz="900" spc="0" dirty="0">
+                        <a:rPr lang="ja-JP" sz="900" dirty="0">
                           <a:solidFill>
                             <a:srgbClr val="020302"/>
                           </a:solidFill>
-                          <a:latin typeface="AdobeClean-Light"/>
+                          <a:latin typeface="Adobe Clean Han Regular" panose="020B0500000000000000" pitchFamily="34" charset="-128"/>
+                          <a:ea typeface="Adobe Clean Han Regular" panose="020B0500000000000000" pitchFamily="34" charset="-128"/>
                           <a:cs typeface="AdobeClean-Light"/>
                         </a:rPr>
                         <a:t>4</a:t>
                       </a:r>
-                      <a:endParaRPr sz="900" spc="0" dirty="0">
-                        <a:latin typeface="AdobeClean-Light"/>
-                        <a:cs typeface="AdobeClean-Light"/>
-                      </a:endParaRPr>
                     </a:p>
                   </a:txBody>
                   <a:tcPr marL="0" marR="0" marT="50800" marB="0">
@@ -6938,8 +6405,8 @@
         </p:nvSpPr>
         <p:spPr>
           <a:xfrm>
-            <a:off x="5307201" y="9862966"/>
-            <a:ext cx="2270125" cy="132729"/>
+            <a:off x="5105401" y="9862966"/>
+            <a:ext cx="2471926" cy="132729"/>
           </a:xfrm>
           <a:prstGeom prst="rect">
             <a:avLst/>
@@ -6960,24 +6427,11 @@
               </a:spcBef>
             </a:pPr>
             <a:r>
-              <a:rPr spc="-5" dirty="0"/>
-              <a:t>©202</a:t>
-            </a:r>
-            <a:r>
-              <a:rPr lang="en-US" spc="-5" dirty="0"/>
-              <a:t>1</a:t>
-            </a:r>
-            <a:r>
-              <a:rPr spc="-5" dirty="0"/>
-              <a:t> Adobe. All Rights Reserved. Adobe</a:t>
-            </a:r>
-            <a:r>
-              <a:rPr spc="60" dirty="0"/>
-              <a:t> </a:t>
-            </a:r>
-            <a:r>
-              <a:rPr spc="-5" dirty="0"/>
-              <a:t>Confidential.</a:t>
+              <a:rPr lang="ja-JP">
+                <a:latin typeface="Adobe Clean Han Regular" panose="020B0500000000000000" pitchFamily="34" charset="-128"/>
+                <a:ea typeface="Adobe Clean Han Regular" panose="020B0500000000000000" pitchFamily="34" charset="-128"/>
+              </a:rPr>
+              <a:t>©2021 Adobe. All Rights Reserved. Adobe Confidential.</a:t>
             </a:r>
           </a:p>
         </p:txBody>
@@ -6991,7 +6445,7 @@
           <p:nvPr>
             <p:extLst>
               <p:ext uri="{D42A27DB-BD31-4B8C-83A1-F6EECF244321}">
-                <p14:modId xmlns:p14="http://schemas.microsoft.com/office/powerpoint/2010/main" val="4081524108"/>
+                <p14:modId xmlns:p14="http://schemas.microsoft.com/office/powerpoint/2010/main" val="1556871072"/>
               </p:ext>
             </p:extLst>
           </p:nvPr>
@@ -7058,19 +6512,16 @@
                         </a:spcBef>
                       </a:pPr>
                       <a:r>
-                        <a:rPr sz="900" spc="0" dirty="0">
+                        <a:rPr lang="ja-JP" sz="900">
                           <a:solidFill>
                             <a:srgbClr val="020302"/>
                           </a:solidFill>
-                          <a:latin typeface="Adobe Clean"/>
+                          <a:latin typeface="Adobe Clean Han Regular" panose="020B0500000000000000" pitchFamily="34" charset="-128"/>
+                          <a:ea typeface="Adobe Clean Han Regular" panose="020B0500000000000000" pitchFamily="34" charset="-128"/>
                           <a:cs typeface="Adobe Clean"/>
                         </a:rPr>
-                        <a:t>Priority</a:t>
+                        <a:t>優先度</a:t>
                       </a:r>
-                      <a:endParaRPr sz="900" spc="0" dirty="0">
-                        <a:latin typeface="Adobe Clean"/>
-                        <a:cs typeface="Adobe Clean"/>
-                      </a:endParaRPr>
                     </a:p>
                   </a:txBody>
                   <a:tcPr marL="0" marR="0" marT="7620" marB="0" anchor="ctr">
@@ -7117,39 +6568,16 @@
                         </a:spcBef>
                       </a:pPr>
                       <a:r>
-                        <a:rPr sz="900" spc="0" dirty="0">
+                        <a:rPr lang="ja-JP" sz="600" dirty="0">
                           <a:solidFill>
                             <a:srgbClr val="020302"/>
                           </a:solidFill>
-                          <a:latin typeface="Adobe Clean"/>
+                          <a:latin typeface="Adobe Clean Han Regular" panose="020B0500000000000000" pitchFamily="34" charset="-128"/>
+                          <a:ea typeface="Adobe Clean Han Regular" panose="020B0500000000000000" pitchFamily="34" charset="-128"/>
                           <a:cs typeface="Adobe Clean"/>
                         </a:rPr>
-                        <a:t>Online </a:t>
+                        <a:t>オンラインサポート</a:t>
                       </a:r>
-                      <a:r>
-                        <a:rPr lang="en-US" sz="900" spc="0" dirty="0">
-                          <a:solidFill>
-                            <a:srgbClr val="020302"/>
-                          </a:solidFill>
-                          <a:latin typeface="Adobe Clean"/>
-                          <a:cs typeface="Adobe Clean"/>
-                        </a:rPr>
-                        <a:t> </a:t>
-                      </a:r>
-                      <a:r>
-                        <a:rPr sz="900" spc="0" dirty="0">
-                          <a:solidFill>
-                            <a:srgbClr val="020302"/>
-                          </a:solidFill>
-                          <a:latin typeface="Adobe Clean"/>
-                          <a:cs typeface="Adobe Clean"/>
-                        </a:rPr>
-                        <a:t>Support</a:t>
-                      </a:r>
-                      <a:endParaRPr sz="900" spc="0" dirty="0">
-                        <a:latin typeface="Adobe Clean"/>
-                        <a:cs typeface="Adobe Clean"/>
-                      </a:endParaRPr>
                     </a:p>
                   </a:txBody>
                   <a:tcPr marL="0" marR="0" marT="0" marB="0" anchor="ctr">
@@ -7171,14 +6599,11 @@
                       </a:solidFill>
                       <a:prstDash val="solid"/>
                     </a:lnT>
-                    <a:lnB w="76200" cap="flat" cmpd="sng" algn="ctr">
+                    <a:lnB w="76200">
                       <a:solidFill>
                         <a:srgbClr val="858585"/>
                       </a:solidFill>
                       <a:prstDash val="solid"/>
-                      <a:round/>
-                      <a:headEnd type="none" w="med" len="med"/>
-                      <a:tailEnd type="none" w="med" len="med"/>
                     </a:lnB>
                     <a:solidFill>
                       <a:srgbClr val="D9D9D9"/>
@@ -7199,39 +6624,16 @@
                         </a:spcBef>
                       </a:pPr>
                       <a:r>
-                        <a:rPr sz="900" spc="0" dirty="0">
+                        <a:rPr lang="ja-JP" sz="600" dirty="0">
                           <a:solidFill>
                             <a:srgbClr val="FFFFFF"/>
                           </a:solidFill>
-                          <a:latin typeface="Adobe Clean"/>
+                          <a:latin typeface="Adobe Clean Han Regular" panose="020B0500000000000000" pitchFamily="34" charset="-128"/>
+                          <a:ea typeface="Adobe Clean Han Regular" panose="020B0500000000000000" pitchFamily="34" charset="-128"/>
                           <a:cs typeface="Adobe Clean"/>
                         </a:rPr>
-                        <a:t>Business</a:t>
+                        <a:t>ビジネスサポート</a:t>
                       </a:r>
-                      <a:r>
-                        <a:rPr lang="en-US" sz="900" spc="0" dirty="0">
-                          <a:solidFill>
-                            <a:srgbClr val="FFFFFF"/>
-                          </a:solidFill>
-                          <a:latin typeface="Adobe Clean"/>
-                          <a:cs typeface="Adobe Clean"/>
-                        </a:rPr>
-                        <a:t> </a:t>
-                      </a:r>
-                      <a:r>
-                        <a:rPr sz="900" spc="0" dirty="0">
-                          <a:solidFill>
-                            <a:srgbClr val="FFFFFF"/>
-                          </a:solidFill>
-                          <a:latin typeface="Adobe Clean"/>
-                          <a:cs typeface="Adobe Clean"/>
-                        </a:rPr>
-                        <a:t>Support</a:t>
-                      </a:r>
-                      <a:endParaRPr sz="900" spc="0" dirty="0">
-                        <a:latin typeface="Adobe Clean"/>
-                        <a:cs typeface="Adobe Clean"/>
-                      </a:endParaRPr>
                     </a:p>
                   </a:txBody>
                   <a:tcPr marL="0" marR="0" marT="0" marB="0" anchor="ctr">
@@ -7253,14 +6655,11 @@
                       </a:solidFill>
                       <a:prstDash val="solid"/>
                     </a:lnT>
-                    <a:lnB w="76200" cap="flat" cmpd="sng" algn="ctr">
+                    <a:lnB w="76200">
                       <a:solidFill>
                         <a:srgbClr val="ACD2FF"/>
                       </a:solidFill>
                       <a:prstDash val="solid"/>
-                      <a:round/>
-                      <a:headEnd type="none" w="med" len="med"/>
-                      <a:tailEnd type="none" w="med" len="med"/>
                     </a:lnB>
                     <a:solidFill>
                       <a:srgbClr val="7D7D7D"/>
@@ -7281,39 +6680,16 @@
                         </a:spcBef>
                       </a:pPr>
                       <a:r>
-                        <a:rPr sz="900" spc="0" dirty="0">
+                        <a:rPr lang="ja-JP" sz="600" dirty="0">
                           <a:solidFill>
                             <a:srgbClr val="FFFFFF"/>
                           </a:solidFill>
-                          <a:latin typeface="Adobe Clean"/>
+                          <a:latin typeface="Adobe Clean Han Regular" panose="020B0500000000000000" pitchFamily="34" charset="-128"/>
+                          <a:ea typeface="Adobe Clean Han Regular" panose="020B0500000000000000" pitchFamily="34" charset="-128"/>
                           <a:cs typeface="Adobe Clean"/>
                         </a:rPr>
-                        <a:t>Enterprise </a:t>
+                        <a:t>エンタープライズサポート</a:t>
                       </a:r>
-                      <a:r>
-                        <a:rPr lang="en-US" sz="900" spc="0" dirty="0">
-                          <a:solidFill>
-                            <a:srgbClr val="FFFFFF"/>
-                          </a:solidFill>
-                          <a:latin typeface="Adobe Clean"/>
-                          <a:cs typeface="Adobe Clean"/>
-                        </a:rPr>
-                        <a:t> </a:t>
-                      </a:r>
-                      <a:r>
-                        <a:rPr sz="900" spc="0" dirty="0">
-                          <a:solidFill>
-                            <a:srgbClr val="FFFFFF"/>
-                          </a:solidFill>
-                          <a:latin typeface="Adobe Clean"/>
-                          <a:cs typeface="Adobe Clean"/>
-                        </a:rPr>
-                        <a:t>Support</a:t>
-                      </a:r>
-                      <a:endParaRPr sz="900" spc="0" dirty="0">
-                        <a:latin typeface="Adobe Clean"/>
-                        <a:cs typeface="Adobe Clean"/>
-                      </a:endParaRPr>
                     </a:p>
                   </a:txBody>
                   <a:tcPr marL="0" marR="0" marT="0" marB="0" anchor="ctr">
@@ -7335,14 +6711,11 @@
                       </a:solidFill>
                       <a:prstDash val="solid"/>
                     </a:lnT>
-                    <a:lnB w="76200" cap="flat" cmpd="sng" algn="ctr">
+                    <a:lnB w="76200">
                       <a:solidFill>
                         <a:srgbClr val="2E8FFF"/>
                       </a:solidFill>
                       <a:prstDash val="solid"/>
-                      <a:round/>
-                      <a:headEnd type="none" w="med" len="med"/>
-                      <a:tailEnd type="none" w="med" len="med"/>
                     </a:lnB>
                     <a:solidFill>
                       <a:srgbClr val="404040"/>
@@ -7363,39 +6736,16 @@
                         </a:spcBef>
                       </a:pPr>
                       <a:r>
-                        <a:rPr sz="900" spc="0" dirty="0">
+                        <a:rPr lang="ja-JP" sz="600" dirty="0">
                           <a:solidFill>
                             <a:srgbClr val="FFFFFF"/>
                           </a:solidFill>
-                          <a:latin typeface="Adobe Clean"/>
+                          <a:latin typeface="Adobe Clean Han Regular" panose="020B0500000000000000" pitchFamily="34" charset="-128"/>
+                          <a:ea typeface="Adobe Clean Han Regular" panose="020B0500000000000000" pitchFamily="34" charset="-128"/>
                           <a:cs typeface="Adobe Clean"/>
                         </a:rPr>
-                        <a:t>Elite</a:t>
+                        <a:t>エリートサポート</a:t>
                       </a:r>
-                      <a:r>
-                        <a:rPr lang="en-US" sz="900" spc="0" dirty="0">
-                          <a:solidFill>
-                            <a:srgbClr val="FFFFFF"/>
-                          </a:solidFill>
-                          <a:latin typeface="Adobe Clean"/>
-                          <a:cs typeface="Adobe Clean"/>
-                        </a:rPr>
-                        <a:t> </a:t>
-                      </a:r>
-                      <a:r>
-                        <a:rPr sz="900" spc="0" dirty="0">
-                          <a:solidFill>
-                            <a:srgbClr val="FFFFFF"/>
-                          </a:solidFill>
-                          <a:latin typeface="Adobe Clean"/>
-                          <a:cs typeface="Adobe Clean"/>
-                        </a:rPr>
-                        <a:t>Support</a:t>
-                      </a:r>
-                      <a:endParaRPr sz="900" spc="0" dirty="0">
-                        <a:latin typeface="Adobe Clean"/>
-                        <a:cs typeface="Adobe Clean"/>
-                      </a:endParaRPr>
                     </a:p>
                   </a:txBody>
                   <a:tcPr marL="0" marR="0" marT="0" marB="0" anchor="ctr">
@@ -7417,14 +6767,11 @@
                       </a:solidFill>
                       <a:prstDash val="solid"/>
                     </a:lnT>
-                    <a:lnB w="76200" cap="flat" cmpd="sng" algn="ctr">
+                    <a:lnB w="76200">
                       <a:solidFill>
                         <a:srgbClr val="0068E1"/>
                       </a:solidFill>
                       <a:prstDash val="solid"/>
-                      <a:round/>
-                      <a:headEnd type="none" w="med" len="med"/>
-                      <a:tailEnd type="none" w="med" len="med"/>
                     </a:lnB>
                     <a:solidFill>
                       <a:srgbClr val="000000"/>
@@ -7452,19 +6799,16 @@
                         </a:spcBef>
                       </a:pPr>
                       <a:r>
-                        <a:rPr sz="900" b="1" spc="0" dirty="0">
+                        <a:rPr lang="ja-JP" sz="900" b="1">
                           <a:solidFill>
                             <a:srgbClr val="020302"/>
                           </a:solidFill>
-                          <a:latin typeface="Adobe Clean"/>
+                          <a:latin typeface="Adobe Clean Han Regular" panose="020B0500000000000000" pitchFamily="34" charset="-128"/>
+                          <a:ea typeface="Adobe Clean Han Regular" panose="020B0500000000000000" pitchFamily="34" charset="-128"/>
                           <a:cs typeface="Adobe Clean"/>
                         </a:rPr>
-                        <a:t>PRIORITY 1</a:t>
+                        <a:t>優先度 1</a:t>
                       </a:r>
-                      <a:endParaRPr sz="900" spc="0" dirty="0">
-                        <a:latin typeface="Adobe Clean"/>
-                        <a:cs typeface="Adobe Clean"/>
-                      </a:endParaRPr>
                     </a:p>
                     <a:p>
                       <a:pPr marL="50800" marR="387985">
@@ -7476,19 +6820,15 @@
                         </a:spcBef>
                       </a:pPr>
                       <a:r>
-                        <a:rPr lang="en-US" sz="900" b="0" i="0" spc="0" dirty="0">
+                        <a:rPr lang="ja-JP" sz="900" b="0" i="0">
                           <a:solidFill>
                             <a:srgbClr val="000000"/>
                           </a:solidFill>
-                          <a:effectLst/>
-                          <a:latin typeface="Adobe Clean Light" panose="020B0303020404020204" pitchFamily="34" charset="0"/>
+                          <a:latin typeface="Adobe Clean Han Regular" panose="020B0500000000000000" pitchFamily="34" charset="-128"/>
+                          <a:ea typeface="Adobe Clean Han Regular" panose="020B0500000000000000" pitchFamily="34" charset="-128"/>
                         </a:rPr>
-                        <a:t>Customer's production business functions are down or have significant data loss or service degradation and immediate attention is required to restore functionality and usability. </a:t>
+                        <a:t>お客様の本番業務機能がダウンしている、または著しいデータ損失やサービス低下があり、機能およびユーザビリティを復元するための早急な処置が必要。 </a:t>
                       </a:r>
-                      <a:endParaRPr sz="900" spc="0" dirty="0">
-                        <a:latin typeface="AdobeClean-Light"/>
-                        <a:cs typeface="AdobeClean-Light"/>
-                      </a:endParaRPr>
                     </a:p>
                   </a:txBody>
                   <a:tcPr marL="0" marR="0" marT="0" marB="0" anchor="ctr">
@@ -7498,14 +6838,11 @@
                       </a:solidFill>
                       <a:prstDash val="solid"/>
                     </a:lnL>
-                    <a:lnR w="3175" cap="flat" cmpd="sng" algn="ctr">
+                    <a:lnR w="3175">
                       <a:solidFill>
                         <a:srgbClr val="B7B8B8"/>
                       </a:solidFill>
                       <a:prstDash val="solid"/>
-                      <a:round/>
-                      <a:headEnd type="none" w="med" len="med"/>
-                      <a:tailEnd type="none" w="med" len="med"/>
                     </a:lnR>
                     <a:lnT w="3175">
                       <a:solidFill>
@@ -7526,110 +6863,49 @@
                     <a:bodyPr/>
                     <a:lstStyle/>
                     <a:p>
-                      <a:pPr algn="ctr" fontAlgn="t"/>
+                      <a:pPr marL="0" marR="325120" indent="-3810" algn="ctr">
+                        <a:lnSpc>
+                          <a:spcPct val="100000"/>
+                        </a:lnSpc>
+                        <a:spcBef>
+                          <a:spcPts val="670"/>
+                        </a:spcBef>
+                      </a:pPr>
                       <a:r>
-                        <a:rPr lang="en-US" sz="900" b="0" i="0" u="none" strike="noStrike">
+                        <a:rPr lang="ja-JP" sz="900" dirty="0">
                           <a:solidFill>
                             <a:srgbClr val="020302"/>
                           </a:solidFill>
-                          <a:effectLst/>
-                          <a:latin typeface="AdobeClean-Light" panose="020B0503020404020204" pitchFamily="34" charset="0"/>
+                          <a:latin typeface="Adobe Clean Han Regular" panose="020B0500000000000000" pitchFamily="34" charset="-128"/>
+                          <a:ea typeface="Adobe Clean Han Regular" panose="020B0500000000000000" pitchFamily="34" charset="-128"/>
+                          <a:cs typeface="AdobeClean-Light"/>
                         </a:rPr>
-                        <a:t>24x7 / 1 hour</a:t>
+                        <a:t>24 時間年中無休／</a:t>
                       </a:r>
-                    </a:p>
-                  </a:txBody>
-                  <a:tcPr marL="9525" marR="9525" marT="9525" marB="0" anchor="ctr">
-                    <a:lnL w="3175">
-                      <a:solidFill>
-                        <a:srgbClr val="B7B8B8"/>
-                      </a:solidFill>
-                      <a:prstDash val="solid"/>
-                    </a:lnL>
-                    <a:lnR w="3175">
-                      <a:solidFill>
-                        <a:srgbClr val="B7B8B8"/>
-                      </a:solidFill>
-                      <a:prstDash val="solid"/>
-                    </a:lnR>
-                    <a:lnT w="76200">
-                      <a:solidFill>
-                        <a:srgbClr val="858585"/>
-                      </a:solidFill>
-                      <a:prstDash val="solid"/>
-                    </a:lnT>
-                    <a:lnB w="3175">
-                      <a:solidFill>
-                        <a:srgbClr val="B7B8B8"/>
-                      </a:solidFill>
-                      <a:prstDash val="solid"/>
-                    </a:lnB>
-                  </a:tcPr>
-                </a:tc>
-                <a:tc>
-                  <a:txBody>
-                    <a:bodyPr/>
-                    <a:lstStyle/>
-                    <a:p>
-                      <a:pPr algn="ctr" fontAlgn="t"/>
-                      <a:r>
-                        <a:rPr lang="en-US" sz="900" b="0" i="0" u="none" strike="noStrike">
+                      <a:br>
+                        <a:rPr lang="sk-SK" altLang="ja-JP" sz="900" dirty="0">
                           <a:solidFill>
                             <a:srgbClr val="020302"/>
                           </a:solidFill>
-                          <a:effectLst/>
-                          <a:latin typeface="AdobeClean-Light" panose="020B0503020404020204" pitchFamily="34" charset="0"/>
+                          <a:latin typeface="Adobe Clean Han Regular" panose="020B0500000000000000" pitchFamily="34" charset="-128"/>
+                          <a:ea typeface="Adobe Clean Han Regular" panose="020B0500000000000000" pitchFamily="34" charset="-128"/>
+                          <a:cs typeface="AdobeClean-Light"/>
                         </a:rPr>
-                        <a:t>24x7 / 1 hour</a:t>
-                      </a:r>
-                    </a:p>
-                  </a:txBody>
-                  <a:tcPr marL="9525" marR="9525" marT="9525" marB="0" anchor="ctr">
-                    <a:lnL w="3175">
-                      <a:solidFill>
-                        <a:srgbClr val="B7B8B8"/>
-                      </a:solidFill>
-                      <a:prstDash val="solid"/>
-                    </a:lnL>
-                    <a:lnR w="3175">
-                      <a:solidFill>
-                        <a:srgbClr val="B7B8B8"/>
-                      </a:solidFill>
-                      <a:prstDash val="solid"/>
-                    </a:lnR>
-                    <a:lnT w="76200">
-                      <a:solidFill>
-                        <a:srgbClr val="ACD2FF"/>
-                      </a:solidFill>
-                      <a:prstDash val="solid"/>
-                    </a:lnT>
-                    <a:lnB w="3175">
-                      <a:solidFill>
-                        <a:srgbClr val="B7B8B8"/>
-                      </a:solidFill>
-                      <a:prstDash val="solid"/>
-                    </a:lnB>
-                  </a:tcPr>
-                </a:tc>
-                <a:tc>
-                  <a:txBody>
-                    <a:bodyPr/>
-                    <a:lstStyle/>
-                    <a:p>
-                      <a:pPr algn="ctr" fontAlgn="t"/>
+                      </a:br>
                       <a:r>
-                        <a:rPr lang="en-US" sz="900" b="0" i="0" u="none" strike="noStrike">
+                        <a:rPr lang="ja-JP" sz="900" dirty="0">
                           <a:solidFill>
                             <a:srgbClr val="020302"/>
                           </a:solidFill>
-                          <a:effectLst/>
-                          <a:latin typeface="AdobeClean-Light" panose="020B0503020404020204" pitchFamily="34" charset="0"/>
+                          <a:latin typeface="Adobe Clean Han Regular" panose="020B0500000000000000" pitchFamily="34" charset="-128"/>
+                          <a:ea typeface="Adobe Clean Han Regular" panose="020B0500000000000000" pitchFamily="34" charset="-128"/>
+                          <a:cs typeface="AdobeClean-Light"/>
                         </a:rPr>
-                        <a:t>24x7 / 30 minutes</a:t>
+                        <a:t>1 時間</a:t>
                       </a:r>
                     </a:p>
                   </a:txBody>
-                  <a:tcPr marL="9525" marR="9525" marT="9525" marB="0" anchor="ctr">
+                  <a:tcPr marL="0" marR="0" marT="0" marB="0" anchor="ctr">
                     <a:lnL w="3175">
                       <a:solidFill>
                         <a:srgbClr val="B7B8B8"/>
@@ -7644,7 +6920,7 @@
                     </a:lnR>
                     <a:lnT w="76200">
                       <a:solidFill>
-                        <a:srgbClr val="2E8FFF"/>
+                        <a:srgbClr val="858585"/>
                       </a:solidFill>
                       <a:prstDash val="solid"/>
                     </a:lnT>
@@ -7661,20 +6937,155 @@
                     <a:bodyPr/>
                     <a:lstStyle/>
                     <a:p>
-                      <a:pPr algn="ctr" fontAlgn="t"/>
+                      <a:pPr marL="0" marR="325755" indent="-3810" algn="ctr">
+                        <a:lnSpc>
+                          <a:spcPct val="100000"/>
+                        </a:lnSpc>
+                        <a:spcBef>
+                          <a:spcPts val="670"/>
+                        </a:spcBef>
+                      </a:pPr>
                       <a:r>
-                        <a:rPr lang="en-US" sz="900" b="0" i="0" u="none" strike="noStrike">
+                        <a:rPr lang="ja-JP" sz="900">
                           <a:solidFill>
                             <a:srgbClr val="020302"/>
                           </a:solidFill>
-                          <a:effectLst/>
-                          <a:latin typeface="AdobeClean-Light" panose="020B0503020404020204" pitchFamily="34" charset="0"/>
+                          <a:latin typeface="Adobe Clean Han Regular" panose="020B0500000000000000" pitchFamily="34" charset="-128"/>
+                          <a:ea typeface="Adobe Clean Han Regular" panose="020B0500000000000000" pitchFamily="34" charset="-128"/>
+                          <a:cs typeface="AdobeClean-Light"/>
                         </a:rPr>
-                        <a:t>24x7 / 15 minutes</a:t>
+                        <a:t>24 時間年中無休／1 時間</a:t>
                       </a:r>
                     </a:p>
                   </a:txBody>
-                  <a:tcPr marL="9525" marR="9525" marT="9525" marB="0" anchor="ctr">
+                  <a:tcPr marL="0" marR="0" marT="0" marB="0" anchor="ctr">
+                    <a:lnL w="3175">
+                      <a:solidFill>
+                        <a:srgbClr val="B7B8B8"/>
+                      </a:solidFill>
+                      <a:prstDash val="solid"/>
+                    </a:lnL>
+                    <a:lnR w="3175">
+                      <a:solidFill>
+                        <a:srgbClr val="B7B8B8"/>
+                      </a:solidFill>
+                      <a:prstDash val="solid"/>
+                    </a:lnR>
+                    <a:lnT w="76200">
+                      <a:solidFill>
+                        <a:srgbClr val="ACD2FF"/>
+                      </a:solidFill>
+                      <a:prstDash val="solid"/>
+                    </a:lnT>
+                    <a:lnB w="3175">
+                      <a:solidFill>
+                        <a:srgbClr val="B7B8B8"/>
+                      </a:solidFill>
+                      <a:prstDash val="solid"/>
+                    </a:lnB>
+                  </a:tcPr>
+                </a:tc>
+                <a:tc>
+                  <a:txBody>
+                    <a:bodyPr/>
+                    <a:lstStyle/>
+                    <a:p>
+                      <a:pPr marL="0" marR="258445" indent="115570" algn="ctr">
+                        <a:lnSpc>
+                          <a:spcPct val="100000"/>
+                        </a:lnSpc>
+                        <a:spcBef>
+                          <a:spcPts val="670"/>
+                        </a:spcBef>
+                      </a:pPr>
+                      <a:r>
+                        <a:rPr lang="ja-JP" sz="900">
+                          <a:solidFill>
+                            <a:srgbClr val="020302"/>
+                          </a:solidFill>
+                          <a:latin typeface="Adobe Clean Han Regular" panose="020B0500000000000000" pitchFamily="34" charset="-128"/>
+                          <a:ea typeface="Adobe Clean Han Regular" panose="020B0500000000000000" pitchFamily="34" charset="-128"/>
+                          <a:cs typeface="AdobeClean-Light"/>
+                        </a:rPr>
+                        <a:t>24 時間年中無休／30 分</a:t>
+                      </a:r>
+                    </a:p>
+                  </a:txBody>
+                  <a:tcPr marL="0" marR="0" marT="0" marB="0" anchor="ctr">
+                    <a:lnL w="3175">
+                      <a:solidFill>
+                        <a:srgbClr val="B7B8B8"/>
+                      </a:solidFill>
+                      <a:prstDash val="solid"/>
+                    </a:lnL>
+                    <a:lnR w="3175">
+                      <a:solidFill>
+                        <a:srgbClr val="B7B8B8"/>
+                      </a:solidFill>
+                      <a:prstDash val="solid"/>
+                    </a:lnR>
+                    <a:lnT w="76200">
+                      <a:solidFill>
+                        <a:srgbClr val="2E8FFF"/>
+                      </a:solidFill>
+                      <a:prstDash val="solid"/>
+                    </a:lnT>
+                    <a:lnB w="3175">
+                      <a:solidFill>
+                        <a:srgbClr val="B7B8B8"/>
+                      </a:solidFill>
+                      <a:prstDash val="solid"/>
+                    </a:lnB>
+                  </a:tcPr>
+                </a:tc>
+                <a:tc>
+                  <a:txBody>
+                    <a:bodyPr/>
+                    <a:lstStyle/>
+                    <a:p>
+                      <a:pPr marL="0" marR="271780" indent="103505" algn="ctr">
+                        <a:lnSpc>
+                          <a:spcPct val="100000"/>
+                        </a:lnSpc>
+                        <a:spcBef>
+                          <a:spcPts val="670"/>
+                        </a:spcBef>
+                      </a:pPr>
+                      <a:r>
+                        <a:rPr lang="ja-JP" sz="900" dirty="0">
+                          <a:solidFill>
+                            <a:srgbClr val="020302"/>
+                          </a:solidFill>
+                          <a:latin typeface="Adobe Clean Han Regular" panose="020B0500000000000000" pitchFamily="34" charset="-128"/>
+                          <a:ea typeface="Adobe Clean Han Regular" panose="020B0500000000000000" pitchFamily="34" charset="-128"/>
+                          <a:cs typeface="AdobeClean-Light"/>
+                        </a:rPr>
+                        <a:t>24 時間年中無休／</a:t>
+                      </a:r>
+                      <a:br>
+                        <a:rPr lang="sk-SK" altLang="ja-JP" sz="900" dirty="0">
+                          <a:solidFill>
+                            <a:srgbClr val="020302"/>
+                          </a:solidFill>
+                          <a:latin typeface="Adobe Clean Han Regular" panose="020B0500000000000000" pitchFamily="34" charset="-128"/>
+                          <a:ea typeface="Adobe Clean Han Regular" panose="020B0500000000000000" pitchFamily="34" charset="-128"/>
+                          <a:cs typeface="AdobeClean-Light"/>
+                        </a:rPr>
+                      </a:br>
+                      <a:r>
+                        <a:rPr lang="ja-JP" sz="900" dirty="0">
+                          <a:solidFill>
+                            <a:srgbClr val="020302"/>
+                          </a:solidFill>
+                          <a:latin typeface="Adobe Clean Han Regular" panose="020B0500000000000000" pitchFamily="34" charset="-128"/>
+                          <a:ea typeface="Adobe Clean Han Regular" panose="020B0500000000000000" pitchFamily="34" charset="-128"/>
+                          <a:cs typeface="AdobeClean-Light"/>
+                        </a:rPr>
+                        <a:t>15 分</a:t>
+                      </a:r>
+                    </a:p>
+                  </a:txBody>
+                  <a:tcPr marL="0" marR="0" marT="0" marB="0" anchor="ctr">
                     <a:lnL w="3175">
                       <a:solidFill>
                         <a:srgbClr val="B7B8B8"/>
@@ -7722,19 +7133,16 @@
                         </a:spcBef>
                       </a:pPr>
                       <a:r>
-                        <a:rPr sz="900" b="1" spc="0" dirty="0">
+                        <a:rPr lang="ja-JP" sz="900" b="1">
                           <a:solidFill>
                             <a:srgbClr val="020302"/>
                           </a:solidFill>
-                          <a:latin typeface="Adobe Clean"/>
+                          <a:latin typeface="Adobe Clean Han Regular" panose="020B0500000000000000" pitchFamily="34" charset="-128"/>
+                          <a:ea typeface="Adobe Clean Han Regular" panose="020B0500000000000000" pitchFamily="34" charset="-128"/>
                           <a:cs typeface="Adobe Clean"/>
                         </a:rPr>
-                        <a:t>PRIORITY 2</a:t>
+                        <a:t>優先度 2</a:t>
                       </a:r>
-                      <a:endParaRPr sz="900" spc="0" dirty="0">
-                        <a:latin typeface="Adobe Clean"/>
-                        <a:cs typeface="Adobe Clean"/>
-                      </a:endParaRPr>
                     </a:p>
                     <a:p>
                       <a:pPr marL="50165" marR="203200" indent="0" defTabSz="914400" eaLnBrk="1" fontAlgn="auto" latinLnBrk="0" hangingPunct="1">
@@ -7755,19 +7163,15 @@
                         <a:defRPr/>
                       </a:pPr>
                       <a:r>
-                        <a:rPr lang="en-US" sz="900" b="0" i="0" spc="0" dirty="0">
+                        <a:rPr lang="ja-JP" sz="900" b="0" i="0">
                           <a:solidFill>
                             <a:srgbClr val="000000"/>
                           </a:solidFill>
-                          <a:effectLst/>
-                          <a:latin typeface="Adobe Clean Light" panose="020B0303020404020204" pitchFamily="34" charset="0"/>
+                          <a:latin typeface="Adobe Clean Han Regular" panose="020B0500000000000000" pitchFamily="34" charset="-128"/>
+                          <a:ea typeface="Adobe Clean Han Regular" panose="020B0500000000000000" pitchFamily="34" charset="-128"/>
                         </a:rPr>
-                        <a:t>Customer's business functions have major service degradation or potential data loss, or a major feature is impacted </a:t>
+                        <a:t>お客様の業務機能に重大なサービス低下や潜在的なデータ損失があるか、主な機能が影響を受けている。 </a:t>
                       </a:r>
-                      <a:endParaRPr sz="900" b="0" i="0" spc="0" dirty="0">
-                        <a:latin typeface="Adobe Clean Light" panose="020B0303020404020204" pitchFamily="34" charset="0"/>
-                        <a:cs typeface="AdobeClean-Light"/>
-                      </a:endParaRPr>
                     </a:p>
                   </a:txBody>
                   <a:tcPr marL="0" marR="0" marT="0" marB="0" anchor="ctr">
@@ -7777,14 +7181,11 @@
                       </a:solidFill>
                       <a:prstDash val="solid"/>
                     </a:lnL>
-                    <a:lnR w="3175" cap="flat" cmpd="sng" algn="ctr">
+                    <a:lnR w="3175">
                       <a:solidFill>
                         <a:srgbClr val="B7B8B8"/>
                       </a:solidFill>
                       <a:prstDash val="solid"/>
-                      <a:round/>
-                      <a:headEnd type="none" w="med" len="med"/>
-                      <a:tailEnd type="none" w="med" len="med"/>
                     </a:lnR>
                     <a:lnT w="3175">
                       <a:solidFill>
@@ -7805,110 +7206,49 @@
                     <a:bodyPr/>
                     <a:lstStyle/>
                     <a:p>
-                      <a:pPr algn="ctr" fontAlgn="t"/>
+                      <a:pPr marL="0" marR="184785" indent="-193675" algn="ctr">
+                        <a:lnSpc>
+                          <a:spcPct val="100000"/>
+                        </a:lnSpc>
+                        <a:spcBef>
+                          <a:spcPts val="670"/>
+                        </a:spcBef>
+                      </a:pPr>
                       <a:r>
-                        <a:rPr lang="en-US" sz="900" b="0" i="0" u="none" strike="noStrike">
+                        <a:rPr lang="ja-JP" sz="900" dirty="0">
                           <a:solidFill>
                             <a:srgbClr val="020302"/>
                           </a:solidFill>
-                          <a:effectLst/>
-                          <a:latin typeface="AdobeClean-Light" panose="020B0503020404020204" pitchFamily="34" charset="0"/>
+                          <a:latin typeface="Adobe Clean Han Regular" panose="020B0500000000000000" pitchFamily="34" charset="-128"/>
+                          <a:ea typeface="Adobe Clean Han Regular" panose="020B0500000000000000" pitchFamily="34" charset="-128"/>
+                          <a:cs typeface="AdobeClean-Light"/>
                         </a:rPr>
-                        <a:t>Business hours / 4 hours</a:t>
+                        <a:t>営業時間／</a:t>
                       </a:r>
-                    </a:p>
-                  </a:txBody>
-                  <a:tcPr marL="9525" marR="9525" marT="9525" marB="0" anchor="ctr">
-                    <a:lnL w="3175">
-                      <a:solidFill>
-                        <a:srgbClr val="B7B8B8"/>
-                      </a:solidFill>
-                      <a:prstDash val="solid"/>
-                    </a:lnL>
-                    <a:lnR w="3175">
-                      <a:solidFill>
-                        <a:srgbClr val="B7B8B8"/>
-                      </a:solidFill>
-                      <a:prstDash val="solid"/>
-                    </a:lnR>
-                    <a:lnT w="3175">
-                      <a:solidFill>
-                        <a:srgbClr val="B7B8B8"/>
-                      </a:solidFill>
-                      <a:prstDash val="solid"/>
-                    </a:lnT>
-                    <a:lnB w="3175">
-                      <a:solidFill>
-                        <a:srgbClr val="B7B8B8"/>
-                      </a:solidFill>
-                      <a:prstDash val="solid"/>
-                    </a:lnB>
-                  </a:tcPr>
-                </a:tc>
-                <a:tc>
-                  <a:txBody>
-                    <a:bodyPr/>
-                    <a:lstStyle/>
-                    <a:p>
-                      <a:pPr algn="ctr" fontAlgn="t"/>
-                      <a:r>
-                        <a:rPr lang="en-US" sz="900" b="0" i="0" u="none" strike="noStrike">
+                      <a:br>
+                        <a:rPr lang="sk-SK" altLang="ja-JP" sz="900" dirty="0">
                           <a:solidFill>
                             <a:srgbClr val="020302"/>
                           </a:solidFill>
-                          <a:effectLst/>
-                          <a:latin typeface="AdobeClean-Light" panose="020B0503020404020204" pitchFamily="34" charset="0"/>
+                          <a:latin typeface="Adobe Clean Han Regular" panose="020B0500000000000000" pitchFamily="34" charset="-128"/>
+                          <a:ea typeface="Adobe Clean Han Regular" panose="020B0500000000000000" pitchFamily="34" charset="-128"/>
+                          <a:cs typeface="AdobeClean-Light"/>
                         </a:rPr>
-                        <a:t>Business hours / 2 hours</a:t>
-                      </a:r>
-                    </a:p>
-                  </a:txBody>
-                  <a:tcPr marL="9525" marR="9525" marT="9525" marB="0" anchor="ctr">
-                    <a:lnL w="3175">
-                      <a:solidFill>
-                        <a:srgbClr val="B7B8B8"/>
-                      </a:solidFill>
-                      <a:prstDash val="solid"/>
-                    </a:lnL>
-                    <a:lnR w="3175">
-                      <a:solidFill>
-                        <a:srgbClr val="B7B8B8"/>
-                      </a:solidFill>
-                      <a:prstDash val="solid"/>
-                    </a:lnR>
-                    <a:lnT w="3175">
-                      <a:solidFill>
-                        <a:srgbClr val="B7B8B8"/>
-                      </a:solidFill>
-                      <a:prstDash val="solid"/>
-                    </a:lnT>
-                    <a:lnB w="3175">
-                      <a:solidFill>
-                        <a:srgbClr val="B7B8B8"/>
-                      </a:solidFill>
-                      <a:prstDash val="solid"/>
-                    </a:lnB>
-                  </a:tcPr>
-                </a:tc>
-                <a:tc>
-                  <a:txBody>
-                    <a:bodyPr/>
-                    <a:lstStyle/>
-                    <a:p>
-                      <a:pPr algn="ctr" fontAlgn="t"/>
+                      </a:br>
                       <a:r>
-                        <a:rPr lang="en-US" sz="900" b="0" i="0" u="none" strike="noStrike">
+                        <a:rPr lang="ja-JP" sz="900" dirty="0">
                           <a:solidFill>
                             <a:srgbClr val="020302"/>
                           </a:solidFill>
-                          <a:effectLst/>
-                          <a:latin typeface="AdobeClean-Light" panose="020B0503020404020204" pitchFamily="34" charset="0"/>
+                          <a:latin typeface="Adobe Clean Han Regular" panose="020B0500000000000000" pitchFamily="34" charset="-128"/>
+                          <a:ea typeface="Adobe Clean Han Regular" panose="020B0500000000000000" pitchFamily="34" charset="-128"/>
+                          <a:cs typeface="AdobeClean-Light"/>
                         </a:rPr>
-                        <a:t>24x5 / 1 hour</a:t>
+                        <a:t>4 時間</a:t>
                       </a:r>
                     </a:p>
                   </a:txBody>
-                  <a:tcPr marL="9525" marR="9525" marT="9525" marB="0" anchor="ctr">
+                  <a:tcPr marL="0" marR="0" marT="0" marB="0" anchor="ctr">
                     <a:lnL w="3175">
                       <a:solidFill>
                         <a:srgbClr val="B7B8B8"/>
@@ -7940,20 +7280,155 @@
                     <a:bodyPr/>
                     <a:lstStyle/>
                     <a:p>
-                      <a:pPr algn="ctr" fontAlgn="t"/>
+                      <a:pPr marL="0" marR="184785" indent="-194310" algn="ctr">
+                        <a:lnSpc>
+                          <a:spcPct val="100000"/>
+                        </a:lnSpc>
+                        <a:spcBef>
+                          <a:spcPts val="670"/>
+                        </a:spcBef>
+                      </a:pPr>
                       <a:r>
-                        <a:rPr lang="en-US" sz="900" b="0" i="0" u="none" strike="noStrike">
+                        <a:rPr lang="ja-JP" sz="900" dirty="0">
                           <a:solidFill>
                             <a:srgbClr val="020302"/>
                           </a:solidFill>
-                          <a:effectLst/>
-                          <a:latin typeface="AdobeClean-Light" panose="020B0503020404020204" pitchFamily="34" charset="0"/>
+                          <a:latin typeface="Adobe Clean Han Regular" panose="020B0500000000000000" pitchFamily="34" charset="-128"/>
+                          <a:ea typeface="Adobe Clean Han Regular" panose="020B0500000000000000" pitchFamily="34" charset="-128"/>
+                          <a:cs typeface="AdobeClean-Light"/>
                         </a:rPr>
-                        <a:t>24x5 / 30 minutes</a:t>
+                        <a:t>営業時間／</a:t>
                       </a:r>
-                    </a:p>
-                  </a:txBody>
-                  <a:tcPr marL="9525" marR="9525" marT="9525" marB="0" anchor="ctr">
+                      <a:br>
+                        <a:rPr lang="sk-SK" altLang="ja-JP" sz="900" dirty="0">
+                          <a:solidFill>
+                            <a:srgbClr val="020302"/>
+                          </a:solidFill>
+                          <a:latin typeface="Adobe Clean Han Regular" panose="020B0500000000000000" pitchFamily="34" charset="-128"/>
+                          <a:ea typeface="Adobe Clean Han Regular" panose="020B0500000000000000" pitchFamily="34" charset="-128"/>
+                          <a:cs typeface="AdobeClean-Light"/>
+                        </a:rPr>
+                      </a:br>
+                      <a:r>
+                        <a:rPr lang="ja-JP" sz="900" dirty="0">
+                          <a:solidFill>
+                            <a:srgbClr val="020302"/>
+                          </a:solidFill>
+                          <a:latin typeface="Adobe Clean Han Regular" panose="020B0500000000000000" pitchFamily="34" charset="-128"/>
+                          <a:ea typeface="Adobe Clean Han Regular" panose="020B0500000000000000" pitchFamily="34" charset="-128"/>
+                          <a:cs typeface="AdobeClean-Light"/>
+                        </a:rPr>
+                        <a:t>2 時間</a:t>
+                      </a:r>
+                    </a:p>
+                  </a:txBody>
+                  <a:tcPr marL="0" marR="0" marT="0" marB="0" anchor="ctr">
+                    <a:lnL w="3175">
+                      <a:solidFill>
+                        <a:srgbClr val="B7B8B8"/>
+                      </a:solidFill>
+                      <a:prstDash val="solid"/>
+                    </a:lnL>
+                    <a:lnR w="3175">
+                      <a:solidFill>
+                        <a:srgbClr val="B7B8B8"/>
+                      </a:solidFill>
+                      <a:prstDash val="solid"/>
+                    </a:lnR>
+                    <a:lnT w="3175">
+                      <a:solidFill>
+                        <a:srgbClr val="B7B8B8"/>
+                      </a:solidFill>
+                      <a:prstDash val="solid"/>
+                    </a:lnT>
+                    <a:lnB w="3175">
+                      <a:solidFill>
+                        <a:srgbClr val="B7B8B8"/>
+                      </a:solidFill>
+                      <a:prstDash val="solid"/>
+                    </a:lnB>
+                  </a:tcPr>
+                </a:tc>
+                <a:tc>
+                  <a:txBody>
+                    <a:bodyPr/>
+                    <a:lstStyle/>
+                    <a:p>
+                      <a:pPr marL="0" marR="325755" indent="-5715" algn="ctr">
+                        <a:lnSpc>
+                          <a:spcPct val="100000"/>
+                        </a:lnSpc>
+                        <a:spcBef>
+                          <a:spcPts val="670"/>
+                        </a:spcBef>
+                      </a:pPr>
+                      <a:r>
+                        <a:rPr lang="ja-JP" sz="900">
+                          <a:solidFill>
+                            <a:srgbClr val="020302"/>
+                          </a:solidFill>
+                          <a:latin typeface="Adobe Clean Han Regular" panose="020B0500000000000000" pitchFamily="34" charset="-128"/>
+                          <a:ea typeface="Adobe Clean Han Regular" panose="020B0500000000000000" pitchFamily="34" charset="-128"/>
+                          <a:cs typeface="AdobeClean-Light"/>
+                        </a:rPr>
+                        <a:t>24 時間週 5 日／1 時間</a:t>
+                      </a:r>
+                    </a:p>
+                  </a:txBody>
+                  <a:tcPr marL="0" marR="0" marT="0" marB="0" anchor="ctr">
+                    <a:lnL w="3175">
+                      <a:solidFill>
+                        <a:srgbClr val="B7B8B8"/>
+                      </a:solidFill>
+                      <a:prstDash val="solid"/>
+                    </a:lnL>
+                    <a:lnR w="3175">
+                      <a:solidFill>
+                        <a:srgbClr val="B7B8B8"/>
+                      </a:solidFill>
+                      <a:prstDash val="solid"/>
+                    </a:lnR>
+                    <a:lnT w="3175">
+                      <a:solidFill>
+                        <a:srgbClr val="B7B8B8"/>
+                      </a:solidFill>
+                      <a:prstDash val="solid"/>
+                    </a:lnT>
+                    <a:lnB w="3175">
+                      <a:solidFill>
+                        <a:srgbClr val="B7B8B8"/>
+                      </a:solidFill>
+                      <a:prstDash val="solid"/>
+                    </a:lnB>
+                  </a:tcPr>
+                </a:tc>
+                <a:tc>
+                  <a:txBody>
+                    <a:bodyPr/>
+                    <a:lstStyle/>
+                    <a:p>
+                      <a:pPr marL="0" marR="259079" indent="111760" algn="ctr">
+                        <a:lnSpc>
+                          <a:spcPct val="100000"/>
+                        </a:lnSpc>
+                        <a:spcBef>
+                          <a:spcPts val="670"/>
+                        </a:spcBef>
+                      </a:pPr>
+                      <a:r>
+                        <a:rPr lang="ja-JP" sz="900">
+                          <a:solidFill>
+                            <a:srgbClr val="020302"/>
+                          </a:solidFill>
+                          <a:latin typeface="Adobe Clean Han Regular" panose="020B0500000000000000" pitchFamily="34" charset="-128"/>
+                          <a:ea typeface="Adobe Clean Han Regular" panose="020B0500000000000000" pitchFamily="34" charset="-128"/>
+                          <a:cs typeface="AdobeClean-Light"/>
+                        </a:rPr>
+                        <a:t>24 時間週 5 日／30 分</a:t>
+                      </a:r>
+                    </a:p>
+                  </a:txBody>
+                  <a:tcPr marL="0" marR="0" marT="0" marB="0" anchor="ctr">
                     <a:lnL w="3175">
                       <a:solidFill>
                         <a:srgbClr val="B7B8B8"/>
@@ -8001,29 +7476,16 @@
                         </a:spcBef>
                       </a:pPr>
                       <a:r>
-                        <a:rPr sz="900" b="1" spc="0" dirty="0">
+                        <a:rPr lang="ja-JP" sz="900" b="1">
                           <a:solidFill>
                             <a:srgbClr val="020302"/>
                           </a:solidFill>
-                          <a:latin typeface="Adobe Clean"/>
+                          <a:latin typeface="Adobe Clean Han Regular" panose="020B0500000000000000" pitchFamily="34" charset="-128"/>
+                          <a:ea typeface="Adobe Clean Han Regular" panose="020B0500000000000000" pitchFamily="34" charset="-128"/>
                           <a:cs typeface="Adobe Clean"/>
                         </a:rPr>
-                        <a:t>PRIORITY</a:t>
+                        <a:t>優先度 3</a:t>
                       </a:r>
-                      <a:r>
-                        <a:rPr lang="en-US" sz="900" b="1" spc="0" dirty="0">
-                          <a:solidFill>
-                            <a:srgbClr val="020302"/>
-                          </a:solidFill>
-                          <a:latin typeface="Adobe Clean"/>
-                          <a:cs typeface="Adobe Clean"/>
-                        </a:rPr>
-                        <a:t> 3</a:t>
-                      </a:r>
-                      <a:endParaRPr lang="en-US" sz="900" spc="0" dirty="0">
-                        <a:latin typeface="Adobe Clean"/>
-                        <a:cs typeface="Adobe Clean"/>
-                      </a:endParaRPr>
                     </a:p>
                     <a:p>
                       <a:pPr marL="49530" marR="212090" indent="-2540" defTabSz="914400" eaLnBrk="1" fontAlgn="auto" latinLnBrk="0" hangingPunct="1">
@@ -8044,26 +7506,21 @@
                         <a:defRPr/>
                       </a:pPr>
                       <a:r>
-                        <a:rPr kumimoji="0" lang="en-US" sz="900" b="0" i="0" u="none" strike="noStrike" kern="1200" cap="none" spc="0" normalizeH="0" baseline="0" noProof="0" dirty="0">
+                        <a:rPr kumimoji="0" lang="ja-JP" sz="900" b="0" i="0" u="none" strike="noStrike" cap="none" normalizeH="0" baseline="0" noProof="0">
                           <a:ln>
                             <a:noFill/>
                           </a:ln>
                           <a:solidFill>
                             <a:srgbClr val="000000"/>
                           </a:solidFill>
-                          <a:effectLst/>
                           <a:uLnTx/>
                           <a:uFillTx/>
-                          <a:latin typeface="Adobe Clean Light" panose="020B0303020404020204" pitchFamily="34" charset="0"/>
-                          <a:ea typeface="+mn-ea"/>
+                          <a:latin typeface="Adobe Clean Han Regular" panose="020B0500000000000000" pitchFamily="34" charset="-128"/>
+                          <a:ea typeface="Adobe Clean Han Regular" panose="020B0500000000000000" pitchFamily="34" charset="-128"/>
                           <a:cs typeface="+mn-cs"/>
                         </a:rPr>
-                        <a:t>Customer's business functions have minor service degradation but there exists a solution/workaround allowing business functions to continue normally </a:t>
+                        <a:t>お客様の業務機能に軽微なサービス低下があるが、業務機能を正常に続行できるソリューション／回避策が存在する。 </a:t>
                       </a:r>
-                      <a:endParaRPr lang="en-US" sz="900" b="0" i="0" spc="0" dirty="0">
-                        <a:latin typeface="Adobe Clean Light" panose="020B0303020404020204" pitchFamily="34" charset="0"/>
-                        <a:cs typeface="AdobeClean-Light"/>
-                      </a:endParaRPr>
                     </a:p>
                   </a:txBody>
                   <a:tcPr marL="0" marR="0" marT="0" marB="0" anchor="ctr">
@@ -8073,14 +7530,11 @@
                       </a:solidFill>
                       <a:prstDash val="solid"/>
                     </a:lnL>
-                    <a:lnR w="3175" cap="flat" cmpd="sng" algn="ctr">
+                    <a:lnR w="3175">
                       <a:solidFill>
                         <a:srgbClr val="B7B8B8"/>
                       </a:solidFill>
                       <a:prstDash val="solid"/>
-                      <a:round/>
-                      <a:headEnd type="none" w="med" len="med"/>
-                      <a:tailEnd type="none" w="med" len="med"/>
                     </a:lnR>
                     <a:lnT w="3175">
                       <a:solidFill>
@@ -8101,110 +7555,49 @@
                     <a:bodyPr/>
                     <a:lstStyle/>
                     <a:p>
-                      <a:pPr algn="ctr" fontAlgn="t"/>
+                      <a:pPr marL="0" marR="184150" indent="-189865" algn="ctr">
+                        <a:lnSpc>
+                          <a:spcPct val="100000"/>
+                        </a:lnSpc>
+                        <a:spcBef>
+                          <a:spcPts val="645"/>
+                        </a:spcBef>
+                      </a:pPr>
                       <a:r>
-                        <a:rPr lang="en-US" sz="900" b="0" i="0" u="none" strike="noStrike">
+                        <a:rPr lang="ja-JP" sz="900" dirty="0">
                           <a:solidFill>
                             <a:srgbClr val="020302"/>
                           </a:solidFill>
-                          <a:effectLst/>
-                          <a:latin typeface="AdobeClean-Light" panose="020B0503020404020204" pitchFamily="34" charset="0"/>
+                          <a:latin typeface="Adobe Clean Han Regular" panose="020B0500000000000000" pitchFamily="34" charset="-128"/>
+                          <a:ea typeface="Adobe Clean Han Regular" panose="020B0500000000000000" pitchFamily="34" charset="-128"/>
+                          <a:cs typeface="AdobeClean-Light"/>
                         </a:rPr>
-                        <a:t>Business hours / 6 hours</a:t>
+                        <a:t>営業時間／</a:t>
                       </a:r>
-                    </a:p>
-                  </a:txBody>
-                  <a:tcPr marL="9525" marR="9525" marT="9525" marB="0" anchor="ctr">
-                    <a:lnL w="3175">
-                      <a:solidFill>
-                        <a:srgbClr val="B7B8B8"/>
-                      </a:solidFill>
-                      <a:prstDash val="solid"/>
-                    </a:lnL>
-                    <a:lnR w="3175">
-                      <a:solidFill>
-                        <a:srgbClr val="B7B8B8"/>
-                      </a:solidFill>
-                      <a:prstDash val="solid"/>
-                    </a:lnR>
-                    <a:lnT w="3175">
-                      <a:solidFill>
-                        <a:srgbClr val="B7B8B8"/>
-                      </a:solidFill>
-                      <a:prstDash val="solid"/>
-                    </a:lnT>
-                    <a:lnB w="3175">
-                      <a:solidFill>
-                        <a:srgbClr val="B7B8B8"/>
-                      </a:solidFill>
-                      <a:prstDash val="solid"/>
-                    </a:lnB>
-                  </a:tcPr>
-                </a:tc>
-                <a:tc>
-                  <a:txBody>
-                    <a:bodyPr/>
-                    <a:lstStyle/>
-                    <a:p>
-                      <a:pPr algn="ctr" fontAlgn="t"/>
-                      <a:r>
-                        <a:rPr lang="en-US" sz="900" b="0" i="0" u="none" strike="noStrike">
+                      <a:br>
+                        <a:rPr lang="sk-SK" altLang="ja-JP" sz="900" dirty="0">
                           <a:solidFill>
                             <a:srgbClr val="020302"/>
                           </a:solidFill>
-                          <a:effectLst/>
-                          <a:latin typeface="AdobeClean-Light" panose="020B0503020404020204" pitchFamily="34" charset="0"/>
+                          <a:latin typeface="Adobe Clean Han Regular" panose="020B0500000000000000" pitchFamily="34" charset="-128"/>
+                          <a:ea typeface="Adobe Clean Han Regular" panose="020B0500000000000000" pitchFamily="34" charset="-128"/>
+                          <a:cs typeface="AdobeClean-Light"/>
                         </a:rPr>
-                        <a:t>Business hours /  4 hours</a:t>
-                      </a:r>
-                    </a:p>
-                  </a:txBody>
-                  <a:tcPr marL="9525" marR="9525" marT="9525" marB="0" anchor="ctr">
-                    <a:lnL w="3175">
-                      <a:solidFill>
-                        <a:srgbClr val="B7B8B8"/>
-                      </a:solidFill>
-                      <a:prstDash val="solid"/>
-                    </a:lnL>
-                    <a:lnR w="3175">
-                      <a:solidFill>
-                        <a:srgbClr val="B7B8B8"/>
-                      </a:solidFill>
-                      <a:prstDash val="solid"/>
-                    </a:lnR>
-                    <a:lnT w="3175">
-                      <a:solidFill>
-                        <a:srgbClr val="B7B8B8"/>
-                      </a:solidFill>
-                      <a:prstDash val="solid"/>
-                    </a:lnT>
-                    <a:lnB w="3175">
-                      <a:solidFill>
-                        <a:srgbClr val="B7B8B8"/>
-                      </a:solidFill>
-                      <a:prstDash val="solid"/>
-                    </a:lnB>
-                  </a:tcPr>
-                </a:tc>
-                <a:tc>
-                  <a:txBody>
-                    <a:bodyPr/>
-                    <a:lstStyle/>
-                    <a:p>
-                      <a:pPr algn="ctr" fontAlgn="t"/>
+                      </a:br>
                       <a:r>
-                        <a:rPr lang="en-US" sz="900" b="0" i="0" u="none" strike="noStrike">
+                        <a:rPr lang="ja-JP" sz="900" dirty="0">
                           <a:solidFill>
                             <a:srgbClr val="020302"/>
                           </a:solidFill>
-                          <a:effectLst/>
-                          <a:latin typeface="AdobeClean-Light" panose="020B0503020404020204" pitchFamily="34" charset="0"/>
+                          <a:latin typeface="Adobe Clean Han Regular" panose="020B0500000000000000" pitchFamily="34" charset="-128"/>
+                          <a:ea typeface="Adobe Clean Han Regular" panose="020B0500000000000000" pitchFamily="34" charset="-128"/>
+                          <a:cs typeface="AdobeClean-Light"/>
                         </a:rPr>
-                        <a:t>Business hours / 2 hours</a:t>
+                        <a:t>6 時間</a:t>
                       </a:r>
                     </a:p>
                   </a:txBody>
-                  <a:tcPr marL="9525" marR="9525" marT="9525" marB="0" anchor="ctr">
+                  <a:tcPr marL="0" marR="0" marT="0" marB="0" anchor="ctr">
                     <a:lnL w="3175">
                       <a:solidFill>
                         <a:srgbClr val="B7B8B8"/>
@@ -8236,20 +7629,155 @@
                     <a:bodyPr/>
                     <a:lstStyle/>
                     <a:p>
-                      <a:pPr algn="ctr" fontAlgn="t"/>
+                      <a:pPr marL="0" marR="185420" indent="-193675" algn="ctr">
+                        <a:lnSpc>
+                          <a:spcPct val="100000"/>
+                        </a:lnSpc>
+                        <a:spcBef>
+                          <a:spcPts val="645"/>
+                        </a:spcBef>
+                      </a:pPr>
                       <a:r>
-                        <a:rPr lang="en-US" sz="900" b="0" i="0" u="none" strike="noStrike">
+                        <a:rPr lang="ja-JP" sz="900" dirty="0">
                           <a:solidFill>
                             <a:srgbClr val="020302"/>
                           </a:solidFill>
-                          <a:effectLst/>
-                          <a:latin typeface="AdobeClean-Light" panose="020B0503020404020204" pitchFamily="34" charset="0"/>
+                          <a:latin typeface="Adobe Clean Han Regular" panose="020B0500000000000000" pitchFamily="34" charset="-128"/>
+                          <a:ea typeface="Adobe Clean Han Regular" panose="020B0500000000000000" pitchFamily="34" charset="-128"/>
+                          <a:cs typeface="AdobeClean-Light"/>
                         </a:rPr>
-                        <a:t>24x5 / 1 hour</a:t>
+                        <a:t>営業時間／</a:t>
                       </a:r>
-                    </a:p>
-                  </a:txBody>
-                  <a:tcPr marL="9525" marR="9525" marT="9525" marB="0" anchor="ctr">
+                      <a:br>
+                        <a:rPr lang="sk-SK" altLang="ja-JP" sz="900" dirty="0">
+                          <a:solidFill>
+                            <a:srgbClr val="020302"/>
+                          </a:solidFill>
+                          <a:latin typeface="Adobe Clean Han Regular" panose="020B0500000000000000" pitchFamily="34" charset="-128"/>
+                          <a:ea typeface="Adobe Clean Han Regular" panose="020B0500000000000000" pitchFamily="34" charset="-128"/>
+                          <a:cs typeface="AdobeClean-Light"/>
+                        </a:rPr>
+                      </a:br>
+                      <a:r>
+                        <a:rPr lang="ja-JP" sz="900" dirty="0">
+                          <a:solidFill>
+                            <a:srgbClr val="020302"/>
+                          </a:solidFill>
+                          <a:latin typeface="Adobe Clean Han Regular" panose="020B0500000000000000" pitchFamily="34" charset="-128"/>
+                          <a:ea typeface="Adobe Clean Han Regular" panose="020B0500000000000000" pitchFamily="34" charset="-128"/>
+                          <a:cs typeface="AdobeClean-Light"/>
+                        </a:rPr>
+                        <a:t>4 時間</a:t>
+                      </a:r>
+                    </a:p>
+                  </a:txBody>
+                  <a:tcPr marL="0" marR="0" marT="0" marB="0" anchor="ctr">
+                    <a:lnL w="3175">
+                      <a:solidFill>
+                        <a:srgbClr val="B7B8B8"/>
+                      </a:solidFill>
+                      <a:prstDash val="solid"/>
+                    </a:lnL>
+                    <a:lnR w="3175">
+                      <a:solidFill>
+                        <a:srgbClr val="B7B8B8"/>
+                      </a:solidFill>
+                      <a:prstDash val="solid"/>
+                    </a:lnR>
+                    <a:lnT w="3175">
+                      <a:solidFill>
+                        <a:srgbClr val="B7B8B8"/>
+                      </a:solidFill>
+                      <a:prstDash val="solid"/>
+                    </a:lnT>
+                    <a:lnB w="3175">
+                      <a:solidFill>
+                        <a:srgbClr val="B7B8B8"/>
+                      </a:solidFill>
+                      <a:prstDash val="solid"/>
+                    </a:lnB>
+                  </a:tcPr>
+                </a:tc>
+                <a:tc>
+                  <a:txBody>
+                    <a:bodyPr/>
+                    <a:lstStyle/>
+                    <a:p>
+                      <a:pPr marL="0" marR="184785" indent="-194310" algn="ctr">
+                        <a:lnSpc>
+                          <a:spcPct val="100000"/>
+                        </a:lnSpc>
+                        <a:spcBef>
+                          <a:spcPts val="645"/>
+                        </a:spcBef>
+                      </a:pPr>
+                      <a:r>
+                        <a:rPr lang="ja-JP" sz="900">
+                          <a:solidFill>
+                            <a:srgbClr val="020302"/>
+                          </a:solidFill>
+                          <a:latin typeface="Adobe Clean Han Regular" panose="020B0500000000000000" pitchFamily="34" charset="-128"/>
+                          <a:ea typeface="Adobe Clean Han Regular" panose="020B0500000000000000" pitchFamily="34" charset="-128"/>
+                          <a:cs typeface="AdobeClean-Light"/>
+                        </a:rPr>
+                        <a:t>営業時間／2 時間</a:t>
+                      </a:r>
+                    </a:p>
+                  </a:txBody>
+                  <a:tcPr marL="0" marR="0" marT="0" marB="0" anchor="ctr">
+                    <a:lnL w="3175">
+                      <a:solidFill>
+                        <a:srgbClr val="B7B8B8"/>
+                      </a:solidFill>
+                      <a:prstDash val="solid"/>
+                    </a:lnL>
+                    <a:lnR w="3175">
+                      <a:solidFill>
+                        <a:srgbClr val="B7B8B8"/>
+                      </a:solidFill>
+                      <a:prstDash val="solid"/>
+                    </a:lnR>
+                    <a:lnT w="3175">
+                      <a:solidFill>
+                        <a:srgbClr val="B7B8B8"/>
+                      </a:solidFill>
+                      <a:prstDash val="solid"/>
+                    </a:lnT>
+                    <a:lnB w="3175">
+                      <a:solidFill>
+                        <a:srgbClr val="B7B8B8"/>
+                      </a:solidFill>
+                      <a:prstDash val="solid"/>
+                    </a:lnB>
+                  </a:tcPr>
+                </a:tc>
+                <a:tc>
+                  <a:txBody>
+                    <a:bodyPr/>
+                    <a:lstStyle/>
+                    <a:p>
+                      <a:pPr marL="0" marR="326390" indent="-5715" algn="ctr">
+                        <a:lnSpc>
+                          <a:spcPct val="100000"/>
+                        </a:lnSpc>
+                        <a:spcBef>
+                          <a:spcPts val="645"/>
+                        </a:spcBef>
+                      </a:pPr>
+                      <a:r>
+                        <a:rPr lang="ja-JP" sz="900">
+                          <a:solidFill>
+                            <a:srgbClr val="020302"/>
+                          </a:solidFill>
+                          <a:latin typeface="Adobe Clean Han Regular" panose="020B0500000000000000" pitchFamily="34" charset="-128"/>
+                          <a:ea typeface="Adobe Clean Han Regular" panose="020B0500000000000000" pitchFamily="34" charset="-128"/>
+                          <a:cs typeface="AdobeClean-Light"/>
+                        </a:rPr>
+                        <a:t>24 時間週 5 日／1 時間</a:t>
+                      </a:r>
+                    </a:p>
+                  </a:txBody>
+                  <a:tcPr marL="0" marR="0" marT="0" marB="0" anchor="ctr">
                     <a:lnL w="3175">
                       <a:solidFill>
                         <a:srgbClr val="B7B8B8"/>
@@ -8297,19 +7825,16 @@
                         </a:spcBef>
                       </a:pPr>
                       <a:r>
-                        <a:rPr sz="900" b="1" spc="0" dirty="0">
+                        <a:rPr lang="ja-JP" sz="900" b="1" dirty="0">
                           <a:solidFill>
                             <a:srgbClr val="020302"/>
                           </a:solidFill>
-                          <a:latin typeface="Adobe Clean"/>
+                          <a:latin typeface="Adobe Clean Han Regular" panose="020B0500000000000000" pitchFamily="34" charset="-128"/>
+                          <a:ea typeface="Adobe Clean Han Regular" panose="020B0500000000000000" pitchFamily="34" charset="-128"/>
                           <a:cs typeface="Adobe Clean"/>
                         </a:rPr>
-                        <a:t>PRIORITY 4</a:t>
+                        <a:t>優先度 4</a:t>
                       </a:r>
-                      <a:endParaRPr sz="900" spc="0" dirty="0">
-                        <a:latin typeface="Adobe Clean"/>
-                        <a:cs typeface="Adobe Clean"/>
-                      </a:endParaRPr>
                     </a:p>
                     <a:p>
                       <a:pPr marL="48895" marR="0" indent="0" defTabSz="914400" eaLnBrk="1" fontAlgn="auto" latinLnBrk="0" hangingPunct="1">
@@ -8330,19 +7855,15 @@
                         <a:defRPr/>
                       </a:pPr>
                       <a:r>
-                        <a:rPr lang="en-US" sz="900" b="0" i="0" spc="0" dirty="0">
+                        <a:rPr lang="ja-JP" sz="900" b="0" i="0" dirty="0">
                           <a:solidFill>
                             <a:srgbClr val="000000"/>
                           </a:solidFill>
-                          <a:effectLst/>
-                          <a:latin typeface="Adobe Clean Light" panose="020B0303020404020204" pitchFamily="34" charset="0"/>
+                          <a:latin typeface="Adobe Clean Han Regular" panose="020B0500000000000000" pitchFamily="34" charset="-128"/>
+                          <a:ea typeface="Adobe Clean Han Regular" panose="020B0500000000000000" pitchFamily="34" charset="-128"/>
                         </a:rPr>
-                        <a:t>General question regarding current product functionality or an enhancement request </a:t>
+                        <a:t>現在の製品機能に関する一般的な質問または機能拡張のリクエスト。 </a:t>
                       </a:r>
-                      <a:endParaRPr sz="900" b="0" i="0" spc="0" dirty="0">
-                        <a:latin typeface="Adobe Clean Light" panose="020B0303020404020204" pitchFamily="34" charset="0"/>
-                        <a:cs typeface="AdobeClean-Light"/>
-                      </a:endParaRPr>
                     </a:p>
                   </a:txBody>
                   <a:tcPr marL="0" marR="0" marT="0" marB="0" anchor="ctr">
@@ -8352,14 +7873,11 @@
                       </a:solidFill>
                       <a:prstDash val="solid"/>
                     </a:lnL>
-                    <a:lnR w="3175" cap="flat" cmpd="sng" algn="ctr">
+                    <a:lnR w="3175">
                       <a:solidFill>
                         <a:srgbClr val="B7B8B8"/>
                       </a:solidFill>
                       <a:prstDash val="solid"/>
-                      <a:round/>
-                      <a:headEnd type="none" w="med" len="med"/>
-                      <a:tailEnd type="none" w="med" len="med"/>
                     </a:lnR>
                     <a:lnT w="3175">
                       <a:solidFill>
@@ -8380,20 +7898,28 @@
                     <a:bodyPr/>
                     <a:lstStyle/>
                     <a:p>
-                      <a:pPr algn="ctr" fontAlgn="t"/>
+                      <a:pPr marL="0" marR="203200" indent="-193040" algn="ctr">
+                        <a:lnSpc>
+                          <a:spcPct val="100000"/>
+                        </a:lnSpc>
+                        <a:spcBef>
+                          <a:spcPts val="155"/>
+                        </a:spcBef>
+                      </a:pPr>
                       <a:r>
-                        <a:rPr lang="en-US" sz="900" b="0" i="0" u="none" strike="noStrike">
+                        <a:rPr lang="ja-JP" sz="900">
                           <a:solidFill>
                             <a:srgbClr val="020302"/>
                           </a:solidFill>
-                          <a:effectLst/>
-                          <a:latin typeface="AdobeClean-Light" panose="020B0503020404020204" pitchFamily="34" charset="0"/>
+                          <a:latin typeface="Adobe Clean Han Regular" panose="020B0500000000000000" pitchFamily="34" charset="-128"/>
+                          <a:ea typeface="Adobe Clean Han Regular" panose="020B0500000000000000" pitchFamily="34" charset="-128"/>
+                          <a:cs typeface="AdobeClean-Light"/>
                         </a:rPr>
-                        <a:t>Business days / 3 days</a:t>
+                        <a:t>営業日／3 日</a:t>
                       </a:r>
                     </a:p>
                   </a:txBody>
-                  <a:tcPr marL="9525" marR="9525" marT="9525" marB="0" anchor="ctr">
+                  <a:tcPr marL="0" marR="0" marT="0" marB="0" anchor="ctr">
                     <a:lnL w="3175">
                       <a:solidFill>
                         <a:srgbClr val="B7B8B8"/>
@@ -8425,20 +7951,28 @@
                     <a:bodyPr/>
                     <a:lstStyle/>
                     <a:p>
-                      <a:pPr algn="ctr" fontAlgn="t"/>
+                      <a:pPr marL="0" marR="223520" indent="-202565" algn="ctr">
+                        <a:lnSpc>
+                          <a:spcPct val="100000"/>
+                        </a:lnSpc>
+                        <a:spcBef>
+                          <a:spcPts val="155"/>
+                        </a:spcBef>
+                      </a:pPr>
                       <a:r>
-                        <a:rPr lang="en-US" sz="900" b="0" i="0" u="none" strike="noStrike">
+                        <a:rPr lang="ja-JP" sz="900">
                           <a:solidFill>
                             <a:srgbClr val="020302"/>
                           </a:solidFill>
-                          <a:effectLst/>
-                          <a:latin typeface="AdobeClean-Light" panose="020B0503020404020204" pitchFamily="34" charset="0"/>
+                          <a:latin typeface="Adobe Clean Han Regular" panose="020B0500000000000000" pitchFamily="34" charset="-128"/>
+                          <a:ea typeface="Adobe Clean Han Regular" panose="020B0500000000000000" pitchFamily="34" charset="-128"/>
+                          <a:cs typeface="AdobeClean-Light"/>
                         </a:rPr>
-                        <a:t>Business day / 1 day</a:t>
+                        <a:t>営業日／1 日</a:t>
                       </a:r>
                     </a:p>
                   </a:txBody>
-                  <a:tcPr marL="9525" marR="9525" marT="9525" marB="0" anchor="ctr">
+                  <a:tcPr marL="0" marR="0" marT="0" marB="0" anchor="ctr">
                     <a:lnL w="3175">
                       <a:solidFill>
                         <a:srgbClr val="B7B8B8"/>
@@ -8470,20 +8004,28 @@
                     <a:bodyPr/>
                     <a:lstStyle/>
                     <a:p>
-                      <a:pPr algn="ctr" fontAlgn="t"/>
+                      <a:pPr marL="0" marR="223520" indent="-202565" algn="ctr">
+                        <a:lnSpc>
+                          <a:spcPct val="100000"/>
+                        </a:lnSpc>
+                        <a:spcBef>
+                          <a:spcPts val="155"/>
+                        </a:spcBef>
+                      </a:pPr>
                       <a:r>
-                        <a:rPr lang="en-US" sz="900" b="0" i="0" u="none" strike="noStrike">
+                        <a:rPr lang="ja-JP" sz="900">
                           <a:solidFill>
                             <a:srgbClr val="020302"/>
                           </a:solidFill>
-                          <a:effectLst/>
-                          <a:latin typeface="AdobeClean-Light" panose="020B0503020404020204" pitchFamily="34" charset="0"/>
+                          <a:latin typeface="Adobe Clean Han Regular" panose="020B0500000000000000" pitchFamily="34" charset="-128"/>
+                          <a:ea typeface="Adobe Clean Han Regular" panose="020B0500000000000000" pitchFamily="34" charset="-128"/>
+                          <a:cs typeface="AdobeClean-Light"/>
                         </a:rPr>
-                        <a:t>Business day / 1 day</a:t>
+                        <a:t>営業日／1 日</a:t>
                       </a:r>
                     </a:p>
                   </a:txBody>
-                  <a:tcPr marL="9525" marR="9525" marT="9525" marB="0" anchor="ctr">
+                  <a:tcPr marL="0" marR="0" marT="0" marB="0" anchor="ctr">
                     <a:lnL w="3175">
                       <a:solidFill>
                         <a:srgbClr val="B7B8B8"/>
@@ -8515,20 +8057,28 @@
                     <a:bodyPr/>
                     <a:lstStyle/>
                     <a:p>
-                      <a:pPr algn="ctr" fontAlgn="t"/>
+                      <a:pPr marL="0" marR="223520" indent="-202565" algn="ctr">
+                        <a:lnSpc>
+                          <a:spcPct val="100000"/>
+                        </a:lnSpc>
+                        <a:spcBef>
+                          <a:spcPts val="155"/>
+                        </a:spcBef>
+                      </a:pPr>
                       <a:r>
-                        <a:rPr lang="en-US" sz="900" b="0" i="0" u="none" strike="noStrike" dirty="0">
+                        <a:rPr lang="ja-JP" sz="900" dirty="0">
                           <a:solidFill>
                             <a:srgbClr val="020302"/>
                           </a:solidFill>
-                          <a:effectLst/>
-                          <a:latin typeface="AdobeClean-Light" panose="020B0503020404020204" pitchFamily="34" charset="0"/>
+                          <a:latin typeface="Adobe Clean Han Regular" panose="020B0500000000000000" pitchFamily="34" charset="-128"/>
+                          <a:ea typeface="Adobe Clean Han Regular" panose="020B0500000000000000" pitchFamily="34" charset="-128"/>
+                          <a:cs typeface="AdobeClean-Light"/>
                         </a:rPr>
-                        <a:t>Business day / 1 day</a:t>
+                        <a:t>営業日／1 日</a:t>
                       </a:r>
                     </a:p>
                   </a:txBody>
-                  <a:tcPr marL="9525" marR="9525" marT="9525" marB="0" anchor="ctr">
+                  <a:tcPr marL="0" marR="0" marT="0" marB="0" anchor="ctr">
                     <a:lnL w="3175">
                       <a:solidFill>
                         <a:srgbClr val="B7B8B8"/>
@@ -8591,7 +8141,7 @@
           </a:prstGeom>
         </p:spPr>
         <p:txBody>
-          <a:bodyPr vert="horz" wrap="square" lIns="0" tIns="12700" rIns="0" bIns="0" rtlCol="0" anchor="t">
+          <a:bodyPr vert="horz" wrap="square" lIns="0" tIns="12700" rIns="0" bIns="0" rtlCol="0">
             <a:spAutoFit/>
           </a:bodyPr>
           <a:lstStyle/>
@@ -8605,20 +8155,12 @@
               </a:spcBef>
             </a:pPr>
             <a:r>
-              <a:rPr sz="2300" dirty="0">
-                <a:latin typeface="Adobe Clean"/>
+              <a:rPr lang="ja-JP" sz="2300">
+                <a:latin typeface="Adobe Clean Han Regular" panose="020B0500000000000000" pitchFamily="34" charset="-128"/>
+                <a:ea typeface="Adobe Clean Han Regular" panose="020B0500000000000000" pitchFamily="34" charset="-128"/>
               </a:rPr>
-              <a:t>ADOBE </a:t>
+              <a:t>アドビサポートのサービス</a:t>
             </a:r>
-            <a:r>
-              <a:rPr lang="en-US" sz="2300" dirty="0">
-                <a:latin typeface="Adobe Clean"/>
-              </a:rPr>
-              <a:t>SUPPORT PLANS</a:t>
-            </a:r>
-            <a:endParaRPr sz="2300" dirty="0">
-              <a:latin typeface="Adobe Clean" panose="020B0503020404020204" pitchFamily="34" charset="0"/>
-            </a:endParaRPr>
           </a:p>
         </p:txBody>
       </p:sp>
@@ -8651,10 +8193,12 @@
           <a:lstStyle/>
           <a:p>
             <a:r>
-              <a:rPr lang="en-US" sz="700" i="1" dirty="0">
+              <a:rPr lang="ja-JP" sz="700" i="1">
                 <a:solidFill>
                   <a:schemeClr val="bg1"/>
                 </a:solidFill>
+                <a:latin typeface="Adobe Clean Han Regular" panose="020B0500000000000000" pitchFamily="34" charset="-128"/>
+                <a:ea typeface="Adobe Clean Han Regular" panose="020B0500000000000000" pitchFamily="34" charset="-128"/>
               </a:rPr>
               <a:t>Adobe Experience Cloud</a:t>
             </a:r>
@@ -8738,7 +8282,10 @@
             <a:bodyPr wrap="square" lIns="0" tIns="0" rIns="0" bIns="0" rtlCol="0"/>
             <a:lstStyle/>
             <a:p>
-              <a:endParaRPr/>
+              <a:endParaRPr>
+                <a:latin typeface="Adobe Clean Han Regular" panose="020B0500000000000000" pitchFamily="34" charset="-128"/>
+                <a:ea typeface="Adobe Clean Han Regular" panose="020B0500000000000000" pitchFamily="34" charset="-128"/>
+              </a:endParaRPr>
             </a:p>
           </p:txBody>
         </p:sp>
@@ -8790,7 +8337,10 @@
             <a:bodyPr wrap="square" lIns="0" tIns="0" rIns="0" bIns="0" rtlCol="0"/>
             <a:lstStyle/>
             <a:p>
-              <a:endParaRPr/>
+              <a:endParaRPr>
+                <a:latin typeface="Adobe Clean Han Regular" panose="020B0500000000000000" pitchFamily="34" charset="-128"/>
+                <a:ea typeface="Adobe Clean Han Regular" panose="020B0500000000000000" pitchFamily="34" charset="-128"/>
+              </a:endParaRPr>
             </a:p>
           </p:txBody>
         </p:sp>
@@ -8833,7 +8383,10 @@
           <a:bodyPr wrap="square" lIns="0" tIns="0" rIns="0" bIns="0" rtlCol="0"/>
           <a:lstStyle/>
           <a:p>
-            <a:endParaRPr/>
+            <a:endParaRPr>
+              <a:latin typeface="Adobe Clean Han Regular" panose="020B0500000000000000" pitchFamily="34" charset="-128"/>
+              <a:ea typeface="Adobe Clean Han Regular" panose="020B0500000000000000" pitchFamily="34" charset="-128"/>
+            </a:endParaRPr>
           </a:p>
         </p:txBody>
       </p:sp>
@@ -8875,7 +8428,10 @@
           <a:bodyPr wrap="square" lIns="0" tIns="0" rIns="0" bIns="0" rtlCol="0"/>
           <a:lstStyle/>
           <a:p>
-            <a:endParaRPr/>
+            <a:endParaRPr>
+              <a:latin typeface="Adobe Clean Han Regular" panose="020B0500000000000000" pitchFamily="34" charset="-128"/>
+              <a:ea typeface="Adobe Clean Han Regular" panose="020B0500000000000000" pitchFamily="34" charset="-128"/>
+            </a:endParaRPr>
           </a:p>
         </p:txBody>
       </p:sp>
@@ -8888,14 +8444,14 @@
         <p:spPr>
           <a:xfrm>
             <a:off x="244598" y="1844378"/>
-            <a:ext cx="7070597" cy="379463"/>
+            <a:ext cx="7070597" cy="561949"/>
           </a:xfrm>
           <a:prstGeom prst="rect">
             <a:avLst/>
           </a:prstGeom>
         </p:spPr>
         <p:txBody>
-          <a:bodyPr vert="horz" wrap="square" lIns="0" tIns="35560" rIns="0" bIns="0" rtlCol="0" anchor="t">
+          <a:bodyPr vert="horz" wrap="square" lIns="0" tIns="35560" rIns="0" bIns="0" rtlCol="0">
             <a:spAutoFit/>
           </a:bodyPr>
           <a:lstStyle/>
@@ -8909,406 +8465,37 @@
               </a:spcBef>
             </a:pPr>
             <a:r>
-              <a:rPr lang="en-US" sz="1000" spc="-20" dirty="0">
+              <a:rPr lang="ja-JP" sz="1000" dirty="0">
                 <a:solidFill>
                   <a:srgbClr val="020302"/>
                 </a:solidFill>
-                <a:latin typeface="AdobeClean-Light"/>
+                <a:latin typeface="Adobe Clean Han Regular" panose="020B0500000000000000" pitchFamily="34" charset="-128"/>
+                <a:ea typeface="Adobe Clean Han Regular" panose="020B0500000000000000" pitchFamily="34" charset="-128"/>
                 <a:cs typeface="AdobeClean-Light"/>
               </a:rPr>
-              <a:t>Adobe Customer Support offers a</a:t>
+              <a:t>アドビカスタマーサポートでは、ドキュメントのオンラインリソースへのアクセス、ベストプラクティスのための他のエキスパートやお客様との連携、トラブルシューティングのヒントやテクニックのためのウェビナーシリーズ（Office Hours）</a:t>
             </a:r>
-            <a:r>
-              <a:rPr sz="1000" spc="-20" dirty="0">
+            <a:br>
+              <a:rPr lang="sk-SK" altLang="ja-JP" sz="1000" dirty="0">
                 <a:solidFill>
                   <a:srgbClr val="020302"/>
                 </a:solidFill>
-                <a:latin typeface="AdobeClean-Light"/>
+                <a:latin typeface="Adobe Clean Han Regular" panose="020B0500000000000000" pitchFamily="34" charset="-128"/>
+                <a:ea typeface="Adobe Clean Han Regular" panose="020B0500000000000000" pitchFamily="34" charset="-128"/>
                 <a:cs typeface="AdobeClean-Light"/>
               </a:rPr>
-              <a:t>ccess</a:t>
-            </a:r>
+            </a:br>
             <a:r>
-              <a:rPr sz="1000" spc="-90" dirty="0">
+              <a:rPr lang="ja-JP" sz="1000" dirty="0">
                 <a:solidFill>
                   <a:srgbClr val="020302"/>
                 </a:solidFill>
-                <a:latin typeface="AdobeClean-Light"/>
+                <a:latin typeface="Adobe Clean Han Regular" panose="020B0500000000000000" pitchFamily="34" charset="-128"/>
+                <a:ea typeface="Adobe Clean Han Regular" panose="020B0500000000000000" pitchFamily="34" charset="-128"/>
                 <a:cs typeface="AdobeClean-Light"/>
               </a:rPr>
-              <a:t> </a:t>
+              <a:t>を提供しています。また、質問やケース申請のために、いくつかのチャネルが用意されています。</a:t>
             </a:r>
-            <a:r>
-              <a:rPr sz="1000" spc="-10" dirty="0">
-                <a:solidFill>
-                  <a:srgbClr val="020302"/>
-                </a:solidFill>
-                <a:latin typeface="AdobeClean-Light"/>
-                <a:cs typeface="AdobeClean-Light"/>
-              </a:rPr>
-              <a:t>to</a:t>
-            </a:r>
-            <a:r>
-              <a:rPr sz="1000" spc="10" dirty="0">
-                <a:solidFill>
-                  <a:srgbClr val="020302"/>
-                </a:solidFill>
-                <a:latin typeface="AdobeClean-Light"/>
-                <a:cs typeface="AdobeClean-Light"/>
-              </a:rPr>
-              <a:t> </a:t>
-            </a:r>
-            <a:r>
-              <a:rPr lang="en-US" sz="1000" spc="-20" dirty="0">
-                <a:solidFill>
-                  <a:srgbClr val="020302"/>
-                </a:solidFill>
-                <a:latin typeface="AdobeClean-Light"/>
-                <a:cs typeface="AdobeClean-Light"/>
-              </a:rPr>
-              <a:t>online resources </a:t>
-            </a:r>
-            <a:r>
-              <a:rPr sz="1000" spc="-15" dirty="0">
-                <a:solidFill>
-                  <a:srgbClr val="020302"/>
-                </a:solidFill>
-                <a:latin typeface="AdobeClean-Light"/>
-                <a:cs typeface="AdobeClean-Light"/>
-              </a:rPr>
-              <a:t>for</a:t>
-            </a:r>
-            <a:r>
-              <a:rPr sz="1000" spc="-30" dirty="0">
-                <a:solidFill>
-                  <a:srgbClr val="020302"/>
-                </a:solidFill>
-                <a:latin typeface="AdobeClean-Light"/>
-                <a:cs typeface="AdobeClean-Light"/>
-              </a:rPr>
-              <a:t> </a:t>
-            </a:r>
-            <a:r>
-              <a:rPr sz="1000" spc="-15" dirty="0">
-                <a:solidFill>
-                  <a:srgbClr val="020302"/>
-                </a:solidFill>
-                <a:latin typeface="AdobeClean-Light"/>
-                <a:cs typeface="AdobeClean-Light"/>
-              </a:rPr>
-              <a:t>documentation,</a:t>
-            </a:r>
-            <a:r>
-              <a:rPr lang="en-US" sz="1000" spc="-15" dirty="0">
-                <a:solidFill>
-                  <a:srgbClr val="020302"/>
-                </a:solidFill>
-                <a:latin typeface="AdobeClean-Light"/>
-                <a:cs typeface="AdobeClean-Light"/>
-              </a:rPr>
-              <a:t> </a:t>
-            </a:r>
-            <a:r>
-              <a:rPr sz="1000" spc="-15" dirty="0">
-                <a:solidFill>
-                  <a:srgbClr val="020302"/>
-                </a:solidFill>
-                <a:latin typeface="AdobeClean-Light"/>
-                <a:cs typeface="AdobeClean-Light"/>
-              </a:rPr>
-              <a:t>engagement</a:t>
-            </a:r>
-            <a:r>
-              <a:rPr lang="en-US" sz="1000" spc="-15" dirty="0">
-                <a:solidFill>
-                  <a:srgbClr val="020302"/>
-                </a:solidFill>
-                <a:latin typeface="AdobeClean-Light"/>
-                <a:cs typeface="AdobeClean-Light"/>
-              </a:rPr>
-              <a:t> </a:t>
-            </a:r>
-            <a:r>
-              <a:rPr sz="1000" spc="-15" dirty="0">
-                <a:solidFill>
-                  <a:srgbClr val="020302"/>
-                </a:solidFill>
-                <a:latin typeface="AdobeClean-Light"/>
-                <a:cs typeface="AdobeClean-Light"/>
-              </a:rPr>
-              <a:t>with</a:t>
-            </a:r>
-            <a:r>
-              <a:rPr sz="1000" spc="-35" dirty="0">
-                <a:solidFill>
-                  <a:srgbClr val="020302"/>
-                </a:solidFill>
-                <a:latin typeface="AdobeClean-Light"/>
-                <a:cs typeface="AdobeClean-Light"/>
-              </a:rPr>
-              <a:t> </a:t>
-            </a:r>
-            <a:r>
-              <a:rPr sz="1000" spc="-20" dirty="0">
-                <a:solidFill>
-                  <a:srgbClr val="020302"/>
-                </a:solidFill>
-                <a:latin typeface="AdobeClean-Light"/>
-                <a:cs typeface="AdobeClean-Light"/>
-              </a:rPr>
-              <a:t>other experts </a:t>
-            </a:r>
-            <a:r>
-              <a:rPr sz="1000" spc="-15" dirty="0">
-                <a:solidFill>
-                  <a:srgbClr val="020302"/>
-                </a:solidFill>
-                <a:latin typeface="AdobeClean-Light"/>
-                <a:cs typeface="AdobeClean-Light"/>
-              </a:rPr>
-              <a:t>and </a:t>
-            </a:r>
-            <a:r>
-              <a:rPr sz="1000" spc="-20" dirty="0">
-                <a:solidFill>
-                  <a:srgbClr val="020302"/>
-                </a:solidFill>
-                <a:latin typeface="AdobeClean-Light"/>
-                <a:cs typeface="AdobeClean-Light"/>
-              </a:rPr>
-              <a:t>customers </a:t>
-            </a:r>
-            <a:r>
-              <a:rPr sz="1000" spc="-15" dirty="0">
-                <a:solidFill>
-                  <a:srgbClr val="020302"/>
-                </a:solidFill>
-                <a:latin typeface="AdobeClean-Light"/>
-                <a:cs typeface="AdobeClean-Light"/>
-              </a:rPr>
-              <a:t>for best </a:t>
-            </a:r>
-            <a:r>
-              <a:rPr sz="1000" spc="-20" dirty="0">
-                <a:solidFill>
-                  <a:srgbClr val="020302"/>
-                </a:solidFill>
-                <a:latin typeface="AdobeClean-Light"/>
-                <a:cs typeface="AdobeClean-Light"/>
-              </a:rPr>
-              <a:t>practices, </a:t>
-            </a:r>
-            <a:r>
-              <a:rPr sz="1000" spc="-15" dirty="0">
-                <a:solidFill>
-                  <a:srgbClr val="020302"/>
-                </a:solidFill>
-                <a:latin typeface="AdobeClean-Light"/>
-                <a:cs typeface="AdobeClean-Light"/>
-              </a:rPr>
-              <a:t>and </a:t>
-            </a:r>
-            <a:r>
-              <a:rPr sz="1000" spc="-20" dirty="0">
-                <a:solidFill>
-                  <a:srgbClr val="020302"/>
-                </a:solidFill>
-                <a:latin typeface="AdobeClean-Light"/>
-                <a:cs typeface="AdobeClean-Light"/>
-              </a:rPr>
-              <a:t>webinar series (Office </a:t>
-            </a:r>
-            <a:r>
-              <a:rPr sz="1000" spc="-15" dirty="0">
-                <a:solidFill>
-                  <a:srgbClr val="020302"/>
-                </a:solidFill>
-                <a:latin typeface="AdobeClean-Light"/>
-                <a:cs typeface="AdobeClean-Light"/>
-              </a:rPr>
-              <a:t>Hours) for </a:t>
-            </a:r>
-            <a:r>
-              <a:rPr sz="1000" spc="-20" dirty="0">
-                <a:solidFill>
-                  <a:srgbClr val="020302"/>
-                </a:solidFill>
-                <a:latin typeface="AdobeClean-Light"/>
-                <a:cs typeface="AdobeClean-Light"/>
-              </a:rPr>
-              <a:t>troubleshooting </a:t>
-            </a:r>
-            <a:r>
-              <a:rPr sz="1000" spc="-15" dirty="0">
-                <a:solidFill>
-                  <a:srgbClr val="020302"/>
-                </a:solidFill>
-                <a:latin typeface="AdobeClean-Light"/>
-                <a:cs typeface="AdobeClean-Light"/>
-              </a:rPr>
-              <a:t>tips and </a:t>
-            </a:r>
-            <a:r>
-              <a:rPr sz="1000" spc="-20" dirty="0">
-                <a:solidFill>
-                  <a:srgbClr val="020302"/>
-                </a:solidFill>
-                <a:latin typeface="AdobeClean-Light"/>
-                <a:cs typeface="AdobeClean-Light"/>
-              </a:rPr>
-              <a:t>tricks. Several channels </a:t>
-            </a:r>
-            <a:r>
-              <a:rPr lang="en-US" sz="1000" spc="-15" dirty="0">
-                <a:solidFill>
-                  <a:srgbClr val="020302"/>
-                </a:solidFill>
-                <a:latin typeface="AdobeClean-Light"/>
-                <a:cs typeface="AdobeClean-Light"/>
-              </a:rPr>
-              <a:t>are </a:t>
-            </a:r>
-            <a:r>
-              <a:rPr lang="en-US" sz="1000" spc="-20" dirty="0">
-                <a:solidFill>
-                  <a:srgbClr val="020302"/>
-                </a:solidFill>
-                <a:latin typeface="AdobeClean-Light"/>
-                <a:cs typeface="AdobeClean-Light"/>
-              </a:rPr>
-              <a:t>also</a:t>
-            </a:r>
-            <a:r>
-              <a:rPr lang="en-US" sz="1000" dirty="0">
-                <a:latin typeface="AdobeClean-Light"/>
-                <a:cs typeface="AdobeClean-Light"/>
-              </a:rPr>
-              <a:t> </a:t>
-            </a:r>
-            <a:r>
-              <a:rPr sz="1000" spc="-25" dirty="0">
-                <a:solidFill>
-                  <a:srgbClr val="020302"/>
-                </a:solidFill>
-                <a:latin typeface="AdobeClean-Light"/>
-                <a:cs typeface="AdobeClean-Light"/>
-              </a:rPr>
-              <a:t>available</a:t>
-            </a:r>
-            <a:r>
-              <a:rPr sz="1000" spc="-65" dirty="0">
-                <a:solidFill>
-                  <a:srgbClr val="020302"/>
-                </a:solidFill>
-                <a:latin typeface="AdobeClean-Light"/>
-                <a:cs typeface="AdobeClean-Light"/>
-              </a:rPr>
-              <a:t> </a:t>
-            </a:r>
-            <a:r>
-              <a:rPr sz="1000" spc="-15" dirty="0">
-                <a:solidFill>
-                  <a:srgbClr val="020302"/>
-                </a:solidFill>
-                <a:latin typeface="AdobeClean-Light"/>
-                <a:cs typeface="AdobeClean-Light"/>
-              </a:rPr>
-              <a:t>for</a:t>
-            </a:r>
-            <a:r>
-              <a:rPr sz="1000" spc="-25" dirty="0">
-                <a:solidFill>
-                  <a:srgbClr val="020302"/>
-                </a:solidFill>
-                <a:latin typeface="AdobeClean-Light"/>
-                <a:cs typeface="AdobeClean-Light"/>
-              </a:rPr>
-              <a:t> </a:t>
-            </a:r>
-            <a:r>
-              <a:rPr sz="1000" spc="-20" dirty="0">
-                <a:solidFill>
-                  <a:srgbClr val="020302"/>
-                </a:solidFill>
-                <a:latin typeface="AdobeClean-Light"/>
-                <a:cs typeface="AdobeClean-Light"/>
-              </a:rPr>
-              <a:t>questions</a:t>
-            </a:r>
-            <a:r>
-              <a:rPr sz="1000" spc="-114" dirty="0">
-                <a:solidFill>
-                  <a:srgbClr val="020302"/>
-                </a:solidFill>
-                <a:latin typeface="AdobeClean-Light"/>
-                <a:cs typeface="AdobeClean-Light"/>
-              </a:rPr>
-              <a:t> </a:t>
-            </a:r>
-            <a:r>
-              <a:rPr sz="1000" spc="-15" dirty="0">
-                <a:solidFill>
-                  <a:srgbClr val="020302"/>
-                </a:solidFill>
-                <a:latin typeface="AdobeClean-Light"/>
-                <a:cs typeface="AdobeClean-Light"/>
-              </a:rPr>
-              <a:t>and</a:t>
-            </a:r>
-            <a:r>
-              <a:rPr sz="1000" spc="-45" dirty="0">
-                <a:solidFill>
-                  <a:srgbClr val="020302"/>
-                </a:solidFill>
-                <a:latin typeface="AdobeClean-Light"/>
-                <a:cs typeface="AdobeClean-Light"/>
-              </a:rPr>
-              <a:t> </a:t>
-            </a:r>
-            <a:r>
-              <a:rPr sz="1000" spc="-20" dirty="0">
-                <a:solidFill>
-                  <a:srgbClr val="020302"/>
-                </a:solidFill>
-                <a:latin typeface="AdobeClean-Light"/>
-                <a:cs typeface="AdobeClean-Light"/>
-              </a:rPr>
-              <a:t>case</a:t>
-            </a:r>
-            <a:r>
-              <a:rPr sz="1000" spc="-35" dirty="0">
-                <a:solidFill>
-                  <a:srgbClr val="020302"/>
-                </a:solidFill>
-                <a:latin typeface="AdobeClean-Light"/>
-                <a:cs typeface="AdobeClean-Light"/>
-              </a:rPr>
-              <a:t> </a:t>
-            </a:r>
-            <a:r>
-              <a:rPr sz="1000" spc="-20" dirty="0">
-                <a:solidFill>
-                  <a:srgbClr val="020302"/>
-                </a:solidFill>
-                <a:latin typeface="AdobeClean-Light"/>
-                <a:cs typeface="AdobeClean-Light"/>
-              </a:rPr>
-              <a:t>submissions</a:t>
-            </a:r>
-            <a:r>
-              <a:rPr lang="en-US" sz="1000" spc="-20" dirty="0">
-                <a:solidFill>
-                  <a:srgbClr val="020302"/>
-                </a:solidFill>
-                <a:latin typeface="AdobeClean-Light"/>
-                <a:cs typeface="AdobeClean-Light"/>
-              </a:rPr>
-              <a:t>.</a:t>
-            </a:r>
-            <a:endParaRPr sz="1000" dirty="0">
-              <a:latin typeface="AdobeClean-Light"/>
-              <a:cs typeface="AdobeClean-Light"/>
-            </a:endParaRPr>
           </a:p>
         </p:txBody>
       </p:sp>
@@ -9321,19 +8508,22 @@
         <p:spPr>
           <a:xfrm>
             <a:off x="206585" y="8494028"/>
-            <a:ext cx="3270885" cy="302647"/>
+            <a:ext cx="3270885" cy="579646"/>
           </a:xfrm>
           <a:prstGeom prst="rect">
             <a:avLst/>
           </a:prstGeom>
         </p:spPr>
         <p:txBody>
-          <a:bodyPr vert="horz" wrap="square" lIns="0" tIns="12700" rIns="0" bIns="0" rtlCol="0" anchor="t">
+          <a:bodyPr vert="horz" wrap="square" lIns="0" tIns="12700" rIns="0" bIns="0" rtlCol="0">
             <a:spAutoFit/>
           </a:bodyPr>
           <a:lstStyle/>
           <a:p>
             <a:pPr marL="33020" marR="159385">
+              <a:lnSpc>
+                <a:spcPct val="100000"/>
+              </a:lnSpc>
               <a:spcBef>
                 <a:spcPts val="100"/>
               </a:spcBef>
@@ -9342,174 +8532,15 @@
               </a:tabLst>
             </a:pPr>
             <a:r>
-              <a:rPr sz="900" spc="-20" dirty="0">
+              <a:rPr lang="ja-JP" sz="900">
                 <a:solidFill>
                   <a:srgbClr val="020302"/>
                 </a:solidFill>
-                <a:latin typeface="AdobeClean-Light"/>
+                <a:latin typeface="Adobe Clean Han Regular" panose="020B0500000000000000" pitchFamily="34" charset="-128"/>
+                <a:ea typeface="Adobe Clean Han Regular" panose="020B0500000000000000" pitchFamily="34" charset="-128"/>
                 <a:cs typeface="AdobeClean-Light"/>
               </a:rPr>
-              <a:t>Start </a:t>
-            </a:r>
-            <a:r>
-              <a:rPr sz="900" dirty="0">
-                <a:solidFill>
-                  <a:srgbClr val="020302"/>
-                </a:solidFill>
-                <a:latin typeface="AdobeClean-Light"/>
-                <a:cs typeface="AdobeClean-Light"/>
-              </a:rPr>
-              <a:t>a </a:t>
-            </a:r>
-            <a:r>
-              <a:rPr sz="900" spc="-15" dirty="0">
-                <a:solidFill>
-                  <a:srgbClr val="020302"/>
-                </a:solidFill>
-                <a:latin typeface="AdobeClean-Light"/>
-                <a:cs typeface="AdobeClean-Light"/>
-              </a:rPr>
-              <a:t>chat </a:t>
-            </a:r>
-            <a:r>
-              <a:rPr sz="900" spc="-10" dirty="0">
-                <a:solidFill>
-                  <a:srgbClr val="020302"/>
-                </a:solidFill>
-                <a:latin typeface="AdobeClean-Light"/>
-                <a:cs typeface="AdobeClean-Light"/>
-              </a:rPr>
-              <a:t>session </a:t>
-            </a:r>
-            <a:r>
-              <a:rPr sz="900" spc="-5" dirty="0">
-                <a:solidFill>
-                  <a:srgbClr val="020302"/>
-                </a:solidFill>
-                <a:latin typeface="AdobeClean-Light"/>
-                <a:cs typeface="AdobeClean-Light"/>
-              </a:rPr>
-              <a:t>to </a:t>
-            </a:r>
-            <a:r>
-              <a:rPr sz="900" spc="-10" dirty="0">
-                <a:solidFill>
-                  <a:srgbClr val="020302"/>
-                </a:solidFill>
-                <a:latin typeface="AdobeClean-Light"/>
-                <a:cs typeface="AdobeClean-Light"/>
-              </a:rPr>
-              <a:t>get</a:t>
-            </a:r>
-            <a:r>
-              <a:rPr lang="en-US" sz="900" spc="-10" dirty="0">
-                <a:solidFill>
-                  <a:srgbClr val="020302"/>
-                </a:solidFill>
-                <a:latin typeface="AdobeClean-Light"/>
-                <a:cs typeface="AdobeClean-Light"/>
-              </a:rPr>
-              <a:t> </a:t>
-            </a:r>
-            <a:r>
-              <a:rPr sz="900" spc="30" dirty="0">
-                <a:solidFill>
-                  <a:srgbClr val="020302"/>
-                </a:solidFill>
-                <a:latin typeface="AdobeClean-Light"/>
-                <a:cs typeface="AdobeClean-Light"/>
-              </a:rPr>
-              <a:t> </a:t>
-            </a:r>
-            <a:r>
-              <a:rPr sz="900" spc="-20" dirty="0">
-                <a:solidFill>
-                  <a:srgbClr val="020302"/>
-                </a:solidFill>
-                <a:latin typeface="AdobeClean-Light"/>
-                <a:cs typeface="AdobeClean-Light"/>
-              </a:rPr>
-              <a:t>answers</a:t>
-            </a:r>
-            <a:r>
-              <a:rPr lang="en-US" sz="900" spc="-45" dirty="0">
-                <a:solidFill>
-                  <a:srgbClr val="020302"/>
-                </a:solidFill>
-                <a:latin typeface="AdobeClean-Light"/>
-                <a:cs typeface="AdobeClean-Light"/>
-              </a:rPr>
-              <a:t> </a:t>
-            </a:r>
-            <a:r>
-              <a:rPr lang="en-US" sz="900" dirty="0">
-                <a:solidFill>
-                  <a:srgbClr val="020302"/>
-                </a:solidFill>
-                <a:latin typeface="AdobeClean-Light"/>
-                <a:cs typeface="AdobeClean-Light"/>
-              </a:rPr>
-              <a:t>&amp; </a:t>
-            </a:r>
-            <a:r>
-              <a:rPr sz="900" spc="-15" dirty="0">
-                <a:solidFill>
-                  <a:srgbClr val="020302"/>
-                </a:solidFill>
-                <a:latin typeface="AdobeClean-Light"/>
-                <a:cs typeface="AdobeClean-Light"/>
-              </a:rPr>
-              <a:t>help </a:t>
-            </a:r>
-            <a:r>
-              <a:rPr sz="900" spc="-10" dirty="0">
-                <a:solidFill>
-                  <a:srgbClr val="020302"/>
-                </a:solidFill>
-                <a:latin typeface="AdobeClean-Light"/>
-                <a:cs typeface="AdobeClean-Light"/>
-              </a:rPr>
-              <a:t>with</a:t>
-            </a:r>
-            <a:r>
-              <a:rPr sz="900" spc="85" dirty="0">
-                <a:solidFill>
-                  <a:srgbClr val="020302"/>
-                </a:solidFill>
-                <a:latin typeface="AdobeClean-Light"/>
-                <a:cs typeface="AdobeClean-Light"/>
-              </a:rPr>
-              <a:t> </a:t>
-            </a:r>
-            <a:r>
-              <a:rPr sz="900" spc="-10" dirty="0">
-                <a:solidFill>
-                  <a:srgbClr val="020302"/>
-                </a:solidFill>
-                <a:latin typeface="AdobeClean-Light"/>
-                <a:cs typeface="AdobeClean-Light"/>
-              </a:rPr>
-              <a:t>case </a:t>
-            </a:r>
-            <a:r>
-              <a:rPr sz="900" spc="-20" dirty="0">
-                <a:solidFill>
-                  <a:srgbClr val="020302"/>
-                </a:solidFill>
-                <a:latin typeface="AdobeClean-Light"/>
-                <a:cs typeface="AdobeClean-Light"/>
-              </a:rPr>
-              <a:t>submission</a:t>
-            </a:r>
-            <a:r>
-              <a:rPr lang="en-US" sz="900" spc="-20" dirty="0">
-                <a:solidFill>
-                  <a:srgbClr val="020302"/>
-                </a:solidFill>
-                <a:latin typeface="AdobeClean-Light"/>
-                <a:cs typeface="AdobeClean-Light"/>
-              </a:rPr>
-              <a:t>.</a:t>
+              <a:t>チャットセッションを開始すると、回答やケース申請による支援を受けることができます。</a:t>
             </a:r>
           </a:p>
           <a:p>
@@ -9525,29 +8556,16 @@
               </a:tabLst>
             </a:pPr>
             <a:r>
-              <a:rPr sz="900" i="1" spc="-10" dirty="0">
+              <a:rPr lang="ja-JP" sz="900" i="1">
                 <a:solidFill>
                   <a:srgbClr val="7A7A7A"/>
                 </a:solidFill>
-                <a:latin typeface="AdobeClean-LightIt"/>
+                <a:latin typeface="Adobe Clean Han Regular" panose="020B0500000000000000" pitchFamily="34" charset="-128"/>
+                <a:ea typeface="Adobe Clean Han Regular" panose="020B0500000000000000" pitchFamily="34" charset="-128"/>
                 <a:cs typeface="AdobeClean-LightIt"/>
               </a:rPr>
-              <a:t>*Not all </a:t>
+              <a:t>* すべての製品にライブチャットサポートがあるわけではありません。  </a:t>
             </a:r>
-            <a:r>
-              <a:rPr sz="900" i="1" spc="-20" dirty="0">
-                <a:solidFill>
-                  <a:srgbClr val="7A7A7A"/>
-                </a:solidFill>
-                <a:latin typeface="AdobeClean-LightIt"/>
-                <a:cs typeface="AdobeClean-LightIt"/>
-              </a:rPr>
-              <a:t>products have live chat support.  </a:t>
-            </a:r>
-            <a:endParaRPr sz="900" dirty="0">
-              <a:latin typeface="AdobeClean-Light"/>
-              <a:cs typeface="AdobeClean-Light"/>
-            </a:endParaRPr>
           </a:p>
         </p:txBody>
       </p:sp>
@@ -9576,7 +8594,10 @@
           <a:bodyPr wrap="square" lIns="0" tIns="0" rIns="0" bIns="0" rtlCol="0"/>
           <a:lstStyle/>
           <a:p>
-            <a:endParaRPr/>
+            <a:endParaRPr>
+              <a:latin typeface="Adobe Clean Han Regular" panose="020B0500000000000000" pitchFamily="34" charset="-128"/>
+              <a:ea typeface="Adobe Clean Han Regular" panose="020B0500000000000000" pitchFamily="34" charset="-128"/>
+            </a:endParaRPr>
           </a:p>
         </p:txBody>
       </p:sp>
@@ -9595,7 +8616,7 @@
         <p:spPr>
           <a:xfrm>
             <a:off x="244599" y="1037692"/>
-            <a:ext cx="1327286" cy="307777"/>
+            <a:ext cx="1856598" cy="307777"/>
           </a:xfrm>
           <a:prstGeom prst="rect">
             <a:avLst/>
@@ -9616,19 +8637,16 @@
               </a:spcBef>
             </a:pPr>
             <a:r>
-              <a:rPr lang="en-US" sz="1400" b="1" spc="-10" dirty="0">
+              <a:rPr lang="ja-JP" sz="1400" b="1">
                 <a:solidFill>
                   <a:srgbClr val="020302"/>
                 </a:solidFill>
-                <a:latin typeface="Adobe Clean"/>
+                <a:latin typeface="Adobe Clean Han Regular" panose="020B0500000000000000" pitchFamily="34" charset="-128"/>
+                <a:ea typeface="Adobe Clean Han Regular" panose="020B0500000000000000" pitchFamily="34" charset="-128"/>
                 <a:cs typeface="Adobe Clean"/>
               </a:rPr>
-              <a:t>Online Support</a:t>
+              <a:t>オンラインサポート</a:t>
             </a:r>
-            <a:endParaRPr lang="en-US" sz="1400" dirty="0">
-              <a:latin typeface="Adobe Clean"/>
-              <a:cs typeface="Adobe Clean"/>
-            </a:endParaRPr>
           </a:p>
         </p:txBody>
       </p:sp>
@@ -9648,8 +8666,8 @@
         </p:nvSpPr>
         <p:spPr>
           <a:xfrm>
-            <a:off x="296036" y="3364174"/>
-            <a:ext cx="1568246" cy="184666"/>
+            <a:off x="296035" y="3364174"/>
+            <a:ext cx="1805159" cy="184666"/>
           </a:xfrm>
           <a:prstGeom prst="rect">
             <a:avLst/>
@@ -9675,12 +8693,14 @@
               <a:defRPr/>
             </a:pPr>
             <a:r>
-              <a:rPr lang="en-US" sz="1200" dirty="0">
+              <a:rPr lang="ja-JP" sz="1200" dirty="0">
                 <a:solidFill>
                   <a:srgbClr val="000000"/>
                 </a:solidFill>
+                <a:latin typeface="Adobe Clean Han Regular" panose="020B0500000000000000" pitchFamily="34" charset="-128"/>
+                <a:ea typeface="Adobe Clean Han Regular" panose="020B0500000000000000" pitchFamily="34" charset="-128"/>
               </a:rPr>
-              <a:t>Community Forums</a:t>
+              <a:t>コミュニティフォーラム</a:t>
             </a:r>
           </a:p>
         </p:txBody>
@@ -9701,8 +8721,8 @@
         </p:nvSpPr>
         <p:spPr>
           <a:xfrm>
-            <a:off x="296036" y="3607329"/>
-            <a:ext cx="959314" cy="184666"/>
+            <a:off x="296035" y="3607329"/>
+            <a:ext cx="1805157" cy="184666"/>
           </a:xfrm>
           <a:prstGeom prst="rect">
             <a:avLst/>
@@ -9723,12 +8743,12 @@
               </a:spcAft>
             </a:pPr>
             <a:r>
-              <a:rPr lang="en-US" sz="1200" b="1" dirty="0">
-                <a:latin typeface="+mj-lt"/>
-                <a:ea typeface="Open Sans" pitchFamily="34" charset="0"/>
+              <a:rPr lang="ja-JP" sz="1200" b="1" dirty="0">
+                <a:latin typeface="Adobe Clean Han Regular" panose="020B0500000000000000" pitchFamily="34" charset="-128"/>
+                <a:ea typeface="Adobe Clean Han Regular" panose="020B0500000000000000" pitchFamily="34" charset="-128"/>
                 <a:cs typeface="Open Sans" pitchFamily="34" charset="0"/>
               </a:rPr>
-              <a:t>Online Forums</a:t>
+              <a:t>オンラインフォーラム</a:t>
             </a:r>
           </a:p>
         </p:txBody>
@@ -9747,8 +8767,8 @@
         </p:nvSpPr>
         <p:spPr>
           <a:xfrm>
-            <a:off x="244599" y="3893151"/>
-            <a:ext cx="3413002" cy="651460"/>
+            <a:off x="244599" y="3962400"/>
+            <a:ext cx="3413002" cy="805349"/>
           </a:xfrm>
           <a:prstGeom prst="rect">
             <a:avLst/>
@@ -9761,13 +8781,14 @@
           <a:lstStyle/>
           <a:p>
             <a:r>
-              <a:rPr lang="en-US" sz="1000" dirty="0">
+              <a:rPr lang="ja-JP" sz="1000" dirty="0">
                 <a:solidFill>
                   <a:srgbClr val="000000"/>
                 </a:solidFill>
-                <a:latin typeface="Adobe Clean Light" panose="020B0303020404020204" pitchFamily="34" charset="0"/>
+                <a:latin typeface="Adobe Clean Han Regular" panose="020B0500000000000000" pitchFamily="34" charset="-128"/>
+                <a:ea typeface="Adobe Clean Han Regular" panose="020B0500000000000000" pitchFamily="34" charset="-128"/>
               </a:rPr>
-              <a:t>Continuous online access to a growing database of technical solutions, product documentation, FAQs and more. Connect with practitioners and other customers on Adobe Community to share best practices and lessons learned.</a:t>
+              <a:t>テクニカルソリューション、製品ドキュメント、FAQ などの増大するデータベースにオンラインで継続的にアクセスできます。また、アドビコミュニティで実務担当者や他のお客様と繋がり、ベストプラクティスや学習した内容を共有できます。</a:t>
             </a:r>
           </a:p>
         </p:txBody>
@@ -9815,10 +8836,12 @@
               <a:defRPr/>
             </a:pPr>
             <a:r>
-              <a:rPr lang="en-US" sz="1200" dirty="0">
+              <a:rPr lang="ja-JP" sz="1200">
                 <a:solidFill>
                   <a:srgbClr val="000000"/>
                 </a:solidFill>
+                <a:latin typeface="Adobe Clean Han Regular" panose="020B0500000000000000" pitchFamily="34" charset="-128"/>
+                <a:ea typeface="Adobe Clean Han Regular" panose="020B0500000000000000" pitchFamily="34" charset="-128"/>
               </a:rPr>
               <a:t>Experience League</a:t>
             </a:r>
@@ -9842,7 +8865,7 @@
         <p:spPr>
           <a:xfrm>
             <a:off x="235430" y="5871701"/>
-            <a:ext cx="1316707" cy="184666"/>
+            <a:ext cx="1745671" cy="184666"/>
           </a:xfrm>
           <a:prstGeom prst="rect">
             <a:avLst/>
@@ -9863,12 +8886,12 @@
               </a:spcAft>
             </a:pPr>
             <a:r>
-              <a:rPr lang="en-US" sz="1200" b="1" dirty="0">
-                <a:latin typeface="+mj-lt"/>
-                <a:ea typeface="Open Sans" pitchFamily="34" charset="0"/>
+              <a:rPr lang="ja-JP" sz="1200" b="1" dirty="0">
+                <a:latin typeface="Adobe Clean Han Regular" panose="020B0500000000000000" pitchFamily="34" charset="-128"/>
+                <a:ea typeface="Adobe Clean Han Regular" panose="020B0500000000000000" pitchFamily="34" charset="-128"/>
                 <a:cs typeface="Open Sans" pitchFamily="34" charset="0"/>
               </a:rPr>
-              <a:t>Self-guided Journeys</a:t>
+              <a:t>セルフガイドジャーニー</a:t>
             </a:r>
           </a:p>
         </p:txBody>
@@ -9888,7 +8911,7 @@
         <p:spPr>
           <a:xfrm>
             <a:off x="257325" y="6132567"/>
-            <a:ext cx="3413002" cy="651460"/>
+            <a:ext cx="3413002" cy="959237"/>
           </a:xfrm>
           <a:prstGeom prst="rect">
             <a:avLst/>
@@ -9901,13 +8924,14 @@
           <a:lstStyle/>
           <a:p>
             <a:r>
-              <a:rPr lang="en-US" sz="1000" dirty="0">
+              <a:rPr lang="ja-JP" sz="1000" dirty="0">
                 <a:solidFill>
                   <a:srgbClr val="000000"/>
                 </a:solidFill>
-                <a:latin typeface="Adobe Clean Light" panose="020B0303020404020204" pitchFamily="34" charset="0"/>
+                <a:latin typeface="Adobe Clean Han Regular" panose="020B0500000000000000" pitchFamily="34" charset="-128"/>
+                <a:ea typeface="Adobe Clean Han Regular" panose="020B0500000000000000" pitchFamily="34" charset="-128"/>
               </a:rPr>
-              <a:t>Experience Makers are made with Experience League. Customers can kickstart their Customer Experience Management abilities with personalized learning to develop skills, engage with a global community of peers, and earn career advancing recognition. </a:t>
+              <a:t>エクスペリエンスメーカーは、Experience League から誕生します。Experience League に参加すると、パーソナライズされた学習で、顧客体験管理能力を強化することができます。スキルの向上や、グローバルコミュニティでの仲間との交流のほか、キャリアアップに役立つ評価の獲得も可能です。 </a:t>
             </a:r>
           </a:p>
         </p:txBody>
@@ -9955,10 +8979,12 @@
               <a:defRPr/>
             </a:pPr>
             <a:r>
-              <a:rPr lang="en-US" sz="1200" dirty="0">
+              <a:rPr lang="ja-JP" sz="1200">
                 <a:solidFill>
                   <a:srgbClr val="000000"/>
                 </a:solidFill>
+                <a:latin typeface="Adobe Clean Han Regular" panose="020B0500000000000000" pitchFamily="34" charset="-128"/>
+                <a:ea typeface="Adobe Clean Han Regular" panose="020B0500000000000000" pitchFamily="34" charset="-128"/>
               </a:rPr>
               <a:t>Office Hours</a:t>
             </a:r>
@@ -9982,7 +9008,7 @@
         <p:spPr>
           <a:xfrm>
             <a:off x="3846881" y="3607329"/>
-            <a:ext cx="604974" cy="184666"/>
+            <a:ext cx="793487" cy="184666"/>
           </a:xfrm>
           <a:prstGeom prst="rect">
             <a:avLst/>
@@ -10003,12 +9029,12 @@
               </a:spcAft>
             </a:pPr>
             <a:r>
-              <a:rPr lang="en-US" sz="1200" b="1" dirty="0">
-                <a:latin typeface="+mj-lt"/>
-                <a:ea typeface="Open Sans" pitchFamily="34" charset="0"/>
+              <a:rPr lang="ja-JP" sz="1200" b="1">
+                <a:latin typeface="Adobe Clean Han Regular" panose="020B0500000000000000" pitchFamily="34" charset="-128"/>
+                <a:ea typeface="Adobe Clean Han Regular" panose="020B0500000000000000" pitchFamily="34" charset="-128"/>
                 <a:cs typeface="Open Sans" pitchFamily="34" charset="0"/>
               </a:rPr>
-              <a:t>Webinars</a:t>
+              <a:t>ウェビナー</a:t>
             </a:r>
           </a:p>
         </p:txBody>
@@ -10028,7 +9054,7 @@
         <p:spPr>
           <a:xfrm>
             <a:off x="3810000" y="3893151"/>
-            <a:ext cx="3413002" cy="651460"/>
+            <a:ext cx="3413002" cy="805349"/>
           </a:xfrm>
           <a:prstGeom prst="rect">
             <a:avLst/>
@@ -10041,13 +9067,14 @@
           <a:lstStyle/>
           <a:p>
             <a:r>
-              <a:rPr lang="en-US" sz="1000" dirty="0">
+              <a:rPr lang="ja-JP" sz="1000">
                 <a:solidFill>
                   <a:srgbClr val="000000"/>
                 </a:solidFill>
-                <a:latin typeface="Adobe Clean Light" panose="020B0303020404020204" pitchFamily="34" charset="0"/>
+                <a:latin typeface="Adobe Clean Han Regular" panose="020B0500000000000000" pitchFamily="34" charset="-128"/>
+                <a:ea typeface="Adobe Clean Han Regular" panose="020B0500000000000000" pitchFamily="34" charset="-128"/>
               </a:rPr>
-              <a:t>Office  Hours  led  by  the  Adobe  Customer Support  team  includes  sessions  designed to  inform  as  well  as  help  participants troubleshoot  problems  and  provide  tips and  tricks  for  success  with  Adobe  solutions.</a:t>
+              <a:t>アドビカスタマーサポートチームによる Office Hours には、参加者に情報を提供するだけでなく、問題のトラブルシューティングやアドビソリューションで成功するためのヒントやテクニックを紹介することを目的としたセッションが含まれています。</a:t>
             </a:r>
           </a:p>
         </p:txBody>
@@ -10095,12 +9122,14 @@
               <a:defRPr/>
             </a:pPr>
             <a:r>
-              <a:rPr lang="en-US" sz="1200" dirty="0">
+              <a:rPr lang="ja-JP" sz="1200" dirty="0">
                 <a:solidFill>
                   <a:srgbClr val="000000"/>
                 </a:solidFill>
+                <a:latin typeface="Adobe Clean Han Regular" panose="020B0500000000000000" pitchFamily="34" charset="-128"/>
+                <a:ea typeface="Adobe Clean Han Regular" panose="020B0500000000000000" pitchFamily="34" charset="-128"/>
               </a:rPr>
-              <a:t>Self-help Portals</a:t>
+              <a:t>セルフサービスポータル</a:t>
             </a:r>
           </a:p>
         </p:txBody>
@@ -10122,7 +9151,7 @@
         <p:spPr>
           <a:xfrm>
             <a:off x="3827103" y="5871701"/>
-            <a:ext cx="1267206" cy="184666"/>
+            <a:ext cx="2597634" cy="184666"/>
           </a:xfrm>
           <a:prstGeom prst="rect">
             <a:avLst/>
@@ -10143,12 +9172,12 @@
               </a:spcAft>
             </a:pPr>
             <a:r>
-              <a:rPr lang="en-US" sz="1200" b="1" dirty="0">
-                <a:latin typeface="+mj-lt"/>
-                <a:ea typeface="Open Sans" pitchFamily="34" charset="0"/>
+              <a:rPr lang="ja-JP" sz="1200" b="1" dirty="0">
+                <a:latin typeface="Adobe Clean Han Regular" panose="020B0500000000000000" pitchFamily="34" charset="-128"/>
+                <a:ea typeface="Adobe Clean Han Regular" panose="020B0500000000000000" pitchFamily="34" charset="-128"/>
                 <a:cs typeface="Open Sans" pitchFamily="34" charset="0"/>
               </a:rPr>
-              <a:t>24/7 Support Portal</a:t>
+              <a:t>24 時間年中無休のサポートポータル</a:t>
             </a:r>
           </a:p>
         </p:txBody>
@@ -10168,7 +9197,7 @@
         <p:spPr>
           <a:xfrm>
             <a:off x="3849036" y="6132567"/>
-            <a:ext cx="3413002" cy="497572"/>
+            <a:ext cx="3413002" cy="805349"/>
           </a:xfrm>
           <a:prstGeom prst="rect">
             <a:avLst/>
@@ -10181,13 +9210,14 @@
           <a:lstStyle/>
           <a:p>
             <a:r>
-              <a:rPr lang="en-US" sz="1000" dirty="0">
+              <a:rPr lang="ja-JP" sz="1000">
                 <a:solidFill>
                   <a:srgbClr val="000000"/>
                 </a:solidFill>
-                <a:latin typeface="Adobe Clean Light" panose="020B0303020404020204" pitchFamily="34" charset="0"/>
+                <a:latin typeface="Adobe Clean Han Regular" panose="020B0500000000000000" pitchFamily="34" charset="-128"/>
+                <a:ea typeface="Adobe Clean Han Regular" panose="020B0500000000000000" pitchFamily="34" charset="-128"/>
               </a:rPr>
-              <a:t>On-demand access to the online Self-help Support Portal to submit support requests, review case status, and browse other resources, like our knowledgebase, news and alerts, featured tips, and more.</a:t>
+              <a:t>オンラインのセルフサービスサポートポータルにオンデマンドでアクセスして、サポートリクエストを申請したり、ケースのステータスを確認したり、その他のリソース（ナレッジベース、ニュースとアラート、注目すべきヒントなど）を参照したりできます。</a:t>
             </a:r>
           </a:p>
         </p:txBody>
@@ -10235,12 +9265,14 @@
               <a:defRPr/>
             </a:pPr>
             <a:r>
-              <a:rPr lang="en-US" sz="1200" dirty="0">
+              <a:rPr lang="ja-JP" sz="1200" dirty="0">
                 <a:solidFill>
                   <a:srgbClr val="000000"/>
                 </a:solidFill>
+                <a:latin typeface="Adobe Clean Han Regular" panose="020B0500000000000000" pitchFamily="34" charset="-128"/>
+                <a:ea typeface="Adobe Clean Han Regular" panose="020B0500000000000000" pitchFamily="34" charset="-128"/>
               </a:rPr>
-              <a:t>Live Chat  Support*</a:t>
+              <a:t>ライブチャットサポート*</a:t>
             </a:r>
           </a:p>
         </p:txBody>
@@ -10262,7 +9294,7 @@
         <p:spPr>
           <a:xfrm>
             <a:off x="221179" y="8234650"/>
-            <a:ext cx="840166" cy="184666"/>
+            <a:ext cx="1269578" cy="184666"/>
           </a:xfrm>
           <a:prstGeom prst="rect">
             <a:avLst/>
@@ -10283,12 +9315,12 @@
               </a:spcAft>
             </a:pPr>
             <a:r>
-              <a:rPr lang="en-US" sz="1200" b="1" dirty="0">
-                <a:latin typeface="+mj-lt"/>
-                <a:ea typeface="Open Sans" pitchFamily="34" charset="0"/>
+              <a:rPr lang="ja-JP" sz="1200" b="1" dirty="0">
+                <a:latin typeface="Adobe Clean Han Regular" panose="020B0500000000000000" pitchFamily="34" charset="-128"/>
+                <a:ea typeface="Adobe Clean Han Regular" panose="020B0500000000000000" pitchFamily="34" charset="-128"/>
                 <a:cs typeface="Open Sans" pitchFamily="34" charset="0"/>
               </a:rPr>
-              <a:t>Chat Support</a:t>
+              <a:t>チャットサポート</a:t>
             </a:r>
           </a:p>
         </p:txBody>
@@ -10336,12 +9368,14 @@
               <a:defRPr/>
             </a:pPr>
             <a:r>
-              <a:rPr lang="en-US" sz="1200" dirty="0">
+              <a:rPr lang="ja-JP" sz="1200">
                 <a:solidFill>
                   <a:srgbClr val="000000"/>
                 </a:solidFill>
+                <a:latin typeface="Adobe Clean Han Regular" panose="020B0500000000000000" pitchFamily="34" charset="-128"/>
+                <a:ea typeface="Adobe Clean Han Regular" panose="020B0500000000000000" pitchFamily="34" charset="-128"/>
               </a:rPr>
-              <a:t>24 X 7 X 365 P1 </a:t>
+              <a:t>24 時間年中無休 P1 </a:t>
             </a:r>
           </a:p>
         </p:txBody>
@@ -10363,7 +9397,7 @@
         <p:spPr>
           <a:xfrm>
             <a:off x="3844036" y="8234650"/>
-            <a:ext cx="992259" cy="184666"/>
+            <a:ext cx="952184" cy="184666"/>
           </a:xfrm>
           <a:prstGeom prst="rect">
             <a:avLst/>
@@ -10384,12 +9418,12 @@
               </a:spcAft>
             </a:pPr>
             <a:r>
-              <a:rPr lang="en-US" sz="1200" b="1" dirty="0">
-                <a:latin typeface="+mj-lt"/>
-                <a:ea typeface="Open Sans" pitchFamily="34" charset="0"/>
+              <a:rPr lang="ja-JP" sz="1200" b="1">
+                <a:latin typeface="Adobe Clean Han Regular" panose="020B0500000000000000" pitchFamily="34" charset="-128"/>
+                <a:ea typeface="Adobe Clean Han Regular" panose="020B0500000000000000" pitchFamily="34" charset="-128"/>
                 <a:cs typeface="Open Sans" pitchFamily="34" charset="0"/>
               </a:rPr>
-              <a:t>Phone  Support</a:t>
+              <a:t>電話サポート</a:t>
             </a:r>
           </a:p>
         </p:txBody>
@@ -10409,7 +9443,7 @@
         <p:spPr>
           <a:xfrm>
             <a:off x="3833993" y="8494028"/>
-            <a:ext cx="3413002" cy="497572"/>
+            <a:ext cx="3413002" cy="651460"/>
           </a:xfrm>
           <a:prstGeom prst="rect">
             <a:avLst/>
@@ -10422,26 +9456,22 @@
           <a:lstStyle/>
           <a:p>
             <a:r>
-              <a:rPr lang="en-US" sz="1000" dirty="0">
+              <a:rPr lang="ja-JP" sz="1000">
                 <a:solidFill>
                   <a:srgbClr val="020302"/>
                 </a:solidFill>
-                <a:latin typeface="AdobeClean-Light"/>
+                <a:latin typeface="Adobe Clean Han Regular" panose="020B0500000000000000" pitchFamily="34" charset="-128"/>
+                <a:ea typeface="Adobe Clean Han Regular" panose="020B0500000000000000" pitchFamily="34" charset="-128"/>
               </a:rPr>
-              <a:t>Authorized users or Named Support Contacts </a:t>
+              <a:t>承認済みユーザーまたはサポート対象ユーザーは、</a:t>
             </a:r>
             <a:r>
-              <a:rPr lang="en-US" sz="1000" dirty="0">
-                <a:latin typeface="Adobe Clean Light" panose="020B0303020404020204" pitchFamily="34" charset="0"/>
+              <a:rPr lang="ja-JP" sz="1000">
+                <a:latin typeface="Adobe Clean Han Regular" panose="020B0500000000000000" pitchFamily="34" charset="-128"/>
+                <a:ea typeface="Adobe Clean Han Regular" panose="020B0500000000000000" pitchFamily="34" charset="-128"/>
               </a:rPr>
-              <a:t>can submit issues through all available  channels (including phone for P1) and interact with our technical support team on behalf of your company. </a:t>
+              <a:t>使用可能なすべてのチャネル（P1 の場合は電話を含む）を通じて問題を申請でき、お客様の会社を代表してアドビのテクニカルサポートチームとやり取りできます。 </a:t>
             </a:r>
-            <a:endParaRPr lang="en-US" sz="1000" dirty="0">
-              <a:solidFill>
-                <a:srgbClr val="000000"/>
-              </a:solidFill>
-              <a:latin typeface="Adobe Clean Light" panose="020B0303020404020204" pitchFamily="34" charset="0"/>
-            </a:endParaRPr>
           </a:p>
         </p:txBody>
       </p:sp>
@@ -10463,8 +9493,8 @@
         </p:nvSpPr>
         <p:spPr>
           <a:xfrm>
-            <a:off x="5253416" y="9862966"/>
-            <a:ext cx="2270125" cy="132729"/>
+            <a:off x="5029200" y="9862967"/>
+            <a:ext cx="2494341" cy="132729"/>
           </a:xfrm>
           <a:prstGeom prst="rect">
             <a:avLst/>
@@ -10485,24 +9515,11 @@
               </a:spcBef>
             </a:pPr>
             <a:r>
-              <a:rPr spc="-5" dirty="0"/>
-              <a:t>©202</a:t>
-            </a:r>
-            <a:r>
-              <a:rPr lang="en-US" spc="-5" dirty="0"/>
-              <a:t>1</a:t>
-            </a:r>
-            <a:r>
-              <a:rPr spc="-5" dirty="0"/>
-              <a:t> Adobe. All Rights Reserved. Adobe</a:t>
-            </a:r>
-            <a:r>
-              <a:rPr spc="60" dirty="0"/>
-              <a:t> </a:t>
-            </a:r>
-            <a:r>
-              <a:rPr spc="-5" dirty="0"/>
-              <a:t>Confidential.</a:t>
+              <a:rPr lang="ja-JP" dirty="0">
+                <a:latin typeface="Adobe Clean Han Regular" panose="020B0500000000000000" pitchFamily="34" charset="-128"/>
+                <a:ea typeface="Adobe Clean Han Regular" panose="020B0500000000000000" pitchFamily="34" charset="-128"/>
+              </a:rPr>
+              <a:t>©2021 Adobe.All Rights Reserved.Adobe Confidential.</a:t>
             </a:r>
           </a:p>
         </p:txBody>
@@ -10793,49 +9810,16 @@
               </a:lnSpc>
             </a:pPr>
             <a:r>
-              <a:rPr sz="500" spc="-5" dirty="0">
+              <a:rPr lang="ja-JP" sz="500">
                 <a:solidFill>
                   <a:srgbClr val="6C6C6C"/>
                 </a:solidFill>
-                <a:latin typeface="Adobe Clean"/>
+                <a:latin typeface="Adobe Clean Han Regular" panose="020B0500000000000000" pitchFamily="34" charset="-128"/>
+                <a:ea typeface="Adobe Clean Han Regular" panose="020B0500000000000000" pitchFamily="34" charset="-128"/>
                 <a:cs typeface="Adobe Clean"/>
               </a:rPr>
-              <a:t>©2020 Adobe. All Rights Reserved. </a:t>
+              <a:t>©2020 Adobe. All Rights Reserved.Adobe Confidential.</a:t>
             </a:r>
-            <a:r>
-              <a:rPr sz="500" dirty="0">
-                <a:solidFill>
-                  <a:srgbClr val="6C6C6C"/>
-                </a:solidFill>
-                <a:latin typeface="Adobe Clean"/>
-                <a:cs typeface="Adobe Clean"/>
-              </a:rPr>
-              <a:t>Adobe</a:t>
-            </a:r>
-            <a:r>
-              <a:rPr sz="500" spc="5" dirty="0">
-                <a:solidFill>
-                  <a:srgbClr val="6C6C6C"/>
-                </a:solidFill>
-                <a:latin typeface="Adobe Clean"/>
-                <a:cs typeface="Adobe Clean"/>
-              </a:rPr>
-              <a:t> </a:t>
-            </a:r>
-            <a:r>
-              <a:rPr sz="500" spc="-5" dirty="0">
-                <a:solidFill>
-                  <a:srgbClr val="6C6C6C"/>
-                </a:solidFill>
-                <a:latin typeface="Adobe Clean"/>
-                <a:cs typeface="Adobe Clean"/>
-              </a:rPr>
-              <a:t>Confidential.</a:t>
-            </a:r>
-            <a:endParaRPr sz="500">
-              <a:latin typeface="Adobe Clean"/>
-              <a:cs typeface="Adobe Clean"/>
-            </a:endParaRPr>
           </a:p>
           <a:p>
             <a:pPr>
@@ -10847,7 +9831,8 @@
               </a:spcBef>
             </a:pPr>
             <a:endParaRPr sz="800">
-              <a:latin typeface="Adobe Clean"/>
+              <a:latin typeface="Adobe Clean Han Regular" panose="020B0500000000000000" pitchFamily="34" charset="-128"/>
+              <a:ea typeface="Adobe Clean Han Regular" panose="020B0500000000000000" pitchFamily="34" charset="-128"/>
               <a:cs typeface="Adobe Clean"/>
             </a:endParaRPr>
           </a:p>
@@ -10861,39 +9846,16 @@
               </a:spcBef>
             </a:pPr>
             <a:r>
-              <a:rPr sz="800" spc="-5" dirty="0">
+              <a:rPr lang="ja-JP" sz="800">
                 <a:solidFill>
                   <a:srgbClr val="6D6D6D"/>
                 </a:solidFill>
-                <a:latin typeface="Adobe Clean"/>
+                <a:latin typeface="Adobe Clean Han Regular" panose="020B0500000000000000" pitchFamily="34" charset="-128"/>
+                <a:ea typeface="Adobe Clean Han Regular" panose="020B0500000000000000" pitchFamily="34" charset="-128"/>
                 <a:cs typeface="Adobe Clean"/>
               </a:rPr>
-              <a:t>©2020 Adobe. All Rights Reserved. Adobe</a:t>
+              <a:t>©2020 Adobe.All Rights Reserved.Adobe Confidential.</a:t>
             </a:r>
-            <a:r>
-              <a:rPr sz="800" spc="75" dirty="0">
-                <a:solidFill>
-                  <a:srgbClr val="6D6D6D"/>
-                </a:solidFill>
-                <a:latin typeface="Adobe Clean"/>
-                <a:cs typeface="Adobe Clean"/>
-              </a:rPr>
-              <a:t> </a:t>
-            </a:r>
-            <a:r>
-              <a:rPr sz="800" spc="-5" dirty="0">
-                <a:solidFill>
-                  <a:srgbClr val="6D6D6D"/>
-                </a:solidFill>
-                <a:latin typeface="Adobe Clean"/>
-                <a:cs typeface="Adobe Clean"/>
-              </a:rPr>
-              <a:t>Confidential.</a:t>
-            </a:r>
-            <a:endParaRPr sz="800">
-              <a:latin typeface="Adobe Clean"/>
-              <a:cs typeface="Adobe Clean"/>
-            </a:endParaRPr>
           </a:p>
         </p:txBody>
       </p:sp>
@@ -10943,7 +9905,10 @@
           <a:bodyPr wrap="square" lIns="0" tIns="0" rIns="0" bIns="0" rtlCol="0"/>
           <a:lstStyle/>
           <a:p>
-            <a:endParaRPr/>
+            <a:endParaRPr>
+              <a:latin typeface="Adobe Clean Han Regular" panose="020B0500000000000000" pitchFamily="34" charset="-128"/>
+              <a:ea typeface="Adobe Clean Han Regular" panose="020B0500000000000000" pitchFamily="34" charset="-128"/>
+            </a:endParaRPr>
           </a:p>
         </p:txBody>
       </p:sp>
@@ -10977,19 +9942,16 @@
               </a:spcBef>
             </a:pPr>
             <a:r>
-              <a:rPr lang="en-US" sz="1400" b="1" spc="-15" dirty="0">
+              <a:rPr lang="ja-JP" sz="1400" b="1">
                 <a:solidFill>
                   <a:srgbClr val="020302"/>
                 </a:solidFill>
-                <a:latin typeface="Adobe Clean"/>
+                <a:latin typeface="Adobe Clean Han Regular" panose="020B0500000000000000" pitchFamily="34" charset="-128"/>
+                <a:ea typeface="Adobe Clean Han Regular" panose="020B0500000000000000" pitchFamily="34" charset="-128"/>
                 <a:cs typeface="Adobe Clean"/>
               </a:rPr>
-              <a:t>Resources</a:t>
+              <a:t>リソース</a:t>
             </a:r>
-            <a:endParaRPr sz="1400" dirty="0">
-              <a:latin typeface="Adobe Clean"/>
-              <a:cs typeface="Adobe Clean"/>
-            </a:endParaRPr>
           </a:p>
         </p:txBody>
       </p:sp>
@@ -11009,7 +9971,7 @@
           </a:prstGeom>
         </p:spPr>
         <p:txBody>
-          <a:bodyPr vert="horz" wrap="square" lIns="0" tIns="12065" rIns="0" bIns="0" rtlCol="0" anchor="t">
+          <a:bodyPr vert="horz" wrap="square" lIns="0" tIns="12065" rIns="0" bIns="0" rtlCol="0">
             <a:spAutoFit/>
           </a:bodyPr>
           <a:lstStyle/>
@@ -11023,19 +9985,16 @@
               </a:spcBef>
             </a:pPr>
             <a:r>
-              <a:rPr sz="800" spc="-15" dirty="0">
+              <a:rPr lang="ja-JP" sz="800">
                 <a:solidFill>
                   <a:srgbClr val="777879"/>
                 </a:solidFill>
-                <a:latin typeface="Adobe Clean"/>
+                <a:latin typeface="Adobe Clean Han Regular" panose="020B0500000000000000" pitchFamily="34" charset="-128"/>
+                <a:ea typeface="Adobe Clean Han Regular" panose="020B0500000000000000" pitchFamily="34" charset="-128"/>
                 <a:cs typeface="Adobe Clean"/>
               </a:rPr>
               <a:t>Adobe</a:t>
             </a:r>
-            <a:endParaRPr sz="800">
-              <a:latin typeface="Adobe Clean"/>
-              <a:cs typeface="Adobe Clean"/>
-            </a:endParaRPr>
           </a:p>
           <a:p>
             <a:pPr marL="12700">
@@ -11044,29 +10003,16 @@
               </a:lnSpc>
             </a:pPr>
             <a:r>
-              <a:rPr sz="800" spc="-15" dirty="0">
+              <a:rPr lang="ja-JP" sz="800">
                 <a:solidFill>
                   <a:srgbClr val="777879"/>
                 </a:solidFill>
-                <a:latin typeface="Adobe Clean"/>
+                <a:latin typeface="Adobe Clean Han Regular" panose="020B0500000000000000" pitchFamily="34" charset="-128"/>
+                <a:ea typeface="Adobe Clean Han Regular" panose="020B0500000000000000" pitchFamily="34" charset="-128"/>
                 <a:cs typeface="Adobe Clean"/>
               </a:rPr>
-              <a:t>345 </a:t>
+              <a:t>345 Park Avenue</a:t>
             </a:r>
-            <a:r>
-              <a:rPr lang="en-US" sz="800" spc="-15" dirty="0">
-                <a:solidFill>
-                  <a:srgbClr val="777879"/>
-                </a:solidFill>
-                <a:latin typeface="Adobe Clean"/>
-                <a:cs typeface="Adobe Clean"/>
-              </a:rPr>
-              <a:t>Park Avenue</a:t>
-            </a:r>
-            <a:endParaRPr sz="800" dirty="0">
-              <a:latin typeface="Adobe Clean"/>
-              <a:cs typeface="Adobe Clean"/>
-            </a:endParaRPr>
           </a:p>
           <a:p>
             <a:pPr marL="12700">
@@ -11075,49 +10021,16 @@
               </a:lnSpc>
             </a:pPr>
             <a:r>
-              <a:rPr sz="800" spc="-10" dirty="0">
+              <a:rPr lang="ja-JP" sz="800">
                 <a:solidFill>
                   <a:srgbClr val="777879"/>
                 </a:solidFill>
-                <a:latin typeface="Adobe Clean"/>
+                <a:latin typeface="Adobe Clean Han Regular" panose="020B0500000000000000" pitchFamily="34" charset="-128"/>
+                <a:ea typeface="Adobe Clean Han Regular" panose="020B0500000000000000" pitchFamily="34" charset="-128"/>
                 <a:cs typeface="Adobe Clean"/>
               </a:rPr>
-              <a:t>San </a:t>
+              <a:t>San Jose, CA95110-2704</a:t>
             </a:r>
-            <a:r>
-              <a:rPr sz="800" spc="-15" dirty="0">
-                <a:solidFill>
-                  <a:srgbClr val="777879"/>
-                </a:solidFill>
-                <a:latin typeface="Adobe Clean"/>
-                <a:cs typeface="Adobe Clean"/>
-              </a:rPr>
-              <a:t>Jose,</a:t>
-            </a:r>
-            <a:r>
-              <a:rPr sz="800" spc="-140" dirty="0">
-                <a:solidFill>
-                  <a:srgbClr val="777879"/>
-                </a:solidFill>
-                <a:latin typeface="Adobe Clean"/>
-                <a:cs typeface="Adobe Clean"/>
-              </a:rPr>
-              <a:t> </a:t>
-            </a:r>
-            <a:r>
-              <a:rPr sz="800" spc="-20" dirty="0">
-                <a:solidFill>
-                  <a:srgbClr val="777879"/>
-                </a:solidFill>
-                <a:latin typeface="Adobe Clean"/>
-                <a:cs typeface="Adobe Clean"/>
-              </a:rPr>
-              <a:t>CA95110-2704</a:t>
-            </a:r>
-            <a:endParaRPr sz="800">
-              <a:latin typeface="Adobe Clean"/>
-              <a:cs typeface="Adobe Clean"/>
-            </a:endParaRPr>
           </a:p>
           <a:p>
             <a:pPr marL="12700">
@@ -11129,19 +10042,16 @@
               </a:spcBef>
             </a:pPr>
             <a:r>
-              <a:rPr sz="800" spc="-10" dirty="0">
+              <a:rPr lang="ja-JP" sz="800">
                 <a:solidFill>
                   <a:srgbClr val="777879"/>
                 </a:solidFill>
-                <a:latin typeface="Adobe Clean"/>
+                <a:latin typeface="Adobe Clean Han Regular" panose="020B0500000000000000" pitchFamily="34" charset="-128"/>
+                <a:ea typeface="Adobe Clean Han Regular" panose="020B0500000000000000" pitchFamily="34" charset="-128"/>
                 <a:cs typeface="Adobe Clean"/>
               </a:rPr>
               <a:t>USA</a:t>
             </a:r>
-            <a:endParaRPr sz="800">
-              <a:latin typeface="Adobe Clean"/>
-              <a:cs typeface="Adobe Clean"/>
-            </a:endParaRPr>
           </a:p>
           <a:p>
             <a:pPr marL="12700">
@@ -11153,7 +10063,7 @@
               </a:spcBef>
             </a:pPr>
             <a:r>
-              <a:rPr sz="800" u="sng" spc="-25" dirty="0">
+              <a:rPr lang="ja-JP" sz="800" u="sng">
                 <a:solidFill>
                   <a:srgbClr val="5F5F5F"/>
                 </a:solidFill>
@@ -11162,16 +10072,13 @@
                     <a:srgbClr val="0000FF"/>
                   </a:solidFill>
                 </a:uFill>
-                <a:latin typeface="Adobe Clean"/>
+                <a:latin typeface="Adobe Clean Han Regular" panose="020B0500000000000000" pitchFamily="34" charset="-128"/>
+                <a:ea typeface="Adobe Clean Han Regular" panose="020B0500000000000000" pitchFamily="34" charset="-128"/>
                 <a:cs typeface="Adobe Clean"/>
                 <a:hlinkClick r:id="rId3"/>
               </a:rPr>
               <a:t>www.adobe.com</a:t>
             </a:r>
-            <a:endParaRPr sz="800">
-              <a:latin typeface="Adobe Clean"/>
-              <a:cs typeface="Adobe Clean"/>
-            </a:endParaRPr>
           </a:p>
         </p:txBody>
       </p:sp>
@@ -11200,7 +10107,10 @@
           <a:bodyPr wrap="square" lIns="0" tIns="0" rIns="0" bIns="0" rtlCol="0"/>
           <a:lstStyle/>
           <a:p>
-            <a:endParaRPr/>
+            <a:endParaRPr>
+              <a:latin typeface="Adobe Clean Han Regular" panose="020B0500000000000000" pitchFamily="34" charset="-128"/>
+              <a:ea typeface="Adobe Clean Han Regular" panose="020B0500000000000000" pitchFamily="34" charset="-128"/>
+            </a:endParaRPr>
           </a:p>
         </p:txBody>
       </p:sp>
@@ -11283,7 +10193,10 @@
           <a:bodyPr wrap="square" lIns="0" tIns="0" rIns="0" bIns="0" rtlCol="0"/>
           <a:lstStyle/>
           <a:p>
-            <a:endParaRPr/>
+            <a:endParaRPr>
+              <a:latin typeface="Adobe Clean Han Regular" panose="020B0500000000000000" pitchFamily="34" charset="-128"/>
+              <a:ea typeface="Adobe Clean Han Regular" panose="020B0500000000000000" pitchFamily="34" charset="-128"/>
+            </a:endParaRPr>
           </a:p>
         </p:txBody>
       </p:sp>
@@ -11312,7 +10225,10 @@
           <a:bodyPr wrap="square" lIns="0" tIns="0" rIns="0" bIns="0" rtlCol="0"/>
           <a:lstStyle/>
           <a:p>
-            <a:endParaRPr/>
+            <a:endParaRPr>
+              <a:latin typeface="Adobe Clean Han Regular" panose="020B0500000000000000" pitchFamily="34" charset="-128"/>
+              <a:ea typeface="Adobe Clean Han Regular" panose="020B0500000000000000" pitchFamily="34" charset="-128"/>
+            </a:endParaRPr>
           </a:p>
         </p:txBody>
       </p:sp>
@@ -11325,14 +10241,14 @@
         <p:spPr>
           <a:xfrm>
             <a:off x="75947" y="9437110"/>
-            <a:ext cx="5466715" cy="570865"/>
+            <a:ext cx="5896662" cy="563616"/>
           </a:xfrm>
           <a:prstGeom prst="rect">
             <a:avLst/>
           </a:prstGeom>
         </p:spPr>
         <p:txBody>
-          <a:bodyPr vert="horz" wrap="square" lIns="0" tIns="29845" rIns="0" bIns="0" rtlCol="0" anchor="t">
+          <a:bodyPr vert="horz" wrap="square" lIns="0" tIns="29845" rIns="0" bIns="0" rtlCol="0">
             <a:spAutoFit/>
           </a:bodyPr>
           <a:lstStyle/>
@@ -11346,449 +10262,16 @@
               </a:spcBef>
             </a:pPr>
             <a:r>
-              <a:rPr sz="1100" i="1" spc="-10" dirty="0">
+              <a:rPr lang="ja-JP" sz="1100" i="1" dirty="0">
                 <a:solidFill>
                   <a:srgbClr val="777879"/>
                 </a:solidFill>
-                <a:latin typeface="AdobeClean-LightIt"/>
+                <a:latin typeface="Adobe Clean Han Regular" panose="020B0500000000000000" pitchFamily="34" charset="-128"/>
+                <a:ea typeface="Adobe Clean Han Regular" panose="020B0500000000000000" pitchFamily="34" charset="-128"/>
                 <a:cs typeface="AdobeClean-LightIt"/>
               </a:rPr>
-              <a:t>To</a:t>
+              <a:t>アドビサポートのサービスやお客様に最適なレベルについて詳しくは、専任アカウントマネージャー（NAM）またはカスタマーサクセスマネージャー（CSM）にお問い合わせください。</a:t>
             </a:r>
-            <a:r>
-              <a:rPr sz="1100" i="1" spc="-50" dirty="0">
-                <a:solidFill>
-                  <a:srgbClr val="777879"/>
-                </a:solidFill>
-                <a:latin typeface="AdobeClean-LightIt"/>
-                <a:cs typeface="AdobeClean-LightIt"/>
-              </a:rPr>
-              <a:t> </a:t>
-            </a:r>
-            <a:r>
-              <a:rPr sz="1100" i="1" spc="-15" dirty="0">
-                <a:solidFill>
-                  <a:srgbClr val="777879"/>
-                </a:solidFill>
-                <a:latin typeface="AdobeClean-LightIt"/>
-                <a:cs typeface="AdobeClean-LightIt"/>
-              </a:rPr>
-              <a:t>learn</a:t>
-            </a:r>
-            <a:r>
-              <a:rPr sz="1100" i="1" spc="-40" dirty="0">
-                <a:solidFill>
-                  <a:srgbClr val="777879"/>
-                </a:solidFill>
-                <a:latin typeface="AdobeClean-LightIt"/>
-                <a:cs typeface="AdobeClean-LightIt"/>
-              </a:rPr>
-              <a:t> </a:t>
-            </a:r>
-            <a:r>
-              <a:rPr sz="1100" i="1" spc="-15" dirty="0">
-                <a:solidFill>
-                  <a:srgbClr val="777879"/>
-                </a:solidFill>
-                <a:latin typeface="AdobeClean-LightIt"/>
-                <a:cs typeface="AdobeClean-LightIt"/>
-              </a:rPr>
-              <a:t>more</a:t>
-            </a:r>
-            <a:r>
-              <a:rPr sz="1100" i="1" spc="-45" dirty="0">
-                <a:solidFill>
-                  <a:srgbClr val="777879"/>
-                </a:solidFill>
-                <a:latin typeface="AdobeClean-LightIt"/>
-                <a:cs typeface="AdobeClean-LightIt"/>
-              </a:rPr>
-              <a:t> </a:t>
-            </a:r>
-            <a:r>
-              <a:rPr sz="1100" i="1" spc="-15" dirty="0">
-                <a:solidFill>
-                  <a:srgbClr val="777879"/>
-                </a:solidFill>
-                <a:latin typeface="AdobeClean-LightIt"/>
-                <a:cs typeface="AdobeClean-LightIt"/>
-              </a:rPr>
-              <a:t>about</a:t>
-            </a:r>
-            <a:r>
-              <a:rPr sz="1100" i="1" spc="-45" dirty="0">
-                <a:solidFill>
-                  <a:srgbClr val="777879"/>
-                </a:solidFill>
-                <a:latin typeface="AdobeClean-LightIt"/>
-                <a:cs typeface="AdobeClean-LightIt"/>
-              </a:rPr>
-              <a:t> </a:t>
-            </a:r>
-            <a:r>
-              <a:rPr sz="1100" i="1" spc="-15" dirty="0">
-                <a:solidFill>
-                  <a:srgbClr val="777879"/>
-                </a:solidFill>
-                <a:latin typeface="AdobeClean-LightIt"/>
-                <a:cs typeface="AdobeClean-LightIt"/>
-              </a:rPr>
-              <a:t>Adobe</a:t>
-            </a:r>
-            <a:r>
-              <a:rPr sz="1100" i="1" spc="-60" dirty="0">
-                <a:solidFill>
-                  <a:srgbClr val="777879"/>
-                </a:solidFill>
-                <a:latin typeface="AdobeClean-LightIt"/>
-                <a:cs typeface="AdobeClean-LightIt"/>
-              </a:rPr>
-              <a:t> </a:t>
-            </a:r>
-            <a:r>
-              <a:rPr sz="1100" i="1" spc="-15" dirty="0">
-                <a:solidFill>
-                  <a:srgbClr val="777879"/>
-                </a:solidFill>
-                <a:latin typeface="AdobeClean-LightIt"/>
-                <a:cs typeface="AdobeClean-LightIt"/>
-              </a:rPr>
-              <a:t>Support</a:t>
-            </a:r>
-            <a:r>
-              <a:rPr lang="en-US" sz="1100" i="1" spc="-15" dirty="0">
-                <a:solidFill>
-                  <a:srgbClr val="777879"/>
-                </a:solidFill>
-                <a:latin typeface="AdobeClean-LightIt"/>
-                <a:cs typeface="AdobeClean-LightIt"/>
-              </a:rPr>
-              <a:t> Offerings</a:t>
-            </a:r>
-            <a:r>
-              <a:rPr sz="1100" i="1" spc="-75" dirty="0">
-                <a:solidFill>
-                  <a:srgbClr val="777879"/>
-                </a:solidFill>
-                <a:latin typeface="AdobeClean-LightIt"/>
-                <a:cs typeface="AdobeClean-LightIt"/>
-              </a:rPr>
-              <a:t> </a:t>
-            </a:r>
-            <a:r>
-              <a:rPr sz="1100" i="1" spc="-15" dirty="0">
-                <a:solidFill>
-                  <a:srgbClr val="777879"/>
-                </a:solidFill>
-                <a:latin typeface="AdobeClean-LightIt"/>
-                <a:cs typeface="AdobeClean-LightIt"/>
-              </a:rPr>
-              <a:t>and</a:t>
-            </a:r>
-            <a:r>
-              <a:rPr sz="1100" i="1" spc="-50" dirty="0">
-                <a:solidFill>
-                  <a:srgbClr val="777879"/>
-                </a:solidFill>
-                <a:latin typeface="AdobeClean-LightIt"/>
-                <a:cs typeface="AdobeClean-LightIt"/>
-              </a:rPr>
-              <a:t> </a:t>
-            </a:r>
-            <a:r>
-              <a:rPr sz="1100" i="1" spc="-15" dirty="0">
-                <a:solidFill>
-                  <a:srgbClr val="777879"/>
-                </a:solidFill>
-                <a:latin typeface="AdobeClean-LightIt"/>
-                <a:cs typeface="AdobeClean-LightIt"/>
-              </a:rPr>
-              <a:t>the</a:t>
-            </a:r>
-            <a:r>
-              <a:rPr sz="1100" i="1" spc="-55" dirty="0">
-                <a:solidFill>
-                  <a:srgbClr val="777879"/>
-                </a:solidFill>
-                <a:latin typeface="AdobeClean-LightIt"/>
-                <a:cs typeface="AdobeClean-LightIt"/>
-              </a:rPr>
-              <a:t> </a:t>
-            </a:r>
-            <a:r>
-              <a:rPr sz="1100" i="1" spc="-15" dirty="0">
-                <a:solidFill>
-                  <a:srgbClr val="777879"/>
-                </a:solidFill>
-                <a:latin typeface="AdobeClean-LightIt"/>
-                <a:cs typeface="AdobeClean-LightIt"/>
-              </a:rPr>
-              <a:t>right</a:t>
-            </a:r>
-            <a:r>
-              <a:rPr sz="1100" i="1" spc="-95" dirty="0">
-                <a:solidFill>
-                  <a:srgbClr val="777879"/>
-                </a:solidFill>
-                <a:latin typeface="AdobeClean-LightIt"/>
-                <a:cs typeface="AdobeClean-LightIt"/>
-              </a:rPr>
-              <a:t> </a:t>
-            </a:r>
-            <a:r>
-              <a:rPr sz="1100" i="1" spc="-15" dirty="0">
-                <a:solidFill>
-                  <a:srgbClr val="777879"/>
-                </a:solidFill>
-                <a:latin typeface="AdobeClean-LightIt"/>
-                <a:cs typeface="AdobeClean-LightIt"/>
-              </a:rPr>
-              <a:t>level</a:t>
-            </a:r>
-            <a:r>
-              <a:rPr sz="1100" i="1" spc="-55" dirty="0">
-                <a:solidFill>
-                  <a:srgbClr val="777879"/>
-                </a:solidFill>
-                <a:latin typeface="AdobeClean-LightIt"/>
-                <a:cs typeface="AdobeClean-LightIt"/>
-              </a:rPr>
-              <a:t> </a:t>
-            </a:r>
-            <a:r>
-              <a:rPr sz="1100" i="1" spc="-15" dirty="0">
-                <a:solidFill>
-                  <a:srgbClr val="777879"/>
-                </a:solidFill>
-                <a:latin typeface="AdobeClean-LightIt"/>
-                <a:cs typeface="AdobeClean-LightIt"/>
-              </a:rPr>
-              <a:t>for</a:t>
-            </a:r>
-            <a:r>
-              <a:rPr sz="1100" i="1" spc="-85" dirty="0">
-                <a:solidFill>
-                  <a:srgbClr val="777879"/>
-                </a:solidFill>
-                <a:latin typeface="AdobeClean-LightIt"/>
-                <a:cs typeface="AdobeClean-LightIt"/>
-              </a:rPr>
-              <a:t> </a:t>
-            </a:r>
-            <a:r>
-              <a:rPr sz="1100" i="1" spc="-15" dirty="0">
-                <a:solidFill>
-                  <a:srgbClr val="777879"/>
-                </a:solidFill>
-                <a:latin typeface="AdobeClean-LightIt"/>
-                <a:cs typeface="AdobeClean-LightIt"/>
-              </a:rPr>
-              <a:t>you,</a:t>
-            </a:r>
-            <a:r>
-              <a:rPr sz="1100" i="1" spc="-65" dirty="0">
-                <a:solidFill>
-                  <a:srgbClr val="777879"/>
-                </a:solidFill>
-                <a:latin typeface="AdobeClean-LightIt"/>
-                <a:cs typeface="AdobeClean-LightIt"/>
-              </a:rPr>
-              <a:t> </a:t>
-            </a:r>
-            <a:r>
-              <a:rPr sz="1100" i="1" spc="-15" dirty="0">
-                <a:solidFill>
-                  <a:srgbClr val="777879"/>
-                </a:solidFill>
-                <a:latin typeface="AdobeClean-LightIt"/>
-                <a:cs typeface="AdobeClean-LightIt"/>
-              </a:rPr>
-              <a:t>contact</a:t>
-            </a:r>
-            <a:r>
-              <a:rPr sz="1100" i="1" spc="-85" dirty="0">
-                <a:solidFill>
-                  <a:srgbClr val="777879"/>
-                </a:solidFill>
-                <a:latin typeface="AdobeClean-LightIt"/>
-                <a:cs typeface="AdobeClean-LightIt"/>
-              </a:rPr>
-              <a:t> </a:t>
-            </a:r>
-            <a:r>
-              <a:rPr sz="1100" i="1" spc="-15" dirty="0">
-                <a:solidFill>
-                  <a:srgbClr val="777879"/>
-                </a:solidFill>
-                <a:latin typeface="AdobeClean-LightIt"/>
-                <a:cs typeface="AdobeClean-LightIt"/>
-              </a:rPr>
-              <a:t>your</a:t>
-            </a:r>
-            <a:r>
-              <a:rPr sz="1100" i="1" spc="-70" dirty="0">
-                <a:solidFill>
-                  <a:srgbClr val="777879"/>
-                </a:solidFill>
-                <a:latin typeface="AdobeClean-LightIt"/>
-                <a:cs typeface="AdobeClean-LightIt"/>
-              </a:rPr>
-              <a:t> </a:t>
-            </a:r>
-            <a:r>
-              <a:rPr sz="1100" i="1" spc="-15" dirty="0">
-                <a:solidFill>
-                  <a:srgbClr val="777879"/>
-                </a:solidFill>
-                <a:latin typeface="AdobeClean-LightIt"/>
-                <a:cs typeface="AdobeClean-LightIt"/>
-              </a:rPr>
-              <a:t>Named</a:t>
-            </a:r>
-            <a:r>
-              <a:rPr sz="1100" i="1" spc="-55" dirty="0">
-                <a:solidFill>
-                  <a:srgbClr val="777879"/>
-                </a:solidFill>
-                <a:latin typeface="AdobeClean-LightIt"/>
-                <a:cs typeface="AdobeClean-LightIt"/>
-              </a:rPr>
-              <a:t> </a:t>
-            </a:r>
-            <a:r>
-              <a:rPr sz="1100" i="1" spc="-25" dirty="0">
-                <a:solidFill>
-                  <a:srgbClr val="777879"/>
-                </a:solidFill>
-                <a:latin typeface="AdobeClean-LightIt"/>
-                <a:cs typeface="AdobeClean-LightIt"/>
-              </a:rPr>
-              <a:t>Account</a:t>
-            </a:r>
-            <a:r>
-              <a:rPr sz="1100" i="1" spc="-120" dirty="0">
-                <a:solidFill>
-                  <a:srgbClr val="777879"/>
-                </a:solidFill>
-                <a:latin typeface="AdobeClean-LightIt"/>
-                <a:cs typeface="AdobeClean-LightIt"/>
-              </a:rPr>
-              <a:t> </a:t>
-            </a:r>
-            <a:r>
-              <a:rPr sz="1100" i="1" spc="-20" dirty="0">
-                <a:solidFill>
-                  <a:srgbClr val="777879"/>
-                </a:solidFill>
-                <a:latin typeface="AdobeClean-LightIt"/>
-                <a:cs typeface="AdobeClean-LightIt"/>
-              </a:rPr>
-              <a:t>Manager</a:t>
-            </a:r>
-            <a:r>
-              <a:rPr lang="en-US" sz="1100" i="1" spc="-20" dirty="0">
-                <a:solidFill>
-                  <a:srgbClr val="777879"/>
-                </a:solidFill>
-                <a:latin typeface="AdobeClean-LightIt"/>
-                <a:cs typeface="AdobeClean-LightIt"/>
-              </a:rPr>
-              <a:t> </a:t>
-            </a:r>
-            <a:r>
-              <a:rPr sz="1100" i="1" spc="-20" dirty="0">
-                <a:solidFill>
-                  <a:srgbClr val="777879"/>
-                </a:solidFill>
-                <a:latin typeface="AdobeClean-LightIt"/>
-                <a:cs typeface="AdobeClean-LightIt"/>
-              </a:rPr>
-              <a:t> </a:t>
-            </a:r>
-            <a:r>
-              <a:rPr sz="1100" i="1" spc="-15" dirty="0">
-                <a:solidFill>
-                  <a:srgbClr val="777879"/>
-                </a:solidFill>
-                <a:latin typeface="AdobeClean-LightIt"/>
-                <a:cs typeface="AdobeClean-LightIt"/>
-              </a:rPr>
-              <a:t>(NAM) </a:t>
-            </a:r>
-            <a:r>
-              <a:rPr sz="1100" i="1" spc="-10" dirty="0">
-                <a:solidFill>
-                  <a:srgbClr val="777879"/>
-                </a:solidFill>
-                <a:latin typeface="AdobeClean-LightIt"/>
-                <a:cs typeface="AdobeClean-LightIt"/>
-              </a:rPr>
-              <a:t>or </a:t>
-            </a:r>
-            <a:r>
-              <a:rPr sz="1100" i="1" spc="-15" dirty="0">
-                <a:solidFill>
-                  <a:srgbClr val="777879"/>
-                </a:solidFill>
-                <a:latin typeface="AdobeClean-LightIt"/>
-                <a:cs typeface="AdobeClean-LightIt"/>
-              </a:rPr>
-              <a:t>Customer </a:t>
-            </a:r>
-            <a:r>
-              <a:rPr sz="1100" i="1" spc="-20" dirty="0">
-                <a:solidFill>
-                  <a:srgbClr val="777879"/>
-                </a:solidFill>
-                <a:latin typeface="AdobeClean-LightIt"/>
-                <a:cs typeface="AdobeClean-LightIt"/>
-              </a:rPr>
-              <a:t>Success</a:t>
-            </a:r>
-            <a:r>
-              <a:rPr lang="en-US" sz="1100" i="1" spc="-20" dirty="0">
-                <a:solidFill>
-                  <a:srgbClr val="777879"/>
-                </a:solidFill>
-                <a:latin typeface="AdobeClean-LightIt"/>
-                <a:cs typeface="AdobeClean-LightIt"/>
-              </a:rPr>
-              <a:t> </a:t>
-            </a:r>
-            <a:r>
-              <a:rPr sz="1100" i="1" spc="-15" dirty="0">
-                <a:solidFill>
-                  <a:srgbClr val="777879"/>
-                </a:solidFill>
-                <a:latin typeface="AdobeClean-LightIt"/>
-                <a:cs typeface="AdobeClean-LightIt"/>
-              </a:rPr>
-              <a:t>Manager</a:t>
-            </a:r>
-            <a:r>
-              <a:rPr lang="en-US" sz="1100" i="1" spc="-15" dirty="0">
-                <a:solidFill>
-                  <a:srgbClr val="777879"/>
-                </a:solidFill>
-                <a:latin typeface="AdobeClean-LightIt"/>
-                <a:cs typeface="AdobeClean-LightIt"/>
-              </a:rPr>
-              <a:t> </a:t>
-            </a:r>
-            <a:r>
-              <a:rPr sz="1100" i="1" spc="-15" dirty="0">
-                <a:solidFill>
-                  <a:srgbClr val="777879"/>
-                </a:solidFill>
-                <a:latin typeface="AdobeClean-LightIt"/>
-                <a:cs typeface="AdobeClean-LightIt"/>
-              </a:rPr>
-              <a:t>(CSM)</a:t>
-            </a:r>
-            <a:endParaRPr sz="1100" dirty="0">
-              <a:latin typeface="AdobeClean-LightIt"/>
-              <a:cs typeface="AdobeClean-LightIt"/>
-            </a:endParaRPr>
           </a:p>
           <a:p>
             <a:pPr marL="34290">
@@ -11800,59 +10283,16 @@
               </a:spcBef>
             </a:pPr>
             <a:r>
-              <a:rPr sz="800" spc="-5" dirty="0">
+              <a:rPr lang="ja-JP" sz="800" dirty="0">
                 <a:solidFill>
                   <a:srgbClr val="6D6D6D"/>
                 </a:solidFill>
-                <a:latin typeface="Adobe Clean"/>
+                <a:latin typeface="Adobe Clean Han Regular" panose="020B0500000000000000" pitchFamily="34" charset="-128"/>
+                <a:ea typeface="Adobe Clean Han Regular" panose="020B0500000000000000" pitchFamily="34" charset="-128"/>
                 <a:cs typeface="Adobe Clean"/>
               </a:rPr>
-              <a:t>©202</a:t>
+              <a:t>©2021 Adobe.All Rights Reserved.Adobe Confidential.</a:t>
             </a:r>
-            <a:r>
-              <a:rPr lang="en-US" sz="800" spc="-5" dirty="0">
-                <a:solidFill>
-                  <a:srgbClr val="6D6D6D"/>
-                </a:solidFill>
-                <a:latin typeface="Adobe Clean"/>
-                <a:cs typeface="Adobe Clean"/>
-              </a:rPr>
-              <a:t>1</a:t>
-            </a:r>
-            <a:r>
-              <a:rPr sz="800" spc="-5" dirty="0">
-                <a:solidFill>
-                  <a:srgbClr val="6D6D6D"/>
-                </a:solidFill>
-                <a:latin typeface="Adobe Clean"/>
-                <a:cs typeface="Adobe Clean"/>
-              </a:rPr>
-              <a:t> Adobe. All Rights Reserved. Adobe</a:t>
-            </a:r>
-            <a:r>
-              <a:rPr sz="800" spc="75" dirty="0">
-                <a:solidFill>
-                  <a:srgbClr val="6D6D6D"/>
-                </a:solidFill>
-                <a:latin typeface="Adobe Clean"/>
-                <a:cs typeface="Adobe Clean"/>
-              </a:rPr>
-              <a:t> </a:t>
-            </a:r>
-            <a:r>
-              <a:rPr sz="800" spc="-5" dirty="0">
-                <a:solidFill>
-                  <a:srgbClr val="6D6D6D"/>
-                </a:solidFill>
-                <a:latin typeface="Adobe Clean"/>
-                <a:cs typeface="Adobe Clean"/>
-              </a:rPr>
-              <a:t>Confidential.</a:t>
-            </a:r>
-            <a:endParaRPr sz="800" dirty="0">
-              <a:latin typeface="Adobe Clean"/>
-              <a:cs typeface="Adobe Clean"/>
-            </a:endParaRPr>
           </a:p>
         </p:txBody>
       </p:sp>
@@ -11889,14 +10329,15 @@
               </a:spcBef>
             </a:pPr>
             <a:r>
-              <a:rPr lang="en-US" sz="1400" b="1" spc="-15" dirty="0">
+              <a:rPr lang="ja-JP" sz="1400" b="1" dirty="0">
                 <a:solidFill>
                   <a:srgbClr val="020302"/>
                 </a:solidFill>
-                <a:latin typeface="Adobe Clean"/>
+                <a:latin typeface="Adobe Clean Han Regular" panose="020B0500000000000000" pitchFamily="34" charset="-128"/>
+                <a:ea typeface="Adobe Clean Han Regular" panose="020B0500000000000000" pitchFamily="34" charset="-128"/>
                 <a:cs typeface="Adobe Clean"/>
               </a:rPr>
-              <a:t>Regional scope of Adobe Support, Local Hours Of Operation And Language Support</a:t>
+              <a:t>アドビサポートの対象地域、現地の営業時間、言語サポート</a:t>
             </a:r>
           </a:p>
           <a:p>
@@ -11906,13 +10347,14 @@
               </a:spcBef>
             </a:pPr>
             <a:r>
-              <a:rPr lang="en-US" sz="1000" spc="-15" dirty="0">
+              <a:rPr lang="ja-JP" sz="1000" dirty="0">
                 <a:solidFill>
                   <a:srgbClr val="1F1F1F"/>
                 </a:solidFill>
-                <a:latin typeface="AdobeClean-Light"/>
+                <a:latin typeface="Adobe Clean Han Regular" panose="020B0500000000000000" pitchFamily="34" charset="-128"/>
+                <a:ea typeface="Adobe Clean Han Regular" panose="020B0500000000000000" pitchFamily="34" charset="-128"/>
               </a:rPr>
-              <a:t>The Regional scope of Adobe Support is established by aligning the customer's billing address (via the Sales Order or other Adobe Support purchasing document) to one of the following regions:</a:t>
+              <a:t>アドビサポートの対象地域と現地営業時間は、以下のとおりです。対象地域は、お客様のセールスオーダーやその他のアドビサポートの購買記録に記載されている請求先の地域に準じます。</a:t>
             </a:r>
           </a:p>
         </p:txBody>
@@ -11932,7 +10374,7 @@
           <p:nvPr>
             <p:extLst>
               <p:ext uri="{D42A27DB-BD31-4B8C-83A1-F6EECF244321}">
-                <p14:modId xmlns:p14="http://schemas.microsoft.com/office/powerpoint/2010/main" val="2846210228"/>
+                <p14:modId xmlns:p14="http://schemas.microsoft.com/office/powerpoint/2010/main" val="3930039813"/>
               </p:ext>
             </p:extLst>
           </p:nvPr>
@@ -11985,13 +10427,14 @@
                     <a:p>
                       <a:pPr algn="ctr"/>
                       <a:r>
-                        <a:rPr lang="en-US" sz="1100" dirty="0">
+                        <a:rPr lang="ja-JP" sz="1100">
                           <a:solidFill>
                             <a:schemeClr val="tx1"/>
                           </a:solidFill>
-                          <a:latin typeface="Adobe Clean" panose="020B0503020404020204" pitchFamily="34" charset="0"/>
+                          <a:latin typeface="Adobe Clean Han Regular" panose="020B0500000000000000" pitchFamily="34" charset="-128"/>
+                          <a:ea typeface="Adobe Clean Han Regular" panose="020B0500000000000000" pitchFamily="34" charset="-128"/>
                         </a:rPr>
-                        <a:t>Americas</a:t>
+                        <a:t>南北アメリカ</a:t>
                       </a:r>
                     </a:p>
                   </a:txBody>
@@ -12050,13 +10493,14 @@
                     <a:p>
                       <a:pPr algn="ctr"/>
                       <a:r>
-                        <a:rPr lang="en-US" sz="1100" dirty="0">
+                        <a:rPr lang="ja-JP" sz="1100">
                           <a:solidFill>
                             <a:schemeClr val="tx1"/>
                           </a:solidFill>
-                          <a:latin typeface="Adobe Clean" panose="020B0503020404020204" pitchFamily="34" charset="0"/>
+                          <a:latin typeface="Adobe Clean Han Regular" panose="020B0500000000000000" pitchFamily="34" charset="-128"/>
+                          <a:ea typeface="Adobe Clean Han Regular" panose="020B0500000000000000" pitchFamily="34" charset="-128"/>
                         </a:rPr>
-                        <a:t>Europe, Middle East &amp; Africa</a:t>
+                        <a:t>ヨーロッパ、中東、アフリカ</a:t>
                       </a:r>
                     </a:p>
                   </a:txBody>
@@ -12115,13 +10559,14 @@
                     <a:p>
                       <a:pPr algn="ctr"/>
                       <a:r>
-                        <a:rPr lang="en-US" sz="1100" dirty="0">
+                        <a:rPr lang="ja-JP" sz="1100">
                           <a:solidFill>
                             <a:schemeClr val="tx1"/>
                           </a:solidFill>
-                          <a:latin typeface="Adobe Clean" panose="020B0503020404020204" pitchFamily="34" charset="0"/>
+                          <a:latin typeface="Adobe Clean Han Regular" panose="020B0500000000000000" pitchFamily="34" charset="-128"/>
+                          <a:ea typeface="Adobe Clean Han Regular" panose="020B0500000000000000" pitchFamily="34" charset="-128"/>
                         </a:rPr>
-                        <a:t>Asia Pacific</a:t>
+                        <a:t>アジア太平洋</a:t>
                       </a:r>
                     </a:p>
                   </a:txBody>
@@ -12180,29 +10625,25 @@
                     <a:p>
                       <a:pPr algn="ctr"/>
                       <a:r>
-                        <a:rPr lang="en-US" sz="1100" dirty="0">
+                        <a:rPr lang="ja-JP" sz="1100">
                           <a:solidFill>
                             <a:schemeClr val="tx1"/>
                           </a:solidFill>
-                          <a:latin typeface="Adobe Clean"/>
+                          <a:latin typeface="Adobe Clean Han Regular" panose="020B0500000000000000" pitchFamily="34" charset="-128"/>
+                          <a:ea typeface="Adobe Clean Han Regular" panose="020B0500000000000000" pitchFamily="34" charset="-128"/>
                         </a:rPr>
-                        <a:t>Japan </a:t>
+                        <a:t>日本 </a:t>
                       </a:r>
                       <a:r>
-                        <a:rPr lang="en-US" sz="1100" baseline="30000" dirty="0">
+                        <a:rPr lang="ja-JP" sz="1100" baseline="30000">
                           <a:solidFill>
                             <a:schemeClr val="tx1"/>
                           </a:solidFill>
-                          <a:latin typeface="Adobe Clean"/>
+                          <a:latin typeface="Adobe Clean Han Regular" panose="020B0500000000000000" pitchFamily="34" charset="-128"/>
+                          <a:ea typeface="Adobe Clean Han Regular" panose="020B0500000000000000" pitchFamily="34" charset="-128"/>
                         </a:rPr>
                         <a:t>1 </a:t>
                       </a:r>
-                      <a:endParaRPr lang="en-US" sz="1100" dirty="0">
-                        <a:solidFill>
-                          <a:schemeClr val="tx1"/>
-                        </a:solidFill>
-                        <a:latin typeface="Adobe Clean" panose="020B0503020404020204" pitchFamily="34" charset="0"/>
-                      </a:endParaRPr>
                     </a:p>
                   </a:txBody>
                   <a:tcPr anchor="ctr">
@@ -12267,13 +10708,14 @@
                     <a:p>
                       <a:pPr algn="ctr"/>
                       <a:r>
-                        <a:rPr lang="en-US" sz="1100" dirty="0">
+                        <a:rPr lang="ja-JP" sz="1100">
                           <a:solidFill>
                             <a:schemeClr val="tx1"/>
                           </a:solidFill>
-                          <a:latin typeface="Adobe Clean" panose="020B0503020404020204" pitchFamily="34" charset="0"/>
+                          <a:latin typeface="Adobe Clean Han Regular" panose="020B0500000000000000" pitchFamily="34" charset="-128"/>
+                          <a:ea typeface="Adobe Clean Han Regular" panose="020B0500000000000000" pitchFamily="34" charset="-128"/>
                         </a:rPr>
-                        <a:t>6 am – 5:30 pm</a:t>
+                        <a:t>午前 6:00 ～午後 5:30</a:t>
                       </a:r>
                     </a:p>
                   </a:txBody>
@@ -12332,13 +10774,14 @@
                     <a:p>
                       <a:pPr algn="ctr"/>
                       <a:r>
-                        <a:rPr lang="en-US" sz="1100" dirty="0">
+                        <a:rPr lang="ja-JP" sz="1100" dirty="0">
                           <a:solidFill>
                             <a:schemeClr val="tx1"/>
                           </a:solidFill>
-                          <a:latin typeface="Adobe Clean" panose="020B0503020404020204" pitchFamily="34" charset="0"/>
+                          <a:latin typeface="Adobe Clean Han Regular" panose="020B0500000000000000" pitchFamily="34" charset="-128"/>
+                          <a:ea typeface="Adobe Clean Han Regular" panose="020B0500000000000000" pitchFamily="34" charset="-128"/>
                         </a:rPr>
-                        <a:t>9 am – 5 pm</a:t>
+                        <a:t>午前 9:00 ～午後 5:00</a:t>
                       </a:r>
                     </a:p>
                   </a:txBody>
@@ -12397,13 +10840,14 @@
                     <a:p>
                       <a:pPr algn="ctr"/>
                       <a:r>
-                        <a:rPr lang="en-US" sz="1100" dirty="0">
+                        <a:rPr lang="ja-JP" sz="1100">
                           <a:solidFill>
                             <a:schemeClr val="tx1"/>
                           </a:solidFill>
-                          <a:latin typeface="Adobe Clean" panose="020B0503020404020204" pitchFamily="34" charset="0"/>
+                          <a:latin typeface="Adobe Clean Han Regular" panose="020B0500000000000000" pitchFamily="34" charset="-128"/>
+                          <a:ea typeface="Adobe Clean Han Regular" panose="020B0500000000000000" pitchFamily="34" charset="-128"/>
                         </a:rPr>
-                        <a:t>9 am – 5 pm</a:t>
+                        <a:t>午前 9:00 ～午後 5:00</a:t>
                       </a:r>
                     </a:p>
                   </a:txBody>
@@ -12462,13 +10906,14 @@
                     <a:p>
                       <a:pPr algn="ctr"/>
                       <a:r>
-                        <a:rPr lang="en-US" sz="1100" dirty="0">
+                        <a:rPr lang="ja-JP" sz="1100">
                           <a:solidFill>
                             <a:schemeClr val="tx1"/>
                           </a:solidFill>
-                          <a:latin typeface="Adobe Clean" panose="020B0503020404020204" pitchFamily="34" charset="0"/>
+                          <a:latin typeface="Adobe Clean Han Regular" panose="020B0500000000000000" pitchFamily="34" charset="-128"/>
+                          <a:ea typeface="Adobe Clean Han Regular" panose="020B0500000000000000" pitchFamily="34" charset="-128"/>
                         </a:rPr>
-                        <a:t>9 am – 5:30 pm</a:t>
+                        <a:t>午前 9:00 ～午後 5:30</a:t>
                       </a:r>
                     </a:p>
                   </a:txBody>
@@ -12548,20 +10993,15 @@
                         <a:buNone/>
                       </a:pPr>
                       <a:r>
-                        <a:rPr lang="en-US" sz="1100" dirty="0">
+                        <a:rPr lang="ja-JP" sz="1100" dirty="0">
                           <a:solidFill>
                             <a:schemeClr val="tx1"/>
                           </a:solidFill>
-                          <a:latin typeface="Adobe Clean"/>
+                          <a:latin typeface="Adobe Clean Han Regular" panose="020B0500000000000000" pitchFamily="34" charset="-128"/>
+                          <a:ea typeface="Adobe Clean Han Regular" panose="020B0500000000000000" pitchFamily="34" charset="-128"/>
                         </a:rPr>
-                        <a:t>Language support is only available in English and Japanese.</a:t>
+                        <a:t>サポートで対応している言語は、英語および日本語のみです。</a:t>
                       </a:r>
-                      <a:endParaRPr lang="en-US" sz="1100" dirty="0">
-                        <a:solidFill>
-                          <a:schemeClr val="tx1"/>
-                        </a:solidFill>
-                        <a:latin typeface="Adobe Clean" panose="020B0503020404020204" pitchFamily="34" charset="0"/>
-                      </a:endParaRPr>
                     </a:p>
                     <a:p>
                       <a:pPr marL="0" marR="0" lvl="0" indent="0" algn="ctr" defTabSz="914400" eaLnBrk="1" fontAlgn="auto" latinLnBrk="0" hangingPunct="1">
@@ -12582,17 +11022,18 @@
                         <a:defRPr/>
                       </a:pPr>
                       <a:r>
-                        <a:rPr lang="en-US" sz="1100" i="1" dirty="0">
+                        <a:rPr lang="ja-JP" sz="1100" i="1" dirty="0">
                           <a:solidFill>
                             <a:schemeClr val="tx1"/>
                           </a:solidFill>
-                          <a:latin typeface="Adobe Clean"/>
+                          <a:latin typeface="Adobe Clean Han Regular" panose="020B0500000000000000" pitchFamily="34" charset="-128"/>
+                          <a:ea typeface="Adobe Clean Han Regular" panose="020B0500000000000000" pitchFamily="34" charset="-128"/>
                         </a:rPr>
-                        <a:t>*Adobe Commerce excludes Japanese language support.</a:t>
+                        <a:t>*Adobe Commerce のサポートは、日本語に対応していません。</a:t>
                       </a:r>
                     </a:p>
                     <a:p>
-                      <a:pPr algn="ctr"/>
+                      <a:pPr algn="l" rtl="0"/>
                       <a:endParaRPr kumimoji="0" lang="en-US" sz="1100" b="1" i="0" u="none" strike="noStrike" kern="0" cap="none" spc="0" normalizeH="0" baseline="30000" noProof="0" dirty="0">
                         <a:ln>
                           <a:noFill/>
@@ -12603,54 +11044,52 @@
                         <a:effectLst/>
                         <a:uLnTx/>
                         <a:uFillTx/>
-                        <a:latin typeface="Adobe Clean" panose="020B0503020404020204" pitchFamily="34" charset="0"/>
-                        <a:ea typeface="+mn-ea"/>
+                        <a:latin typeface="Adobe Clean Han Regular" panose="020B0500000000000000" pitchFamily="34" charset="-128"/>
+                        <a:ea typeface="Adobe Clean Han Regular" panose="020B0500000000000000" pitchFamily="34" charset="-128"/>
                         <a:cs typeface="+mn-cs"/>
                       </a:endParaRPr>
                     </a:p>
                     <a:p>
                       <a:pPr algn="ctr"/>
                       <a:r>
-                        <a:rPr lang="en-US" sz="1100" i="0" dirty="0">
+                        <a:rPr lang="ja-JP" sz="1100" i="0" dirty="0">
                           <a:solidFill>
                             <a:schemeClr val="tx1"/>
                           </a:solidFill>
-                          <a:latin typeface="Adobe Clean"/>
+                          <a:latin typeface="Adobe Clean Han Regular" panose="020B0500000000000000" pitchFamily="34" charset="-128"/>
+                          <a:ea typeface="Adobe Clean Han Regular" panose="020B0500000000000000" pitchFamily="34" charset="-128"/>
                         </a:rPr>
                         <a:t> </a:t>
                       </a:r>
                       <a:r>
-                        <a:rPr lang="en-US" sz="1100" i="0" baseline="30000" dirty="0">
+                        <a:rPr lang="ja-JP" sz="1100" i="0" baseline="30000" dirty="0">
                           <a:solidFill>
                             <a:schemeClr val="tx1"/>
                           </a:solidFill>
-                          <a:latin typeface="Adobe Clean"/>
+                          <a:latin typeface="Adobe Clean Han Regular" panose="020B0500000000000000" pitchFamily="34" charset="-128"/>
+                          <a:ea typeface="Adobe Clean Han Regular" panose="020B0500000000000000" pitchFamily="34" charset="-128"/>
                         </a:rPr>
                         <a:t>1 </a:t>
                       </a:r>
                       <a:r>
-                        <a:rPr lang="en-US" sz="1100" i="0" dirty="0">
+                        <a:rPr lang="ja-JP" sz="1100" i="0" dirty="0">
                           <a:solidFill>
                             <a:schemeClr val="tx1"/>
                           </a:solidFill>
-                          <a:latin typeface="Adobe Clean"/>
+                          <a:latin typeface="Adobe Clean Han Regular" panose="020B0500000000000000" pitchFamily="34" charset="-128"/>
+                          <a:ea typeface="Adobe Clean Han Regular" panose="020B0500000000000000" pitchFamily="34" charset="-128"/>
                         </a:rPr>
-                        <a:t>P2, P3, P4 cases are limited to business hours only in Japan.</a:t>
+                        <a:t>P2、P3、P4 の場合は、営業時間内のみの対応です。</a:t>
                       </a:r>
-                      <a:endParaRPr lang="en-US" sz="1100" b="1" i="0" dirty="0">
-                        <a:solidFill>
-                          <a:schemeClr val="tx1"/>
-                        </a:solidFill>
-                        <a:latin typeface="Adobe Clean"/>
-                      </a:endParaRPr>
-                    </a:p>
-                    <a:p>
-                      <a:pPr algn="ctr"/>
+                    </a:p>
+                    <a:p>
+                      <a:pPr algn="l" rtl="0"/>
                       <a:endParaRPr lang="en-US" sz="1100" dirty="0">
                         <a:solidFill>
                           <a:schemeClr val="tx1"/>
                         </a:solidFill>
-                        <a:latin typeface="Adobe Clean" panose="020B0503020404020204" pitchFamily="34" charset="0"/>
+                        <a:latin typeface="Adobe Clean Han Regular" panose="020B0500000000000000" pitchFamily="34" charset="-128"/>
+                        <a:ea typeface="Adobe Clean Han Regular" panose="020B0500000000000000" pitchFamily="34" charset="-128"/>
                       </a:endParaRPr>
                     </a:p>
                   </a:txBody>
@@ -12947,7 +11386,10 @@
           <a:bodyPr wrap="square" lIns="0" tIns="0" rIns="0" bIns="0" rtlCol="0"/>
           <a:lstStyle/>
           <a:p>
-            <a:endParaRPr/>
+            <a:endParaRPr>
+              <a:latin typeface="Adobe Clean Han Regular" panose="020B0500000000000000" pitchFamily="34" charset="-128"/>
+              <a:ea typeface="Adobe Clean Han Regular" panose="020B0500000000000000" pitchFamily="34" charset="-128"/>
+            </a:endParaRPr>
           </a:p>
         </p:txBody>
       </p:sp>
@@ -13006,7 +11448,7 @@
           </a:bodyPr>
           <a:lstStyle/>
           <a:p>
-            <a:pPr marL="139065" marR="5080" indent="-139065">
+            <a:pPr marR="5080" algn="ctr">
               <a:lnSpc>
                 <a:spcPts val="1390"/>
               </a:lnSpc>
@@ -13015,129 +11457,37 @@
               </a:spcBef>
             </a:pPr>
             <a:r>
-              <a:rPr sz="1200" b="1" spc="-15" dirty="0">
+              <a:rPr lang="ja-JP" sz="1200" b="1" dirty="0">
                 <a:solidFill>
                   <a:srgbClr val="FFFFFF"/>
                 </a:solidFill>
-                <a:latin typeface="Adobe Clean"/>
+                <a:latin typeface="Adobe Clean Han Regular" panose="020B0500000000000000" pitchFamily="34" charset="-128"/>
+                <a:ea typeface="Adobe Clean Han Regular" panose="020B0500000000000000" pitchFamily="34" charset="-128"/>
                 <a:cs typeface="Adobe Clean"/>
               </a:rPr>
-              <a:t>U</a:t>
+              <a:t>卓越した</a:t>
             </a:r>
-            <a:r>
-              <a:rPr sz="1200" b="1" spc="-20" dirty="0">
+            <a:br>
+              <a:rPr lang="ja-JP" sz="1200" b="1" dirty="0">
                 <a:solidFill>
                   <a:srgbClr val="FFFFFF"/>
                 </a:solidFill>
-                <a:latin typeface="Adobe Clean"/>
+                <a:latin typeface="Adobe Clean Han Regular" panose="020B0500000000000000" pitchFamily="34" charset="-128"/>
+                <a:ea typeface="Adobe Clean Han Regular" panose="020B0500000000000000" pitchFamily="34" charset="-128"/>
                 <a:cs typeface="Adobe Clean"/>
               </a:rPr>
-              <a:t>n</a:t>
-            </a:r>
+            </a:br>
             <a:r>
-              <a:rPr sz="1200" b="1" spc="-25" dirty="0">
+              <a:rPr lang="ja-JP" sz="1200" b="1" dirty="0">
                 <a:solidFill>
                   <a:srgbClr val="FFFFFF"/>
                 </a:solidFill>
-                <a:latin typeface="Adobe Clean"/>
+                <a:latin typeface="Adobe Clean Han Regular" panose="020B0500000000000000" pitchFamily="34" charset="-128"/>
+                <a:ea typeface="Adobe Clean Han Regular" panose="020B0500000000000000" pitchFamily="34" charset="-128"/>
                 <a:cs typeface="Adobe Clean"/>
               </a:rPr>
-              <a:t>p</a:t>
+              <a:t>専門知識</a:t>
             </a:r>
-            <a:r>
-              <a:rPr sz="1200" b="1" spc="-15" dirty="0">
-                <a:solidFill>
-                  <a:srgbClr val="FFFFFF"/>
-                </a:solidFill>
-                <a:latin typeface="Adobe Clean"/>
-                <a:cs typeface="Adobe Clean"/>
-              </a:rPr>
-              <a:t>a</a:t>
-            </a:r>
-            <a:r>
-              <a:rPr sz="1200" b="1" spc="-25" dirty="0">
-                <a:solidFill>
-                  <a:srgbClr val="FFFFFF"/>
-                </a:solidFill>
-                <a:latin typeface="Adobe Clean"/>
-                <a:cs typeface="Adobe Clean"/>
-              </a:rPr>
-              <a:t>r</a:t>
-            </a:r>
-            <a:r>
-              <a:rPr sz="1200" b="1" spc="-15" dirty="0">
-                <a:solidFill>
-                  <a:srgbClr val="FFFFFF"/>
-                </a:solidFill>
-                <a:latin typeface="Adobe Clean"/>
-                <a:cs typeface="Adobe Clean"/>
-              </a:rPr>
-              <a:t>a</a:t>
-            </a:r>
-            <a:r>
-              <a:rPr sz="1200" b="1" spc="-30" dirty="0">
-                <a:solidFill>
-                  <a:srgbClr val="FFFFFF"/>
-                </a:solidFill>
-                <a:latin typeface="Adobe Clean"/>
-                <a:cs typeface="Adobe Clean"/>
-              </a:rPr>
-              <a:t>ll</a:t>
-            </a:r>
-            <a:r>
-              <a:rPr sz="1200" b="1" spc="-25" dirty="0">
-                <a:solidFill>
-                  <a:srgbClr val="FFFFFF"/>
-                </a:solidFill>
-                <a:latin typeface="Adobe Clean"/>
-                <a:cs typeface="Adobe Clean"/>
-              </a:rPr>
-              <a:t>e</a:t>
-            </a:r>
-            <a:r>
-              <a:rPr sz="1200" b="1" spc="-30" dirty="0">
-                <a:solidFill>
-                  <a:srgbClr val="FFFFFF"/>
-                </a:solidFill>
-                <a:latin typeface="Adobe Clean"/>
-                <a:cs typeface="Adobe Clean"/>
-              </a:rPr>
-              <a:t>l</a:t>
-            </a:r>
-            <a:r>
-              <a:rPr sz="1200" b="1" spc="-25" dirty="0">
-                <a:solidFill>
-                  <a:srgbClr val="FFFFFF"/>
-                </a:solidFill>
-                <a:latin typeface="Adobe Clean"/>
-                <a:cs typeface="Adobe Clean"/>
-              </a:rPr>
-              <a:t>e</a:t>
-            </a:r>
-            <a:r>
-              <a:rPr sz="1200" b="1" dirty="0">
-                <a:solidFill>
-                  <a:srgbClr val="FFFFFF"/>
-                </a:solidFill>
-                <a:latin typeface="Adobe Clean"/>
-                <a:cs typeface="Adobe Clean"/>
-              </a:rPr>
-              <a:t>d  </a:t>
-            </a:r>
-            <a:r>
-              <a:rPr sz="1200" b="1" spc="-25" dirty="0">
-                <a:solidFill>
-                  <a:srgbClr val="FFFFFF"/>
-                </a:solidFill>
-                <a:latin typeface="Adobe Clean"/>
-                <a:cs typeface="Adobe Clean"/>
-              </a:rPr>
-              <a:t>Expertise</a:t>
-            </a:r>
-            <a:endParaRPr sz="1200" dirty="0">
-              <a:latin typeface="Adobe Clean"/>
-              <a:cs typeface="Adobe Clean"/>
-            </a:endParaRPr>
           </a:p>
         </p:txBody>
       </p:sp>
@@ -13168,7 +11518,7 @@
           </a:bodyPr>
           <a:lstStyle/>
           <a:p>
-            <a:pPr marL="139065" marR="5080" indent="-139065">
+            <a:pPr marR="5080" algn="ctr">
               <a:lnSpc>
                 <a:spcPts val="1390"/>
               </a:lnSpc>
@@ -13177,19 +11527,37 @@
               </a:spcBef>
             </a:pPr>
             <a:r>
-              <a:rPr lang="en-US" sz="1200" b="1" spc="-15" dirty="0">
+              <a:rPr lang="ja-JP" sz="1200" b="1" dirty="0">
                 <a:solidFill>
                   <a:srgbClr val="FFFFFF"/>
                 </a:solidFill>
-                <a:latin typeface="Adobe Clean"/>
+                <a:latin typeface="Adobe Clean Han Regular" panose="020B0500000000000000" pitchFamily="34" charset="-128"/>
+                <a:ea typeface="Adobe Clean Han Regular" panose="020B0500000000000000" pitchFamily="34" charset="-128"/>
                 <a:cs typeface="Adobe Clean"/>
               </a:rPr>
-              <a:t>Accelerated Support</a:t>
+              <a:t>迅速な</a:t>
             </a:r>
-            <a:endParaRPr sz="1200" dirty="0">
-              <a:latin typeface="Adobe Clean"/>
-              <a:cs typeface="Adobe Clean"/>
-            </a:endParaRPr>
+            <a:br>
+              <a:rPr lang="ja-JP" sz="1200" b="1" dirty="0">
+                <a:solidFill>
+                  <a:srgbClr val="FFFFFF"/>
+                </a:solidFill>
+                <a:latin typeface="Adobe Clean Han Regular" panose="020B0500000000000000" pitchFamily="34" charset="-128"/>
+                <a:ea typeface="Adobe Clean Han Regular" panose="020B0500000000000000" pitchFamily="34" charset="-128"/>
+                <a:cs typeface="Adobe Clean"/>
+              </a:rPr>
+            </a:br>
+            <a:r>
+              <a:rPr lang="ja-JP" sz="1200" b="1" dirty="0">
+                <a:solidFill>
+                  <a:srgbClr val="FFFFFF"/>
+                </a:solidFill>
+                <a:latin typeface="Adobe Clean Han Regular" panose="020B0500000000000000" pitchFamily="34" charset="-128"/>
+                <a:ea typeface="Adobe Clean Han Regular" panose="020B0500000000000000" pitchFamily="34" charset="-128"/>
+                <a:cs typeface="Adobe Clean"/>
+              </a:rPr>
+              <a:t>サポート</a:t>
+            </a:r>
           </a:p>
         </p:txBody>
       </p:sp>
@@ -13207,8 +11575,8 @@
         </p:nvSpPr>
         <p:spPr>
           <a:xfrm>
-            <a:off x="6624119" y="8543943"/>
-            <a:ext cx="510540" cy="385445"/>
+            <a:off x="6477000" y="8543943"/>
+            <a:ext cx="810894" cy="382797"/>
           </a:xfrm>
           <a:prstGeom prst="rect">
             <a:avLst/>
@@ -13220,7 +11588,7 @@
           </a:bodyPr>
           <a:lstStyle/>
           <a:p>
-            <a:pPr marL="50800" marR="5080" indent="-51435">
+            <a:pPr marR="5080" algn="ctr">
               <a:lnSpc>
                 <a:spcPts val="1390"/>
               </a:lnSpc>
@@ -13229,109 +11597,37 @@
               </a:spcBef>
             </a:pPr>
             <a:r>
-              <a:rPr sz="1200" b="1" spc="-50" dirty="0">
+              <a:rPr lang="ja-JP" sz="1200" b="1" dirty="0">
                 <a:solidFill>
                   <a:srgbClr val="FFFFFF"/>
                 </a:solidFill>
-                <a:latin typeface="Adobe Clean"/>
+                <a:latin typeface="Adobe Clean Han Regular" panose="020B0500000000000000" pitchFamily="34" charset="-128"/>
+                <a:ea typeface="Adobe Clean Han Regular" panose="020B0500000000000000" pitchFamily="34" charset="-128"/>
                 <a:cs typeface="Adobe Clean"/>
               </a:rPr>
-              <a:t>S</a:t>
+              <a:t>戦略的</a:t>
             </a:r>
-            <a:r>
-              <a:rPr sz="1200" b="1" spc="-20" dirty="0">
+            <a:br>
+              <a:rPr lang="ja-JP" sz="1200" b="1" dirty="0">
                 <a:solidFill>
                   <a:srgbClr val="FFFFFF"/>
                 </a:solidFill>
-                <a:latin typeface="Adobe Clean"/>
+                <a:latin typeface="Adobe Clean Han Regular" panose="020B0500000000000000" pitchFamily="34" charset="-128"/>
+                <a:ea typeface="Adobe Clean Han Regular" panose="020B0500000000000000" pitchFamily="34" charset="-128"/>
                 <a:cs typeface="Adobe Clean"/>
               </a:rPr>
-              <a:t>t</a:t>
-            </a:r>
+            </a:br>
             <a:r>
-              <a:rPr sz="1200" b="1" spc="-75" dirty="0">
+              <a:rPr lang="ja-JP" sz="1200" b="1" dirty="0">
                 <a:solidFill>
                   <a:srgbClr val="FFFFFF"/>
                 </a:solidFill>
-                <a:latin typeface="Adobe Clean"/>
+                <a:latin typeface="Adobe Clean Han Regular" panose="020B0500000000000000" pitchFamily="34" charset="-128"/>
+                <a:ea typeface="Adobe Clean Han Regular" panose="020B0500000000000000" pitchFamily="34" charset="-128"/>
                 <a:cs typeface="Adobe Clean"/>
               </a:rPr>
-              <a:t>r</a:t>
+              <a:t>アドバイス</a:t>
             </a:r>
-            <a:r>
-              <a:rPr sz="1200" b="1" spc="-90" dirty="0">
-                <a:solidFill>
-                  <a:srgbClr val="FFFFFF"/>
-                </a:solidFill>
-                <a:latin typeface="Adobe Clean"/>
-                <a:cs typeface="Adobe Clean"/>
-              </a:rPr>
-              <a:t>a</a:t>
-            </a:r>
-            <a:r>
-              <a:rPr sz="1200" b="1" spc="-55" dirty="0">
-                <a:solidFill>
-                  <a:srgbClr val="FFFFFF"/>
-                </a:solidFill>
-                <a:latin typeface="Adobe Clean"/>
-                <a:cs typeface="Adobe Clean"/>
-              </a:rPr>
-              <a:t>t</a:t>
-            </a:r>
-            <a:r>
-              <a:rPr sz="1200" b="1" spc="-100" dirty="0">
-                <a:solidFill>
-                  <a:srgbClr val="FFFFFF"/>
-                </a:solidFill>
-                <a:latin typeface="Adobe Clean"/>
-                <a:cs typeface="Adobe Clean"/>
-              </a:rPr>
-              <a:t>e</a:t>
-            </a:r>
-            <a:r>
-              <a:rPr sz="1200" b="1" spc="-80" dirty="0">
-                <a:solidFill>
-                  <a:srgbClr val="FFFFFF"/>
-                </a:solidFill>
-                <a:latin typeface="Adobe Clean"/>
-                <a:cs typeface="Adobe Clean"/>
-              </a:rPr>
-              <a:t>g</a:t>
-            </a:r>
-            <a:r>
-              <a:rPr sz="1200" b="1" spc="-35" dirty="0">
-                <a:solidFill>
-                  <a:srgbClr val="FFFFFF"/>
-                </a:solidFill>
-                <a:latin typeface="Adobe Clean"/>
-                <a:cs typeface="Adobe Clean"/>
-              </a:rPr>
-              <a:t>i</a:t>
-            </a:r>
-            <a:r>
-              <a:rPr sz="1200" b="1" dirty="0">
-                <a:solidFill>
-                  <a:srgbClr val="FFFFFF"/>
-                </a:solidFill>
-                <a:latin typeface="Adobe Clean"/>
-                <a:cs typeface="Adobe Clean"/>
-              </a:rPr>
-              <a:t>c  </a:t>
-            </a:r>
-            <a:r>
-              <a:rPr sz="1200" b="1" spc="-45" dirty="0">
-                <a:solidFill>
-                  <a:srgbClr val="FFFFFF"/>
-                </a:solidFill>
-                <a:latin typeface="Adobe Clean"/>
-                <a:cs typeface="Adobe Clean"/>
-              </a:rPr>
-              <a:t>Advice</a:t>
-            </a:r>
-            <a:endParaRPr sz="1200" dirty="0">
-              <a:latin typeface="Adobe Clean"/>
-              <a:cs typeface="Adobe Clean"/>
-            </a:endParaRPr>
           </a:p>
         </p:txBody>
       </p:sp>
@@ -13350,14 +11646,14 @@
           <p:nvPr>
             <p:extLst>
               <p:ext uri="{D42A27DB-BD31-4B8C-83A1-F6EECF244321}">
-                <p14:modId xmlns:p14="http://schemas.microsoft.com/office/powerpoint/2010/main" val="1366573891"/>
+                <p14:modId xmlns:p14="http://schemas.microsoft.com/office/powerpoint/2010/main" val="2300702165"/>
               </p:ext>
             </p:extLst>
           </p:nvPr>
         </p:nvGraphicFramePr>
         <p:xfrm>
           <a:off x="194236" y="1059345"/>
-          <a:ext cx="7368291" cy="2931160"/>
+          <a:ext cx="7368291" cy="3235960"/>
         </p:xfrm>
         <a:graphic>
           <a:graphicData uri="http://schemas.openxmlformats.org/drawingml/2006/table">
@@ -13388,25 +11684,17 @@
                     <a:lstStyle/>
                     <a:p>
                       <a:r>
-                        <a:rPr lang="en-US" sz="1100" b="0" dirty="0">
+                        <a:rPr lang="ja-JP" sz="1100" b="0">
                           <a:solidFill>
                             <a:schemeClr val="tx1"/>
                           </a:solidFill>
-                          <a:latin typeface="Adobe Clean" panose="020B0503020404020204" pitchFamily="34" charset="0"/>
-                          <a:ea typeface="+mn-ea"/>
+                          <a:latin typeface="Adobe Clean Han Regular" panose="020B0500000000000000" pitchFamily="34" charset="-128"/>
+                          <a:ea typeface="Adobe Clean Han Regular" panose="020B0500000000000000" pitchFamily="34" charset="-128"/>
                           <a:cs typeface="+mn-cs"/>
                           <a:hlinkClick r:id="rId7"/>
                         </a:rPr>
                         <a:t>Experience League</a:t>
                       </a:r>
-                      <a:endParaRPr lang="en-US" sz="1100" b="0" dirty="0">
-                        <a:solidFill>
-                          <a:schemeClr val="tx1"/>
-                        </a:solidFill>
-                        <a:latin typeface="Adobe Clean" panose="020B0503020404020204" pitchFamily="34" charset="0"/>
-                        <a:ea typeface="+mn-ea"/>
-                        <a:cs typeface="+mn-cs"/>
-                      </a:endParaRPr>
                     </a:p>
                   </a:txBody>
                   <a:tcPr marL="47625" marR="47625" marT="0" marB="0" anchor="ctr">
@@ -13480,15 +11768,15 @@
                         <a:defRPr/>
                       </a:pPr>
                       <a:r>
-                        <a:rPr lang="en-US" sz="1000" b="0" kern="1200" dirty="0">
+                        <a:rPr lang="ja-JP" sz="1000" b="0">
                           <a:solidFill>
                             <a:srgbClr val="000000"/>
                           </a:solidFill>
-                          <a:latin typeface="Adobe Clean Light" panose="020B0303020404020204" pitchFamily="34" charset="0"/>
-                          <a:ea typeface="+mn-ea"/>
+                          <a:latin typeface="Adobe Clean Han Regular" panose="020B0500000000000000" pitchFamily="34" charset="-128"/>
+                          <a:ea typeface="Adobe Clean Han Regular" panose="020B0500000000000000" pitchFamily="34" charset="-128"/>
                           <a:cs typeface="+mn-cs"/>
                         </a:rPr>
-                        <a:t>Experience League is how Adobe helps businesses achieve the value they expect from their Adobe investment. It’s the unified place where customers can learn, connect, and grow along a personalized path to success that includes self-help tutorials, product documentation, instructor-led training, community and technical support. </a:t>
+                        <a:t>Experience League では、アドビへの投資に対して企業が期待している価値を実現するための支援を行います。セルフサービスのチュートリアル、製品ドキュメント、講師によるトレーニング、コミュニティ、テクニカルサポートなど、パーソナライズされた成功への道筋に沿って、お客様が学習し、繋がり、成長できる、統合された場所です。 </a:t>
                       </a:r>
                     </a:p>
                   </a:txBody>
@@ -13570,39 +11858,28 @@
                         <a:defRPr/>
                       </a:pPr>
                       <a:r>
-                        <a:rPr lang="en-US" sz="1100" dirty="0">
+                        <a:rPr lang="ja-JP" sz="1100" dirty="0">
                           <a:solidFill>
                             <a:schemeClr val="dk1"/>
                           </a:solidFill>
-                          <a:effectLst/>
-                          <a:latin typeface="Adobe Clean" panose="020B0503020404020204" pitchFamily="34" charset="0"/>
-                          <a:ea typeface="+mn-ea"/>
+                          <a:latin typeface="Adobe Clean Han Regular" panose="020B0500000000000000" pitchFamily="34" charset="-128"/>
+                          <a:ea typeface="Adobe Clean Han Regular" panose="020B0500000000000000" pitchFamily="34" charset="-128"/>
                           <a:cs typeface="+mn-cs"/>
                           <a:hlinkClick r:id="rId8"/>
                         </a:rPr>
-                        <a:t>Training</a:t>
+                        <a:t>トレーニング</a:t>
                       </a:r>
                       <a:r>
-                        <a:rPr lang="en-US" sz="1100" dirty="0">
+                        <a:rPr lang="ja-JP" sz="1100" dirty="0">
                           <a:solidFill>
                             <a:schemeClr val="dk1"/>
                           </a:solidFill>
-                          <a:effectLst/>
-                          <a:latin typeface="Adobe Clean" panose="020B0503020404020204" pitchFamily="34" charset="0"/>
-                          <a:ea typeface="+mn-ea"/>
+                          <a:latin typeface="Adobe Clean Han Regular" panose="020B0500000000000000" pitchFamily="34" charset="-128"/>
+                          <a:ea typeface="Adobe Clean Han Regular" panose="020B0500000000000000" pitchFamily="34" charset="-128"/>
                           <a:cs typeface="+mn-cs"/>
                         </a:rPr>
                         <a:t> </a:t>
                       </a:r>
-                      <a:endParaRPr lang="en-US" sz="1100" dirty="0">
-                        <a:solidFill>
-                          <a:schemeClr val="tx1"/>
-                        </a:solidFill>
-                        <a:effectLst/>
-                        <a:latin typeface="Adobe Clean" panose="020B0503020404020204" pitchFamily="34" charset="0"/>
-                        <a:ea typeface="+mn-ea"/>
-                        <a:cs typeface="+mn-cs"/>
-                      </a:endParaRPr>
                     </a:p>
                   </a:txBody>
                   <a:tcPr anchor="ctr">
@@ -13676,15 +11953,15 @@
                         <a:defRPr/>
                       </a:pPr>
                       <a:r>
-                        <a:rPr lang="en-US" sz="1000" kern="1200" dirty="0">
+                        <a:rPr lang="ja-JP" sz="1000">
                           <a:solidFill>
                             <a:srgbClr val="000000"/>
                           </a:solidFill>
-                          <a:latin typeface="Adobe Clean Light" panose="020B0303020404020204" pitchFamily="34" charset="0"/>
-                          <a:ea typeface="+mn-ea"/>
+                          <a:latin typeface="Adobe Clean Han Regular" panose="020B0500000000000000" pitchFamily="34" charset="-128"/>
+                          <a:ea typeface="Adobe Clean Han Regular" panose="020B0500000000000000" pitchFamily="34" charset="-128"/>
                           <a:cs typeface="+mn-cs"/>
                         </a:rPr>
-                        <a:t>Adobe Digital Learning Services courses are accessible from Experience League. Learning courses integrate both on-demand and instructor-led lessons.  Here you can accrue skills that have recognized market value and position them to drive success in your organizations.</a:t>
+                        <a:t>Adobe Digital Learning Services のコースには、Experience League からアクセスできます。ラーニングコースは、オンデマンドレッスンと講師によるレッスンが統合されています。  市場価値が認められたスキルを習得し、組織での成功を促進するために活用できます。</a:t>
                       </a:r>
                     </a:p>
                   </a:txBody>
@@ -13766,27 +12043,17 @@
                         <a:defRPr/>
                       </a:pPr>
                       <a:r>
-                        <a:rPr lang="en-US" sz="1100" dirty="0">
+                        <a:rPr lang="ja-JP" sz="1100">
                           <a:solidFill>
                             <a:schemeClr val="tx1"/>
                           </a:solidFill>
-                          <a:effectLst/>
-                          <a:latin typeface="Adobe Clean" panose="020B0503020404020204" pitchFamily="34" charset="0"/>
-                          <a:ea typeface="+mn-ea"/>
+                          <a:latin typeface="Adobe Clean Han Regular" panose="020B0500000000000000" pitchFamily="34" charset="-128"/>
+                          <a:ea typeface="Adobe Clean Han Regular" panose="020B0500000000000000" pitchFamily="34" charset="-128"/>
                           <a:cs typeface="+mn-cs"/>
                           <a:hlinkClick r:id="rId9"/>
                         </a:rPr>
-                        <a:t>Production Issues &amp; System Outages</a:t>
+                        <a:t>本番環境の問題とシステム障害</a:t>
                       </a:r>
-                      <a:endParaRPr lang="en-US" sz="1100" dirty="0">
-                        <a:solidFill>
-                          <a:schemeClr val="tx1"/>
-                        </a:solidFill>
-                        <a:effectLst/>
-                        <a:latin typeface="Adobe Clean" panose="020B0503020404020204" pitchFamily="34" charset="0"/>
-                        <a:ea typeface="+mn-ea"/>
-                        <a:cs typeface="+mn-cs"/>
-                      </a:endParaRPr>
                     </a:p>
                   </a:txBody>
                   <a:tcPr anchor="ctr">
@@ -13860,15 +12127,15 @@
                         <a:defRPr/>
                       </a:pPr>
                       <a:r>
-                        <a:rPr lang="en-US" sz="1000" kern="1200" dirty="0">
+                        <a:rPr lang="ja-JP" sz="1000" spc="-20" baseline="0" dirty="0">
                           <a:solidFill>
                             <a:srgbClr val="000000"/>
                           </a:solidFill>
-                          <a:latin typeface="Adobe Clean Light" panose="020B0303020404020204" pitchFamily="34" charset="0"/>
-                          <a:ea typeface="+mn-ea"/>
+                          <a:latin typeface="Adobe Clean Han Regular" panose="020B0500000000000000" pitchFamily="34" charset="-128"/>
+                          <a:ea typeface="Adobe Clean Han Regular" panose="020B0500000000000000" pitchFamily="34" charset="-128"/>
                           <a:cs typeface="+mn-cs"/>
                         </a:rPr>
-                        <a:t>Status.adobe.com conveys the health information of all Adobe products and services that are deployed in multi-tenant environments. Customers can choose their subscription preferences to get email notifications whenever Adobe creates, updates or resolves a product event. This can include scheduled maintenance or service issues of varying levels of severity. </a:t>
+                        <a:t>status.adobe.com では、マルチテナント環境にデプロイされたすべてのアドビ製品およびサービスのシステムステータス情報が表示されます。お客様は、アドビが製品イベントを作成、更新、解決した際に電子メール通知を受け取るようサブスクリプション設定を選択できます。イベントには、定期的なメンテナンスや、様々な重大度レベルの問題が含まれています。 </a:t>
                       </a:r>
                     </a:p>
                   </a:txBody>
@@ -13950,27 +12217,17 @@
                         <a:defRPr/>
                       </a:pPr>
                       <a:r>
-                        <a:rPr lang="en-US" sz="1100" dirty="0">
+                        <a:rPr lang="ja-JP" sz="1100">
                           <a:solidFill>
                             <a:schemeClr val="tx1"/>
                           </a:solidFill>
-                          <a:effectLst/>
-                          <a:latin typeface="Adobe Clean" panose="020B0503020404020204" pitchFamily="34" charset="0"/>
-                          <a:ea typeface="+mn-ea"/>
+                          <a:latin typeface="Adobe Clean Han Regular" panose="020B0500000000000000" pitchFamily="34" charset="-128"/>
+                          <a:ea typeface="Adobe Clean Han Regular" panose="020B0500000000000000" pitchFamily="34" charset="-128"/>
                           <a:cs typeface="+mn-cs"/>
                           <a:hlinkClick r:id="rId10"/>
                         </a:rPr>
-                        <a:t>Terms and Conditions</a:t>
+                        <a:t>利用規約</a:t>
                       </a:r>
-                      <a:endParaRPr lang="en-US" sz="1100" dirty="0">
-                        <a:solidFill>
-                          <a:schemeClr val="tx1"/>
-                        </a:solidFill>
-                        <a:effectLst/>
-                        <a:latin typeface="Adobe Clean" panose="020B0503020404020204" pitchFamily="34" charset="0"/>
-                        <a:ea typeface="+mn-ea"/>
-                        <a:cs typeface="+mn-cs"/>
-                      </a:endParaRPr>
                     </a:p>
                   </a:txBody>
                   <a:tcPr anchor="ctr">
@@ -14027,15 +12284,15 @@
                     <a:lstStyle/>
                     <a:p>
                       <a:r>
-                        <a:rPr lang="en-US" sz="1000" kern="1200" dirty="0">
+                        <a:rPr lang="ja-JP" sz="1000" dirty="0">
                           <a:solidFill>
                             <a:srgbClr val="000000"/>
                           </a:solidFill>
-                          <a:latin typeface="Adobe Clean Light" panose="020B0303020404020204" pitchFamily="34" charset="0"/>
-                          <a:ea typeface="+mn-ea"/>
+                          <a:latin typeface="Adobe Clean Han Regular" panose="020B0500000000000000" pitchFamily="34" charset="-128"/>
+                          <a:ea typeface="Adobe Clean Han Regular" panose="020B0500000000000000" pitchFamily="34" charset="-128"/>
                           <a:cs typeface="+mn-cs"/>
                         </a:rPr>
-                        <a:t>Terms and conditions detailing Support Services offerings.</a:t>
+                        <a:t>提供するサポートサービスについて詳しく説明されています。</a:t>
                       </a:r>
                     </a:p>
                   </a:txBody>
@@ -14271,71 +12528,13 @@
     <a:fontScheme name="Office">
       <a:majorFont>
         <a:latin typeface="Calibri"/>
-        <a:ea typeface=""/>
+        <a:ea typeface="MS Mincho"/>
         <a:cs typeface=""/>
-        <a:font script="Jpan" typeface="ＭＳ Ｐゴシック"/>
-        <a:font script="Hang" typeface="맑은 고딕"/>
-        <a:font script="Hans" typeface="宋体"/>
-        <a:font script="Hant" typeface="新細明體"/>
-        <a:font script="Arab" typeface="Times New Roman"/>
-        <a:font script="Hebr" typeface="Times New Roman"/>
-        <a:font script="Thai" typeface="Angsana New"/>
-        <a:font script="Ethi" typeface="Nyala"/>
-        <a:font script="Beng" typeface="Vrinda"/>
-        <a:font script="Gujr" typeface="Shruti"/>
-        <a:font script="Khmr" typeface="MoolBoran"/>
-        <a:font script="Knda" typeface="Tunga"/>
-        <a:font script="Guru" typeface="Raavi"/>
-        <a:font script="Cans" typeface="Euphemia"/>
-        <a:font script="Cher" typeface="Plantagenet Cherokee"/>
-        <a:font script="Yiii" typeface="Microsoft Yi Baiti"/>
-        <a:font script="Tibt" typeface="Microsoft Himalaya"/>
-        <a:font script="Thaa" typeface="MV Boli"/>
-        <a:font script="Deva" typeface="Mangal"/>
-        <a:font script="Telu" typeface="Gautami"/>
-        <a:font script="Taml" typeface="Latha"/>
-        <a:font script="Syrc" typeface="Estrangelo Edessa"/>
-        <a:font script="Orya" typeface="Kalinga"/>
-        <a:font script="Mlym" typeface="Kartika"/>
-        <a:font script="Laoo" typeface="DokChampa"/>
-        <a:font script="Sinh" typeface="Iskoola Pota"/>
-        <a:font script="Mong" typeface="Mongolian Baiti"/>
-        <a:font script="Viet" typeface="Times New Roman"/>
-        <a:font script="Uigh" typeface="Microsoft Uighur"/>
       </a:majorFont>
       <a:minorFont>
         <a:latin typeface="Calibri"/>
-        <a:ea typeface=""/>
+        <a:ea typeface="MS Mincho"/>
         <a:cs typeface=""/>
-        <a:font script="Jpan" typeface="ＭＳ Ｐゴシック"/>
-        <a:font script="Hang" typeface="맑은 고딕"/>
-        <a:font script="Hans" typeface="宋体"/>
-        <a:font script="Hant" typeface="新細明體"/>
-        <a:font script="Arab" typeface="Arial"/>
-        <a:font script="Hebr" typeface="Arial"/>
-        <a:font script="Thai" typeface="Cordia New"/>
-        <a:font script="Ethi" typeface="Nyala"/>
-        <a:font script="Beng" typeface="Vrinda"/>
-        <a:font script="Gujr" typeface="Shruti"/>
-        <a:font script="Khmr" typeface="DaunPenh"/>
-        <a:font script="Knda" typeface="Tunga"/>
-        <a:font script="Guru" typeface="Raavi"/>
-        <a:font script="Cans" typeface="Euphemia"/>
-        <a:font script="Cher" typeface="Plantagenet Cherokee"/>
-        <a:font script="Yiii" typeface="Microsoft Yi Baiti"/>
-        <a:font script="Tibt" typeface="Microsoft Himalaya"/>
-        <a:font script="Thaa" typeface="MV Boli"/>
-        <a:font script="Deva" typeface="Mangal"/>
-        <a:font script="Telu" typeface="Gautami"/>
-        <a:font script="Taml" typeface="Latha"/>
-        <a:font script="Syrc" typeface="Estrangelo Edessa"/>
-        <a:font script="Orya" typeface="Kalinga"/>
-        <a:font script="Mlym" typeface="Kartika"/>
-        <a:font script="Laoo" typeface="DokChampa"/>
-        <a:font script="Sinh" typeface="Iskoola Pota"/>
-        <a:font script="Mong" typeface="Mongolian Baiti"/>
-        <a:font script="Viet" typeface="Arial"/>
-        <a:font script="Uigh" typeface="Microsoft Uighur"/>
       </a:minorFont>
     </a:fontScheme>
     <a:fmtScheme name="Office">
@@ -14554,107 +12753,13 @@
     <a:fontScheme name="Office">
       <a:majorFont>
         <a:latin typeface="Calibri Light" panose="020F0302020204030204"/>
-        <a:ea typeface=""/>
+        <a:ea typeface="MS Mincho"/>
         <a:cs typeface=""/>
-        <a:font script="Jpan" typeface="游ゴシック Light"/>
-        <a:font script="Hang" typeface="맑은 고딕"/>
-        <a:font script="Hans" typeface="等线 Light"/>
-        <a:font script="Hant" typeface="新細明體"/>
-        <a:font script="Arab" typeface="Times New Roman"/>
-        <a:font script="Hebr" typeface="Times New Roman"/>
-        <a:font script="Thai" typeface="Angsana New"/>
-        <a:font script="Ethi" typeface="Nyala"/>
-        <a:font script="Beng" typeface="Vrinda"/>
-        <a:font script="Gujr" typeface="Shruti"/>
-        <a:font script="Khmr" typeface="MoolBoran"/>
-        <a:font script="Knda" typeface="Tunga"/>
-        <a:font script="Guru" typeface="Raavi"/>
-        <a:font script="Cans" typeface="Euphemia"/>
-        <a:font script="Cher" typeface="Plantagenet Cherokee"/>
-        <a:font script="Yiii" typeface="Microsoft Yi Baiti"/>
-        <a:font script="Tibt" typeface="Microsoft Himalaya"/>
-        <a:font script="Thaa" typeface="MV Boli"/>
-        <a:font script="Deva" typeface="Mangal"/>
-        <a:font script="Telu" typeface="Gautami"/>
-        <a:font script="Taml" typeface="Latha"/>
-        <a:font script="Syrc" typeface="Estrangelo Edessa"/>
-        <a:font script="Orya" typeface="Kalinga"/>
-        <a:font script="Mlym" typeface="Kartika"/>
-        <a:font script="Laoo" typeface="DokChampa"/>
-        <a:font script="Sinh" typeface="Iskoola Pota"/>
-        <a:font script="Mong" typeface="Mongolian Baiti"/>
-        <a:font script="Viet" typeface="Times New Roman"/>
-        <a:font script="Uigh" typeface="Microsoft Uighur"/>
-        <a:font script="Geor" typeface="Sylfaen"/>
-        <a:font script="Armn" typeface="Arial"/>
-        <a:font script="Bugi" typeface="Leelawadee UI"/>
-        <a:font script="Bopo" typeface="Microsoft JhengHei"/>
-        <a:font script="Java" typeface="Javanese Text"/>
-        <a:font script="Lisu" typeface="Segoe UI"/>
-        <a:font script="Mymr" typeface="Myanmar Text"/>
-        <a:font script="Nkoo" typeface="Ebrima"/>
-        <a:font script="Olck" typeface="Nirmala UI"/>
-        <a:font script="Osma" typeface="Ebrima"/>
-        <a:font script="Phag" typeface="Phagspa"/>
-        <a:font script="Syrn" typeface="Estrangelo Edessa"/>
-        <a:font script="Syrj" typeface="Estrangelo Edessa"/>
-        <a:font script="Syre" typeface="Estrangelo Edessa"/>
-        <a:font script="Sora" typeface="Nirmala UI"/>
-        <a:font script="Tale" typeface="Microsoft Tai Le"/>
-        <a:font script="Talu" typeface="Microsoft New Tai Lue"/>
-        <a:font script="Tfng" typeface="Ebrima"/>
       </a:majorFont>
       <a:minorFont>
         <a:latin typeface="Calibri" panose="020F0502020204030204"/>
-        <a:ea typeface=""/>
+        <a:ea typeface="MS Mincho"/>
         <a:cs typeface=""/>
-        <a:font script="Jpan" typeface="游ゴシック"/>
-        <a:font script="Hang" typeface="맑은 고딕"/>
-        <a:font script="Hans" typeface="等线"/>
-        <a:font script="Hant" typeface="新細明體"/>
-        <a:font script="Arab" typeface="Arial"/>
-        <a:font script="Hebr" typeface="Arial"/>
-        <a:font script="Thai" typeface="Cordia New"/>
-        <a:font script="Ethi" typeface="Nyala"/>
-        <a:font script="Beng" typeface="Vrinda"/>
-        <a:font script="Gujr" typeface="Shruti"/>
-        <a:font script="Khmr" typeface="DaunPenh"/>
-        <a:font script="Knda" typeface="Tunga"/>
-        <a:font script="Guru" typeface="Raavi"/>
-        <a:font script="Cans" typeface="Euphemia"/>
-        <a:font script="Cher" typeface="Plantagenet Cherokee"/>
-        <a:font script="Yiii" typeface="Microsoft Yi Baiti"/>
-        <a:font script="Tibt" typeface="Microsoft Himalaya"/>
-        <a:font script="Thaa" typeface="MV Boli"/>
-        <a:font script="Deva" typeface="Mangal"/>
-        <a:font script="Telu" typeface="Gautami"/>
-        <a:font script="Taml" typeface="Latha"/>
-        <a:font script="Syrc" typeface="Estrangelo Edessa"/>
-        <a:font script="Orya" typeface="Kalinga"/>
-        <a:font script="Mlym" typeface="Kartika"/>
-        <a:font script="Laoo" typeface="DokChampa"/>
-        <a:font script="Sinh" typeface="Iskoola Pota"/>
-        <a:font script="Mong" typeface="Mongolian Baiti"/>
-        <a:font script="Viet" typeface="Arial"/>
-        <a:font script="Uigh" typeface="Microsoft Uighur"/>
-        <a:font script="Geor" typeface="Sylfaen"/>
-        <a:font script="Armn" typeface="Arial"/>
-        <a:font script="Bugi" typeface="Leelawadee UI"/>
-        <a:font script="Bopo" typeface="Microsoft JhengHei"/>
-        <a:font script="Java" typeface="Javanese Text"/>
-        <a:font script="Lisu" typeface="Segoe UI"/>
-        <a:font script="Mymr" typeface="Myanmar Text"/>
-        <a:font script="Nkoo" typeface="Ebrima"/>
-        <a:font script="Olck" typeface="Nirmala UI"/>
-        <a:font script="Osma" typeface="Ebrima"/>
-        <a:font script="Phag" typeface="Phagspa"/>
-        <a:font script="Syrn" typeface="Estrangelo Edessa"/>
-        <a:font script="Syrj" typeface="Estrangelo Edessa"/>
-        <a:font script="Syre" typeface="Estrangelo Edessa"/>
-        <a:font script="Sora" typeface="Nirmala UI"/>
-        <a:font script="Tale" typeface="Microsoft Tai Le"/>
-        <a:font script="Talu" typeface="Microsoft New Tai Lue"/>
-        <a:font script="Tfng" typeface="Ebrima"/>
       </a:minorFont>
     </a:fontScheme>
     <a:fmtScheme name="Office">
@@ -14806,21 +12911,6 @@
 </file>
 
 <file path=customXml/item1.xml><?xml version="1.0" encoding="utf-8"?>
-<?mso-contentType ?>
-<FormTemplates xmlns="http://schemas.microsoft.com/sharepoint/v3/contenttype/forms">
-  <Display>DocumentLibraryForm</Display>
-  <Edit>DocumentLibraryForm</Edit>
-  <New>DocumentLibraryForm</New>
-</FormTemplates>
-</file>
-
-<file path=customXml/item2.xml><?xml version="1.0" encoding="utf-8"?>
-<p:properties xmlns:p="http://schemas.microsoft.com/office/2006/metadata/properties" xmlns:xsi="http://www.w3.org/2001/XMLSchema-instance" xmlns:pc="http://schemas.microsoft.com/office/infopath/2007/PartnerControls">
-  <documentManagement/>
-</p:properties>
-</file>
-
-<file path=customXml/item3.xml><?xml version="1.0" encoding="utf-8"?>
 <ct:contentTypeSchema xmlns:ct="http://schemas.microsoft.com/office/2006/metadata/contentType" xmlns:ma="http://schemas.microsoft.com/office/2006/metadata/properties/metaAttributes" ct:_="" ma:_="" ma:contentTypeName="Document" ma:contentTypeID="0x010100E783BF6876BCC646A459363AF21A7736" ma:contentTypeVersion="10" ma:contentTypeDescription="Create a new document." ma:contentTypeScope="" ma:versionID="c4ffda7f4f415767600769e454c2ea87">
   <xsd:schema xmlns:xsd="http://www.w3.org/2001/XMLSchema" xmlns:xs="http://www.w3.org/2001/XMLSchema" xmlns:p="http://schemas.microsoft.com/office/2006/metadata/properties" xmlns:ns2="8a053bff-88be-49e4-9a87-e748e18b8b62" xmlns:ns3="6c8368ec-3776-49b5-a5bb-90648cf9530f" targetNamespace="http://schemas.microsoft.com/office/2006/metadata/properties" ma:root="true" ma:fieldsID="df3ec33bccc23e23bce7bc897fad43d1" ns2:_="" ns3:_="">
     <xsd:import namespace="8a053bff-88be-49e4-9a87-e748e18b8b62"/>
@@ -15025,32 +13115,22 @@
 </ct:contentTypeSchema>
 </file>
 
-<file path=customXml/itemProps1.xml><?xml version="1.0" encoding="utf-8"?>
-<ds:datastoreItem xmlns:ds="http://schemas.openxmlformats.org/officeDocument/2006/customXml" ds:itemID="{AC92E7FA-19A2-4675-9C77-2C92D8A268D1}">
-  <ds:schemaRefs>
-    <ds:schemaRef ds:uri="http://schemas.microsoft.com/sharepoint/v3/contenttype/forms"/>
-  </ds:schemaRefs>
-</ds:datastoreItem>
+<file path=customXml/item2.xml><?xml version="1.0" encoding="utf-8"?>
+<p:properties xmlns:p="http://schemas.microsoft.com/office/2006/metadata/properties" xmlns:xsi="http://www.w3.org/2001/XMLSchema-instance" xmlns:pc="http://schemas.microsoft.com/office/infopath/2007/PartnerControls">
+  <documentManagement/>
+</p:properties>
 </file>
 
-<file path=customXml/itemProps2.xml><?xml version="1.0" encoding="utf-8"?>
-<ds:datastoreItem xmlns:ds="http://schemas.openxmlformats.org/officeDocument/2006/customXml" ds:itemID="{8D12BD98-169B-4BEE-86DF-4C9641DF23C4}">
-  <ds:schemaRefs>
-    <ds:schemaRef ds:uri="http://schemas.microsoft.com/office/2006/documentManagement/types"/>
-    <ds:schemaRef ds:uri="http://schemas.microsoft.com/office/2006/metadata/properties"/>
-    <ds:schemaRef ds:uri="http://www.w3.org/XML/1998/namespace"/>
-    <ds:schemaRef ds:uri="http://purl.org/dc/terms/"/>
-    <ds:schemaRef ds:uri="http://purl.org/dc/elements/1.1/"/>
-    <ds:schemaRef ds:uri="http://schemas.microsoft.com/office/infopath/2007/PartnerControls"/>
-    <ds:schemaRef ds:uri="http://schemas.openxmlformats.org/package/2006/metadata/core-properties"/>
-    <ds:schemaRef ds:uri="8a053bff-88be-49e4-9a87-e748e18b8b62"/>
-    <ds:schemaRef ds:uri="6c8368ec-3776-49b5-a5bb-90648cf9530f"/>
-    <ds:schemaRef ds:uri="http://purl.org/dc/dcmitype/"/>
-  </ds:schemaRefs>
-</ds:datastoreItem>
+<file path=customXml/item3.xml><?xml version="1.0" encoding="utf-8"?>
+<?mso-contentType ?>
+<FormTemplates xmlns="http://schemas.microsoft.com/sharepoint/v3/contenttype/forms">
+  <Display>DocumentLibraryForm</Display>
+  <Edit>DocumentLibraryForm</Edit>
+  <New>DocumentLibraryForm</New>
+</FormTemplates>
 </file>
 
-<file path=customXml/itemProps3.xml><?xml version="1.0" encoding="utf-8"?>
+<file path=customXml/itemProps1.xml><?xml version="1.0" encoding="utf-8"?>
 <ds:datastoreItem xmlns:ds="http://schemas.openxmlformats.org/officeDocument/2006/customXml" ds:itemID="{34863498-7BB7-4F09-9F4A-B99E97FDB0EB}">
   <ds:schemaRefs>
     <ds:schemaRef ds:uri="http://schemas.microsoft.com/office/2006/metadata/contentType"/>
@@ -15067,4 +13147,21 @@
     <ds:schemaRef ds:uri="http://schemas.microsoft.com/internal/obd"/>
   </ds:schemaRefs>
 </ds:datastoreItem>
+</file>
+
+<file path=customXml/itemProps2.xml><?xml version="1.0" encoding="utf-8"?>
+<ds:datastoreItem xmlns:ds="http://schemas.openxmlformats.org/officeDocument/2006/customXml" ds:itemID="{8D12BD98-169B-4BEE-86DF-4C9641DF23C4}">
+  <ds:schemaRefs>
+    <ds:schemaRef ds:uri="http://schemas.microsoft.com/office/2006/metadata/properties"/>
+    <ds:schemaRef ds:uri="http://schemas.microsoft.com/office/infopath/2007/PartnerControls"/>
+  </ds:schemaRefs>
+</ds:datastoreItem>
+</file>
+
+<file path=customXml/itemProps3.xml><?xml version="1.0" encoding="utf-8"?>
+<ds:datastoreItem xmlns:ds="http://schemas.openxmlformats.org/officeDocument/2006/customXml" ds:itemID="{AC92E7FA-19A2-4675-9C77-2C92D8A268D1}">
+  <ds:schemaRefs>
+    <ds:schemaRef ds:uri="http://schemas.microsoft.com/sharepoint/v3/contenttype/forms"/>
+  </ds:schemaRefs>
+</ds:datastoreItem>
 </file>
--- a/help/data-sheets/assets/OnlineSupportDatasheet.pptx
+++ b/help/data-sheets/assets/OnlineSupportDatasheet.pptx
@@ -131,13 +131,193 @@
 <file path=ppt/revisionInfo.xml><?xml version="1.0" encoding="utf-8"?>
 <p1510:revInfo xmlns:a="http://schemas.openxmlformats.org/drawingml/2006/main" xmlns:r="http://schemas.openxmlformats.org/officeDocument/2006/relationships" xmlns:p1510="http://schemas.microsoft.com/office/powerpoint/2015/10/main">
   <p1510:revLst>
-    <p1510:client id="{5343DD59-8FB2-7AAD-1875-255EDB54B98D}" v="367" dt="2021-09-22T18:47:16.489"/>
+    <p1510:client id="{096F7488-A26A-D845-83B0-BE2FC48D1AFD}" v="1" dt="2021-10-13T19:37:08.512"/>
   </p1510:revLst>
 </p1510:revInfo>
 </file>
 
 <file path=ppt/changesInfos/changesInfo1.xml><?xml version="1.0" encoding="utf-8"?>
 <pc:chgInfo xmlns:a="http://schemas.openxmlformats.org/drawingml/2006/main" xmlns:r="http://schemas.openxmlformats.org/officeDocument/2006/relationships" xmlns:ac="http://schemas.microsoft.com/office/drawing/2013/main/command" xmlns:pc="http://schemas.microsoft.com/office/powerpoint/2013/main/command">
+  <pc:docChgLst>
+    <pc:chgData name="Lauren Schutte" userId="6e08b2d3-447a-4d66-86be-444d50df187f" providerId="ADAL" clId="{096F7488-A26A-D845-83B0-BE2FC48D1AFD}"/>
+    <pc:docChg chg="modSld">
+      <pc:chgData name="Lauren Schutte" userId="6e08b2d3-447a-4d66-86be-444d50df187f" providerId="ADAL" clId="{096F7488-A26A-D845-83B0-BE2FC48D1AFD}" dt="2021-10-13T19:38:26.139" v="4" actId="20577"/>
+      <pc:docMkLst>
+        <pc:docMk/>
+      </pc:docMkLst>
+      <pc:sldChg chg="modSp mod">
+        <pc:chgData name="Lauren Schutte" userId="6e08b2d3-447a-4d66-86be-444d50df187f" providerId="ADAL" clId="{096F7488-A26A-D845-83B0-BE2FC48D1AFD}" dt="2021-10-13T19:37:16.686" v="2" actId="242"/>
+        <pc:sldMkLst>
+          <pc:docMk/>
+          <pc:sldMk cId="0" sldId="256"/>
+        </pc:sldMkLst>
+        <pc:graphicFrameChg chg="mod modGraphic">
+          <ac:chgData name="Lauren Schutte" userId="6e08b2d3-447a-4d66-86be-444d50df187f" providerId="ADAL" clId="{096F7488-A26A-D845-83B0-BE2FC48D1AFD}" dt="2021-10-13T19:37:16.686" v="2" actId="242"/>
+          <ac:graphicFrameMkLst>
+            <pc:docMk/>
+            <pc:sldMk cId="0" sldId="256"/>
+            <ac:graphicFrameMk id="9" creationId="{00000000-0000-0000-0000-000000000000}"/>
+          </ac:graphicFrameMkLst>
+        </pc:graphicFrameChg>
+      </pc:sldChg>
+      <pc:sldChg chg="modSp mod">
+        <pc:chgData name="Lauren Schutte" userId="6e08b2d3-447a-4d66-86be-444d50df187f" providerId="ADAL" clId="{096F7488-A26A-D845-83B0-BE2FC48D1AFD}" dt="2021-10-13T19:38:11.810" v="3" actId="20577"/>
+        <pc:sldMkLst>
+          <pc:docMk/>
+          <pc:sldMk cId="0" sldId="257"/>
+        </pc:sldMkLst>
+        <pc:spChg chg="mod">
+          <ac:chgData name="Lauren Schutte" userId="6e08b2d3-447a-4d66-86be-444d50df187f" providerId="ADAL" clId="{096F7488-A26A-D845-83B0-BE2FC48D1AFD}" dt="2021-10-13T19:38:11.810" v="3" actId="20577"/>
+          <ac:spMkLst>
+            <pc:docMk/>
+            <pc:sldMk cId="0" sldId="257"/>
+            <ac:spMk id="39" creationId="{00000000-0000-0000-0000-000000000000}"/>
+          </ac:spMkLst>
+        </pc:spChg>
+      </pc:sldChg>
+      <pc:sldChg chg="modSp mod">
+        <pc:chgData name="Lauren Schutte" userId="6e08b2d3-447a-4d66-86be-444d50df187f" providerId="ADAL" clId="{096F7488-A26A-D845-83B0-BE2FC48D1AFD}" dt="2021-10-13T19:38:26.139" v="4" actId="20577"/>
+        <pc:sldMkLst>
+          <pc:docMk/>
+          <pc:sldMk cId="799510854" sldId="260"/>
+        </pc:sldMkLst>
+        <pc:graphicFrameChg chg="modGraphic">
+          <ac:chgData name="Lauren Schutte" userId="6e08b2d3-447a-4d66-86be-444d50df187f" providerId="ADAL" clId="{096F7488-A26A-D845-83B0-BE2FC48D1AFD}" dt="2021-10-13T19:38:26.139" v="4" actId="20577"/>
+          <ac:graphicFrameMkLst>
+            <pc:docMk/>
+            <pc:sldMk cId="799510854" sldId="260"/>
+            <ac:graphicFrameMk id="111" creationId="{D8653CEC-4213-DE40-9BAF-D1E3318FF89C}"/>
+          </ac:graphicFrameMkLst>
+        </pc:graphicFrameChg>
+      </pc:sldChg>
+    </pc:docChg>
+  </pc:docChgLst>
+  <pc:docChgLst>
+    <pc:chgData name="Akilah Johnson" userId="S::akjohnso@adobe.com::2fa3aa60-0c9c-4d06-bae2-795983241227" providerId="AD" clId="Web-{57A486D7-8267-4044-450E-B1D42691F1A4}"/>
+    <pc:docChg chg="modSld">
+      <pc:chgData name="Akilah Johnson" userId="S::akjohnso@adobe.com::2fa3aa60-0c9c-4d06-bae2-795983241227" providerId="AD" clId="Web-{57A486D7-8267-4044-450E-B1D42691F1A4}" dt="2021-10-12T15:47:55.091" v="2" actId="20577"/>
+      <pc:docMkLst>
+        <pc:docMk/>
+      </pc:docMkLst>
+      <pc:sldChg chg="modSp">
+        <pc:chgData name="Akilah Johnson" userId="S::akjohnso@adobe.com::2fa3aa60-0c9c-4d06-bae2-795983241227" providerId="AD" clId="Web-{57A486D7-8267-4044-450E-B1D42691F1A4}" dt="2021-10-12T15:47:55.091" v="2" actId="20577"/>
+        <pc:sldMkLst>
+          <pc:docMk/>
+          <pc:sldMk cId="0" sldId="256"/>
+        </pc:sldMkLst>
+        <pc:spChg chg="mod">
+          <ac:chgData name="Akilah Johnson" userId="S::akjohnso@adobe.com::2fa3aa60-0c9c-4d06-bae2-795983241227" providerId="AD" clId="Web-{57A486D7-8267-4044-450E-B1D42691F1A4}" dt="2021-10-12T15:47:55.091" v="2" actId="20577"/>
+          <ac:spMkLst>
+            <pc:docMk/>
+            <pc:sldMk cId="0" sldId="256"/>
+            <ac:spMk id="5" creationId="{00000000-0000-0000-0000-000000000000}"/>
+          </ac:spMkLst>
+        </pc:spChg>
+      </pc:sldChg>
+    </pc:docChg>
+  </pc:docChgLst>
+  <pc:docChgLst>
+    <pc:chgData name="Akilah Johnson" userId="S::akjohnso@adobe.com::2fa3aa60-0c9c-4d06-bae2-795983241227" providerId="AD" clId="Web-{CF46E89E-48FC-BA32-13C5-654DDA452FDC}"/>
+    <pc:docChg chg="modSld">
+      <pc:chgData name="Akilah Johnson" userId="S::akjohnso@adobe.com::2fa3aa60-0c9c-4d06-bae2-795983241227" providerId="AD" clId="Web-{CF46E89E-48FC-BA32-13C5-654DDA452FDC}" dt="2021-10-12T17:00:50.675" v="21" actId="20577"/>
+      <pc:docMkLst>
+        <pc:docMk/>
+      </pc:docMkLst>
+      <pc:sldChg chg="modSp">
+        <pc:chgData name="Akilah Johnson" userId="S::akjohnso@adobe.com::2fa3aa60-0c9c-4d06-bae2-795983241227" providerId="AD" clId="Web-{CF46E89E-48FC-BA32-13C5-654DDA452FDC}" dt="2021-10-12T16:58:10.550" v="6" actId="20577"/>
+        <pc:sldMkLst>
+          <pc:docMk/>
+          <pc:sldMk cId="0" sldId="256"/>
+        </pc:sldMkLst>
+        <pc:spChg chg="mod">
+          <ac:chgData name="Akilah Johnson" userId="S::akjohnso@adobe.com::2fa3aa60-0c9c-4d06-bae2-795983241227" providerId="AD" clId="Web-{CF46E89E-48FC-BA32-13C5-654DDA452FDC}" dt="2021-10-12T16:58:10.550" v="6" actId="20577"/>
+          <ac:spMkLst>
+            <pc:docMk/>
+            <pc:sldMk cId="0" sldId="256"/>
+            <ac:spMk id="2" creationId="{00000000-0000-0000-0000-000000000000}"/>
+          </ac:spMkLst>
+        </pc:spChg>
+        <pc:graphicFrameChg chg="mod modGraphic">
+          <ac:chgData name="Akilah Johnson" userId="S::akjohnso@adobe.com::2fa3aa60-0c9c-4d06-bae2-795983241227" providerId="AD" clId="Web-{CF46E89E-48FC-BA32-13C5-654DDA452FDC}" dt="2021-10-12T16:57:07.113" v="1"/>
+          <ac:graphicFrameMkLst>
+            <pc:docMk/>
+            <pc:sldMk cId="0" sldId="256"/>
+            <ac:graphicFrameMk id="8" creationId="{00000000-0000-0000-0000-000000000000}"/>
+          </ac:graphicFrameMkLst>
+        </pc:graphicFrameChg>
+      </pc:sldChg>
+      <pc:sldChg chg="modSp">
+        <pc:chgData name="Akilah Johnson" userId="S::akjohnso@adobe.com::2fa3aa60-0c9c-4d06-bae2-795983241227" providerId="AD" clId="Web-{CF46E89E-48FC-BA32-13C5-654DDA452FDC}" dt="2021-10-12T16:59:59.628" v="14" actId="20577"/>
+        <pc:sldMkLst>
+          <pc:docMk/>
+          <pc:sldMk cId="0" sldId="257"/>
+        </pc:sldMkLst>
+        <pc:spChg chg="mod">
+          <ac:chgData name="Akilah Johnson" userId="S::akjohnso@adobe.com::2fa3aa60-0c9c-4d06-bae2-795983241227" providerId="AD" clId="Web-{CF46E89E-48FC-BA32-13C5-654DDA452FDC}" dt="2021-10-12T16:59:21.300" v="12" actId="20577"/>
+          <ac:spMkLst>
+            <pc:docMk/>
+            <pc:sldMk cId="0" sldId="257"/>
+            <ac:spMk id="39" creationId="{00000000-0000-0000-0000-000000000000}"/>
+          </ac:spMkLst>
+        </pc:spChg>
+        <pc:spChg chg="mod">
+          <ac:chgData name="Akilah Johnson" userId="S::akjohnso@adobe.com::2fa3aa60-0c9c-4d06-bae2-795983241227" providerId="AD" clId="Web-{CF46E89E-48FC-BA32-13C5-654DDA452FDC}" dt="2021-10-12T16:59:59.628" v="14" actId="20577"/>
+          <ac:spMkLst>
+            <pc:docMk/>
+            <pc:sldMk cId="0" sldId="257"/>
+            <ac:spMk id="46" creationId="{00000000-0000-0000-0000-000000000000}"/>
+          </ac:spMkLst>
+        </pc:spChg>
+      </pc:sldChg>
+      <pc:sldChg chg="modSp">
+        <pc:chgData name="Akilah Johnson" userId="S::akjohnso@adobe.com::2fa3aa60-0c9c-4d06-bae2-795983241227" providerId="AD" clId="Web-{CF46E89E-48FC-BA32-13C5-654DDA452FDC}" dt="2021-10-12T17:00:50.675" v="21" actId="20577"/>
+        <pc:sldMkLst>
+          <pc:docMk/>
+          <pc:sldMk cId="799510854" sldId="260"/>
+        </pc:sldMkLst>
+        <pc:spChg chg="mod">
+          <ac:chgData name="Akilah Johnson" userId="S::akjohnso@adobe.com::2fa3aa60-0c9c-4d06-bae2-795983241227" providerId="AD" clId="Web-{CF46E89E-48FC-BA32-13C5-654DDA452FDC}" dt="2021-10-12T17:00:50.675" v="21" actId="20577"/>
+          <ac:spMkLst>
+            <pc:docMk/>
+            <pc:sldMk cId="799510854" sldId="260"/>
+            <ac:spMk id="24" creationId="{00000000-0000-0000-0000-000000000000}"/>
+          </ac:spMkLst>
+        </pc:spChg>
+        <pc:spChg chg="mod">
+          <ac:chgData name="Akilah Johnson" userId="S::akjohnso@adobe.com::2fa3aa60-0c9c-4d06-bae2-795983241227" providerId="AD" clId="Web-{CF46E89E-48FC-BA32-13C5-654DDA452FDC}" dt="2021-10-12T17:00:45.784" v="19" actId="20577"/>
+          <ac:spMkLst>
+            <pc:docMk/>
+            <pc:sldMk cId="799510854" sldId="260"/>
+            <ac:spMk id="56" creationId="{00000000-0000-0000-0000-000000000000}"/>
+          </ac:spMkLst>
+        </pc:spChg>
+      </pc:sldChg>
+    </pc:docChg>
+  </pc:docChgLst>
+  <pc:docChgLst>
+    <pc:chgData name="Akilah Johnson" userId="S::akjohnso@adobe.com::2fa3aa60-0c9c-4d06-bae2-795983241227" providerId="AD" clId="Web-{19E88417-C612-7196-8214-73025F75FA84}"/>
+    <pc:docChg chg="modSld">
+      <pc:chgData name="Akilah Johnson" userId="S::akjohnso@adobe.com::2fa3aa60-0c9c-4d06-bae2-795983241227" providerId="AD" clId="Web-{19E88417-C612-7196-8214-73025F75FA84}" dt="2021-10-12T19:15:42.562" v="5" actId="20577"/>
+      <pc:docMkLst>
+        <pc:docMk/>
+      </pc:docMkLst>
+      <pc:sldChg chg="modSp">
+        <pc:chgData name="Akilah Johnson" userId="S::akjohnso@adobe.com::2fa3aa60-0c9c-4d06-bae2-795983241227" providerId="AD" clId="Web-{19E88417-C612-7196-8214-73025F75FA84}" dt="2021-10-12T19:15:42.562" v="5" actId="20577"/>
+        <pc:sldMkLst>
+          <pc:docMk/>
+          <pc:sldMk cId="0" sldId="256"/>
+        </pc:sldMkLst>
+        <pc:spChg chg="mod">
+          <ac:chgData name="Akilah Johnson" userId="S::akjohnso@adobe.com::2fa3aa60-0c9c-4d06-bae2-795983241227" providerId="AD" clId="Web-{19E88417-C612-7196-8214-73025F75FA84}" dt="2021-10-12T19:15:42.562" v="5" actId="20577"/>
+          <ac:spMkLst>
+            <pc:docMk/>
+            <pc:sldMk cId="0" sldId="256"/>
+            <ac:spMk id="13" creationId="{7979C0CC-523E-844A-96DC-75FC662E01AB}"/>
+          </ac:spMkLst>
+        </pc:spChg>
+      </pc:sldChg>
+    </pc:docChg>
+  </pc:docChgLst>
   <pc:docChgLst>
     <pc:chgData name="Akilah Johnson" userId="S::akjohnso@adobe.com::2fa3aa60-0c9c-4d06-bae2-795983241227" providerId="AD" clId="Web-{5343DD59-8FB2-7AAD-1875-255EDB54B98D}"/>
     <pc:docChg chg="modSld">
@@ -255,7 +435,7 @@
           <a:p>
             <a:fld id="{A438815C-EDE5-F947-A55F-7634403F36C4}" type="datetimeFigureOut">
               <a:rPr lang="en-US" smtClean="0"/>
-              <a:t>10/1/2021</a:t>
+              <a:t>11/19/2021</a:t>
             </a:fld>
             <a:endParaRPr lang="en-US"/>
           </a:p>
@@ -878,7 +1058,7 @@
           <a:p>
             <a:fld id="{1D8BD707-D9CF-40AE-B4C6-C98DA3205C09}" type="datetimeFigureOut">
               <a:rPr lang="en-US"/>
-              <a:t>10/1/2021</a:t>
+              <a:t>11/19/2021</a:t>
             </a:fld>
             <a:endParaRPr lang="en-US"/>
           </a:p>
@@ -1062,7 +1242,7 @@
           <a:p>
             <a:fld id="{1D8BD707-D9CF-40AE-B4C6-C98DA3205C09}" type="datetimeFigureOut">
               <a:rPr lang="en-US"/>
-              <a:t>10/1/2021</a:t>
+              <a:t>11/19/2021</a:t>
             </a:fld>
             <a:endParaRPr lang="en-US"/>
           </a:p>
@@ -1364,7 +1544,7 @@
           <a:p>
             <a:fld id="{1D8BD707-D9CF-40AE-B4C6-C98DA3205C09}" type="datetimeFigureOut">
               <a:rPr lang="en-US"/>
-              <a:t>10/1/2021</a:t>
+              <a:t>11/19/2021</a:t>
             </a:fld>
             <a:endParaRPr lang="en-US"/>
           </a:p>
@@ -1619,28 +1799,25 @@
         <p:spPr>
           <a:xfrm>
             <a:off x="95250" y="7228840"/>
-            <a:ext cx="4248150" cy="227626"/>
+            <a:ext cx="4552950" cy="227626"/>
           </a:xfrm>
           <a:prstGeom prst="rect">
             <a:avLst/>
           </a:prstGeom>
         </p:spPr>
         <p:txBody>
-          <a:bodyPr vert="horz" wrap="square" lIns="0" tIns="12065" rIns="0" bIns="0" rtlCol="0">
+          <a:bodyPr vert="horz" wrap="square" lIns="0" tIns="12065" rIns="0" bIns="0" rtlCol="0" anchor="t">
             <a:spAutoFit/>
           </a:bodyPr>
           <a:lstStyle/>
           <a:p>
             <a:pPr marL="12700">
-              <a:lnSpc>
-                <a:spcPct val="100000"/>
-              </a:lnSpc>
               <a:spcBef>
                 <a:spcPts val="95"/>
               </a:spcBef>
             </a:pPr>
             <a:r>
-              <a:rPr lang="ja-JP" sz="1400" b="1" u="heavy">
+              <a:rPr lang="ja-JP" sz="1400" b="1" u="heavy" dirty="0">
                 <a:solidFill>
                   <a:srgbClr val="020302"/>
                 </a:solidFill>
@@ -1683,10 +1860,7 @@
           <a:bodyPr wrap="square" lIns="0" tIns="0" rIns="0" bIns="0" rtlCol="0"/>
           <a:lstStyle/>
           <a:p>
-            <a:endParaRPr>
-              <a:latin typeface="Adobe Clean Han Regular" panose="020B0500000000000000" pitchFamily="34" charset="-128"/>
-              <a:ea typeface="Adobe Clean Han Regular" panose="020B0500000000000000" pitchFamily="34" charset="-128"/>
-            </a:endParaRPr>
+            <a:endParaRPr/>
           </a:p>
         </p:txBody>
       </p:sp>
@@ -1698,15 +1872,15 @@
         </p:nvSpPr>
         <p:spPr>
           <a:xfrm>
-            <a:off x="136772" y="813361"/>
-            <a:ext cx="6035427" cy="1085746"/>
+            <a:off x="136773" y="741451"/>
+            <a:ext cx="5883027" cy="1087349"/>
           </a:xfrm>
           <a:prstGeom prst="rect">
             <a:avLst/>
           </a:prstGeom>
         </p:spPr>
         <p:txBody>
-          <a:bodyPr vert="horz" wrap="square" lIns="0" tIns="24130" rIns="0" bIns="0" rtlCol="0">
+          <a:bodyPr vert="horz" wrap="square" lIns="0" tIns="24130" rIns="0" bIns="0" rtlCol="0" anchor="t">
             <a:spAutoFit/>
           </a:bodyPr>
           <a:lstStyle/>
@@ -1720,51 +1894,51 @@
               </a:spcBef>
             </a:pPr>
             <a:r>
-              <a:rPr lang="ja-JP" sz="1050" b="1" dirty="0">
+              <a:rPr lang="ja-JP" sz="1200" b="1" dirty="0">
                 <a:solidFill>
-                  <a:schemeClr val="bg1"/>
+                  <a:srgbClr val="FFFFFF"/>
                 </a:solidFill>
                 <a:latin typeface="Adobe Clean Han Regular" panose="020B0500000000000000" pitchFamily="34" charset="-128"/>
                 <a:ea typeface="Adobe Clean Han Regular" panose="020B0500000000000000" pitchFamily="34" charset="-128"/>
               </a:rPr>
-              <a:t>オンライン</a:t>
+              <a:t>オンライン </a:t>
             </a:r>
             <a:r>
-              <a:rPr lang="ja-JP" sz="1050" dirty="0">
+              <a:rPr lang="ja-JP" sz="1200" dirty="0">
                 <a:solidFill>
-                  <a:schemeClr val="bg1"/>
+                  <a:srgbClr val="FFFFFF"/>
                 </a:solidFill>
-                <a:latin typeface="Adobe Clean Han Regular" panose="020B0500000000000000" pitchFamily="34" charset="-128"/>
-                <a:ea typeface="Adobe Clean Han Regular" panose="020B0500000000000000" pitchFamily="34" charset="-128"/>
+                <a:latin typeface="Adobe Clean Han Normal" panose="020B0400000000000000" pitchFamily="34" charset="-128"/>
+                <a:ea typeface="Adobe Clean Han Normal" panose="020B0400000000000000" pitchFamily="34" charset="-128"/>
               </a:rPr>
-              <a:t> | ビジネス | エンタープライズ | エリート</a:t>
+              <a:t>| ビジネス | エンタープライズ | エリート</a:t>
             </a:r>
             <a:br>
-              <a:rPr lang="ja-JP" sz="700" dirty="0">
+              <a:rPr lang="ja-JP" sz="900" dirty="0">
                 <a:solidFill>
-                  <a:schemeClr val="bg1"/>
+                  <a:srgbClr val="FFFFFF"/>
                 </a:solidFill>
-                <a:latin typeface="Adobe Clean Han Regular" panose="020B0500000000000000" pitchFamily="34" charset="-128"/>
-                <a:ea typeface="Adobe Clean Han Regular" panose="020B0500000000000000" pitchFamily="34" charset="-128"/>
+                <a:latin typeface="Adobe Clean Han Normal" panose="020B0400000000000000" pitchFamily="34" charset="-128"/>
+                <a:ea typeface="Adobe Clean Han Normal" panose="020B0400000000000000" pitchFamily="34" charset="-128"/>
               </a:rPr>
             </a:br>
             <a:r>
-              <a:rPr lang="ja-JP" sz="700" dirty="0">
+              <a:rPr lang="ja-JP" sz="750" spc="-20" dirty="0">
                 <a:solidFill>
-                  <a:schemeClr val="bg1"/>
+                  <a:srgbClr val="FFFFFF"/>
                 </a:solidFill>
-                <a:latin typeface="Adobe Clean Han Regular" panose="020B0500000000000000" pitchFamily="34" charset="-128"/>
-                <a:ea typeface="Adobe Clean Han Regular" panose="020B0500000000000000" pitchFamily="34" charset="-128"/>
+                <a:latin typeface="Adobe Clean Han Normal" panose="020B0400000000000000" pitchFamily="34" charset="-128"/>
+                <a:ea typeface="Adobe Clean Han Normal" panose="020B0400000000000000" pitchFamily="34" charset="-128"/>
               </a:rPr>
               <a:t>アドビでは、お客様のビジネスをサポートするために、包括的なテクニカルリソースを提供しています。これらのリソースは、Experience Cloud のライセンスサブスクリプションに含まれています。オンラインサポートでは、Adobe Experience League のパーソナライズされたラーニングパスやモニタリングされているコミュニティフォーラムへのアクセスが提供されます。アドビ製品に関する詳細なテクニカルドキュメントや最新のリリースノートは </a:t>
             </a:r>
             <a:r>
-              <a:rPr lang="ja-JP" sz="700" u="sng" dirty="0">
+              <a:rPr lang="ja-JP" sz="750" u="sng" spc="-20" dirty="0">
                 <a:solidFill>
-                  <a:schemeClr val="bg1"/>
+                  <a:srgbClr val="FFFFFF"/>
                 </a:solidFill>
-                <a:latin typeface="Adobe Clean Han Regular" panose="020B0500000000000000" pitchFamily="34" charset="-128"/>
-                <a:ea typeface="Adobe Clean Han Regular" panose="020B0500000000000000" pitchFamily="34" charset="-128"/>
+                <a:latin typeface="Adobe Clean Han Normal" panose="020B0400000000000000" pitchFamily="34" charset="-128"/>
+                <a:ea typeface="Adobe Clean Han Normal" panose="020B0400000000000000" pitchFamily="34" charset="-128"/>
                 <a:hlinkClick r:id="rId4">
                   <a:extLst>
                     <a:ext uri="{A12FA001-AC4F-418D-AE19-62706E023703}">
@@ -1776,12 +1950,12 @@
               <a:t>http://www.adobe.com</a:t>
             </a:r>
             <a:r>
-              <a:rPr lang="ja-JP" sz="700" dirty="0">
+              <a:rPr lang="ja-JP" sz="750" spc="-20" dirty="0">
                 <a:solidFill>
-                  <a:schemeClr val="bg1"/>
+                  <a:srgbClr val="FFFFFF"/>
                 </a:solidFill>
-                <a:latin typeface="Adobe Clean Han Regular" panose="020B0500000000000000" pitchFamily="34" charset="-128"/>
-                <a:ea typeface="Adobe Clean Han Regular" panose="020B0500000000000000" pitchFamily="34" charset="-128"/>
+                <a:latin typeface="Adobe Clean Han Normal" panose="020B0400000000000000" pitchFamily="34" charset="-128"/>
+                <a:ea typeface="Adobe Clean Han Normal" panose="020B0400000000000000" pitchFamily="34" charset="-128"/>
               </a:rPr>
               <a:t> で公開されており、いつでも参照可能です。また、オンラインサポートには、テクニカルサポートチームへのアクセスが含まれています。優先度 1（P1）に分類される最も深刻な問題については、必要なときに電話による直接サポートを受けることができます。より優先度が低いリクエストなどは、サポート web ポータルを使用して申請することが可能です。</a:t>
             </a:r>
@@ -1813,10 +1987,7 @@
           <a:bodyPr wrap="square" lIns="0" tIns="0" rIns="0" bIns="0" rtlCol="0"/>
           <a:lstStyle/>
           <a:p>
-            <a:endParaRPr>
-              <a:latin typeface="Adobe Clean Han Regular" panose="020B0500000000000000" pitchFamily="34" charset="-128"/>
-              <a:ea typeface="Adobe Clean Han Regular" panose="020B0500000000000000" pitchFamily="34" charset="-128"/>
-            </a:endParaRPr>
+            <a:endParaRPr/>
           </a:p>
         </p:txBody>
       </p:sp>
@@ -1829,14 +2000,14 @@
           <p:nvPr>
             <p:extLst>
               <p:ext uri="{D42A27DB-BD31-4B8C-83A1-F6EECF244321}">
-                <p14:modId xmlns:p14="http://schemas.microsoft.com/office/powerpoint/2010/main" val="3747290874"/>
+                <p14:modId xmlns:p14="http://schemas.microsoft.com/office/powerpoint/2010/main" val="198305638"/>
               </p:ext>
             </p:extLst>
           </p:nvPr>
         </p:nvGraphicFramePr>
         <p:xfrm>
-          <a:off x="0" y="1938948"/>
-          <a:ext cx="7705343" cy="5057617"/>
+          <a:off x="0" y="1938946"/>
+          <a:ext cx="7705343" cy="5227197"/>
         </p:xfrm>
         <a:graphic>
           <a:graphicData uri="http://schemas.openxmlformats.org/drawingml/2006/table">
@@ -1845,14 +2016,14 @@
                 <a:tableStyleId>{2D5ABB26-0587-4C30-8999-92F81FD0307C}</a:tableStyleId>
               </a:tblPr>
               <a:tblGrid>
-                <a:gridCol w="1192779">
+                <a:gridCol w="838200">
                   <a:extLst>
                     <a:ext uri="{9D8B030D-6E8A-4147-A177-3AD203B41FA5}">
                       <a16:colId xmlns:a16="http://schemas.microsoft.com/office/drawing/2014/main" val="1674920574"/>
                     </a:ext>
                   </a:extLst>
                 </a:gridCol>
-                <a:gridCol w="2703630">
+                <a:gridCol w="3058209">
                   <a:extLst>
                     <a:ext uri="{9D8B030D-6E8A-4147-A177-3AD203B41FA5}">
                       <a16:colId xmlns:a16="http://schemas.microsoft.com/office/drawing/2014/main" val="20001"/>
@@ -1895,16 +2066,13 @@
                   </a:extLst>
                 </a:gridCol>
               </a:tblGrid>
-              <a:tr h="345489">
+              <a:tr h="218820">
                 <a:tc gridSpan="2">
                   <a:txBody>
                     <a:bodyPr/>
                     <a:lstStyle/>
                     <a:p>
-                      <a:endParaRPr lang="en-US" spc="0" dirty="0">
-                        <a:latin typeface="Adobe Clean Han Regular" panose="020B0500000000000000" pitchFamily="34" charset="-128"/>
-                        <a:ea typeface="Adobe Clean Han Regular" panose="020B0500000000000000" pitchFamily="34" charset="-128"/>
-                      </a:endParaRPr>
+                      <a:endParaRPr lang="en-US" spc="0" dirty="0"/>
                     </a:p>
                   </a:txBody>
                   <a:tcPr/>
@@ -1933,7 +2101,7 @@
                         </a:spcBef>
                       </a:pPr>
                       <a:r>
-                        <a:rPr lang="ja-JP" sz="600">
+                        <a:rPr lang="ja-JP" sz="800" dirty="0">
                           <a:solidFill>
                             <a:srgbClr val="404040"/>
                           </a:solidFill>
@@ -1977,7 +2145,7 @@
                         </a:spcBef>
                       </a:pPr>
                       <a:r>
-                        <a:rPr lang="ja-JP" sz="600">
+                        <a:rPr lang="ja-JP" sz="800" dirty="0">
                           <a:solidFill>
                             <a:srgbClr val="FFFFFF"/>
                           </a:solidFill>
@@ -2027,7 +2195,7 @@
                         </a:spcBef>
                       </a:pPr>
                       <a:r>
-                        <a:rPr lang="ja-JP" sz="600">
+                        <a:rPr lang="ja-JP" sz="800" dirty="0">
                           <a:solidFill>
                             <a:srgbClr val="FFFFFF"/>
                           </a:solidFill>
@@ -2035,7 +2203,28 @@
                           <a:ea typeface="Adobe Clean Han Regular" panose="020B0500000000000000" pitchFamily="34" charset="-128"/>
                           <a:cs typeface="Adobe Clean"/>
                         </a:rPr>
-                        <a:t>エンタープライズサポート</a:t>
+                        <a:t>エンタープライズ</a:t>
+                      </a:r>
+                      <a:br>
+                        <a:rPr lang="sk-SK" altLang="ja-JP" sz="800" dirty="0">
+                          <a:solidFill>
+                            <a:srgbClr val="FFFFFF"/>
+                          </a:solidFill>
+                          <a:latin typeface="Adobe Clean Han Regular" panose="020B0500000000000000" pitchFamily="34" charset="-128"/>
+                          <a:ea typeface="Adobe Clean Han Regular" panose="020B0500000000000000" pitchFamily="34" charset="-128"/>
+                          <a:cs typeface="Adobe Clean"/>
+                        </a:rPr>
+                      </a:br>
+                      <a:r>
+                        <a:rPr lang="ja-JP" sz="800" dirty="0">
+                          <a:solidFill>
+                            <a:srgbClr val="FFFFFF"/>
+                          </a:solidFill>
+                          <a:latin typeface="Adobe Clean Han Regular" panose="020B0500000000000000" pitchFamily="34" charset="-128"/>
+                          <a:ea typeface="Adobe Clean Han Regular" panose="020B0500000000000000" pitchFamily="34" charset="-128"/>
+                          <a:cs typeface="Adobe Clean"/>
+                        </a:rPr>
+                        <a:t>サポート</a:t>
                       </a:r>
                     </a:p>
                   </a:txBody>
@@ -2127,7 +2316,7 @@
                         </a:spcBef>
                       </a:pPr>
                       <a:r>
-                        <a:rPr lang="ja-JP" sz="600" dirty="0">
+                        <a:rPr lang="ja-JP" sz="800" dirty="0">
                           <a:solidFill>
                             <a:srgbClr val="FFFFFF"/>
                           </a:solidFill>
@@ -2163,16 +2352,13 @@
                   </a:ext>
                 </a:extLst>
               </a:tr>
-              <a:tr h="345489">
+              <a:tr h="0">
                 <a:tc gridSpan="2">
                   <a:txBody>
                     <a:bodyPr/>
                     <a:lstStyle/>
                     <a:p>
-                      <a:endParaRPr lang="en-US" spc="0" dirty="0">
-                        <a:latin typeface="Adobe Clean Han Regular" panose="020B0500000000000000" pitchFamily="34" charset="-128"/>
-                        <a:ea typeface="Adobe Clean Han Regular" panose="020B0500000000000000" pitchFamily="34" charset="-128"/>
-                      </a:endParaRPr>
+                      <a:endParaRPr lang="en-US" spc="0" dirty="0"/>
                     </a:p>
                   </a:txBody>
                   <a:tcPr/>
@@ -2201,8 +2387,7 @@
                         </a:spcBef>
                       </a:pPr>
                       <a:endParaRPr sz="800" spc="0" dirty="0">
-                        <a:latin typeface="Adobe Clean Han Regular" panose="020B0500000000000000" pitchFamily="34" charset="-128"/>
-                        <a:ea typeface="Adobe Clean Han Regular" panose="020B0500000000000000" pitchFamily="34" charset="-128"/>
+                        <a:latin typeface="AdobeClean-LightIt"/>
                         <a:cs typeface="AdobeClean-LightIt"/>
                       </a:endParaRPr>
                     </a:p>
@@ -2247,12 +2432,12 @@
                         </a:spcBef>
                       </a:pPr>
                       <a:r>
-                        <a:rPr lang="ja-JP" sz="800" i="1">
+                        <a:rPr lang="ja-JP" sz="800" i="1" dirty="0">
                           <a:solidFill>
                             <a:srgbClr val="FFFFFF"/>
                           </a:solidFill>
-                          <a:latin typeface="Adobe Clean Han Regular" panose="020B0500000000000000" pitchFamily="34" charset="-128"/>
-                          <a:ea typeface="Adobe Clean Han Regular" panose="020B0500000000000000" pitchFamily="34" charset="-128"/>
+                          <a:latin typeface="Adobe Clean Han Light" panose="020B0300000000000000" pitchFamily="34" charset="-128"/>
+                          <a:ea typeface="Adobe Clean Han Light" panose="020B0300000000000000" pitchFamily="34" charset="-128"/>
                           <a:cs typeface="Adobe Clean"/>
                         </a:rPr>
                         <a:t>有償サポートレベル（$）</a:t>
@@ -2328,7 +2513,7 @@
                   </a:ext>
                 </a:extLst>
               </a:tr>
-              <a:tr h="243081">
+              <a:tr h="264424">
                 <a:tc rowSpan="3">
                   <a:txBody>
                     <a:bodyPr/>
@@ -2343,7 +2528,7 @@
                         </a:spcBef>
                       </a:pPr>
                       <a:r>
-                        <a:rPr lang="ja-JP" sz="1000" b="1" i="0">
+                        <a:rPr lang="ja-JP" sz="850" b="1" i="0" dirty="0">
                           <a:solidFill>
                             <a:schemeClr val="bg1"/>
                           </a:solidFill>
@@ -2351,7 +2536,28 @@
                           <a:ea typeface="Adobe Clean Han Regular" panose="020B0500000000000000" pitchFamily="34" charset="-128"/>
                           <a:cs typeface="AdobeClean-Light"/>
                         </a:rPr>
-                        <a:t>担当エキスパート</a:t>
+                        <a:t>担当エキ</a:t>
+                      </a:r>
+                      <a:br>
+                        <a:rPr lang="sk-SK" altLang="ja-JP" sz="850" b="1" i="0" dirty="0">
+                          <a:solidFill>
+                            <a:schemeClr val="bg1"/>
+                          </a:solidFill>
+                          <a:latin typeface="Adobe Clean Han Regular" panose="020B0500000000000000" pitchFamily="34" charset="-128"/>
+                          <a:ea typeface="Adobe Clean Han Regular" panose="020B0500000000000000" pitchFamily="34" charset="-128"/>
+                          <a:cs typeface="AdobeClean-Light"/>
+                        </a:rPr>
+                      </a:br>
+                      <a:r>
+                        <a:rPr lang="ja-JP" sz="850" b="1" i="0" dirty="0">
+                          <a:solidFill>
+                            <a:schemeClr val="bg1"/>
+                          </a:solidFill>
+                          <a:latin typeface="Adobe Clean Han Regular" panose="020B0500000000000000" pitchFamily="34" charset="-128"/>
+                          <a:ea typeface="Adobe Clean Han Regular" panose="020B0500000000000000" pitchFamily="34" charset="-128"/>
+                          <a:cs typeface="AdobeClean-Light"/>
+                        </a:rPr>
+                        <a:t>スパート</a:t>
                       </a:r>
                     </a:p>
                   </a:txBody>
@@ -2399,12 +2605,12 @@
                         </a:spcBef>
                       </a:pPr>
                       <a:r>
-                        <a:rPr lang="ja-JP" sz="900">
+                        <a:rPr lang="ja-JP" sz="800" dirty="0">
                           <a:solidFill>
                             <a:srgbClr val="020302"/>
                           </a:solidFill>
-                          <a:latin typeface="Adobe Clean Han Regular" panose="020B0500000000000000" pitchFamily="34" charset="-128"/>
-                          <a:ea typeface="Adobe Clean Han Regular" panose="020B0500000000000000" pitchFamily="34" charset="-128"/>
+                          <a:latin typeface="Adobe Clean Han Light" panose="020B0300000000000000" pitchFamily="34" charset="-128"/>
+                          <a:ea typeface="Adobe Clean Han Light" panose="020B0300000000000000" pitchFamily="34" charset="-128"/>
                           <a:cs typeface="AdobeClean-Light"/>
                         </a:rPr>
                         <a:t>アカウントサポートリード</a:t>
@@ -2443,8 +2649,7 @@
                         </a:lnSpc>
                       </a:pPr>
                       <a:endParaRPr sz="900" spc="0" dirty="0">
-                        <a:latin typeface="Adobe Clean Han Regular" panose="020B0500000000000000" pitchFamily="34" charset="-128"/>
-                        <a:ea typeface="Adobe Clean Han Regular" panose="020B0500000000000000" pitchFamily="34" charset="-128"/>
+                        <a:latin typeface="Times New Roman"/>
                         <a:cs typeface="Times New Roman"/>
                       </a:endParaRPr>
                     </a:p>
@@ -2487,8 +2692,8 @@
                           <a:solidFill>
                             <a:srgbClr val="020302"/>
                           </a:solidFill>
-                          <a:latin typeface="Adobe Clean Han Regular" panose="020B0500000000000000" pitchFamily="34" charset="-128"/>
-                          <a:ea typeface="Adobe Clean Han Regular" panose="020B0500000000000000" pitchFamily="34" charset="-128"/>
+                          <a:latin typeface="Wingdings"/>
+                          <a:ea typeface="MS Mincho"/>
                           <a:cs typeface="Wingdings"/>
                         </a:rPr>
                         <a:t></a:t>
@@ -2546,8 +2751,7 @@
                         </a:lnSpc>
                       </a:pPr>
                       <a:endParaRPr sz="900" spc="0">
-                        <a:latin typeface="Adobe Clean Han Regular" panose="020B0500000000000000" pitchFamily="34" charset="-128"/>
-                        <a:ea typeface="Adobe Clean Han Regular" panose="020B0500000000000000" pitchFamily="34" charset="-128"/>
+                        <a:latin typeface="Times New Roman"/>
                         <a:cs typeface="Times New Roman"/>
                       </a:endParaRPr>
                     </a:p>
@@ -2572,8 +2776,7 @@
                         </a:lnSpc>
                       </a:pPr>
                       <a:endParaRPr sz="900" spc="0" dirty="0">
-                        <a:latin typeface="Adobe Clean Han Regular" panose="020B0500000000000000" pitchFamily="34" charset="-128"/>
-                        <a:ea typeface="Adobe Clean Han Regular" panose="020B0500000000000000" pitchFamily="34" charset="-128"/>
+                        <a:latin typeface="Times New Roman"/>
                         <a:cs typeface="Times New Roman"/>
                       </a:endParaRPr>
                     </a:p>
@@ -2599,7 +2802,7 @@
                   </a:ext>
                 </a:extLst>
               </a:tr>
-              <a:tr h="243081">
+              <a:tr h="264424">
                 <a:tc vMerge="1">
                   <a:txBody>
                     <a:bodyPr/>
@@ -2651,12 +2854,12 @@
                         </a:spcBef>
                       </a:pPr>
                       <a:r>
-                        <a:rPr lang="ja-JP" sz="900">
+                        <a:rPr lang="ja-JP" sz="800" dirty="0">
                           <a:solidFill>
                             <a:srgbClr val="020302"/>
                           </a:solidFill>
-                          <a:latin typeface="Adobe Clean Han Regular" panose="020B0500000000000000" pitchFamily="34" charset="-128"/>
-                          <a:ea typeface="Adobe Clean Han Regular" panose="020B0500000000000000" pitchFamily="34" charset="-128"/>
+                          <a:latin typeface="Adobe Clean Han Light" panose="020B0300000000000000" pitchFamily="34" charset="-128"/>
+                          <a:ea typeface="Adobe Clean Han Light" panose="020B0300000000000000" pitchFamily="34" charset="-128"/>
                           <a:cs typeface="AdobeClean-Light"/>
                         </a:rPr>
                         <a:t>専任サポートエンジニア</a:t>
@@ -2689,8 +2892,7 @@
                         </a:lnSpc>
                       </a:pPr>
                       <a:endParaRPr sz="900" spc="0" dirty="0">
-                        <a:latin typeface="Adobe Clean Han Regular" panose="020B0500000000000000" pitchFamily="34" charset="-128"/>
-                        <a:ea typeface="Adobe Clean Han Regular" panose="020B0500000000000000" pitchFamily="34" charset="-128"/>
+                        <a:latin typeface="Times New Roman"/>
                         <a:cs typeface="Times New Roman"/>
                       </a:endParaRPr>
                     </a:p>
@@ -2720,8 +2922,7 @@
                         </a:lnSpc>
                       </a:pPr>
                       <a:endParaRPr sz="900" spc="0" dirty="0">
-                        <a:latin typeface="Adobe Clean Han Regular" panose="020B0500000000000000" pitchFamily="34" charset="-128"/>
-                        <a:ea typeface="Adobe Clean Han Regular" panose="020B0500000000000000" pitchFamily="34" charset="-128"/>
+                        <a:latin typeface="Times New Roman"/>
                         <a:cs typeface="Times New Roman"/>
                       </a:endParaRPr>
                     </a:p>
@@ -2764,8 +2965,8 @@
                           <a:solidFill>
                             <a:srgbClr val="020302"/>
                           </a:solidFill>
-                          <a:latin typeface="Adobe Clean Han Regular" panose="020B0500000000000000" pitchFamily="34" charset="-128"/>
-                          <a:ea typeface="Adobe Clean Han Regular" panose="020B0500000000000000" pitchFamily="34" charset="-128"/>
+                          <a:latin typeface="Wingdings"/>
+                          <a:ea typeface="MS Mincho"/>
                           <a:cs typeface="Wingdings"/>
                         </a:rPr>
                         <a:t></a:t>
@@ -2792,8 +2993,8 @@
                           <a:solidFill>
                             <a:srgbClr val="020302"/>
                           </a:solidFill>
-                          <a:latin typeface="Adobe Clean Han Regular" panose="020B0500000000000000" pitchFamily="34" charset="-128"/>
-                          <a:ea typeface="Adobe Clean Han Regular" panose="020B0500000000000000" pitchFamily="34" charset="-128"/>
+                          <a:latin typeface="Wingdings"/>
+                          <a:ea typeface="MS Mincho"/>
                           <a:cs typeface="Wingdings"/>
                         </a:rPr>
                         <a:t></a:t>
@@ -2815,7 +3016,7 @@
                   </a:ext>
                 </a:extLst>
               </a:tr>
-              <a:tr h="243081">
+              <a:tr h="264424">
                 <a:tc vMerge="1">
                   <a:txBody>
                     <a:bodyPr/>
@@ -2879,12 +3080,12 @@
                         </a:spcBef>
                       </a:pPr>
                       <a:r>
-                        <a:rPr lang="ja-JP" sz="900">
+                        <a:rPr lang="ja-JP" sz="800" dirty="0">
                           <a:solidFill>
                             <a:srgbClr val="020302"/>
                           </a:solidFill>
-                          <a:latin typeface="Adobe Clean Han Regular" panose="020B0500000000000000" pitchFamily="34" charset="-128"/>
-                          <a:ea typeface="Adobe Clean Han Regular" panose="020B0500000000000000" pitchFamily="34" charset="-128"/>
+                          <a:latin typeface="Adobe Clean Han Light" panose="020B0300000000000000" pitchFamily="34" charset="-128"/>
+                          <a:ea typeface="Adobe Clean Han Light" panose="020B0300000000000000" pitchFamily="34" charset="-128"/>
                           <a:cs typeface="AdobeClean-Light"/>
                         </a:rPr>
                         <a:t>テクニカルアカウントマネージャー</a:t>
@@ -2923,8 +3124,7 @@
                         </a:lnSpc>
                       </a:pPr>
                       <a:endParaRPr sz="900" spc="0" dirty="0">
-                        <a:latin typeface="Adobe Clean Han Regular" panose="020B0500000000000000" pitchFamily="34" charset="-128"/>
-                        <a:ea typeface="Adobe Clean Han Regular" panose="020B0500000000000000" pitchFamily="34" charset="-128"/>
+                        <a:latin typeface="Times New Roman"/>
                         <a:cs typeface="Times New Roman"/>
                       </a:endParaRPr>
                     </a:p>
@@ -2960,8 +3160,7 @@
                         </a:lnSpc>
                       </a:pPr>
                       <a:endParaRPr sz="900" spc="0" dirty="0">
-                        <a:latin typeface="Adobe Clean Han Regular" panose="020B0500000000000000" pitchFamily="34" charset="-128"/>
-                        <a:ea typeface="Adobe Clean Han Regular" panose="020B0500000000000000" pitchFamily="34" charset="-128"/>
+                        <a:latin typeface="Times New Roman"/>
                         <a:cs typeface="Times New Roman"/>
                       </a:endParaRPr>
                     </a:p>
@@ -3014,8 +3213,7 @@
                         </a:lnSpc>
                       </a:pPr>
                       <a:endParaRPr sz="900" spc="0">
-                        <a:latin typeface="Adobe Clean Han Regular" panose="020B0500000000000000" pitchFamily="34" charset="-128"/>
-                        <a:ea typeface="Adobe Clean Han Regular" panose="020B0500000000000000" pitchFamily="34" charset="-128"/>
+                        <a:latin typeface="Times New Roman"/>
                         <a:cs typeface="Times New Roman"/>
                       </a:endParaRPr>
                     </a:p>
@@ -3047,8 +3245,8 @@
                           <a:solidFill>
                             <a:srgbClr val="020302"/>
                           </a:solidFill>
-                          <a:latin typeface="Adobe Clean Han Regular" panose="020B0500000000000000" pitchFamily="34" charset="-128"/>
-                          <a:ea typeface="Adobe Clean Han Regular" panose="020B0500000000000000" pitchFamily="34" charset="-128"/>
+                          <a:latin typeface="Wingdings"/>
+                          <a:ea typeface="MS Mincho"/>
                           <a:cs typeface="Wingdings"/>
                         </a:rPr>
                         <a:t></a:t>
@@ -3076,7 +3274,7 @@
                   </a:ext>
                 </a:extLst>
               </a:tr>
-              <a:tr h="243081">
+              <a:tr h="264424">
                 <a:tc rowSpan="12">
                   <a:txBody>
                     <a:bodyPr/>
@@ -3091,7 +3289,7 @@
                         </a:spcBef>
                       </a:pPr>
                       <a:r>
-                        <a:rPr lang="ja-JP" sz="1000" b="1" i="0">
+                        <a:rPr lang="ja-JP" sz="850" b="1" i="0" dirty="0">
                           <a:solidFill>
                             <a:schemeClr val="bg1"/>
                           </a:solidFill>
@@ -3099,7 +3297,28 @@
                           <a:ea typeface="Adobe Clean Han Regular" panose="020B0500000000000000" pitchFamily="34" charset="-128"/>
                           <a:cs typeface="AdobeClean-Light"/>
                         </a:rPr>
-                        <a:t>サポートサービス</a:t>
+                        <a:t>サポート</a:t>
+                      </a:r>
+                      <a:br>
+                        <a:rPr lang="sk-SK" altLang="ja-JP" sz="850" b="1" i="0" dirty="0">
+                          <a:solidFill>
+                            <a:schemeClr val="bg1"/>
+                          </a:solidFill>
+                          <a:latin typeface="Adobe Clean Han Regular" panose="020B0500000000000000" pitchFamily="34" charset="-128"/>
+                          <a:ea typeface="Adobe Clean Han Regular" panose="020B0500000000000000" pitchFamily="34" charset="-128"/>
+                          <a:cs typeface="AdobeClean-Light"/>
+                        </a:rPr>
+                      </a:br>
+                      <a:r>
+                        <a:rPr lang="ja-JP" sz="850" b="1" i="0" dirty="0">
+                          <a:solidFill>
+                            <a:schemeClr val="bg1"/>
+                          </a:solidFill>
+                          <a:latin typeface="Adobe Clean Han Regular" panose="020B0500000000000000" pitchFamily="34" charset="-128"/>
+                          <a:ea typeface="Adobe Clean Han Regular" panose="020B0500000000000000" pitchFamily="34" charset="-128"/>
+                          <a:cs typeface="AdobeClean-Light"/>
+                        </a:rPr>
+                        <a:t>サービス</a:t>
                       </a:r>
                     </a:p>
                   </a:txBody>
@@ -3156,12 +3375,12 @@
                         </a:spcBef>
                       </a:pPr>
                       <a:r>
-                        <a:rPr lang="ja-JP" sz="900">
+                        <a:rPr lang="ja-JP" sz="800" dirty="0">
                           <a:solidFill>
                             <a:srgbClr val="020302"/>
                           </a:solidFill>
-                          <a:latin typeface="Adobe Clean Han Regular" panose="020B0500000000000000" pitchFamily="34" charset="-128"/>
-                          <a:ea typeface="Adobe Clean Han Regular" panose="020B0500000000000000" pitchFamily="34" charset="-128"/>
+                          <a:latin typeface="Adobe Clean Han Light" panose="020B0300000000000000" pitchFamily="34" charset="-128"/>
+                          <a:ea typeface="Adobe Clean Han Light" panose="020B0300000000000000" pitchFamily="34" charset="-128"/>
                           <a:cs typeface="AdobeClean-Light"/>
                         </a:rPr>
                         <a:t>オンラインサポート</a:t>
@@ -3203,16 +3422,24 @@
                         </a:spcBef>
                       </a:pPr>
                       <a:r>
-                        <a:rPr lang="ja-JP" sz="800">
+                        <a:rPr lang="ja-JP" altLang="en-US" sz="800" dirty="0">
                           <a:solidFill>
                             <a:srgbClr val="020302"/>
                           </a:solidFill>
-                          <a:latin typeface="Adobe Clean Han Regular" panose="020B0500000000000000" pitchFamily="34" charset="-128"/>
-                          <a:ea typeface="Adobe Clean Han Regular" panose="020B0500000000000000" pitchFamily="34" charset="-128"/>
+                          <a:latin typeface="Adobe Clean Han Light" panose="020B0300000000000000" pitchFamily="34" charset="-128"/>
+                          <a:ea typeface="Adobe Clean Han Light" panose="020B0300000000000000" pitchFamily="34" charset="-128"/>
                           <a:cs typeface="AdobeClean-Light"/>
                         </a:rPr>
-                        <a:t>営業時間</a:t>
-                      </a:r>
+                        <a:t>営業時間内</a:t>
+                      </a:r>
+                      <a:endParaRPr lang="ja-JP" sz="800" dirty="0">
+                        <a:solidFill>
+                          <a:srgbClr val="020302"/>
+                        </a:solidFill>
+                        <a:latin typeface="Adobe Clean Han Light" panose="020B0300000000000000" pitchFamily="34" charset="-128"/>
+                        <a:ea typeface="Adobe Clean Han Light" panose="020B0300000000000000" pitchFamily="34" charset="-128"/>
+                        <a:cs typeface="AdobeClean-Light"/>
+                      </a:endParaRPr>
                     </a:p>
                   </a:txBody>
                   <a:tcPr marL="0" marR="0" marT="67945" marB="0">
@@ -3249,16 +3476,24 @@
                         </a:spcBef>
                       </a:pPr>
                       <a:r>
-                        <a:rPr lang="ja-JP" sz="800">
+                        <a:rPr lang="ja-JP" altLang="en-US" sz="800" dirty="0">
                           <a:solidFill>
                             <a:srgbClr val="020302"/>
                           </a:solidFill>
-                          <a:latin typeface="Adobe Clean Han Regular" panose="020B0500000000000000" pitchFamily="34" charset="-128"/>
-                          <a:ea typeface="Adobe Clean Han Regular" panose="020B0500000000000000" pitchFamily="34" charset="-128"/>
+                          <a:latin typeface="Adobe Clean Han Light" panose="020B0300000000000000" pitchFamily="34" charset="-128"/>
+                          <a:ea typeface="Adobe Clean Han Light" panose="020B0300000000000000" pitchFamily="34" charset="-128"/>
                           <a:cs typeface="AdobeClean-Light"/>
                         </a:rPr>
-                        <a:t>営業時間</a:t>
-                      </a:r>
+                        <a:t>営業時間内</a:t>
+                      </a:r>
+                      <a:endParaRPr lang="ja-JP" sz="800" dirty="0">
+                        <a:solidFill>
+                          <a:srgbClr val="020302"/>
+                        </a:solidFill>
+                        <a:latin typeface="Adobe Clean Han Light" panose="020B0300000000000000" pitchFamily="34" charset="-128"/>
+                        <a:ea typeface="Adobe Clean Han Light" panose="020B0300000000000000" pitchFamily="34" charset="-128"/>
+                        <a:cs typeface="AdobeClean-Light"/>
+                      </a:endParaRPr>
                     </a:p>
                   </a:txBody>
                   <a:tcPr marL="0" marR="0" marT="67945" marB="0">
@@ -3315,16 +3550,46 @@
                         </a:spcBef>
                       </a:pPr>
                       <a:r>
-                        <a:rPr lang="ja-JP" sz="800">
+                        <a:rPr lang="ja-JP" altLang="en-US" sz="800" dirty="0">
                           <a:solidFill>
                             <a:srgbClr val="020302"/>
                           </a:solidFill>
-                          <a:latin typeface="Adobe Clean Han Regular" panose="020B0500000000000000" pitchFamily="34" charset="-128"/>
-                          <a:ea typeface="Adobe Clean Han Regular" panose="020B0500000000000000" pitchFamily="34" charset="-128"/>
+                          <a:latin typeface="Adobe Clean Han Light" panose="020B0300000000000000" pitchFamily="34" charset="-128"/>
+                          <a:ea typeface="Adobe Clean Han Light" panose="020B0300000000000000" pitchFamily="34" charset="-128"/>
                           <a:cs typeface="AdobeClean-Light"/>
                         </a:rPr>
-                        <a:t>24 時間週 5 日</a:t>
-                      </a:r>
+                        <a:t>平日</a:t>
+                      </a:r>
+                      <a:r>
+                        <a:rPr lang="en-US" altLang="ja-JP" sz="800" dirty="0">
+                          <a:solidFill>
+                            <a:srgbClr val="020302"/>
+                          </a:solidFill>
+                          <a:latin typeface="Adobe Clean Han Light" panose="020B0300000000000000" pitchFamily="34" charset="-128"/>
+                          <a:ea typeface="Adobe Clean Han Light" panose="020B0300000000000000" pitchFamily="34" charset="-128"/>
+                          <a:cs typeface="AdobeClean-Light"/>
+                        </a:rPr>
+                        <a:t>24</a:t>
+                      </a:r>
+                      <a:r>
+                        <a:rPr lang="ja-JP" altLang="en-US" sz="800" dirty="0">
+                          <a:solidFill>
+                            <a:srgbClr val="020302"/>
+                          </a:solidFill>
+                          <a:latin typeface="Adobe Clean Han Light" panose="020B0300000000000000" pitchFamily="34" charset="-128"/>
+                          <a:ea typeface="Adobe Clean Han Light" panose="020B0300000000000000" pitchFamily="34" charset="-128"/>
+                          <a:cs typeface="AdobeClean-Light"/>
+                        </a:rPr>
+                        <a:t>時間</a:t>
+                      </a:r>
+                      <a:endParaRPr lang="ja-JP" sz="800" dirty="0">
+                        <a:solidFill>
+                          <a:srgbClr val="020302"/>
+                        </a:solidFill>
+                        <a:latin typeface="Adobe Clean Han Light" panose="020B0300000000000000" pitchFamily="34" charset="-128"/>
+                        <a:ea typeface="Adobe Clean Han Light" panose="020B0300000000000000" pitchFamily="34" charset="-128"/>
+                        <a:cs typeface="AdobeClean-Light"/>
+                      </a:endParaRPr>
                     </a:p>
                   </a:txBody>
                   <a:tcPr marL="0" marR="0" marT="67945" marB="0">
@@ -3350,16 +3615,46 @@
                         </a:spcBef>
                       </a:pPr>
                       <a:r>
-                        <a:rPr lang="ja-JP" sz="800">
+                        <a:rPr lang="ja-JP" altLang="en-US" sz="800" dirty="0">
                           <a:solidFill>
                             <a:srgbClr val="020302"/>
                           </a:solidFill>
-                          <a:latin typeface="Adobe Clean Han Regular" panose="020B0500000000000000" pitchFamily="34" charset="-128"/>
-                          <a:ea typeface="Adobe Clean Han Regular" panose="020B0500000000000000" pitchFamily="34" charset="-128"/>
+                          <a:latin typeface="Adobe Clean Han Light" panose="020B0300000000000000" pitchFamily="34" charset="-128"/>
+                          <a:ea typeface="Adobe Clean Han Light" panose="020B0300000000000000" pitchFamily="34" charset="-128"/>
                           <a:cs typeface="AdobeClean-Light"/>
                         </a:rPr>
-                        <a:t>24 時間週 5 日</a:t>
-                      </a:r>
+                        <a:t>平日</a:t>
+                      </a:r>
+                      <a:r>
+                        <a:rPr lang="en-US" altLang="ja-JP" sz="800" dirty="0">
+                          <a:solidFill>
+                            <a:srgbClr val="020302"/>
+                          </a:solidFill>
+                          <a:latin typeface="Adobe Clean Han Light" panose="020B0300000000000000" pitchFamily="34" charset="-128"/>
+                          <a:ea typeface="Adobe Clean Han Light" panose="020B0300000000000000" pitchFamily="34" charset="-128"/>
+                          <a:cs typeface="AdobeClean-Light"/>
+                        </a:rPr>
+                        <a:t>24</a:t>
+                      </a:r>
+                      <a:r>
+                        <a:rPr lang="ja-JP" altLang="en-US" sz="800" dirty="0">
+                          <a:solidFill>
+                            <a:srgbClr val="020302"/>
+                          </a:solidFill>
+                          <a:latin typeface="Adobe Clean Han Light" panose="020B0300000000000000" pitchFamily="34" charset="-128"/>
+                          <a:ea typeface="Adobe Clean Han Light" panose="020B0300000000000000" pitchFamily="34" charset="-128"/>
+                          <a:cs typeface="AdobeClean-Light"/>
+                        </a:rPr>
+                        <a:t>時間</a:t>
+                      </a:r>
+                      <a:endParaRPr lang="ja-JP" sz="800" dirty="0">
+                        <a:solidFill>
+                          <a:srgbClr val="020302"/>
+                        </a:solidFill>
+                        <a:latin typeface="Adobe Clean Han Light" panose="020B0300000000000000" pitchFamily="34" charset="-128"/>
+                        <a:ea typeface="Adobe Clean Han Light" panose="020B0300000000000000" pitchFamily="34" charset="-128"/>
+                        <a:cs typeface="AdobeClean-Light"/>
+                      </a:endParaRPr>
                     </a:p>
                   </a:txBody>
                   <a:tcPr marL="0" marR="0" marT="67945" marB="0">
@@ -3383,7 +3678,7 @@
                   </a:ext>
                 </a:extLst>
               </a:tr>
-              <a:tr h="243081">
+              <a:tr h="264424">
                 <a:tc vMerge="1">
                   <a:txBody>
                     <a:bodyPr/>
@@ -3438,12 +3733,12 @@
                         </a:spcBef>
                       </a:pPr>
                       <a:r>
-                        <a:rPr lang="ja-JP" sz="900">
+                        <a:rPr lang="ja-JP" sz="800" dirty="0">
                           <a:solidFill>
                             <a:srgbClr val="020302"/>
                           </a:solidFill>
-                          <a:latin typeface="Adobe Clean Han Regular" panose="020B0500000000000000" pitchFamily="34" charset="-128"/>
-                          <a:ea typeface="Adobe Clean Han Regular" panose="020B0500000000000000" pitchFamily="34" charset="-128"/>
+                          <a:latin typeface="Adobe Clean Han Light" panose="020B0300000000000000" pitchFamily="34" charset="-128"/>
+                          <a:ea typeface="Adobe Clean Han Light" panose="020B0300000000000000" pitchFamily="34" charset="-128"/>
                           <a:cs typeface="AdobeClean-Light"/>
                         </a:rPr>
                         <a:t>24 時間年中無休の P1 の問題のサポート</a:t>
@@ -3483,8 +3778,8 @@
                           <a:solidFill>
                             <a:srgbClr val="020302"/>
                           </a:solidFill>
-                          <a:latin typeface="Adobe Clean Han Regular" panose="020B0500000000000000" pitchFamily="34" charset="-128"/>
-                          <a:ea typeface="Adobe Clean Han Regular" panose="020B0500000000000000" pitchFamily="34" charset="-128"/>
+                          <a:latin typeface="Wingdings"/>
+                          <a:ea typeface="MS Mincho"/>
                           <a:cs typeface="Wingdings"/>
                         </a:rPr>
                         <a:t></a:t>
@@ -3523,8 +3818,8 @@
                           <a:solidFill>
                             <a:srgbClr val="020302"/>
                           </a:solidFill>
-                          <a:latin typeface="Adobe Clean Han Regular" panose="020B0500000000000000" pitchFamily="34" charset="-128"/>
-                          <a:ea typeface="Adobe Clean Han Regular" panose="020B0500000000000000" pitchFamily="34" charset="-128"/>
+                          <a:latin typeface="Wingdings"/>
+                          <a:ea typeface="MS Mincho"/>
                           <a:cs typeface="Wingdings"/>
                         </a:rPr>
                         <a:t></a:t>
@@ -3572,8 +3867,8 @@
                           <a:solidFill>
                             <a:srgbClr val="020302"/>
                           </a:solidFill>
-                          <a:latin typeface="Adobe Clean Han Regular" panose="020B0500000000000000" pitchFamily="34" charset="-128"/>
-                          <a:ea typeface="Adobe Clean Han Regular" panose="020B0500000000000000" pitchFamily="34" charset="-128"/>
+                          <a:latin typeface="Wingdings"/>
+                          <a:ea typeface="MS Mincho"/>
                           <a:cs typeface="Wingdings"/>
                         </a:rPr>
                         <a:t></a:t>
@@ -3600,8 +3895,8 @@
                           <a:solidFill>
                             <a:srgbClr val="020302"/>
                           </a:solidFill>
-                          <a:latin typeface="Adobe Clean Han Regular" panose="020B0500000000000000" pitchFamily="34" charset="-128"/>
-                          <a:ea typeface="Adobe Clean Han Regular" panose="020B0500000000000000" pitchFamily="34" charset="-128"/>
+                          <a:latin typeface="Wingdings"/>
+                          <a:ea typeface="MS Mincho"/>
                           <a:cs typeface="Wingdings"/>
                         </a:rPr>
                         <a:t></a:t>
@@ -3623,7 +3918,7 @@
                   </a:ext>
                 </a:extLst>
               </a:tr>
-              <a:tr h="243081">
+              <a:tr h="264424">
                 <a:tc vMerge="1">
                   <a:txBody>
                     <a:bodyPr/>
@@ -3678,12 +3973,12 @@
                         </a:spcBef>
                       </a:pPr>
                       <a:r>
-                        <a:rPr lang="ja-JP" sz="900">
+                        <a:rPr lang="ja-JP" sz="800" dirty="0">
                           <a:solidFill>
                             <a:srgbClr val="020302"/>
                           </a:solidFill>
-                          <a:latin typeface="Adobe Clean Han Regular" panose="020B0500000000000000" pitchFamily="34" charset="-128"/>
-                          <a:ea typeface="Adobe Clean Han Regular" panose="020B0500000000000000" pitchFamily="34" charset="-128"/>
+                          <a:latin typeface="Adobe Clean Han Light" panose="020B0300000000000000" pitchFamily="34" charset="-128"/>
+                          <a:ea typeface="Adobe Clean Han Light" panose="020B0300000000000000" pitchFamily="34" charset="-128"/>
                           <a:cs typeface="AdobeClean-Light"/>
                         </a:rPr>
                         <a:t>サポート対象ユーザー（製品単位）</a:t>
@@ -3719,12 +4014,12 @@
                         </a:spcBef>
                       </a:pPr>
                       <a:r>
-                        <a:rPr lang="ja-JP" sz="900">
+                        <a:rPr lang="ja-JP" sz="900" dirty="0">
                           <a:solidFill>
                             <a:srgbClr val="020302"/>
                           </a:solidFill>
-                          <a:latin typeface="Adobe Clean Han Regular" panose="020B0500000000000000" pitchFamily="34" charset="-128"/>
-                          <a:ea typeface="Adobe Clean Han Regular" panose="020B0500000000000000" pitchFamily="34" charset="-128"/>
+                          <a:latin typeface="Adobe Clean Han Light" panose="020B0300000000000000" pitchFamily="34" charset="-128"/>
+                          <a:ea typeface="Adobe Clean Han Light" panose="020B0300000000000000" pitchFamily="34" charset="-128"/>
                           <a:cs typeface="AdobeClean-Light"/>
                         </a:rPr>
                         <a:t>4</a:t>
@@ -3759,12 +4054,12 @@
                         </a:spcBef>
                       </a:pPr>
                       <a:r>
-                        <a:rPr lang="ja-JP" sz="900">
+                        <a:rPr lang="ja-JP" sz="900" dirty="0">
                           <a:solidFill>
                             <a:srgbClr val="020302"/>
                           </a:solidFill>
-                          <a:latin typeface="Adobe Clean Han Regular" panose="020B0500000000000000" pitchFamily="34" charset="-128"/>
-                          <a:ea typeface="Adobe Clean Han Regular" panose="020B0500000000000000" pitchFamily="34" charset="-128"/>
+                          <a:latin typeface="Adobe Clean Han Light" panose="020B0300000000000000" pitchFamily="34" charset="-128"/>
+                          <a:ea typeface="Adobe Clean Han Light" panose="020B0300000000000000" pitchFamily="34" charset="-128"/>
                           <a:cs typeface="AdobeClean-Light"/>
                         </a:rPr>
                         <a:t>6</a:t>
@@ -3808,12 +4103,12 @@
                         </a:spcBef>
                       </a:pPr>
                       <a:r>
-                        <a:rPr lang="ja-JP" sz="900">
+                        <a:rPr lang="ja-JP" sz="900" dirty="0">
                           <a:solidFill>
                             <a:srgbClr val="020302"/>
                           </a:solidFill>
-                          <a:latin typeface="Adobe Clean Han Regular" panose="020B0500000000000000" pitchFamily="34" charset="-128"/>
-                          <a:ea typeface="Adobe Clean Han Regular" panose="020B0500000000000000" pitchFamily="34" charset="-128"/>
+                          <a:latin typeface="Adobe Clean Han Light" panose="020B0300000000000000" pitchFamily="34" charset="-128"/>
+                          <a:ea typeface="Adobe Clean Han Light" panose="020B0300000000000000" pitchFamily="34" charset="-128"/>
                           <a:cs typeface="AdobeClean-Light"/>
                         </a:rPr>
                         <a:t>10</a:t>
@@ -3836,12 +4131,12 @@
                         </a:spcBef>
                       </a:pPr>
                       <a:r>
-                        <a:rPr lang="ja-JP" sz="900">
+                        <a:rPr lang="ja-JP" sz="900" dirty="0">
                           <a:solidFill>
                             <a:srgbClr val="020302"/>
                           </a:solidFill>
-                          <a:latin typeface="Adobe Clean Han Regular" panose="020B0500000000000000" pitchFamily="34" charset="-128"/>
-                          <a:ea typeface="Adobe Clean Han Regular" panose="020B0500000000000000" pitchFamily="34" charset="-128"/>
+                          <a:latin typeface="Adobe Clean Han Light" panose="020B0300000000000000" pitchFamily="34" charset="-128"/>
+                          <a:ea typeface="Adobe Clean Han Light" panose="020B0300000000000000" pitchFamily="34" charset="-128"/>
                           <a:cs typeface="AdobeClean-Light"/>
                         </a:rPr>
                         <a:t>15</a:t>
@@ -3863,7 +4158,7 @@
                   </a:ext>
                 </a:extLst>
               </a:tr>
-              <a:tr h="243081">
+              <a:tr h="264424">
                 <a:tc vMerge="1">
                   <a:txBody>
                     <a:bodyPr/>
@@ -3918,12 +4213,12 @@
                         </a:spcBef>
                       </a:pPr>
                       <a:r>
-                        <a:rPr lang="ja-JP" sz="900">
+                        <a:rPr lang="ja-JP" sz="800" dirty="0">
                           <a:solidFill>
                             <a:srgbClr val="020302"/>
                           </a:solidFill>
-                          <a:latin typeface="Adobe Clean Han Regular" panose="020B0500000000000000" pitchFamily="34" charset="-128"/>
-                          <a:ea typeface="Adobe Clean Han Regular" panose="020B0500000000000000" pitchFamily="34" charset="-128"/>
+                          <a:latin typeface="Adobe Clean Han Light" panose="020B0300000000000000" pitchFamily="34" charset="-128"/>
+                          <a:ea typeface="Adobe Clean Han Light" panose="020B0300000000000000" pitchFamily="34" charset="-128"/>
                           <a:cs typeface="AdobeClean-Light"/>
                         </a:rPr>
                         <a:t>電話サポート（ライブ）</a:t>
@@ -3956,8 +4251,7 @@
                         </a:lnSpc>
                       </a:pPr>
                       <a:endParaRPr sz="900" spc="0" dirty="0">
-                        <a:latin typeface="Adobe Clean Han Regular" panose="020B0500000000000000" pitchFamily="34" charset="-128"/>
-                        <a:ea typeface="Adobe Clean Han Regular" panose="020B0500000000000000" pitchFamily="34" charset="-128"/>
+                        <a:latin typeface="Times New Roman"/>
                         <a:cs typeface="Times New Roman"/>
                       </a:endParaRPr>
                     </a:p>
@@ -3994,8 +4288,8 @@
                           <a:solidFill>
                             <a:srgbClr val="020302"/>
                           </a:solidFill>
-                          <a:latin typeface="Adobe Clean Han Regular" panose="020B0500000000000000" pitchFamily="34" charset="-128"/>
-                          <a:ea typeface="Adobe Clean Han Regular" panose="020B0500000000000000" pitchFamily="34" charset="-128"/>
+                          <a:latin typeface="Wingdings"/>
+                          <a:ea typeface="MS Mincho"/>
                           <a:cs typeface="Wingdings"/>
                         </a:rPr>
                         <a:t></a:t>
@@ -4043,8 +4337,8 @@
                           <a:solidFill>
                             <a:srgbClr val="020302"/>
                           </a:solidFill>
-                          <a:latin typeface="Adobe Clean Han Regular" panose="020B0500000000000000" pitchFamily="34" charset="-128"/>
-                          <a:ea typeface="Adobe Clean Han Regular" panose="020B0500000000000000" pitchFamily="34" charset="-128"/>
+                          <a:latin typeface="Wingdings"/>
+                          <a:ea typeface="MS Mincho"/>
                           <a:cs typeface="Wingdings"/>
                         </a:rPr>
                         <a:t></a:t>
@@ -4071,8 +4365,8 @@
                           <a:solidFill>
                             <a:srgbClr val="020302"/>
                           </a:solidFill>
-                          <a:latin typeface="Adobe Clean Han Regular" panose="020B0500000000000000" pitchFamily="34" charset="-128"/>
-                          <a:ea typeface="Adobe Clean Han Regular" panose="020B0500000000000000" pitchFamily="34" charset="-128"/>
+                          <a:latin typeface="Wingdings"/>
+                          <a:ea typeface="MS Mincho"/>
                           <a:cs typeface="Wingdings"/>
                         </a:rPr>
                         <a:t></a:t>
@@ -4094,7 +4388,7 @@
                   </a:ext>
                 </a:extLst>
               </a:tr>
-              <a:tr h="243081">
+              <a:tr h="264424">
                 <a:tc vMerge="1">
                   <a:txBody>
                     <a:bodyPr/>
@@ -4149,12 +4443,12 @@
                         </a:spcBef>
                       </a:pPr>
                       <a:r>
-                        <a:rPr lang="ja-JP" sz="900" dirty="0">
+                        <a:rPr lang="ja-JP" sz="800" dirty="0">
                           <a:solidFill>
                             <a:srgbClr val="020302"/>
                           </a:solidFill>
-                          <a:latin typeface="Adobe Clean Han Regular" panose="020B0500000000000000" pitchFamily="34" charset="-128"/>
-                          <a:ea typeface="Adobe Clean Han Regular" panose="020B0500000000000000" pitchFamily="34" charset="-128"/>
+                          <a:latin typeface="Adobe Clean Han Light" panose="020B0300000000000000" pitchFamily="34" charset="-128"/>
+                          <a:ea typeface="Adobe Clean Han Light" panose="020B0300000000000000" pitchFamily="34" charset="-128"/>
                           <a:cs typeface="AdobeClean-Light"/>
                         </a:rPr>
                         <a:t>エスカレーション管理</a:t>
@@ -4187,8 +4481,7 @@
                         </a:lnSpc>
                       </a:pPr>
                       <a:endParaRPr sz="900" spc="0" dirty="0">
-                        <a:latin typeface="Adobe Clean Han Regular" panose="020B0500000000000000" pitchFamily="34" charset="-128"/>
-                        <a:ea typeface="Adobe Clean Han Regular" panose="020B0500000000000000" pitchFamily="34" charset="-128"/>
+                        <a:latin typeface="Times New Roman"/>
                         <a:cs typeface="Times New Roman"/>
                       </a:endParaRPr>
                     </a:p>
@@ -4225,8 +4518,8 @@
                           <a:solidFill>
                             <a:srgbClr val="020302"/>
                           </a:solidFill>
-                          <a:latin typeface="Adobe Clean Han Regular" panose="020B0500000000000000" pitchFamily="34" charset="-128"/>
-                          <a:ea typeface="Adobe Clean Han Regular" panose="020B0500000000000000" pitchFamily="34" charset="-128"/>
+                          <a:latin typeface="Wingdings"/>
+                          <a:ea typeface="MS Mincho"/>
                           <a:cs typeface="Wingdings"/>
                         </a:rPr>
                         <a:t></a:t>
@@ -4274,8 +4567,8 @@
                           <a:solidFill>
                             <a:srgbClr val="020302"/>
                           </a:solidFill>
-                          <a:latin typeface="Adobe Clean Han Regular" panose="020B0500000000000000" pitchFamily="34" charset="-128"/>
-                          <a:ea typeface="Adobe Clean Han Regular" panose="020B0500000000000000" pitchFamily="34" charset="-128"/>
+                          <a:latin typeface="Wingdings"/>
+                          <a:ea typeface="MS Mincho"/>
                           <a:cs typeface="Wingdings"/>
                         </a:rPr>
                         <a:t></a:t>
@@ -4302,8 +4595,8 @@
                           <a:solidFill>
                             <a:srgbClr val="020302"/>
                           </a:solidFill>
-                          <a:latin typeface="Adobe Clean Han Regular" panose="020B0500000000000000" pitchFamily="34" charset="-128"/>
-                          <a:ea typeface="Adobe Clean Han Regular" panose="020B0500000000000000" pitchFamily="34" charset="-128"/>
+                          <a:latin typeface="Wingdings"/>
+                          <a:ea typeface="MS Mincho"/>
                           <a:cs typeface="Wingdings"/>
                         </a:rPr>
                         <a:t></a:t>
@@ -4325,7 +4618,7 @@
                   </a:ext>
                 </a:extLst>
               </a:tr>
-              <a:tr h="243081">
+              <a:tr h="264424">
                 <a:tc vMerge="1">
                   <a:txBody>
                     <a:bodyPr/>
@@ -4380,12 +4673,12 @@
                         </a:spcBef>
                       </a:pPr>
                       <a:r>
-                        <a:rPr lang="ja-JP" sz="900">
+                        <a:rPr lang="ja-JP" sz="800" dirty="0">
                           <a:solidFill>
                             <a:srgbClr val="020302"/>
                           </a:solidFill>
-                          <a:latin typeface="Adobe Clean Han Regular" panose="020B0500000000000000" pitchFamily="34" charset="-128"/>
-                          <a:ea typeface="Adobe Clean Han Regular" panose="020B0500000000000000" pitchFamily="34" charset="-128"/>
+                          <a:latin typeface="Adobe Clean Han Light" panose="020B0300000000000000" pitchFamily="34" charset="-128"/>
+                          <a:ea typeface="Adobe Clean Han Light" panose="020B0300000000000000" pitchFamily="34" charset="-128"/>
                           <a:cs typeface="AdobeClean-Light"/>
                         </a:rPr>
                         <a:t>年間のサービスレビュー</a:t>
@@ -4418,8 +4711,7 @@
                         </a:lnSpc>
                       </a:pPr>
                       <a:endParaRPr sz="900" spc="0" dirty="0">
-                        <a:latin typeface="Adobe Clean Han Regular" panose="020B0500000000000000" pitchFamily="34" charset="-128"/>
-                        <a:ea typeface="Adobe Clean Han Regular" panose="020B0500000000000000" pitchFamily="34" charset="-128"/>
+                        <a:latin typeface="Times New Roman"/>
                         <a:cs typeface="Times New Roman"/>
                       </a:endParaRPr>
                     </a:p>
@@ -4449,8 +4741,7 @@
                         </a:lnSpc>
                       </a:pPr>
                       <a:endParaRPr sz="900" spc="0">
-                        <a:latin typeface="Adobe Clean Han Regular" panose="020B0500000000000000" pitchFamily="34" charset="-128"/>
-                        <a:ea typeface="Adobe Clean Han Regular" panose="020B0500000000000000" pitchFamily="34" charset="-128"/>
+                        <a:latin typeface="Times New Roman"/>
                         <a:cs typeface="Times New Roman"/>
                       </a:endParaRPr>
                     </a:p>
@@ -4489,12 +4780,12 @@
                         </a:spcBef>
                       </a:pPr>
                       <a:r>
-                        <a:rPr lang="ja-JP" sz="900">
+                        <a:rPr lang="ja-JP" sz="900" dirty="0">
                           <a:solidFill>
                             <a:srgbClr val="020302"/>
                           </a:solidFill>
-                          <a:latin typeface="Adobe Clean Han Regular" panose="020B0500000000000000" pitchFamily="34" charset="-128"/>
-                          <a:ea typeface="Adobe Clean Han Regular" panose="020B0500000000000000" pitchFamily="34" charset="-128"/>
+                          <a:latin typeface="Adobe Clean Han Light" panose="020B0300000000000000" pitchFamily="34" charset="-128"/>
+                          <a:ea typeface="Adobe Clean Han Light" panose="020B0300000000000000" pitchFamily="34" charset="-128"/>
                           <a:cs typeface="AdobeClean-Light"/>
                         </a:rPr>
                         <a:t>2</a:t>
@@ -4521,8 +4812,8 @@
                           <a:solidFill>
                             <a:srgbClr val="020302"/>
                           </a:solidFill>
-                          <a:latin typeface="Adobe Clean Han Regular" panose="020B0500000000000000" pitchFamily="34" charset="-128"/>
-                          <a:ea typeface="Adobe Clean Han Regular" panose="020B0500000000000000" pitchFamily="34" charset="-128"/>
+                          <a:latin typeface="Adobe Clean Han Light" panose="020B0300000000000000" pitchFamily="34" charset="-128"/>
+                          <a:ea typeface="Adobe Clean Han Light" panose="020B0300000000000000" pitchFamily="34" charset="-128"/>
                           <a:cs typeface="AdobeClean-Light"/>
                         </a:rPr>
                         <a:t>4</a:t>
@@ -4544,7 +4835,7 @@
                   </a:ext>
                 </a:extLst>
               </a:tr>
-              <a:tr h="243081">
+              <a:tr h="264424">
                 <a:tc vMerge="1">
                   <a:txBody>
                     <a:bodyPr/>
@@ -4569,9 +4860,9 @@
                         </a:spcBef>
                       </a:pPr>
                       <a:r>
-                        <a:rPr lang="ja-JP" sz="900">
-                          <a:latin typeface="Adobe Clean Han Regular" panose="020B0500000000000000" pitchFamily="34" charset="-128"/>
-                          <a:ea typeface="Adobe Clean Han Regular" panose="020B0500000000000000" pitchFamily="34" charset="-128"/>
+                        <a:rPr lang="ja-JP" sz="800">
+                          <a:latin typeface="Adobe Clean Han Light" panose="020B0300000000000000" pitchFamily="34" charset="-128"/>
+                          <a:ea typeface="Adobe Clean Han Light" panose="020B0300000000000000" pitchFamily="34" charset="-128"/>
                           <a:cs typeface="AdobeClean-Light"/>
                         </a:rPr>
                         <a:t>年間のエキスパートセッション</a:t>
@@ -4610,8 +4901,7 @@
                         </a:lnSpc>
                       </a:pPr>
                       <a:endParaRPr sz="900" spc="0" dirty="0">
-                        <a:latin typeface="Adobe Clean Han Regular" panose="020B0500000000000000" pitchFamily="34" charset="-128"/>
-                        <a:ea typeface="Adobe Clean Han Regular" panose="020B0500000000000000" pitchFamily="34" charset="-128"/>
+                        <a:latin typeface="Times New Roman"/>
                         <a:cs typeface="Times New Roman"/>
                       </a:endParaRPr>
                     </a:p>
@@ -4644,8 +4934,7 @@
                         </a:lnSpc>
                       </a:pPr>
                       <a:endParaRPr sz="900" spc="0" dirty="0">
-                        <a:latin typeface="Adobe Clean Han Regular" panose="020B0500000000000000" pitchFamily="34" charset="-128"/>
-                        <a:ea typeface="Adobe Clean Han Regular" panose="020B0500000000000000" pitchFamily="34" charset="-128"/>
+                        <a:latin typeface="Times New Roman"/>
                         <a:cs typeface="Times New Roman"/>
                       </a:endParaRPr>
                     </a:p>
@@ -4677,8 +4966,8 @@
                       </a:pPr>
                       <a:r>
                         <a:rPr lang="ja-JP" sz="900">
-                          <a:latin typeface="Adobe Clean Han Regular" panose="020B0500000000000000" pitchFamily="34" charset="-128"/>
-                          <a:ea typeface="Adobe Clean Han Regular" panose="020B0500000000000000" pitchFamily="34" charset="-128"/>
+                          <a:latin typeface="Adobe Clean Han Light" panose="020B0300000000000000" pitchFamily="34" charset="-128"/>
+                          <a:ea typeface="Adobe Clean Han Light" panose="020B0300000000000000" pitchFamily="34" charset="-128"/>
                           <a:cs typeface="AdobeClean-Light"/>
                         </a:rPr>
                         <a:t>2</a:t>
@@ -4701,9 +4990,9 @@
                         </a:spcBef>
                       </a:pPr>
                       <a:r>
-                        <a:rPr lang="ja-JP" sz="900">
-                          <a:latin typeface="Adobe Clean Han Regular" panose="020B0500000000000000" pitchFamily="34" charset="-128"/>
-                          <a:ea typeface="Adobe Clean Han Regular" panose="020B0500000000000000" pitchFamily="34" charset="-128"/>
+                        <a:rPr lang="ja-JP" sz="900" dirty="0">
+                          <a:latin typeface="Adobe Clean Han Light" panose="020B0300000000000000" pitchFamily="34" charset="-128"/>
+                          <a:ea typeface="Adobe Clean Han Light" panose="020B0300000000000000" pitchFamily="34" charset="-128"/>
                           <a:cs typeface="AdobeClean-Light"/>
                         </a:rPr>
                         <a:t>4</a:t>
@@ -4725,7 +5014,7 @@
                   </a:ext>
                 </a:extLst>
               </a:tr>
-              <a:tr h="243081">
+              <a:tr h="264424">
                 <a:tc vMerge="1">
                   <a:txBody>
                     <a:bodyPr/>
@@ -4750,9 +5039,9 @@
                         </a:spcBef>
                       </a:pPr>
                       <a:r>
-                        <a:rPr lang="ja-JP" sz="900">
-                          <a:latin typeface="Adobe Clean Han Regular" panose="020B0500000000000000" pitchFamily="34" charset="-128"/>
-                          <a:ea typeface="Adobe Clean Han Regular" panose="020B0500000000000000" pitchFamily="34" charset="-128"/>
+                        <a:rPr lang="ja-JP" sz="800" dirty="0">
+                          <a:latin typeface="Adobe Clean Han Light" panose="020B0300000000000000" pitchFamily="34" charset="-128"/>
+                          <a:ea typeface="Adobe Clean Han Light" panose="020B0300000000000000" pitchFamily="34" charset="-128"/>
                           <a:cs typeface="AdobeClean-Light"/>
                         </a:rPr>
                         <a:t>ケースレビュー</a:t>
@@ -4791,8 +5080,7 @@
                         </a:lnSpc>
                       </a:pPr>
                       <a:endParaRPr sz="900" spc="0" dirty="0">
-                        <a:latin typeface="Adobe Clean Han Regular" panose="020B0500000000000000" pitchFamily="34" charset="-128"/>
-                        <a:ea typeface="Adobe Clean Han Regular" panose="020B0500000000000000" pitchFamily="34" charset="-128"/>
+                        <a:latin typeface="Times New Roman"/>
                         <a:cs typeface="Times New Roman"/>
                       </a:endParaRPr>
                     </a:p>
@@ -4825,8 +5113,7 @@
                         </a:lnSpc>
                       </a:pPr>
                       <a:endParaRPr sz="900" spc="0" dirty="0">
-                        <a:latin typeface="Adobe Clean Han Regular" panose="020B0500000000000000" pitchFamily="34" charset="-128"/>
-                        <a:ea typeface="Adobe Clean Han Regular" panose="020B0500000000000000" pitchFamily="34" charset="-128"/>
+                        <a:latin typeface="Times New Roman"/>
                         <a:cs typeface="Times New Roman"/>
                       </a:endParaRPr>
                     </a:p>
@@ -4870,8 +5157,8 @@
                           <a:solidFill>
                             <a:srgbClr val="020302"/>
                           </a:solidFill>
-                          <a:latin typeface="Adobe Clean Han Regular" panose="020B0500000000000000" pitchFamily="34" charset="-128"/>
-                          <a:ea typeface="Adobe Clean Han Regular" panose="020B0500000000000000" pitchFamily="34" charset="-128"/>
+                          <a:latin typeface="Wingdings"/>
+                          <a:ea typeface="MS Mincho"/>
                           <a:cs typeface="Wingdings"/>
                         </a:rPr>
                         <a:t></a:t>
@@ -4907,8 +5194,8 @@
                           <a:solidFill>
                             <a:srgbClr val="020302"/>
                           </a:solidFill>
-                          <a:latin typeface="Adobe Clean Han Regular" panose="020B0500000000000000" pitchFamily="34" charset="-128"/>
-                          <a:ea typeface="Adobe Clean Han Regular" panose="020B0500000000000000" pitchFamily="34" charset="-128"/>
+                          <a:latin typeface="Wingdings"/>
+                          <a:ea typeface="MS Mincho"/>
                           <a:cs typeface="Wingdings"/>
                         </a:rPr>
                         <a:t></a:t>
@@ -4930,7 +5217,7 @@
                   </a:ext>
                 </a:extLst>
               </a:tr>
-              <a:tr h="243081">
+              <a:tr h="264424">
                 <a:tc vMerge="1">
                   <a:txBody>
                     <a:bodyPr/>
@@ -4985,12 +5272,12 @@
                         </a:spcBef>
                       </a:pPr>
                       <a:r>
-                        <a:rPr lang="ja-JP" sz="900">
+                        <a:rPr lang="ja-JP" sz="800" dirty="0">
                           <a:solidFill>
                             <a:srgbClr val="020302"/>
                           </a:solidFill>
-                          <a:latin typeface="Adobe Clean Han Regular" panose="020B0500000000000000" pitchFamily="34" charset="-128"/>
-                          <a:ea typeface="Adobe Clean Han Regular" panose="020B0500000000000000" pitchFamily="34" charset="-128"/>
+                          <a:latin typeface="Adobe Clean Han Light" panose="020B0300000000000000" pitchFamily="34" charset="-128"/>
+                          <a:ea typeface="Adobe Clean Han Light" panose="020B0300000000000000" pitchFamily="34" charset="-128"/>
                           <a:cs typeface="AdobeClean-Light"/>
                         </a:rPr>
                         <a:t>イベント管理</a:t>
@@ -5023,8 +5310,7 @@
                         </a:lnSpc>
                       </a:pPr>
                       <a:endParaRPr sz="900" spc="0" dirty="0">
-                        <a:latin typeface="Adobe Clean Han Regular" panose="020B0500000000000000" pitchFamily="34" charset="-128"/>
-                        <a:ea typeface="Adobe Clean Han Regular" panose="020B0500000000000000" pitchFamily="34" charset="-128"/>
+                        <a:latin typeface="Times New Roman"/>
                         <a:cs typeface="Times New Roman"/>
                       </a:endParaRPr>
                     </a:p>
@@ -5054,8 +5340,7 @@
                         </a:lnSpc>
                       </a:pPr>
                       <a:endParaRPr sz="900" spc="0">
-                        <a:latin typeface="Adobe Clean Han Regular" panose="020B0500000000000000" pitchFamily="34" charset="-128"/>
-                        <a:ea typeface="Adobe Clean Han Regular" panose="020B0500000000000000" pitchFamily="34" charset="-128"/>
+                        <a:latin typeface="Times New Roman"/>
                         <a:cs typeface="Times New Roman"/>
                       </a:endParaRPr>
                     </a:p>
@@ -5091,8 +5376,7 @@
                         </a:lnSpc>
                       </a:pPr>
                       <a:endParaRPr sz="900" spc="0" dirty="0">
-                        <a:latin typeface="Adobe Clean Han Regular" panose="020B0500000000000000" pitchFamily="34" charset="-128"/>
-                        <a:ea typeface="Adobe Clean Han Regular" panose="020B0500000000000000" pitchFamily="34" charset="-128"/>
+                        <a:latin typeface="Times New Roman"/>
                         <a:cs typeface="Times New Roman"/>
                       </a:endParaRPr>
                     </a:p>
@@ -5117,8 +5401,8 @@
                           <a:solidFill>
                             <a:srgbClr val="020302"/>
                           </a:solidFill>
-                          <a:latin typeface="Adobe Clean Han Regular" panose="020B0500000000000000" pitchFamily="34" charset="-128"/>
-                          <a:ea typeface="Adobe Clean Han Regular" panose="020B0500000000000000" pitchFamily="34" charset="-128"/>
+                          <a:latin typeface="Wingdings"/>
+                          <a:ea typeface="MS Mincho"/>
                           <a:cs typeface="Wingdings"/>
                         </a:rPr>
                         <a:t></a:t>
@@ -5140,7 +5424,7 @@
                   </a:ext>
                 </a:extLst>
               </a:tr>
-              <a:tr h="243081">
+              <a:tr h="264424">
                 <a:tc vMerge="1">
                   <a:txBody>
                     <a:bodyPr/>
@@ -5204,12 +5488,12 @@
                         </a:spcBef>
                       </a:pPr>
                       <a:r>
-                        <a:rPr lang="ja-JP" sz="900">
+                        <a:rPr lang="ja-JP" sz="800" dirty="0">
                           <a:solidFill>
                             <a:srgbClr val="020302"/>
                           </a:solidFill>
-                          <a:latin typeface="Adobe Clean Han Regular" panose="020B0500000000000000" pitchFamily="34" charset="-128"/>
-                          <a:ea typeface="Adobe Clean Han Regular" panose="020B0500000000000000" pitchFamily="34" charset="-128"/>
+                          <a:latin typeface="Adobe Clean Han Light" panose="020B0300000000000000" pitchFamily="34" charset="-128"/>
+                          <a:ea typeface="Adobe Clean Han Light" panose="020B0300000000000000" pitchFamily="34" charset="-128"/>
                           <a:cs typeface="AdobeClean-Light"/>
                         </a:rPr>
                         <a:t>環境レビュー、メンテナンスと監視</a:t>
@@ -5248,8 +5532,7 @@
                         </a:lnSpc>
                       </a:pPr>
                       <a:endParaRPr sz="900" spc="0" dirty="0">
-                        <a:latin typeface="Adobe Clean Han Regular" panose="020B0500000000000000" pitchFamily="34" charset="-128"/>
-                        <a:ea typeface="Adobe Clean Han Regular" panose="020B0500000000000000" pitchFamily="34" charset="-128"/>
+                        <a:latin typeface="Times New Roman"/>
                         <a:cs typeface="Times New Roman"/>
                       </a:endParaRPr>
                     </a:p>
@@ -5282,8 +5565,7 @@
                         </a:lnSpc>
                       </a:pPr>
                       <a:endParaRPr sz="900" spc="0">
-                        <a:latin typeface="Adobe Clean Han Regular" panose="020B0500000000000000" pitchFamily="34" charset="-128"/>
-                        <a:ea typeface="Adobe Clean Han Regular" panose="020B0500000000000000" pitchFamily="34" charset="-128"/>
+                        <a:latin typeface="Times New Roman"/>
                         <a:cs typeface="Times New Roman"/>
                       </a:endParaRPr>
                     </a:p>
@@ -5319,8 +5601,7 @@
                         </a:lnSpc>
                       </a:pPr>
                       <a:endParaRPr sz="900" spc="0">
-                        <a:latin typeface="Adobe Clean Han Regular" panose="020B0500000000000000" pitchFamily="34" charset="-128"/>
-                        <a:ea typeface="Adobe Clean Han Regular" panose="020B0500000000000000" pitchFamily="34" charset="-128"/>
+                        <a:latin typeface="Times New Roman"/>
                         <a:cs typeface="Times New Roman"/>
                       </a:endParaRPr>
                     </a:p>
@@ -5345,8 +5626,8 @@
                           <a:solidFill>
                             <a:srgbClr val="020302"/>
                           </a:solidFill>
-                          <a:latin typeface="Adobe Clean Han Regular" panose="020B0500000000000000" pitchFamily="34" charset="-128"/>
-                          <a:ea typeface="Adobe Clean Han Regular" panose="020B0500000000000000" pitchFamily="34" charset="-128"/>
+                          <a:latin typeface="Wingdings"/>
+                          <a:ea typeface="MS Mincho"/>
                           <a:cs typeface="Wingdings"/>
                         </a:rPr>
                         <a:t></a:t>
@@ -5368,7 +5649,7 @@
                   </a:ext>
                 </a:extLst>
               </a:tr>
-              <a:tr h="319097">
+              <a:tr h="264424">
                 <a:tc vMerge="1">
                   <a:txBody>
                     <a:bodyPr/>
@@ -5423,12 +5704,12 @@
                         </a:spcBef>
                       </a:pPr>
                       <a:r>
-                        <a:rPr lang="ja-JP" sz="900">
+                        <a:rPr lang="ja-JP" sz="800" dirty="0">
                           <a:solidFill>
                             <a:srgbClr val="020302"/>
                           </a:solidFill>
-                          <a:latin typeface="Adobe Clean Han Regular" panose="020B0500000000000000" pitchFamily="34" charset="-128"/>
-                          <a:ea typeface="Adobe Clean Han Regular" panose="020B0500000000000000" pitchFamily="34" charset="-128"/>
+                          <a:latin typeface="Adobe Clean Han Light" panose="020B0300000000000000" pitchFamily="34" charset="-128"/>
+                          <a:ea typeface="Adobe Clean Han Light" panose="020B0300000000000000" pitchFamily="34" charset="-128"/>
                           <a:cs typeface="AdobeClean-Light"/>
                         </a:rPr>
                         <a:t>リリース、移行、アップグレード、製品ロードマップのレビュー</a:t>
@@ -5461,8 +5742,7 @@
                         </a:lnSpc>
                       </a:pPr>
                       <a:endParaRPr sz="900" spc="0" dirty="0">
-                        <a:latin typeface="Adobe Clean Han Regular" panose="020B0500000000000000" pitchFamily="34" charset="-128"/>
-                        <a:ea typeface="Adobe Clean Han Regular" panose="020B0500000000000000" pitchFamily="34" charset="-128"/>
+                        <a:latin typeface="Times New Roman"/>
                         <a:cs typeface="Times New Roman"/>
                       </a:endParaRPr>
                     </a:p>
@@ -5492,8 +5772,7 @@
                         </a:lnSpc>
                       </a:pPr>
                       <a:endParaRPr sz="900" spc="0">
-                        <a:latin typeface="Adobe Clean Han Regular" panose="020B0500000000000000" pitchFamily="34" charset="-128"/>
-                        <a:ea typeface="Adobe Clean Han Regular" panose="020B0500000000000000" pitchFamily="34" charset="-128"/>
+                        <a:latin typeface="Times New Roman"/>
                         <a:cs typeface="Times New Roman"/>
                       </a:endParaRPr>
                     </a:p>
@@ -5529,8 +5808,7 @@
                         </a:lnSpc>
                       </a:pPr>
                       <a:endParaRPr sz="900" spc="0" dirty="0">
-                        <a:latin typeface="Adobe Clean Han Regular" panose="020B0500000000000000" pitchFamily="34" charset="-128"/>
-                        <a:ea typeface="Adobe Clean Han Regular" panose="020B0500000000000000" pitchFamily="34" charset="-128"/>
+                        <a:latin typeface="Times New Roman"/>
                         <a:cs typeface="Times New Roman"/>
                       </a:endParaRPr>
                     </a:p>
@@ -5555,8 +5833,8 @@
                           <a:solidFill>
                             <a:srgbClr val="020302"/>
                           </a:solidFill>
-                          <a:latin typeface="Adobe Clean Han Regular" panose="020B0500000000000000" pitchFamily="34" charset="-128"/>
-                          <a:ea typeface="Adobe Clean Han Regular" panose="020B0500000000000000" pitchFamily="34" charset="-128"/>
+                          <a:latin typeface="Wingdings"/>
+                          <a:ea typeface="MS Mincho"/>
                           <a:cs typeface="Wingdings"/>
                         </a:rPr>
                         <a:t></a:t>
@@ -5578,7 +5856,7 @@
                   </a:ext>
                 </a:extLst>
               </a:tr>
-              <a:tr h="322696">
+              <a:tr h="264424">
                 <a:tc vMerge="1">
                   <a:txBody>
                     <a:bodyPr/>
@@ -5642,9 +5920,9 @@
                         </a:spcBef>
                       </a:pPr>
                       <a:r>
-                        <a:rPr lang="ja-JP" sz="900">
-                          <a:latin typeface="Adobe Clean Han Regular" panose="020B0500000000000000" pitchFamily="34" charset="-128"/>
-                          <a:ea typeface="Adobe Clean Han Regular" panose="020B0500000000000000" pitchFamily="34" charset="-128"/>
+                        <a:rPr lang="ja-JP" sz="800" dirty="0">
+                          <a:latin typeface="Adobe Clean Han Light" panose="020B0300000000000000" pitchFamily="34" charset="-128"/>
+                          <a:ea typeface="Adobe Clean Han Light" panose="020B0300000000000000" pitchFamily="34" charset="-128"/>
                           <a:cs typeface="AdobeClean-Light"/>
                         </a:rPr>
                         <a:t>クラウドサポートアクティビティ – Experience Manager as Cloud</a:t>
@@ -5683,8 +5961,7 @@
                         </a:lnSpc>
                       </a:pPr>
                       <a:endParaRPr sz="900" spc="0" dirty="0">
-                        <a:latin typeface="Adobe Clean Han Regular" panose="020B0500000000000000" pitchFamily="34" charset="-128"/>
-                        <a:ea typeface="Adobe Clean Han Regular" panose="020B0500000000000000" pitchFamily="34" charset="-128"/>
+                        <a:latin typeface="Times New Roman"/>
                         <a:cs typeface="Times New Roman"/>
                       </a:endParaRPr>
                     </a:p>
@@ -5720,8 +5997,7 @@
                         </a:lnSpc>
                       </a:pPr>
                       <a:endParaRPr sz="900" spc="0" dirty="0">
-                        <a:latin typeface="Adobe Clean Han Regular" panose="020B0500000000000000" pitchFamily="34" charset="-128"/>
-                        <a:ea typeface="Adobe Clean Han Regular" panose="020B0500000000000000" pitchFamily="34" charset="-128"/>
+                        <a:latin typeface="Times New Roman"/>
                         <a:cs typeface="Times New Roman"/>
                       </a:endParaRPr>
                     </a:p>
@@ -5781,8 +6057,8 @@
                           <a:solidFill>
                             <a:srgbClr val="020302"/>
                           </a:solidFill>
-                          <a:latin typeface="Adobe Clean Han Regular" panose="020B0500000000000000" pitchFamily="34" charset="-128"/>
-                          <a:ea typeface="Adobe Clean Han Regular" panose="020B0500000000000000" pitchFamily="34" charset="-128"/>
+                          <a:latin typeface="Wingdings"/>
+                          <a:ea typeface="MS Mincho"/>
                           <a:cs typeface="Wingdings"/>
                         </a:rPr>
                         <a:t></a:t>
@@ -5816,8 +6092,8 @@
                           <a:solidFill>
                             <a:srgbClr val="020302"/>
                           </a:solidFill>
-                          <a:latin typeface="Adobe Clean Han Regular" panose="020B0500000000000000" pitchFamily="34" charset="-128"/>
-                          <a:ea typeface="Adobe Clean Han Regular" panose="020B0500000000000000" pitchFamily="34" charset="-128"/>
+                          <a:latin typeface="Wingdings"/>
+                          <a:ea typeface="MS Mincho"/>
                           <a:cs typeface="Wingdings"/>
                         </a:rPr>
                         <a:t></a:t>
@@ -5845,7 +6121,7 @@
                   </a:ext>
                 </a:extLst>
               </a:tr>
-              <a:tr h="243081">
+              <a:tr h="264424">
                 <a:tc rowSpan="2">
                   <a:txBody>
                     <a:bodyPr/>
@@ -5860,7 +6136,7 @@
                         </a:spcBef>
                       </a:pPr>
                       <a:r>
-                        <a:rPr lang="ja-JP" sz="1000" b="1" i="0" dirty="0">
+                        <a:rPr lang="ja-JP" sz="850" b="1" i="0" dirty="0">
                           <a:solidFill>
                             <a:schemeClr val="bg1"/>
                           </a:solidFill>
@@ -5868,10 +6144,10 @@
                           <a:ea typeface="Adobe Clean Han Regular" panose="020B0500000000000000" pitchFamily="34" charset="-128"/>
                           <a:cs typeface="AdobeClean-Light"/>
                         </a:rPr>
-                        <a:t>フィールドサー</a:t>
+                        <a:t>フィールド</a:t>
                       </a:r>
                       <a:br>
-                        <a:rPr lang="sk-SK" altLang="ja-JP" sz="1000" b="1" i="0" dirty="0">
+                        <a:rPr lang="sk-SK" altLang="ja-JP" sz="850" b="1" i="0" dirty="0">
                           <a:solidFill>
                             <a:schemeClr val="bg1"/>
                           </a:solidFill>
@@ -5881,7 +6157,7 @@
                         </a:rPr>
                       </a:br>
                       <a:r>
-                        <a:rPr lang="ja-JP" sz="1000" b="1" i="0" dirty="0">
+                        <a:rPr lang="ja-JP" sz="850" b="1" i="0" dirty="0">
                           <a:solidFill>
                             <a:schemeClr val="bg1"/>
                           </a:solidFill>
@@ -5889,7 +6165,7 @@
                           <a:ea typeface="Adobe Clean Han Regular" panose="020B0500000000000000" pitchFamily="34" charset="-128"/>
                           <a:cs typeface="AdobeClean-Light"/>
                         </a:rPr>
-                        <a:t>ビス</a:t>
+                        <a:t>サービス</a:t>
                       </a:r>
                     </a:p>
                   </a:txBody>
@@ -5943,12 +6219,12 @@
                         </a:spcBef>
                       </a:pPr>
                       <a:r>
-                        <a:rPr lang="ja-JP" sz="900">
+                        <a:rPr lang="ja-JP" sz="800" dirty="0">
                           <a:solidFill>
                             <a:srgbClr val="020302"/>
                           </a:solidFill>
-                          <a:latin typeface="Adobe Clean Han Regular" panose="020B0500000000000000" pitchFamily="34" charset="-128"/>
-                          <a:ea typeface="Adobe Clean Han Regular" panose="020B0500000000000000" pitchFamily="34" charset="-128"/>
+                          <a:latin typeface="Adobe Clean Han Light" panose="020B0300000000000000" pitchFamily="34" charset="-128"/>
+                          <a:ea typeface="Adobe Clean Han Light" panose="020B0300000000000000" pitchFamily="34" charset="-128"/>
                           <a:cs typeface="AdobeClean-Light"/>
                         </a:rPr>
                         <a:t>Launch Advisory サービス – 製品導入の初年度</a:t>
@@ -5964,9 +6240,9 @@
                         </a:spcBef>
                       </a:pPr>
                       <a:r>
-                        <a:rPr lang="ja-JP" sz="900">
-                          <a:latin typeface="Adobe Clean Han Regular" panose="020B0500000000000000" pitchFamily="34" charset="-128"/>
-                          <a:ea typeface="Adobe Clean Han Regular" panose="020B0500000000000000" pitchFamily="34" charset="-128"/>
+                        <a:rPr lang="ja-JP" sz="800" dirty="0">
+                          <a:latin typeface="Adobe Clean Han Light" panose="020B0300000000000000" pitchFamily="34" charset="-128"/>
+                          <a:ea typeface="Adobe Clean Han Light" panose="020B0300000000000000" pitchFamily="34" charset="-128"/>
                           <a:cs typeface="AdobeClean-Light"/>
                         </a:rPr>
                         <a:t>フィールドサービスアクティビティ</a:t>
@@ -6011,8 +6287,7 @@
                         </a:lnSpc>
                       </a:pPr>
                       <a:endParaRPr sz="900" spc="0" dirty="0">
-                        <a:latin typeface="Adobe Clean Han Regular" panose="020B0500000000000000" pitchFamily="34" charset="-128"/>
-                        <a:ea typeface="Adobe Clean Han Regular" panose="020B0500000000000000" pitchFamily="34" charset="-128"/>
+                        <a:latin typeface="Times New Roman"/>
                         <a:cs typeface="Times New Roman"/>
                       </a:endParaRPr>
                     </a:p>
@@ -6048,8 +6323,7 @@
                         </a:lnSpc>
                       </a:pPr>
                       <a:endParaRPr sz="900" spc="0">
-                        <a:latin typeface="Adobe Clean Han Regular" panose="020B0500000000000000" pitchFamily="34" charset="-128"/>
-                        <a:ea typeface="Adobe Clean Han Regular" panose="020B0500000000000000" pitchFamily="34" charset="-128"/>
+                        <a:latin typeface="Times New Roman"/>
                         <a:cs typeface="Times New Roman"/>
                       </a:endParaRPr>
                     </a:p>
@@ -6109,8 +6383,8 @@
                           <a:solidFill>
                             <a:srgbClr val="020302"/>
                           </a:solidFill>
-                          <a:latin typeface="Adobe Clean Han Regular" panose="020B0500000000000000" pitchFamily="34" charset="-128"/>
-                          <a:ea typeface="Adobe Clean Han Regular" panose="020B0500000000000000" pitchFamily="34" charset="-128"/>
+                          <a:latin typeface="Wingdings"/>
+                          <a:ea typeface="MS Mincho"/>
                           <a:cs typeface="Wingdings"/>
                         </a:rPr>
                         <a:t></a:t>
@@ -6144,8 +6418,8 @@
                           <a:solidFill>
                             <a:srgbClr val="020302"/>
                           </a:solidFill>
-                          <a:latin typeface="Adobe Clean Han Regular" panose="020B0500000000000000" pitchFamily="34" charset="-128"/>
-                          <a:ea typeface="Adobe Clean Han Regular" panose="020B0500000000000000" pitchFamily="34" charset="-128"/>
+                          <a:latin typeface="Wingdings"/>
+                          <a:ea typeface="MS Mincho"/>
                           <a:cs typeface="Wingdings"/>
                         </a:rPr>
                         <a:t></a:t>
@@ -6173,7 +6447,7 @@
                   </a:ext>
                 </a:extLst>
               </a:tr>
-              <a:tr h="243513">
+              <a:tr h="264893">
                 <a:tc vMerge="1">
                   <a:txBody>
                     <a:bodyPr/>
@@ -6230,8 +6504,7 @@
                         </a:lnSpc>
                       </a:pPr>
                       <a:endParaRPr sz="900" spc="0" dirty="0">
-                        <a:latin typeface="Adobe Clean Han Regular" panose="020B0500000000000000" pitchFamily="34" charset="-128"/>
-                        <a:ea typeface="Adobe Clean Han Regular" panose="020B0500000000000000" pitchFamily="34" charset="-128"/>
+                        <a:latin typeface="Times New Roman"/>
                         <a:cs typeface="Times New Roman"/>
                       </a:endParaRPr>
                     </a:p>
@@ -6266,9 +6539,8 @@
                           <a:spcPct val="100000"/>
                         </a:lnSpc>
                       </a:pPr>
-                      <a:endParaRPr sz="900" spc="0">
-                        <a:latin typeface="Adobe Clean Han Regular" panose="020B0500000000000000" pitchFamily="34" charset="-128"/>
-                        <a:ea typeface="Adobe Clean Han Regular" panose="020B0500000000000000" pitchFamily="34" charset="-128"/>
+                      <a:endParaRPr sz="900" spc="0" dirty="0">
+                        <a:latin typeface="Times New Roman"/>
                         <a:cs typeface="Times New Roman"/>
                       </a:endParaRPr>
                     </a:p>
@@ -6321,12 +6593,12 @@
                         </a:spcBef>
                       </a:pPr>
                       <a:r>
-                        <a:rPr lang="ja-JP" sz="900">
+                        <a:rPr lang="ja-JP" sz="900" dirty="0">
                           <a:solidFill>
                             <a:srgbClr val="020302"/>
                           </a:solidFill>
-                          <a:latin typeface="Adobe Clean Han Regular" panose="020B0500000000000000" pitchFamily="34" charset="-128"/>
-                          <a:ea typeface="Adobe Clean Han Regular" panose="020B0500000000000000" pitchFamily="34" charset="-128"/>
+                          <a:latin typeface="Adobe Clean Han Light" panose="020B0300000000000000" pitchFamily="34" charset="-128"/>
+                          <a:ea typeface="Adobe Clean Han Light" panose="020B0300000000000000" pitchFamily="34" charset="-128"/>
                           <a:cs typeface="AdobeClean-Light"/>
                         </a:rPr>
                         <a:t>2</a:t>
@@ -6360,8 +6632,8 @@
                           <a:solidFill>
                             <a:srgbClr val="020302"/>
                           </a:solidFill>
-                          <a:latin typeface="Adobe Clean Han Regular" panose="020B0500000000000000" pitchFamily="34" charset="-128"/>
-                          <a:ea typeface="Adobe Clean Han Regular" panose="020B0500000000000000" pitchFamily="34" charset="-128"/>
+                          <a:latin typeface="Adobe Clean Han Light" panose="020B0300000000000000" pitchFamily="34" charset="-128"/>
+                          <a:ea typeface="Adobe Clean Han Light" panose="020B0300000000000000" pitchFamily="34" charset="-128"/>
                           <a:cs typeface="AdobeClean-Light"/>
                         </a:rPr>
                         <a:t>4</a:t>
@@ -6405,8 +6677,8 @@
         </p:nvSpPr>
         <p:spPr>
           <a:xfrm>
-            <a:off x="5105401" y="9862966"/>
-            <a:ext cx="2471926" cy="132729"/>
+            <a:off x="5307201" y="9862966"/>
+            <a:ext cx="2270125" cy="132729"/>
           </a:xfrm>
           <a:prstGeom prst="rect">
             <a:avLst/>
@@ -6427,11 +6699,8 @@
               </a:spcBef>
             </a:pPr>
             <a:r>
-              <a:rPr lang="ja-JP">
-                <a:latin typeface="Adobe Clean Han Regular" panose="020B0500000000000000" pitchFamily="34" charset="-128"/>
-                <a:ea typeface="Adobe Clean Han Regular" panose="020B0500000000000000" pitchFamily="34" charset="-128"/>
-              </a:rPr>
-              <a:t>©2021 Adobe. All Rights Reserved. Adobe Confidential.</a:t>
+              <a:rPr lang="ja-JP"/>
+              <a:t>©2021 Adobe.All Rights Reserved.Adobe Confidential.</a:t>
             </a:r>
           </a:p>
         </p:txBody>
@@ -6445,7 +6714,7 @@
           <p:nvPr>
             <p:extLst>
               <p:ext uri="{D42A27DB-BD31-4B8C-83A1-F6EECF244321}">
-                <p14:modId xmlns:p14="http://schemas.microsoft.com/office/powerpoint/2010/main" val="1556871072"/>
+                <p14:modId xmlns:p14="http://schemas.microsoft.com/office/powerpoint/2010/main" val="656301197"/>
               </p:ext>
             </p:extLst>
           </p:nvPr>
@@ -6468,21 +6737,21 @@
                     </a:ext>
                   </a:extLst>
                 </a:gridCol>
-                <a:gridCol w="914400">
+                <a:gridCol w="1028700">
                   <a:extLst>
                     <a:ext uri="{9D8B030D-6E8A-4147-A177-3AD203B41FA5}">
                       <a16:colId xmlns:a16="http://schemas.microsoft.com/office/drawing/2014/main" val="20001"/>
                     </a:ext>
                   </a:extLst>
                 </a:gridCol>
-                <a:gridCol w="990600">
+                <a:gridCol w="909638">
                   <a:extLst>
                     <a:ext uri="{9D8B030D-6E8A-4147-A177-3AD203B41FA5}">
                       <a16:colId xmlns:a16="http://schemas.microsoft.com/office/drawing/2014/main" val="20002"/>
                     </a:ext>
                   </a:extLst>
                 </a:gridCol>
-                <a:gridCol w="990600">
+                <a:gridCol w="957262">
                   <a:extLst>
                     <a:ext uri="{9D8B030D-6E8A-4147-A177-3AD203B41FA5}">
                       <a16:colId xmlns:a16="http://schemas.microsoft.com/office/drawing/2014/main" val="20003"/>
@@ -6568,7 +6837,7 @@
                         </a:spcBef>
                       </a:pPr>
                       <a:r>
-                        <a:rPr lang="ja-JP" sz="600" dirty="0">
+                        <a:rPr lang="ja-JP" sz="800" dirty="0">
                           <a:solidFill>
                             <a:srgbClr val="020302"/>
                           </a:solidFill>
@@ -6599,11 +6868,14 @@
                       </a:solidFill>
                       <a:prstDash val="solid"/>
                     </a:lnT>
-                    <a:lnB w="76200">
+                    <a:lnB w="76200" cap="flat" cmpd="sng" algn="ctr">
                       <a:solidFill>
                         <a:srgbClr val="858585"/>
                       </a:solidFill>
                       <a:prstDash val="solid"/>
+                      <a:round/>
+                      <a:headEnd type="none" w="med" len="med"/>
+                      <a:tailEnd type="none" w="med" len="med"/>
                     </a:lnB>
                     <a:solidFill>
                       <a:srgbClr val="D9D9D9"/>
@@ -6624,7 +6896,7 @@
                         </a:spcBef>
                       </a:pPr>
                       <a:r>
-                        <a:rPr lang="ja-JP" sz="600" dirty="0">
+                        <a:rPr lang="ja-JP" sz="800" dirty="0">
                           <a:solidFill>
                             <a:srgbClr val="FFFFFF"/>
                           </a:solidFill>
@@ -6655,11 +6927,14 @@
                       </a:solidFill>
                       <a:prstDash val="solid"/>
                     </a:lnT>
-                    <a:lnB w="76200">
+                    <a:lnB w="76200" cap="flat" cmpd="sng" algn="ctr">
                       <a:solidFill>
                         <a:srgbClr val="ACD2FF"/>
                       </a:solidFill>
                       <a:prstDash val="solid"/>
+                      <a:round/>
+                      <a:headEnd type="none" w="med" len="med"/>
+                      <a:tailEnd type="none" w="med" len="med"/>
                     </a:lnB>
                     <a:solidFill>
                       <a:srgbClr val="7D7D7D"/>
@@ -6673,14 +6948,14 @@
                     <a:p>
                       <a:pPr marL="0" algn="ctr">
                         <a:lnSpc>
-                          <a:spcPct val="100000"/>
+                          <a:spcPts val="800"/>
                         </a:lnSpc>
                         <a:spcBef>
                           <a:spcPts val="60"/>
                         </a:spcBef>
                       </a:pPr>
                       <a:r>
-                        <a:rPr lang="ja-JP" sz="600" dirty="0">
+                        <a:rPr lang="ja-JP" sz="800" dirty="0">
                           <a:solidFill>
                             <a:srgbClr val="FFFFFF"/>
                           </a:solidFill>
@@ -6688,7 +6963,28 @@
                           <a:ea typeface="Adobe Clean Han Regular" panose="020B0500000000000000" pitchFamily="34" charset="-128"/>
                           <a:cs typeface="Adobe Clean"/>
                         </a:rPr>
-                        <a:t>エンタープライズサポート</a:t>
+                        <a:t>エンタープライズ</a:t>
+                      </a:r>
+                      <a:br>
+                        <a:rPr lang="sk-SK" altLang="ja-JP" sz="800" dirty="0">
+                          <a:solidFill>
+                            <a:srgbClr val="FFFFFF"/>
+                          </a:solidFill>
+                          <a:latin typeface="Adobe Clean Han Regular" panose="020B0500000000000000" pitchFamily="34" charset="-128"/>
+                          <a:ea typeface="Adobe Clean Han Regular" panose="020B0500000000000000" pitchFamily="34" charset="-128"/>
+                          <a:cs typeface="Adobe Clean"/>
+                        </a:rPr>
+                      </a:br>
+                      <a:r>
+                        <a:rPr lang="ja-JP" sz="800" dirty="0">
+                          <a:solidFill>
+                            <a:srgbClr val="FFFFFF"/>
+                          </a:solidFill>
+                          <a:latin typeface="Adobe Clean Han Regular" panose="020B0500000000000000" pitchFamily="34" charset="-128"/>
+                          <a:ea typeface="Adobe Clean Han Regular" panose="020B0500000000000000" pitchFamily="34" charset="-128"/>
+                          <a:cs typeface="Adobe Clean"/>
+                        </a:rPr>
+                        <a:t>サポート</a:t>
                       </a:r>
                     </a:p>
                   </a:txBody>
@@ -6711,11 +7007,14 @@
                       </a:solidFill>
                       <a:prstDash val="solid"/>
                     </a:lnT>
-                    <a:lnB w="76200">
+                    <a:lnB w="76200" cap="flat" cmpd="sng" algn="ctr">
                       <a:solidFill>
                         <a:srgbClr val="2E8FFF"/>
                       </a:solidFill>
                       <a:prstDash val="solid"/>
+                      <a:round/>
+                      <a:headEnd type="none" w="med" len="med"/>
+                      <a:tailEnd type="none" w="med" len="med"/>
                     </a:lnB>
                     <a:solidFill>
                       <a:srgbClr val="404040"/>
@@ -6736,7 +7035,7 @@
                         </a:spcBef>
                       </a:pPr>
                       <a:r>
-                        <a:rPr lang="ja-JP" sz="600" dirty="0">
+                        <a:rPr lang="ja-JP" sz="800" dirty="0">
                           <a:solidFill>
                             <a:srgbClr val="FFFFFF"/>
                           </a:solidFill>
@@ -6767,11 +7066,14 @@
                       </a:solidFill>
                       <a:prstDash val="solid"/>
                     </a:lnT>
-                    <a:lnB w="76200">
+                    <a:lnB w="76200" cap="flat" cmpd="sng" algn="ctr">
                       <a:solidFill>
                         <a:srgbClr val="0068E1"/>
                       </a:solidFill>
                       <a:prstDash val="solid"/>
+                      <a:round/>
+                      <a:headEnd type="none" w="med" len="med"/>
+                      <a:tailEnd type="none" w="med" len="med"/>
                     </a:lnB>
                     <a:solidFill>
                       <a:srgbClr val="000000"/>
@@ -6799,7 +7101,7 @@
                         </a:spcBef>
                       </a:pPr>
                       <a:r>
-                        <a:rPr lang="ja-JP" sz="900" b="1">
+                        <a:rPr lang="ja-JP" sz="900" b="1" dirty="0">
                           <a:solidFill>
                             <a:srgbClr val="020302"/>
                           </a:solidFill>
@@ -6820,12 +7122,12 @@
                         </a:spcBef>
                       </a:pPr>
                       <a:r>
-                        <a:rPr lang="ja-JP" sz="900" b="0" i="0">
+                        <a:rPr lang="ja-JP" sz="900" b="0" i="0" dirty="0">
                           <a:solidFill>
                             <a:srgbClr val="000000"/>
                           </a:solidFill>
-                          <a:latin typeface="Adobe Clean Han Regular" panose="020B0500000000000000" pitchFamily="34" charset="-128"/>
-                          <a:ea typeface="Adobe Clean Han Regular" panose="020B0500000000000000" pitchFamily="34" charset="-128"/>
+                          <a:latin typeface="Adobe Clean Han Light" panose="020B0300000000000000" pitchFamily="34" charset="-128"/>
+                          <a:ea typeface="Adobe Clean Han Light" panose="020B0300000000000000" pitchFamily="34" charset="-128"/>
                         </a:rPr>
                         <a:t>お客様の本番業務機能がダウンしている、または著しいデータ損失やサービス低下があり、機能およびユーザビリティを復元するための早急な処置が必要。 </a:t>
                       </a:r>
@@ -6838,11 +7140,14 @@
                       </a:solidFill>
                       <a:prstDash val="solid"/>
                     </a:lnL>
-                    <a:lnR w="3175">
+                    <a:lnR w="3175" cap="flat" cmpd="sng" algn="ctr">
                       <a:solidFill>
                         <a:srgbClr val="B7B8B8"/>
                       </a:solidFill>
                       <a:prstDash val="solid"/>
+                      <a:round/>
+                      <a:headEnd type="none" w="med" len="med"/>
+                      <a:tailEnd type="none" w="med" len="med"/>
                     </a:lnR>
                     <a:lnT w="3175">
                       <a:solidFill>
@@ -6863,49 +7168,39 @@
                     <a:bodyPr/>
                     <a:lstStyle/>
                     <a:p>
-                      <a:pPr marL="0" marR="325120" indent="-3810" algn="ctr">
-                        <a:lnSpc>
-                          <a:spcPct val="100000"/>
-                        </a:lnSpc>
-                        <a:spcBef>
-                          <a:spcPts val="670"/>
-                        </a:spcBef>
-                      </a:pPr>
-                      <a:r>
-                        <a:rPr lang="ja-JP" sz="900" dirty="0">
+                      <a:pPr algn="ctr" fontAlgn="t"/>
+                      <a:r>
+                        <a:rPr lang="ja-JP" sz="800" b="0" i="0" u="none" strike="noStrike" dirty="0">
                           <a:solidFill>
                             <a:srgbClr val="020302"/>
                           </a:solidFill>
-                          <a:latin typeface="Adobe Clean Han Regular" panose="020B0500000000000000" pitchFamily="34" charset="-128"/>
-                          <a:ea typeface="Adobe Clean Han Regular" panose="020B0500000000000000" pitchFamily="34" charset="-128"/>
-                          <a:cs typeface="AdobeClean-Light"/>
+                          <a:latin typeface="Adobe Clean Han Light" panose="020B0300000000000000" pitchFamily="34" charset="-128"/>
+                          <a:ea typeface="Adobe Clean Han Light" panose="020B0300000000000000" pitchFamily="34" charset="-128"/>
                         </a:rPr>
                         <a:t>24 時間年中無休／</a:t>
                       </a:r>
                       <a:br>
-                        <a:rPr lang="sk-SK" altLang="ja-JP" sz="900" dirty="0">
+                        <a:rPr lang="en-US" altLang="ja-JP" sz="800" b="0" i="0" u="none" strike="noStrike" dirty="0">
                           <a:solidFill>
                             <a:srgbClr val="020302"/>
                           </a:solidFill>
-                          <a:latin typeface="Adobe Clean Han Regular" panose="020B0500000000000000" pitchFamily="34" charset="-128"/>
-                          <a:ea typeface="Adobe Clean Han Regular" panose="020B0500000000000000" pitchFamily="34" charset="-128"/>
-                          <a:cs typeface="AdobeClean-Light"/>
+                          <a:latin typeface="Adobe Clean Han Light" panose="020B0300000000000000" pitchFamily="34" charset="-128"/>
+                          <a:ea typeface="Adobe Clean Han Light" panose="020B0300000000000000" pitchFamily="34" charset="-128"/>
                         </a:rPr>
                       </a:br>
                       <a:r>
-                        <a:rPr lang="ja-JP" sz="900" dirty="0">
+                        <a:rPr lang="ja-JP" sz="800" b="0" i="0" u="none" strike="noStrike" dirty="0">
                           <a:solidFill>
                             <a:srgbClr val="020302"/>
                           </a:solidFill>
-                          <a:latin typeface="Adobe Clean Han Regular" panose="020B0500000000000000" pitchFamily="34" charset="-128"/>
-                          <a:ea typeface="Adobe Clean Han Regular" panose="020B0500000000000000" pitchFamily="34" charset="-128"/>
-                          <a:cs typeface="AdobeClean-Light"/>
+                          <a:latin typeface="Adobe Clean Han Light" panose="020B0300000000000000" pitchFamily="34" charset="-128"/>
+                          <a:ea typeface="Adobe Clean Han Light" panose="020B0300000000000000" pitchFamily="34" charset="-128"/>
                         </a:rPr>
                         <a:t>1 時間</a:t>
                       </a:r>
                     </a:p>
                   </a:txBody>
-                  <a:tcPr marL="0" marR="0" marT="0" marB="0" anchor="ctr">
+                  <a:tcPr marL="9525" marR="9525" marT="9525" marB="0" anchor="ctr">
                     <a:lnL w="3175">
                       <a:solidFill>
                         <a:srgbClr val="B7B8B8"/>
@@ -6937,28 +7232,39 @@
                     <a:bodyPr/>
                     <a:lstStyle/>
                     <a:p>
-                      <a:pPr marL="0" marR="325755" indent="-3810" algn="ctr">
-                        <a:lnSpc>
-                          <a:spcPct val="100000"/>
-                        </a:lnSpc>
-                        <a:spcBef>
-                          <a:spcPts val="670"/>
-                        </a:spcBef>
-                      </a:pPr>
-                      <a:r>
-                        <a:rPr lang="ja-JP" sz="900">
+                      <a:pPr algn="ctr" fontAlgn="t"/>
+                      <a:r>
+                        <a:rPr lang="ja-JP" sz="800" b="0" i="0" u="none" strike="noStrike" dirty="0">
                           <a:solidFill>
                             <a:srgbClr val="020302"/>
                           </a:solidFill>
-                          <a:latin typeface="Adobe Clean Han Regular" panose="020B0500000000000000" pitchFamily="34" charset="-128"/>
-                          <a:ea typeface="Adobe Clean Han Regular" panose="020B0500000000000000" pitchFamily="34" charset="-128"/>
-                          <a:cs typeface="AdobeClean-Light"/>
-                        </a:rPr>
-                        <a:t>24 時間年中無休／1 時間</a:t>
-                      </a:r>
-                    </a:p>
-                  </a:txBody>
-                  <a:tcPr marL="0" marR="0" marT="0" marB="0" anchor="ctr">
+                          <a:latin typeface="Adobe Clean Han Light" panose="020B0300000000000000" pitchFamily="34" charset="-128"/>
+                          <a:ea typeface="Adobe Clean Han Light" panose="020B0300000000000000" pitchFamily="34" charset="-128"/>
+                        </a:rPr>
+                        <a:t>24 時間年中無休／</a:t>
+                      </a:r>
+                      <a:br>
+                        <a:rPr lang="en-US" altLang="ja-JP" sz="800" b="0" i="0" u="none" strike="noStrike" dirty="0">
+                          <a:solidFill>
+                            <a:srgbClr val="020302"/>
+                          </a:solidFill>
+                          <a:latin typeface="Adobe Clean Han Light" panose="020B0300000000000000" pitchFamily="34" charset="-128"/>
+                          <a:ea typeface="Adobe Clean Han Light" panose="020B0300000000000000" pitchFamily="34" charset="-128"/>
+                        </a:rPr>
+                      </a:br>
+                      <a:r>
+                        <a:rPr lang="ja-JP" sz="800" b="0" i="0" u="none" strike="noStrike" dirty="0">
+                          <a:solidFill>
+                            <a:srgbClr val="020302"/>
+                          </a:solidFill>
+                          <a:latin typeface="Adobe Clean Han Light" panose="020B0300000000000000" pitchFamily="34" charset="-128"/>
+                          <a:ea typeface="Adobe Clean Han Light" panose="020B0300000000000000" pitchFamily="34" charset="-128"/>
+                        </a:rPr>
+                        <a:t>1 時間</a:t>
+                      </a:r>
+                    </a:p>
+                  </a:txBody>
+                  <a:tcPr marL="9525" marR="9525" marT="9525" marB="0" anchor="ctr">
                     <a:lnL w="3175">
                       <a:solidFill>
                         <a:srgbClr val="B7B8B8"/>
@@ -6990,28 +7296,20 @@
                     <a:bodyPr/>
                     <a:lstStyle/>
                     <a:p>
-                      <a:pPr marL="0" marR="258445" indent="115570" algn="ctr">
-                        <a:lnSpc>
-                          <a:spcPct val="100000"/>
-                        </a:lnSpc>
-                        <a:spcBef>
-                          <a:spcPts val="670"/>
-                        </a:spcBef>
-                      </a:pPr>
-                      <a:r>
-                        <a:rPr lang="ja-JP" sz="900">
+                      <a:pPr algn="ctr" fontAlgn="t"/>
+                      <a:r>
+                        <a:rPr lang="ja-JP" sz="800" b="0" i="0" u="none" strike="noStrike" dirty="0">
                           <a:solidFill>
                             <a:srgbClr val="020302"/>
                           </a:solidFill>
-                          <a:latin typeface="Adobe Clean Han Regular" panose="020B0500000000000000" pitchFamily="34" charset="-128"/>
-                          <a:ea typeface="Adobe Clean Han Regular" panose="020B0500000000000000" pitchFamily="34" charset="-128"/>
-                          <a:cs typeface="AdobeClean-Light"/>
+                          <a:latin typeface="Adobe Clean Han Light" panose="020B0300000000000000" pitchFamily="34" charset="-128"/>
+                          <a:ea typeface="Adobe Clean Han Light" panose="020B0300000000000000" pitchFamily="34" charset="-128"/>
                         </a:rPr>
                         <a:t>24 時間年中無休／30 分</a:t>
                       </a:r>
                     </a:p>
                   </a:txBody>
-                  <a:tcPr marL="0" marR="0" marT="0" marB="0" anchor="ctr">
+                  <a:tcPr marL="9525" marR="9525" marT="9525" marB="0" anchor="ctr">
                     <a:lnL w="3175">
                       <a:solidFill>
                         <a:srgbClr val="B7B8B8"/>
@@ -7043,49 +7341,39 @@
                     <a:bodyPr/>
                     <a:lstStyle/>
                     <a:p>
-                      <a:pPr marL="0" marR="271780" indent="103505" algn="ctr">
-                        <a:lnSpc>
-                          <a:spcPct val="100000"/>
-                        </a:lnSpc>
-                        <a:spcBef>
-                          <a:spcPts val="670"/>
-                        </a:spcBef>
-                      </a:pPr>
-                      <a:r>
-                        <a:rPr lang="ja-JP" sz="900" dirty="0">
+                      <a:pPr algn="ctr" fontAlgn="t"/>
+                      <a:r>
+                        <a:rPr lang="ja-JP" sz="800" b="0" i="0" u="none" strike="noStrike" dirty="0">
                           <a:solidFill>
                             <a:srgbClr val="020302"/>
                           </a:solidFill>
-                          <a:latin typeface="Adobe Clean Han Regular" panose="020B0500000000000000" pitchFamily="34" charset="-128"/>
-                          <a:ea typeface="Adobe Clean Han Regular" panose="020B0500000000000000" pitchFamily="34" charset="-128"/>
-                          <a:cs typeface="AdobeClean-Light"/>
+                          <a:latin typeface="Adobe Clean Han Light" panose="020B0300000000000000" pitchFamily="34" charset="-128"/>
+                          <a:ea typeface="Adobe Clean Han Light" panose="020B0300000000000000" pitchFamily="34" charset="-128"/>
                         </a:rPr>
                         <a:t>24 時間年中無休／</a:t>
                       </a:r>
                       <a:br>
-                        <a:rPr lang="sk-SK" altLang="ja-JP" sz="900" dirty="0">
+                        <a:rPr lang="en-US" altLang="ja-JP" sz="800" b="0" i="0" u="none" strike="noStrike" dirty="0">
                           <a:solidFill>
                             <a:srgbClr val="020302"/>
                           </a:solidFill>
-                          <a:latin typeface="Adobe Clean Han Regular" panose="020B0500000000000000" pitchFamily="34" charset="-128"/>
-                          <a:ea typeface="Adobe Clean Han Regular" panose="020B0500000000000000" pitchFamily="34" charset="-128"/>
-                          <a:cs typeface="AdobeClean-Light"/>
+                          <a:latin typeface="Adobe Clean Han Light" panose="020B0300000000000000" pitchFamily="34" charset="-128"/>
+                          <a:ea typeface="Adobe Clean Han Light" panose="020B0300000000000000" pitchFamily="34" charset="-128"/>
                         </a:rPr>
                       </a:br>
                       <a:r>
-                        <a:rPr lang="ja-JP" sz="900" dirty="0">
+                        <a:rPr lang="ja-JP" sz="800" b="0" i="0" u="none" strike="noStrike" dirty="0">
                           <a:solidFill>
                             <a:srgbClr val="020302"/>
                           </a:solidFill>
-                          <a:latin typeface="Adobe Clean Han Regular" panose="020B0500000000000000" pitchFamily="34" charset="-128"/>
-                          <a:ea typeface="Adobe Clean Han Regular" panose="020B0500000000000000" pitchFamily="34" charset="-128"/>
-                          <a:cs typeface="AdobeClean-Light"/>
+                          <a:latin typeface="Adobe Clean Han Light" panose="020B0300000000000000" pitchFamily="34" charset="-128"/>
+                          <a:ea typeface="Adobe Clean Han Light" panose="020B0300000000000000" pitchFamily="34" charset="-128"/>
                         </a:rPr>
                         <a:t>15 分</a:t>
                       </a:r>
                     </a:p>
                   </a:txBody>
-                  <a:tcPr marL="0" marR="0" marT="0" marB="0" anchor="ctr">
+                  <a:tcPr marL="9525" marR="9525" marT="9525" marB="0" anchor="ctr">
                     <a:lnL w="3175">
                       <a:solidFill>
                         <a:srgbClr val="B7B8B8"/>
@@ -7133,7 +7421,7 @@
                         </a:spcBef>
                       </a:pPr>
                       <a:r>
-                        <a:rPr lang="ja-JP" sz="900" b="1">
+                        <a:rPr lang="ja-JP" sz="900" b="1" dirty="0">
                           <a:solidFill>
                             <a:srgbClr val="020302"/>
                           </a:solidFill>
@@ -7163,12 +7451,12 @@
                         <a:defRPr/>
                       </a:pPr>
                       <a:r>
-                        <a:rPr lang="ja-JP" sz="900" b="0" i="0">
+                        <a:rPr lang="ja-JP" sz="900" b="0" i="0" dirty="0">
                           <a:solidFill>
                             <a:srgbClr val="000000"/>
                           </a:solidFill>
-                          <a:latin typeface="Adobe Clean Han Regular" panose="020B0500000000000000" pitchFamily="34" charset="-128"/>
-                          <a:ea typeface="Adobe Clean Han Regular" panose="020B0500000000000000" pitchFamily="34" charset="-128"/>
+                          <a:latin typeface="Adobe Clean Han Light" panose="020B0300000000000000" pitchFamily="34" charset="-128"/>
+                          <a:ea typeface="Adobe Clean Han Light" panose="020B0300000000000000" pitchFamily="34" charset="-128"/>
                         </a:rPr>
                         <a:t>お客様の業務機能に重大なサービス低下や潜在的なデータ損失があるか、主な機能が影響を受けている。 </a:t>
                       </a:r>
@@ -7181,11 +7469,14 @@
                       </a:solidFill>
                       <a:prstDash val="solid"/>
                     </a:lnL>
-                    <a:lnR w="3175">
+                    <a:lnR w="3175" cap="flat" cmpd="sng" algn="ctr">
                       <a:solidFill>
                         <a:srgbClr val="B7B8B8"/>
                       </a:solidFill>
                       <a:prstDash val="solid"/>
+                      <a:round/>
+                      <a:headEnd type="none" w="med" len="med"/>
+                      <a:tailEnd type="none" w="med" len="med"/>
                     </a:lnR>
                     <a:lnT w="3175">
                       <a:solidFill>
@@ -7206,49 +7497,39 @@
                     <a:bodyPr/>
                     <a:lstStyle/>
                     <a:p>
-                      <a:pPr marL="0" marR="184785" indent="-193675" algn="ctr">
-                        <a:lnSpc>
-                          <a:spcPct val="100000"/>
-                        </a:lnSpc>
-                        <a:spcBef>
-                          <a:spcPts val="670"/>
-                        </a:spcBef>
-                      </a:pPr>
-                      <a:r>
-                        <a:rPr lang="ja-JP" sz="900" dirty="0">
+                      <a:pPr algn="ctr" fontAlgn="t"/>
+                      <a:r>
+                        <a:rPr lang="ja-JP" sz="900" b="0" i="0" u="none" strike="noStrike" dirty="0">
                           <a:solidFill>
                             <a:srgbClr val="020302"/>
                           </a:solidFill>
-                          <a:latin typeface="Adobe Clean Han Regular" panose="020B0500000000000000" pitchFamily="34" charset="-128"/>
-                          <a:ea typeface="Adobe Clean Han Regular" panose="020B0500000000000000" pitchFamily="34" charset="-128"/>
-                          <a:cs typeface="AdobeClean-Light"/>
+                          <a:latin typeface="Adobe Clean Han Light" panose="020B0300000000000000" pitchFamily="34" charset="-128"/>
+                          <a:ea typeface="Adobe Clean Han Light" panose="020B0300000000000000" pitchFamily="34" charset="-128"/>
                         </a:rPr>
                         <a:t>営業時間／</a:t>
                       </a:r>
                       <a:br>
-                        <a:rPr lang="sk-SK" altLang="ja-JP" sz="900" dirty="0">
+                        <a:rPr lang="sk-SK" altLang="ja-JP" sz="900" b="0" i="0" u="none" strike="noStrike" dirty="0">
                           <a:solidFill>
                             <a:srgbClr val="020302"/>
                           </a:solidFill>
-                          <a:latin typeface="Adobe Clean Han Regular" panose="020B0500000000000000" pitchFamily="34" charset="-128"/>
-                          <a:ea typeface="Adobe Clean Han Regular" panose="020B0500000000000000" pitchFamily="34" charset="-128"/>
-                          <a:cs typeface="AdobeClean-Light"/>
+                          <a:latin typeface="Adobe Clean Han Light" panose="020B0300000000000000" pitchFamily="34" charset="-128"/>
+                          <a:ea typeface="Adobe Clean Han Light" panose="020B0300000000000000" pitchFamily="34" charset="-128"/>
                         </a:rPr>
                       </a:br>
                       <a:r>
-                        <a:rPr lang="ja-JP" sz="900" dirty="0">
+                        <a:rPr lang="ja-JP" sz="900" b="0" i="0" u="none" strike="noStrike" dirty="0">
                           <a:solidFill>
                             <a:srgbClr val="020302"/>
                           </a:solidFill>
-                          <a:latin typeface="Adobe Clean Han Regular" panose="020B0500000000000000" pitchFamily="34" charset="-128"/>
-                          <a:ea typeface="Adobe Clean Han Regular" panose="020B0500000000000000" pitchFamily="34" charset="-128"/>
-                          <a:cs typeface="AdobeClean-Light"/>
+                          <a:latin typeface="Adobe Clean Han Light" panose="020B0300000000000000" pitchFamily="34" charset="-128"/>
+                          <a:ea typeface="Adobe Clean Han Light" panose="020B0300000000000000" pitchFamily="34" charset="-128"/>
                         </a:rPr>
                         <a:t>4 時間</a:t>
                       </a:r>
                     </a:p>
                   </a:txBody>
-                  <a:tcPr marL="0" marR="0" marT="0" marB="0" anchor="ctr">
+                  <a:tcPr marL="9525" marR="9525" marT="9525" marB="0" anchor="ctr">
                     <a:lnL w="3175">
                       <a:solidFill>
                         <a:srgbClr val="B7B8B8"/>
@@ -7280,49 +7561,39 @@
                     <a:bodyPr/>
                     <a:lstStyle/>
                     <a:p>
-                      <a:pPr marL="0" marR="184785" indent="-194310" algn="ctr">
-                        <a:lnSpc>
-                          <a:spcPct val="100000"/>
-                        </a:lnSpc>
-                        <a:spcBef>
-                          <a:spcPts val="670"/>
-                        </a:spcBef>
-                      </a:pPr>
-                      <a:r>
-                        <a:rPr lang="ja-JP" sz="900" dirty="0">
+                      <a:pPr algn="ctr" fontAlgn="t"/>
+                      <a:r>
+                        <a:rPr lang="ja-JP" sz="900" b="0" i="0" u="none" strike="noStrike" dirty="0">
                           <a:solidFill>
                             <a:srgbClr val="020302"/>
                           </a:solidFill>
-                          <a:latin typeface="Adobe Clean Han Regular" panose="020B0500000000000000" pitchFamily="34" charset="-128"/>
-                          <a:ea typeface="Adobe Clean Han Regular" panose="020B0500000000000000" pitchFamily="34" charset="-128"/>
-                          <a:cs typeface="AdobeClean-Light"/>
+                          <a:latin typeface="Adobe Clean Han Light" panose="020B0300000000000000" pitchFamily="34" charset="-128"/>
+                          <a:ea typeface="Adobe Clean Han Light" panose="020B0300000000000000" pitchFamily="34" charset="-128"/>
                         </a:rPr>
                         <a:t>営業時間／</a:t>
                       </a:r>
                       <a:br>
-                        <a:rPr lang="sk-SK" altLang="ja-JP" sz="900" dirty="0">
+                        <a:rPr lang="sk-SK" altLang="ja-JP" sz="900" b="0" i="0" u="none" strike="noStrike" dirty="0">
                           <a:solidFill>
                             <a:srgbClr val="020302"/>
                           </a:solidFill>
-                          <a:latin typeface="Adobe Clean Han Regular" panose="020B0500000000000000" pitchFamily="34" charset="-128"/>
-                          <a:ea typeface="Adobe Clean Han Regular" panose="020B0500000000000000" pitchFamily="34" charset="-128"/>
-                          <a:cs typeface="AdobeClean-Light"/>
+                          <a:latin typeface="Adobe Clean Han Light" panose="020B0300000000000000" pitchFamily="34" charset="-128"/>
+                          <a:ea typeface="Adobe Clean Han Light" panose="020B0300000000000000" pitchFamily="34" charset="-128"/>
                         </a:rPr>
                       </a:br>
                       <a:r>
-                        <a:rPr lang="ja-JP" sz="900" dirty="0">
+                        <a:rPr lang="ja-JP" sz="900" b="0" i="0" u="none" strike="noStrike" dirty="0">
                           <a:solidFill>
                             <a:srgbClr val="020302"/>
                           </a:solidFill>
-                          <a:latin typeface="Adobe Clean Han Regular" panose="020B0500000000000000" pitchFamily="34" charset="-128"/>
-                          <a:ea typeface="Adobe Clean Han Regular" panose="020B0500000000000000" pitchFamily="34" charset="-128"/>
-                          <a:cs typeface="AdobeClean-Light"/>
+                          <a:latin typeface="Adobe Clean Han Light" panose="020B0300000000000000" pitchFamily="34" charset="-128"/>
+                          <a:ea typeface="Adobe Clean Han Light" panose="020B0300000000000000" pitchFamily="34" charset="-128"/>
                         </a:rPr>
                         <a:t>2 時間</a:t>
                       </a:r>
                     </a:p>
                   </a:txBody>
-                  <a:tcPr marL="0" marR="0" marT="0" marB="0" anchor="ctr">
+                  <a:tcPr marL="9525" marR="9525" marT="9525" marB="0" anchor="ctr">
                     <a:lnL w="3175">
                       <a:solidFill>
                         <a:srgbClr val="B7B8B8"/>
@@ -7354,28 +7625,69 @@
                     <a:bodyPr/>
                     <a:lstStyle/>
                     <a:p>
-                      <a:pPr marL="0" marR="325755" indent="-5715" algn="ctr">
-                        <a:lnSpc>
-                          <a:spcPct val="100000"/>
-                        </a:lnSpc>
-                        <a:spcBef>
-                          <a:spcPts val="670"/>
-                        </a:spcBef>
-                      </a:pPr>
-                      <a:r>
-                        <a:rPr lang="ja-JP" sz="900">
+                      <a:pPr algn="ctr" fontAlgn="t"/>
+                      <a:r>
+                        <a:rPr lang="ja-JP" altLang="en-US" sz="900" b="0" i="0" u="none" strike="noStrike" dirty="0">
                           <a:solidFill>
                             <a:srgbClr val="020302"/>
                           </a:solidFill>
-                          <a:latin typeface="Adobe Clean Han Regular" panose="020B0500000000000000" pitchFamily="34" charset="-128"/>
-                          <a:ea typeface="Adobe Clean Han Regular" panose="020B0500000000000000" pitchFamily="34" charset="-128"/>
-                          <a:cs typeface="AdobeClean-Light"/>
-                        </a:rPr>
-                        <a:t>24 時間週 5 日／1 時間</a:t>
-                      </a:r>
-                    </a:p>
-                  </a:txBody>
-                  <a:tcPr marL="0" marR="0" marT="0" marB="0" anchor="ctr">
+                          <a:latin typeface="Adobe Clean Han Light" panose="020B0300000000000000" pitchFamily="34" charset="-128"/>
+                          <a:ea typeface="Adobe Clean Han Light" panose="020B0300000000000000" pitchFamily="34" charset="-128"/>
+                        </a:rPr>
+                        <a:t>平日</a:t>
+                      </a:r>
+                      <a:r>
+                        <a:rPr lang="en-US" altLang="ja-JP" sz="900" b="0" i="0" u="none" strike="noStrike" dirty="0">
+                          <a:solidFill>
+                            <a:srgbClr val="020302"/>
+                          </a:solidFill>
+                          <a:latin typeface="Adobe Clean Han Light" panose="020B0300000000000000" pitchFamily="34" charset="-128"/>
+                          <a:ea typeface="Adobe Clean Han Light" panose="020B0300000000000000" pitchFamily="34" charset="-128"/>
+                        </a:rPr>
+                        <a:t>24</a:t>
+                      </a:r>
+                      <a:r>
+                        <a:rPr lang="ja-JP" altLang="en-US" sz="900" b="0" i="0" u="none" strike="noStrike" dirty="0">
+                          <a:solidFill>
+                            <a:srgbClr val="020302"/>
+                          </a:solidFill>
+                          <a:latin typeface="Adobe Clean Han Light" panose="020B0300000000000000" pitchFamily="34" charset="-128"/>
+                          <a:ea typeface="Adobe Clean Han Light" panose="020B0300000000000000" pitchFamily="34" charset="-128"/>
+                        </a:rPr>
+                        <a:t>時間</a:t>
+                      </a:r>
+                      <a:r>
+                        <a:rPr lang="ja-JP" sz="900" b="0" i="0" u="none" strike="noStrike" dirty="0">
+                          <a:solidFill>
+                            <a:srgbClr val="020302"/>
+                          </a:solidFill>
+                          <a:latin typeface="Adobe Clean Han Light" panose="020B0300000000000000" pitchFamily="34" charset="-128"/>
+                          <a:ea typeface="Adobe Clean Han Light" panose="020B0300000000000000" pitchFamily="34" charset="-128"/>
+                        </a:rPr>
+                        <a:t>／</a:t>
+                      </a:r>
+                      <a:br>
+                        <a:rPr lang="sk-SK" altLang="ja-JP" sz="900" b="0" i="0" u="none" strike="noStrike" dirty="0">
+                          <a:solidFill>
+                            <a:srgbClr val="020302"/>
+                          </a:solidFill>
+                          <a:latin typeface="Adobe Clean Han Light" panose="020B0300000000000000" pitchFamily="34" charset="-128"/>
+                          <a:ea typeface="Adobe Clean Han Light" panose="020B0300000000000000" pitchFamily="34" charset="-128"/>
+                        </a:rPr>
+                      </a:br>
+                      <a:r>
+                        <a:rPr lang="ja-JP" sz="900" b="0" i="0" u="none" strike="noStrike" dirty="0">
+                          <a:solidFill>
+                            <a:srgbClr val="020302"/>
+                          </a:solidFill>
+                          <a:latin typeface="Adobe Clean Han Light" panose="020B0300000000000000" pitchFamily="34" charset="-128"/>
+                          <a:ea typeface="Adobe Clean Han Light" panose="020B0300000000000000" pitchFamily="34" charset="-128"/>
+                        </a:rPr>
+                        <a:t>1 時間</a:t>
+                      </a:r>
+                    </a:p>
+                  </a:txBody>
+                  <a:tcPr marL="9525" marR="9525" marT="9525" marB="0" anchor="ctr">
                     <a:lnL w="3175">
                       <a:solidFill>
                         <a:srgbClr val="B7B8B8"/>
@@ -7407,28 +7719,69 @@
                     <a:bodyPr/>
                     <a:lstStyle/>
                     <a:p>
-                      <a:pPr marL="0" marR="259079" indent="111760" algn="ctr">
-                        <a:lnSpc>
-                          <a:spcPct val="100000"/>
-                        </a:lnSpc>
-                        <a:spcBef>
-                          <a:spcPts val="670"/>
-                        </a:spcBef>
-                      </a:pPr>
-                      <a:r>
-                        <a:rPr lang="ja-JP" sz="900">
+                      <a:pPr algn="ctr" fontAlgn="t"/>
+                      <a:r>
+                        <a:rPr lang="ja-JP" altLang="en-US" sz="900" b="0" i="0" u="none" strike="noStrike" dirty="0">
                           <a:solidFill>
                             <a:srgbClr val="020302"/>
                           </a:solidFill>
-                          <a:latin typeface="Adobe Clean Han Regular" panose="020B0500000000000000" pitchFamily="34" charset="-128"/>
-                          <a:ea typeface="Adobe Clean Han Regular" panose="020B0500000000000000" pitchFamily="34" charset="-128"/>
-                          <a:cs typeface="AdobeClean-Light"/>
-                        </a:rPr>
-                        <a:t>24 時間週 5 日／30 分</a:t>
-                      </a:r>
-                    </a:p>
-                  </a:txBody>
-                  <a:tcPr marL="0" marR="0" marT="0" marB="0" anchor="ctr">
+                          <a:latin typeface="Adobe Clean Han Light" panose="020B0300000000000000" pitchFamily="34" charset="-128"/>
+                          <a:ea typeface="Adobe Clean Han Light" panose="020B0300000000000000" pitchFamily="34" charset="-128"/>
+                        </a:rPr>
+                        <a:t>平日</a:t>
+                      </a:r>
+                      <a:r>
+                        <a:rPr lang="en-US" altLang="ja-JP" sz="900" b="0" i="0" u="none" strike="noStrike" dirty="0">
+                          <a:solidFill>
+                            <a:srgbClr val="020302"/>
+                          </a:solidFill>
+                          <a:latin typeface="Adobe Clean Han Light" panose="020B0300000000000000" pitchFamily="34" charset="-128"/>
+                          <a:ea typeface="Adobe Clean Han Light" panose="020B0300000000000000" pitchFamily="34" charset="-128"/>
+                        </a:rPr>
+                        <a:t>24</a:t>
+                      </a:r>
+                      <a:r>
+                        <a:rPr lang="ja-JP" altLang="en-US" sz="900" b="0" i="0" u="none" strike="noStrike" dirty="0">
+                          <a:solidFill>
+                            <a:srgbClr val="020302"/>
+                          </a:solidFill>
+                          <a:latin typeface="Adobe Clean Han Light" panose="020B0300000000000000" pitchFamily="34" charset="-128"/>
+                          <a:ea typeface="Adobe Clean Han Light" panose="020B0300000000000000" pitchFamily="34" charset="-128"/>
+                        </a:rPr>
+                        <a:t>時間</a:t>
+                      </a:r>
+                      <a:r>
+                        <a:rPr lang="ja-JP" sz="900" b="0" i="0" u="none" strike="noStrike" dirty="0">
+                          <a:solidFill>
+                            <a:srgbClr val="020302"/>
+                          </a:solidFill>
+                          <a:latin typeface="Adobe Clean Han Light" panose="020B0300000000000000" pitchFamily="34" charset="-128"/>
+                          <a:ea typeface="Adobe Clean Han Light" panose="020B0300000000000000" pitchFamily="34" charset="-128"/>
+                        </a:rPr>
+                        <a:t>／</a:t>
+                      </a:r>
+                      <a:br>
+                        <a:rPr lang="en-US" altLang="ja-JP" sz="900" b="0" i="0" u="none" strike="noStrike" dirty="0">
+                          <a:solidFill>
+                            <a:srgbClr val="020302"/>
+                          </a:solidFill>
+                          <a:latin typeface="Adobe Clean Han Light" panose="020B0300000000000000" pitchFamily="34" charset="-128"/>
+                          <a:ea typeface="Adobe Clean Han Light" panose="020B0300000000000000" pitchFamily="34" charset="-128"/>
+                        </a:rPr>
+                      </a:br>
+                      <a:r>
+                        <a:rPr lang="ja-JP" sz="900" b="0" i="0" u="none" strike="noStrike" dirty="0">
+                          <a:solidFill>
+                            <a:srgbClr val="020302"/>
+                          </a:solidFill>
+                          <a:latin typeface="Adobe Clean Han Light" panose="020B0300000000000000" pitchFamily="34" charset="-128"/>
+                          <a:ea typeface="Adobe Clean Han Light" panose="020B0300000000000000" pitchFamily="34" charset="-128"/>
+                        </a:rPr>
+                        <a:t>30 分</a:t>
+                      </a:r>
+                    </a:p>
+                  </a:txBody>
+                  <a:tcPr marL="9525" marR="9525" marT="9525" marB="0" anchor="ctr">
                     <a:lnL w="3175">
                       <a:solidFill>
                         <a:srgbClr val="B7B8B8"/>
@@ -7476,7 +7829,7 @@
                         </a:spcBef>
                       </a:pPr>
                       <a:r>
-                        <a:rPr lang="ja-JP" sz="900" b="1">
+                        <a:rPr lang="ja-JP" sz="900" b="1" dirty="0">
                           <a:solidFill>
                             <a:srgbClr val="020302"/>
                           </a:solidFill>
@@ -7506,7 +7859,7 @@
                         <a:defRPr/>
                       </a:pPr>
                       <a:r>
-                        <a:rPr kumimoji="0" lang="ja-JP" sz="900" b="0" i="0" u="none" strike="noStrike" cap="none" normalizeH="0" baseline="0" noProof="0">
+                        <a:rPr kumimoji="0" lang="ja-JP" sz="900" b="0" i="0" u="none" strike="noStrike" cap="none" normalizeH="0" baseline="0" noProof="0" dirty="0">
                           <a:ln>
                             <a:noFill/>
                           </a:ln>
@@ -7515,11 +7868,11 @@
                           </a:solidFill>
                           <a:uLnTx/>
                           <a:uFillTx/>
-                          <a:latin typeface="Adobe Clean Han Regular" panose="020B0500000000000000" pitchFamily="34" charset="-128"/>
-                          <a:ea typeface="Adobe Clean Han Regular" panose="020B0500000000000000" pitchFamily="34" charset="-128"/>
+                          <a:latin typeface="Adobe Clean Han Light" panose="020B0300000000000000" pitchFamily="34" charset="-128"/>
+                          <a:ea typeface="Adobe Clean Han Light" panose="020B0300000000000000" pitchFamily="34" charset="-128"/>
                           <a:cs typeface="+mn-cs"/>
                         </a:rPr>
-                        <a:t>お客様の業務機能に軽微なサービス低下があるが、業務機能を正常に続行できるソリューション／回避策が存在する。 </a:t>
+                        <a:t>お客様の業務機能に軽微なサービス低下があるが、業務機能を正常に続行できる解決策／回避策が存在する。 </a:t>
                       </a:r>
                     </a:p>
                   </a:txBody>
@@ -7530,11 +7883,14 @@
                       </a:solidFill>
                       <a:prstDash val="solid"/>
                     </a:lnL>
-                    <a:lnR w="3175">
+                    <a:lnR w="3175" cap="flat" cmpd="sng" algn="ctr">
                       <a:solidFill>
                         <a:srgbClr val="B7B8B8"/>
                       </a:solidFill>
                       <a:prstDash val="solid"/>
+                      <a:round/>
+                      <a:headEnd type="none" w="med" len="med"/>
+                      <a:tailEnd type="none" w="med" len="med"/>
                     </a:lnR>
                     <a:lnT w="3175">
                       <a:solidFill>
@@ -7555,49 +7911,39 @@
                     <a:bodyPr/>
                     <a:lstStyle/>
                     <a:p>
-                      <a:pPr marL="0" marR="184150" indent="-189865" algn="ctr">
-                        <a:lnSpc>
-                          <a:spcPct val="100000"/>
-                        </a:lnSpc>
-                        <a:spcBef>
-                          <a:spcPts val="645"/>
-                        </a:spcBef>
-                      </a:pPr>
-                      <a:r>
-                        <a:rPr lang="ja-JP" sz="900" dirty="0">
+                      <a:pPr algn="ctr" fontAlgn="t"/>
+                      <a:r>
+                        <a:rPr lang="ja-JP" sz="900" b="0" i="0" u="none" strike="noStrike" dirty="0">
                           <a:solidFill>
                             <a:srgbClr val="020302"/>
                           </a:solidFill>
-                          <a:latin typeface="Adobe Clean Han Regular" panose="020B0500000000000000" pitchFamily="34" charset="-128"/>
-                          <a:ea typeface="Adobe Clean Han Regular" panose="020B0500000000000000" pitchFamily="34" charset="-128"/>
-                          <a:cs typeface="AdobeClean-Light"/>
+                          <a:latin typeface="Adobe Clean Han Light" panose="020B0300000000000000" pitchFamily="34" charset="-128"/>
+                          <a:ea typeface="Adobe Clean Han Light" panose="020B0300000000000000" pitchFamily="34" charset="-128"/>
                         </a:rPr>
                         <a:t>営業時間／</a:t>
                       </a:r>
                       <a:br>
-                        <a:rPr lang="sk-SK" altLang="ja-JP" sz="900" dirty="0">
+                        <a:rPr lang="sk-SK" altLang="ja-JP" sz="900" b="0" i="0" u="none" strike="noStrike" dirty="0">
                           <a:solidFill>
                             <a:srgbClr val="020302"/>
                           </a:solidFill>
-                          <a:latin typeface="Adobe Clean Han Regular" panose="020B0500000000000000" pitchFamily="34" charset="-128"/>
-                          <a:ea typeface="Adobe Clean Han Regular" panose="020B0500000000000000" pitchFamily="34" charset="-128"/>
-                          <a:cs typeface="AdobeClean-Light"/>
+                          <a:latin typeface="Adobe Clean Han Light" panose="020B0300000000000000" pitchFamily="34" charset="-128"/>
+                          <a:ea typeface="Adobe Clean Han Light" panose="020B0300000000000000" pitchFamily="34" charset="-128"/>
                         </a:rPr>
                       </a:br>
                       <a:r>
-                        <a:rPr lang="ja-JP" sz="900" dirty="0">
+                        <a:rPr lang="ja-JP" sz="900" b="0" i="0" u="none" strike="noStrike" dirty="0">
                           <a:solidFill>
                             <a:srgbClr val="020302"/>
                           </a:solidFill>
-                          <a:latin typeface="Adobe Clean Han Regular" panose="020B0500000000000000" pitchFamily="34" charset="-128"/>
-                          <a:ea typeface="Adobe Clean Han Regular" panose="020B0500000000000000" pitchFamily="34" charset="-128"/>
-                          <a:cs typeface="AdobeClean-Light"/>
+                          <a:latin typeface="Adobe Clean Han Light" panose="020B0300000000000000" pitchFamily="34" charset="-128"/>
+                          <a:ea typeface="Adobe Clean Han Light" panose="020B0300000000000000" pitchFamily="34" charset="-128"/>
                         </a:rPr>
                         <a:t>6 時間</a:t>
                       </a:r>
                     </a:p>
                   </a:txBody>
-                  <a:tcPr marL="0" marR="0" marT="0" marB="0" anchor="ctr">
+                  <a:tcPr marL="9525" marR="9525" marT="9525" marB="0" anchor="ctr">
                     <a:lnL w="3175">
                       <a:solidFill>
                         <a:srgbClr val="B7B8B8"/>
@@ -7629,49 +7975,39 @@
                     <a:bodyPr/>
                     <a:lstStyle/>
                     <a:p>
-                      <a:pPr marL="0" marR="185420" indent="-193675" algn="ctr">
-                        <a:lnSpc>
-                          <a:spcPct val="100000"/>
-                        </a:lnSpc>
-                        <a:spcBef>
-                          <a:spcPts val="645"/>
-                        </a:spcBef>
-                      </a:pPr>
-                      <a:r>
-                        <a:rPr lang="ja-JP" sz="900" dirty="0">
+                      <a:pPr algn="ctr" fontAlgn="t"/>
+                      <a:r>
+                        <a:rPr lang="ja-JP" sz="900" b="0" i="0" u="none" strike="noStrike" dirty="0">
                           <a:solidFill>
                             <a:srgbClr val="020302"/>
                           </a:solidFill>
-                          <a:latin typeface="Adobe Clean Han Regular" panose="020B0500000000000000" pitchFamily="34" charset="-128"/>
-                          <a:ea typeface="Adobe Clean Han Regular" panose="020B0500000000000000" pitchFamily="34" charset="-128"/>
-                          <a:cs typeface="AdobeClean-Light"/>
+                          <a:latin typeface="Adobe Clean Han Light" panose="020B0300000000000000" pitchFamily="34" charset="-128"/>
+                          <a:ea typeface="Adobe Clean Han Light" panose="020B0300000000000000" pitchFamily="34" charset="-128"/>
                         </a:rPr>
                         <a:t>営業時間／</a:t>
                       </a:r>
                       <a:br>
-                        <a:rPr lang="sk-SK" altLang="ja-JP" sz="900" dirty="0">
+                        <a:rPr lang="sk-SK" altLang="ja-JP" sz="900" b="0" i="0" u="none" strike="noStrike" dirty="0">
                           <a:solidFill>
                             <a:srgbClr val="020302"/>
                           </a:solidFill>
-                          <a:latin typeface="Adobe Clean Han Regular" panose="020B0500000000000000" pitchFamily="34" charset="-128"/>
-                          <a:ea typeface="Adobe Clean Han Regular" panose="020B0500000000000000" pitchFamily="34" charset="-128"/>
-                          <a:cs typeface="AdobeClean-Light"/>
+                          <a:latin typeface="Adobe Clean Han Light" panose="020B0300000000000000" pitchFamily="34" charset="-128"/>
+                          <a:ea typeface="Adobe Clean Han Light" panose="020B0300000000000000" pitchFamily="34" charset="-128"/>
                         </a:rPr>
                       </a:br>
                       <a:r>
-                        <a:rPr lang="ja-JP" sz="900" dirty="0">
+                        <a:rPr lang="ja-JP" sz="900" b="0" i="0" u="none" strike="noStrike" dirty="0">
                           <a:solidFill>
                             <a:srgbClr val="020302"/>
                           </a:solidFill>
-                          <a:latin typeface="Adobe Clean Han Regular" panose="020B0500000000000000" pitchFamily="34" charset="-128"/>
-                          <a:ea typeface="Adobe Clean Han Regular" panose="020B0500000000000000" pitchFamily="34" charset="-128"/>
-                          <a:cs typeface="AdobeClean-Light"/>
+                          <a:latin typeface="Adobe Clean Han Light" panose="020B0300000000000000" pitchFamily="34" charset="-128"/>
+                          <a:ea typeface="Adobe Clean Han Light" panose="020B0300000000000000" pitchFamily="34" charset="-128"/>
                         </a:rPr>
                         <a:t>4 時間</a:t>
                       </a:r>
                     </a:p>
                   </a:txBody>
-                  <a:tcPr marL="0" marR="0" marT="0" marB="0" anchor="ctr">
+                  <a:tcPr marL="9525" marR="9525" marT="9525" marB="0" anchor="ctr">
                     <a:lnL w="3175">
                       <a:solidFill>
                         <a:srgbClr val="B7B8B8"/>
@@ -7703,28 +8039,39 @@
                     <a:bodyPr/>
                     <a:lstStyle/>
                     <a:p>
-                      <a:pPr marL="0" marR="184785" indent="-194310" algn="ctr">
-                        <a:lnSpc>
-                          <a:spcPct val="100000"/>
-                        </a:lnSpc>
-                        <a:spcBef>
-                          <a:spcPts val="645"/>
-                        </a:spcBef>
-                      </a:pPr>
-                      <a:r>
-                        <a:rPr lang="ja-JP" sz="900">
+                      <a:pPr algn="ctr" fontAlgn="t"/>
+                      <a:r>
+                        <a:rPr lang="ja-JP" sz="900" b="0" i="0" u="none" strike="noStrike" dirty="0">
                           <a:solidFill>
                             <a:srgbClr val="020302"/>
                           </a:solidFill>
-                          <a:latin typeface="Adobe Clean Han Regular" panose="020B0500000000000000" pitchFamily="34" charset="-128"/>
-                          <a:ea typeface="Adobe Clean Han Regular" panose="020B0500000000000000" pitchFamily="34" charset="-128"/>
-                          <a:cs typeface="AdobeClean-Light"/>
-                        </a:rPr>
-                        <a:t>営業時間／2 時間</a:t>
-                      </a:r>
-                    </a:p>
-                  </a:txBody>
-                  <a:tcPr marL="0" marR="0" marT="0" marB="0" anchor="ctr">
+                          <a:latin typeface="Adobe Clean Han Light" panose="020B0300000000000000" pitchFamily="34" charset="-128"/>
+                          <a:ea typeface="Adobe Clean Han Light" panose="020B0300000000000000" pitchFamily="34" charset="-128"/>
+                        </a:rPr>
+                        <a:t>営業時間／</a:t>
+                      </a:r>
+                      <a:br>
+                        <a:rPr lang="sk-SK" altLang="ja-JP" sz="900" b="0" i="0" u="none" strike="noStrike" dirty="0">
+                          <a:solidFill>
+                            <a:srgbClr val="020302"/>
+                          </a:solidFill>
+                          <a:latin typeface="Adobe Clean Han Light" panose="020B0300000000000000" pitchFamily="34" charset="-128"/>
+                          <a:ea typeface="Adobe Clean Han Light" panose="020B0300000000000000" pitchFamily="34" charset="-128"/>
+                        </a:rPr>
+                      </a:br>
+                      <a:r>
+                        <a:rPr lang="ja-JP" sz="900" b="0" i="0" u="none" strike="noStrike" dirty="0">
+                          <a:solidFill>
+                            <a:srgbClr val="020302"/>
+                          </a:solidFill>
+                          <a:latin typeface="Adobe Clean Han Light" panose="020B0300000000000000" pitchFamily="34" charset="-128"/>
+                          <a:ea typeface="Adobe Clean Han Light" panose="020B0300000000000000" pitchFamily="34" charset="-128"/>
+                        </a:rPr>
+                        <a:t>2 時間</a:t>
+                      </a:r>
+                    </a:p>
+                  </a:txBody>
+                  <a:tcPr marL="9525" marR="9525" marT="9525" marB="0" anchor="ctr">
                     <a:lnL w="3175">
                       <a:solidFill>
                         <a:srgbClr val="B7B8B8"/>
@@ -7756,28 +8103,69 @@
                     <a:bodyPr/>
                     <a:lstStyle/>
                     <a:p>
-                      <a:pPr marL="0" marR="326390" indent="-5715" algn="ctr">
-                        <a:lnSpc>
-                          <a:spcPct val="100000"/>
-                        </a:lnSpc>
-                        <a:spcBef>
-                          <a:spcPts val="645"/>
-                        </a:spcBef>
-                      </a:pPr>
-                      <a:r>
-                        <a:rPr lang="ja-JP" sz="900">
+                      <a:pPr algn="ctr" fontAlgn="t"/>
+                      <a:r>
+                        <a:rPr lang="ja-JP" altLang="en-US" sz="900" b="0" i="0" u="none" strike="noStrike" dirty="0">
                           <a:solidFill>
                             <a:srgbClr val="020302"/>
                           </a:solidFill>
-                          <a:latin typeface="Adobe Clean Han Regular" panose="020B0500000000000000" pitchFamily="34" charset="-128"/>
-                          <a:ea typeface="Adobe Clean Han Regular" panose="020B0500000000000000" pitchFamily="34" charset="-128"/>
-                          <a:cs typeface="AdobeClean-Light"/>
-                        </a:rPr>
-                        <a:t>24 時間週 5 日／1 時間</a:t>
-                      </a:r>
-                    </a:p>
-                  </a:txBody>
-                  <a:tcPr marL="0" marR="0" marT="0" marB="0" anchor="ctr">
+                          <a:latin typeface="Adobe Clean Han Light" panose="020B0300000000000000" pitchFamily="34" charset="-128"/>
+                          <a:ea typeface="Adobe Clean Han Light" panose="020B0300000000000000" pitchFamily="34" charset="-128"/>
+                        </a:rPr>
+                        <a:t>平日</a:t>
+                      </a:r>
+                      <a:r>
+                        <a:rPr lang="en-US" altLang="ja-JP" sz="900" b="0" i="0" u="none" strike="noStrike" dirty="0">
+                          <a:solidFill>
+                            <a:srgbClr val="020302"/>
+                          </a:solidFill>
+                          <a:latin typeface="Adobe Clean Han Light" panose="020B0300000000000000" pitchFamily="34" charset="-128"/>
+                          <a:ea typeface="Adobe Clean Han Light" panose="020B0300000000000000" pitchFamily="34" charset="-128"/>
+                        </a:rPr>
+                        <a:t>24</a:t>
+                      </a:r>
+                      <a:r>
+                        <a:rPr lang="ja-JP" altLang="en-US" sz="900" b="0" i="0" u="none" strike="noStrike" dirty="0">
+                          <a:solidFill>
+                            <a:srgbClr val="020302"/>
+                          </a:solidFill>
+                          <a:latin typeface="Adobe Clean Han Light" panose="020B0300000000000000" pitchFamily="34" charset="-128"/>
+                          <a:ea typeface="Adobe Clean Han Light" panose="020B0300000000000000" pitchFamily="34" charset="-128"/>
+                        </a:rPr>
+                        <a:t>時間</a:t>
+                      </a:r>
+                      <a:r>
+                        <a:rPr lang="ja-JP" sz="900" b="0" i="0" u="none" strike="noStrike" dirty="0">
+                          <a:solidFill>
+                            <a:srgbClr val="020302"/>
+                          </a:solidFill>
+                          <a:latin typeface="Adobe Clean Han Light" panose="020B0300000000000000" pitchFamily="34" charset="-128"/>
+                          <a:ea typeface="Adobe Clean Han Light" panose="020B0300000000000000" pitchFamily="34" charset="-128"/>
+                        </a:rPr>
+                        <a:t>／</a:t>
+                      </a:r>
+                      <a:br>
+                        <a:rPr lang="sk-SK" altLang="ja-JP" sz="900" b="0" i="0" u="none" strike="noStrike" dirty="0">
+                          <a:solidFill>
+                            <a:srgbClr val="020302"/>
+                          </a:solidFill>
+                          <a:latin typeface="Adobe Clean Han Light" panose="020B0300000000000000" pitchFamily="34" charset="-128"/>
+                          <a:ea typeface="Adobe Clean Han Light" panose="020B0300000000000000" pitchFamily="34" charset="-128"/>
+                        </a:rPr>
+                      </a:br>
+                      <a:r>
+                        <a:rPr lang="ja-JP" sz="900" b="0" i="0" u="none" strike="noStrike" dirty="0">
+                          <a:solidFill>
+                            <a:srgbClr val="020302"/>
+                          </a:solidFill>
+                          <a:latin typeface="Adobe Clean Han Light" panose="020B0300000000000000" pitchFamily="34" charset="-128"/>
+                          <a:ea typeface="Adobe Clean Han Light" panose="020B0300000000000000" pitchFamily="34" charset="-128"/>
+                        </a:rPr>
+                        <a:t>1 時間</a:t>
+                      </a:r>
+                    </a:p>
+                  </a:txBody>
+                  <a:tcPr marL="9525" marR="9525" marT="9525" marB="0" anchor="ctr">
                     <a:lnL w="3175">
                       <a:solidFill>
                         <a:srgbClr val="B7B8B8"/>
@@ -7859,8 +8247,8 @@
                           <a:solidFill>
                             <a:srgbClr val="000000"/>
                           </a:solidFill>
-                          <a:latin typeface="Adobe Clean Han Regular" panose="020B0500000000000000" pitchFamily="34" charset="-128"/>
-                          <a:ea typeface="Adobe Clean Han Regular" panose="020B0500000000000000" pitchFamily="34" charset="-128"/>
+                          <a:latin typeface="Adobe Clean Han Light" panose="020B0300000000000000" pitchFamily="34" charset="-128"/>
+                          <a:ea typeface="Adobe Clean Han Light" panose="020B0300000000000000" pitchFamily="34" charset="-128"/>
                         </a:rPr>
                         <a:t>現在の製品機能に関する一般的な質問または機能拡張のリクエスト。 </a:t>
                       </a:r>
@@ -7873,11 +8261,14 @@
                       </a:solidFill>
                       <a:prstDash val="solid"/>
                     </a:lnL>
-                    <a:lnR w="3175">
+                    <a:lnR w="3175" cap="flat" cmpd="sng" algn="ctr">
                       <a:solidFill>
                         <a:srgbClr val="B7B8B8"/>
                       </a:solidFill>
                       <a:prstDash val="solid"/>
+                      <a:round/>
+                      <a:headEnd type="none" w="med" len="med"/>
+                      <a:tailEnd type="none" w="med" len="med"/>
                     </a:lnR>
                     <a:lnT w="3175">
                       <a:solidFill>
@@ -7898,28 +8289,20 @@
                     <a:bodyPr/>
                     <a:lstStyle/>
                     <a:p>
-                      <a:pPr marL="0" marR="203200" indent="-193040" algn="ctr">
-                        <a:lnSpc>
-                          <a:spcPct val="100000"/>
-                        </a:lnSpc>
-                        <a:spcBef>
-                          <a:spcPts val="155"/>
-                        </a:spcBef>
-                      </a:pPr>
-                      <a:r>
-                        <a:rPr lang="ja-JP" sz="900">
+                      <a:pPr algn="ctr" fontAlgn="t"/>
+                      <a:r>
+                        <a:rPr lang="ja-JP" sz="900" b="0" i="0" u="none" strike="noStrike" dirty="0">
                           <a:solidFill>
                             <a:srgbClr val="020302"/>
                           </a:solidFill>
-                          <a:latin typeface="Adobe Clean Han Regular" panose="020B0500000000000000" pitchFamily="34" charset="-128"/>
-                          <a:ea typeface="Adobe Clean Han Regular" panose="020B0500000000000000" pitchFamily="34" charset="-128"/>
-                          <a:cs typeface="AdobeClean-Light"/>
+                          <a:latin typeface="Adobe Clean Han Light" panose="020B0300000000000000" pitchFamily="34" charset="-128"/>
+                          <a:ea typeface="Adobe Clean Han Light" panose="020B0300000000000000" pitchFamily="34" charset="-128"/>
                         </a:rPr>
                         <a:t>営業日／3 日</a:t>
                       </a:r>
                     </a:p>
                   </a:txBody>
-                  <a:tcPr marL="0" marR="0" marT="0" marB="0" anchor="ctr">
+                  <a:tcPr marL="9525" marR="9525" marT="9525" marB="0" anchor="ctr">
                     <a:lnL w="3175">
                       <a:solidFill>
                         <a:srgbClr val="B7B8B8"/>
@@ -7951,28 +8334,20 @@
                     <a:bodyPr/>
                     <a:lstStyle/>
                     <a:p>
-                      <a:pPr marL="0" marR="223520" indent="-202565" algn="ctr">
-                        <a:lnSpc>
-                          <a:spcPct val="100000"/>
-                        </a:lnSpc>
-                        <a:spcBef>
-                          <a:spcPts val="155"/>
-                        </a:spcBef>
-                      </a:pPr>
-                      <a:r>
-                        <a:rPr lang="ja-JP" sz="900">
+                      <a:pPr algn="ctr" fontAlgn="t"/>
+                      <a:r>
+                        <a:rPr lang="ja-JP" sz="900" b="0" i="0" u="none" strike="noStrike" dirty="0">
                           <a:solidFill>
                             <a:srgbClr val="020302"/>
                           </a:solidFill>
-                          <a:latin typeface="Adobe Clean Han Regular" panose="020B0500000000000000" pitchFamily="34" charset="-128"/>
-                          <a:ea typeface="Adobe Clean Han Regular" panose="020B0500000000000000" pitchFamily="34" charset="-128"/>
-                          <a:cs typeface="AdobeClean-Light"/>
+                          <a:latin typeface="Adobe Clean Han Light" panose="020B0300000000000000" pitchFamily="34" charset="-128"/>
+                          <a:ea typeface="Adobe Clean Han Light" panose="020B0300000000000000" pitchFamily="34" charset="-128"/>
                         </a:rPr>
                         <a:t>営業日／1 日</a:t>
                       </a:r>
                     </a:p>
                   </a:txBody>
-                  <a:tcPr marL="0" marR="0" marT="0" marB="0" anchor="ctr">
+                  <a:tcPr marL="9525" marR="9525" marT="9525" marB="0" anchor="ctr">
                     <a:lnL w="3175">
                       <a:solidFill>
                         <a:srgbClr val="B7B8B8"/>
@@ -8004,28 +8379,20 @@
                     <a:bodyPr/>
                     <a:lstStyle/>
                     <a:p>
-                      <a:pPr marL="0" marR="223520" indent="-202565" algn="ctr">
-                        <a:lnSpc>
-                          <a:spcPct val="100000"/>
-                        </a:lnSpc>
-                        <a:spcBef>
-                          <a:spcPts val="155"/>
-                        </a:spcBef>
-                      </a:pPr>
-                      <a:r>
-                        <a:rPr lang="ja-JP" sz="900">
+                      <a:pPr algn="ctr" fontAlgn="t"/>
+                      <a:r>
+                        <a:rPr lang="ja-JP" sz="900" b="0" i="0" u="none" strike="noStrike">
                           <a:solidFill>
                             <a:srgbClr val="020302"/>
                           </a:solidFill>
-                          <a:latin typeface="Adobe Clean Han Regular" panose="020B0500000000000000" pitchFamily="34" charset="-128"/>
-                          <a:ea typeface="Adobe Clean Han Regular" panose="020B0500000000000000" pitchFamily="34" charset="-128"/>
-                          <a:cs typeface="AdobeClean-Light"/>
+                          <a:latin typeface="Adobe Clean Han Light" panose="020B0300000000000000" pitchFamily="34" charset="-128"/>
+                          <a:ea typeface="Adobe Clean Han Light" panose="020B0300000000000000" pitchFamily="34" charset="-128"/>
                         </a:rPr>
                         <a:t>営業日／1 日</a:t>
                       </a:r>
                     </a:p>
                   </a:txBody>
-                  <a:tcPr marL="0" marR="0" marT="0" marB="0" anchor="ctr">
+                  <a:tcPr marL="9525" marR="9525" marT="9525" marB="0" anchor="ctr">
                     <a:lnL w="3175">
                       <a:solidFill>
                         <a:srgbClr val="B7B8B8"/>
@@ -8057,28 +8424,20 @@
                     <a:bodyPr/>
                     <a:lstStyle/>
                     <a:p>
-                      <a:pPr marL="0" marR="223520" indent="-202565" algn="ctr">
-                        <a:lnSpc>
-                          <a:spcPct val="100000"/>
-                        </a:lnSpc>
-                        <a:spcBef>
-                          <a:spcPts val="155"/>
-                        </a:spcBef>
-                      </a:pPr>
-                      <a:r>
-                        <a:rPr lang="ja-JP" sz="900" dirty="0">
+                      <a:pPr algn="ctr" fontAlgn="t"/>
+                      <a:r>
+                        <a:rPr lang="ja-JP" sz="900" b="0" i="0" u="none" strike="noStrike" dirty="0">
                           <a:solidFill>
                             <a:srgbClr val="020302"/>
                           </a:solidFill>
-                          <a:latin typeface="Adobe Clean Han Regular" panose="020B0500000000000000" pitchFamily="34" charset="-128"/>
-                          <a:ea typeface="Adobe Clean Han Regular" panose="020B0500000000000000" pitchFamily="34" charset="-128"/>
-                          <a:cs typeface="AdobeClean-Light"/>
+                          <a:latin typeface="Adobe Clean Han Light" panose="020B0300000000000000" pitchFamily="34" charset="-128"/>
+                          <a:ea typeface="Adobe Clean Han Light" panose="020B0300000000000000" pitchFamily="34" charset="-128"/>
                         </a:rPr>
                         <a:t>営業日／1 日</a:t>
                       </a:r>
                     </a:p>
                   </a:txBody>
-                  <a:tcPr marL="0" marR="0" marT="0" marB="0" anchor="ctr">
+                  <a:tcPr marL="9525" marR="9525" marT="9525" marB="0" anchor="ctr">
                     <a:lnL w="3175">
                       <a:solidFill>
                         <a:srgbClr val="B7B8B8"/>
@@ -8141,7 +8500,7 @@
           </a:prstGeom>
         </p:spPr>
         <p:txBody>
-          <a:bodyPr vert="horz" wrap="square" lIns="0" tIns="12700" rIns="0" bIns="0" rtlCol="0">
+          <a:bodyPr vert="horz" wrap="square" lIns="0" tIns="12700" rIns="0" bIns="0" rtlCol="0" anchor="t">
             <a:spAutoFit/>
           </a:bodyPr>
           <a:lstStyle/>
@@ -8155,11 +8514,11 @@
               </a:spcBef>
             </a:pPr>
             <a:r>
-              <a:rPr lang="ja-JP" sz="2300">
+              <a:rPr lang="ja-JP" sz="2300" dirty="0">
                 <a:latin typeface="Adobe Clean Han Regular" panose="020B0500000000000000" pitchFamily="34" charset="-128"/>
                 <a:ea typeface="Adobe Clean Han Regular" panose="020B0500000000000000" pitchFamily="34" charset="-128"/>
               </a:rPr>
-              <a:t>アドビサポートのサービス</a:t>
+              <a:t>アドビサポートのプラン</a:t>
             </a:r>
           </a:p>
         </p:txBody>
@@ -8197,8 +8556,6 @@
                 <a:solidFill>
                   <a:schemeClr val="bg1"/>
                 </a:solidFill>
-                <a:latin typeface="Adobe Clean Han Regular" panose="020B0500000000000000" pitchFamily="34" charset="-128"/>
-                <a:ea typeface="Adobe Clean Han Regular" panose="020B0500000000000000" pitchFamily="34" charset="-128"/>
               </a:rPr>
               <a:t>Adobe Experience Cloud</a:t>
             </a:r>
@@ -8282,10 +8639,7 @@
             <a:bodyPr wrap="square" lIns="0" tIns="0" rIns="0" bIns="0" rtlCol="0"/>
             <a:lstStyle/>
             <a:p>
-              <a:endParaRPr>
-                <a:latin typeface="Adobe Clean Han Regular" panose="020B0500000000000000" pitchFamily="34" charset="-128"/>
-                <a:ea typeface="Adobe Clean Han Regular" panose="020B0500000000000000" pitchFamily="34" charset="-128"/>
-              </a:endParaRPr>
+              <a:endParaRPr/>
             </a:p>
           </p:txBody>
         </p:sp>
@@ -8337,10 +8691,7 @@
             <a:bodyPr wrap="square" lIns="0" tIns="0" rIns="0" bIns="0" rtlCol="0"/>
             <a:lstStyle/>
             <a:p>
-              <a:endParaRPr>
-                <a:latin typeface="Adobe Clean Han Regular" panose="020B0500000000000000" pitchFamily="34" charset="-128"/>
-                <a:ea typeface="Adobe Clean Han Regular" panose="020B0500000000000000" pitchFamily="34" charset="-128"/>
-              </a:endParaRPr>
+              <a:endParaRPr/>
             </a:p>
           </p:txBody>
         </p:sp>
@@ -8353,8 +8704,8 @@
         </p:nvSpPr>
         <p:spPr>
           <a:xfrm>
-            <a:off x="296036" y="1370614"/>
-            <a:ext cx="1371600" cy="0"/>
+            <a:off x="296036" y="1370613"/>
+            <a:ext cx="1685164" cy="49567"/>
           </a:xfrm>
           <a:custGeom>
             <a:avLst/>
@@ -8383,10 +8734,7 @@
           <a:bodyPr wrap="square" lIns="0" tIns="0" rIns="0" bIns="0" rtlCol="0"/>
           <a:lstStyle/>
           <a:p>
-            <a:endParaRPr>
-              <a:latin typeface="Adobe Clean Han Regular" panose="020B0500000000000000" pitchFamily="34" charset="-128"/>
-              <a:ea typeface="Adobe Clean Han Regular" panose="020B0500000000000000" pitchFamily="34" charset="-128"/>
-            </a:endParaRPr>
+            <a:endParaRPr/>
           </a:p>
         </p:txBody>
       </p:sp>
@@ -8428,10 +8776,7 @@
           <a:bodyPr wrap="square" lIns="0" tIns="0" rIns="0" bIns="0" rtlCol="0"/>
           <a:lstStyle/>
           <a:p>
-            <a:endParaRPr>
-              <a:latin typeface="Adobe Clean Han Regular" panose="020B0500000000000000" pitchFamily="34" charset="-128"/>
-              <a:ea typeface="Adobe Clean Han Regular" panose="020B0500000000000000" pitchFamily="34" charset="-128"/>
-            </a:endParaRPr>
+            <a:endParaRPr/>
           </a:p>
         </p:txBody>
       </p:sp>
@@ -8451,7 +8796,7 @@
           </a:prstGeom>
         </p:spPr>
         <p:txBody>
-          <a:bodyPr vert="horz" wrap="square" lIns="0" tIns="35560" rIns="0" bIns="0" rtlCol="0">
+          <a:bodyPr vert="horz" wrap="square" lIns="0" tIns="35560" rIns="0" bIns="0" rtlCol="0" anchor="t">
             <a:spAutoFit/>
           </a:bodyPr>
           <a:lstStyle/>
@@ -8469,32 +8814,11 @@
                 <a:solidFill>
                   <a:srgbClr val="020302"/>
                 </a:solidFill>
-                <a:latin typeface="Adobe Clean Han Regular" panose="020B0500000000000000" pitchFamily="34" charset="-128"/>
-                <a:ea typeface="Adobe Clean Han Regular" panose="020B0500000000000000" pitchFamily="34" charset="-128"/>
+                <a:latin typeface="Adobe Clean Han Light" panose="020B0300000000000000" pitchFamily="34" charset="-128"/>
+                <a:ea typeface="Adobe Clean Han Light" panose="020B0300000000000000" pitchFamily="34" charset="-128"/>
                 <a:cs typeface="AdobeClean-Light"/>
               </a:rPr>
-              <a:t>アドビカスタマーサポートでは、ドキュメントのオンラインリソースへのアクセス、ベストプラクティスのための他のエキスパートやお客様との連携、トラブルシューティングのヒントやテクニックのためのウェビナーシリーズ（Office Hours）</a:t>
-            </a:r>
-            <a:br>
-              <a:rPr lang="sk-SK" altLang="ja-JP" sz="1000" dirty="0">
-                <a:solidFill>
-                  <a:srgbClr val="020302"/>
-                </a:solidFill>
-                <a:latin typeface="Adobe Clean Han Regular" panose="020B0500000000000000" pitchFamily="34" charset="-128"/>
-                <a:ea typeface="Adobe Clean Han Regular" panose="020B0500000000000000" pitchFamily="34" charset="-128"/>
-                <a:cs typeface="AdobeClean-Light"/>
-              </a:rPr>
-            </a:br>
-            <a:r>
-              <a:rPr lang="ja-JP" sz="1000" dirty="0">
-                <a:solidFill>
-                  <a:srgbClr val="020302"/>
-                </a:solidFill>
-                <a:latin typeface="Adobe Clean Han Regular" panose="020B0500000000000000" pitchFamily="34" charset="-128"/>
-                <a:ea typeface="Adobe Clean Han Regular" panose="020B0500000000000000" pitchFamily="34" charset="-128"/>
-                <a:cs typeface="AdobeClean-Light"/>
-              </a:rPr>
-              <a:t>を提供しています。また、質問やケース申請のために、いくつかのチャネルが用意されています。</a:t>
+              <a:t>アドビカスタマーサポートでは、ドキュメントのオンラインリソースへのアクセス、ベストプラクティスのための他のエキスパートやお客様との連携、トラブルシューティングのヒントやテクニックのためのウェビナーシリーズ（Office Hours）を提供しています。また、質問やケース申請のために、いくつかのチャネルが用意されています。</a:t>
             </a:r>
           </a:p>
         </p:txBody>
@@ -8508,22 +8832,19 @@
         <p:spPr>
           <a:xfrm>
             <a:off x="206585" y="8494028"/>
-            <a:ext cx="3270885" cy="579646"/>
+            <a:ext cx="3270885" cy="730969"/>
           </a:xfrm>
           <a:prstGeom prst="rect">
             <a:avLst/>
           </a:prstGeom>
         </p:spPr>
         <p:txBody>
-          <a:bodyPr vert="horz" wrap="square" lIns="0" tIns="12700" rIns="0" bIns="0" rtlCol="0">
+          <a:bodyPr vert="horz" wrap="square" lIns="0" tIns="12700" rIns="0" bIns="0" rtlCol="0" anchor="t">
             <a:spAutoFit/>
           </a:bodyPr>
           <a:lstStyle/>
           <a:p>
             <a:pPr marL="33020" marR="159385">
-              <a:lnSpc>
-                <a:spcPct val="100000"/>
-              </a:lnSpc>
               <a:spcBef>
                 <a:spcPts val="100"/>
               </a:spcBef>
@@ -8532,12 +8853,12 @@
               </a:tabLst>
             </a:pPr>
             <a:r>
-              <a:rPr lang="ja-JP" sz="900">
+              <a:rPr lang="ja-JP" sz="900" dirty="0">
                 <a:solidFill>
                   <a:srgbClr val="020302"/>
                 </a:solidFill>
-                <a:latin typeface="Adobe Clean Han Regular" panose="020B0500000000000000" pitchFamily="34" charset="-128"/>
-                <a:ea typeface="Adobe Clean Han Regular" panose="020B0500000000000000" pitchFamily="34" charset="-128"/>
+                <a:latin typeface="Adobe Clean Han Light" panose="020B0300000000000000" pitchFamily="34" charset="-128"/>
+                <a:ea typeface="Adobe Clean Han Light" panose="020B0300000000000000" pitchFamily="34" charset="-128"/>
                 <a:cs typeface="AdobeClean-Light"/>
               </a:rPr>
               <a:t>チャットセッションを開始すると、回答やケース申請による支援を受けることができます。</a:t>
@@ -8556,15 +8877,58 @@
               </a:tabLst>
             </a:pPr>
             <a:r>
-              <a:rPr lang="ja-JP" sz="900" i="1">
+              <a:rPr lang="ja-JP" sz="900" i="1" dirty="0">
                 <a:solidFill>
                   <a:srgbClr val="7A7A7A"/>
                 </a:solidFill>
-                <a:latin typeface="Adobe Clean Han Regular" panose="020B0500000000000000" pitchFamily="34" charset="-128"/>
-                <a:ea typeface="Adobe Clean Han Regular" panose="020B0500000000000000" pitchFamily="34" charset="-128"/>
+                <a:latin typeface="Adobe Clean Han Light" panose="020B0300000000000000" pitchFamily="34" charset="-128"/>
+                <a:ea typeface="Adobe Clean Han Light" panose="020B0300000000000000" pitchFamily="34" charset="-128"/>
                 <a:cs typeface="AdobeClean-LightIt"/>
               </a:rPr>
-              <a:t>* すべての製品にライブチャットサポートがあるわけではありません。  </a:t>
+              <a:t>* すべての製品にライブチャットサポートがあるわけではありません。</a:t>
+            </a:r>
+            <a:endParaRPr lang="en-US" altLang="ja-JP" sz="900" i="1" dirty="0">
+              <a:solidFill>
+                <a:srgbClr val="7A7A7A"/>
+              </a:solidFill>
+              <a:latin typeface="Adobe Clean Han Light" panose="020B0300000000000000" pitchFamily="34" charset="-128"/>
+              <a:ea typeface="Adobe Clean Han Light" panose="020B0300000000000000" pitchFamily="34" charset="-128"/>
+              <a:cs typeface="AdobeClean-LightIt"/>
+            </a:endParaRPr>
+          </a:p>
+          <a:p>
+            <a:pPr marL="33020" marR="159385">
+              <a:lnSpc>
+                <a:spcPct val="100000"/>
+              </a:lnSpc>
+              <a:spcBef>
+                <a:spcPts val="100"/>
+              </a:spcBef>
+              <a:tabLst>
+                <a:tab pos="1786889" algn="l"/>
+              </a:tabLst>
+            </a:pPr>
+            <a:r>
+              <a:rPr lang="ja-JP" altLang="en-US" sz="900" i="1" dirty="0">
+                <a:solidFill>
+                  <a:srgbClr val="7A7A7A"/>
+                </a:solidFill>
+                <a:latin typeface="Adobe Clean Han Light" panose="020B0300000000000000" pitchFamily="34" charset="-128"/>
+                <a:ea typeface="Adobe Clean Han Light" panose="020B0300000000000000" pitchFamily="34" charset="-128"/>
+                <a:cs typeface="AdobeClean-LightIt"/>
+              </a:rPr>
+              <a:t>* チャットサポートは日本語に対応していません。</a:t>
+            </a:r>
+            <a:r>
+              <a:rPr lang="ja-JP" sz="900" i="1" dirty="0">
+                <a:solidFill>
+                  <a:srgbClr val="7A7A7A"/>
+                </a:solidFill>
+                <a:latin typeface="Adobe Clean Han Light" panose="020B0300000000000000" pitchFamily="34" charset="-128"/>
+                <a:ea typeface="Adobe Clean Han Light" panose="020B0300000000000000" pitchFamily="34" charset="-128"/>
+                <a:cs typeface="AdobeClean-LightIt"/>
+              </a:rPr>
+              <a:t>  </a:t>
             </a:r>
           </a:p>
         </p:txBody>
@@ -8594,10 +8958,7 @@
           <a:bodyPr wrap="square" lIns="0" tIns="0" rIns="0" bIns="0" rtlCol="0"/>
           <a:lstStyle/>
           <a:p>
-            <a:endParaRPr>
-              <a:latin typeface="Adobe Clean Han Regular" panose="020B0500000000000000" pitchFamily="34" charset="-128"/>
-              <a:ea typeface="Adobe Clean Han Regular" panose="020B0500000000000000" pitchFamily="34" charset="-128"/>
-            </a:endParaRPr>
+            <a:endParaRPr/>
           </a:p>
         </p:txBody>
       </p:sp>
@@ -8637,7 +8998,7 @@
               </a:spcBef>
             </a:pPr>
             <a:r>
-              <a:rPr lang="ja-JP" sz="1400" b="1">
+              <a:rPr lang="ja-JP" sz="1400" b="1" dirty="0">
                 <a:solidFill>
                   <a:srgbClr val="020302"/>
                 </a:solidFill>
@@ -8666,8 +9027,8 @@
         </p:nvSpPr>
         <p:spPr>
           <a:xfrm>
-            <a:off x="296035" y="3364174"/>
-            <a:ext cx="1805159" cy="184666"/>
+            <a:off x="296036" y="3364174"/>
+            <a:ext cx="2294764" cy="184666"/>
           </a:xfrm>
           <a:prstGeom prst="rect">
             <a:avLst/>
@@ -8697,8 +9058,8 @@
                 <a:solidFill>
                   <a:srgbClr val="000000"/>
                 </a:solidFill>
-                <a:latin typeface="Adobe Clean Han Regular" panose="020B0500000000000000" pitchFamily="34" charset="-128"/>
-                <a:ea typeface="Adobe Clean Han Regular" panose="020B0500000000000000" pitchFamily="34" charset="-128"/>
+                <a:latin typeface="Adobe Clean Han Light" panose="020B0300000000000000" pitchFamily="34" charset="-128"/>
+                <a:ea typeface="Adobe Clean Han Light" panose="020B0300000000000000" pitchFamily="34" charset="-128"/>
               </a:rPr>
               <a:t>コミュニティフォーラム</a:t>
             </a:r>
@@ -8721,8 +9082,8 @@
         </p:nvSpPr>
         <p:spPr>
           <a:xfrm>
-            <a:off x="296035" y="3607329"/>
-            <a:ext cx="1805157" cy="184666"/>
+            <a:off x="296036" y="3607329"/>
+            <a:ext cx="2218564" cy="184666"/>
           </a:xfrm>
           <a:prstGeom prst="rect">
             <a:avLst/>
@@ -8767,7 +9128,7 @@
         </p:nvSpPr>
         <p:spPr>
           <a:xfrm>
-            <a:off x="244599" y="3962400"/>
+            <a:off x="244599" y="3893151"/>
             <a:ext cx="3413002" cy="805349"/>
           </a:xfrm>
           <a:prstGeom prst="rect">
@@ -8785,8 +9146,8 @@
                 <a:solidFill>
                   <a:srgbClr val="000000"/>
                 </a:solidFill>
-                <a:latin typeface="Adobe Clean Han Regular" panose="020B0500000000000000" pitchFamily="34" charset="-128"/>
-                <a:ea typeface="Adobe Clean Han Regular" panose="020B0500000000000000" pitchFamily="34" charset="-128"/>
+                <a:latin typeface="Adobe Clean Han Light" panose="020B0300000000000000" pitchFamily="34" charset="-128"/>
+                <a:ea typeface="Adobe Clean Han Light" panose="020B0300000000000000" pitchFamily="34" charset="-128"/>
               </a:rPr>
               <a:t>テクニカルソリューション、製品ドキュメント、FAQ などの増大するデータベースにオンラインで継続的にアクセスできます。また、アドビコミュニティで実務担当者や他のお客様と繋がり、ベストプラクティスや学習した内容を共有できます。</a:t>
             </a:r>
@@ -8840,8 +9201,8 @@
                 <a:solidFill>
                   <a:srgbClr val="000000"/>
                 </a:solidFill>
-                <a:latin typeface="Adobe Clean Han Regular" panose="020B0500000000000000" pitchFamily="34" charset="-128"/>
-                <a:ea typeface="Adobe Clean Han Regular" panose="020B0500000000000000" pitchFamily="34" charset="-128"/>
+                <a:latin typeface="Adobe Clean Han Light" panose="020B0300000000000000" pitchFamily="34" charset="-128"/>
+                <a:ea typeface="Adobe Clean Han Light" panose="020B0300000000000000" pitchFamily="34" charset="-128"/>
               </a:rPr>
               <a:t>Experience League</a:t>
             </a:r>
@@ -8886,7 +9247,7 @@
               </a:spcAft>
             </a:pPr>
             <a:r>
-              <a:rPr lang="ja-JP" sz="1200" b="1" dirty="0">
+              <a:rPr lang="ja-JP" sz="1200" b="1">
                 <a:latin typeface="Adobe Clean Han Regular" panose="020B0500000000000000" pitchFamily="34" charset="-128"/>
                 <a:ea typeface="Adobe Clean Han Regular" panose="020B0500000000000000" pitchFamily="34" charset="-128"/>
                 <a:cs typeface="Open Sans" pitchFamily="34" charset="0"/>
@@ -8928,8 +9289,8 @@
                 <a:solidFill>
                   <a:srgbClr val="000000"/>
                 </a:solidFill>
-                <a:latin typeface="Adobe Clean Han Regular" panose="020B0500000000000000" pitchFamily="34" charset="-128"/>
-                <a:ea typeface="Adobe Clean Han Regular" panose="020B0500000000000000" pitchFamily="34" charset="-128"/>
+                <a:latin typeface="Adobe Clean Han Light" panose="020B0300000000000000" pitchFamily="34" charset="-128"/>
+                <a:ea typeface="Adobe Clean Han Light" panose="020B0300000000000000" pitchFamily="34" charset="-128"/>
               </a:rPr>
               <a:t>エクスペリエンスメーカーは、Experience League から誕生します。Experience League に参加すると、パーソナライズされた学習で、顧客体験管理能力を強化することができます。スキルの向上や、グローバルコミュニティでの仲間との交流のほか、キャリアアップに役立つ評価の獲得も可能です。 </a:t>
             </a:r>
@@ -8983,8 +9344,8 @@
                 <a:solidFill>
                   <a:srgbClr val="000000"/>
                 </a:solidFill>
-                <a:latin typeface="Adobe Clean Han Regular" panose="020B0500000000000000" pitchFamily="34" charset="-128"/>
-                <a:ea typeface="Adobe Clean Han Regular" panose="020B0500000000000000" pitchFamily="34" charset="-128"/>
+                <a:latin typeface="Adobe Clean Han Light" panose="020B0300000000000000" pitchFamily="34" charset="-128"/>
+                <a:ea typeface="Adobe Clean Han Light" panose="020B0300000000000000" pitchFamily="34" charset="-128"/>
               </a:rPr>
               <a:t>Office Hours</a:t>
             </a:r>
@@ -9071,8 +9432,8 @@
                 <a:solidFill>
                   <a:srgbClr val="000000"/>
                 </a:solidFill>
-                <a:latin typeface="Adobe Clean Han Regular" panose="020B0500000000000000" pitchFamily="34" charset="-128"/>
-                <a:ea typeface="Adobe Clean Han Regular" panose="020B0500000000000000" pitchFamily="34" charset="-128"/>
+                <a:latin typeface="Adobe Clean Han Light" panose="020B0300000000000000" pitchFamily="34" charset="-128"/>
+                <a:ea typeface="Adobe Clean Han Light" panose="020B0300000000000000" pitchFamily="34" charset="-128"/>
               </a:rPr>
               <a:t>アドビカスタマーサポートチームによる Office Hours には、参加者に情報を提供するだけでなく、問題のトラブルシューティングやアドビソリューションで成功するためのヒントやテクニックを紹介することを目的としたセッションが含まれています。</a:t>
             </a:r>
@@ -9122,12 +9483,12 @@
               <a:defRPr/>
             </a:pPr>
             <a:r>
-              <a:rPr lang="ja-JP" sz="1200" dirty="0">
+              <a:rPr lang="ja-JP" sz="1200">
                 <a:solidFill>
                   <a:srgbClr val="000000"/>
                 </a:solidFill>
-                <a:latin typeface="Adobe Clean Han Regular" panose="020B0500000000000000" pitchFamily="34" charset="-128"/>
-                <a:ea typeface="Adobe Clean Han Regular" panose="020B0500000000000000" pitchFamily="34" charset="-128"/>
+                <a:latin typeface="Adobe Clean Han Light" panose="020B0300000000000000" pitchFamily="34" charset="-128"/>
+                <a:ea typeface="Adobe Clean Han Light" panose="020B0300000000000000" pitchFamily="34" charset="-128"/>
               </a:rPr>
               <a:t>セルフサービスポータル</a:t>
             </a:r>
@@ -9172,7 +9533,7 @@
               </a:spcAft>
             </a:pPr>
             <a:r>
-              <a:rPr lang="ja-JP" sz="1200" b="1" dirty="0">
+              <a:rPr lang="ja-JP" sz="1200" b="1">
                 <a:latin typeface="Adobe Clean Han Regular" panose="020B0500000000000000" pitchFamily="34" charset="-128"/>
                 <a:ea typeface="Adobe Clean Han Regular" panose="020B0500000000000000" pitchFamily="34" charset="-128"/>
                 <a:cs typeface="Open Sans" pitchFamily="34" charset="0"/>
@@ -9210,12 +9571,12 @@
           <a:lstStyle/>
           <a:p>
             <a:r>
-              <a:rPr lang="ja-JP" sz="1000">
+              <a:rPr lang="ja-JP" sz="1000" dirty="0">
                 <a:solidFill>
                   <a:srgbClr val="000000"/>
                 </a:solidFill>
-                <a:latin typeface="Adobe Clean Han Regular" panose="020B0500000000000000" pitchFamily="34" charset="-128"/>
-                <a:ea typeface="Adobe Clean Han Regular" panose="020B0500000000000000" pitchFamily="34" charset="-128"/>
+                <a:latin typeface="Adobe Clean Han Light" panose="020B0300000000000000" pitchFamily="34" charset="-128"/>
+                <a:ea typeface="Adobe Clean Han Light" panose="020B0300000000000000" pitchFamily="34" charset="-128"/>
               </a:rPr>
               <a:t>オンラインのセルフサービスサポートポータルにオンデマンドでアクセスして、サポートリクエストを申請したり、ケースのステータスを確認したり、その他のリソース（ナレッジベース、ニュースとアラート、注目すべきヒントなど）を参照したりできます。</a:t>
             </a:r>
@@ -9269,8 +9630,8 @@
                 <a:solidFill>
                   <a:srgbClr val="000000"/>
                 </a:solidFill>
-                <a:latin typeface="Adobe Clean Han Regular" panose="020B0500000000000000" pitchFamily="34" charset="-128"/>
-                <a:ea typeface="Adobe Clean Han Regular" panose="020B0500000000000000" pitchFamily="34" charset="-128"/>
+                <a:latin typeface="Adobe Clean Han Light" panose="020B0300000000000000" pitchFamily="34" charset="-128"/>
+                <a:ea typeface="Adobe Clean Han Light" panose="020B0300000000000000" pitchFamily="34" charset="-128"/>
               </a:rPr>
               <a:t>ライブチャットサポート*</a:t>
             </a:r>
@@ -9315,7 +9676,7 @@
               </a:spcAft>
             </a:pPr>
             <a:r>
-              <a:rPr lang="ja-JP" sz="1200" b="1" dirty="0">
+              <a:rPr lang="ja-JP" sz="1200" b="1">
                 <a:latin typeface="Adobe Clean Han Regular" panose="020B0500000000000000" pitchFamily="34" charset="-128"/>
                 <a:ea typeface="Adobe Clean Han Regular" panose="020B0500000000000000" pitchFamily="34" charset="-128"/>
                 <a:cs typeface="Open Sans" pitchFamily="34" charset="0"/>
@@ -9372,8 +9733,8 @@
                 <a:solidFill>
                   <a:srgbClr val="000000"/>
                 </a:solidFill>
-                <a:latin typeface="Adobe Clean Han Regular" panose="020B0500000000000000" pitchFamily="34" charset="-128"/>
-                <a:ea typeface="Adobe Clean Han Regular" panose="020B0500000000000000" pitchFamily="34" charset="-128"/>
+                <a:latin typeface="Adobe Clean Han Light" panose="020B0300000000000000" pitchFamily="34" charset="-128"/>
+                <a:ea typeface="Adobe Clean Han Light" panose="020B0300000000000000" pitchFamily="34" charset="-128"/>
               </a:rPr>
               <a:t>24 時間年中無休 P1 </a:t>
             </a:r>
@@ -9418,7 +9779,7 @@
               </a:spcAft>
             </a:pPr>
             <a:r>
-              <a:rPr lang="ja-JP" sz="1200" b="1">
+              <a:rPr lang="ja-JP" sz="1200" b="1" dirty="0">
                 <a:latin typeface="Adobe Clean Han Regular" panose="020B0500000000000000" pitchFamily="34" charset="-128"/>
                 <a:ea typeface="Adobe Clean Han Regular" panose="020B0500000000000000" pitchFamily="34" charset="-128"/>
                 <a:cs typeface="Open Sans" pitchFamily="34" charset="0"/>
@@ -9460,15 +9821,15 @@
                 <a:solidFill>
                   <a:srgbClr val="020302"/>
                 </a:solidFill>
-                <a:latin typeface="Adobe Clean Han Regular" panose="020B0500000000000000" pitchFamily="34" charset="-128"/>
-                <a:ea typeface="Adobe Clean Han Regular" panose="020B0500000000000000" pitchFamily="34" charset="-128"/>
+                <a:latin typeface="Adobe Clean Han Light" panose="020B0300000000000000" pitchFamily="34" charset="-128"/>
+                <a:ea typeface="Adobe Clean Han Light" panose="020B0300000000000000" pitchFamily="34" charset="-128"/>
               </a:rPr>
               <a:t>承認済みユーザーまたはサポート対象ユーザーは、</a:t>
             </a:r>
             <a:r>
               <a:rPr lang="ja-JP" sz="1000">
-                <a:latin typeface="Adobe Clean Han Regular" panose="020B0500000000000000" pitchFamily="34" charset="-128"/>
-                <a:ea typeface="Adobe Clean Han Regular" panose="020B0500000000000000" pitchFamily="34" charset="-128"/>
+                <a:latin typeface="Adobe Clean Han Light" panose="020B0300000000000000" pitchFamily="34" charset="-128"/>
+                <a:ea typeface="Adobe Clean Han Light" panose="020B0300000000000000" pitchFamily="34" charset="-128"/>
               </a:rPr>
               <a:t>使用可能なすべてのチャネル（P1 の場合は電話を含む）を通じて問題を申請でき、お客様の会社を代表してアドビのテクニカルサポートチームとやり取りできます。 </a:t>
             </a:r>
@@ -9493,8 +9854,8 @@
         </p:nvSpPr>
         <p:spPr>
           <a:xfrm>
-            <a:off x="5029200" y="9862967"/>
-            <a:ext cx="2494341" cy="132729"/>
+            <a:off x="5253416" y="9862966"/>
+            <a:ext cx="2270125" cy="132729"/>
           </a:xfrm>
           <a:prstGeom prst="rect">
             <a:avLst/>
@@ -9515,10 +9876,7 @@
               </a:spcBef>
             </a:pPr>
             <a:r>
-              <a:rPr lang="ja-JP" dirty="0">
-                <a:latin typeface="Adobe Clean Han Regular" panose="020B0500000000000000" pitchFamily="34" charset="-128"/>
-                <a:ea typeface="Adobe Clean Han Regular" panose="020B0500000000000000" pitchFamily="34" charset="-128"/>
-              </a:rPr>
+              <a:rPr lang="ja-JP"/>
               <a:t>©2021 Adobe.All Rights Reserved.Adobe Confidential.</a:t>
             </a:r>
           </a:p>
@@ -9814,11 +10172,11 @@
                 <a:solidFill>
                   <a:srgbClr val="6C6C6C"/>
                 </a:solidFill>
-                <a:latin typeface="Adobe Clean Han Regular" panose="020B0500000000000000" pitchFamily="34" charset="-128"/>
-                <a:ea typeface="Adobe Clean Han Regular" panose="020B0500000000000000" pitchFamily="34" charset="-128"/>
+                <a:latin typeface="Adobe Clean"/>
+                <a:ea typeface="MS Mincho"/>
                 <a:cs typeface="Adobe Clean"/>
               </a:rPr>
-              <a:t>©2020 Adobe. All Rights Reserved.Adobe Confidential.</a:t>
+              <a:t>©2020 Adobe.All Rights Reserved.Adobe Confidential.</a:t>
             </a:r>
           </a:p>
           <a:p>
@@ -9831,8 +10189,7 @@
               </a:spcBef>
             </a:pPr>
             <a:endParaRPr sz="800">
-              <a:latin typeface="Adobe Clean Han Regular" panose="020B0500000000000000" pitchFamily="34" charset="-128"/>
-              <a:ea typeface="Adobe Clean Han Regular" panose="020B0500000000000000" pitchFamily="34" charset="-128"/>
+              <a:latin typeface="Adobe Clean"/>
               <a:cs typeface="Adobe Clean"/>
             </a:endParaRPr>
           </a:p>
@@ -9850,8 +10207,8 @@
                 <a:solidFill>
                   <a:srgbClr val="6D6D6D"/>
                 </a:solidFill>
-                <a:latin typeface="Adobe Clean Han Regular" panose="020B0500000000000000" pitchFamily="34" charset="-128"/>
-                <a:ea typeface="Adobe Clean Han Regular" panose="020B0500000000000000" pitchFamily="34" charset="-128"/>
+                <a:latin typeface="Adobe Clean"/>
+                <a:ea typeface="MS Mincho"/>
                 <a:cs typeface="Adobe Clean"/>
               </a:rPr>
               <a:t>©2020 Adobe.All Rights Reserved.Adobe Confidential.</a:t>
@@ -9905,10 +10262,7 @@
           <a:bodyPr wrap="square" lIns="0" tIns="0" rIns="0" bIns="0" rtlCol="0"/>
           <a:lstStyle/>
           <a:p>
-            <a:endParaRPr>
-              <a:latin typeface="Adobe Clean Han Regular" panose="020B0500000000000000" pitchFamily="34" charset="-128"/>
-              <a:ea typeface="Adobe Clean Han Regular" panose="020B0500000000000000" pitchFamily="34" charset="-128"/>
-            </a:endParaRPr>
+            <a:endParaRPr/>
           </a:p>
         </p:txBody>
       </p:sp>
@@ -9942,7 +10296,7 @@
               </a:spcBef>
             </a:pPr>
             <a:r>
-              <a:rPr lang="ja-JP" sz="1400" b="1">
+              <a:rPr lang="ja-JP" sz="1400" b="1" dirty="0">
                 <a:solidFill>
                   <a:srgbClr val="020302"/>
                 </a:solidFill>
@@ -9964,14 +10318,14 @@
         <p:spPr>
           <a:xfrm>
             <a:off x="6754821" y="9283729"/>
-            <a:ext cx="930275" cy="758541"/>
+            <a:ext cx="959284" cy="643125"/>
           </a:xfrm>
           <a:prstGeom prst="rect">
             <a:avLst/>
           </a:prstGeom>
         </p:spPr>
         <p:txBody>
-          <a:bodyPr vert="horz" wrap="square" lIns="0" tIns="12065" rIns="0" bIns="0" rtlCol="0">
+          <a:bodyPr vert="horz" wrap="square" lIns="0" tIns="12065" rIns="0" bIns="0" rtlCol="0" anchor="t">
             <a:spAutoFit/>
           </a:bodyPr>
           <a:lstStyle/>
@@ -9985,12 +10339,12 @@
               </a:spcBef>
             </a:pPr>
             <a:r>
-              <a:rPr lang="ja-JP" sz="800">
+              <a:rPr lang="ja-JP" sz="800" dirty="0">
                 <a:solidFill>
                   <a:srgbClr val="777879"/>
                 </a:solidFill>
-                <a:latin typeface="Adobe Clean Han Regular" panose="020B0500000000000000" pitchFamily="34" charset="-128"/>
-                <a:ea typeface="Adobe Clean Han Regular" panose="020B0500000000000000" pitchFamily="34" charset="-128"/>
+                <a:latin typeface="Adobe Clean"/>
+                <a:ea typeface="MS Mincho"/>
                 <a:cs typeface="Adobe Clean"/>
               </a:rPr>
               <a:t>Adobe</a:t>
@@ -10003,12 +10357,12 @@
               </a:lnSpc>
             </a:pPr>
             <a:r>
-              <a:rPr lang="ja-JP" sz="800">
+              <a:rPr lang="ja-JP" sz="800" dirty="0">
                 <a:solidFill>
                   <a:srgbClr val="777879"/>
                 </a:solidFill>
-                <a:latin typeface="Adobe Clean Han Regular" panose="020B0500000000000000" pitchFamily="34" charset="-128"/>
-                <a:ea typeface="Adobe Clean Han Regular" panose="020B0500000000000000" pitchFamily="34" charset="-128"/>
+                <a:latin typeface="Adobe Clean"/>
+                <a:ea typeface="MS Mincho"/>
                 <a:cs typeface="Adobe Clean"/>
               </a:rPr>
               <a:t>345 Park Avenue</a:t>
@@ -10021,12 +10375,12 @@
               </a:lnSpc>
             </a:pPr>
             <a:r>
-              <a:rPr lang="ja-JP" sz="800">
+              <a:rPr lang="ja-JP" sz="800" spc="-10" dirty="0">
                 <a:solidFill>
                   <a:srgbClr val="777879"/>
                 </a:solidFill>
-                <a:latin typeface="Adobe Clean Han Regular" panose="020B0500000000000000" pitchFamily="34" charset="-128"/>
-                <a:ea typeface="Adobe Clean Han Regular" panose="020B0500000000000000" pitchFamily="34" charset="-128"/>
+                <a:latin typeface="Adobe Clean"/>
+                <a:ea typeface="MS Mincho"/>
                 <a:cs typeface="Adobe Clean"/>
               </a:rPr>
               <a:t>San Jose, CA95110-2704</a:t>
@@ -10042,12 +10396,12 @@
               </a:spcBef>
             </a:pPr>
             <a:r>
-              <a:rPr lang="ja-JP" sz="800">
+              <a:rPr lang="ja-JP" sz="800" dirty="0">
                 <a:solidFill>
                   <a:srgbClr val="777879"/>
                 </a:solidFill>
-                <a:latin typeface="Adobe Clean Han Regular" panose="020B0500000000000000" pitchFamily="34" charset="-128"/>
-                <a:ea typeface="Adobe Clean Han Regular" panose="020B0500000000000000" pitchFamily="34" charset="-128"/>
+                <a:latin typeface="Adobe Clean"/>
+                <a:ea typeface="MS Mincho"/>
                 <a:cs typeface="Adobe Clean"/>
               </a:rPr>
               <a:t>USA</a:t>
@@ -10063,7 +10417,7 @@
               </a:spcBef>
             </a:pPr>
             <a:r>
-              <a:rPr lang="ja-JP" sz="800" u="sng">
+              <a:rPr lang="ja-JP" sz="800" u="sng" dirty="0">
                 <a:solidFill>
                   <a:srgbClr val="5F5F5F"/>
                 </a:solidFill>
@@ -10072,8 +10426,8 @@
                     <a:srgbClr val="0000FF"/>
                   </a:solidFill>
                 </a:uFill>
-                <a:latin typeface="Adobe Clean Han Regular" panose="020B0500000000000000" pitchFamily="34" charset="-128"/>
-                <a:ea typeface="Adobe Clean Han Regular" panose="020B0500000000000000" pitchFamily="34" charset="-128"/>
+                <a:latin typeface="Adobe Clean"/>
+                <a:ea typeface="MS Mincho"/>
                 <a:cs typeface="Adobe Clean"/>
                 <a:hlinkClick r:id="rId3"/>
               </a:rPr>
@@ -10107,10 +10461,7 @@
           <a:bodyPr wrap="square" lIns="0" tIns="0" rIns="0" bIns="0" rtlCol="0"/>
           <a:lstStyle/>
           <a:p>
-            <a:endParaRPr>
-              <a:latin typeface="Adobe Clean Han Regular" panose="020B0500000000000000" pitchFamily="34" charset="-128"/>
-              <a:ea typeface="Adobe Clean Han Regular" panose="020B0500000000000000" pitchFamily="34" charset="-128"/>
-            </a:endParaRPr>
+            <a:endParaRPr/>
           </a:p>
         </p:txBody>
       </p:sp>
@@ -10193,10 +10544,7 @@
           <a:bodyPr wrap="square" lIns="0" tIns="0" rIns="0" bIns="0" rtlCol="0"/>
           <a:lstStyle/>
           <a:p>
-            <a:endParaRPr>
-              <a:latin typeface="Adobe Clean Han Regular" panose="020B0500000000000000" pitchFamily="34" charset="-128"/>
-              <a:ea typeface="Adobe Clean Han Regular" panose="020B0500000000000000" pitchFamily="34" charset="-128"/>
-            </a:endParaRPr>
+            <a:endParaRPr/>
           </a:p>
         </p:txBody>
       </p:sp>
@@ -10225,10 +10573,7 @@
           <a:bodyPr wrap="square" lIns="0" tIns="0" rIns="0" bIns="0" rtlCol="0"/>
           <a:lstStyle/>
           <a:p>
-            <a:endParaRPr>
-              <a:latin typeface="Adobe Clean Han Regular" panose="020B0500000000000000" pitchFamily="34" charset="-128"/>
-              <a:ea typeface="Adobe Clean Han Regular" panose="020B0500000000000000" pitchFamily="34" charset="-128"/>
-            </a:endParaRPr>
+            <a:endParaRPr/>
           </a:p>
         </p:txBody>
       </p:sp>
@@ -10241,14 +10586,14 @@
         <p:spPr>
           <a:xfrm>
             <a:off x="75947" y="9437110"/>
-            <a:ext cx="5896662" cy="563616"/>
+            <a:ext cx="5867653" cy="563616"/>
           </a:xfrm>
           <a:prstGeom prst="rect">
             <a:avLst/>
           </a:prstGeom>
         </p:spPr>
         <p:txBody>
-          <a:bodyPr vert="horz" wrap="square" lIns="0" tIns="29845" rIns="0" bIns="0" rtlCol="0">
+          <a:bodyPr vert="horz" wrap="square" lIns="0" tIns="29845" rIns="0" bIns="0" rtlCol="0" anchor="t">
             <a:spAutoFit/>
           </a:bodyPr>
           <a:lstStyle/>
@@ -10262,12 +10607,12 @@
               </a:spcBef>
             </a:pPr>
             <a:r>
-              <a:rPr lang="ja-JP" sz="1100" i="1" dirty="0">
+              <a:rPr lang="ja-JP" sz="1100" i="1" spc="-40" dirty="0">
                 <a:solidFill>
                   <a:srgbClr val="777879"/>
                 </a:solidFill>
-                <a:latin typeface="Adobe Clean Han Regular" panose="020B0500000000000000" pitchFamily="34" charset="-128"/>
-                <a:ea typeface="Adobe Clean Han Regular" panose="020B0500000000000000" pitchFamily="34" charset="-128"/>
+                <a:latin typeface="Adobe Clean Han Light" panose="020B0300000000000000" pitchFamily="34" charset="-128"/>
+                <a:ea typeface="Adobe Clean Han Light" panose="020B0300000000000000" pitchFamily="34" charset="-128"/>
                 <a:cs typeface="AdobeClean-LightIt"/>
               </a:rPr>
               <a:t>アドビサポートのサービスやお客様に最適なレベルについて詳しくは、専任アカウントマネージャー（NAM）またはカスタマーサクセスマネージャー（CSM）にお問い合わせください。</a:t>
@@ -10287,8 +10632,8 @@
                 <a:solidFill>
                   <a:srgbClr val="6D6D6D"/>
                 </a:solidFill>
-                <a:latin typeface="Adobe Clean Han Regular" panose="020B0500000000000000" pitchFamily="34" charset="-128"/>
-                <a:ea typeface="Adobe Clean Han Regular" panose="020B0500000000000000" pitchFamily="34" charset="-128"/>
+                <a:latin typeface="Adobe Clean"/>
+                <a:ea typeface="MS Mincho"/>
                 <a:cs typeface="Adobe Clean"/>
               </a:rPr>
               <a:t>©2021 Adobe.All Rights Reserved.Adobe Confidential.</a:t>
@@ -10351,10 +10696,10 @@
                 <a:solidFill>
                   <a:srgbClr val="1F1F1F"/>
                 </a:solidFill>
-                <a:latin typeface="Adobe Clean Han Regular" panose="020B0500000000000000" pitchFamily="34" charset="-128"/>
-                <a:ea typeface="Adobe Clean Han Regular" panose="020B0500000000000000" pitchFamily="34" charset="-128"/>
+                <a:latin typeface="Adobe Clean Han Light" panose="020B0300000000000000" pitchFamily="34" charset="-128"/>
+                <a:ea typeface="Adobe Clean Han Light" panose="020B0300000000000000" pitchFamily="34" charset="-128"/>
               </a:rPr>
-              <a:t>アドビサポートの対象地域と現地営業時間は、以下のとおりです。対象地域は、お客様のセールスオーダーやその他のアドビサポートの購買記録に記載されている請求先の地域に準じます。</a:t>
+              <a:t>アドビサポートの対象地域と現地営業時間は、以下のとおりです。対象地域は、お客様のセールスオーダーやその他のアドビサポートのご契約資料に記載されている請求先の地域に準じます。</a:t>
             </a:r>
           </a:p>
         </p:txBody>
@@ -10374,7 +10719,7 @@
           <p:nvPr>
             <p:extLst>
               <p:ext uri="{D42A27DB-BD31-4B8C-83A1-F6EECF244321}">
-                <p14:modId xmlns:p14="http://schemas.microsoft.com/office/powerpoint/2010/main" val="3930039813"/>
+                <p14:modId xmlns:p14="http://schemas.microsoft.com/office/powerpoint/2010/main" val="4273497114"/>
               </p:ext>
             </p:extLst>
           </p:nvPr>
@@ -10427,7 +10772,7 @@
                     <a:p>
                       <a:pPr algn="ctr"/>
                       <a:r>
-                        <a:rPr lang="ja-JP" sz="1100">
+                        <a:rPr lang="ja-JP" sz="1100" dirty="0">
                           <a:solidFill>
                             <a:schemeClr val="tx1"/>
                           </a:solidFill>
@@ -10493,14 +10838,33 @@
                     <a:p>
                       <a:pPr algn="ctr"/>
                       <a:r>
-                        <a:rPr lang="ja-JP" sz="1100">
+                        <a:rPr lang="ja-JP" sz="1100" dirty="0">
                           <a:solidFill>
                             <a:schemeClr val="tx1"/>
                           </a:solidFill>
                           <a:latin typeface="Adobe Clean Han Regular" panose="020B0500000000000000" pitchFamily="34" charset="-128"/>
                           <a:ea typeface="Adobe Clean Han Regular" panose="020B0500000000000000" pitchFamily="34" charset="-128"/>
                         </a:rPr>
-                        <a:t>ヨーロッパ、中東、アフリカ</a:t>
+                        <a:t>ヨーロッパ、中東、</a:t>
+                      </a:r>
+                      <a:br>
+                        <a:rPr lang="sk-SK" altLang="ja-JP" sz="1100" dirty="0">
+                          <a:solidFill>
+                            <a:schemeClr val="tx1"/>
+                          </a:solidFill>
+                          <a:latin typeface="Adobe Clean Han Regular" panose="020B0500000000000000" pitchFamily="34" charset="-128"/>
+                          <a:ea typeface="Adobe Clean Han Regular" panose="020B0500000000000000" pitchFamily="34" charset="-128"/>
+                        </a:rPr>
+                      </a:br>
+                      <a:r>
+                        <a:rPr lang="ja-JP" sz="1100" dirty="0">
+                          <a:solidFill>
+                            <a:schemeClr val="tx1"/>
+                          </a:solidFill>
+                          <a:latin typeface="Adobe Clean Han Regular" panose="020B0500000000000000" pitchFamily="34" charset="-128"/>
+                          <a:ea typeface="Adobe Clean Han Regular" panose="020B0500000000000000" pitchFamily="34" charset="-128"/>
+                        </a:rPr>
+                        <a:t>アフリカ</a:t>
                       </a:r>
                     </a:p>
                   </a:txBody>
@@ -10774,7 +11138,7 @@
                     <a:p>
                       <a:pPr algn="ctr"/>
                       <a:r>
-                        <a:rPr lang="ja-JP" sz="1100" dirty="0">
+                        <a:rPr lang="ja-JP" sz="1100">
                           <a:solidFill>
                             <a:schemeClr val="tx1"/>
                           </a:solidFill>
@@ -10840,7 +11204,7 @@
                     <a:p>
                       <a:pPr algn="ctr"/>
                       <a:r>
-                        <a:rPr lang="ja-JP" sz="1100">
+                        <a:rPr lang="ja-JP" sz="1100" dirty="0">
                           <a:solidFill>
                             <a:schemeClr val="tx1"/>
                           </a:solidFill>
@@ -10906,7 +11270,7 @@
                     <a:p>
                       <a:pPr algn="ctr"/>
                       <a:r>
-                        <a:rPr lang="ja-JP" sz="1100">
+                        <a:rPr lang="ja-JP" sz="1100" dirty="0">
                           <a:solidFill>
                             <a:schemeClr val="tx1"/>
                           </a:solidFill>
@@ -11386,10 +11750,7 @@
           <a:bodyPr wrap="square" lIns="0" tIns="0" rIns="0" bIns="0" rtlCol="0"/>
           <a:lstStyle/>
           <a:p>
-            <a:endParaRPr>
-              <a:latin typeface="Adobe Clean Han Regular" panose="020B0500000000000000" pitchFamily="34" charset="-128"/>
-              <a:ea typeface="Adobe Clean Han Regular" panose="020B0500000000000000" pitchFamily="34" charset="-128"/>
-            </a:endParaRPr>
+            <a:endParaRPr/>
           </a:p>
         </p:txBody>
       </p:sp>
@@ -11575,8 +11936,8 @@
         </p:nvSpPr>
         <p:spPr>
           <a:xfrm>
-            <a:off x="6477000" y="8543943"/>
-            <a:ext cx="810894" cy="382797"/>
+            <a:off x="6248400" y="8543943"/>
+            <a:ext cx="1261978" cy="382797"/>
           </a:xfrm>
           <a:prstGeom prst="rect">
             <a:avLst/>
@@ -11646,14 +12007,14 @@
           <p:nvPr>
             <p:extLst>
               <p:ext uri="{D42A27DB-BD31-4B8C-83A1-F6EECF244321}">
-                <p14:modId xmlns:p14="http://schemas.microsoft.com/office/powerpoint/2010/main" val="2300702165"/>
+                <p14:modId xmlns:p14="http://schemas.microsoft.com/office/powerpoint/2010/main" val="1213783127"/>
               </p:ext>
             </p:extLst>
           </p:nvPr>
         </p:nvGraphicFramePr>
         <p:xfrm>
           <a:off x="194236" y="1059345"/>
-          <a:ext cx="7368291" cy="3235960"/>
+          <a:ext cx="7368291" cy="3388360"/>
         </p:xfrm>
         <a:graphic>
           <a:graphicData uri="http://schemas.openxmlformats.org/drawingml/2006/table">
@@ -11684,7 +12045,7 @@
                     <a:lstStyle/>
                     <a:p>
                       <a:r>
-                        <a:rPr lang="ja-JP" sz="1100" b="0">
+                        <a:rPr lang="ja-JP" sz="1100" b="0" dirty="0">
                           <a:solidFill>
                             <a:schemeClr val="tx1"/>
                           </a:solidFill>
@@ -11768,12 +12129,12 @@
                         <a:defRPr/>
                       </a:pPr>
                       <a:r>
-                        <a:rPr lang="ja-JP" sz="1000" b="0">
+                        <a:rPr lang="ja-JP" sz="1000" b="0" dirty="0">
                           <a:solidFill>
                             <a:srgbClr val="000000"/>
                           </a:solidFill>
-                          <a:latin typeface="Adobe Clean Han Regular" panose="020B0500000000000000" pitchFamily="34" charset="-128"/>
-                          <a:ea typeface="Adobe Clean Han Regular" panose="020B0500000000000000" pitchFamily="34" charset="-128"/>
+                          <a:latin typeface="Adobe Clean Han Light" panose="020B0300000000000000" pitchFamily="34" charset="-128"/>
+                          <a:ea typeface="Adobe Clean Han Light" panose="020B0300000000000000" pitchFamily="34" charset="-128"/>
                           <a:cs typeface="+mn-cs"/>
                         </a:rPr>
                         <a:t>Experience League では、アドビへの投資に対して企業が期待している価値を実現するための支援を行います。セルフサービスのチュートリアル、製品ドキュメント、講師によるトレーニング、コミュニティ、テクニカルサポートなど、パーソナライズされた成功への道筋に沿って、お客様が学習し、繋がり、成長できる、統合された場所です。 </a:t>
@@ -11953,12 +12314,12 @@
                         <a:defRPr/>
                       </a:pPr>
                       <a:r>
-                        <a:rPr lang="ja-JP" sz="1000">
+                        <a:rPr lang="ja-JP" sz="1000" dirty="0">
                           <a:solidFill>
                             <a:srgbClr val="000000"/>
                           </a:solidFill>
-                          <a:latin typeface="Adobe Clean Han Regular" panose="020B0500000000000000" pitchFamily="34" charset="-128"/>
-                          <a:ea typeface="Adobe Clean Han Regular" panose="020B0500000000000000" pitchFamily="34" charset="-128"/>
+                          <a:latin typeface="Adobe Clean Han Light" panose="020B0300000000000000" pitchFamily="34" charset="-128"/>
+                          <a:ea typeface="Adobe Clean Han Light" panose="020B0300000000000000" pitchFamily="34" charset="-128"/>
                           <a:cs typeface="+mn-cs"/>
                         </a:rPr>
                         <a:t>Adobe Digital Learning Services のコースには、Experience League からアクセスできます。ラーニングコースは、オンデマンドレッスンと講師によるレッスンが統合されています。  市場価値が認められたスキルを習得し、組織での成功を促進するために活用できます。</a:t>
@@ -12043,7 +12404,7 @@
                         <a:defRPr/>
                       </a:pPr>
                       <a:r>
-                        <a:rPr lang="ja-JP" sz="1100">
+                        <a:rPr lang="ja-JP" sz="1100" dirty="0">
                           <a:solidFill>
                             <a:schemeClr val="tx1"/>
                           </a:solidFill>
@@ -12127,12 +12488,12 @@
                         <a:defRPr/>
                       </a:pPr>
                       <a:r>
-                        <a:rPr lang="ja-JP" sz="1000" spc="-20" baseline="0" dirty="0">
+                        <a:rPr lang="ja-JP" sz="1000" dirty="0">
                           <a:solidFill>
                             <a:srgbClr val="000000"/>
                           </a:solidFill>
-                          <a:latin typeface="Adobe Clean Han Regular" panose="020B0500000000000000" pitchFamily="34" charset="-128"/>
-                          <a:ea typeface="Adobe Clean Han Regular" panose="020B0500000000000000" pitchFamily="34" charset="-128"/>
+                          <a:latin typeface="Adobe Clean Han Light" panose="020B0300000000000000" pitchFamily="34" charset="-128"/>
+                          <a:ea typeface="Adobe Clean Han Light" panose="020B0300000000000000" pitchFamily="34" charset="-128"/>
                           <a:cs typeface="+mn-cs"/>
                         </a:rPr>
                         <a:t>status.adobe.com では、マルチテナント環境にデプロイされたすべてのアドビ製品およびサービスのシステムステータス情報が表示されます。お客様は、アドビが製品イベントを作成、更新、解決した際に電子メール通知を受け取るようサブスクリプション設定を選択できます。イベントには、定期的なメンテナンスや、様々な重大度レベルの問題が含まれています。 </a:t>
@@ -12217,7 +12578,7 @@
                         <a:defRPr/>
                       </a:pPr>
                       <a:r>
-                        <a:rPr lang="ja-JP" sz="1100">
+                        <a:rPr lang="ja-JP" sz="1100" dirty="0">
                           <a:solidFill>
                             <a:schemeClr val="tx1"/>
                           </a:solidFill>
@@ -12226,7 +12587,7 @@
                           <a:cs typeface="+mn-cs"/>
                           <a:hlinkClick r:id="rId10"/>
                         </a:rPr>
-                        <a:t>利用規約</a:t>
+                        <a:t>利用条件</a:t>
                       </a:r>
                     </a:p>
                   </a:txBody>
@@ -12288,8 +12649,8 @@
                           <a:solidFill>
                             <a:srgbClr val="000000"/>
                           </a:solidFill>
-                          <a:latin typeface="Adobe Clean Han Regular" panose="020B0500000000000000" pitchFamily="34" charset="-128"/>
-                          <a:ea typeface="Adobe Clean Han Regular" panose="020B0500000000000000" pitchFamily="34" charset="-128"/>
+                          <a:latin typeface="Adobe Clean Han Light" panose="020B0300000000000000" pitchFamily="34" charset="-128"/>
+                          <a:ea typeface="Adobe Clean Han Light" panose="020B0300000000000000" pitchFamily="34" charset="-128"/>
                           <a:cs typeface="+mn-cs"/>
                         </a:rPr>
                         <a:t>提供するサポートサービスについて詳しく説明されています。</a:t>
@@ -12911,6 +13272,15 @@
 </file>
 
 <file path=customXml/item1.xml><?xml version="1.0" encoding="utf-8"?>
+<?mso-contentType ?>
+<FormTemplates xmlns="http://schemas.microsoft.com/sharepoint/v3/contenttype/forms">
+  <Display>DocumentLibraryForm</Display>
+  <Edit>DocumentLibraryForm</Edit>
+  <New>DocumentLibraryForm</New>
+</FormTemplates>
+</file>
+
+<file path=customXml/item2.xml><?xml version="1.0" encoding="utf-8"?>
 <ct:contentTypeSchema xmlns:ct="http://schemas.microsoft.com/office/2006/metadata/contentType" xmlns:ma="http://schemas.microsoft.com/office/2006/metadata/properties/metaAttributes" ct:_="" ma:_="" ma:contentTypeName="Document" ma:contentTypeID="0x010100E783BF6876BCC646A459363AF21A7736" ma:contentTypeVersion="10" ma:contentTypeDescription="Create a new document." ma:contentTypeScope="" ma:versionID="c4ffda7f4f415767600769e454c2ea87">
   <xsd:schema xmlns:xsd="http://www.w3.org/2001/XMLSchema" xmlns:xs="http://www.w3.org/2001/XMLSchema" xmlns:p="http://schemas.microsoft.com/office/2006/metadata/properties" xmlns:ns2="8a053bff-88be-49e4-9a87-e748e18b8b62" xmlns:ns3="6c8368ec-3776-49b5-a5bb-90648cf9530f" targetNamespace="http://schemas.microsoft.com/office/2006/metadata/properties" ma:root="true" ma:fieldsID="df3ec33bccc23e23bce7bc897fad43d1" ns2:_="" ns3:_="">
     <xsd:import namespace="8a053bff-88be-49e4-9a87-e748e18b8b62"/>
@@ -13115,22 +13485,21 @@
 </ct:contentTypeSchema>
 </file>
 
-<file path=customXml/item2.xml><?xml version="1.0" encoding="utf-8"?>
+<file path=customXml/item3.xml><?xml version="1.0" encoding="utf-8"?>
 <p:properties xmlns:p="http://schemas.microsoft.com/office/2006/metadata/properties" xmlns:xsi="http://www.w3.org/2001/XMLSchema-instance" xmlns:pc="http://schemas.microsoft.com/office/infopath/2007/PartnerControls">
   <documentManagement/>
 </p:properties>
 </file>
 
-<file path=customXml/item3.xml><?xml version="1.0" encoding="utf-8"?>
-<?mso-contentType ?>
-<FormTemplates xmlns="http://schemas.microsoft.com/sharepoint/v3/contenttype/forms">
-  <Display>DocumentLibraryForm</Display>
-  <Edit>DocumentLibraryForm</Edit>
-  <New>DocumentLibraryForm</New>
-</FormTemplates>
+<file path=customXml/itemProps1.xml><?xml version="1.0" encoding="utf-8"?>
+<ds:datastoreItem xmlns:ds="http://schemas.openxmlformats.org/officeDocument/2006/customXml" ds:itemID="{AC92E7FA-19A2-4675-9C77-2C92D8A268D1}">
+  <ds:schemaRefs>
+    <ds:schemaRef ds:uri="http://schemas.microsoft.com/sharepoint/v3/contenttype/forms"/>
+  </ds:schemaRefs>
+</ds:datastoreItem>
 </file>
 
-<file path=customXml/itemProps1.xml><?xml version="1.0" encoding="utf-8"?>
+<file path=customXml/itemProps2.xml><?xml version="1.0" encoding="utf-8"?>
 <ds:datastoreItem xmlns:ds="http://schemas.openxmlformats.org/officeDocument/2006/customXml" ds:itemID="{34863498-7BB7-4F09-9F4A-B99E97FDB0EB}">
   <ds:schemaRefs>
     <ds:schemaRef ds:uri="http://schemas.microsoft.com/office/2006/metadata/contentType"/>
@@ -13149,19 +13518,19 @@
 </ds:datastoreItem>
 </file>
 
-<file path=customXml/itemProps2.xml><?xml version="1.0" encoding="utf-8"?>
+<file path=customXml/itemProps3.xml><?xml version="1.0" encoding="utf-8"?>
 <ds:datastoreItem xmlns:ds="http://schemas.openxmlformats.org/officeDocument/2006/customXml" ds:itemID="{8D12BD98-169B-4BEE-86DF-4C9641DF23C4}">
   <ds:schemaRefs>
+    <ds:schemaRef ds:uri="http://schemas.microsoft.com/office/2006/documentManagement/types"/>
     <ds:schemaRef ds:uri="http://schemas.microsoft.com/office/2006/metadata/properties"/>
+    <ds:schemaRef ds:uri="http://www.w3.org/XML/1998/namespace"/>
+    <ds:schemaRef ds:uri="http://purl.org/dc/terms/"/>
+    <ds:schemaRef ds:uri="http://purl.org/dc/elements/1.1/"/>
     <ds:schemaRef ds:uri="http://schemas.microsoft.com/office/infopath/2007/PartnerControls"/>
-  </ds:schemaRefs>
-</ds:datastoreItem>
-</file>
-
-<file path=customXml/itemProps3.xml><?xml version="1.0" encoding="utf-8"?>
-<ds:datastoreItem xmlns:ds="http://schemas.openxmlformats.org/officeDocument/2006/customXml" ds:itemID="{AC92E7FA-19A2-4675-9C77-2C92D8A268D1}">
-  <ds:schemaRefs>
-    <ds:schemaRef ds:uri="http://schemas.microsoft.com/sharepoint/v3/contenttype/forms"/>
+    <ds:schemaRef ds:uri="http://schemas.openxmlformats.org/package/2006/metadata/core-properties"/>
+    <ds:schemaRef ds:uri="8a053bff-88be-49e4-9a87-e748e18b8b62"/>
+    <ds:schemaRef ds:uri="6c8368ec-3776-49b5-a5bb-90648cf9530f"/>
+    <ds:schemaRef ds:uri="http://purl.org/dc/dcmitype/"/>
   </ds:schemaRefs>
 </ds:datastoreItem>
 </file>
--- a/help/data-sheets/assets/OnlineSupportDatasheet.pptx
+++ b/help/data-sheets/assets/OnlineSupportDatasheet.pptx
@@ -435,7 +435,7 @@
           <a:p>
             <a:fld id="{A438815C-EDE5-F947-A55F-7634403F36C4}" type="datetimeFigureOut">
               <a:rPr lang="en-US" smtClean="0"/>
-              <a:t>11/19/2021</a:t>
+              <a:t>1/27/2022</a:t>
             </a:fld>
             <a:endParaRPr lang="en-US"/>
           </a:p>
@@ -1058,7 +1058,7 @@
           <a:p>
             <a:fld id="{1D8BD707-D9CF-40AE-B4C6-C98DA3205C09}" type="datetimeFigureOut">
               <a:rPr lang="en-US"/>
-              <a:t>11/19/2021</a:t>
+              <a:t>1/27/2022</a:t>
             </a:fld>
             <a:endParaRPr lang="en-US"/>
           </a:p>
@@ -1242,7 +1242,7 @@
           <a:p>
             <a:fld id="{1D8BD707-D9CF-40AE-B4C6-C98DA3205C09}" type="datetimeFigureOut">
               <a:rPr lang="en-US"/>
-              <a:t>11/19/2021</a:t>
+              <a:t>1/27/2022</a:t>
             </a:fld>
             <a:endParaRPr lang="en-US"/>
           </a:p>
@@ -1544,7 +1544,7 @@
           <a:p>
             <a:fld id="{1D8BD707-D9CF-40AE-B4C6-C98DA3205C09}" type="datetimeFigureOut">
               <a:rPr lang="en-US"/>
-              <a:t>11/19/2021</a:t>
+              <a:t>1/27/2022</a:t>
             </a:fld>
             <a:endParaRPr lang="en-US"/>
           </a:p>
@@ -10699,7 +10699,47 @@
                 <a:latin typeface="Adobe Clean Han Light" panose="020B0300000000000000" pitchFamily="34" charset="-128"/>
                 <a:ea typeface="Adobe Clean Han Light" panose="020B0300000000000000" pitchFamily="34" charset="-128"/>
               </a:rPr>
-              <a:t>アドビサポートの対象地域と現地営業時間は、以下のとおりです。対象地域は、お客様のセールスオーダーやその他のアドビサポートのご契約資料に記載されている請求先の地域に準じます。</a:t>
+              <a:t>アドビサポートの対象地域と現地営業時間は、以下のとおりです。対象地域は、お客様のセールスオーダーやその他のアドビサポー</a:t>
+            </a:r>
+            <a:r>
+              <a:rPr lang="ja-JP" sz="1000">
+                <a:solidFill>
+                  <a:srgbClr val="1F1F1F"/>
+                </a:solidFill>
+                <a:latin typeface="Adobe Clean Han Light" panose="020B0300000000000000" pitchFamily="34" charset="-128"/>
+                <a:ea typeface="Adobe Clean Han Light" panose="020B0300000000000000" pitchFamily="34" charset="-128"/>
+              </a:rPr>
+              <a:t>トの</a:t>
+            </a:r>
+            <a:r>
+              <a:rPr lang="ja-JP" altLang="en-US" sz="1000">
+                <a:solidFill>
+                  <a:srgbClr val="1F1F1F"/>
+                </a:solidFill>
+                <a:latin typeface="Adobe Clean Han Light" panose="020B0300000000000000" pitchFamily="34" charset="-128"/>
+                <a:ea typeface="Adobe Clean Han Light" panose="020B0300000000000000" pitchFamily="34" charset="-128"/>
+              </a:rPr>
+              <a:t>ご契約資料</a:t>
+            </a:r>
+            <a:r>
+              <a:rPr lang="ja-JP" sz="1000">
+                <a:solidFill>
+                  <a:srgbClr val="1F1F1F"/>
+                </a:solidFill>
+                <a:latin typeface="Adobe Clean Han Light" panose="020B0300000000000000" pitchFamily="34" charset="-128"/>
+                <a:ea typeface="Adobe Clean Han Light" panose="020B0300000000000000" pitchFamily="34" charset="-128"/>
+              </a:rPr>
+              <a:t>に</a:t>
+            </a:r>
+            <a:r>
+              <a:rPr lang="ja-JP" sz="1000" dirty="0">
+                <a:solidFill>
+                  <a:srgbClr val="1F1F1F"/>
+                </a:solidFill>
+                <a:latin typeface="Adobe Clean Han Light" panose="020B0300000000000000" pitchFamily="34" charset="-128"/>
+                <a:ea typeface="Adobe Clean Han Light" panose="020B0300000000000000" pitchFamily="34" charset="-128"/>
+              </a:rPr>
+              <a:t>記載されている請求先の地域に準じます。</a:t>
             </a:r>
           </a:p>
         </p:txBody>
@@ -13272,12 +13312,9 @@
 </file>
 
 <file path=customXml/item1.xml><?xml version="1.0" encoding="utf-8"?>
-<?mso-contentType ?>
-<FormTemplates xmlns="http://schemas.microsoft.com/sharepoint/v3/contenttype/forms">
-  <Display>DocumentLibraryForm</Display>
-  <Edit>DocumentLibraryForm</Edit>
-  <New>DocumentLibraryForm</New>
-</FormTemplates>
+<p:properties xmlns:p="http://schemas.microsoft.com/office/2006/metadata/properties" xmlns:xsi="http://www.w3.org/2001/XMLSchema-instance" xmlns:pc="http://schemas.microsoft.com/office/infopath/2007/PartnerControls">
+  <documentManagement/>
+</p:properties>
 </file>
 
 <file path=customXml/item2.xml><?xml version="1.0" encoding="utf-8"?>
@@ -13486,15 +13523,27 @@
 </file>
 
 <file path=customXml/item3.xml><?xml version="1.0" encoding="utf-8"?>
-<p:properties xmlns:p="http://schemas.microsoft.com/office/2006/metadata/properties" xmlns:xsi="http://www.w3.org/2001/XMLSchema-instance" xmlns:pc="http://schemas.microsoft.com/office/infopath/2007/PartnerControls">
-  <documentManagement/>
-</p:properties>
+<?mso-contentType ?>
+<FormTemplates xmlns="http://schemas.microsoft.com/sharepoint/v3/contenttype/forms">
+  <Display>DocumentLibraryForm</Display>
+  <Edit>DocumentLibraryForm</Edit>
+  <New>DocumentLibraryForm</New>
+</FormTemplates>
 </file>
 
 <file path=customXml/itemProps1.xml><?xml version="1.0" encoding="utf-8"?>
-<ds:datastoreItem xmlns:ds="http://schemas.openxmlformats.org/officeDocument/2006/customXml" ds:itemID="{AC92E7FA-19A2-4675-9C77-2C92D8A268D1}">
+<ds:datastoreItem xmlns:ds="http://schemas.openxmlformats.org/officeDocument/2006/customXml" ds:itemID="{8D12BD98-169B-4BEE-86DF-4C9641DF23C4}">
   <ds:schemaRefs>
-    <ds:schemaRef ds:uri="http://schemas.microsoft.com/sharepoint/v3/contenttype/forms"/>
+    <ds:schemaRef ds:uri="http://schemas.microsoft.com/office/2006/documentManagement/types"/>
+    <ds:schemaRef ds:uri="http://schemas.microsoft.com/office/2006/metadata/properties"/>
+    <ds:schemaRef ds:uri="http://www.w3.org/XML/1998/namespace"/>
+    <ds:schemaRef ds:uri="http://purl.org/dc/terms/"/>
+    <ds:schemaRef ds:uri="http://purl.org/dc/elements/1.1/"/>
+    <ds:schemaRef ds:uri="http://schemas.microsoft.com/office/infopath/2007/PartnerControls"/>
+    <ds:schemaRef ds:uri="http://schemas.openxmlformats.org/package/2006/metadata/core-properties"/>
+    <ds:schemaRef ds:uri="8a053bff-88be-49e4-9a87-e748e18b8b62"/>
+    <ds:schemaRef ds:uri="6c8368ec-3776-49b5-a5bb-90648cf9530f"/>
+    <ds:schemaRef ds:uri="http://purl.org/dc/dcmitype/"/>
   </ds:schemaRefs>
 </ds:datastoreItem>
 </file>
@@ -13519,18 +13568,9 @@
 </file>
 
 <file path=customXml/itemProps3.xml><?xml version="1.0" encoding="utf-8"?>
-<ds:datastoreItem xmlns:ds="http://schemas.openxmlformats.org/officeDocument/2006/customXml" ds:itemID="{8D12BD98-169B-4BEE-86DF-4C9641DF23C4}">
+<ds:datastoreItem xmlns:ds="http://schemas.openxmlformats.org/officeDocument/2006/customXml" ds:itemID="{AC92E7FA-19A2-4675-9C77-2C92D8A268D1}">
   <ds:schemaRefs>
-    <ds:schemaRef ds:uri="http://schemas.microsoft.com/office/2006/documentManagement/types"/>
-    <ds:schemaRef ds:uri="http://schemas.microsoft.com/office/2006/metadata/properties"/>
-    <ds:schemaRef ds:uri="http://www.w3.org/XML/1998/namespace"/>
-    <ds:schemaRef ds:uri="http://purl.org/dc/terms/"/>
-    <ds:schemaRef ds:uri="http://purl.org/dc/elements/1.1/"/>
-    <ds:schemaRef ds:uri="http://schemas.microsoft.com/office/infopath/2007/PartnerControls"/>
-    <ds:schemaRef ds:uri="http://schemas.openxmlformats.org/package/2006/metadata/core-properties"/>
-    <ds:schemaRef ds:uri="8a053bff-88be-49e4-9a87-e748e18b8b62"/>
-    <ds:schemaRef ds:uri="6c8368ec-3776-49b5-a5bb-90648cf9530f"/>
-    <ds:schemaRef ds:uri="http://purl.org/dc/dcmitype/"/>
+    <ds:schemaRef ds:uri="http://schemas.microsoft.com/sharepoint/v3/contenttype/forms"/>
   </ds:schemaRefs>
 </ds:datastoreItem>
 </file>